--- a/Introduction to D3.pptx
+++ b/Introduction to D3.pptx
@@ -6,42 +6,43 @@
   </p:sldMasterIdLst>
   <p:sldIdLst>
     <p:sldId id="256" r:id="rId2"/>
-    <p:sldId id="263" r:id="rId3"/>
-    <p:sldId id="285" r:id="rId4"/>
-    <p:sldId id="286" r:id="rId5"/>
-    <p:sldId id="287" r:id="rId6"/>
-    <p:sldId id="298" r:id="rId7"/>
-    <p:sldId id="288" r:id="rId8"/>
-    <p:sldId id="294" r:id="rId9"/>
-    <p:sldId id="293" r:id="rId10"/>
-    <p:sldId id="295" r:id="rId11"/>
-    <p:sldId id="296" r:id="rId12"/>
-    <p:sldId id="297" r:id="rId13"/>
-    <p:sldId id="299" r:id="rId14"/>
-    <p:sldId id="280" r:id="rId15"/>
-    <p:sldId id="273" r:id="rId16"/>
-    <p:sldId id="279" r:id="rId17"/>
-    <p:sldId id="274" r:id="rId18"/>
-    <p:sldId id="290" r:id="rId19"/>
-    <p:sldId id="284" r:id="rId20"/>
-    <p:sldId id="281" r:id="rId21"/>
-    <p:sldId id="275" r:id="rId22"/>
-    <p:sldId id="282" r:id="rId23"/>
-    <p:sldId id="276" r:id="rId24"/>
-    <p:sldId id="277" r:id="rId25"/>
-    <p:sldId id="283" r:id="rId26"/>
-    <p:sldId id="291" r:id="rId27"/>
-    <p:sldId id="278" r:id="rId28"/>
-    <p:sldId id="292" r:id="rId29"/>
-    <p:sldId id="270" r:id="rId30"/>
-    <p:sldId id="261" r:id="rId31"/>
-    <p:sldId id="268" r:id="rId32"/>
-    <p:sldId id="266" r:id="rId33"/>
-    <p:sldId id="264" r:id="rId34"/>
-    <p:sldId id="262" r:id="rId35"/>
-    <p:sldId id="269" r:id="rId36"/>
-    <p:sldId id="267" r:id="rId37"/>
-    <p:sldId id="259" r:id="rId38"/>
+    <p:sldId id="300" r:id="rId3"/>
+    <p:sldId id="263" r:id="rId4"/>
+    <p:sldId id="285" r:id="rId5"/>
+    <p:sldId id="286" r:id="rId6"/>
+    <p:sldId id="287" r:id="rId7"/>
+    <p:sldId id="298" r:id="rId8"/>
+    <p:sldId id="288" r:id="rId9"/>
+    <p:sldId id="294" r:id="rId10"/>
+    <p:sldId id="293" r:id="rId11"/>
+    <p:sldId id="295" r:id="rId12"/>
+    <p:sldId id="296" r:id="rId13"/>
+    <p:sldId id="297" r:id="rId14"/>
+    <p:sldId id="299" r:id="rId15"/>
+    <p:sldId id="280" r:id="rId16"/>
+    <p:sldId id="273" r:id="rId17"/>
+    <p:sldId id="279" r:id="rId18"/>
+    <p:sldId id="274" r:id="rId19"/>
+    <p:sldId id="290" r:id="rId20"/>
+    <p:sldId id="284" r:id="rId21"/>
+    <p:sldId id="281" r:id="rId22"/>
+    <p:sldId id="275" r:id="rId23"/>
+    <p:sldId id="282" r:id="rId24"/>
+    <p:sldId id="276" r:id="rId25"/>
+    <p:sldId id="277" r:id="rId26"/>
+    <p:sldId id="283" r:id="rId27"/>
+    <p:sldId id="291" r:id="rId28"/>
+    <p:sldId id="278" r:id="rId29"/>
+    <p:sldId id="292" r:id="rId30"/>
+    <p:sldId id="270" r:id="rId31"/>
+    <p:sldId id="261" r:id="rId32"/>
+    <p:sldId id="268" r:id="rId33"/>
+    <p:sldId id="266" r:id="rId34"/>
+    <p:sldId id="264" r:id="rId35"/>
+    <p:sldId id="262" r:id="rId36"/>
+    <p:sldId id="269" r:id="rId37"/>
+    <p:sldId id="267" r:id="rId38"/>
+    <p:sldId id="259" r:id="rId39"/>
   </p:sldIdLst>
   <p:sldSz cx="12192000" cy="6858000"/>
   <p:notesSz cx="6858000" cy="9144000"/>
@@ -3188,6 +3189,181 @@
         </p:nvSpPr>
         <p:spPr>
           <a:xfrm>
+            <a:off x="2739828" y="2657769"/>
+            <a:ext cx="10515600" cy="1325563"/>
+          </a:xfrm>
+        </p:spPr>
+        <p:txBody>
+          <a:bodyPr/>
+          <a:lstStyle/>
+          <a:p>
+            <a:r>
+              <a:rPr lang="en-US" dirty="0" smtClean="0"/>
+              <a:t>Tableau</a:t>
+            </a:r>
+            <a:endParaRPr lang="en-US" dirty="0"/>
+          </a:p>
+        </p:txBody>
+      </p:sp>
+      <p:pic>
+        <p:nvPicPr>
+          <p:cNvPr id="3080" name="Picture 8" descr="https://wittyandpretty.com/wp-content/uploads/2014/09/basic-cake.jpg"/>
+          <p:cNvPicPr>
+            <a:picLocks noChangeAspect="1" noChangeArrowheads="1"/>
+          </p:cNvPicPr>
+          <p:nvPr/>
+        </p:nvPicPr>
+        <p:blipFill rotWithShape="1">
+          <a:blip r:embed="rId2">
+            <a:extLst>
+              <a:ext uri="{28A0092B-C50C-407E-A947-70E740481C1C}">
+                <a14:useLocalDpi xmlns:a14="http://schemas.microsoft.com/office/drawing/2010/main" val="0"/>
+              </a:ext>
+            </a:extLst>
+          </a:blip>
+          <a:srcRect l="7729" r="12698"/>
+          <a:stretch/>
+        </p:blipFill>
+        <p:spPr bwMode="auto">
+          <a:xfrm>
+            <a:off x="5623965" y="365125"/>
+            <a:ext cx="6271327" cy="5910853"/>
+          </a:xfrm>
+          <a:prstGeom prst="rect">
+            <a:avLst/>
+          </a:prstGeom>
+          <a:noFill/>
+          <a:extLst>
+            <a:ext uri="{909E8E84-426E-40DD-AFC4-6F175D3DCCD1}">
+              <a14:hiddenFill xmlns:a14="http://schemas.microsoft.com/office/drawing/2010/main">
+                <a:solidFill>
+                  <a:srgbClr val="FFFFFF"/>
+                </a:solidFill>
+              </a14:hiddenFill>
+            </a:ext>
+          </a:extLst>
+        </p:spPr>
+      </p:pic>
+    </p:spTree>
+    <p:extLst>
+      <p:ext uri="{BB962C8B-B14F-4D97-AF65-F5344CB8AC3E}">
+        <p14:creationId xmlns:p14="http://schemas.microsoft.com/office/powerpoint/2010/main" val="3142918255"/>
+      </p:ext>
+    </p:extLst>
+  </p:cSld>
+  <p:clrMapOvr>
+    <a:masterClrMapping/>
+  </p:clrMapOvr>
+  <p:timing>
+    <p:tnLst>
+      <p:par>
+        <p:cTn id="1" dur="indefinite" restart="never" nodeType="tmRoot">
+          <p:childTnLst>
+            <p:seq concurrent="1" nextAc="seek">
+              <p:cTn id="2" dur="indefinite" nodeType="mainSeq">
+                <p:childTnLst>
+                  <p:par>
+                    <p:cTn id="3" fill="hold">
+                      <p:stCondLst>
+                        <p:cond delay="indefinite"/>
+                      </p:stCondLst>
+                      <p:childTnLst>
+                        <p:par>
+                          <p:cTn id="4" fill="hold">
+                            <p:stCondLst>
+                              <p:cond delay="0"/>
+                            </p:stCondLst>
+                            <p:childTnLst>
+                              <p:par>
+                                <p:cTn id="5" presetID="1" presetClass="entr" presetSubtype="0" fill="hold" grpId="0" nodeType="clickEffect">
+                                  <p:stCondLst>
+                                    <p:cond delay="0"/>
+                                  </p:stCondLst>
+                                  <p:childTnLst>
+                                    <p:set>
+                                      <p:cBhvr>
+                                        <p:cTn id="6" dur="1" fill="hold">
+                                          <p:stCondLst>
+                                            <p:cond delay="0"/>
+                                          </p:stCondLst>
+                                        </p:cTn>
+                                        <p:tgtEl>
+                                          <p:spTgt spid="2"/>
+                                        </p:tgtEl>
+                                        <p:attrNameLst>
+                                          <p:attrName>style.visibility</p:attrName>
+                                        </p:attrNameLst>
+                                      </p:cBhvr>
+                                      <p:to>
+                                        <p:strVal val="visible"/>
+                                      </p:to>
+                                    </p:set>
+                                  </p:childTnLst>
+                                </p:cTn>
+                              </p:par>
+                            </p:childTnLst>
+                          </p:cTn>
+                        </p:par>
+                      </p:childTnLst>
+                    </p:cTn>
+                  </p:par>
+                </p:childTnLst>
+              </p:cTn>
+              <p:prevCondLst>
+                <p:cond evt="onPrev" delay="0">
+                  <p:tgtEl>
+                    <p:sldTgt/>
+                  </p:tgtEl>
+                </p:cond>
+              </p:prevCondLst>
+              <p:nextCondLst>
+                <p:cond evt="onNext" delay="0">
+                  <p:tgtEl>
+                    <p:sldTgt/>
+                  </p:tgtEl>
+                </p:cond>
+              </p:nextCondLst>
+            </p:seq>
+          </p:childTnLst>
+        </p:cTn>
+      </p:par>
+    </p:tnLst>
+    <p:bldLst>
+      <p:bldP spid="2" grpId="0"/>
+    </p:bldLst>
+  </p:timing>
+</p:sld>
+</file>
+
+<file path=ppt/slides/slide11.xml><?xml version="1.0" encoding="utf-8"?>
+<p:sld xmlns:a="http://schemas.openxmlformats.org/drawingml/2006/main" xmlns:r="http://schemas.openxmlformats.org/officeDocument/2006/relationships" xmlns:p="http://schemas.openxmlformats.org/presentationml/2006/main">
+  <p:cSld>
+    <p:spTree>
+      <p:nvGrpSpPr>
+        <p:cNvPr id="1" name=""/>
+        <p:cNvGrpSpPr/>
+        <p:nvPr/>
+      </p:nvGrpSpPr>
+      <p:grpSpPr>
+        <a:xfrm>
+          <a:off x="0" y="0"/>
+          <a:ext cx="0" cy="0"/>
+          <a:chOff x="0" y="0"/>
+          <a:chExt cx="0" cy="0"/>
+        </a:xfrm>
+      </p:grpSpPr>
+      <p:sp>
+        <p:nvSpPr>
+          <p:cNvPr id="2" name="Title 1"/>
+          <p:cNvSpPr>
+            <a:spLocks noGrp="1"/>
+          </p:cNvSpPr>
+          <p:nvPr>
+            <p:ph type="title"/>
+          </p:nvPr>
+        </p:nvSpPr>
+        <p:spPr>
+          <a:xfrm>
             <a:off x="1857797" y="2589200"/>
             <a:ext cx="10515600" cy="1325563"/>
           </a:xfrm>
@@ -3334,7 +3510,7 @@
 </p:sld>
 </file>
 
-<file path=ppt/slides/slide11.xml><?xml version="1.0" encoding="utf-8"?>
+<file path=ppt/slides/slide12.xml><?xml version="1.0" encoding="utf-8"?>
 <p:sld xmlns:a="http://schemas.openxmlformats.org/drawingml/2006/main" xmlns:r="http://schemas.openxmlformats.org/officeDocument/2006/relationships" xmlns:p="http://schemas.openxmlformats.org/presentationml/2006/main">
   <p:cSld>
     <p:spTree>
@@ -3516,160 +3692,6 @@
 </p:sld>
 </file>
 
-<file path=ppt/slides/slide12.xml><?xml version="1.0" encoding="utf-8"?>
-<p:sld xmlns:a="http://schemas.openxmlformats.org/drawingml/2006/main" xmlns:r="http://schemas.openxmlformats.org/officeDocument/2006/relationships" xmlns:p="http://schemas.openxmlformats.org/presentationml/2006/main">
-  <p:cSld>
-    <p:spTree>
-      <p:nvGrpSpPr>
-        <p:cNvPr id="1" name=""/>
-        <p:cNvGrpSpPr/>
-        <p:nvPr/>
-      </p:nvGrpSpPr>
-      <p:grpSpPr>
-        <a:xfrm>
-          <a:off x="0" y="0"/>
-          <a:ext cx="0" cy="0"/>
-          <a:chOff x="0" y="0"/>
-          <a:chExt cx="0" cy="0"/>
-        </a:xfrm>
-      </p:grpSpPr>
-      <p:sp>
-        <p:nvSpPr>
-          <p:cNvPr id="2" name="Title 1"/>
-          <p:cNvSpPr>
-            <a:spLocks noGrp="1"/>
-          </p:cNvSpPr>
-          <p:nvPr>
-            <p:ph type="title"/>
-          </p:nvPr>
-        </p:nvSpPr>
-        <p:spPr/>
-        <p:txBody>
-          <a:bodyPr/>
-          <a:lstStyle/>
-          <a:p>
-            <a:r>
-              <a:rPr lang="en-US" dirty="0" smtClean="0"/>
-              <a:t>The difference is in the recipe:</a:t>
-            </a:r>
-            <a:endParaRPr lang="en-US" dirty="0"/>
-          </a:p>
-        </p:txBody>
-      </p:sp>
-      <p:sp>
-        <p:nvSpPr>
-          <p:cNvPr id="3" name="Content Placeholder 2"/>
-          <p:cNvSpPr>
-            <a:spLocks noGrp="1"/>
-          </p:cNvSpPr>
-          <p:nvPr>
-            <p:ph idx="1"/>
-          </p:nvPr>
-        </p:nvSpPr>
-        <p:spPr>
-          <a:xfrm>
-            <a:off x="838200" y="1537486"/>
-            <a:ext cx="10515600" cy="4960417"/>
-          </a:xfrm>
-        </p:spPr>
-        <p:txBody>
-          <a:bodyPr/>
-          <a:lstStyle/>
-          <a:p>
-            <a:r>
-              <a:rPr lang="en-US" b="1" dirty="0" smtClean="0"/>
-              <a:t>“Store bought” cake is easy: </a:t>
-            </a:r>
-          </a:p>
-          <a:p>
-            <a:pPr lvl="1"/>
-            <a:r>
-              <a:rPr lang="en-US" dirty="0" smtClean="0"/>
-              <a:t>eggs, water, and their pre-mixed flour, </a:t>
-            </a:r>
-          </a:p>
-          <a:p>
-            <a:pPr lvl="1"/>
-            <a:r>
-              <a:rPr lang="en-US" dirty="0" smtClean="0"/>
-              <a:t>bake, </a:t>
-            </a:r>
-          </a:p>
-          <a:p>
-            <a:pPr lvl="1"/>
-            <a:r>
-              <a:rPr lang="en-US" dirty="0" smtClean="0"/>
-              <a:t>and then if you have the time: add frosting</a:t>
-            </a:r>
-          </a:p>
-          <a:p>
-            <a:pPr lvl="1"/>
-            <a:r>
-              <a:rPr lang="en-US" dirty="0" smtClean="0"/>
-              <a:t>In the end? Boring!</a:t>
-            </a:r>
-          </a:p>
-          <a:p>
-            <a:pPr lvl="1"/>
-            <a:endParaRPr lang="en-US" dirty="0"/>
-          </a:p>
-          <a:p>
-            <a:r>
-              <a:rPr lang="en-US" b="1" dirty="0" smtClean="0"/>
-              <a:t>Cake “from scratch” is hard:</a:t>
-            </a:r>
-          </a:p>
-          <a:p>
-            <a:pPr lvl="1"/>
-            <a:r>
-              <a:rPr lang="en-US" dirty="0" smtClean="0"/>
-              <a:t>You have to think about each ingredient, its quality, its needs</a:t>
-            </a:r>
-          </a:p>
-          <a:p>
-            <a:pPr lvl="1"/>
-            <a:r>
-              <a:rPr lang="en-US" dirty="0" smtClean="0"/>
-              <a:t>You must imagine your end-result to find a useful recipe to get there</a:t>
-            </a:r>
-          </a:p>
-          <a:p>
-            <a:pPr lvl="1"/>
-            <a:r>
-              <a:rPr lang="en-US" dirty="0" smtClean="0"/>
-              <a:t>It can take a long time to master each ingredient</a:t>
-            </a:r>
-          </a:p>
-          <a:p>
-            <a:pPr lvl="1"/>
-            <a:r>
-              <a:rPr lang="en-US" dirty="0" smtClean="0"/>
-              <a:t>In the end? A unique masterpiece!</a:t>
-            </a:r>
-            <a:endParaRPr lang="en-US" dirty="0"/>
-          </a:p>
-        </p:txBody>
-      </p:sp>
-    </p:spTree>
-    <p:extLst>
-      <p:ext uri="{BB962C8B-B14F-4D97-AF65-F5344CB8AC3E}">
-        <p14:creationId xmlns:p14="http://schemas.microsoft.com/office/powerpoint/2010/main" val="2932848234"/>
-      </p:ext>
-    </p:extLst>
-  </p:cSld>
-  <p:clrMapOvr>
-    <a:masterClrMapping/>
-  </p:clrMapOvr>
-  <p:timing>
-    <p:tnLst>
-      <p:par>
-        <p:cTn id="1" dur="indefinite" restart="never" nodeType="tmRoot"/>
-      </p:par>
-    </p:tnLst>
-  </p:timing>
-</p:sld>
-</file>
-
 <file path=ppt/slides/slide13.xml><?xml version="1.0" encoding="utf-8"?>
 <p:sld xmlns:a="http://schemas.openxmlformats.org/drawingml/2006/main" xmlns:r="http://schemas.openxmlformats.org/officeDocument/2006/relationships" xmlns:p="http://schemas.openxmlformats.org/presentationml/2006/main">
   <p:cSld>
@@ -3689,51 +3711,116 @@
       </p:grpSpPr>
       <p:sp>
         <p:nvSpPr>
-          <p:cNvPr id="4" name="Title 3"/>
-          <p:cNvSpPr>
-            <a:spLocks noGrp="1"/>
-          </p:cNvSpPr>
-          <p:nvPr>
-            <p:ph type="ctrTitle"/>
-          </p:nvPr>
-        </p:nvSpPr>
-        <p:spPr/>
-        <p:txBody>
-          <a:bodyPr/>
-          <a:lstStyle/>
-          <a:p>
-            <a:r>
-              <a:rPr lang="en-US" dirty="0" smtClean="0"/>
-              <a:t>Cake from Scratch</a:t>
-            </a:r>
-            <a:endParaRPr lang="en-US" dirty="0"/>
-          </a:p>
-        </p:txBody>
-      </p:sp>
-      <p:sp>
-        <p:nvSpPr>
-          <p:cNvPr id="5" name="Subtitle 4"/>
-          <p:cNvSpPr>
-            <a:spLocks noGrp="1"/>
-          </p:cNvSpPr>
-          <p:nvPr>
-            <p:ph type="subTitle" idx="1"/>
-          </p:nvPr>
-        </p:nvSpPr>
-        <p:spPr/>
-        <p:txBody>
-          <a:bodyPr/>
-          <a:lstStyle/>
-          <a:p>
-            <a:r>
-              <a:rPr lang="en-US" dirty="0" smtClean="0"/>
-              <a:t>A “grammar of graphics” is key: </a:t>
-            </a:r>
-          </a:p>
-          <a:p>
-            <a:r>
-              <a:rPr lang="en-US" dirty="0" smtClean="0"/>
-              <a:t>How do we talk about and use visualizations?</a:t>
+          <p:cNvPr id="2" name="Title 1"/>
+          <p:cNvSpPr>
+            <a:spLocks noGrp="1"/>
+          </p:cNvSpPr>
+          <p:nvPr>
+            <p:ph type="title"/>
+          </p:nvPr>
+        </p:nvSpPr>
+        <p:spPr/>
+        <p:txBody>
+          <a:bodyPr/>
+          <a:lstStyle/>
+          <a:p>
+            <a:r>
+              <a:rPr lang="en-US" dirty="0" smtClean="0"/>
+              <a:t>The difference is in the recipe:</a:t>
+            </a:r>
+            <a:endParaRPr lang="en-US" dirty="0"/>
+          </a:p>
+        </p:txBody>
+      </p:sp>
+      <p:sp>
+        <p:nvSpPr>
+          <p:cNvPr id="3" name="Content Placeholder 2"/>
+          <p:cNvSpPr>
+            <a:spLocks noGrp="1"/>
+          </p:cNvSpPr>
+          <p:nvPr>
+            <p:ph idx="1"/>
+          </p:nvPr>
+        </p:nvSpPr>
+        <p:spPr>
+          <a:xfrm>
+            <a:off x="838200" y="1537486"/>
+            <a:ext cx="10515600" cy="4960417"/>
+          </a:xfrm>
+        </p:spPr>
+        <p:txBody>
+          <a:bodyPr/>
+          <a:lstStyle/>
+          <a:p>
+            <a:r>
+              <a:rPr lang="en-US" b="1" dirty="0" smtClean="0"/>
+              <a:t>“Store bought” cake is easy: </a:t>
+            </a:r>
+          </a:p>
+          <a:p>
+            <a:pPr lvl="1"/>
+            <a:r>
+              <a:rPr lang="en-US" dirty="0" smtClean="0"/>
+              <a:t>eggs, water, and their pre-mixed flour, </a:t>
+            </a:r>
+          </a:p>
+          <a:p>
+            <a:pPr lvl="1"/>
+            <a:r>
+              <a:rPr lang="en-US" dirty="0" smtClean="0"/>
+              <a:t>bake, </a:t>
+            </a:r>
+          </a:p>
+          <a:p>
+            <a:pPr lvl="1"/>
+            <a:r>
+              <a:rPr lang="en-US" dirty="0" smtClean="0"/>
+              <a:t>and then if you have the time: add frosting</a:t>
+            </a:r>
+          </a:p>
+          <a:p>
+            <a:pPr lvl="1"/>
+            <a:r>
+              <a:rPr lang="en-US" dirty="0" smtClean="0"/>
+              <a:t>In the end? Boring!</a:t>
+            </a:r>
+          </a:p>
+          <a:p>
+            <a:pPr lvl="1"/>
+            <a:endParaRPr lang="en-US" dirty="0"/>
+          </a:p>
+          <a:p>
+            <a:r>
+              <a:rPr lang="en-US" b="1" dirty="0" smtClean="0"/>
+              <a:t>Cake “from scratch” is hard:</a:t>
+            </a:r>
+          </a:p>
+          <a:p>
+            <a:pPr lvl="1"/>
+            <a:r>
+              <a:rPr lang="en-US" dirty="0" smtClean="0"/>
+              <a:t>You have to think about each ingredient, its quality, its needs</a:t>
+            </a:r>
+          </a:p>
+          <a:p>
+            <a:pPr lvl="1"/>
+            <a:r>
+              <a:rPr lang="en-US" dirty="0" smtClean="0"/>
+              <a:t>You must imagine your end-result to find a useful recipe to get there</a:t>
+            </a:r>
+          </a:p>
+          <a:p>
+            <a:pPr lvl="1"/>
+            <a:r>
+              <a:rPr lang="en-US" dirty="0" smtClean="0"/>
+              <a:t>It can take a long time to master each ingredient</a:t>
+            </a:r>
+          </a:p>
+          <a:p>
+            <a:pPr lvl="1"/>
+            <a:r>
+              <a:rPr lang="en-US" dirty="0" smtClean="0"/>
+              <a:t>In the end? A unique masterpiece!</a:t>
             </a:r>
             <a:endParaRPr lang="en-US" dirty="0"/>
           </a:p>
@@ -3742,7 +3829,7 @@
     </p:spTree>
     <p:extLst>
       <p:ext uri="{BB962C8B-B14F-4D97-AF65-F5344CB8AC3E}">
-        <p14:creationId xmlns:p14="http://schemas.microsoft.com/office/powerpoint/2010/main" val="305827575"/>
+        <p14:creationId xmlns:p14="http://schemas.microsoft.com/office/powerpoint/2010/main" val="2932848234"/>
       </p:ext>
     </p:extLst>
   </p:cSld>
@@ -3778,97 +3865,52 @@
       </p:grpSpPr>
       <p:sp>
         <p:nvSpPr>
-          <p:cNvPr id="2" name="Title 1"/>
-          <p:cNvSpPr>
-            <a:spLocks noGrp="1"/>
-          </p:cNvSpPr>
-          <p:nvPr>
-            <p:ph type="title"/>
-          </p:nvPr>
-        </p:nvSpPr>
-        <p:spPr/>
-        <p:txBody>
-          <a:bodyPr/>
-          <a:lstStyle/>
-          <a:p>
-            <a:r>
-              <a:rPr lang="en-US" dirty="0" smtClean="0"/>
-              <a:t>Getting Started:</a:t>
-            </a:r>
-            <a:endParaRPr lang="en-US" dirty="0"/>
-          </a:p>
-        </p:txBody>
-      </p:sp>
-      <p:sp>
-        <p:nvSpPr>
-          <p:cNvPr id="3" name="Content Placeholder 2"/>
-          <p:cNvSpPr>
-            <a:spLocks noGrp="1"/>
-          </p:cNvSpPr>
-          <p:nvPr>
-            <p:ph idx="1"/>
-          </p:nvPr>
-        </p:nvSpPr>
-        <p:spPr/>
-        <p:txBody>
-          <a:bodyPr/>
-          <a:lstStyle/>
-          <a:p>
-            <a:r>
-              <a:rPr lang="en-US" dirty="0"/>
-              <a:t>Get a text editor: </a:t>
-            </a:r>
-            <a:r>
-              <a:rPr lang="en-US" b="1" dirty="0"/>
-              <a:t>Sublime</a:t>
-            </a:r>
-            <a:r>
-              <a:rPr lang="en-US" dirty="0"/>
-              <a:t>, Atom, Notepad++, or </a:t>
-            </a:r>
-            <a:r>
-              <a:rPr lang="en-US" dirty="0" smtClean="0"/>
-              <a:t>Brackets</a:t>
-            </a:r>
-          </a:p>
-          <a:p>
-            <a:r>
-              <a:rPr lang="en-US" dirty="0" smtClean="0"/>
-              <a:t>Make sure you have either </a:t>
-            </a:r>
-            <a:r>
-              <a:rPr lang="en-US" b="1" dirty="0" smtClean="0"/>
-              <a:t>Chrome </a:t>
-            </a:r>
-            <a:r>
-              <a:rPr lang="en-US" dirty="0" smtClean="0"/>
-              <a:t>or Firefox</a:t>
-            </a:r>
-          </a:p>
-          <a:p>
-            <a:endParaRPr lang="en-US" dirty="0"/>
-          </a:p>
-          <a:p>
-            <a:r>
-              <a:rPr lang="en-US" dirty="0" smtClean="0"/>
-              <a:t>Open the “barchart_ready.html” file in your </a:t>
-            </a:r>
-            <a:r>
-              <a:rPr lang="en-US" b="1" dirty="0" smtClean="0"/>
-              <a:t>browser</a:t>
-            </a:r>
-          </a:p>
-          <a:p>
-            <a:r>
-              <a:rPr lang="en-US" dirty="0" smtClean="0"/>
-              <a:t>Open the “barchart_ready.html” file in your </a:t>
-            </a:r>
-            <a:r>
-              <a:rPr lang="en-US" b="1" dirty="0" smtClean="0"/>
-              <a:t>text editor</a:t>
-            </a:r>
-          </a:p>
-          <a:p>
+          <p:cNvPr id="4" name="Title 3"/>
+          <p:cNvSpPr>
+            <a:spLocks noGrp="1"/>
+          </p:cNvSpPr>
+          <p:nvPr>
+            <p:ph type="ctrTitle"/>
+          </p:nvPr>
+        </p:nvSpPr>
+        <p:spPr/>
+        <p:txBody>
+          <a:bodyPr/>
+          <a:lstStyle/>
+          <a:p>
+            <a:r>
+              <a:rPr lang="en-US" dirty="0" smtClean="0"/>
+              <a:t>Cake from Scratch</a:t>
+            </a:r>
+            <a:endParaRPr lang="en-US" dirty="0"/>
+          </a:p>
+        </p:txBody>
+      </p:sp>
+      <p:sp>
+        <p:nvSpPr>
+          <p:cNvPr id="5" name="Subtitle 4"/>
+          <p:cNvSpPr>
+            <a:spLocks noGrp="1"/>
+          </p:cNvSpPr>
+          <p:nvPr>
+            <p:ph type="subTitle" idx="1"/>
+          </p:nvPr>
+        </p:nvSpPr>
+        <p:spPr/>
+        <p:txBody>
+          <a:bodyPr/>
+          <a:lstStyle/>
+          <a:p>
+            <a:r>
+              <a:rPr lang="en-US" dirty="0" smtClean="0"/>
+              <a:t>A “grammar of graphics” is key: </a:t>
+            </a:r>
+          </a:p>
+          <a:p>
+            <a:r>
+              <a:rPr lang="en-US" dirty="0" smtClean="0"/>
+              <a:t>How do we talk about and use visualizations?</a:t>
+            </a:r>
             <a:endParaRPr lang="en-US" dirty="0"/>
           </a:p>
         </p:txBody>
@@ -3876,7 +3918,7 @@
     </p:spTree>
     <p:extLst>
       <p:ext uri="{BB962C8B-B14F-4D97-AF65-F5344CB8AC3E}">
-        <p14:creationId xmlns:p14="http://schemas.microsoft.com/office/powerpoint/2010/main" val="2894837639"/>
+        <p14:creationId xmlns:p14="http://schemas.microsoft.com/office/powerpoint/2010/main" val="305827575"/>
       </p:ext>
     </p:extLst>
   </p:cSld>
@@ -3927,6 +3969,140 @@
           <a:p>
             <a:r>
               <a:rPr lang="en-US" dirty="0" smtClean="0"/>
+              <a:t>Getting Started:</a:t>
+            </a:r>
+            <a:endParaRPr lang="en-US" dirty="0"/>
+          </a:p>
+        </p:txBody>
+      </p:sp>
+      <p:sp>
+        <p:nvSpPr>
+          <p:cNvPr id="3" name="Content Placeholder 2"/>
+          <p:cNvSpPr>
+            <a:spLocks noGrp="1"/>
+          </p:cNvSpPr>
+          <p:nvPr>
+            <p:ph idx="1"/>
+          </p:nvPr>
+        </p:nvSpPr>
+        <p:spPr/>
+        <p:txBody>
+          <a:bodyPr/>
+          <a:lstStyle/>
+          <a:p>
+            <a:r>
+              <a:rPr lang="en-US" dirty="0"/>
+              <a:t>Get a text editor: </a:t>
+            </a:r>
+            <a:r>
+              <a:rPr lang="en-US" b="1" dirty="0"/>
+              <a:t>Sublime</a:t>
+            </a:r>
+            <a:r>
+              <a:rPr lang="en-US" dirty="0"/>
+              <a:t>, Atom, Notepad++, or </a:t>
+            </a:r>
+            <a:r>
+              <a:rPr lang="en-US" dirty="0" smtClean="0"/>
+              <a:t>Brackets</a:t>
+            </a:r>
+          </a:p>
+          <a:p>
+            <a:r>
+              <a:rPr lang="en-US" dirty="0" smtClean="0"/>
+              <a:t>Make sure you have either </a:t>
+            </a:r>
+            <a:r>
+              <a:rPr lang="en-US" b="1" dirty="0" smtClean="0"/>
+              <a:t>Chrome </a:t>
+            </a:r>
+            <a:r>
+              <a:rPr lang="en-US" dirty="0" smtClean="0"/>
+              <a:t>or Firefox</a:t>
+            </a:r>
+          </a:p>
+          <a:p>
+            <a:endParaRPr lang="en-US" dirty="0"/>
+          </a:p>
+          <a:p>
+            <a:r>
+              <a:rPr lang="en-US" dirty="0" smtClean="0"/>
+              <a:t>Open the “barchart_ready.html” file in your </a:t>
+            </a:r>
+            <a:r>
+              <a:rPr lang="en-US" b="1" dirty="0" smtClean="0"/>
+              <a:t>browser</a:t>
+            </a:r>
+          </a:p>
+          <a:p>
+            <a:r>
+              <a:rPr lang="en-US" dirty="0" smtClean="0"/>
+              <a:t>Open the “barchart_ready.html” file in your </a:t>
+            </a:r>
+            <a:r>
+              <a:rPr lang="en-US" b="1" dirty="0" smtClean="0"/>
+              <a:t>text editor</a:t>
+            </a:r>
+          </a:p>
+          <a:p>
+            <a:endParaRPr lang="en-US" dirty="0"/>
+          </a:p>
+        </p:txBody>
+      </p:sp>
+    </p:spTree>
+    <p:extLst>
+      <p:ext uri="{BB962C8B-B14F-4D97-AF65-F5344CB8AC3E}">
+        <p14:creationId xmlns:p14="http://schemas.microsoft.com/office/powerpoint/2010/main" val="2894837639"/>
+      </p:ext>
+    </p:extLst>
+  </p:cSld>
+  <p:clrMapOvr>
+    <a:masterClrMapping/>
+  </p:clrMapOvr>
+  <p:timing>
+    <p:tnLst>
+      <p:par>
+        <p:cTn id="1" dur="indefinite" restart="never" nodeType="tmRoot"/>
+      </p:par>
+    </p:tnLst>
+  </p:timing>
+</p:sld>
+</file>
+
+<file path=ppt/slides/slide16.xml><?xml version="1.0" encoding="utf-8"?>
+<p:sld xmlns:a="http://schemas.openxmlformats.org/drawingml/2006/main" xmlns:r="http://schemas.openxmlformats.org/officeDocument/2006/relationships" xmlns:p="http://schemas.openxmlformats.org/presentationml/2006/main">
+  <p:cSld>
+    <p:spTree>
+      <p:nvGrpSpPr>
+        <p:cNvPr id="1" name=""/>
+        <p:cNvGrpSpPr/>
+        <p:nvPr/>
+      </p:nvGrpSpPr>
+      <p:grpSpPr>
+        <a:xfrm>
+          <a:off x="0" y="0"/>
+          <a:ext cx="0" cy="0"/>
+          <a:chOff x="0" y="0"/>
+          <a:chExt cx="0" cy="0"/>
+        </a:xfrm>
+      </p:grpSpPr>
+      <p:sp>
+        <p:nvSpPr>
+          <p:cNvPr id="2" name="Title 1"/>
+          <p:cNvSpPr>
+            <a:spLocks noGrp="1"/>
+          </p:cNvSpPr>
+          <p:nvPr>
+            <p:ph type="title"/>
+          </p:nvPr>
+        </p:nvSpPr>
+        <p:spPr/>
+        <p:txBody>
+          <a:bodyPr/>
+          <a:lstStyle/>
+          <a:p>
+            <a:r>
+              <a:rPr lang="en-US" dirty="0" smtClean="0"/>
               <a:t>Build your environment:</a:t>
             </a:r>
             <a:endParaRPr lang="en-US" dirty="0"/>
@@ -3953,19 +4129,7 @@
           <a:p>
             <a:r>
               <a:rPr lang="en-US" dirty="0" smtClean="0"/>
-              <a:t>Build </a:t>
-            </a:r>
-            <a:r>
-              <a:rPr lang="en-US" dirty="0" smtClean="0"/>
-              <a:t>index.html file with d3 </a:t>
-            </a:r>
-            <a:r>
-              <a:rPr lang="en-US" dirty="0" smtClean="0"/>
-              <a:t>source link </a:t>
-            </a:r>
-            <a:r>
-              <a:rPr lang="en-US" dirty="0" smtClean="0"/>
-              <a:t>(local or web)</a:t>
+              <a:t>Build index.html file with d3 source link (local or web)</a:t>
             </a:r>
           </a:p>
           <a:p>
@@ -3977,11 +4141,7 @@
           <a:p>
             <a:r>
               <a:rPr lang="en-US" dirty="0" smtClean="0"/>
-              <a:t>Create empty “controller.js” </a:t>
-            </a:r>
-            <a:r>
-              <a:rPr lang="en-US" dirty="0" smtClean="0"/>
-              <a:t>file</a:t>
+              <a:t>Create empty “controller.js” file</a:t>
             </a:r>
           </a:p>
           <a:p>
@@ -4036,7 +4196,7 @@
 </p:sld>
 </file>
 
-<file path=ppt/slides/slide16.xml><?xml version="1.0" encoding="utf-8"?>
+<file path=ppt/slides/slide17.xml><?xml version="1.0" encoding="utf-8"?>
 <p:sld xmlns:a="http://schemas.openxmlformats.org/drawingml/2006/main" xmlns:r="http://schemas.openxmlformats.org/officeDocument/2006/relationships" xmlns:p="http://schemas.openxmlformats.org/presentationml/2006/main">
   <p:cSld>
     <p:spTree>
@@ -4175,7 +4335,7 @@
 </p:sld>
 </file>
 
-<file path=ppt/slides/slide17.xml><?xml version="1.0" encoding="utf-8"?>
+<file path=ppt/slides/slide18.xml><?xml version="1.0" encoding="utf-8"?>
 <p:sld xmlns:a="http://schemas.openxmlformats.org/drawingml/2006/main" xmlns:r="http://schemas.openxmlformats.org/officeDocument/2006/relationships" xmlns:p="http://schemas.openxmlformats.org/presentationml/2006/main">
   <p:cSld>
     <p:spTree>
@@ -4264,11 +4424,7 @@
             </a:r>
             <a:r>
               <a:rPr lang="en-US" dirty="0" smtClean="0"/>
-              <a:t>here</a:t>
-            </a:r>
-            <a:r>
-              <a:rPr lang="en-US" dirty="0" smtClean="0"/>
-              <a:t>)</a:t>
+              <a:t>here)</a:t>
             </a:r>
           </a:p>
           <a:p>
@@ -4294,7 +4450,7 @@
 </p:sld>
 </file>
 
-<file path=ppt/slides/slide18.xml><?xml version="1.0" encoding="utf-8"?>
+<file path=ppt/slides/slide19.xml><?xml version="1.0" encoding="utf-8"?>
 <p:sld xmlns:a="http://schemas.openxmlformats.org/drawingml/2006/main" xmlns:r="http://schemas.openxmlformats.org/officeDocument/2006/relationships" xmlns:p="http://schemas.openxmlformats.org/presentationml/2006/main">
   <p:cSld>
     <p:spTree>
@@ -4517,7 +4673,82 @@
 </p:sld>
 </file>
 
-<file path=ppt/slides/slide19.xml><?xml version="1.0" encoding="utf-8"?>
+<file path=ppt/slides/slide2.xml><?xml version="1.0" encoding="utf-8"?>
+<p:sld xmlns:a="http://schemas.openxmlformats.org/drawingml/2006/main" xmlns:r="http://schemas.openxmlformats.org/officeDocument/2006/relationships" xmlns:p="http://schemas.openxmlformats.org/presentationml/2006/main">
+  <p:cSld>
+    <p:spTree>
+      <p:nvGrpSpPr>
+        <p:cNvPr id="1" name=""/>
+        <p:cNvGrpSpPr/>
+        <p:nvPr/>
+      </p:nvGrpSpPr>
+      <p:grpSpPr>
+        <a:xfrm>
+          <a:off x="0" y="0"/>
+          <a:ext cx="0" cy="0"/>
+          <a:chOff x="0" y="0"/>
+          <a:chExt cx="0" cy="0"/>
+        </a:xfrm>
+      </p:grpSpPr>
+      <p:sp>
+        <p:nvSpPr>
+          <p:cNvPr id="4" name="Title 3"/>
+          <p:cNvSpPr>
+            <a:spLocks noGrp="1"/>
+          </p:cNvSpPr>
+          <p:nvPr>
+            <p:ph type="ctrTitle"/>
+          </p:nvPr>
+        </p:nvSpPr>
+        <p:spPr/>
+        <p:txBody>
+          <a:bodyPr/>
+          <a:lstStyle/>
+          <a:p>
+            <a:r>
+              <a:rPr lang="en-US" dirty="0" smtClean="0"/>
+              <a:t>This Repo:</a:t>
+            </a:r>
+            <a:endParaRPr lang="en-US" dirty="0"/>
+          </a:p>
+        </p:txBody>
+      </p:sp>
+      <p:sp>
+        <p:nvSpPr>
+          <p:cNvPr id="5" name="Subtitle 4"/>
+          <p:cNvSpPr>
+            <a:spLocks noGrp="1"/>
+          </p:cNvSpPr>
+          <p:nvPr>
+            <p:ph type="subTitle" idx="1"/>
+          </p:nvPr>
+        </p:nvSpPr>
+        <p:spPr/>
+        <p:txBody>
+          <a:bodyPr/>
+          <a:lstStyle/>
+          <a:p>
+            <a:r>
+              <a:rPr lang="en-US" dirty="0"/>
+              <a:t>https://github.com/nuitrcs/Intro_to_d3_workshop</a:t>
+            </a:r>
+          </a:p>
+        </p:txBody>
+      </p:sp>
+    </p:spTree>
+    <p:extLst>
+      <p:ext uri="{BB962C8B-B14F-4D97-AF65-F5344CB8AC3E}">
+        <p14:creationId xmlns:p14="http://schemas.microsoft.com/office/powerpoint/2010/main" val="309578843"/>
+      </p:ext>
+    </p:extLst>
+  </p:cSld>
+  <p:clrMapOvr>
+    <a:masterClrMapping/>
+  </p:clrMapOvr>
+</p:sld>
+</file>
+
+<file path=ppt/slides/slide20.xml><?xml version="1.0" encoding="utf-8"?>
 <p:sld xmlns:a="http://schemas.openxmlformats.org/drawingml/2006/main" xmlns:r="http://schemas.openxmlformats.org/officeDocument/2006/relationships" xmlns:p="http://schemas.openxmlformats.org/presentationml/2006/main">
   <p:cSld>
     <p:spTree>
@@ -4613,232 +4844,6 @@
 </p:sld>
 </file>
 
-<file path=ppt/slides/slide2.xml><?xml version="1.0" encoding="utf-8"?>
-<p:sld xmlns:a="http://schemas.openxmlformats.org/drawingml/2006/main" xmlns:r="http://schemas.openxmlformats.org/officeDocument/2006/relationships" xmlns:p="http://schemas.openxmlformats.org/presentationml/2006/main">
-  <p:cSld>
-    <p:spTree>
-      <p:nvGrpSpPr>
-        <p:cNvPr id="1" name=""/>
-        <p:cNvGrpSpPr/>
-        <p:nvPr/>
-      </p:nvGrpSpPr>
-      <p:grpSpPr>
-        <a:xfrm>
-          <a:off x="0" y="0"/>
-          <a:ext cx="0" cy="0"/>
-          <a:chOff x="0" y="0"/>
-          <a:chExt cx="0" cy="0"/>
-        </a:xfrm>
-      </p:grpSpPr>
-      <p:sp>
-        <p:nvSpPr>
-          <p:cNvPr id="2" name="Title 1"/>
-          <p:cNvSpPr>
-            <a:spLocks noGrp="1"/>
-          </p:cNvSpPr>
-          <p:nvPr>
-            <p:ph type="ctrTitle"/>
-          </p:nvPr>
-        </p:nvSpPr>
-        <p:spPr>
-          <a:xfrm>
-            <a:off x="1524000" y="1064027"/>
-            <a:ext cx="9144000" cy="1207337"/>
-          </a:xfrm>
-        </p:spPr>
-        <p:txBody>
-          <a:bodyPr>
-            <a:normAutofit/>
-          </a:bodyPr>
-          <a:lstStyle/>
-          <a:p>
-            <a:pPr algn="l"/>
-            <a:r>
-              <a:rPr lang="en-US" dirty="0" smtClean="0"/>
-              <a:t>What is D3 capable of?</a:t>
-            </a:r>
-            <a:endParaRPr lang="en-US" dirty="0"/>
-          </a:p>
-        </p:txBody>
-      </p:sp>
-      <p:sp>
-        <p:nvSpPr>
-          <p:cNvPr id="3" name="Subtitle 2"/>
-          <p:cNvSpPr>
-            <a:spLocks noGrp="1"/>
-          </p:cNvSpPr>
-          <p:nvPr>
-            <p:ph type="subTitle" idx="1"/>
-          </p:nvPr>
-        </p:nvSpPr>
-        <p:spPr>
-          <a:xfrm>
-            <a:off x="1524000" y="2271364"/>
-            <a:ext cx="9144000" cy="4048320"/>
-          </a:xfrm>
-        </p:spPr>
-        <p:txBody>
-          <a:bodyPr/>
-          <a:lstStyle/>
-          <a:p>
-            <a:pPr algn="l"/>
-            <a:r>
-              <a:rPr lang="en-US" dirty="0"/>
-              <a:t>https://frankelavsky.github.io/LIGO-Virgo-Mass-Plot/</a:t>
-            </a:r>
-          </a:p>
-          <a:p>
-            <a:pPr algn="l"/>
-            <a:endParaRPr lang="en-US" dirty="0" smtClean="0"/>
-          </a:p>
-          <a:p>
-            <a:pPr algn="l"/>
-            <a:r>
-              <a:rPr lang="en-US" dirty="0" smtClean="0"/>
-              <a:t>http</a:t>
-            </a:r>
-            <a:r>
-              <a:rPr lang="en-US" dirty="0"/>
-              <a:t>://www.r2d3.us/visual-intro-to-machine-learning-part-1</a:t>
-            </a:r>
-            <a:r>
-              <a:rPr lang="en-US" dirty="0" smtClean="0"/>
-              <a:t>/</a:t>
-            </a:r>
-          </a:p>
-          <a:p>
-            <a:pPr algn="l"/>
-            <a:r>
-              <a:rPr lang="en-US" dirty="0"/>
-              <a:t>http://</a:t>
-            </a:r>
-            <a:r>
-              <a:rPr lang="en-US" dirty="0" smtClean="0"/>
-              <a:t>bit.ly/2wJEeIy</a:t>
-            </a:r>
-          </a:p>
-          <a:p>
-            <a:pPr algn="l"/>
-            <a:r>
-              <a:rPr lang="en-US" dirty="0" smtClean="0"/>
-              <a:t>http://nbremer.github.io/urbanization/</a:t>
-            </a:r>
-          </a:p>
-          <a:p>
-            <a:pPr algn="l"/>
-            <a:r>
-              <a:rPr lang="en-US" dirty="0" smtClean="0"/>
-              <a:t>https</a:t>
-            </a:r>
-            <a:r>
-              <a:rPr lang="en-US" dirty="0"/>
-              <a:t>://</a:t>
-            </a:r>
-            <a:r>
-              <a:rPr lang="en-US" dirty="0" smtClean="0"/>
-              <a:t>www.nytimes.com/interactive/2014/upshot/buy-rent-calculator.htmlhttps</a:t>
-            </a:r>
-            <a:r>
-              <a:rPr lang="en-US" dirty="0"/>
-              <a:t>://bost.ocks.org/mike/algorithms/</a:t>
-            </a:r>
-            <a:endParaRPr lang="en-US" dirty="0" smtClean="0"/>
-          </a:p>
-          <a:p>
-            <a:pPr algn="l"/>
-            <a:endParaRPr lang="en-US" dirty="0"/>
-          </a:p>
-        </p:txBody>
-      </p:sp>
-    </p:spTree>
-    <p:extLst>
-      <p:ext uri="{BB962C8B-B14F-4D97-AF65-F5344CB8AC3E}">
-        <p14:creationId xmlns:p14="http://schemas.microsoft.com/office/powerpoint/2010/main" val="990942484"/>
-      </p:ext>
-    </p:extLst>
-  </p:cSld>
-  <p:clrMapOvr>
-    <a:masterClrMapping/>
-  </p:clrMapOvr>
-</p:sld>
-</file>
-
-<file path=ppt/slides/slide20.xml><?xml version="1.0" encoding="utf-8"?>
-<p:sld xmlns:a="http://schemas.openxmlformats.org/drawingml/2006/main" xmlns:r="http://schemas.openxmlformats.org/officeDocument/2006/relationships" xmlns:p="http://schemas.openxmlformats.org/presentationml/2006/main">
-  <p:cSld>
-    <p:spTree>
-      <p:nvGrpSpPr>
-        <p:cNvPr id="1" name=""/>
-        <p:cNvGrpSpPr/>
-        <p:nvPr/>
-      </p:nvGrpSpPr>
-      <p:grpSpPr>
-        <a:xfrm>
-          <a:off x="0" y="0"/>
-          <a:ext cx="0" cy="0"/>
-          <a:chOff x="0" y="0"/>
-          <a:chExt cx="0" cy="0"/>
-        </a:xfrm>
-      </p:grpSpPr>
-      <p:sp>
-        <p:nvSpPr>
-          <p:cNvPr id="2" name="Title 1"/>
-          <p:cNvSpPr>
-            <a:spLocks noGrp="1"/>
-          </p:cNvSpPr>
-          <p:nvPr>
-            <p:ph type="ctrTitle"/>
-          </p:nvPr>
-        </p:nvSpPr>
-        <p:spPr/>
-        <p:txBody>
-          <a:bodyPr/>
-          <a:lstStyle/>
-          <a:p>
-            <a:r>
-              <a:rPr lang="en-US" dirty="0" smtClean="0"/>
-              <a:t>Begin writing code!</a:t>
-            </a:r>
-            <a:endParaRPr lang="en-US" dirty="0"/>
-          </a:p>
-        </p:txBody>
-      </p:sp>
-      <p:sp>
-        <p:nvSpPr>
-          <p:cNvPr id="5" name="Subtitle 4"/>
-          <p:cNvSpPr>
-            <a:spLocks noGrp="1"/>
-          </p:cNvSpPr>
-          <p:nvPr>
-            <p:ph type="subTitle" idx="1"/>
-          </p:nvPr>
-        </p:nvSpPr>
-        <p:spPr/>
-        <p:txBody>
-          <a:bodyPr/>
-          <a:lstStyle/>
-          <a:p>
-            <a:r>
-              <a:rPr lang="en-US" dirty="0" smtClean="0"/>
-              <a:t>Let’s recreate this monster (follow along)</a:t>
-            </a:r>
-            <a:endParaRPr lang="en-US" dirty="0"/>
-          </a:p>
-        </p:txBody>
-      </p:sp>
-    </p:spTree>
-    <p:extLst>
-      <p:ext uri="{BB962C8B-B14F-4D97-AF65-F5344CB8AC3E}">
-        <p14:creationId xmlns:p14="http://schemas.microsoft.com/office/powerpoint/2010/main" val="3899806170"/>
-      </p:ext>
-    </p:extLst>
-  </p:cSld>
-  <p:clrMapOvr>
-    <a:masterClrMapping/>
-  </p:clrMapOvr>
-</p:sld>
-</file>
-
 <file path=ppt/slides/slide21.xml><?xml version="1.0" encoding="utf-8"?>
 <p:sld xmlns:a="http://schemas.openxmlformats.org/drawingml/2006/main" xmlns:r="http://schemas.openxmlformats.org/officeDocument/2006/relationships" xmlns:p="http://schemas.openxmlformats.org/presentationml/2006/main">
   <p:cSld>
@@ -4863,211 +4868,40 @@
             <a:spLocks noGrp="1"/>
           </p:cNvSpPr>
           <p:nvPr>
-            <p:ph type="title"/>
-          </p:nvPr>
-        </p:nvSpPr>
-        <p:spPr/>
-        <p:txBody>
-          <a:bodyPr/>
-          <a:lstStyle/>
-          <a:p>
-            <a:r>
-              <a:rPr lang="en-US" dirty="0" smtClean="0"/>
-              <a:t>1a. Beginning </a:t>
-            </a:r>
-            <a:r>
-              <a:rPr lang="en-US" dirty="0" smtClean="0"/>
-              <a:t>with D3</a:t>
-            </a:r>
-            <a:endParaRPr lang="en-US" dirty="0"/>
-          </a:p>
-        </p:txBody>
-      </p:sp>
-      <p:sp>
-        <p:nvSpPr>
-          <p:cNvPr id="3" name="Content Placeholder 2"/>
-          <p:cNvSpPr>
-            <a:spLocks noGrp="1"/>
-          </p:cNvSpPr>
-          <p:nvPr>
-            <p:ph idx="1"/>
-          </p:nvPr>
-        </p:nvSpPr>
-        <p:spPr>
-          <a:xfrm>
-            <a:off x="838200" y="1825625"/>
-            <a:ext cx="10515600" cy="4777476"/>
-          </a:xfrm>
-        </p:spPr>
-        <p:txBody>
-          <a:bodyPr/>
-          <a:lstStyle/>
-          <a:p>
-            <a:pPr marL="0" indent="0">
-              <a:buNone/>
-            </a:pPr>
-            <a:r>
-              <a:rPr lang="en-US" i="1" dirty="0" smtClean="0"/>
-              <a:t>Once we get set up, we should only visit controller (and </a:t>
-            </a:r>
-            <a:r>
-              <a:rPr lang="en-US" i="1" dirty="0" err="1" smtClean="0"/>
-              <a:t>css</a:t>
-            </a:r>
-            <a:r>
-              <a:rPr lang="en-US" i="1" dirty="0" smtClean="0"/>
-              <a:t>)</a:t>
-            </a:r>
-          </a:p>
-          <a:p>
-            <a:r>
-              <a:rPr lang="en-US" dirty="0" smtClean="0"/>
-              <a:t>Select </a:t>
-            </a:r>
-            <a:r>
-              <a:rPr lang="en-US" dirty="0" smtClean="0"/>
-              <a:t>the </a:t>
-            </a:r>
-            <a:r>
-              <a:rPr lang="en-US" dirty="0" smtClean="0"/>
-              <a:t>“#graph” element</a:t>
-            </a:r>
-          </a:p>
-          <a:p>
-            <a:pPr lvl="1"/>
-            <a:r>
-              <a:rPr lang="en-US" dirty="0" smtClean="0"/>
-              <a:t>Reference this with a </a:t>
-            </a:r>
-            <a:r>
-              <a:rPr lang="en-US" b="1" i="1" dirty="0" err="1" smtClean="0">
-                <a:solidFill>
-                  <a:schemeClr val="accent1">
-                    <a:lumMod val="60000"/>
-                    <a:lumOff val="40000"/>
-                  </a:schemeClr>
-                </a:solidFill>
-              </a:rPr>
-              <a:t>var</a:t>
-            </a:r>
-            <a:r>
-              <a:rPr lang="en-US" b="1" i="1" dirty="0">
-                <a:solidFill>
-                  <a:schemeClr val="accent1">
-                    <a:lumMod val="60000"/>
-                    <a:lumOff val="40000"/>
-                  </a:schemeClr>
-                </a:solidFill>
-              </a:rPr>
-              <a:t> </a:t>
-            </a:r>
-            <a:endParaRPr lang="en-US" b="1" i="1" dirty="0" smtClean="0">
-              <a:solidFill>
-                <a:schemeClr val="accent1">
-                  <a:lumMod val="60000"/>
-                  <a:lumOff val="40000"/>
-                </a:schemeClr>
-              </a:solidFill>
-            </a:endParaRPr>
-          </a:p>
-          <a:p>
-            <a:pPr lvl="1"/>
-            <a:r>
-              <a:rPr lang="en-US" dirty="0" smtClean="0"/>
-              <a:t>Give it dimensions</a:t>
-            </a:r>
-            <a:endParaRPr lang="en-US" dirty="0" smtClean="0"/>
-          </a:p>
-          <a:p>
-            <a:r>
-              <a:rPr lang="en-US" dirty="0" smtClean="0"/>
-              <a:t>Append </a:t>
-            </a:r>
-            <a:r>
-              <a:rPr lang="en-US" dirty="0" smtClean="0"/>
-              <a:t>g</a:t>
-            </a:r>
-            <a:endParaRPr lang="en-US" dirty="0" smtClean="0"/>
-          </a:p>
-          <a:p>
-            <a:pPr lvl="1"/>
-            <a:r>
-              <a:rPr lang="en-US" dirty="0" smtClean="0"/>
-              <a:t>Reference this </a:t>
-            </a:r>
-            <a:r>
-              <a:rPr lang="en-US" dirty="0" smtClean="0"/>
-              <a:t>g </a:t>
-            </a:r>
-            <a:r>
-              <a:rPr lang="en-US" dirty="0" smtClean="0"/>
-              <a:t>with a </a:t>
-            </a:r>
-            <a:r>
-              <a:rPr lang="en-US" b="1" i="1" dirty="0" err="1" smtClean="0">
-                <a:solidFill>
-                  <a:schemeClr val="accent1">
-                    <a:lumMod val="60000"/>
-                    <a:lumOff val="40000"/>
-                  </a:schemeClr>
-                </a:solidFill>
-              </a:rPr>
-              <a:t>var</a:t>
-            </a:r>
-            <a:endParaRPr lang="en-US" b="1" i="1" dirty="0" smtClean="0">
-              <a:solidFill>
-                <a:schemeClr val="accent1">
-                  <a:lumMod val="60000"/>
-                  <a:lumOff val="40000"/>
-                </a:schemeClr>
-              </a:solidFill>
-            </a:endParaRPr>
-          </a:p>
-          <a:p>
-            <a:r>
-              <a:rPr lang="en-US" dirty="0" err="1" smtClean="0"/>
-              <a:t>g.selectAll</a:t>
-            </a:r>
-            <a:r>
-              <a:rPr lang="en-US" dirty="0" smtClean="0"/>
-              <a:t>(‘.bar’)</a:t>
-            </a:r>
-          </a:p>
-          <a:p>
-            <a:pPr marL="457200" lvl="1" indent="0">
-              <a:buNone/>
-            </a:pPr>
-            <a:r>
-              <a:rPr lang="en-US" dirty="0" smtClean="0"/>
-              <a:t>.data(data)</a:t>
-            </a:r>
-          </a:p>
-          <a:p>
-            <a:pPr marL="457200" lvl="1" indent="0">
-              <a:buNone/>
-            </a:pPr>
-            <a:r>
-              <a:rPr lang="en-US" dirty="0" smtClean="0"/>
-              <a:t>.enter().append(‘</a:t>
-            </a:r>
-            <a:r>
-              <a:rPr lang="en-US" dirty="0" err="1" smtClean="0"/>
-              <a:t>rect</a:t>
-            </a:r>
-            <a:r>
-              <a:rPr lang="en-US" dirty="0" smtClean="0"/>
-              <a:t>’)</a:t>
-            </a:r>
-            <a:endParaRPr lang="en-US" dirty="0"/>
-          </a:p>
-          <a:p>
-            <a:r>
-              <a:rPr lang="en-US" dirty="0"/>
-              <a:t>Discuss SVG types &amp; explain </a:t>
-            </a:r>
-            <a:r>
-              <a:rPr lang="en-US" dirty="0" smtClean="0"/>
-              <a:t>SVG</a:t>
+            <p:ph type="ctrTitle"/>
+          </p:nvPr>
+        </p:nvSpPr>
+        <p:spPr/>
+        <p:txBody>
+          <a:bodyPr/>
+          <a:lstStyle/>
+          <a:p>
+            <a:r>
+              <a:rPr lang="en-US" dirty="0" smtClean="0"/>
+              <a:t>Begin writing code!</a:t>
+            </a:r>
+            <a:endParaRPr lang="en-US" dirty="0"/>
+          </a:p>
+        </p:txBody>
+      </p:sp>
+      <p:sp>
+        <p:nvSpPr>
+          <p:cNvPr id="5" name="Subtitle 4"/>
+          <p:cNvSpPr>
+            <a:spLocks noGrp="1"/>
+          </p:cNvSpPr>
+          <p:nvPr>
+            <p:ph type="subTitle" idx="1"/>
+          </p:nvPr>
+        </p:nvSpPr>
+        <p:spPr/>
+        <p:txBody>
+          <a:bodyPr/>
+          <a:lstStyle/>
+          <a:p>
+            <a:r>
+              <a:rPr lang="en-US" dirty="0" smtClean="0"/>
+              <a:t>Let’s recreate this monster (follow along)</a:t>
             </a:r>
             <a:endParaRPr lang="en-US" dirty="0"/>
           </a:p>
@@ -5076,7 +4910,7 @@
     </p:spTree>
     <p:extLst>
       <p:ext uri="{BB962C8B-B14F-4D97-AF65-F5344CB8AC3E}">
-        <p14:creationId xmlns:p14="http://schemas.microsoft.com/office/powerpoint/2010/main" val="674903255"/>
+        <p14:creationId xmlns:p14="http://schemas.microsoft.com/office/powerpoint/2010/main" val="3899806170"/>
       </p:ext>
     </p:extLst>
   </p:cSld>
@@ -5120,7 +4954,7 @@
           <a:p>
             <a:r>
               <a:rPr lang="en-US" dirty="0" smtClean="0"/>
-              <a:t>1b. Use the bound data!</a:t>
+              <a:t>1a. Beginning with D3</a:t>
             </a:r>
             <a:endParaRPr lang="en-US" dirty="0"/>
           </a:p>
@@ -5136,78 +4970,160 @@
             <p:ph idx="1"/>
           </p:nvPr>
         </p:nvSpPr>
-        <p:spPr/>
-        <p:txBody>
-          <a:bodyPr/>
-          <a:lstStyle/>
-          <a:p>
-            <a:r>
-              <a:rPr lang="en-US" dirty="0" smtClean="0"/>
-              <a:t>Make height = </a:t>
-            </a:r>
+        <p:spPr>
+          <a:xfrm>
+            <a:off x="838200" y="1825625"/>
+            <a:ext cx="10515600" cy="4777476"/>
+          </a:xfrm>
+        </p:spPr>
+        <p:txBody>
+          <a:bodyPr/>
+          <a:lstStyle/>
+          <a:p>
+            <a:pPr marL="0" indent="0">
+              <a:buNone/>
+            </a:pPr>
+            <a:r>
+              <a:rPr lang="en-US" i="1" dirty="0" smtClean="0"/>
+              <a:t>Once we get set up, we should only visit controller (and </a:t>
+            </a:r>
+            <a:r>
+              <a:rPr lang="en-US" i="1" dirty="0" err="1" smtClean="0"/>
+              <a:t>css</a:t>
+            </a:r>
+            <a:r>
+              <a:rPr lang="en-US" i="1" dirty="0" smtClean="0"/>
+              <a:t>)</a:t>
+            </a:r>
+          </a:p>
+          <a:p>
+            <a:r>
+              <a:rPr lang="en-US" dirty="0" smtClean="0"/>
+              <a:t>Select the “#graph” element</a:t>
+            </a:r>
+          </a:p>
+          <a:p>
+            <a:pPr lvl="1"/>
+            <a:r>
+              <a:rPr lang="en-US" dirty="0" smtClean="0"/>
+              <a:t>Reference this with a </a:t>
+            </a:r>
+            <a:r>
+              <a:rPr lang="en-US" b="1" i="1" dirty="0" err="1" smtClean="0">
+                <a:solidFill>
+                  <a:schemeClr val="accent1">
+                    <a:lumMod val="60000"/>
+                    <a:lumOff val="40000"/>
+                  </a:schemeClr>
+                </a:solidFill>
+              </a:rPr>
+              <a:t>var</a:t>
+            </a:r>
+            <a:r>
+              <a:rPr lang="en-US" b="1" i="1" dirty="0">
+                <a:solidFill>
+                  <a:schemeClr val="accent1">
+                    <a:lumMod val="60000"/>
+                    <a:lumOff val="40000"/>
+                  </a:schemeClr>
+                </a:solidFill>
+              </a:rPr>
+              <a:t> </a:t>
+            </a:r>
+            <a:endParaRPr lang="en-US" b="1" i="1" dirty="0" smtClean="0">
+              <a:solidFill>
+                <a:schemeClr val="accent1">
+                  <a:lumMod val="60000"/>
+                  <a:lumOff val="40000"/>
+                </a:schemeClr>
+              </a:solidFill>
+            </a:endParaRPr>
+          </a:p>
+          <a:p>
+            <a:pPr lvl="1"/>
+            <a:r>
+              <a:rPr lang="en-US" dirty="0" smtClean="0"/>
+              <a:t>Give it dimensions</a:t>
+            </a:r>
+          </a:p>
+          <a:p>
+            <a:r>
+              <a:rPr lang="en-US" dirty="0" smtClean="0"/>
+              <a:t>Append g</a:t>
+            </a:r>
+          </a:p>
+          <a:p>
+            <a:pPr lvl="1"/>
+            <a:r>
+              <a:rPr lang="en-US" dirty="0" smtClean="0"/>
+              <a:t>Reference this g with a </a:t>
+            </a:r>
+            <a:r>
+              <a:rPr lang="en-US" b="1" i="1" dirty="0" err="1" smtClean="0">
+                <a:solidFill>
+                  <a:schemeClr val="accent1">
+                    <a:lumMod val="60000"/>
+                    <a:lumOff val="40000"/>
+                  </a:schemeClr>
+                </a:solidFill>
+              </a:rPr>
+              <a:t>var</a:t>
+            </a:r>
+            <a:endParaRPr lang="en-US" b="1" i="1" dirty="0" smtClean="0">
+              <a:solidFill>
+                <a:schemeClr val="accent1">
+                  <a:lumMod val="60000"/>
+                  <a:lumOff val="40000"/>
+                </a:schemeClr>
+              </a:solidFill>
+            </a:endParaRPr>
+          </a:p>
+          <a:p>
             <a:r>
               <a:rPr lang="en-US" dirty="0" err="1" smtClean="0"/>
-              <a:t>d.frequency</a:t>
-            </a:r>
-            <a:endParaRPr lang="en-US" dirty="0" smtClean="0"/>
-          </a:p>
-          <a:p>
-            <a:r>
-              <a:rPr lang="en-US" dirty="0" smtClean="0"/>
-              <a:t>Make width = 10</a:t>
-            </a:r>
-          </a:p>
-          <a:p>
-            <a:r>
-              <a:rPr lang="en-US" dirty="0" smtClean="0"/>
-              <a:t>Make x = </a:t>
+              <a:t>g.selectAll</a:t>
+            </a:r>
+            <a:r>
+              <a:rPr lang="en-US" dirty="0" smtClean="0"/>
+              <a:t>(‘.bar’)</a:t>
+            </a:r>
+          </a:p>
+          <a:p>
+            <a:pPr marL="457200" lvl="1" indent="0">
+              <a:buNone/>
+            </a:pPr>
+            <a:r>
+              <a:rPr lang="en-US" dirty="0" smtClean="0"/>
+              <a:t>.data(data)</a:t>
+            </a:r>
+          </a:p>
+          <a:p>
+            <a:pPr marL="457200" lvl="1" indent="0">
+              <a:buNone/>
+            </a:pPr>
+            <a:r>
+              <a:rPr lang="en-US" dirty="0" smtClean="0"/>
+              <a:t>.enter().append(‘</a:t>
             </a:r>
             <a:r>
               <a:rPr lang="en-US" dirty="0" err="1" smtClean="0"/>
-              <a:t>i</a:t>
-            </a:r>
-            <a:r>
-              <a:rPr lang="en-US" dirty="0" smtClean="0"/>
-              <a:t>*10</a:t>
-            </a:r>
-          </a:p>
-          <a:p>
-            <a:endParaRPr lang="en-US" dirty="0" smtClean="0"/>
-          </a:p>
-          <a:p>
-            <a:r>
-              <a:rPr lang="en-US" dirty="0" smtClean="0"/>
-              <a:t>Try:</a:t>
-            </a:r>
+              <a:t>rect</a:t>
+            </a:r>
+            <a:r>
+              <a:rPr lang="en-US" dirty="0" smtClean="0"/>
+              <a:t>’)</a:t>
+            </a:r>
+            <a:endParaRPr lang="en-US" dirty="0"/>
           </a:p>
           <a:p>
             <a:r>
               <a:rPr lang="en-US" dirty="0"/>
-              <a:t>Make height = 1000x the frequency</a:t>
-            </a:r>
-          </a:p>
-          <a:p>
-            <a:r>
-              <a:rPr lang="en-US" dirty="0"/>
-              <a:t>Make width = 20</a:t>
-            </a:r>
-          </a:p>
-          <a:p>
-            <a:r>
-              <a:rPr lang="en-US" dirty="0"/>
-              <a:t>Make x = </a:t>
-            </a:r>
-            <a:r>
-              <a:rPr lang="en-US" dirty="0" err="1" smtClean="0"/>
-              <a:t>i</a:t>
-            </a:r>
-            <a:r>
-              <a:rPr lang="en-US" dirty="0" smtClean="0"/>
-              <a:t>*22</a:t>
-            </a:r>
-            <a:endParaRPr lang="en-US" dirty="0"/>
-          </a:p>
-          <a:p>
+              <a:t>Discuss SVG types &amp; explain </a:t>
+            </a:r>
+            <a:r>
+              <a:rPr lang="en-US" dirty="0" smtClean="0"/>
+              <a:t>SVG</a:t>
+            </a:r>
             <a:endParaRPr lang="en-US" dirty="0"/>
           </a:p>
         </p:txBody>
@@ -5215,7 +5131,7 @@
     </p:spTree>
     <p:extLst>
       <p:ext uri="{BB962C8B-B14F-4D97-AF65-F5344CB8AC3E}">
-        <p14:creationId xmlns:p14="http://schemas.microsoft.com/office/powerpoint/2010/main" val="1930288520"/>
+        <p14:creationId xmlns:p14="http://schemas.microsoft.com/office/powerpoint/2010/main" val="674903255"/>
       </p:ext>
     </p:extLst>
   </p:cSld>
@@ -5259,11 +5175,7 @@
           <a:p>
             <a:r>
               <a:rPr lang="en-US" dirty="0" smtClean="0"/>
-              <a:t>1c. How </a:t>
-            </a:r>
-            <a:r>
-              <a:rPr lang="en-US" dirty="0" smtClean="0"/>
-              <a:t>to inspect</a:t>
+              <a:t>1b. Use the bound data!</a:t>
             </a:r>
             <a:endParaRPr lang="en-US" dirty="0"/>
           </a:p>
@@ -5286,20 +5198,24 @@
           <a:p>
             <a:r>
               <a:rPr lang="en-US" dirty="0" smtClean="0"/>
-              <a:t>Show __data__ property of the element</a:t>
-            </a:r>
-          </a:p>
-          <a:p>
-            <a:r>
-              <a:rPr lang="en-US" dirty="0" smtClean="0"/>
-              <a:t>Show console.log(this)</a:t>
-            </a:r>
-          </a:p>
-          <a:p>
-            <a:pPr lvl="1"/>
-            <a:r>
-              <a:rPr lang="en-US" dirty="0" smtClean="0"/>
-              <a:t>(</a:t>
+              <a:t>Make height = </a:t>
+            </a:r>
+            <a:r>
+              <a:rPr lang="en-US" dirty="0" err="1" smtClean="0"/>
+              <a:t>d.frequency</a:t>
+            </a:r>
+            <a:endParaRPr lang="en-US" dirty="0" smtClean="0"/>
+          </a:p>
+          <a:p>
+            <a:r>
+              <a:rPr lang="en-US" dirty="0" smtClean="0"/>
+              <a:t>Make width = 10</a:t>
+            </a:r>
+          </a:p>
+          <a:p>
+            <a:r>
+              <a:rPr lang="en-US" dirty="0" smtClean="0"/>
+              <a:t>Make x = </a:t>
             </a:r>
             <a:r>
               <a:rPr lang="en-US" dirty="0" err="1" smtClean="0"/>
@@ -5307,37 +5223,54 @@
             </a:r>
             <a:r>
               <a:rPr lang="en-US" dirty="0" smtClean="0"/>
-              <a:t>)</a:t>
-            </a:r>
-          </a:p>
-          <a:p>
-            <a:pPr lvl="1"/>
-            <a:r>
-              <a:rPr lang="en-US" dirty="0" smtClean="0"/>
-              <a:t>(d</a:t>
-            </a:r>
-            <a:r>
-              <a:rPr lang="en-US" dirty="0" smtClean="0"/>
-              <a:t>)</a:t>
-            </a:r>
-          </a:p>
-          <a:p>
-            <a:pPr lvl="1"/>
-            <a:r>
-              <a:rPr lang="en-US" dirty="0" smtClean="0"/>
-              <a:t>d3.select(this)</a:t>
-            </a:r>
+              <a:t>*10</a:t>
+            </a:r>
+          </a:p>
+          <a:p>
             <a:endParaRPr lang="en-US" dirty="0" smtClean="0"/>
           </a:p>
           <a:p>
-            <a:endParaRPr lang="en-US" dirty="0" smtClean="0"/>
+            <a:r>
+              <a:rPr lang="en-US" dirty="0" smtClean="0"/>
+              <a:t>Try:</a:t>
+            </a:r>
+          </a:p>
+          <a:p>
+            <a:r>
+              <a:rPr lang="en-US" dirty="0"/>
+              <a:t>Make height = 1000x the frequency</a:t>
+            </a:r>
+          </a:p>
+          <a:p>
+            <a:r>
+              <a:rPr lang="en-US" dirty="0"/>
+              <a:t>Make width = 20</a:t>
+            </a:r>
+          </a:p>
+          <a:p>
+            <a:r>
+              <a:rPr lang="en-US" dirty="0"/>
+              <a:t>Make x = </a:t>
+            </a:r>
+            <a:r>
+              <a:rPr lang="en-US" dirty="0" err="1" smtClean="0"/>
+              <a:t>i</a:t>
+            </a:r>
+            <a:r>
+              <a:rPr lang="en-US" dirty="0" smtClean="0"/>
+              <a:t>*22</a:t>
+            </a:r>
+            <a:endParaRPr lang="en-US" dirty="0"/>
+          </a:p>
+          <a:p>
+            <a:endParaRPr lang="en-US" dirty="0"/>
           </a:p>
         </p:txBody>
       </p:sp>
     </p:spTree>
     <p:extLst>
       <p:ext uri="{BB962C8B-B14F-4D97-AF65-F5344CB8AC3E}">
-        <p14:creationId xmlns:p14="http://schemas.microsoft.com/office/powerpoint/2010/main" val="3300785810"/>
+        <p14:creationId xmlns:p14="http://schemas.microsoft.com/office/powerpoint/2010/main" val="1930288520"/>
       </p:ext>
     </p:extLst>
   </p:cSld>
@@ -5381,15 +5314,7 @@
           <a:p>
             <a:r>
               <a:rPr lang="en-US" dirty="0" smtClean="0"/>
-              <a:t>2. Build </a:t>
-            </a:r>
-            <a:r>
-              <a:rPr lang="en-US" dirty="0" smtClean="0"/>
-              <a:t>a </a:t>
-            </a:r>
-            <a:r>
-              <a:rPr lang="en-US" dirty="0" smtClean="0"/>
-              <a:t>scale that makes sense</a:t>
+              <a:t>1c. How to inspect</a:t>
             </a:r>
             <a:endParaRPr lang="en-US" dirty="0"/>
           </a:p>
@@ -5412,39 +5337,24 @@
           <a:p>
             <a:r>
               <a:rPr lang="en-US" dirty="0" smtClean="0"/>
-              <a:t>Create margin object</a:t>
-            </a:r>
-          </a:p>
-          <a:p>
-            <a:r>
-              <a:rPr lang="en-US" dirty="0" smtClean="0"/>
-              <a:t>Create “actual” width/height variables, subtracting the margins</a:t>
-            </a:r>
-            <a:endParaRPr lang="en-US" dirty="0" smtClean="0"/>
-          </a:p>
-          <a:p>
-            <a:endParaRPr lang="en-US" dirty="0" smtClean="0"/>
-          </a:p>
-          <a:p>
-            <a:r>
-              <a:rPr lang="en-US" dirty="0" smtClean="0"/>
-              <a:t>Pass these to x </a:t>
-            </a:r>
-            <a:r>
-              <a:rPr lang="en-US" dirty="0" smtClean="0"/>
-              <a:t>range - band </a:t>
-            </a:r>
-            <a:r>
-              <a:rPr lang="en-US" dirty="0" smtClean="0"/>
-              <a:t>(width) and y </a:t>
-            </a:r>
-            <a:r>
-              <a:rPr lang="en-US" dirty="0" smtClean="0"/>
-              <a:t>range - linear </a:t>
-            </a:r>
-            <a:r>
-              <a:rPr lang="en-US" dirty="0" smtClean="0"/>
-              <a:t>(height</a:t>
+              <a:t>Show __data__ property of the element</a:t>
+            </a:r>
+          </a:p>
+          <a:p>
+            <a:r>
+              <a:rPr lang="en-US" dirty="0" smtClean="0"/>
+              <a:t>Show console.log(this)</a:t>
+            </a:r>
+          </a:p>
+          <a:p>
+            <a:pPr lvl="1"/>
+            <a:r>
+              <a:rPr lang="en-US" dirty="0" smtClean="0"/>
+              <a:t>(</a:t>
+            </a:r>
+            <a:r>
+              <a:rPr lang="en-US" dirty="0" err="1" smtClean="0"/>
+              <a:t>i</a:t>
             </a:r>
             <a:r>
               <a:rPr lang="en-US" dirty="0" smtClean="0"/>
@@ -5452,32 +5362,20 @@
             </a:r>
           </a:p>
           <a:p>
-            <a:r>
-              <a:rPr lang="en-US" dirty="0" smtClean="0"/>
-              <a:t>Pass our data to the domain, using map for letters and max for </a:t>
-            </a:r>
-            <a:r>
-              <a:rPr lang="en-US" dirty="0" err="1" smtClean="0"/>
-              <a:t>requency</a:t>
-            </a:r>
-            <a:endParaRPr lang="en-US" dirty="0" smtClean="0"/>
-          </a:p>
-          <a:p>
-            <a:endParaRPr lang="en-US" dirty="0"/>
-          </a:p>
-          <a:p>
-            <a:r>
-              <a:rPr lang="en-US" dirty="0" smtClean="0"/>
-              <a:t>Update our </a:t>
-            </a:r>
-            <a:r>
-              <a:rPr lang="en-US" dirty="0" err="1" smtClean="0"/>
-              <a:t>attr</a:t>
-            </a:r>
-            <a:r>
-              <a:rPr lang="en-US" dirty="0" smtClean="0"/>
-              <a:t> binding to use these new things</a:t>
-            </a:r>
+            <a:pPr lvl="1"/>
+            <a:r>
+              <a:rPr lang="en-US" dirty="0" smtClean="0"/>
+              <a:t>(d)</a:t>
+            </a:r>
+          </a:p>
+          <a:p>
+            <a:pPr lvl="1"/>
+            <a:r>
+              <a:rPr lang="en-US" dirty="0" smtClean="0"/>
+              <a:t>d3.select(this)</a:t>
+            </a:r>
+          </a:p>
+          <a:p>
             <a:endParaRPr lang="en-US" dirty="0" smtClean="0"/>
           </a:p>
         </p:txBody>
@@ -5485,7 +5383,7 @@
     </p:spTree>
     <p:extLst>
       <p:ext uri="{BB962C8B-B14F-4D97-AF65-F5344CB8AC3E}">
-        <p14:creationId xmlns:p14="http://schemas.microsoft.com/office/powerpoint/2010/main" val="1165932269"/>
+        <p14:creationId xmlns:p14="http://schemas.microsoft.com/office/powerpoint/2010/main" val="3300785810"/>
       </p:ext>
     </p:extLst>
   </p:cSld>
@@ -5529,7 +5427,7 @@
           <a:p>
             <a:r>
               <a:rPr lang="en-US" dirty="0" smtClean="0"/>
-              <a:t>3. Add the axes and some styling</a:t>
+              <a:t>2. Build a scale that makes sense</a:t>
             </a:r>
             <a:endParaRPr lang="en-US" dirty="0"/>
           </a:p>
@@ -5552,63 +5450,58 @@
           <a:p>
             <a:r>
               <a:rPr lang="en-US" dirty="0" smtClean="0"/>
-              <a:t>Append g with an </a:t>
+              <a:t>Create margin object</a:t>
+            </a:r>
+          </a:p>
+          <a:p>
+            <a:r>
+              <a:rPr lang="en-US" dirty="0" smtClean="0"/>
+              <a:t>Create “actual” width/height variables, subtracting the margins</a:t>
+            </a:r>
+          </a:p>
+          <a:p>
+            <a:endParaRPr lang="en-US" dirty="0" smtClean="0"/>
+          </a:p>
+          <a:p>
+            <a:r>
+              <a:rPr lang="en-US" dirty="0" smtClean="0"/>
+              <a:t>Pass these to x range - band (width) and y range - linear (height)</a:t>
+            </a:r>
+          </a:p>
+          <a:p>
+            <a:r>
+              <a:rPr lang="en-US" dirty="0" smtClean="0"/>
+              <a:t>Pass our data to the domain, using map for letters and max for </a:t>
             </a:r>
             <a:r>
               <a:rPr lang="en-US" dirty="0" err="1" smtClean="0"/>
-              <a:t>axisBottom</a:t>
-            </a:r>
-            <a:r>
-              <a:rPr lang="en-US" dirty="0" smtClean="0"/>
-              <a:t> on x, translate for height (to put on bottom – otherwise it is a downward axis on the top)</a:t>
-            </a:r>
-          </a:p>
-          <a:p>
+              <a:t>requency</a:t>
+            </a:r>
             <a:endParaRPr lang="en-US" dirty="0" smtClean="0"/>
           </a:p>
           <a:p>
-            <a:r>
-              <a:rPr lang="en-US" dirty="0" smtClean="0"/>
-              <a:t>Append g with an axis for y, add 10 ticks with %</a:t>
-            </a:r>
-          </a:p>
-          <a:p>
-            <a:endParaRPr lang="en-US" dirty="0" smtClean="0"/>
-          </a:p>
-          <a:p>
-            <a:r>
-              <a:rPr lang="en-US" dirty="0" smtClean="0"/>
-              <a:t>Open our empty index.css </a:t>
-            </a:r>
-          </a:p>
-          <a:p>
-            <a:pPr lvl="1"/>
-            <a:r>
-              <a:rPr lang="en-US" dirty="0" smtClean="0"/>
-              <a:t>Add fill color for .bar class and .</a:t>
+            <a:endParaRPr lang="en-US" dirty="0"/>
+          </a:p>
+          <a:p>
+            <a:r>
+              <a:rPr lang="en-US" dirty="0" smtClean="0"/>
+              <a:t>Update our </a:t>
             </a:r>
             <a:r>
               <a:rPr lang="en-US" dirty="0" err="1" smtClean="0"/>
-              <a:t>bar:hover</a:t>
-            </a:r>
-            <a:endParaRPr lang="en-US" dirty="0" smtClean="0"/>
-          </a:p>
-          <a:p>
-            <a:pPr lvl="1"/>
-            <a:r>
-              <a:rPr lang="en-US" dirty="0" smtClean="0"/>
-              <a:t>Remove axis--x path</a:t>
-            </a:r>
-          </a:p>
-          <a:p>
-            <a:endParaRPr lang="en-US" dirty="0"/>
+              <a:t>attr</a:t>
+            </a:r>
+            <a:r>
+              <a:rPr lang="en-US" dirty="0" smtClean="0"/>
+              <a:t> binding to use these new things</a:t>
+            </a:r>
           </a:p>
         </p:txBody>
       </p:sp>
     </p:spTree>
     <p:extLst>
       <p:ext uri="{BB962C8B-B14F-4D97-AF65-F5344CB8AC3E}">
-        <p14:creationId xmlns:p14="http://schemas.microsoft.com/office/powerpoint/2010/main" val="4110432089"/>
+        <p14:creationId xmlns:p14="http://schemas.microsoft.com/office/powerpoint/2010/main" val="1165932269"/>
       </p:ext>
     </p:extLst>
   </p:cSld>
@@ -5637,46 +5530,93 @@
       </p:grpSpPr>
       <p:sp>
         <p:nvSpPr>
-          <p:cNvPr id="4" name="Title 3"/>
-          <p:cNvSpPr>
-            <a:spLocks noGrp="1"/>
-          </p:cNvSpPr>
-          <p:nvPr>
-            <p:ph type="ctrTitle"/>
-          </p:nvPr>
-        </p:nvSpPr>
-        <p:spPr/>
-        <p:txBody>
-          <a:bodyPr/>
-          <a:lstStyle/>
-          <a:p>
-            <a:r>
-              <a:rPr lang="en-US" dirty="0" smtClean="0"/>
-              <a:t>Resources</a:t>
-            </a:r>
-            <a:endParaRPr lang="en-US" dirty="0"/>
-          </a:p>
-        </p:txBody>
-      </p:sp>
-      <p:sp>
-        <p:nvSpPr>
-          <p:cNvPr id="5" name="Subtitle 4"/>
-          <p:cNvSpPr>
-            <a:spLocks noGrp="1"/>
-          </p:cNvSpPr>
-          <p:nvPr>
-            <p:ph type="subTitle" idx="1"/>
-          </p:nvPr>
-        </p:nvSpPr>
-        <p:spPr/>
-        <p:txBody>
-          <a:bodyPr/>
-          <a:lstStyle/>
-          <a:p>
-            <a:r>
-              <a:rPr lang="en-US" dirty="0" smtClean="0"/>
-              <a:t>Things you should explore when looking further</a:t>
-            </a:r>
+          <p:cNvPr id="2" name="Title 1"/>
+          <p:cNvSpPr>
+            <a:spLocks noGrp="1"/>
+          </p:cNvSpPr>
+          <p:nvPr>
+            <p:ph type="title"/>
+          </p:nvPr>
+        </p:nvSpPr>
+        <p:spPr/>
+        <p:txBody>
+          <a:bodyPr/>
+          <a:lstStyle/>
+          <a:p>
+            <a:r>
+              <a:rPr lang="en-US" dirty="0" smtClean="0"/>
+              <a:t>3. Add the axes and some styling</a:t>
+            </a:r>
+            <a:endParaRPr lang="en-US" dirty="0"/>
+          </a:p>
+        </p:txBody>
+      </p:sp>
+      <p:sp>
+        <p:nvSpPr>
+          <p:cNvPr id="3" name="Content Placeholder 2"/>
+          <p:cNvSpPr>
+            <a:spLocks noGrp="1"/>
+          </p:cNvSpPr>
+          <p:nvPr>
+            <p:ph idx="1"/>
+          </p:nvPr>
+        </p:nvSpPr>
+        <p:spPr/>
+        <p:txBody>
+          <a:bodyPr/>
+          <a:lstStyle/>
+          <a:p>
+            <a:r>
+              <a:rPr lang="en-US" dirty="0" smtClean="0"/>
+              <a:t>Append g with an </a:t>
+            </a:r>
+            <a:r>
+              <a:rPr lang="en-US" dirty="0" err="1" smtClean="0"/>
+              <a:t>axisBottom</a:t>
+            </a:r>
+            <a:r>
+              <a:rPr lang="en-US" dirty="0" smtClean="0"/>
+              <a:t> on x, translate for height (to put on bottom – otherwise it is a downward axis on the top)</a:t>
+            </a:r>
+          </a:p>
+          <a:p>
+            <a:endParaRPr lang="en-US" dirty="0" smtClean="0"/>
+          </a:p>
+          <a:p>
+            <a:r>
+              <a:rPr lang="en-US" dirty="0" smtClean="0"/>
+              <a:t>Append g with an axis for y, add 10 ticks with %</a:t>
+            </a:r>
+          </a:p>
+          <a:p>
+            <a:endParaRPr lang="en-US" dirty="0" smtClean="0"/>
+          </a:p>
+          <a:p>
+            <a:r>
+              <a:rPr lang="en-US" dirty="0" smtClean="0"/>
+              <a:t>Open our empty index.css </a:t>
+            </a:r>
+          </a:p>
+          <a:p>
+            <a:pPr lvl="1"/>
+            <a:r>
+              <a:rPr lang="en-US" dirty="0" smtClean="0"/>
+              <a:t>Add fill color for .bar class and .</a:t>
+            </a:r>
+            <a:r>
+              <a:rPr lang="en-US" dirty="0" err="1" smtClean="0"/>
+              <a:t>bar:hover</a:t>
+            </a:r>
+            <a:endParaRPr lang="en-US" dirty="0" smtClean="0"/>
+          </a:p>
+          <a:p>
+            <a:pPr lvl="1"/>
+            <a:r>
+              <a:rPr lang="en-US" dirty="0" smtClean="0"/>
+              <a:t>Remove axis--x path</a:t>
+            </a:r>
+          </a:p>
+          <a:p>
             <a:endParaRPr lang="en-US" dirty="0"/>
           </a:p>
         </p:txBody>
@@ -5684,7 +5624,7 @@
     </p:spTree>
     <p:extLst>
       <p:ext uri="{BB962C8B-B14F-4D97-AF65-F5344CB8AC3E}">
-        <p14:creationId xmlns:p14="http://schemas.microsoft.com/office/powerpoint/2010/main" val="2724028488"/>
+        <p14:creationId xmlns:p14="http://schemas.microsoft.com/office/powerpoint/2010/main" val="4110432089"/>
       </p:ext>
     </p:extLst>
   </p:cSld>
@@ -5713,7 +5653,7 @@
       </p:grpSpPr>
       <p:sp>
         <p:nvSpPr>
-          <p:cNvPr id="2" name="Title 1"/>
+          <p:cNvPr id="4" name="Title 3"/>
           <p:cNvSpPr>
             <a:spLocks noGrp="1"/>
           </p:cNvSpPr>
@@ -5728,15 +5668,15 @@
           <a:p>
             <a:r>
               <a:rPr lang="en-US" dirty="0" smtClean="0"/>
-              <a:t>Read the docs!</a:t>
-            </a:r>
-            <a:endParaRPr lang="en-US" dirty="0"/>
-          </a:p>
-        </p:txBody>
-      </p:sp>
-      <p:sp>
-        <p:nvSpPr>
-          <p:cNvPr id="3" name="Content Placeholder 2"/>
+              <a:t>Resources</a:t>
+            </a:r>
+            <a:endParaRPr lang="en-US" dirty="0"/>
+          </a:p>
+        </p:txBody>
+      </p:sp>
+      <p:sp>
+        <p:nvSpPr>
+          <p:cNvPr id="5" name="Subtitle 4"/>
           <p:cNvSpPr>
             <a:spLocks noGrp="1"/>
           </p:cNvSpPr>
@@ -5750,30 +5690,8 @@
           <a:lstStyle/>
           <a:p>
             <a:r>
-              <a:rPr lang="en-US" b="1" dirty="0" smtClean="0"/>
-              <a:t>D3: </a:t>
-            </a:r>
-            <a:r>
-              <a:rPr lang="en-US" dirty="0" smtClean="0"/>
-              <a:t>https</a:t>
-            </a:r>
-            <a:r>
-              <a:rPr lang="en-US" dirty="0"/>
-              <a:t>://</a:t>
-            </a:r>
-            <a:r>
-              <a:rPr lang="en-US" dirty="0" smtClean="0"/>
-              <a:t>github.com/d3/d3/wiki</a:t>
-            </a:r>
-          </a:p>
-          <a:p>
-            <a:r>
-              <a:rPr lang="en-US" b="1" dirty="0"/>
-              <a:t>Web: </a:t>
-            </a:r>
-            <a:r>
-              <a:rPr lang="en-US" dirty="0"/>
-              <a:t>https://developer.mozilla.org/en-US/</a:t>
+              <a:rPr lang="en-US" dirty="0" smtClean="0"/>
+              <a:t>Things you should explore when looking further</a:t>
             </a:r>
             <a:endParaRPr lang="en-US" dirty="0"/>
           </a:p>
@@ -5782,7 +5700,7 @@
     </p:spTree>
     <p:extLst>
       <p:ext uri="{BB962C8B-B14F-4D97-AF65-F5344CB8AC3E}">
-        <p14:creationId xmlns:p14="http://schemas.microsoft.com/office/powerpoint/2010/main" val="2779721294"/>
+        <p14:creationId xmlns:p14="http://schemas.microsoft.com/office/powerpoint/2010/main" val="2724028488"/>
       </p:ext>
     </p:extLst>
   </p:cSld>
@@ -5811,7 +5729,7 @@
       </p:grpSpPr>
       <p:sp>
         <p:nvSpPr>
-          <p:cNvPr id="4" name="Title 3"/>
+          <p:cNvPr id="2" name="Title 1"/>
           <p:cNvSpPr>
             <a:spLocks noGrp="1"/>
           </p:cNvSpPr>
@@ -5826,15 +5744,15 @@
           <a:p>
             <a:r>
               <a:rPr lang="en-US" dirty="0" smtClean="0"/>
-              <a:t>Top 3 resources:</a:t>
-            </a:r>
-            <a:endParaRPr lang="en-US" dirty="0"/>
-          </a:p>
-        </p:txBody>
-      </p:sp>
-      <p:sp>
-        <p:nvSpPr>
-          <p:cNvPr id="5" name="Subtitle 4"/>
+              <a:t>Read the docs!</a:t>
+            </a:r>
+            <a:endParaRPr lang="en-US" dirty="0"/>
+          </a:p>
+        </p:txBody>
+      </p:sp>
+      <p:sp>
+        <p:nvSpPr>
+          <p:cNvPr id="3" name="Content Placeholder 2"/>
           <p:cNvSpPr>
             <a:spLocks noGrp="1"/>
           </p:cNvSpPr>
@@ -5848,47 +5766,38 @@
           <a:lstStyle/>
           <a:p>
             <a:r>
-              <a:rPr lang="en-US" dirty="0" smtClean="0"/>
-              <a:t>The d3 API documentation</a:t>
-            </a:r>
-          </a:p>
-          <a:p>
-            <a:r>
-              <a:rPr lang="en-US" dirty="0" smtClean="0"/>
-              <a:t>MDN web standards documentation</a:t>
-            </a:r>
-          </a:p>
-          <a:p>
+              <a:rPr lang="en-US" b="1" dirty="0" smtClean="0"/>
+              <a:t>D3: </a:t>
+            </a:r>
+            <a:r>
+              <a:rPr lang="en-US" dirty="0" smtClean="0"/>
+              <a:t>https</a:t>
+            </a:r>
             <a:r>
               <a:rPr lang="en-US" dirty="0"/>
-              <a:t>Googling </a:t>
-            </a:r>
-            <a:r>
-              <a:rPr lang="en-US" dirty="0" smtClean="0"/>
-              <a:t>things you want to make </a:t>
+              <a:t>://</a:t>
+            </a:r>
+            <a:r>
+              <a:rPr lang="en-US" dirty="0" smtClean="0"/>
+              <a:t>github.com/d3/d3/wiki</a:t>
+            </a:r>
+          </a:p>
+          <a:p>
+            <a:r>
+              <a:rPr lang="en-US" b="1" dirty="0"/>
+              <a:t>Web: </a:t>
             </a:r>
             <a:r>
               <a:rPr lang="en-US" dirty="0"/>
-              <a:t>(“d3 scatterplot </a:t>
-            </a:r>
-            <a:r>
-              <a:rPr lang="en-US" dirty="0" err="1"/>
-              <a:t>bl.ocks</a:t>
-            </a:r>
-            <a:r>
-              <a:rPr lang="en-US" dirty="0"/>
-              <a:t>”)</a:t>
-            </a:r>
-          </a:p>
-          <a:p>
-            <a:endParaRPr lang="en-US" dirty="0"/>
+              <a:t>https://developer.mozilla.org/en-US/</a:t>
+            </a:r>
           </a:p>
         </p:txBody>
       </p:sp>
     </p:spTree>
     <p:extLst>
       <p:ext uri="{BB962C8B-B14F-4D97-AF65-F5344CB8AC3E}">
-        <p14:creationId xmlns:p14="http://schemas.microsoft.com/office/powerpoint/2010/main" val="3084310567"/>
+        <p14:creationId xmlns:p14="http://schemas.microsoft.com/office/powerpoint/2010/main" val="2779721294"/>
       </p:ext>
     </p:extLst>
   </p:cSld>
@@ -5917,7 +5826,7 @@
       </p:grpSpPr>
       <p:sp>
         <p:nvSpPr>
-          <p:cNvPr id="2" name="Title 1"/>
+          <p:cNvPr id="4" name="Title 3"/>
           <p:cNvSpPr>
             <a:spLocks noGrp="1"/>
           </p:cNvSpPr>
@@ -5925,27 +5834,22 @@
             <p:ph type="ctrTitle"/>
           </p:nvPr>
         </p:nvSpPr>
-        <p:spPr>
-          <a:xfrm>
-            <a:off x="1524000" y="174567"/>
-            <a:ext cx="9144000" cy="982894"/>
-          </a:xfrm>
-        </p:spPr>
-        <p:txBody>
-          <a:bodyPr/>
-          <a:lstStyle/>
-          <a:p>
-            <a:r>
-              <a:rPr lang="en-US" dirty="0" smtClean="0"/>
-              <a:t>Listing the Basics:</a:t>
-            </a:r>
-            <a:endParaRPr lang="en-US" dirty="0"/>
-          </a:p>
-        </p:txBody>
-      </p:sp>
-      <p:sp>
-        <p:nvSpPr>
-          <p:cNvPr id="3" name="Subtitle 2"/>
+        <p:spPr/>
+        <p:txBody>
+          <a:bodyPr/>
+          <a:lstStyle/>
+          <a:p>
+            <a:r>
+              <a:rPr lang="en-US" dirty="0" smtClean="0"/>
+              <a:t>Top 3 resources:</a:t>
+            </a:r>
+            <a:endParaRPr lang="en-US" dirty="0"/>
+          </a:p>
+        </p:txBody>
+      </p:sp>
+      <p:sp>
+        <p:nvSpPr>
+          <p:cNvPr id="5" name="Subtitle 4"/>
           <p:cNvSpPr>
             <a:spLocks noGrp="1"/>
           </p:cNvSpPr>
@@ -5953,145 +5857,45 @@
             <p:ph type="subTitle" idx="1"/>
           </p:nvPr>
         </p:nvSpPr>
-        <p:spPr>
-          <a:xfrm>
-            <a:off x="2219498" y="1263535"/>
-            <a:ext cx="7753004" cy="5412394"/>
-          </a:xfrm>
-        </p:spPr>
-        <p:txBody>
-          <a:bodyPr>
-            <a:normAutofit/>
-          </a:bodyPr>
-          <a:lstStyle/>
-          <a:p>
-            <a:pPr algn="l"/>
-            <a:r>
-              <a:rPr lang="en-US" sz="2800" b="1" dirty="0" smtClean="0"/>
-              <a:t>Know what these are, you will use them often:</a:t>
-            </a:r>
-          </a:p>
-          <a:p>
-            <a:pPr marL="342900" indent="-342900" algn="l">
-              <a:buFont typeface="Arial" panose="020B0604020202020204" pitchFamily="34" charset="0"/>
-              <a:buChar char="•"/>
-            </a:pPr>
-            <a:r>
-              <a:rPr lang="en-US" dirty="0" smtClean="0"/>
-              <a:t>Selections (select, </a:t>
-            </a:r>
-            <a:r>
-              <a:rPr lang="en-US" dirty="0" err="1" smtClean="0"/>
-              <a:t>selectAll</a:t>
-            </a:r>
-            <a:r>
-              <a:rPr lang="en-US" dirty="0" smtClean="0"/>
-              <a:t> and how they work</a:t>
-            </a:r>
-            <a:r>
-              <a:rPr lang="en-US" dirty="0" smtClean="0"/>
-              <a:t>)</a:t>
-            </a:r>
-          </a:p>
-          <a:p>
-            <a:pPr marL="342900" indent="-342900" algn="l">
-              <a:buFont typeface="Arial" panose="020B0604020202020204" pitchFamily="34" charset="0"/>
-              <a:buChar char="•"/>
-            </a:pPr>
-            <a:r>
-              <a:rPr lang="en-US" dirty="0" smtClean="0"/>
-              <a:t>SVG types (circle, </a:t>
-            </a:r>
-            <a:r>
-              <a:rPr lang="en-US" dirty="0" err="1" smtClean="0"/>
-              <a:t>rect</a:t>
-            </a:r>
-            <a:r>
-              <a:rPr lang="en-US" dirty="0" smtClean="0"/>
-              <a:t>, text, path)</a:t>
-            </a:r>
-            <a:endParaRPr lang="en-US" dirty="0" smtClean="0"/>
-          </a:p>
-          <a:p>
-            <a:pPr marL="342900" indent="-342900" algn="l">
-              <a:buFont typeface="Arial" panose="020B0604020202020204" pitchFamily="34" charset="0"/>
-              <a:buChar char="•"/>
-            </a:pPr>
-            <a:r>
-              <a:rPr lang="en-US" dirty="0" smtClean="0"/>
-              <a:t>Data Enter/Append</a:t>
-            </a:r>
-          </a:p>
-          <a:p>
-            <a:pPr marL="342900" indent="-342900" algn="l">
-              <a:buFont typeface="Arial" panose="020B0604020202020204" pitchFamily="34" charset="0"/>
-              <a:buChar char="•"/>
-            </a:pPr>
-            <a:r>
-              <a:rPr lang="en-US" dirty="0" smtClean="0"/>
-              <a:t>Data Exit/Remove</a:t>
-            </a:r>
-          </a:p>
-          <a:p>
-            <a:pPr marL="342900" indent="-342900" algn="l">
-              <a:buFont typeface="Arial" panose="020B0604020202020204" pitchFamily="34" charset="0"/>
-              <a:buChar char="•"/>
-            </a:pPr>
-            <a:r>
-              <a:rPr lang="en-US" dirty="0" smtClean="0"/>
-              <a:t>Chaining</a:t>
-            </a:r>
-          </a:p>
-          <a:p>
-            <a:pPr marL="342900" indent="-342900" algn="l">
-              <a:buFont typeface="Arial" panose="020B0604020202020204" pitchFamily="34" charset="0"/>
-              <a:buChar char="•"/>
-            </a:pPr>
-            <a:r>
-              <a:rPr lang="en-US" dirty="0" err="1" smtClean="0"/>
-              <a:t>Attributes+Transitions</a:t>
-            </a:r>
-            <a:endParaRPr lang="en-US" dirty="0" smtClean="0"/>
-          </a:p>
-          <a:p>
-            <a:pPr marL="342900" indent="-342900" algn="l">
-              <a:buFont typeface="Arial" panose="020B0604020202020204" pitchFamily="34" charset="0"/>
-              <a:buChar char="•"/>
-            </a:pPr>
-            <a:r>
-              <a:rPr lang="en-US" dirty="0" smtClean="0"/>
-              <a:t>Arrays: Min/Max/Range, Keys, Merge, Nest</a:t>
-            </a:r>
-          </a:p>
-          <a:p>
-            <a:pPr marL="342900" indent="-342900" algn="l">
-              <a:buFont typeface="Arial" panose="020B0604020202020204" pitchFamily="34" charset="0"/>
-              <a:buChar char="•"/>
-            </a:pPr>
-            <a:r>
-              <a:rPr lang="en-US" dirty="0" smtClean="0"/>
-              <a:t>Scales</a:t>
-            </a:r>
-          </a:p>
-          <a:p>
-            <a:pPr marL="342900" indent="-342900" algn="l">
-              <a:buFont typeface="Arial" panose="020B0604020202020204" pitchFamily="34" charset="0"/>
-              <a:buChar char="•"/>
-            </a:pPr>
-            <a:r>
-              <a:rPr lang="en-US" dirty="0" smtClean="0"/>
-              <a:t>Color</a:t>
-            </a:r>
-          </a:p>
-          <a:p>
-            <a:pPr marL="342900" indent="-342900" algn="l">
-              <a:buFont typeface="Arial" panose="020B0604020202020204" pitchFamily="34" charset="0"/>
-              <a:buChar char="•"/>
-            </a:pPr>
-            <a:r>
-              <a:rPr lang="en-US" dirty="0" smtClean="0"/>
-              <a:t>Axes</a:t>
-            </a:r>
+        <p:spPr/>
+        <p:txBody>
+          <a:bodyPr/>
+          <a:lstStyle/>
+          <a:p>
+            <a:r>
+              <a:rPr lang="en-US" dirty="0" smtClean="0"/>
+              <a:t>The d3 API documentation</a:t>
+            </a:r>
+          </a:p>
+          <a:p>
+            <a:r>
+              <a:rPr lang="en-US" dirty="0" smtClean="0"/>
+              <a:t>MDN web standards documentation</a:t>
+            </a:r>
+          </a:p>
+          <a:p>
+            <a:r>
+              <a:rPr lang="en-US" dirty="0"/>
+              <a:t>Googling </a:t>
+            </a:r>
+            <a:r>
+              <a:rPr lang="en-US" dirty="0" smtClean="0"/>
+              <a:t>things you want to make </a:t>
+            </a:r>
+            <a:r>
+              <a:rPr lang="en-US" dirty="0"/>
+              <a:t>(“d3 scatterplot </a:t>
+            </a:r>
+            <a:r>
+              <a:rPr lang="en-US" dirty="0" err="1"/>
+              <a:t>bl.ocks</a:t>
+            </a:r>
+            <a:r>
+              <a:rPr lang="en-US" dirty="0"/>
+              <a:t>”)</a:t>
+            </a:r>
+          </a:p>
+          <a:p>
             <a:endParaRPr lang="en-US" dirty="0"/>
           </a:p>
         </p:txBody>
@@ -6099,7 +5903,7 @@
     </p:spTree>
     <p:extLst>
       <p:ext uri="{BB962C8B-B14F-4D97-AF65-F5344CB8AC3E}">
-        <p14:creationId xmlns:p14="http://schemas.microsoft.com/office/powerpoint/2010/main" val="1452815126"/>
+        <p14:creationId xmlns:p14="http://schemas.microsoft.com/office/powerpoint/2010/main" val="3084310567"/>
       </p:ext>
     </p:extLst>
   </p:cSld>
@@ -6136,30 +5940,30 @@
             <p:ph type="ctrTitle"/>
           </p:nvPr>
         </p:nvSpPr>
-        <p:spPr/>
-        <p:txBody>
-          <a:bodyPr/>
-          <a:lstStyle/>
-          <a:p>
-            <a:r>
-              <a:rPr lang="en-US" dirty="0" smtClean="0"/>
-              <a:t>y </a:t>
-            </a:r>
-            <a:r>
-              <a:rPr lang="en-US" dirty="0" err="1" smtClean="0"/>
-              <a:t>tho</a:t>
-            </a:r>
-            <a:r>
-              <a:rPr lang="en-US" dirty="0" smtClean="0"/>
-              <a:t>?</a:t>
-            </a:r>
-            <a:endParaRPr lang="en-US" dirty="0"/>
-          </a:p>
-        </p:txBody>
-      </p:sp>
-      <p:sp>
-        <p:nvSpPr>
-          <p:cNvPr id="4" name="Subtitle 3"/>
+        <p:spPr>
+          <a:xfrm>
+            <a:off x="1524000" y="1064027"/>
+            <a:ext cx="9144000" cy="1207337"/>
+          </a:xfrm>
+        </p:spPr>
+        <p:txBody>
+          <a:bodyPr>
+            <a:normAutofit/>
+          </a:bodyPr>
+          <a:lstStyle/>
+          <a:p>
+            <a:pPr algn="l"/>
+            <a:r>
+              <a:rPr lang="en-US" dirty="0" smtClean="0"/>
+              <a:t>What is D3 capable of?</a:t>
+            </a:r>
+            <a:endParaRPr lang="en-US" dirty="0"/>
+          </a:p>
+        </p:txBody>
+      </p:sp>
+      <p:sp>
+        <p:nvSpPr>
+          <p:cNvPr id="3" name="Subtitle 2"/>
           <p:cNvSpPr>
             <a:spLocks noGrp="1"/>
           </p:cNvSpPr>
@@ -6167,15 +5971,85 @@
             <p:ph type="subTitle" idx="1"/>
           </p:nvPr>
         </p:nvSpPr>
-        <p:spPr/>
-        <p:txBody>
-          <a:bodyPr/>
-          <a:lstStyle/>
-          <a:p>
-            <a:r>
-              <a:rPr lang="en-US" dirty="0" smtClean="0"/>
-              <a:t>Answer: the web + data = magic.</a:t>
-            </a:r>
+        <p:spPr>
+          <a:xfrm>
+            <a:off x="1524000" y="2271364"/>
+            <a:ext cx="9144000" cy="4048320"/>
+          </a:xfrm>
+        </p:spPr>
+        <p:txBody>
+          <a:bodyPr/>
+          <a:lstStyle/>
+          <a:p>
+            <a:pPr algn="l"/>
+            <a:r>
+              <a:rPr lang="en-US" dirty="0"/>
+              <a:t>https://</a:t>
+            </a:r>
+            <a:r>
+              <a:rPr lang="en-US" dirty="0" smtClean="0"/>
+              <a:t>ligo.northwestern.edu/media/mass-plot/index.html</a:t>
+            </a:r>
+          </a:p>
+          <a:p>
+            <a:pPr algn="l"/>
+            <a:endParaRPr lang="en-US" dirty="0" smtClean="0"/>
+          </a:p>
+          <a:p>
+            <a:pPr algn="l"/>
+            <a:r>
+              <a:rPr lang="en-US" dirty="0" smtClean="0"/>
+              <a:t>http</a:t>
+            </a:r>
+            <a:r>
+              <a:rPr lang="en-US" dirty="0"/>
+              <a:t>://www.r2d3.us/visual-intro-to-machine-learning-part-1</a:t>
+            </a:r>
+            <a:r>
+              <a:rPr lang="en-US" dirty="0" smtClean="0"/>
+              <a:t>/</a:t>
+            </a:r>
+          </a:p>
+          <a:p>
+            <a:pPr algn="l"/>
+            <a:r>
+              <a:rPr lang="en-US" dirty="0"/>
+              <a:t>http://</a:t>
+            </a:r>
+            <a:r>
+              <a:rPr lang="en-US" dirty="0" smtClean="0"/>
+              <a:t>bit.ly/2wJEeIy</a:t>
+            </a:r>
+          </a:p>
+          <a:p>
+            <a:pPr algn="l"/>
+            <a:r>
+              <a:rPr lang="en-US" dirty="0" smtClean="0"/>
+              <a:t>http://nbremer.github.io/urbanization/</a:t>
+            </a:r>
+          </a:p>
+          <a:p>
+            <a:pPr algn="l"/>
+            <a:r>
+              <a:rPr lang="en-US" dirty="0" smtClean="0"/>
+              <a:t>https</a:t>
+            </a:r>
+            <a:r>
+              <a:rPr lang="en-US" dirty="0"/>
+              <a:t>://</a:t>
+            </a:r>
+            <a:r>
+              <a:rPr lang="en-US" dirty="0" smtClean="0"/>
+              <a:t>www.nytimes.com/interactive/2014/upshot/buy-rent-calculator.htmlhttps</a:t>
+            </a:r>
+            <a:r>
+              <a:rPr lang="en-US" dirty="0"/>
+              <a:t>://bost.ocks.org/mike/algorithms/</a:t>
+            </a:r>
+            <a:endParaRPr lang="en-US" dirty="0" smtClean="0"/>
+          </a:p>
+          <a:p>
+            <a:pPr algn="l"/>
             <a:endParaRPr lang="en-US" dirty="0"/>
           </a:p>
         </p:txBody>
@@ -6183,7 +6057,7 @@
     </p:spTree>
     <p:extLst>
       <p:ext uri="{BB962C8B-B14F-4D97-AF65-F5344CB8AC3E}">
-        <p14:creationId xmlns:p14="http://schemas.microsoft.com/office/powerpoint/2010/main" val="1573091371"/>
+        <p14:creationId xmlns:p14="http://schemas.microsoft.com/office/powerpoint/2010/main" val="990942484"/>
       </p:ext>
     </p:extLst>
   </p:cSld>
@@ -6220,14 +6094,19 @@
             <p:ph type="ctrTitle"/>
           </p:nvPr>
         </p:nvSpPr>
-        <p:spPr/>
-        <p:txBody>
-          <a:bodyPr/>
-          <a:lstStyle/>
-          <a:p>
-            <a:r>
-              <a:rPr lang="en-US" dirty="0" smtClean="0"/>
-              <a:t>Design Basics for Charts</a:t>
+        <p:spPr>
+          <a:xfrm>
+            <a:off x="1524000" y="174567"/>
+            <a:ext cx="9144000" cy="982894"/>
+          </a:xfrm>
+        </p:spPr>
+        <p:txBody>
+          <a:bodyPr/>
+          <a:lstStyle/>
+          <a:p>
+            <a:r>
+              <a:rPr lang="en-US" dirty="0" smtClean="0"/>
+              <a:t>Listing the Basics:</a:t>
             </a:r>
             <a:endParaRPr lang="en-US" dirty="0"/>
           </a:p>
@@ -6243,40 +6122,139 @@
             <p:ph type="subTitle" idx="1"/>
           </p:nvPr>
         </p:nvSpPr>
-        <p:spPr/>
-        <p:txBody>
-          <a:bodyPr/>
-          <a:lstStyle/>
-          <a:p>
-            <a:r>
-              <a:rPr lang="en-US" sz="4000" dirty="0"/>
-              <a:t>http://</a:t>
-            </a:r>
-            <a:r>
-              <a:rPr lang="en-US" sz="4000" dirty="0" smtClean="0"/>
-              <a:t>bit.ly/1RfYZxm</a:t>
-            </a:r>
-          </a:p>
-          <a:p>
-            <a:r>
-              <a:rPr lang="en-US" dirty="0" smtClean="0"/>
-              <a:t>Worth mentioning: There are additional </a:t>
+        <p:spPr>
+          <a:xfrm>
+            <a:off x="2219498" y="1263535"/>
+            <a:ext cx="7753004" cy="5412394"/>
+          </a:xfrm>
+        </p:spPr>
+        <p:txBody>
+          <a:bodyPr>
+            <a:normAutofit/>
+          </a:bodyPr>
+          <a:lstStyle/>
+          <a:p>
+            <a:pPr algn="l"/>
+            <a:r>
+              <a:rPr lang="en-US" sz="2800" b="1" dirty="0" smtClean="0"/>
+              <a:t>Know what these are, you will use them often:</a:t>
+            </a:r>
+          </a:p>
+          <a:p>
+            <a:pPr marL="342900" indent="-342900" algn="l">
+              <a:buFont typeface="Arial" panose="020B0604020202020204" pitchFamily="34" charset="0"/>
+              <a:buChar char="•"/>
+            </a:pPr>
+            <a:r>
+              <a:rPr lang="en-US" dirty="0" smtClean="0"/>
+              <a:t>Selections (select, </a:t>
             </a:r>
             <a:r>
               <a:rPr lang="en-US" dirty="0" err="1" smtClean="0"/>
-              <a:t>slidedecks</a:t>
-            </a:r>
-            <a:r>
-              <a:rPr lang="en-US" dirty="0" smtClean="0"/>
-              <a:t> by </a:t>
-            </a:r>
-            <a:r>
-              <a:rPr lang="en-US" dirty="0" smtClean="0"/>
-              <a:t>the above authors </a:t>
-            </a:r>
-            <a:r>
-              <a:rPr lang="en-US" dirty="0" smtClean="0"/>
-              <a:t>on Maps, Pie Charts, and even Data Tables</a:t>
+              <a:t>selectAll</a:t>
+            </a:r>
+            <a:r>
+              <a:rPr lang="en-US" dirty="0" smtClean="0"/>
+              <a:t> and how they work)</a:t>
+            </a:r>
+          </a:p>
+          <a:p>
+            <a:pPr marL="342900" indent="-342900" algn="l">
+              <a:buFont typeface="Arial" panose="020B0604020202020204" pitchFamily="34" charset="0"/>
+              <a:buChar char="•"/>
+            </a:pPr>
+            <a:r>
+              <a:rPr lang="en-US" dirty="0" smtClean="0"/>
+              <a:t>SVG types (circle, </a:t>
+            </a:r>
+            <a:r>
+              <a:rPr lang="en-US" dirty="0" err="1" smtClean="0"/>
+              <a:t>rect</a:t>
+            </a:r>
+            <a:r>
+              <a:rPr lang="en-US" dirty="0" smtClean="0"/>
+              <a:t>, text, path)</a:t>
+            </a:r>
+          </a:p>
+          <a:p>
+            <a:pPr marL="342900" indent="-342900" algn="l">
+              <a:buFont typeface="Arial" panose="020B0604020202020204" pitchFamily="34" charset="0"/>
+              <a:buChar char="•"/>
+            </a:pPr>
+            <a:r>
+              <a:rPr lang="en-US" dirty="0" smtClean="0"/>
+              <a:t>Data Enter/Append</a:t>
+            </a:r>
+          </a:p>
+          <a:p>
+            <a:pPr marL="342900" indent="-342900" algn="l">
+              <a:buFont typeface="Arial" panose="020B0604020202020204" pitchFamily="34" charset="0"/>
+              <a:buChar char="•"/>
+            </a:pPr>
+            <a:r>
+              <a:rPr lang="en-US" dirty="0" smtClean="0"/>
+              <a:t>Data Exit/Remove</a:t>
+            </a:r>
+          </a:p>
+          <a:p>
+            <a:pPr marL="342900" indent="-342900" algn="l">
+              <a:buFont typeface="Arial" panose="020B0604020202020204" pitchFamily="34" charset="0"/>
+              <a:buChar char="•"/>
+            </a:pPr>
+            <a:r>
+              <a:rPr lang="en-US" dirty="0" smtClean="0"/>
+              <a:t>Chaining</a:t>
+            </a:r>
+          </a:p>
+          <a:p>
+            <a:pPr marL="342900" indent="-342900" algn="l">
+              <a:buFont typeface="Arial" panose="020B0604020202020204" pitchFamily="34" charset="0"/>
+              <a:buChar char="•"/>
+            </a:pPr>
+            <a:r>
+              <a:rPr lang="en-US" dirty="0" err="1" smtClean="0"/>
+              <a:t>Attributes+Transitions</a:t>
+            </a:r>
+            <a:endParaRPr lang="en-US" dirty="0" smtClean="0"/>
+          </a:p>
+          <a:p>
+            <a:pPr marL="342900" indent="-342900" algn="l">
+              <a:buFont typeface="Arial" panose="020B0604020202020204" pitchFamily="34" charset="0"/>
+              <a:buChar char="•"/>
+            </a:pPr>
+            <a:r>
+              <a:rPr lang="en-US" dirty="0" smtClean="0"/>
+              <a:t>Arrays: Min/Max/Range, Keys, Merge, Nest</a:t>
+            </a:r>
+          </a:p>
+          <a:p>
+            <a:pPr marL="342900" indent="-342900" algn="l">
+              <a:buFont typeface="Arial" panose="020B0604020202020204" pitchFamily="34" charset="0"/>
+              <a:buChar char="•"/>
+            </a:pPr>
+            <a:r>
+              <a:rPr lang="en-US" dirty="0" smtClean="0"/>
+              <a:t>Scales</a:t>
+            </a:r>
+          </a:p>
+          <a:p>
+            <a:pPr marL="342900" indent="-342900" algn="l">
+              <a:buFont typeface="Arial" panose="020B0604020202020204" pitchFamily="34" charset="0"/>
+              <a:buChar char="•"/>
+            </a:pPr>
+            <a:r>
+              <a:rPr lang="en-US" dirty="0" smtClean="0"/>
+              <a:t>Color</a:t>
+            </a:r>
+          </a:p>
+          <a:p>
+            <a:pPr marL="342900" indent="-342900" algn="l">
+              <a:buFont typeface="Arial" panose="020B0604020202020204" pitchFamily="34" charset="0"/>
+              <a:buChar char="•"/>
+            </a:pPr>
+            <a:r>
+              <a:rPr lang="en-US" dirty="0" smtClean="0"/>
+              <a:t>Axes</a:t>
             </a:r>
             <a:endParaRPr lang="en-US" dirty="0"/>
           </a:p>
@@ -6285,7 +6263,7 @@
     </p:spTree>
     <p:extLst>
       <p:ext uri="{BB962C8B-B14F-4D97-AF65-F5344CB8AC3E}">
-        <p14:creationId xmlns:p14="http://schemas.microsoft.com/office/powerpoint/2010/main" val="4186733631"/>
+        <p14:creationId xmlns:p14="http://schemas.microsoft.com/office/powerpoint/2010/main" val="1452815126"/>
       </p:ext>
     </p:extLst>
   </p:cSld>
@@ -6322,19 +6300,14 @@
             <p:ph type="ctrTitle"/>
           </p:nvPr>
         </p:nvSpPr>
-        <p:spPr>
-          <a:xfrm>
-            <a:off x="987829" y="108066"/>
-            <a:ext cx="10216342" cy="1273838"/>
-          </a:xfrm>
-        </p:spPr>
-        <p:txBody>
-          <a:bodyPr/>
-          <a:lstStyle/>
-          <a:p>
-            <a:r>
-              <a:rPr lang="en-US" dirty="0" smtClean="0"/>
-              <a:t>Advanced d3 Abilities</a:t>
+        <p:spPr/>
+        <p:txBody>
+          <a:bodyPr/>
+          <a:lstStyle/>
+          <a:p>
+            <a:r>
+              <a:rPr lang="en-US" dirty="0" smtClean="0"/>
+              <a:t>Design Basics for Charts</a:t>
             </a:r>
             <a:endParaRPr lang="en-US" dirty="0"/>
           </a:p>
@@ -6350,227 +6323,41 @@
             <p:ph type="subTitle" idx="1"/>
           </p:nvPr>
         </p:nvSpPr>
-        <p:spPr>
-          <a:xfrm>
-            <a:off x="201337" y="1975104"/>
-            <a:ext cx="6317673" cy="4160559"/>
-          </a:xfrm>
-        </p:spPr>
-        <p:txBody>
-          <a:bodyPr>
-            <a:normAutofit/>
-          </a:bodyPr>
-          <a:lstStyle/>
-          <a:p>
-            <a:pPr algn="l"/>
-            <a:r>
-              <a:rPr lang="en-US" b="1" dirty="0"/>
-              <a:t>Curve Interpolations: </a:t>
-            </a:r>
-            <a:r>
-              <a:rPr lang="en-US" dirty="0"/>
+        <p:spPr/>
+        <p:txBody>
+          <a:bodyPr/>
+          <a:lstStyle/>
+          <a:p>
+            <a:r>
+              <a:rPr lang="en-US" sz="4000" dirty="0"/>
               <a:t>http://</a:t>
             </a:r>
             <a:r>
-              <a:rPr lang="en-US" dirty="0" smtClean="0"/>
-              <a:t>bit.ly/2xR9VxX</a:t>
-            </a:r>
-            <a:endParaRPr lang="en-US" dirty="0"/>
-          </a:p>
-          <a:p>
-            <a:pPr algn="l"/>
-            <a:r>
-              <a:rPr lang="en-US" b="1" dirty="0" err="1" smtClean="0"/>
-              <a:t>Voronoi</a:t>
-            </a:r>
-            <a:r>
-              <a:rPr lang="en-US" b="1" dirty="0" smtClean="0"/>
-              <a:t>: </a:t>
-            </a:r>
-            <a:r>
-              <a:rPr lang="en-US" dirty="0"/>
-              <a:t>http://</a:t>
-            </a:r>
-            <a:r>
-              <a:rPr lang="en-US" dirty="0" smtClean="0"/>
-              <a:t>bit.ly/2gK35mi </a:t>
-            </a:r>
-          </a:p>
-          <a:p>
-            <a:pPr algn="l"/>
-            <a:r>
-              <a:rPr lang="en-US" dirty="0"/>
-              <a:t>	https://</a:t>
-            </a:r>
-            <a:r>
-              <a:rPr lang="en-US" dirty="0" smtClean="0"/>
-              <a:t>bl.ocks.org/mbostock/4060366</a:t>
-            </a:r>
-          </a:p>
-          <a:p>
-            <a:pPr algn="l"/>
-            <a:r>
-              <a:rPr lang="en-US" b="1" dirty="0" smtClean="0"/>
-              <a:t>Zooming: </a:t>
-            </a:r>
-            <a:r>
-              <a:rPr lang="en-US" dirty="0"/>
-              <a:t>http://</a:t>
-            </a:r>
-            <a:r>
-              <a:rPr lang="en-US" dirty="0" smtClean="0"/>
-              <a:t>bit.ly/2f6WYsg</a:t>
-            </a:r>
-          </a:p>
-          <a:p>
-            <a:pPr algn="l"/>
-            <a:r>
-              <a:rPr lang="en-US" b="1" dirty="0" smtClean="0"/>
-              <a:t>Brushing/Zooming</a:t>
-            </a:r>
-            <a:r>
-              <a:rPr lang="en-US" b="1" dirty="0" smtClean="0"/>
-              <a:t>: </a:t>
-            </a:r>
-            <a:r>
-              <a:rPr lang="en-US" dirty="0"/>
-              <a:t>http://bit.ly/2lTjfef</a:t>
-            </a:r>
-            <a:endParaRPr lang="en-US" dirty="0" smtClean="0"/>
-          </a:p>
-          <a:p>
-            <a:pPr algn="l"/>
-            <a:r>
-              <a:rPr lang="en-US" b="1" dirty="0" smtClean="0"/>
-              <a:t>Stacking:</a:t>
-            </a:r>
-            <a:r>
-              <a:rPr lang="en-US" dirty="0"/>
-              <a:t> http://</a:t>
-            </a:r>
-            <a:r>
-              <a:rPr lang="en-US" dirty="0" smtClean="0"/>
-              <a:t>bl.ocks.org/mbostock/582915</a:t>
-            </a:r>
-          </a:p>
-          <a:p>
-            <a:pPr algn="l"/>
-            <a:r>
-              <a:rPr lang="en-US" b="1" dirty="0" smtClean="0"/>
-              <a:t>Collision Constraint: </a:t>
-            </a:r>
-            <a:r>
-              <a:rPr lang="en-US" dirty="0"/>
-              <a:t>http://</a:t>
-            </a:r>
-            <a:r>
-              <a:rPr lang="en-US" dirty="0" smtClean="0"/>
-              <a:t>bit.ly/2vOPk05</a:t>
-            </a:r>
-          </a:p>
-          <a:p>
-            <a:pPr algn="l"/>
-            <a:r>
-              <a:rPr lang="en-US" b="1" dirty="0" smtClean="0"/>
-              <a:t>Dragging: </a:t>
-            </a:r>
-            <a:r>
-              <a:rPr lang="en-US" dirty="0"/>
-              <a:t>http://</a:t>
-            </a:r>
-            <a:r>
-              <a:rPr lang="en-US" dirty="0" smtClean="0"/>
-              <a:t>bit.ly/2j6x5gH</a:t>
-            </a:r>
-          </a:p>
-          <a:p>
-            <a:pPr algn="l"/>
-            <a:r>
-              <a:rPr lang="en-US" b="1" dirty="0" smtClean="0"/>
-              <a:t>“Each”: </a:t>
-            </a:r>
-            <a:r>
-              <a:rPr lang="en-US" dirty="0"/>
-              <a:t>https://</a:t>
-            </a:r>
-            <a:r>
-              <a:rPr lang="en-US" dirty="0" smtClean="0"/>
-              <a:t>bl.ocks.org/mbostock/9490313</a:t>
-            </a:r>
-          </a:p>
-          <a:p>
-            <a:pPr algn="l"/>
-            <a:endParaRPr lang="en-US" dirty="0"/>
-          </a:p>
-        </p:txBody>
-      </p:sp>
-      <p:sp>
-        <p:nvSpPr>
-          <p:cNvPr id="4" name="Rectangle 3"/>
-          <p:cNvSpPr/>
-          <p:nvPr/>
-        </p:nvSpPr>
-        <p:spPr>
-          <a:xfrm>
-            <a:off x="6519010" y="3085888"/>
-            <a:ext cx="6096000" cy="1938992"/>
-          </a:xfrm>
-          <a:prstGeom prst="rect">
-            <a:avLst/>
-          </a:prstGeom>
-        </p:spPr>
-        <p:txBody>
-          <a:bodyPr>
-            <a:spAutoFit/>
-          </a:bodyPr>
-          <a:lstStyle/>
-          <a:p>
-            <a:r>
-              <a:rPr lang="en-US" sz="2400" b="1" dirty="0"/>
-              <a:t>Dispatching</a:t>
-            </a:r>
-            <a:r>
-              <a:rPr lang="en-US" sz="2400" dirty="0"/>
-              <a:t> (super advanced): https://</a:t>
-            </a:r>
-            <a:r>
-              <a:rPr lang="en-US" sz="2400" dirty="0" smtClean="0"/>
-              <a:t>bl.ocks.org/mbostock/5872848</a:t>
-            </a:r>
-          </a:p>
-          <a:p>
-            <a:endParaRPr lang="en-US" sz="2400" dirty="0"/>
-          </a:p>
-          <a:p>
-            <a:r>
-              <a:rPr lang="en-US" sz="2400" b="1" dirty="0"/>
-              <a:t>Modules/Plugins</a:t>
-            </a:r>
-            <a:r>
-              <a:rPr lang="en-US" sz="2400" dirty="0"/>
-              <a:t> (</a:t>
-            </a:r>
-            <a:r>
-              <a:rPr lang="en-US" sz="2400" i="1" dirty="0"/>
-              <a:t>most</a:t>
-            </a:r>
-            <a:r>
-              <a:rPr lang="en-US" sz="2400" dirty="0"/>
-              <a:t> advanced):</a:t>
-            </a:r>
-          </a:p>
-          <a:p>
-            <a:r>
-              <a:rPr lang="en-US" sz="2400" dirty="0"/>
-              <a:t>https://bost.ocks.org/mike/d3-plugin/</a:t>
-            </a:r>
+              <a:rPr lang="en-US" sz="4000" dirty="0" smtClean="0"/>
+              <a:t>bit.ly/1RfYZxm</a:t>
+            </a:r>
+          </a:p>
+          <a:p>
+            <a:r>
+              <a:rPr lang="en-US" dirty="0" smtClean="0"/>
+              <a:t>Worth mentioning: There are additional </a:t>
+            </a:r>
+            <a:r>
+              <a:rPr lang="en-US" dirty="0" err="1" smtClean="0"/>
+              <a:t>slidedecks</a:t>
+            </a:r>
+            <a:r>
+              <a:rPr lang="en-US" dirty="0" smtClean="0"/>
+              <a:t> by the above authors on Maps, Pie Charts, and even Data Tables</a:t>
+            </a:r>
+            <a:endParaRPr lang="en-US" dirty="0"/>
           </a:p>
         </p:txBody>
       </p:sp>
     </p:spTree>
     <p:extLst>
       <p:ext uri="{BB962C8B-B14F-4D97-AF65-F5344CB8AC3E}">
-        <p14:creationId xmlns:p14="http://schemas.microsoft.com/office/powerpoint/2010/main" val="3499195240"/>
+        <p14:creationId xmlns:p14="http://schemas.microsoft.com/office/powerpoint/2010/main" val="4186733631"/>
       </p:ext>
     </p:extLst>
   </p:cSld>
@@ -6607,14 +6394,19 @@
             <p:ph type="ctrTitle"/>
           </p:nvPr>
         </p:nvSpPr>
-        <p:spPr/>
-        <p:txBody>
-          <a:bodyPr/>
-          <a:lstStyle/>
-          <a:p>
-            <a:r>
-              <a:rPr lang="en-US" dirty="0" smtClean="0"/>
-              <a:t>SVG Documentation</a:t>
+        <p:spPr>
+          <a:xfrm>
+            <a:off x="987829" y="108066"/>
+            <a:ext cx="10216342" cy="1273838"/>
+          </a:xfrm>
+        </p:spPr>
+        <p:txBody>
+          <a:bodyPr/>
+          <a:lstStyle/>
+          <a:p>
+            <a:r>
+              <a:rPr lang="en-US" dirty="0" smtClean="0"/>
+              <a:t>Advanced d3 Abilities</a:t>
             </a:r>
             <a:endParaRPr lang="en-US" dirty="0"/>
           </a:p>
@@ -6630,33 +6422,223 @@
             <p:ph type="subTitle" idx="1"/>
           </p:nvPr>
         </p:nvSpPr>
-        <p:spPr/>
-        <p:txBody>
-          <a:bodyPr/>
-          <a:lstStyle/>
-          <a:p>
-            <a:r>
-              <a:rPr lang="en-US" sz="4000" dirty="0"/>
+        <p:spPr>
+          <a:xfrm>
+            <a:off x="201337" y="1975104"/>
+            <a:ext cx="6317673" cy="4160559"/>
+          </a:xfrm>
+        </p:spPr>
+        <p:txBody>
+          <a:bodyPr>
+            <a:normAutofit/>
+          </a:bodyPr>
+          <a:lstStyle/>
+          <a:p>
+            <a:pPr algn="l"/>
+            <a:r>
+              <a:rPr lang="en-US" b="1" dirty="0"/>
+              <a:t>Curve Interpolations: </a:t>
+            </a:r>
+            <a:r>
+              <a:rPr lang="en-US" dirty="0"/>
+              <a:t>http://</a:t>
+            </a:r>
+            <a:r>
+              <a:rPr lang="en-US" dirty="0" smtClean="0"/>
+              <a:t>bit.ly/2xR9VxX</a:t>
+            </a:r>
+            <a:endParaRPr lang="en-US" dirty="0"/>
+          </a:p>
+          <a:p>
+            <a:pPr algn="l"/>
+            <a:r>
+              <a:rPr lang="en-US" b="1" dirty="0" err="1" smtClean="0"/>
+              <a:t>Voronoi</a:t>
+            </a:r>
+            <a:r>
+              <a:rPr lang="en-US" b="1" dirty="0" smtClean="0"/>
+              <a:t>: </a:t>
+            </a:r>
+            <a:r>
+              <a:rPr lang="en-US" dirty="0"/>
+              <a:t>http://</a:t>
+            </a:r>
+            <a:r>
+              <a:rPr lang="en-US" dirty="0" smtClean="0"/>
+              <a:t>bit.ly/2gK35mi </a:t>
+            </a:r>
+          </a:p>
+          <a:p>
+            <a:pPr algn="l"/>
+            <a:r>
+              <a:rPr lang="en-US" dirty="0"/>
+              <a:t>	https://</a:t>
+            </a:r>
+            <a:r>
+              <a:rPr lang="en-US" dirty="0" smtClean="0"/>
+              <a:t>bl.ocks.org/mbostock/4060366</a:t>
+            </a:r>
+          </a:p>
+          <a:p>
+            <a:pPr algn="l"/>
+            <a:r>
+              <a:rPr lang="en-US" b="1" dirty="0" smtClean="0"/>
+              <a:t>Zooming: </a:t>
+            </a:r>
+            <a:r>
+              <a:rPr lang="en-US" dirty="0"/>
+              <a:t>http://</a:t>
+            </a:r>
+            <a:r>
+              <a:rPr lang="en-US" dirty="0" smtClean="0"/>
+              <a:t>bit.ly/2f6WYsg</a:t>
+            </a:r>
+          </a:p>
+          <a:p>
+            <a:pPr algn="l"/>
+            <a:r>
+              <a:rPr lang="en-US" b="1" dirty="0" smtClean="0"/>
+              <a:t>Brushing/Zooming: </a:t>
+            </a:r>
+            <a:r>
+              <a:rPr lang="en-US" dirty="0"/>
+              <a:t>http://bit.ly/2lTjfef</a:t>
+            </a:r>
+            <a:endParaRPr lang="en-US" dirty="0" smtClean="0"/>
+          </a:p>
+          <a:p>
+            <a:pPr algn="l"/>
+            <a:r>
+              <a:rPr lang="en-US" b="1" dirty="0" smtClean="0"/>
+              <a:t>Stacking:</a:t>
+            </a:r>
+            <a:r>
+              <a:rPr lang="en-US" dirty="0"/>
+              <a:t> http://</a:t>
+            </a:r>
+            <a:r>
+              <a:rPr lang="en-US" dirty="0" smtClean="0"/>
+              <a:t>bl.ocks.org/mbostock/582915</a:t>
+            </a:r>
+          </a:p>
+          <a:p>
+            <a:pPr algn="l"/>
+            <a:r>
+              <a:rPr lang="en-US" b="1" dirty="0" smtClean="0"/>
+              <a:t>Collision Constraint: </a:t>
+            </a:r>
+            <a:r>
+              <a:rPr lang="en-US" dirty="0"/>
+              <a:t>http://</a:t>
+            </a:r>
+            <a:r>
+              <a:rPr lang="en-US" dirty="0" smtClean="0"/>
+              <a:t>bit.ly/2vOPk05</a:t>
+            </a:r>
+          </a:p>
+          <a:p>
+            <a:pPr algn="l"/>
+            <a:r>
+              <a:rPr lang="en-US" b="1" dirty="0" smtClean="0"/>
+              <a:t>Dragging: </a:t>
+            </a:r>
+            <a:r>
+              <a:rPr lang="en-US" dirty="0"/>
+              <a:t>http://</a:t>
+            </a:r>
+            <a:r>
+              <a:rPr lang="en-US" dirty="0" smtClean="0"/>
+              <a:t>bit.ly/2j6x5gH</a:t>
+            </a:r>
+          </a:p>
+          <a:p>
+            <a:pPr algn="l"/>
+            <a:r>
+              <a:rPr lang="en-US" b="1" dirty="0" smtClean="0"/>
+              <a:t>“Each”: </a:t>
+            </a:r>
+            <a:r>
+              <a:rPr lang="en-US" dirty="0"/>
               <a:t>https://</a:t>
             </a:r>
             <a:r>
-              <a:rPr lang="en-US" sz="4000" dirty="0" smtClean="0"/>
-              <a:t>mzl.la/1nP24aN</a:t>
-            </a:r>
-          </a:p>
-          <a:p>
-            <a:r>
-              <a:rPr lang="en-US" dirty="0" smtClean="0"/>
-              <a:t>Check it: this is good to be familiar with, as is all of MDN</a:t>
-            </a:r>
-            <a:endParaRPr lang="en-US" dirty="0"/>
+              <a:rPr lang="en-US" dirty="0" smtClean="0"/>
+              <a:t>bl.ocks.org/mbostock/9490313</a:t>
+            </a:r>
+          </a:p>
+          <a:p>
+            <a:pPr algn="l"/>
+            <a:endParaRPr lang="en-US" dirty="0"/>
+          </a:p>
+        </p:txBody>
+      </p:sp>
+      <p:sp>
+        <p:nvSpPr>
+          <p:cNvPr id="4" name="Rectangle 3"/>
+          <p:cNvSpPr/>
+          <p:nvPr/>
+        </p:nvSpPr>
+        <p:spPr>
+          <a:xfrm>
+            <a:off x="6519010" y="3085888"/>
+            <a:ext cx="6096000" cy="1938992"/>
+          </a:xfrm>
+          <a:prstGeom prst="rect">
+            <a:avLst/>
+          </a:prstGeom>
+        </p:spPr>
+        <p:txBody>
+          <a:bodyPr>
+            <a:spAutoFit/>
+          </a:bodyPr>
+          <a:lstStyle/>
+          <a:p>
+            <a:r>
+              <a:rPr lang="en-US" sz="2400" b="1" dirty="0"/>
+              <a:t>Dispatching</a:t>
+            </a:r>
+            <a:r>
+              <a:rPr lang="en-US" sz="2400" dirty="0"/>
+              <a:t> (super advanced): https://</a:t>
+            </a:r>
+            <a:r>
+              <a:rPr lang="en-US" sz="2400" dirty="0" smtClean="0"/>
+              <a:t>bl.ocks.org/mbostock/5872848</a:t>
+            </a:r>
+          </a:p>
+          <a:p>
+            <a:endParaRPr lang="en-US" sz="2400" dirty="0"/>
+          </a:p>
+          <a:p>
+            <a:r>
+              <a:rPr lang="en-US" sz="2400" b="1" dirty="0"/>
+              <a:t>Modules/Plugins</a:t>
+            </a:r>
+            <a:r>
+              <a:rPr lang="en-US" sz="2400" dirty="0"/>
+              <a:t> (</a:t>
+            </a:r>
+            <a:r>
+              <a:rPr lang="en-US" sz="2400" i="1" dirty="0"/>
+              <a:t>most</a:t>
+            </a:r>
+            <a:r>
+              <a:rPr lang="en-US" sz="2400" dirty="0"/>
+              <a:t> advanced):</a:t>
+            </a:r>
+          </a:p>
+          <a:p>
+            <a:r>
+              <a:rPr lang="en-US" sz="2400" dirty="0"/>
+              <a:t>https://bost.ocks.org/mike/d3-plugin/</a:t>
+            </a:r>
           </a:p>
         </p:txBody>
       </p:sp>
     </p:spTree>
     <p:extLst>
       <p:ext uri="{BB962C8B-B14F-4D97-AF65-F5344CB8AC3E}">
-        <p14:creationId xmlns:p14="http://schemas.microsoft.com/office/powerpoint/2010/main" val="3991108098"/>
+        <p14:creationId xmlns:p14="http://schemas.microsoft.com/office/powerpoint/2010/main" val="3499195240"/>
       </p:ext>
     </p:extLst>
   </p:cSld>
@@ -6700,7 +6682,7 @@
           <a:p>
             <a:r>
               <a:rPr lang="en-US" dirty="0" smtClean="0"/>
-              <a:t>SVG Level 2</a:t>
+              <a:t>SVG Documentation</a:t>
             </a:r>
             <a:endParaRPr lang="en-US" dirty="0"/>
           </a:p>
@@ -6723,25 +6705,17 @@
           <a:p>
             <a:r>
               <a:rPr lang="en-US" sz="4000" dirty="0"/>
-              <a:t>http://</a:t>
+              <a:t>https://</a:t>
             </a:r>
             <a:r>
               <a:rPr lang="en-US" sz="4000" dirty="0" smtClean="0"/>
-              <a:t>bit.ly/2xdgJsI</a:t>
-            </a:r>
-          </a:p>
-          <a:p>
-            <a:r>
-              <a:rPr lang="en-US" dirty="0" smtClean="0"/>
-              <a:t>Plug: </a:t>
-            </a:r>
-            <a:r>
-              <a:rPr lang="en-US" dirty="0" err="1" smtClean="0"/>
-              <a:t>VisualCinnamon</a:t>
-            </a:r>
-            <a:r>
-              <a:rPr lang="en-US" dirty="0" smtClean="0"/>
-              <a:t> is extraordinary. Their work on SVG in particular is the best I have found to date.</a:t>
+              <a:t>mzl.la/1nP24aN</a:t>
+            </a:r>
+          </a:p>
+          <a:p>
+            <a:r>
+              <a:rPr lang="en-US" dirty="0" smtClean="0"/>
+              <a:t>Check it: this is good to be familiar with, as is all of MDN</a:t>
             </a:r>
             <a:endParaRPr lang="en-US" dirty="0"/>
           </a:p>
@@ -6750,7 +6724,7 @@
     </p:spTree>
     <p:extLst>
       <p:ext uri="{BB962C8B-B14F-4D97-AF65-F5344CB8AC3E}">
-        <p14:creationId xmlns:p14="http://schemas.microsoft.com/office/powerpoint/2010/main" val="3830241924"/>
+        <p14:creationId xmlns:p14="http://schemas.microsoft.com/office/powerpoint/2010/main" val="3991108098"/>
       </p:ext>
     </p:extLst>
   </p:cSld>
@@ -6794,7 +6768,7 @@
           <a:p>
             <a:r>
               <a:rPr lang="en-US" dirty="0" smtClean="0"/>
-              <a:t>Maps in D3</a:t>
+              <a:t>SVG Level 2</a:t>
             </a:r>
             <a:endParaRPr lang="en-US" dirty="0"/>
           </a:p>
@@ -6810,57 +6784,41 @@
             <p:ph type="subTitle" idx="1"/>
           </p:nvPr>
         </p:nvSpPr>
-        <p:spPr>
-          <a:xfrm>
-            <a:off x="1524000" y="3602037"/>
-            <a:ext cx="9144000" cy="2083868"/>
-          </a:xfrm>
-        </p:spPr>
-        <p:txBody>
-          <a:bodyPr>
-            <a:normAutofit lnSpcReduction="10000"/>
-          </a:bodyPr>
+        <p:spPr/>
+        <p:txBody>
+          <a:bodyPr/>
           <a:lstStyle/>
           <a:p>
             <a:r>
               <a:rPr lang="en-US" sz="4000" dirty="0"/>
-              <a:t>http://bit.ly/2f7o4Q5</a:t>
-            </a:r>
-            <a:endParaRPr lang="en-US" sz="6000" dirty="0" smtClean="0"/>
-          </a:p>
-          <a:p>
+              <a:t>http://</a:t>
+            </a:r>
             <a:r>
               <a:rPr lang="en-US" sz="4000" dirty="0" smtClean="0"/>
-              <a:t>http</a:t>
-            </a:r>
-            <a:r>
-              <a:rPr lang="en-US" sz="4000" dirty="0"/>
-              <a:t>://</a:t>
-            </a:r>
-            <a:r>
-              <a:rPr lang="en-US" sz="4000" dirty="0" smtClean="0"/>
-              <a:t>oreil.ly/1UnNtFe</a:t>
-            </a:r>
-          </a:p>
-          <a:p>
-            <a:r>
-              <a:rPr lang="en-US" dirty="0" smtClean="0"/>
-              <a:t>Warning: This is advanced level!</a:t>
-            </a:r>
-          </a:p>
-          <a:p>
-            <a:r>
-              <a:rPr lang="en-US" sz="2000" dirty="0" smtClean="0"/>
-              <a:t>Also: The d3 library contains geo maps of many kinds already.</a:t>
-            </a:r>
-            <a:endParaRPr lang="en-US" sz="2000" dirty="0"/>
+              <a:t>bit.ly/2xdgJsI</a:t>
+            </a:r>
+          </a:p>
+          <a:p>
+            <a:r>
+              <a:rPr lang="en-US" dirty="0" smtClean="0"/>
+              <a:t>Plug: </a:t>
+            </a:r>
+            <a:r>
+              <a:rPr lang="en-US" dirty="0" err="1" smtClean="0"/>
+              <a:t>VisualCinnamon</a:t>
+            </a:r>
+            <a:r>
+              <a:rPr lang="en-US" dirty="0" smtClean="0"/>
+              <a:t> is extraordinary. Their work on SVG in particular is the best I have found to date.</a:t>
+            </a:r>
+            <a:endParaRPr lang="en-US" dirty="0"/>
           </a:p>
         </p:txBody>
       </p:sp>
     </p:spTree>
     <p:extLst>
       <p:ext uri="{BB962C8B-B14F-4D97-AF65-F5344CB8AC3E}">
-        <p14:creationId xmlns:p14="http://schemas.microsoft.com/office/powerpoint/2010/main" val="1384479126"/>
+        <p14:creationId xmlns:p14="http://schemas.microsoft.com/office/powerpoint/2010/main" val="3830241924"/>
       </p:ext>
     </p:extLst>
   </p:cSld>
@@ -6904,7 +6862,7 @@
           <a:p>
             <a:r>
               <a:rPr lang="en-US" dirty="0" smtClean="0"/>
-              <a:t>D3’s Extensive Library:</a:t>
+              <a:t>Maps in D3</a:t>
             </a:r>
             <a:endParaRPr lang="en-US" dirty="0"/>
           </a:p>
@@ -6922,62 +6880,55 @@
         </p:nvSpPr>
         <p:spPr>
           <a:xfrm>
-            <a:off x="713509" y="3509963"/>
-            <a:ext cx="10764982" cy="3056457"/>
+            <a:off x="1524000" y="3602037"/>
+            <a:ext cx="9144000" cy="2083868"/>
           </a:xfrm>
         </p:spPr>
         <p:txBody>
           <a:bodyPr>
-            <a:normAutofit/>
+            <a:normAutofit lnSpcReduction="10000"/>
           </a:bodyPr>
           <a:lstStyle/>
           <a:p>
-            <a:pPr algn="l"/>
             <a:r>
               <a:rPr lang="en-US" sz="4000" dirty="0"/>
-              <a:t>https://github.com/d3/d3/blob/master/API.md</a:t>
-            </a:r>
-          </a:p>
-          <a:p>
-            <a:pPr algn="l"/>
-            <a:endParaRPr lang="en-US" dirty="0" smtClean="0"/>
-          </a:p>
-          <a:p>
-            <a:pPr algn="l"/>
-            <a:r>
-              <a:rPr lang="en-US" dirty="0" smtClean="0"/>
-              <a:t>Statistics</a:t>
-            </a:r>
-            <a:r>
-              <a:rPr lang="en-US" dirty="0"/>
-              <a:t>, histograms (4 kinds), ES6’s Map/Set, Nesting, Data Ingestion (CSV, TSV, </a:t>
-            </a:r>
-            <a:r>
-              <a:rPr lang="en-US" dirty="0" err="1"/>
-              <a:t>etc</a:t>
-            </a:r>
-            <a:r>
-              <a:rPr lang="en-US" dirty="0"/>
-              <a:t>), many </a:t>
-            </a:r>
-            <a:r>
-              <a:rPr lang="en-US" dirty="0" smtClean="0"/>
-              <a:t>animation/easing/time </a:t>
-            </a:r>
-            <a:r>
-              <a:rPr lang="en-US" dirty="0"/>
-              <a:t>options, force/physics, geography and projections, spherical maps/math, and that is just the first 25% of it: </a:t>
-            </a:r>
-          </a:p>
-          <a:p>
-            <a:endParaRPr lang="en-US" dirty="0"/>
+              <a:t>http://bit.ly/2f7o4Q5</a:t>
+            </a:r>
+            <a:endParaRPr lang="en-US" sz="6000" dirty="0" smtClean="0"/>
+          </a:p>
+          <a:p>
+            <a:r>
+              <a:rPr lang="en-US" sz="4000" dirty="0" smtClean="0"/>
+              <a:t>http</a:t>
+            </a:r>
+            <a:r>
+              <a:rPr lang="en-US" sz="4000" dirty="0"/>
+              <a:t>://</a:t>
+            </a:r>
+            <a:r>
+              <a:rPr lang="en-US" sz="4000" dirty="0" smtClean="0"/>
+              <a:t>oreil.ly/1UnNtFe</a:t>
+            </a:r>
+          </a:p>
+          <a:p>
+            <a:r>
+              <a:rPr lang="en-US" dirty="0" smtClean="0"/>
+              <a:t>Warning: This is advanced level!</a:t>
+            </a:r>
+          </a:p>
+          <a:p>
+            <a:r>
+              <a:rPr lang="en-US" sz="2000" dirty="0" smtClean="0"/>
+              <a:t>Also: The d3 library contains geo maps of many kinds already.</a:t>
+            </a:r>
+            <a:endParaRPr lang="en-US" sz="2000" dirty="0"/>
           </a:p>
         </p:txBody>
       </p:sp>
     </p:spTree>
     <p:extLst>
       <p:ext uri="{BB962C8B-B14F-4D97-AF65-F5344CB8AC3E}">
-        <p14:creationId xmlns:p14="http://schemas.microsoft.com/office/powerpoint/2010/main" val="1065099257"/>
+        <p14:creationId xmlns:p14="http://schemas.microsoft.com/office/powerpoint/2010/main" val="1384479126"/>
       </p:ext>
     </p:extLst>
   </p:cSld>
@@ -7021,6 +6972,123 @@
           <a:p>
             <a:r>
               <a:rPr lang="en-US" dirty="0" smtClean="0"/>
+              <a:t>D3’s Extensive Library:</a:t>
+            </a:r>
+            <a:endParaRPr lang="en-US" dirty="0"/>
+          </a:p>
+        </p:txBody>
+      </p:sp>
+      <p:sp>
+        <p:nvSpPr>
+          <p:cNvPr id="3" name="Subtitle 2"/>
+          <p:cNvSpPr>
+            <a:spLocks noGrp="1"/>
+          </p:cNvSpPr>
+          <p:nvPr>
+            <p:ph type="subTitle" idx="1"/>
+          </p:nvPr>
+        </p:nvSpPr>
+        <p:spPr>
+          <a:xfrm>
+            <a:off x="713509" y="3509963"/>
+            <a:ext cx="10764982" cy="3056457"/>
+          </a:xfrm>
+        </p:spPr>
+        <p:txBody>
+          <a:bodyPr>
+            <a:normAutofit/>
+          </a:bodyPr>
+          <a:lstStyle/>
+          <a:p>
+            <a:pPr algn="l"/>
+            <a:r>
+              <a:rPr lang="en-US" sz="4000" dirty="0"/>
+              <a:t>https://github.com/d3/d3/blob/master/API.md</a:t>
+            </a:r>
+          </a:p>
+          <a:p>
+            <a:pPr algn="l"/>
+            <a:endParaRPr lang="en-US" dirty="0" smtClean="0"/>
+          </a:p>
+          <a:p>
+            <a:pPr algn="l"/>
+            <a:r>
+              <a:rPr lang="en-US" dirty="0" smtClean="0"/>
+              <a:t>Statistics</a:t>
+            </a:r>
+            <a:r>
+              <a:rPr lang="en-US" dirty="0"/>
+              <a:t>, histograms (4 kinds), ES6’s Map/Set, Nesting, Data Ingestion (CSV, TSV, </a:t>
+            </a:r>
+            <a:r>
+              <a:rPr lang="en-US" dirty="0" err="1"/>
+              <a:t>etc</a:t>
+            </a:r>
+            <a:r>
+              <a:rPr lang="en-US" dirty="0"/>
+              <a:t>), many </a:t>
+            </a:r>
+            <a:r>
+              <a:rPr lang="en-US" dirty="0" smtClean="0"/>
+              <a:t>animation/easing/time </a:t>
+            </a:r>
+            <a:r>
+              <a:rPr lang="en-US" dirty="0"/>
+              <a:t>options, force/physics, geography and projections, spherical maps/math, and that is just the first 25% of it: </a:t>
+            </a:r>
+          </a:p>
+          <a:p>
+            <a:endParaRPr lang="en-US" dirty="0"/>
+          </a:p>
+        </p:txBody>
+      </p:sp>
+    </p:spTree>
+    <p:extLst>
+      <p:ext uri="{BB962C8B-B14F-4D97-AF65-F5344CB8AC3E}">
+        <p14:creationId xmlns:p14="http://schemas.microsoft.com/office/powerpoint/2010/main" val="1065099257"/>
+      </p:ext>
+    </p:extLst>
+  </p:cSld>
+  <p:clrMapOvr>
+    <a:masterClrMapping/>
+  </p:clrMapOvr>
+</p:sld>
+</file>
+
+<file path=ppt/slides/slide37.xml><?xml version="1.0" encoding="utf-8"?>
+<p:sld xmlns:a="http://schemas.openxmlformats.org/drawingml/2006/main" xmlns:r="http://schemas.openxmlformats.org/officeDocument/2006/relationships" xmlns:p="http://schemas.openxmlformats.org/presentationml/2006/main">
+  <p:cSld>
+    <p:spTree>
+      <p:nvGrpSpPr>
+        <p:cNvPr id="1" name=""/>
+        <p:cNvGrpSpPr/>
+        <p:nvPr/>
+      </p:nvGrpSpPr>
+      <p:grpSpPr>
+        <a:xfrm>
+          <a:off x="0" y="0"/>
+          <a:ext cx="0" cy="0"/>
+          <a:chOff x="0" y="0"/>
+          <a:chExt cx="0" cy="0"/>
+        </a:xfrm>
+      </p:grpSpPr>
+      <p:sp>
+        <p:nvSpPr>
+          <p:cNvPr id="2" name="Title 1"/>
+          <p:cNvSpPr>
+            <a:spLocks noGrp="1"/>
+          </p:cNvSpPr>
+          <p:nvPr>
+            <p:ph type="ctrTitle"/>
+          </p:nvPr>
+        </p:nvSpPr>
+        <p:spPr/>
+        <p:txBody>
+          <a:bodyPr/>
+          <a:lstStyle/>
+          <a:p>
+            <a:r>
+              <a:rPr lang="en-US" dirty="0" smtClean="0"/>
               <a:t>Canvas and D3</a:t>
             </a:r>
             <a:endParaRPr lang="en-US" dirty="0"/>
@@ -7080,7 +7148,7 @@
 </p:sld>
 </file>
 
-<file path=ppt/slides/slide37.xml><?xml version="1.0" encoding="utf-8"?>
+<file path=ppt/slides/slide38.xml><?xml version="1.0" encoding="utf-8"?>
 <p:sld xmlns:a="http://schemas.openxmlformats.org/drawingml/2006/main" xmlns:r="http://schemas.openxmlformats.org/officeDocument/2006/relationships" xmlns:p="http://schemas.openxmlformats.org/presentationml/2006/main">
   <p:cSld>
     <p:spTree>
@@ -7211,6 +7279,94 @@
             <a:spLocks noGrp="1"/>
           </p:cNvSpPr>
           <p:nvPr>
+            <p:ph type="ctrTitle"/>
+          </p:nvPr>
+        </p:nvSpPr>
+        <p:spPr/>
+        <p:txBody>
+          <a:bodyPr/>
+          <a:lstStyle/>
+          <a:p>
+            <a:r>
+              <a:rPr lang="en-US" dirty="0" smtClean="0"/>
+              <a:t>y </a:t>
+            </a:r>
+            <a:r>
+              <a:rPr lang="en-US" dirty="0" err="1" smtClean="0"/>
+              <a:t>tho</a:t>
+            </a:r>
+            <a:r>
+              <a:rPr lang="en-US" dirty="0" smtClean="0"/>
+              <a:t>?</a:t>
+            </a:r>
+            <a:endParaRPr lang="en-US" dirty="0"/>
+          </a:p>
+        </p:txBody>
+      </p:sp>
+      <p:sp>
+        <p:nvSpPr>
+          <p:cNvPr id="4" name="Subtitle 3"/>
+          <p:cNvSpPr>
+            <a:spLocks noGrp="1"/>
+          </p:cNvSpPr>
+          <p:nvPr>
+            <p:ph type="subTitle" idx="1"/>
+          </p:nvPr>
+        </p:nvSpPr>
+        <p:spPr/>
+        <p:txBody>
+          <a:bodyPr/>
+          <a:lstStyle/>
+          <a:p>
+            <a:r>
+              <a:rPr lang="en-US" dirty="0" smtClean="0"/>
+              <a:t>answer</a:t>
+            </a:r>
+            <a:r>
+              <a:rPr lang="en-US" dirty="0" smtClean="0"/>
+              <a:t>: the web + data = magic.</a:t>
+            </a:r>
+            <a:endParaRPr lang="en-US" dirty="0"/>
+          </a:p>
+        </p:txBody>
+      </p:sp>
+    </p:spTree>
+    <p:extLst>
+      <p:ext uri="{BB962C8B-B14F-4D97-AF65-F5344CB8AC3E}">
+        <p14:creationId xmlns:p14="http://schemas.microsoft.com/office/powerpoint/2010/main" val="1573091371"/>
+      </p:ext>
+    </p:extLst>
+  </p:cSld>
+  <p:clrMapOvr>
+    <a:masterClrMapping/>
+  </p:clrMapOvr>
+</p:sld>
+</file>
+
+<file path=ppt/slides/slide5.xml><?xml version="1.0" encoding="utf-8"?>
+<p:sld xmlns:a="http://schemas.openxmlformats.org/drawingml/2006/main" xmlns:r="http://schemas.openxmlformats.org/officeDocument/2006/relationships" xmlns:p="http://schemas.openxmlformats.org/presentationml/2006/main">
+  <p:cSld>
+    <p:spTree>
+      <p:nvGrpSpPr>
+        <p:cNvPr id="1" name=""/>
+        <p:cNvGrpSpPr/>
+        <p:nvPr/>
+      </p:nvGrpSpPr>
+      <p:grpSpPr>
+        <a:xfrm>
+          <a:off x="0" y="0"/>
+          <a:ext cx="0" cy="0"/>
+          <a:chOff x="0" y="0"/>
+          <a:chExt cx="0" cy="0"/>
+        </a:xfrm>
+      </p:grpSpPr>
+      <p:sp>
+        <p:nvSpPr>
+          <p:cNvPr id="2" name="Title 1"/>
+          <p:cNvSpPr>
+            <a:spLocks noGrp="1"/>
+          </p:cNvSpPr>
+          <p:nvPr>
             <p:ph type="title"/>
           </p:nvPr>
         </p:nvSpPr>
@@ -7345,7 +7501,7 @@
 </p:sld>
 </file>
 
-<file path=ppt/slides/slide5.xml><?xml version="1.0" encoding="utf-8"?>
+<file path=ppt/slides/slide6.xml><?xml version="1.0" encoding="utf-8"?>
 <p:sld xmlns:a="http://schemas.openxmlformats.org/drawingml/2006/main" xmlns:r="http://schemas.openxmlformats.org/officeDocument/2006/relationships" xmlns:p="http://schemas.openxmlformats.org/presentationml/2006/main">
   <p:cSld>
     <p:spTree>
@@ -7463,7 +7619,7 @@
 </p:sld>
 </file>
 
-<file path=ppt/slides/slide6.xml><?xml version="1.0" encoding="utf-8"?>
+<file path=ppt/slides/slide7.xml><?xml version="1.0" encoding="utf-8"?>
 <p:sld xmlns:a="http://schemas.openxmlformats.org/drawingml/2006/main" xmlns:r="http://schemas.openxmlformats.org/officeDocument/2006/relationships" xmlns:p="http://schemas.openxmlformats.org/presentationml/2006/main">
   <p:cSld>
     <p:spTree>
@@ -7546,7 +7702,7 @@
 </p:sld>
 </file>
 
-<file path=ppt/slides/slide7.xml><?xml version="1.0" encoding="utf-8"?>
+<file path=ppt/slides/slide8.xml><?xml version="1.0" encoding="utf-8"?>
 <p:sld xmlns:a="http://schemas.openxmlformats.org/drawingml/2006/main" xmlns:r="http://schemas.openxmlformats.org/officeDocument/2006/relationships" xmlns:p="http://schemas.openxmlformats.org/presentationml/2006/main">
   <p:cSld>
     <p:spTree>
@@ -7723,7 +7879,7 @@
 </p:sld>
 </file>
 
-<file path=ppt/slides/slide8.xml><?xml version="1.0" encoding="utf-8"?>
+<file path=ppt/slides/slide9.xml><?xml version="1.0" encoding="utf-8"?>
 <p:sld xmlns:a="http://schemas.openxmlformats.org/drawingml/2006/main" xmlns:r="http://schemas.openxmlformats.org/officeDocument/2006/relationships" xmlns:p="http://schemas.openxmlformats.org/presentationml/2006/main">
   <p:cSld>
     <p:spTree>
@@ -7824,181 +7980,6 @@
     <p:extLst>
       <p:ext uri="{BB962C8B-B14F-4D97-AF65-F5344CB8AC3E}">
         <p14:creationId xmlns:p14="http://schemas.microsoft.com/office/powerpoint/2010/main" val="2798845760"/>
-      </p:ext>
-    </p:extLst>
-  </p:cSld>
-  <p:clrMapOvr>
-    <a:masterClrMapping/>
-  </p:clrMapOvr>
-  <p:timing>
-    <p:tnLst>
-      <p:par>
-        <p:cTn id="1" dur="indefinite" restart="never" nodeType="tmRoot">
-          <p:childTnLst>
-            <p:seq concurrent="1" nextAc="seek">
-              <p:cTn id="2" dur="indefinite" nodeType="mainSeq">
-                <p:childTnLst>
-                  <p:par>
-                    <p:cTn id="3" fill="hold">
-                      <p:stCondLst>
-                        <p:cond delay="indefinite"/>
-                      </p:stCondLst>
-                      <p:childTnLst>
-                        <p:par>
-                          <p:cTn id="4" fill="hold">
-                            <p:stCondLst>
-                              <p:cond delay="0"/>
-                            </p:stCondLst>
-                            <p:childTnLst>
-                              <p:par>
-                                <p:cTn id="5" presetID="1" presetClass="entr" presetSubtype="0" fill="hold" grpId="0" nodeType="clickEffect">
-                                  <p:stCondLst>
-                                    <p:cond delay="0"/>
-                                  </p:stCondLst>
-                                  <p:childTnLst>
-                                    <p:set>
-                                      <p:cBhvr>
-                                        <p:cTn id="6" dur="1" fill="hold">
-                                          <p:stCondLst>
-                                            <p:cond delay="0"/>
-                                          </p:stCondLst>
-                                        </p:cTn>
-                                        <p:tgtEl>
-                                          <p:spTgt spid="2"/>
-                                        </p:tgtEl>
-                                        <p:attrNameLst>
-                                          <p:attrName>style.visibility</p:attrName>
-                                        </p:attrNameLst>
-                                      </p:cBhvr>
-                                      <p:to>
-                                        <p:strVal val="visible"/>
-                                      </p:to>
-                                    </p:set>
-                                  </p:childTnLst>
-                                </p:cTn>
-                              </p:par>
-                            </p:childTnLst>
-                          </p:cTn>
-                        </p:par>
-                      </p:childTnLst>
-                    </p:cTn>
-                  </p:par>
-                </p:childTnLst>
-              </p:cTn>
-              <p:prevCondLst>
-                <p:cond evt="onPrev" delay="0">
-                  <p:tgtEl>
-                    <p:sldTgt/>
-                  </p:tgtEl>
-                </p:cond>
-              </p:prevCondLst>
-              <p:nextCondLst>
-                <p:cond evt="onNext" delay="0">
-                  <p:tgtEl>
-                    <p:sldTgt/>
-                  </p:tgtEl>
-                </p:cond>
-              </p:nextCondLst>
-            </p:seq>
-          </p:childTnLst>
-        </p:cTn>
-      </p:par>
-    </p:tnLst>
-    <p:bldLst>
-      <p:bldP spid="2" grpId="0"/>
-    </p:bldLst>
-  </p:timing>
-</p:sld>
-</file>
-
-<file path=ppt/slides/slide9.xml><?xml version="1.0" encoding="utf-8"?>
-<p:sld xmlns:a="http://schemas.openxmlformats.org/drawingml/2006/main" xmlns:r="http://schemas.openxmlformats.org/officeDocument/2006/relationships" xmlns:p="http://schemas.openxmlformats.org/presentationml/2006/main">
-  <p:cSld>
-    <p:spTree>
-      <p:nvGrpSpPr>
-        <p:cNvPr id="1" name=""/>
-        <p:cNvGrpSpPr/>
-        <p:nvPr/>
-      </p:nvGrpSpPr>
-      <p:grpSpPr>
-        <a:xfrm>
-          <a:off x="0" y="0"/>
-          <a:ext cx="0" cy="0"/>
-          <a:chOff x="0" y="0"/>
-          <a:chExt cx="0" cy="0"/>
-        </a:xfrm>
-      </p:grpSpPr>
-      <p:sp>
-        <p:nvSpPr>
-          <p:cNvPr id="2" name="Title 1"/>
-          <p:cNvSpPr>
-            <a:spLocks noGrp="1"/>
-          </p:cNvSpPr>
-          <p:nvPr>
-            <p:ph type="title"/>
-          </p:nvPr>
-        </p:nvSpPr>
-        <p:spPr>
-          <a:xfrm>
-            <a:off x="2739828" y="2657769"/>
-            <a:ext cx="10515600" cy="1325563"/>
-          </a:xfrm>
-        </p:spPr>
-        <p:txBody>
-          <a:bodyPr/>
-          <a:lstStyle/>
-          <a:p>
-            <a:r>
-              <a:rPr lang="en-US" dirty="0" smtClean="0"/>
-              <a:t>Tableau</a:t>
-            </a:r>
-            <a:endParaRPr lang="en-US" dirty="0"/>
-          </a:p>
-        </p:txBody>
-      </p:sp>
-      <p:pic>
-        <p:nvPicPr>
-          <p:cNvPr id="3080" name="Picture 8" descr="https://wittyandpretty.com/wp-content/uploads/2014/09/basic-cake.jpg"/>
-          <p:cNvPicPr>
-            <a:picLocks noChangeAspect="1" noChangeArrowheads="1"/>
-          </p:cNvPicPr>
-          <p:nvPr/>
-        </p:nvPicPr>
-        <p:blipFill rotWithShape="1">
-          <a:blip r:embed="rId2">
-            <a:extLst>
-              <a:ext uri="{28A0092B-C50C-407E-A947-70E740481C1C}">
-                <a14:useLocalDpi xmlns:a14="http://schemas.microsoft.com/office/drawing/2010/main" val="0"/>
-              </a:ext>
-            </a:extLst>
-          </a:blip>
-          <a:srcRect l="7729" r="12698"/>
-          <a:stretch/>
-        </p:blipFill>
-        <p:spPr bwMode="auto">
-          <a:xfrm>
-            <a:off x="5623965" y="365125"/>
-            <a:ext cx="6271327" cy="5910853"/>
-          </a:xfrm>
-          <a:prstGeom prst="rect">
-            <a:avLst/>
-          </a:prstGeom>
-          <a:noFill/>
-          <a:extLst>
-            <a:ext uri="{909E8E84-426E-40DD-AFC4-6F175D3DCCD1}">
-              <a14:hiddenFill xmlns:a14="http://schemas.microsoft.com/office/drawing/2010/main">
-                <a:solidFill>
-                  <a:srgbClr val="FFFFFF"/>
-                </a:solidFill>
-              </a14:hiddenFill>
-            </a:ext>
-          </a:extLst>
-        </p:spPr>
-      </p:pic>
-    </p:spTree>
-    <p:extLst>
-      <p:ext uri="{BB962C8B-B14F-4D97-AF65-F5344CB8AC3E}">
-        <p14:creationId xmlns:p14="http://schemas.microsoft.com/office/powerpoint/2010/main" val="3142918255"/>
       </p:ext>
     </p:extLst>
   </p:cSld>

--- a/Introduction to D3.pptx
+++ b/Introduction to D3.pptx
@@ -4,6 +4,9 @@
   <p:sldMasterIdLst>
     <p:sldMasterId id="2147483660" r:id="rId1"/>
   </p:sldMasterIdLst>
+  <p:notesMasterIdLst>
+    <p:notesMasterId r:id="rId41"/>
+  </p:notesMasterIdLst>
   <p:sldIdLst>
     <p:sldId id="256" r:id="rId2"/>
     <p:sldId id="300" r:id="rId3"/>
@@ -18,31 +21,32 @@
     <p:sldId id="295" r:id="rId12"/>
     <p:sldId id="296" r:id="rId13"/>
     <p:sldId id="297" r:id="rId14"/>
-    <p:sldId id="299" r:id="rId15"/>
-    <p:sldId id="280" r:id="rId16"/>
-    <p:sldId id="273" r:id="rId17"/>
-    <p:sldId id="279" r:id="rId18"/>
-    <p:sldId id="274" r:id="rId19"/>
+    <p:sldId id="301" r:id="rId15"/>
+    <p:sldId id="299" r:id="rId16"/>
+    <p:sldId id="280" r:id="rId17"/>
+    <p:sldId id="273" r:id="rId18"/>
+    <p:sldId id="279" r:id="rId19"/>
     <p:sldId id="290" r:id="rId20"/>
     <p:sldId id="284" r:id="rId21"/>
-    <p:sldId id="281" r:id="rId22"/>
-    <p:sldId id="275" r:id="rId23"/>
-    <p:sldId id="282" r:id="rId24"/>
-    <p:sldId id="276" r:id="rId25"/>
-    <p:sldId id="277" r:id="rId26"/>
-    <p:sldId id="283" r:id="rId27"/>
-    <p:sldId id="291" r:id="rId28"/>
-    <p:sldId id="278" r:id="rId29"/>
-    <p:sldId id="292" r:id="rId30"/>
-    <p:sldId id="270" r:id="rId31"/>
-    <p:sldId id="261" r:id="rId32"/>
-    <p:sldId id="268" r:id="rId33"/>
-    <p:sldId id="266" r:id="rId34"/>
-    <p:sldId id="264" r:id="rId35"/>
-    <p:sldId id="262" r:id="rId36"/>
-    <p:sldId id="269" r:id="rId37"/>
-    <p:sldId id="267" r:id="rId38"/>
-    <p:sldId id="259" r:id="rId39"/>
+    <p:sldId id="302" r:id="rId22"/>
+    <p:sldId id="281" r:id="rId23"/>
+    <p:sldId id="275" r:id="rId24"/>
+    <p:sldId id="282" r:id="rId25"/>
+    <p:sldId id="276" r:id="rId26"/>
+    <p:sldId id="277" r:id="rId27"/>
+    <p:sldId id="283" r:id="rId28"/>
+    <p:sldId id="291" r:id="rId29"/>
+    <p:sldId id="278" r:id="rId30"/>
+    <p:sldId id="292" r:id="rId31"/>
+    <p:sldId id="270" r:id="rId32"/>
+    <p:sldId id="261" r:id="rId33"/>
+    <p:sldId id="268" r:id="rId34"/>
+    <p:sldId id="266" r:id="rId35"/>
+    <p:sldId id="264" r:id="rId36"/>
+    <p:sldId id="262" r:id="rId37"/>
+    <p:sldId id="269" r:id="rId38"/>
+    <p:sldId id="267" r:id="rId39"/>
+    <p:sldId id="259" r:id="rId40"/>
   </p:sldIdLst>
   <p:sldSz cx="12192000" cy="6858000"/>
   <p:notesSz cx="6858000" cy="9144000"/>
@@ -147,6 +151,2736 @@
     </p:ext>
   </p:extLst>
 </p:presentation>
+</file>
+
+<file path=ppt/notesMasters/notesMaster1.xml><?xml version="1.0" encoding="utf-8"?>
+<p:notesMaster xmlns:a="http://schemas.openxmlformats.org/drawingml/2006/main" xmlns:r="http://schemas.openxmlformats.org/officeDocument/2006/relationships" xmlns:p="http://schemas.openxmlformats.org/presentationml/2006/main">
+  <p:cSld>
+    <p:bg>
+      <p:bgRef idx="1001">
+        <a:schemeClr val="bg1"/>
+      </p:bgRef>
+    </p:bg>
+    <p:spTree>
+      <p:nvGrpSpPr>
+        <p:cNvPr id="1" name=""/>
+        <p:cNvGrpSpPr/>
+        <p:nvPr/>
+      </p:nvGrpSpPr>
+      <p:grpSpPr>
+        <a:xfrm>
+          <a:off x="0" y="0"/>
+          <a:ext cx="0" cy="0"/>
+          <a:chOff x="0" y="0"/>
+          <a:chExt cx="0" cy="0"/>
+        </a:xfrm>
+      </p:grpSpPr>
+      <p:sp>
+        <p:nvSpPr>
+          <p:cNvPr id="2" name="Header Placeholder 1"/>
+          <p:cNvSpPr>
+            <a:spLocks noGrp="1"/>
+          </p:cNvSpPr>
+          <p:nvPr>
+            <p:ph type="hdr" sz="quarter"/>
+          </p:nvPr>
+        </p:nvSpPr>
+        <p:spPr>
+          <a:xfrm>
+            <a:off x="0" y="0"/>
+            <a:ext cx="2971800" cy="458788"/>
+          </a:xfrm>
+          <a:prstGeom prst="rect">
+            <a:avLst/>
+          </a:prstGeom>
+        </p:spPr>
+        <p:txBody>
+          <a:bodyPr vert="horz" lIns="91440" tIns="45720" rIns="91440" bIns="45720" rtlCol="0"/>
+          <a:lstStyle>
+            <a:lvl1pPr algn="l">
+              <a:defRPr sz="1200"/>
+            </a:lvl1pPr>
+          </a:lstStyle>
+          <a:p>
+            <a:endParaRPr lang="en-US"/>
+          </a:p>
+        </p:txBody>
+      </p:sp>
+      <p:sp>
+        <p:nvSpPr>
+          <p:cNvPr id="3" name="Date Placeholder 2"/>
+          <p:cNvSpPr>
+            <a:spLocks noGrp="1"/>
+          </p:cNvSpPr>
+          <p:nvPr>
+            <p:ph type="dt" idx="1"/>
+          </p:nvPr>
+        </p:nvSpPr>
+        <p:spPr>
+          <a:xfrm>
+            <a:off x="3884613" y="0"/>
+            <a:ext cx="2971800" cy="458788"/>
+          </a:xfrm>
+          <a:prstGeom prst="rect">
+            <a:avLst/>
+          </a:prstGeom>
+        </p:spPr>
+        <p:txBody>
+          <a:bodyPr vert="horz" lIns="91440" tIns="45720" rIns="91440" bIns="45720" rtlCol="0"/>
+          <a:lstStyle>
+            <a:lvl1pPr algn="r">
+              <a:defRPr sz="1200"/>
+            </a:lvl1pPr>
+          </a:lstStyle>
+          <a:p>
+            <a:fld id="{5C7B60CB-4555-4E4C-8A61-26D94E33D181}" type="datetimeFigureOut">
+              <a:rPr lang="en-US" smtClean="0"/>
+              <a:t>2/20/2018</a:t>
+            </a:fld>
+            <a:endParaRPr lang="en-US"/>
+          </a:p>
+        </p:txBody>
+      </p:sp>
+      <p:sp>
+        <p:nvSpPr>
+          <p:cNvPr id="4" name="Slide Image Placeholder 3"/>
+          <p:cNvSpPr>
+            <a:spLocks noGrp="1" noRot="1" noChangeAspect="1"/>
+          </p:cNvSpPr>
+          <p:nvPr>
+            <p:ph type="sldImg" idx="2"/>
+          </p:nvPr>
+        </p:nvSpPr>
+        <p:spPr>
+          <a:xfrm>
+            <a:off x="685800" y="1143000"/>
+            <a:ext cx="5486400" cy="3086100"/>
+          </a:xfrm>
+          <a:prstGeom prst="rect">
+            <a:avLst/>
+          </a:prstGeom>
+          <a:noFill/>
+          <a:ln w="12700">
+            <a:solidFill>
+              <a:prstClr val="black"/>
+            </a:solidFill>
+          </a:ln>
+        </p:spPr>
+        <p:txBody>
+          <a:bodyPr vert="horz" lIns="91440" tIns="45720" rIns="91440" bIns="45720" rtlCol="0" anchor="ctr"/>
+          <a:lstStyle/>
+          <a:p>
+            <a:endParaRPr lang="en-US"/>
+          </a:p>
+        </p:txBody>
+      </p:sp>
+      <p:sp>
+        <p:nvSpPr>
+          <p:cNvPr id="5" name="Notes Placeholder 4"/>
+          <p:cNvSpPr>
+            <a:spLocks noGrp="1"/>
+          </p:cNvSpPr>
+          <p:nvPr>
+            <p:ph type="body" sz="quarter" idx="3"/>
+          </p:nvPr>
+        </p:nvSpPr>
+        <p:spPr>
+          <a:xfrm>
+            <a:off x="685800" y="4400550"/>
+            <a:ext cx="5486400" cy="3600450"/>
+          </a:xfrm>
+          <a:prstGeom prst="rect">
+            <a:avLst/>
+          </a:prstGeom>
+        </p:spPr>
+        <p:txBody>
+          <a:bodyPr vert="horz" lIns="91440" tIns="45720" rIns="91440" bIns="45720" rtlCol="0"/>
+          <a:lstStyle/>
+          <a:p>
+            <a:pPr lvl="0"/>
+            <a:r>
+              <a:rPr lang="en-US" smtClean="0"/>
+              <a:t>Edit Master text styles</a:t>
+            </a:r>
+          </a:p>
+          <a:p>
+            <a:pPr lvl="1"/>
+            <a:r>
+              <a:rPr lang="en-US" smtClean="0"/>
+              <a:t>Second level</a:t>
+            </a:r>
+          </a:p>
+          <a:p>
+            <a:pPr lvl="2"/>
+            <a:r>
+              <a:rPr lang="en-US" smtClean="0"/>
+              <a:t>Third level</a:t>
+            </a:r>
+          </a:p>
+          <a:p>
+            <a:pPr lvl="3"/>
+            <a:r>
+              <a:rPr lang="en-US" smtClean="0"/>
+              <a:t>Fourth level</a:t>
+            </a:r>
+          </a:p>
+          <a:p>
+            <a:pPr lvl="4"/>
+            <a:r>
+              <a:rPr lang="en-US" smtClean="0"/>
+              <a:t>Fifth level</a:t>
+            </a:r>
+            <a:endParaRPr lang="en-US"/>
+          </a:p>
+        </p:txBody>
+      </p:sp>
+      <p:sp>
+        <p:nvSpPr>
+          <p:cNvPr id="6" name="Footer Placeholder 5"/>
+          <p:cNvSpPr>
+            <a:spLocks noGrp="1"/>
+          </p:cNvSpPr>
+          <p:nvPr>
+            <p:ph type="ftr" sz="quarter" idx="4"/>
+          </p:nvPr>
+        </p:nvSpPr>
+        <p:spPr>
+          <a:xfrm>
+            <a:off x="0" y="8685213"/>
+            <a:ext cx="2971800" cy="458787"/>
+          </a:xfrm>
+          <a:prstGeom prst="rect">
+            <a:avLst/>
+          </a:prstGeom>
+        </p:spPr>
+        <p:txBody>
+          <a:bodyPr vert="horz" lIns="91440" tIns="45720" rIns="91440" bIns="45720" rtlCol="0" anchor="b"/>
+          <a:lstStyle>
+            <a:lvl1pPr algn="l">
+              <a:defRPr sz="1200"/>
+            </a:lvl1pPr>
+          </a:lstStyle>
+          <a:p>
+            <a:endParaRPr lang="en-US"/>
+          </a:p>
+        </p:txBody>
+      </p:sp>
+      <p:sp>
+        <p:nvSpPr>
+          <p:cNvPr id="7" name="Slide Number Placeholder 6"/>
+          <p:cNvSpPr>
+            <a:spLocks noGrp="1"/>
+          </p:cNvSpPr>
+          <p:nvPr>
+            <p:ph type="sldNum" sz="quarter" idx="5"/>
+          </p:nvPr>
+        </p:nvSpPr>
+        <p:spPr>
+          <a:xfrm>
+            <a:off x="3884613" y="8685213"/>
+            <a:ext cx="2971800" cy="458787"/>
+          </a:xfrm>
+          <a:prstGeom prst="rect">
+            <a:avLst/>
+          </a:prstGeom>
+        </p:spPr>
+        <p:txBody>
+          <a:bodyPr vert="horz" lIns="91440" tIns="45720" rIns="91440" bIns="45720" rtlCol="0" anchor="b"/>
+          <a:lstStyle>
+            <a:lvl1pPr algn="r">
+              <a:defRPr sz="1200"/>
+            </a:lvl1pPr>
+          </a:lstStyle>
+          <a:p>
+            <a:fld id="{2EB312AA-E5B3-483C-89A7-82722FB34C35}" type="slidenum">
+              <a:rPr lang="en-US" smtClean="0"/>
+              <a:t>‹#›</a:t>
+            </a:fld>
+            <a:endParaRPr lang="en-US"/>
+          </a:p>
+        </p:txBody>
+      </p:sp>
+    </p:spTree>
+    <p:extLst>
+      <p:ext uri="{BB962C8B-B14F-4D97-AF65-F5344CB8AC3E}">
+        <p14:creationId xmlns:p14="http://schemas.microsoft.com/office/powerpoint/2010/main" val="3605088826"/>
+      </p:ext>
+    </p:extLst>
+  </p:cSld>
+  <p:clrMap bg1="lt1" tx1="dk1" bg2="lt2" tx2="dk2" accent1="accent1" accent2="accent2" accent3="accent3" accent4="accent4" accent5="accent5" accent6="accent6" hlink="hlink" folHlink="folHlink"/>
+  <p:notesStyle>
+    <a:lvl1pPr marL="0" algn="l" defTabSz="914400" rtl="0" eaLnBrk="1" latinLnBrk="0" hangingPunct="1">
+      <a:defRPr sz="1200" kern="1200">
+        <a:solidFill>
+          <a:schemeClr val="tx1"/>
+        </a:solidFill>
+        <a:latin typeface="+mn-lt"/>
+        <a:ea typeface="+mn-ea"/>
+        <a:cs typeface="+mn-cs"/>
+      </a:defRPr>
+    </a:lvl1pPr>
+    <a:lvl2pPr marL="457200" algn="l" defTabSz="914400" rtl="0" eaLnBrk="1" latinLnBrk="0" hangingPunct="1">
+      <a:defRPr sz="1200" kern="1200">
+        <a:solidFill>
+          <a:schemeClr val="tx1"/>
+        </a:solidFill>
+        <a:latin typeface="+mn-lt"/>
+        <a:ea typeface="+mn-ea"/>
+        <a:cs typeface="+mn-cs"/>
+      </a:defRPr>
+    </a:lvl2pPr>
+    <a:lvl3pPr marL="914400" algn="l" defTabSz="914400" rtl="0" eaLnBrk="1" latinLnBrk="0" hangingPunct="1">
+      <a:defRPr sz="1200" kern="1200">
+        <a:solidFill>
+          <a:schemeClr val="tx1"/>
+        </a:solidFill>
+        <a:latin typeface="+mn-lt"/>
+        <a:ea typeface="+mn-ea"/>
+        <a:cs typeface="+mn-cs"/>
+      </a:defRPr>
+    </a:lvl3pPr>
+    <a:lvl4pPr marL="1371600" algn="l" defTabSz="914400" rtl="0" eaLnBrk="1" latinLnBrk="0" hangingPunct="1">
+      <a:defRPr sz="1200" kern="1200">
+        <a:solidFill>
+          <a:schemeClr val="tx1"/>
+        </a:solidFill>
+        <a:latin typeface="+mn-lt"/>
+        <a:ea typeface="+mn-ea"/>
+        <a:cs typeface="+mn-cs"/>
+      </a:defRPr>
+    </a:lvl4pPr>
+    <a:lvl5pPr marL="1828800" algn="l" defTabSz="914400" rtl="0" eaLnBrk="1" latinLnBrk="0" hangingPunct="1">
+      <a:defRPr sz="1200" kern="1200">
+        <a:solidFill>
+          <a:schemeClr val="tx1"/>
+        </a:solidFill>
+        <a:latin typeface="+mn-lt"/>
+        <a:ea typeface="+mn-ea"/>
+        <a:cs typeface="+mn-cs"/>
+      </a:defRPr>
+    </a:lvl5pPr>
+    <a:lvl6pPr marL="2286000" algn="l" defTabSz="914400" rtl="0" eaLnBrk="1" latinLnBrk="0" hangingPunct="1">
+      <a:defRPr sz="1200" kern="1200">
+        <a:solidFill>
+          <a:schemeClr val="tx1"/>
+        </a:solidFill>
+        <a:latin typeface="+mn-lt"/>
+        <a:ea typeface="+mn-ea"/>
+        <a:cs typeface="+mn-cs"/>
+      </a:defRPr>
+    </a:lvl6pPr>
+    <a:lvl7pPr marL="2743200" algn="l" defTabSz="914400" rtl="0" eaLnBrk="1" latinLnBrk="0" hangingPunct="1">
+      <a:defRPr sz="1200" kern="1200">
+        <a:solidFill>
+          <a:schemeClr val="tx1"/>
+        </a:solidFill>
+        <a:latin typeface="+mn-lt"/>
+        <a:ea typeface="+mn-ea"/>
+        <a:cs typeface="+mn-cs"/>
+      </a:defRPr>
+    </a:lvl7pPr>
+    <a:lvl8pPr marL="3200400" algn="l" defTabSz="914400" rtl="0" eaLnBrk="1" latinLnBrk="0" hangingPunct="1">
+      <a:defRPr sz="1200" kern="1200">
+        <a:solidFill>
+          <a:schemeClr val="tx1"/>
+        </a:solidFill>
+        <a:latin typeface="+mn-lt"/>
+        <a:ea typeface="+mn-ea"/>
+        <a:cs typeface="+mn-cs"/>
+      </a:defRPr>
+    </a:lvl8pPr>
+    <a:lvl9pPr marL="3657600" algn="l" defTabSz="914400" rtl="0" eaLnBrk="1" latinLnBrk="0" hangingPunct="1">
+      <a:defRPr sz="1200" kern="1200">
+        <a:solidFill>
+          <a:schemeClr val="tx1"/>
+        </a:solidFill>
+        <a:latin typeface="+mn-lt"/>
+        <a:ea typeface="+mn-ea"/>
+        <a:cs typeface="+mn-cs"/>
+      </a:defRPr>
+    </a:lvl9pPr>
+  </p:notesStyle>
+</p:notesMaster>
+</file>
+
+<file path=ppt/notesSlides/notesSlide1.xml><?xml version="1.0" encoding="utf-8"?>
+<p:notes xmlns:a="http://schemas.openxmlformats.org/drawingml/2006/main" xmlns:r="http://schemas.openxmlformats.org/officeDocument/2006/relationships" xmlns:p="http://schemas.openxmlformats.org/presentationml/2006/main">
+  <p:cSld>
+    <p:spTree>
+      <p:nvGrpSpPr>
+        <p:cNvPr id="1" name=""/>
+        <p:cNvGrpSpPr/>
+        <p:nvPr/>
+      </p:nvGrpSpPr>
+      <p:grpSpPr>
+        <a:xfrm>
+          <a:off x="0" y="0"/>
+          <a:ext cx="0" cy="0"/>
+          <a:chOff x="0" y="0"/>
+          <a:chExt cx="0" cy="0"/>
+        </a:xfrm>
+      </p:grpSpPr>
+      <p:sp>
+        <p:nvSpPr>
+          <p:cNvPr id="2" name="Slide Image Placeholder 1"/>
+          <p:cNvSpPr>
+            <a:spLocks noGrp="1" noRot="1" noChangeAspect="1"/>
+          </p:cNvSpPr>
+          <p:nvPr>
+            <p:ph type="sldImg"/>
+          </p:nvPr>
+        </p:nvSpPr>
+        <p:spPr/>
+      </p:sp>
+      <p:sp>
+        <p:nvSpPr>
+          <p:cNvPr id="3" name="Notes Placeholder 2"/>
+          <p:cNvSpPr>
+            <a:spLocks noGrp="1"/>
+          </p:cNvSpPr>
+          <p:nvPr>
+            <p:ph type="body" idx="1"/>
+          </p:nvPr>
+        </p:nvSpPr>
+        <p:spPr/>
+        <p:txBody>
+          <a:bodyPr/>
+          <a:lstStyle/>
+          <a:p>
+            <a:r>
+              <a:rPr lang="en-US" dirty="0" smtClean="0"/>
+              <a:t>3</a:t>
+            </a:r>
+            <a:endParaRPr lang="en-US" dirty="0"/>
+          </a:p>
+        </p:txBody>
+      </p:sp>
+      <p:sp>
+        <p:nvSpPr>
+          <p:cNvPr id="4" name="Slide Number Placeholder 3"/>
+          <p:cNvSpPr>
+            <a:spLocks noGrp="1"/>
+          </p:cNvSpPr>
+          <p:nvPr>
+            <p:ph type="sldNum" sz="quarter" idx="10"/>
+          </p:nvPr>
+        </p:nvSpPr>
+        <p:spPr/>
+        <p:txBody>
+          <a:bodyPr/>
+          <a:lstStyle/>
+          <a:p>
+            <a:fld id="{2EB312AA-E5B3-483C-89A7-82722FB34C35}" type="slidenum">
+              <a:rPr lang="en-US" smtClean="0"/>
+              <a:t>1</a:t>
+            </a:fld>
+            <a:endParaRPr lang="en-US"/>
+          </a:p>
+        </p:txBody>
+      </p:sp>
+    </p:spTree>
+    <p:extLst>
+      <p:ext uri="{BB962C8B-B14F-4D97-AF65-F5344CB8AC3E}">
+        <p14:creationId xmlns:p14="http://schemas.microsoft.com/office/powerpoint/2010/main" val="1521913146"/>
+      </p:ext>
+    </p:extLst>
+  </p:cSld>
+  <p:clrMapOvr>
+    <a:masterClrMapping/>
+  </p:clrMapOvr>
+</p:notes>
+</file>
+
+<file path=ppt/notesSlides/notesSlide10.xml><?xml version="1.0" encoding="utf-8"?>
+<p:notes xmlns:a="http://schemas.openxmlformats.org/drawingml/2006/main" xmlns:r="http://schemas.openxmlformats.org/officeDocument/2006/relationships" xmlns:p="http://schemas.openxmlformats.org/presentationml/2006/main">
+  <p:cSld>
+    <p:spTree>
+      <p:nvGrpSpPr>
+        <p:cNvPr id="1" name=""/>
+        <p:cNvGrpSpPr/>
+        <p:nvPr/>
+      </p:nvGrpSpPr>
+      <p:grpSpPr>
+        <a:xfrm>
+          <a:off x="0" y="0"/>
+          <a:ext cx="0" cy="0"/>
+          <a:chOff x="0" y="0"/>
+          <a:chExt cx="0" cy="0"/>
+        </a:xfrm>
+      </p:grpSpPr>
+      <p:sp>
+        <p:nvSpPr>
+          <p:cNvPr id="2" name="Slide Image Placeholder 1"/>
+          <p:cNvSpPr>
+            <a:spLocks noGrp="1" noRot="1" noChangeAspect="1"/>
+          </p:cNvSpPr>
+          <p:nvPr>
+            <p:ph type="sldImg"/>
+          </p:nvPr>
+        </p:nvSpPr>
+        <p:spPr/>
+      </p:sp>
+      <p:sp>
+        <p:nvSpPr>
+          <p:cNvPr id="3" name="Notes Placeholder 2"/>
+          <p:cNvSpPr>
+            <a:spLocks noGrp="1"/>
+          </p:cNvSpPr>
+          <p:nvPr>
+            <p:ph type="body" idx="1"/>
+          </p:nvPr>
+        </p:nvSpPr>
+        <p:spPr/>
+        <p:txBody>
+          <a:bodyPr/>
+          <a:lstStyle/>
+          <a:p>
+            <a:r>
+              <a:rPr lang="en-US" dirty="0" smtClean="0"/>
+              <a:t>1</a:t>
+            </a:r>
+            <a:endParaRPr lang="en-US" dirty="0"/>
+          </a:p>
+        </p:txBody>
+      </p:sp>
+      <p:sp>
+        <p:nvSpPr>
+          <p:cNvPr id="4" name="Slide Number Placeholder 3"/>
+          <p:cNvSpPr>
+            <a:spLocks noGrp="1"/>
+          </p:cNvSpPr>
+          <p:nvPr>
+            <p:ph type="sldNum" sz="quarter" idx="10"/>
+          </p:nvPr>
+        </p:nvSpPr>
+        <p:spPr/>
+        <p:txBody>
+          <a:bodyPr/>
+          <a:lstStyle/>
+          <a:p>
+            <a:fld id="{2EB312AA-E5B3-483C-89A7-82722FB34C35}" type="slidenum">
+              <a:rPr lang="en-US" smtClean="0"/>
+              <a:t>10</a:t>
+            </a:fld>
+            <a:endParaRPr lang="en-US"/>
+          </a:p>
+        </p:txBody>
+      </p:sp>
+    </p:spTree>
+    <p:extLst>
+      <p:ext uri="{BB962C8B-B14F-4D97-AF65-F5344CB8AC3E}">
+        <p14:creationId xmlns:p14="http://schemas.microsoft.com/office/powerpoint/2010/main" val="412213293"/>
+      </p:ext>
+    </p:extLst>
+  </p:cSld>
+  <p:clrMapOvr>
+    <a:masterClrMapping/>
+  </p:clrMapOvr>
+</p:notes>
+</file>
+
+<file path=ppt/notesSlides/notesSlide11.xml><?xml version="1.0" encoding="utf-8"?>
+<p:notes xmlns:a="http://schemas.openxmlformats.org/drawingml/2006/main" xmlns:r="http://schemas.openxmlformats.org/officeDocument/2006/relationships" xmlns:p="http://schemas.openxmlformats.org/presentationml/2006/main">
+  <p:cSld>
+    <p:spTree>
+      <p:nvGrpSpPr>
+        <p:cNvPr id="1" name=""/>
+        <p:cNvGrpSpPr/>
+        <p:nvPr/>
+      </p:nvGrpSpPr>
+      <p:grpSpPr>
+        <a:xfrm>
+          <a:off x="0" y="0"/>
+          <a:ext cx="0" cy="0"/>
+          <a:chOff x="0" y="0"/>
+          <a:chExt cx="0" cy="0"/>
+        </a:xfrm>
+      </p:grpSpPr>
+      <p:sp>
+        <p:nvSpPr>
+          <p:cNvPr id="2" name="Slide Image Placeholder 1"/>
+          <p:cNvSpPr>
+            <a:spLocks noGrp="1" noRot="1" noChangeAspect="1"/>
+          </p:cNvSpPr>
+          <p:nvPr>
+            <p:ph type="sldImg"/>
+          </p:nvPr>
+        </p:nvSpPr>
+        <p:spPr/>
+      </p:sp>
+      <p:sp>
+        <p:nvSpPr>
+          <p:cNvPr id="3" name="Notes Placeholder 2"/>
+          <p:cNvSpPr>
+            <a:spLocks noGrp="1"/>
+          </p:cNvSpPr>
+          <p:nvPr>
+            <p:ph type="body" idx="1"/>
+          </p:nvPr>
+        </p:nvSpPr>
+        <p:spPr/>
+        <p:txBody>
+          <a:bodyPr/>
+          <a:lstStyle/>
+          <a:p>
+            <a:r>
+              <a:rPr lang="en-US" dirty="0" smtClean="0"/>
+              <a:t>1</a:t>
+            </a:r>
+            <a:endParaRPr lang="en-US" dirty="0"/>
+          </a:p>
+        </p:txBody>
+      </p:sp>
+      <p:sp>
+        <p:nvSpPr>
+          <p:cNvPr id="4" name="Slide Number Placeholder 3"/>
+          <p:cNvSpPr>
+            <a:spLocks noGrp="1"/>
+          </p:cNvSpPr>
+          <p:nvPr>
+            <p:ph type="sldNum" sz="quarter" idx="10"/>
+          </p:nvPr>
+        </p:nvSpPr>
+        <p:spPr/>
+        <p:txBody>
+          <a:bodyPr/>
+          <a:lstStyle/>
+          <a:p>
+            <a:fld id="{2EB312AA-E5B3-483C-89A7-82722FB34C35}" type="slidenum">
+              <a:rPr lang="en-US" smtClean="0"/>
+              <a:t>11</a:t>
+            </a:fld>
+            <a:endParaRPr lang="en-US"/>
+          </a:p>
+        </p:txBody>
+      </p:sp>
+    </p:spTree>
+    <p:extLst>
+      <p:ext uri="{BB962C8B-B14F-4D97-AF65-F5344CB8AC3E}">
+        <p14:creationId xmlns:p14="http://schemas.microsoft.com/office/powerpoint/2010/main" val="3516605409"/>
+      </p:ext>
+    </p:extLst>
+  </p:cSld>
+  <p:clrMapOvr>
+    <a:masterClrMapping/>
+  </p:clrMapOvr>
+</p:notes>
+</file>
+
+<file path=ppt/notesSlides/notesSlide12.xml><?xml version="1.0" encoding="utf-8"?>
+<p:notes xmlns:a="http://schemas.openxmlformats.org/drawingml/2006/main" xmlns:r="http://schemas.openxmlformats.org/officeDocument/2006/relationships" xmlns:p="http://schemas.openxmlformats.org/presentationml/2006/main">
+  <p:cSld>
+    <p:spTree>
+      <p:nvGrpSpPr>
+        <p:cNvPr id="1" name=""/>
+        <p:cNvGrpSpPr/>
+        <p:nvPr/>
+      </p:nvGrpSpPr>
+      <p:grpSpPr>
+        <a:xfrm>
+          <a:off x="0" y="0"/>
+          <a:ext cx="0" cy="0"/>
+          <a:chOff x="0" y="0"/>
+          <a:chExt cx="0" cy="0"/>
+        </a:xfrm>
+      </p:grpSpPr>
+      <p:sp>
+        <p:nvSpPr>
+          <p:cNvPr id="2" name="Slide Image Placeholder 1"/>
+          <p:cNvSpPr>
+            <a:spLocks noGrp="1" noRot="1" noChangeAspect="1"/>
+          </p:cNvSpPr>
+          <p:nvPr>
+            <p:ph type="sldImg"/>
+          </p:nvPr>
+        </p:nvSpPr>
+        <p:spPr/>
+      </p:sp>
+      <p:sp>
+        <p:nvSpPr>
+          <p:cNvPr id="3" name="Notes Placeholder 2"/>
+          <p:cNvSpPr>
+            <a:spLocks noGrp="1"/>
+          </p:cNvSpPr>
+          <p:nvPr>
+            <p:ph type="body" idx="1"/>
+          </p:nvPr>
+        </p:nvSpPr>
+        <p:spPr/>
+        <p:txBody>
+          <a:bodyPr/>
+          <a:lstStyle/>
+          <a:p>
+            <a:r>
+              <a:rPr lang="en-US" dirty="0" smtClean="0"/>
+              <a:t>1</a:t>
+            </a:r>
+            <a:endParaRPr lang="en-US" dirty="0"/>
+          </a:p>
+        </p:txBody>
+      </p:sp>
+      <p:sp>
+        <p:nvSpPr>
+          <p:cNvPr id="4" name="Slide Number Placeholder 3"/>
+          <p:cNvSpPr>
+            <a:spLocks noGrp="1"/>
+          </p:cNvSpPr>
+          <p:nvPr>
+            <p:ph type="sldNum" sz="quarter" idx="10"/>
+          </p:nvPr>
+        </p:nvSpPr>
+        <p:spPr/>
+        <p:txBody>
+          <a:bodyPr/>
+          <a:lstStyle/>
+          <a:p>
+            <a:fld id="{2EB312AA-E5B3-483C-89A7-82722FB34C35}" type="slidenum">
+              <a:rPr lang="en-US" smtClean="0"/>
+              <a:t>12</a:t>
+            </a:fld>
+            <a:endParaRPr lang="en-US"/>
+          </a:p>
+        </p:txBody>
+      </p:sp>
+    </p:spTree>
+    <p:extLst>
+      <p:ext uri="{BB962C8B-B14F-4D97-AF65-F5344CB8AC3E}">
+        <p14:creationId xmlns:p14="http://schemas.microsoft.com/office/powerpoint/2010/main" val="1677941701"/>
+      </p:ext>
+    </p:extLst>
+  </p:cSld>
+  <p:clrMapOvr>
+    <a:masterClrMapping/>
+  </p:clrMapOvr>
+</p:notes>
+</file>
+
+<file path=ppt/notesSlides/notesSlide13.xml><?xml version="1.0" encoding="utf-8"?>
+<p:notes xmlns:a="http://schemas.openxmlformats.org/drawingml/2006/main" xmlns:r="http://schemas.openxmlformats.org/officeDocument/2006/relationships" xmlns:p="http://schemas.openxmlformats.org/presentationml/2006/main">
+  <p:cSld>
+    <p:spTree>
+      <p:nvGrpSpPr>
+        <p:cNvPr id="1" name=""/>
+        <p:cNvGrpSpPr/>
+        <p:nvPr/>
+      </p:nvGrpSpPr>
+      <p:grpSpPr>
+        <a:xfrm>
+          <a:off x="0" y="0"/>
+          <a:ext cx="0" cy="0"/>
+          <a:chOff x="0" y="0"/>
+          <a:chExt cx="0" cy="0"/>
+        </a:xfrm>
+      </p:grpSpPr>
+      <p:sp>
+        <p:nvSpPr>
+          <p:cNvPr id="2" name="Slide Image Placeholder 1"/>
+          <p:cNvSpPr>
+            <a:spLocks noGrp="1" noRot="1" noChangeAspect="1"/>
+          </p:cNvSpPr>
+          <p:nvPr>
+            <p:ph type="sldImg"/>
+          </p:nvPr>
+        </p:nvSpPr>
+        <p:spPr/>
+      </p:sp>
+      <p:sp>
+        <p:nvSpPr>
+          <p:cNvPr id="3" name="Notes Placeholder 2"/>
+          <p:cNvSpPr>
+            <a:spLocks noGrp="1"/>
+          </p:cNvSpPr>
+          <p:nvPr>
+            <p:ph type="body" idx="1"/>
+          </p:nvPr>
+        </p:nvSpPr>
+        <p:spPr/>
+        <p:txBody>
+          <a:bodyPr/>
+          <a:lstStyle/>
+          <a:p>
+            <a:r>
+              <a:rPr lang="en-US" dirty="0" smtClean="0"/>
+              <a:t>1</a:t>
+            </a:r>
+            <a:endParaRPr lang="en-US" dirty="0"/>
+          </a:p>
+        </p:txBody>
+      </p:sp>
+      <p:sp>
+        <p:nvSpPr>
+          <p:cNvPr id="4" name="Slide Number Placeholder 3"/>
+          <p:cNvSpPr>
+            <a:spLocks noGrp="1"/>
+          </p:cNvSpPr>
+          <p:nvPr>
+            <p:ph type="sldNum" sz="quarter" idx="10"/>
+          </p:nvPr>
+        </p:nvSpPr>
+        <p:spPr/>
+        <p:txBody>
+          <a:bodyPr/>
+          <a:lstStyle/>
+          <a:p>
+            <a:fld id="{2EB312AA-E5B3-483C-89A7-82722FB34C35}" type="slidenum">
+              <a:rPr lang="en-US" smtClean="0"/>
+              <a:t>13</a:t>
+            </a:fld>
+            <a:endParaRPr lang="en-US"/>
+          </a:p>
+        </p:txBody>
+      </p:sp>
+    </p:spTree>
+    <p:extLst>
+      <p:ext uri="{BB962C8B-B14F-4D97-AF65-F5344CB8AC3E}">
+        <p14:creationId xmlns:p14="http://schemas.microsoft.com/office/powerpoint/2010/main" val="4142733308"/>
+      </p:ext>
+    </p:extLst>
+  </p:cSld>
+  <p:clrMapOvr>
+    <a:masterClrMapping/>
+  </p:clrMapOvr>
+</p:notes>
+</file>
+
+<file path=ppt/notesSlides/notesSlide14.xml><?xml version="1.0" encoding="utf-8"?>
+<p:notes xmlns:a="http://schemas.openxmlformats.org/drawingml/2006/main" xmlns:r="http://schemas.openxmlformats.org/officeDocument/2006/relationships" xmlns:p="http://schemas.openxmlformats.org/presentationml/2006/main">
+  <p:cSld>
+    <p:spTree>
+      <p:nvGrpSpPr>
+        <p:cNvPr id="1" name=""/>
+        <p:cNvGrpSpPr/>
+        <p:nvPr/>
+      </p:nvGrpSpPr>
+      <p:grpSpPr>
+        <a:xfrm>
+          <a:off x="0" y="0"/>
+          <a:ext cx="0" cy="0"/>
+          <a:chOff x="0" y="0"/>
+          <a:chExt cx="0" cy="0"/>
+        </a:xfrm>
+      </p:grpSpPr>
+      <p:sp>
+        <p:nvSpPr>
+          <p:cNvPr id="2" name="Slide Image Placeholder 1"/>
+          <p:cNvSpPr>
+            <a:spLocks noGrp="1" noRot="1" noChangeAspect="1"/>
+          </p:cNvSpPr>
+          <p:nvPr>
+            <p:ph type="sldImg"/>
+          </p:nvPr>
+        </p:nvSpPr>
+        <p:spPr/>
+      </p:sp>
+      <p:sp>
+        <p:nvSpPr>
+          <p:cNvPr id="3" name="Notes Placeholder 2"/>
+          <p:cNvSpPr>
+            <a:spLocks noGrp="1"/>
+          </p:cNvSpPr>
+          <p:nvPr>
+            <p:ph type="body" idx="1"/>
+          </p:nvPr>
+        </p:nvSpPr>
+        <p:spPr/>
+        <p:txBody>
+          <a:bodyPr/>
+          <a:lstStyle/>
+          <a:p>
+            <a:r>
+              <a:rPr lang="en-US" dirty="0" smtClean="0"/>
+              <a:t>2</a:t>
+            </a:r>
+            <a:endParaRPr lang="en-US" dirty="0"/>
+          </a:p>
+        </p:txBody>
+      </p:sp>
+      <p:sp>
+        <p:nvSpPr>
+          <p:cNvPr id="4" name="Slide Number Placeholder 3"/>
+          <p:cNvSpPr>
+            <a:spLocks noGrp="1"/>
+          </p:cNvSpPr>
+          <p:nvPr>
+            <p:ph type="sldNum" sz="quarter" idx="10"/>
+          </p:nvPr>
+        </p:nvSpPr>
+        <p:spPr/>
+        <p:txBody>
+          <a:bodyPr/>
+          <a:lstStyle/>
+          <a:p>
+            <a:fld id="{2EB312AA-E5B3-483C-89A7-82722FB34C35}" type="slidenum">
+              <a:rPr lang="en-US" smtClean="0"/>
+              <a:t>14</a:t>
+            </a:fld>
+            <a:endParaRPr lang="en-US"/>
+          </a:p>
+        </p:txBody>
+      </p:sp>
+    </p:spTree>
+    <p:extLst>
+      <p:ext uri="{BB962C8B-B14F-4D97-AF65-F5344CB8AC3E}">
+        <p14:creationId xmlns:p14="http://schemas.microsoft.com/office/powerpoint/2010/main" val="799926135"/>
+      </p:ext>
+    </p:extLst>
+  </p:cSld>
+  <p:clrMapOvr>
+    <a:masterClrMapping/>
+  </p:clrMapOvr>
+</p:notes>
+</file>
+
+<file path=ppt/notesSlides/notesSlide15.xml><?xml version="1.0" encoding="utf-8"?>
+<p:notes xmlns:a="http://schemas.openxmlformats.org/drawingml/2006/main" xmlns:r="http://schemas.openxmlformats.org/officeDocument/2006/relationships" xmlns:p="http://schemas.openxmlformats.org/presentationml/2006/main">
+  <p:cSld>
+    <p:spTree>
+      <p:nvGrpSpPr>
+        <p:cNvPr id="1" name=""/>
+        <p:cNvGrpSpPr/>
+        <p:nvPr/>
+      </p:nvGrpSpPr>
+      <p:grpSpPr>
+        <a:xfrm>
+          <a:off x="0" y="0"/>
+          <a:ext cx="0" cy="0"/>
+          <a:chOff x="0" y="0"/>
+          <a:chExt cx="0" cy="0"/>
+        </a:xfrm>
+      </p:grpSpPr>
+      <p:sp>
+        <p:nvSpPr>
+          <p:cNvPr id="2" name="Slide Image Placeholder 1"/>
+          <p:cNvSpPr>
+            <a:spLocks noGrp="1" noRot="1" noChangeAspect="1"/>
+          </p:cNvSpPr>
+          <p:nvPr>
+            <p:ph type="sldImg"/>
+          </p:nvPr>
+        </p:nvSpPr>
+        <p:spPr/>
+      </p:sp>
+      <p:sp>
+        <p:nvSpPr>
+          <p:cNvPr id="3" name="Notes Placeholder 2"/>
+          <p:cNvSpPr>
+            <a:spLocks noGrp="1"/>
+          </p:cNvSpPr>
+          <p:nvPr>
+            <p:ph type="body" idx="1"/>
+          </p:nvPr>
+        </p:nvSpPr>
+        <p:spPr/>
+        <p:txBody>
+          <a:bodyPr/>
+          <a:lstStyle/>
+          <a:p>
+            <a:r>
+              <a:rPr lang="en-US" dirty="0" smtClean="0"/>
+              <a:t>1 “Learn by doing”</a:t>
+            </a:r>
+            <a:endParaRPr lang="en-US" dirty="0"/>
+          </a:p>
+        </p:txBody>
+      </p:sp>
+      <p:sp>
+        <p:nvSpPr>
+          <p:cNvPr id="4" name="Slide Number Placeholder 3"/>
+          <p:cNvSpPr>
+            <a:spLocks noGrp="1"/>
+          </p:cNvSpPr>
+          <p:nvPr>
+            <p:ph type="sldNum" sz="quarter" idx="10"/>
+          </p:nvPr>
+        </p:nvSpPr>
+        <p:spPr/>
+        <p:txBody>
+          <a:bodyPr/>
+          <a:lstStyle/>
+          <a:p>
+            <a:fld id="{2EB312AA-E5B3-483C-89A7-82722FB34C35}" type="slidenum">
+              <a:rPr lang="en-US" smtClean="0"/>
+              <a:t>15</a:t>
+            </a:fld>
+            <a:endParaRPr lang="en-US"/>
+          </a:p>
+        </p:txBody>
+      </p:sp>
+    </p:spTree>
+    <p:extLst>
+      <p:ext uri="{BB962C8B-B14F-4D97-AF65-F5344CB8AC3E}">
+        <p14:creationId xmlns:p14="http://schemas.microsoft.com/office/powerpoint/2010/main" val="2152084081"/>
+      </p:ext>
+    </p:extLst>
+  </p:cSld>
+  <p:clrMapOvr>
+    <a:masterClrMapping/>
+  </p:clrMapOvr>
+</p:notes>
+</file>
+
+<file path=ppt/notesSlides/notesSlide16.xml><?xml version="1.0" encoding="utf-8"?>
+<p:notes xmlns:a="http://schemas.openxmlformats.org/drawingml/2006/main" xmlns:r="http://schemas.openxmlformats.org/officeDocument/2006/relationships" xmlns:p="http://schemas.openxmlformats.org/presentationml/2006/main">
+  <p:cSld>
+    <p:spTree>
+      <p:nvGrpSpPr>
+        <p:cNvPr id="1" name=""/>
+        <p:cNvGrpSpPr/>
+        <p:nvPr/>
+      </p:nvGrpSpPr>
+      <p:grpSpPr>
+        <a:xfrm>
+          <a:off x="0" y="0"/>
+          <a:ext cx="0" cy="0"/>
+          <a:chOff x="0" y="0"/>
+          <a:chExt cx="0" cy="0"/>
+        </a:xfrm>
+      </p:grpSpPr>
+      <p:sp>
+        <p:nvSpPr>
+          <p:cNvPr id="2" name="Slide Image Placeholder 1"/>
+          <p:cNvSpPr>
+            <a:spLocks noGrp="1" noRot="1" noChangeAspect="1"/>
+          </p:cNvSpPr>
+          <p:nvPr>
+            <p:ph type="sldImg"/>
+          </p:nvPr>
+        </p:nvSpPr>
+        <p:spPr/>
+      </p:sp>
+      <p:sp>
+        <p:nvSpPr>
+          <p:cNvPr id="3" name="Notes Placeholder 2"/>
+          <p:cNvSpPr>
+            <a:spLocks noGrp="1"/>
+          </p:cNvSpPr>
+          <p:nvPr>
+            <p:ph type="body" idx="1"/>
+          </p:nvPr>
+        </p:nvSpPr>
+        <p:spPr/>
+        <p:txBody>
+          <a:bodyPr/>
+          <a:lstStyle/>
+          <a:p>
+            <a:r>
+              <a:rPr lang="en-US" dirty="0" smtClean="0"/>
+              <a:t>8, 6 &amp; 2</a:t>
+            </a:r>
+            <a:endParaRPr lang="en-US" dirty="0"/>
+          </a:p>
+        </p:txBody>
+      </p:sp>
+      <p:sp>
+        <p:nvSpPr>
+          <p:cNvPr id="4" name="Slide Number Placeholder 3"/>
+          <p:cNvSpPr>
+            <a:spLocks noGrp="1"/>
+          </p:cNvSpPr>
+          <p:nvPr>
+            <p:ph type="sldNum" sz="quarter" idx="10"/>
+          </p:nvPr>
+        </p:nvSpPr>
+        <p:spPr/>
+        <p:txBody>
+          <a:bodyPr/>
+          <a:lstStyle/>
+          <a:p>
+            <a:fld id="{2EB312AA-E5B3-483C-89A7-82722FB34C35}" type="slidenum">
+              <a:rPr lang="en-US" smtClean="0"/>
+              <a:t>16</a:t>
+            </a:fld>
+            <a:endParaRPr lang="en-US"/>
+          </a:p>
+        </p:txBody>
+      </p:sp>
+    </p:spTree>
+    <p:extLst>
+      <p:ext uri="{BB962C8B-B14F-4D97-AF65-F5344CB8AC3E}">
+        <p14:creationId xmlns:p14="http://schemas.microsoft.com/office/powerpoint/2010/main" val="2281340076"/>
+      </p:ext>
+    </p:extLst>
+  </p:cSld>
+  <p:clrMapOvr>
+    <a:masterClrMapping/>
+  </p:clrMapOvr>
+</p:notes>
+</file>
+
+<file path=ppt/notesSlides/notesSlide17.xml><?xml version="1.0" encoding="utf-8"?>
+<p:notes xmlns:a="http://schemas.openxmlformats.org/drawingml/2006/main" xmlns:r="http://schemas.openxmlformats.org/officeDocument/2006/relationships" xmlns:p="http://schemas.openxmlformats.org/presentationml/2006/main">
+  <p:cSld>
+    <p:spTree>
+      <p:nvGrpSpPr>
+        <p:cNvPr id="1" name=""/>
+        <p:cNvGrpSpPr/>
+        <p:nvPr/>
+      </p:nvGrpSpPr>
+      <p:grpSpPr>
+        <a:xfrm>
+          <a:off x="0" y="0"/>
+          <a:ext cx="0" cy="0"/>
+          <a:chOff x="0" y="0"/>
+          <a:chExt cx="0" cy="0"/>
+        </a:xfrm>
+      </p:grpSpPr>
+      <p:sp>
+        <p:nvSpPr>
+          <p:cNvPr id="2" name="Slide Image Placeholder 1"/>
+          <p:cNvSpPr>
+            <a:spLocks noGrp="1" noRot="1" noChangeAspect="1"/>
+          </p:cNvSpPr>
+          <p:nvPr>
+            <p:ph type="sldImg"/>
+          </p:nvPr>
+        </p:nvSpPr>
+        <p:spPr/>
+      </p:sp>
+      <p:sp>
+        <p:nvSpPr>
+          <p:cNvPr id="3" name="Notes Placeholder 2"/>
+          <p:cNvSpPr>
+            <a:spLocks noGrp="1"/>
+          </p:cNvSpPr>
+          <p:nvPr>
+            <p:ph type="body" idx="1"/>
+          </p:nvPr>
+        </p:nvSpPr>
+        <p:spPr/>
+        <p:txBody>
+          <a:bodyPr/>
+          <a:lstStyle/>
+          <a:p>
+            <a:r>
+              <a:rPr lang="en-US" dirty="0" smtClean="0"/>
+              <a:t>8</a:t>
+            </a:r>
+            <a:endParaRPr lang="en-US" dirty="0"/>
+          </a:p>
+        </p:txBody>
+      </p:sp>
+      <p:sp>
+        <p:nvSpPr>
+          <p:cNvPr id="4" name="Slide Number Placeholder 3"/>
+          <p:cNvSpPr>
+            <a:spLocks noGrp="1"/>
+          </p:cNvSpPr>
+          <p:nvPr>
+            <p:ph type="sldNum" sz="quarter" idx="10"/>
+          </p:nvPr>
+        </p:nvSpPr>
+        <p:spPr/>
+        <p:txBody>
+          <a:bodyPr/>
+          <a:lstStyle/>
+          <a:p>
+            <a:fld id="{2EB312AA-E5B3-483C-89A7-82722FB34C35}" type="slidenum">
+              <a:rPr lang="en-US" smtClean="0"/>
+              <a:t>17</a:t>
+            </a:fld>
+            <a:endParaRPr lang="en-US"/>
+          </a:p>
+        </p:txBody>
+      </p:sp>
+    </p:spTree>
+    <p:extLst>
+      <p:ext uri="{BB962C8B-B14F-4D97-AF65-F5344CB8AC3E}">
+        <p14:creationId xmlns:p14="http://schemas.microsoft.com/office/powerpoint/2010/main" val="1587138040"/>
+      </p:ext>
+    </p:extLst>
+  </p:cSld>
+  <p:clrMapOvr>
+    <a:masterClrMapping/>
+  </p:clrMapOvr>
+</p:notes>
+</file>
+
+<file path=ppt/notesSlides/notesSlide18.xml><?xml version="1.0" encoding="utf-8"?>
+<p:notes xmlns:a="http://schemas.openxmlformats.org/drawingml/2006/main" xmlns:r="http://schemas.openxmlformats.org/officeDocument/2006/relationships" xmlns:p="http://schemas.openxmlformats.org/presentationml/2006/main">
+  <p:cSld>
+    <p:spTree>
+      <p:nvGrpSpPr>
+        <p:cNvPr id="1" name=""/>
+        <p:cNvGrpSpPr/>
+        <p:nvPr/>
+      </p:nvGrpSpPr>
+      <p:grpSpPr>
+        <a:xfrm>
+          <a:off x="0" y="0"/>
+          <a:ext cx="0" cy="0"/>
+          <a:chOff x="0" y="0"/>
+          <a:chExt cx="0" cy="0"/>
+        </a:xfrm>
+      </p:grpSpPr>
+      <p:sp>
+        <p:nvSpPr>
+          <p:cNvPr id="2" name="Slide Image Placeholder 1"/>
+          <p:cNvSpPr>
+            <a:spLocks noGrp="1" noRot="1" noChangeAspect="1"/>
+          </p:cNvSpPr>
+          <p:nvPr>
+            <p:ph type="sldImg"/>
+          </p:nvPr>
+        </p:nvSpPr>
+        <p:spPr/>
+      </p:sp>
+      <p:sp>
+        <p:nvSpPr>
+          <p:cNvPr id="3" name="Notes Placeholder 2"/>
+          <p:cNvSpPr>
+            <a:spLocks noGrp="1"/>
+          </p:cNvSpPr>
+          <p:nvPr>
+            <p:ph type="body" idx="1"/>
+          </p:nvPr>
+        </p:nvSpPr>
+        <p:spPr/>
+        <p:txBody>
+          <a:bodyPr/>
+          <a:lstStyle/>
+          <a:p>
+            <a:r>
+              <a:rPr lang="en-US" dirty="0" smtClean="0"/>
+              <a:t>4</a:t>
+            </a:r>
+            <a:endParaRPr lang="en-US" dirty="0"/>
+          </a:p>
+        </p:txBody>
+      </p:sp>
+      <p:sp>
+        <p:nvSpPr>
+          <p:cNvPr id="4" name="Slide Number Placeholder 3"/>
+          <p:cNvSpPr>
+            <a:spLocks noGrp="1"/>
+          </p:cNvSpPr>
+          <p:nvPr>
+            <p:ph type="sldNum" sz="quarter" idx="10"/>
+          </p:nvPr>
+        </p:nvSpPr>
+        <p:spPr/>
+        <p:txBody>
+          <a:bodyPr/>
+          <a:lstStyle/>
+          <a:p>
+            <a:fld id="{2EB312AA-E5B3-483C-89A7-82722FB34C35}" type="slidenum">
+              <a:rPr lang="en-US" smtClean="0"/>
+              <a:t>18</a:t>
+            </a:fld>
+            <a:endParaRPr lang="en-US"/>
+          </a:p>
+        </p:txBody>
+      </p:sp>
+    </p:spTree>
+    <p:extLst>
+      <p:ext uri="{BB962C8B-B14F-4D97-AF65-F5344CB8AC3E}">
+        <p14:creationId xmlns:p14="http://schemas.microsoft.com/office/powerpoint/2010/main" val="779674851"/>
+      </p:ext>
+    </p:extLst>
+  </p:cSld>
+  <p:clrMapOvr>
+    <a:masterClrMapping/>
+  </p:clrMapOvr>
+</p:notes>
+</file>
+
+<file path=ppt/notesSlides/notesSlide19.xml><?xml version="1.0" encoding="utf-8"?>
+<p:notes xmlns:a="http://schemas.openxmlformats.org/drawingml/2006/main" xmlns:r="http://schemas.openxmlformats.org/officeDocument/2006/relationships" xmlns:p="http://schemas.openxmlformats.org/presentationml/2006/main">
+  <p:cSld>
+    <p:spTree>
+      <p:nvGrpSpPr>
+        <p:cNvPr id="1" name=""/>
+        <p:cNvGrpSpPr/>
+        <p:nvPr/>
+      </p:nvGrpSpPr>
+      <p:grpSpPr>
+        <a:xfrm>
+          <a:off x="0" y="0"/>
+          <a:ext cx="0" cy="0"/>
+          <a:chOff x="0" y="0"/>
+          <a:chExt cx="0" cy="0"/>
+        </a:xfrm>
+      </p:grpSpPr>
+      <p:sp>
+        <p:nvSpPr>
+          <p:cNvPr id="2" name="Slide Image Placeholder 1"/>
+          <p:cNvSpPr>
+            <a:spLocks noGrp="1" noRot="1" noChangeAspect="1"/>
+          </p:cNvSpPr>
+          <p:nvPr>
+            <p:ph type="sldImg"/>
+          </p:nvPr>
+        </p:nvSpPr>
+        <p:spPr/>
+      </p:sp>
+      <p:sp>
+        <p:nvSpPr>
+          <p:cNvPr id="3" name="Notes Placeholder 2"/>
+          <p:cNvSpPr>
+            <a:spLocks noGrp="1"/>
+          </p:cNvSpPr>
+          <p:nvPr>
+            <p:ph type="body" idx="1"/>
+          </p:nvPr>
+        </p:nvSpPr>
+        <p:spPr/>
+        <p:txBody>
+          <a:bodyPr/>
+          <a:lstStyle/>
+          <a:p>
+            <a:r>
+              <a:rPr lang="en-US" dirty="0" smtClean="0"/>
+              <a:t>6</a:t>
+            </a:r>
+            <a:endParaRPr lang="en-US" dirty="0"/>
+          </a:p>
+        </p:txBody>
+      </p:sp>
+      <p:sp>
+        <p:nvSpPr>
+          <p:cNvPr id="4" name="Slide Number Placeholder 3"/>
+          <p:cNvSpPr>
+            <a:spLocks noGrp="1"/>
+          </p:cNvSpPr>
+          <p:nvPr>
+            <p:ph type="sldNum" sz="quarter" idx="10"/>
+          </p:nvPr>
+        </p:nvSpPr>
+        <p:spPr/>
+        <p:txBody>
+          <a:bodyPr/>
+          <a:lstStyle/>
+          <a:p>
+            <a:fld id="{2EB312AA-E5B3-483C-89A7-82722FB34C35}" type="slidenum">
+              <a:rPr lang="en-US" smtClean="0"/>
+              <a:t>19</a:t>
+            </a:fld>
+            <a:endParaRPr lang="en-US"/>
+          </a:p>
+        </p:txBody>
+      </p:sp>
+    </p:spTree>
+    <p:extLst>
+      <p:ext uri="{BB962C8B-B14F-4D97-AF65-F5344CB8AC3E}">
+        <p14:creationId xmlns:p14="http://schemas.microsoft.com/office/powerpoint/2010/main" val="3636580439"/>
+      </p:ext>
+    </p:extLst>
+  </p:cSld>
+  <p:clrMapOvr>
+    <a:masterClrMapping/>
+  </p:clrMapOvr>
+</p:notes>
+</file>
+
+<file path=ppt/notesSlides/notesSlide2.xml><?xml version="1.0" encoding="utf-8"?>
+<p:notes xmlns:a="http://schemas.openxmlformats.org/drawingml/2006/main" xmlns:r="http://schemas.openxmlformats.org/officeDocument/2006/relationships" xmlns:p="http://schemas.openxmlformats.org/presentationml/2006/main">
+  <p:cSld>
+    <p:spTree>
+      <p:nvGrpSpPr>
+        <p:cNvPr id="1" name=""/>
+        <p:cNvGrpSpPr/>
+        <p:nvPr/>
+      </p:nvGrpSpPr>
+      <p:grpSpPr>
+        <a:xfrm>
+          <a:off x="0" y="0"/>
+          <a:ext cx="0" cy="0"/>
+          <a:chOff x="0" y="0"/>
+          <a:chExt cx="0" cy="0"/>
+        </a:xfrm>
+      </p:grpSpPr>
+      <p:sp>
+        <p:nvSpPr>
+          <p:cNvPr id="2" name="Slide Image Placeholder 1"/>
+          <p:cNvSpPr>
+            <a:spLocks noGrp="1" noRot="1" noChangeAspect="1"/>
+          </p:cNvSpPr>
+          <p:nvPr>
+            <p:ph type="sldImg"/>
+          </p:nvPr>
+        </p:nvSpPr>
+        <p:spPr/>
+      </p:sp>
+      <p:sp>
+        <p:nvSpPr>
+          <p:cNvPr id="3" name="Notes Placeholder 2"/>
+          <p:cNvSpPr>
+            <a:spLocks noGrp="1"/>
+          </p:cNvSpPr>
+          <p:nvPr>
+            <p:ph type="body" idx="1"/>
+          </p:nvPr>
+        </p:nvSpPr>
+        <p:spPr/>
+        <p:txBody>
+          <a:bodyPr/>
+          <a:lstStyle/>
+          <a:p>
+            <a:r>
+              <a:rPr lang="en-US" dirty="0" smtClean="0"/>
+              <a:t>2</a:t>
+            </a:r>
+            <a:endParaRPr lang="en-US" dirty="0"/>
+          </a:p>
+        </p:txBody>
+      </p:sp>
+      <p:sp>
+        <p:nvSpPr>
+          <p:cNvPr id="4" name="Slide Number Placeholder 3"/>
+          <p:cNvSpPr>
+            <a:spLocks noGrp="1"/>
+          </p:cNvSpPr>
+          <p:nvPr>
+            <p:ph type="sldNum" sz="quarter" idx="10"/>
+          </p:nvPr>
+        </p:nvSpPr>
+        <p:spPr/>
+        <p:txBody>
+          <a:bodyPr/>
+          <a:lstStyle/>
+          <a:p>
+            <a:fld id="{2EB312AA-E5B3-483C-89A7-82722FB34C35}" type="slidenum">
+              <a:rPr lang="en-US" smtClean="0"/>
+              <a:t>2</a:t>
+            </a:fld>
+            <a:endParaRPr lang="en-US"/>
+          </a:p>
+        </p:txBody>
+      </p:sp>
+    </p:spTree>
+    <p:extLst>
+      <p:ext uri="{BB962C8B-B14F-4D97-AF65-F5344CB8AC3E}">
+        <p14:creationId xmlns:p14="http://schemas.microsoft.com/office/powerpoint/2010/main" val="812197993"/>
+      </p:ext>
+    </p:extLst>
+  </p:cSld>
+  <p:clrMapOvr>
+    <a:masterClrMapping/>
+  </p:clrMapOvr>
+</p:notes>
+</file>
+
+<file path=ppt/notesSlides/notesSlide20.xml><?xml version="1.0" encoding="utf-8"?>
+<p:notes xmlns:a="http://schemas.openxmlformats.org/drawingml/2006/main" xmlns:r="http://schemas.openxmlformats.org/officeDocument/2006/relationships" xmlns:p="http://schemas.openxmlformats.org/presentationml/2006/main">
+  <p:cSld>
+    <p:spTree>
+      <p:nvGrpSpPr>
+        <p:cNvPr id="1" name=""/>
+        <p:cNvGrpSpPr/>
+        <p:nvPr/>
+      </p:nvGrpSpPr>
+      <p:grpSpPr>
+        <a:xfrm>
+          <a:off x="0" y="0"/>
+          <a:ext cx="0" cy="0"/>
+          <a:chOff x="0" y="0"/>
+          <a:chExt cx="0" cy="0"/>
+        </a:xfrm>
+      </p:grpSpPr>
+      <p:sp>
+        <p:nvSpPr>
+          <p:cNvPr id="2" name="Slide Image Placeholder 1"/>
+          <p:cNvSpPr>
+            <a:spLocks noGrp="1" noRot="1" noChangeAspect="1"/>
+          </p:cNvSpPr>
+          <p:nvPr>
+            <p:ph type="sldImg"/>
+          </p:nvPr>
+        </p:nvSpPr>
+        <p:spPr/>
+      </p:sp>
+      <p:sp>
+        <p:nvSpPr>
+          <p:cNvPr id="3" name="Notes Placeholder 2"/>
+          <p:cNvSpPr>
+            <a:spLocks noGrp="1"/>
+          </p:cNvSpPr>
+          <p:nvPr>
+            <p:ph type="body" idx="1"/>
+          </p:nvPr>
+        </p:nvSpPr>
+        <p:spPr/>
+        <p:txBody>
+          <a:bodyPr/>
+          <a:lstStyle/>
+          <a:p>
+            <a:r>
+              <a:rPr lang="en-US" dirty="0" smtClean="0"/>
+              <a:t>3</a:t>
+            </a:r>
+            <a:endParaRPr lang="en-US" dirty="0"/>
+          </a:p>
+        </p:txBody>
+      </p:sp>
+      <p:sp>
+        <p:nvSpPr>
+          <p:cNvPr id="4" name="Slide Number Placeholder 3"/>
+          <p:cNvSpPr>
+            <a:spLocks noGrp="1"/>
+          </p:cNvSpPr>
+          <p:nvPr>
+            <p:ph type="sldNum" sz="quarter" idx="10"/>
+          </p:nvPr>
+        </p:nvSpPr>
+        <p:spPr/>
+        <p:txBody>
+          <a:bodyPr/>
+          <a:lstStyle/>
+          <a:p>
+            <a:fld id="{2EB312AA-E5B3-483C-89A7-82722FB34C35}" type="slidenum">
+              <a:rPr lang="en-US" smtClean="0"/>
+              <a:t>20</a:t>
+            </a:fld>
+            <a:endParaRPr lang="en-US"/>
+          </a:p>
+        </p:txBody>
+      </p:sp>
+    </p:spTree>
+    <p:extLst>
+      <p:ext uri="{BB962C8B-B14F-4D97-AF65-F5344CB8AC3E}">
+        <p14:creationId xmlns:p14="http://schemas.microsoft.com/office/powerpoint/2010/main" val="2884234769"/>
+      </p:ext>
+    </p:extLst>
+  </p:cSld>
+  <p:clrMapOvr>
+    <a:masterClrMapping/>
+  </p:clrMapOvr>
+</p:notes>
+</file>
+
+<file path=ppt/notesSlides/notesSlide21.xml><?xml version="1.0" encoding="utf-8"?>
+<p:notes xmlns:a="http://schemas.openxmlformats.org/drawingml/2006/main" xmlns:r="http://schemas.openxmlformats.org/officeDocument/2006/relationships" xmlns:p="http://schemas.openxmlformats.org/presentationml/2006/main">
+  <p:cSld>
+    <p:spTree>
+      <p:nvGrpSpPr>
+        <p:cNvPr id="1" name=""/>
+        <p:cNvGrpSpPr/>
+        <p:nvPr/>
+      </p:nvGrpSpPr>
+      <p:grpSpPr>
+        <a:xfrm>
+          <a:off x="0" y="0"/>
+          <a:ext cx="0" cy="0"/>
+          <a:chOff x="0" y="0"/>
+          <a:chExt cx="0" cy="0"/>
+        </a:xfrm>
+      </p:grpSpPr>
+      <p:sp>
+        <p:nvSpPr>
+          <p:cNvPr id="2" name="Slide Image Placeholder 1"/>
+          <p:cNvSpPr>
+            <a:spLocks noGrp="1" noRot="1" noChangeAspect="1"/>
+          </p:cNvSpPr>
+          <p:nvPr>
+            <p:ph type="sldImg"/>
+          </p:nvPr>
+        </p:nvSpPr>
+        <p:spPr/>
+      </p:sp>
+      <p:sp>
+        <p:nvSpPr>
+          <p:cNvPr id="3" name="Notes Placeholder 2"/>
+          <p:cNvSpPr>
+            <a:spLocks noGrp="1"/>
+          </p:cNvSpPr>
+          <p:nvPr>
+            <p:ph type="body" idx="1"/>
+          </p:nvPr>
+        </p:nvSpPr>
+        <p:spPr/>
+        <p:txBody>
+          <a:bodyPr/>
+          <a:lstStyle/>
+          <a:p>
+            <a:r>
+              <a:rPr lang="en-US" dirty="0" smtClean="0"/>
+              <a:t>3</a:t>
+            </a:r>
+            <a:endParaRPr lang="en-US" dirty="0"/>
+          </a:p>
+        </p:txBody>
+      </p:sp>
+      <p:sp>
+        <p:nvSpPr>
+          <p:cNvPr id="4" name="Slide Number Placeholder 3"/>
+          <p:cNvSpPr>
+            <a:spLocks noGrp="1"/>
+          </p:cNvSpPr>
+          <p:nvPr>
+            <p:ph type="sldNum" sz="quarter" idx="10"/>
+          </p:nvPr>
+        </p:nvSpPr>
+        <p:spPr/>
+        <p:txBody>
+          <a:bodyPr/>
+          <a:lstStyle/>
+          <a:p>
+            <a:fld id="{2EB312AA-E5B3-483C-89A7-82722FB34C35}" type="slidenum">
+              <a:rPr lang="en-US" smtClean="0"/>
+              <a:t>21</a:t>
+            </a:fld>
+            <a:endParaRPr lang="en-US"/>
+          </a:p>
+        </p:txBody>
+      </p:sp>
+    </p:spTree>
+    <p:extLst>
+      <p:ext uri="{BB962C8B-B14F-4D97-AF65-F5344CB8AC3E}">
+        <p14:creationId xmlns:p14="http://schemas.microsoft.com/office/powerpoint/2010/main" val="1088438535"/>
+      </p:ext>
+    </p:extLst>
+  </p:cSld>
+  <p:clrMapOvr>
+    <a:masterClrMapping/>
+  </p:clrMapOvr>
+</p:notes>
+</file>
+
+<file path=ppt/notesSlides/notesSlide22.xml><?xml version="1.0" encoding="utf-8"?>
+<p:notes xmlns:a="http://schemas.openxmlformats.org/drawingml/2006/main" xmlns:r="http://schemas.openxmlformats.org/officeDocument/2006/relationships" xmlns:p="http://schemas.openxmlformats.org/presentationml/2006/main">
+  <p:cSld>
+    <p:spTree>
+      <p:nvGrpSpPr>
+        <p:cNvPr id="1" name=""/>
+        <p:cNvGrpSpPr/>
+        <p:nvPr/>
+      </p:nvGrpSpPr>
+      <p:grpSpPr>
+        <a:xfrm>
+          <a:off x="0" y="0"/>
+          <a:ext cx="0" cy="0"/>
+          <a:chOff x="0" y="0"/>
+          <a:chExt cx="0" cy="0"/>
+        </a:xfrm>
+      </p:grpSpPr>
+      <p:sp>
+        <p:nvSpPr>
+          <p:cNvPr id="2" name="Slide Image Placeholder 1"/>
+          <p:cNvSpPr>
+            <a:spLocks noGrp="1" noRot="1" noChangeAspect="1"/>
+          </p:cNvSpPr>
+          <p:nvPr>
+            <p:ph type="sldImg"/>
+          </p:nvPr>
+        </p:nvSpPr>
+        <p:spPr/>
+      </p:sp>
+      <p:sp>
+        <p:nvSpPr>
+          <p:cNvPr id="3" name="Notes Placeholder 2"/>
+          <p:cNvSpPr>
+            <a:spLocks noGrp="1"/>
+          </p:cNvSpPr>
+          <p:nvPr>
+            <p:ph type="body" idx="1"/>
+          </p:nvPr>
+        </p:nvSpPr>
+        <p:spPr/>
+        <p:txBody>
+          <a:bodyPr/>
+          <a:lstStyle/>
+          <a:p>
+            <a:r>
+              <a:rPr lang="en-US" dirty="0" smtClean="0"/>
+              <a:t>1</a:t>
+            </a:r>
+            <a:endParaRPr lang="en-US" dirty="0"/>
+          </a:p>
+        </p:txBody>
+      </p:sp>
+      <p:sp>
+        <p:nvSpPr>
+          <p:cNvPr id="4" name="Slide Number Placeholder 3"/>
+          <p:cNvSpPr>
+            <a:spLocks noGrp="1"/>
+          </p:cNvSpPr>
+          <p:nvPr>
+            <p:ph type="sldNum" sz="quarter" idx="10"/>
+          </p:nvPr>
+        </p:nvSpPr>
+        <p:spPr/>
+        <p:txBody>
+          <a:bodyPr/>
+          <a:lstStyle/>
+          <a:p>
+            <a:fld id="{2EB312AA-E5B3-483C-89A7-82722FB34C35}" type="slidenum">
+              <a:rPr lang="en-US" smtClean="0"/>
+              <a:t>22</a:t>
+            </a:fld>
+            <a:endParaRPr lang="en-US"/>
+          </a:p>
+        </p:txBody>
+      </p:sp>
+    </p:spTree>
+    <p:extLst>
+      <p:ext uri="{BB962C8B-B14F-4D97-AF65-F5344CB8AC3E}">
+        <p14:creationId xmlns:p14="http://schemas.microsoft.com/office/powerpoint/2010/main" val="753214205"/>
+      </p:ext>
+    </p:extLst>
+  </p:cSld>
+  <p:clrMapOvr>
+    <a:masterClrMapping/>
+  </p:clrMapOvr>
+</p:notes>
+</file>
+
+<file path=ppt/notesSlides/notesSlide23.xml><?xml version="1.0" encoding="utf-8"?>
+<p:notes xmlns:a="http://schemas.openxmlformats.org/drawingml/2006/main" xmlns:r="http://schemas.openxmlformats.org/officeDocument/2006/relationships" xmlns:p="http://schemas.openxmlformats.org/presentationml/2006/main">
+  <p:cSld>
+    <p:spTree>
+      <p:nvGrpSpPr>
+        <p:cNvPr id="1" name=""/>
+        <p:cNvGrpSpPr/>
+        <p:nvPr/>
+      </p:nvGrpSpPr>
+      <p:grpSpPr>
+        <a:xfrm>
+          <a:off x="0" y="0"/>
+          <a:ext cx="0" cy="0"/>
+          <a:chOff x="0" y="0"/>
+          <a:chExt cx="0" cy="0"/>
+        </a:xfrm>
+      </p:grpSpPr>
+      <p:sp>
+        <p:nvSpPr>
+          <p:cNvPr id="2" name="Slide Image Placeholder 1"/>
+          <p:cNvSpPr>
+            <a:spLocks noGrp="1" noRot="1" noChangeAspect="1"/>
+          </p:cNvSpPr>
+          <p:nvPr>
+            <p:ph type="sldImg"/>
+          </p:nvPr>
+        </p:nvSpPr>
+        <p:spPr/>
+      </p:sp>
+      <p:sp>
+        <p:nvSpPr>
+          <p:cNvPr id="3" name="Notes Placeholder 2"/>
+          <p:cNvSpPr>
+            <a:spLocks noGrp="1"/>
+          </p:cNvSpPr>
+          <p:nvPr>
+            <p:ph type="body" idx="1"/>
+          </p:nvPr>
+        </p:nvSpPr>
+        <p:spPr/>
+        <p:txBody>
+          <a:bodyPr/>
+          <a:lstStyle/>
+          <a:p>
+            <a:r>
+              <a:rPr lang="en-US" dirty="0" smtClean="0"/>
+              <a:t>6</a:t>
+            </a:r>
+            <a:endParaRPr lang="en-US" dirty="0"/>
+          </a:p>
+        </p:txBody>
+      </p:sp>
+      <p:sp>
+        <p:nvSpPr>
+          <p:cNvPr id="4" name="Slide Number Placeholder 3"/>
+          <p:cNvSpPr>
+            <a:spLocks noGrp="1"/>
+          </p:cNvSpPr>
+          <p:nvPr>
+            <p:ph type="sldNum" sz="quarter" idx="10"/>
+          </p:nvPr>
+        </p:nvSpPr>
+        <p:spPr/>
+        <p:txBody>
+          <a:bodyPr/>
+          <a:lstStyle/>
+          <a:p>
+            <a:fld id="{2EB312AA-E5B3-483C-89A7-82722FB34C35}" type="slidenum">
+              <a:rPr lang="en-US" smtClean="0"/>
+              <a:t>23</a:t>
+            </a:fld>
+            <a:endParaRPr lang="en-US"/>
+          </a:p>
+        </p:txBody>
+      </p:sp>
+    </p:spTree>
+    <p:extLst>
+      <p:ext uri="{BB962C8B-B14F-4D97-AF65-F5344CB8AC3E}">
+        <p14:creationId xmlns:p14="http://schemas.microsoft.com/office/powerpoint/2010/main" val="3831408609"/>
+      </p:ext>
+    </p:extLst>
+  </p:cSld>
+  <p:clrMapOvr>
+    <a:masterClrMapping/>
+  </p:clrMapOvr>
+</p:notes>
+</file>
+
+<file path=ppt/notesSlides/notesSlide24.xml><?xml version="1.0" encoding="utf-8"?>
+<p:notes xmlns:a="http://schemas.openxmlformats.org/drawingml/2006/main" xmlns:r="http://schemas.openxmlformats.org/officeDocument/2006/relationships" xmlns:p="http://schemas.openxmlformats.org/presentationml/2006/main">
+  <p:cSld>
+    <p:spTree>
+      <p:nvGrpSpPr>
+        <p:cNvPr id="1" name=""/>
+        <p:cNvGrpSpPr/>
+        <p:nvPr/>
+      </p:nvGrpSpPr>
+      <p:grpSpPr>
+        <a:xfrm>
+          <a:off x="0" y="0"/>
+          <a:ext cx="0" cy="0"/>
+          <a:chOff x="0" y="0"/>
+          <a:chExt cx="0" cy="0"/>
+        </a:xfrm>
+      </p:grpSpPr>
+      <p:sp>
+        <p:nvSpPr>
+          <p:cNvPr id="2" name="Slide Image Placeholder 1"/>
+          <p:cNvSpPr>
+            <a:spLocks noGrp="1" noRot="1" noChangeAspect="1"/>
+          </p:cNvSpPr>
+          <p:nvPr>
+            <p:ph type="sldImg"/>
+          </p:nvPr>
+        </p:nvSpPr>
+        <p:spPr/>
+      </p:sp>
+      <p:sp>
+        <p:nvSpPr>
+          <p:cNvPr id="3" name="Notes Placeholder 2"/>
+          <p:cNvSpPr>
+            <a:spLocks noGrp="1"/>
+          </p:cNvSpPr>
+          <p:nvPr>
+            <p:ph type="body" idx="1"/>
+          </p:nvPr>
+        </p:nvSpPr>
+        <p:spPr/>
+        <p:txBody>
+          <a:bodyPr/>
+          <a:lstStyle/>
+          <a:p>
+            <a:r>
+              <a:rPr lang="en-US" dirty="0" smtClean="0"/>
+              <a:t>6</a:t>
+            </a:r>
+            <a:endParaRPr lang="en-US" dirty="0"/>
+          </a:p>
+        </p:txBody>
+      </p:sp>
+      <p:sp>
+        <p:nvSpPr>
+          <p:cNvPr id="4" name="Slide Number Placeholder 3"/>
+          <p:cNvSpPr>
+            <a:spLocks noGrp="1"/>
+          </p:cNvSpPr>
+          <p:nvPr>
+            <p:ph type="sldNum" sz="quarter" idx="10"/>
+          </p:nvPr>
+        </p:nvSpPr>
+        <p:spPr/>
+        <p:txBody>
+          <a:bodyPr/>
+          <a:lstStyle/>
+          <a:p>
+            <a:fld id="{2EB312AA-E5B3-483C-89A7-82722FB34C35}" type="slidenum">
+              <a:rPr lang="en-US" smtClean="0"/>
+              <a:t>24</a:t>
+            </a:fld>
+            <a:endParaRPr lang="en-US"/>
+          </a:p>
+        </p:txBody>
+      </p:sp>
+    </p:spTree>
+    <p:extLst>
+      <p:ext uri="{BB962C8B-B14F-4D97-AF65-F5344CB8AC3E}">
+        <p14:creationId xmlns:p14="http://schemas.microsoft.com/office/powerpoint/2010/main" val="609683936"/>
+      </p:ext>
+    </p:extLst>
+  </p:cSld>
+  <p:clrMapOvr>
+    <a:masterClrMapping/>
+  </p:clrMapOvr>
+</p:notes>
+</file>
+
+<file path=ppt/notesSlides/notesSlide25.xml><?xml version="1.0" encoding="utf-8"?>
+<p:notes xmlns:a="http://schemas.openxmlformats.org/drawingml/2006/main" xmlns:r="http://schemas.openxmlformats.org/officeDocument/2006/relationships" xmlns:p="http://schemas.openxmlformats.org/presentationml/2006/main">
+  <p:cSld>
+    <p:spTree>
+      <p:nvGrpSpPr>
+        <p:cNvPr id="1" name=""/>
+        <p:cNvGrpSpPr/>
+        <p:nvPr/>
+      </p:nvGrpSpPr>
+      <p:grpSpPr>
+        <a:xfrm>
+          <a:off x="0" y="0"/>
+          <a:ext cx="0" cy="0"/>
+          <a:chOff x="0" y="0"/>
+          <a:chExt cx="0" cy="0"/>
+        </a:xfrm>
+      </p:grpSpPr>
+      <p:sp>
+        <p:nvSpPr>
+          <p:cNvPr id="2" name="Slide Image Placeholder 1"/>
+          <p:cNvSpPr>
+            <a:spLocks noGrp="1" noRot="1" noChangeAspect="1"/>
+          </p:cNvSpPr>
+          <p:nvPr>
+            <p:ph type="sldImg"/>
+          </p:nvPr>
+        </p:nvSpPr>
+        <p:spPr/>
+      </p:sp>
+      <p:sp>
+        <p:nvSpPr>
+          <p:cNvPr id="3" name="Notes Placeholder 2"/>
+          <p:cNvSpPr>
+            <a:spLocks noGrp="1"/>
+          </p:cNvSpPr>
+          <p:nvPr>
+            <p:ph type="body" idx="1"/>
+          </p:nvPr>
+        </p:nvSpPr>
+        <p:spPr/>
+        <p:txBody>
+          <a:bodyPr/>
+          <a:lstStyle/>
+          <a:p>
+            <a:r>
+              <a:rPr lang="en-US" dirty="0" smtClean="0"/>
+              <a:t>6</a:t>
+            </a:r>
+            <a:endParaRPr lang="en-US" dirty="0"/>
+          </a:p>
+        </p:txBody>
+      </p:sp>
+      <p:sp>
+        <p:nvSpPr>
+          <p:cNvPr id="4" name="Slide Number Placeholder 3"/>
+          <p:cNvSpPr>
+            <a:spLocks noGrp="1"/>
+          </p:cNvSpPr>
+          <p:nvPr>
+            <p:ph type="sldNum" sz="quarter" idx="10"/>
+          </p:nvPr>
+        </p:nvSpPr>
+        <p:spPr/>
+        <p:txBody>
+          <a:bodyPr/>
+          <a:lstStyle/>
+          <a:p>
+            <a:fld id="{2EB312AA-E5B3-483C-89A7-82722FB34C35}" type="slidenum">
+              <a:rPr lang="en-US" smtClean="0"/>
+              <a:t>25</a:t>
+            </a:fld>
+            <a:endParaRPr lang="en-US"/>
+          </a:p>
+        </p:txBody>
+      </p:sp>
+    </p:spTree>
+    <p:extLst>
+      <p:ext uri="{BB962C8B-B14F-4D97-AF65-F5344CB8AC3E}">
+        <p14:creationId xmlns:p14="http://schemas.microsoft.com/office/powerpoint/2010/main" val="363341927"/>
+      </p:ext>
+    </p:extLst>
+  </p:cSld>
+  <p:clrMapOvr>
+    <a:masterClrMapping/>
+  </p:clrMapOvr>
+</p:notes>
+</file>
+
+<file path=ppt/notesSlides/notesSlide26.xml><?xml version="1.0" encoding="utf-8"?>
+<p:notes xmlns:a="http://schemas.openxmlformats.org/drawingml/2006/main" xmlns:r="http://schemas.openxmlformats.org/officeDocument/2006/relationships" xmlns:p="http://schemas.openxmlformats.org/presentationml/2006/main">
+  <p:cSld>
+    <p:spTree>
+      <p:nvGrpSpPr>
+        <p:cNvPr id="1" name=""/>
+        <p:cNvGrpSpPr/>
+        <p:nvPr/>
+      </p:nvGrpSpPr>
+      <p:grpSpPr>
+        <a:xfrm>
+          <a:off x="0" y="0"/>
+          <a:ext cx="0" cy="0"/>
+          <a:chOff x="0" y="0"/>
+          <a:chExt cx="0" cy="0"/>
+        </a:xfrm>
+      </p:grpSpPr>
+      <p:sp>
+        <p:nvSpPr>
+          <p:cNvPr id="2" name="Slide Image Placeholder 1"/>
+          <p:cNvSpPr>
+            <a:spLocks noGrp="1" noRot="1" noChangeAspect="1"/>
+          </p:cNvSpPr>
+          <p:nvPr>
+            <p:ph type="sldImg"/>
+          </p:nvPr>
+        </p:nvSpPr>
+        <p:spPr/>
+      </p:sp>
+      <p:sp>
+        <p:nvSpPr>
+          <p:cNvPr id="3" name="Notes Placeholder 2"/>
+          <p:cNvSpPr>
+            <a:spLocks noGrp="1"/>
+          </p:cNvSpPr>
+          <p:nvPr>
+            <p:ph type="body" idx="1"/>
+          </p:nvPr>
+        </p:nvSpPr>
+        <p:spPr/>
+        <p:txBody>
+          <a:bodyPr/>
+          <a:lstStyle/>
+          <a:p>
+            <a:r>
+              <a:rPr lang="en-US" dirty="0" smtClean="0"/>
+              <a:t>6</a:t>
+            </a:r>
+            <a:endParaRPr lang="en-US" dirty="0"/>
+          </a:p>
+        </p:txBody>
+      </p:sp>
+      <p:sp>
+        <p:nvSpPr>
+          <p:cNvPr id="4" name="Slide Number Placeholder 3"/>
+          <p:cNvSpPr>
+            <a:spLocks noGrp="1"/>
+          </p:cNvSpPr>
+          <p:nvPr>
+            <p:ph type="sldNum" sz="quarter" idx="10"/>
+          </p:nvPr>
+        </p:nvSpPr>
+        <p:spPr/>
+        <p:txBody>
+          <a:bodyPr/>
+          <a:lstStyle/>
+          <a:p>
+            <a:fld id="{2EB312AA-E5B3-483C-89A7-82722FB34C35}" type="slidenum">
+              <a:rPr lang="en-US" smtClean="0"/>
+              <a:t>26</a:t>
+            </a:fld>
+            <a:endParaRPr lang="en-US"/>
+          </a:p>
+        </p:txBody>
+      </p:sp>
+    </p:spTree>
+    <p:extLst>
+      <p:ext uri="{BB962C8B-B14F-4D97-AF65-F5344CB8AC3E}">
+        <p14:creationId xmlns:p14="http://schemas.microsoft.com/office/powerpoint/2010/main" val="3662436706"/>
+      </p:ext>
+    </p:extLst>
+  </p:cSld>
+  <p:clrMapOvr>
+    <a:masterClrMapping/>
+  </p:clrMapOvr>
+</p:notes>
+</file>
+
+<file path=ppt/notesSlides/notesSlide27.xml><?xml version="1.0" encoding="utf-8"?>
+<p:notes xmlns:a="http://schemas.openxmlformats.org/drawingml/2006/main" xmlns:r="http://schemas.openxmlformats.org/officeDocument/2006/relationships" xmlns:p="http://schemas.openxmlformats.org/presentationml/2006/main">
+  <p:cSld>
+    <p:spTree>
+      <p:nvGrpSpPr>
+        <p:cNvPr id="1" name=""/>
+        <p:cNvGrpSpPr/>
+        <p:nvPr/>
+      </p:nvGrpSpPr>
+      <p:grpSpPr>
+        <a:xfrm>
+          <a:off x="0" y="0"/>
+          <a:ext cx="0" cy="0"/>
+          <a:chOff x="0" y="0"/>
+          <a:chExt cx="0" cy="0"/>
+        </a:xfrm>
+      </p:grpSpPr>
+      <p:sp>
+        <p:nvSpPr>
+          <p:cNvPr id="2" name="Slide Image Placeholder 1"/>
+          <p:cNvSpPr>
+            <a:spLocks noGrp="1" noRot="1" noChangeAspect="1"/>
+          </p:cNvSpPr>
+          <p:nvPr>
+            <p:ph type="sldImg"/>
+          </p:nvPr>
+        </p:nvSpPr>
+        <p:spPr/>
+      </p:sp>
+      <p:sp>
+        <p:nvSpPr>
+          <p:cNvPr id="3" name="Notes Placeholder 2"/>
+          <p:cNvSpPr>
+            <a:spLocks noGrp="1"/>
+          </p:cNvSpPr>
+          <p:nvPr>
+            <p:ph type="body" idx="1"/>
+          </p:nvPr>
+        </p:nvSpPr>
+        <p:spPr/>
+        <p:txBody>
+          <a:bodyPr/>
+          <a:lstStyle/>
+          <a:p>
+            <a:r>
+              <a:rPr lang="en-US" dirty="0" smtClean="0"/>
+              <a:t>6</a:t>
+            </a:r>
+            <a:endParaRPr lang="en-US" dirty="0"/>
+          </a:p>
+        </p:txBody>
+      </p:sp>
+      <p:sp>
+        <p:nvSpPr>
+          <p:cNvPr id="4" name="Slide Number Placeholder 3"/>
+          <p:cNvSpPr>
+            <a:spLocks noGrp="1"/>
+          </p:cNvSpPr>
+          <p:nvPr>
+            <p:ph type="sldNum" sz="quarter" idx="10"/>
+          </p:nvPr>
+        </p:nvSpPr>
+        <p:spPr/>
+        <p:txBody>
+          <a:bodyPr/>
+          <a:lstStyle/>
+          <a:p>
+            <a:fld id="{2EB312AA-E5B3-483C-89A7-82722FB34C35}" type="slidenum">
+              <a:rPr lang="en-US" smtClean="0"/>
+              <a:t>27</a:t>
+            </a:fld>
+            <a:endParaRPr lang="en-US"/>
+          </a:p>
+        </p:txBody>
+      </p:sp>
+    </p:spTree>
+    <p:extLst>
+      <p:ext uri="{BB962C8B-B14F-4D97-AF65-F5344CB8AC3E}">
+        <p14:creationId xmlns:p14="http://schemas.microsoft.com/office/powerpoint/2010/main" val="2942324603"/>
+      </p:ext>
+    </p:extLst>
+  </p:cSld>
+  <p:clrMapOvr>
+    <a:masterClrMapping/>
+  </p:clrMapOvr>
+</p:notes>
+</file>
+
+<file path=ppt/notesSlides/notesSlide3.xml><?xml version="1.0" encoding="utf-8"?>
+<p:notes xmlns:a="http://schemas.openxmlformats.org/drawingml/2006/main" xmlns:r="http://schemas.openxmlformats.org/officeDocument/2006/relationships" xmlns:p="http://schemas.openxmlformats.org/presentationml/2006/main">
+  <p:cSld>
+    <p:spTree>
+      <p:nvGrpSpPr>
+        <p:cNvPr id="1" name=""/>
+        <p:cNvGrpSpPr/>
+        <p:nvPr/>
+      </p:nvGrpSpPr>
+      <p:grpSpPr>
+        <a:xfrm>
+          <a:off x="0" y="0"/>
+          <a:ext cx="0" cy="0"/>
+          <a:chOff x="0" y="0"/>
+          <a:chExt cx="0" cy="0"/>
+        </a:xfrm>
+      </p:grpSpPr>
+      <p:sp>
+        <p:nvSpPr>
+          <p:cNvPr id="2" name="Slide Image Placeholder 1"/>
+          <p:cNvSpPr>
+            <a:spLocks noGrp="1" noRot="1" noChangeAspect="1"/>
+          </p:cNvSpPr>
+          <p:nvPr>
+            <p:ph type="sldImg"/>
+          </p:nvPr>
+        </p:nvSpPr>
+        <p:spPr/>
+      </p:sp>
+      <p:sp>
+        <p:nvSpPr>
+          <p:cNvPr id="3" name="Notes Placeholder 2"/>
+          <p:cNvSpPr>
+            <a:spLocks noGrp="1"/>
+          </p:cNvSpPr>
+          <p:nvPr>
+            <p:ph type="body" idx="1"/>
+          </p:nvPr>
+        </p:nvSpPr>
+        <p:spPr/>
+        <p:txBody>
+          <a:bodyPr/>
+          <a:lstStyle/>
+          <a:p>
+            <a:r>
+              <a:rPr lang="en-US" dirty="0" smtClean="0"/>
+              <a:t>3</a:t>
+            </a:r>
+            <a:endParaRPr lang="en-US" dirty="0"/>
+          </a:p>
+        </p:txBody>
+      </p:sp>
+      <p:sp>
+        <p:nvSpPr>
+          <p:cNvPr id="4" name="Slide Number Placeholder 3"/>
+          <p:cNvSpPr>
+            <a:spLocks noGrp="1"/>
+          </p:cNvSpPr>
+          <p:nvPr>
+            <p:ph type="sldNum" sz="quarter" idx="10"/>
+          </p:nvPr>
+        </p:nvSpPr>
+        <p:spPr/>
+        <p:txBody>
+          <a:bodyPr/>
+          <a:lstStyle/>
+          <a:p>
+            <a:fld id="{2EB312AA-E5B3-483C-89A7-82722FB34C35}" type="slidenum">
+              <a:rPr lang="en-US" smtClean="0"/>
+              <a:t>3</a:t>
+            </a:fld>
+            <a:endParaRPr lang="en-US"/>
+          </a:p>
+        </p:txBody>
+      </p:sp>
+    </p:spTree>
+    <p:extLst>
+      <p:ext uri="{BB962C8B-B14F-4D97-AF65-F5344CB8AC3E}">
+        <p14:creationId xmlns:p14="http://schemas.microsoft.com/office/powerpoint/2010/main" val="1533596412"/>
+      </p:ext>
+    </p:extLst>
+  </p:cSld>
+  <p:clrMapOvr>
+    <a:masterClrMapping/>
+  </p:clrMapOvr>
+</p:notes>
+</file>
+
+<file path=ppt/notesSlides/notesSlide4.xml><?xml version="1.0" encoding="utf-8"?>
+<p:notes xmlns:a="http://schemas.openxmlformats.org/drawingml/2006/main" xmlns:r="http://schemas.openxmlformats.org/officeDocument/2006/relationships" xmlns:p="http://schemas.openxmlformats.org/presentationml/2006/main">
+  <p:cSld>
+    <p:spTree>
+      <p:nvGrpSpPr>
+        <p:cNvPr id="1" name=""/>
+        <p:cNvGrpSpPr/>
+        <p:nvPr/>
+      </p:nvGrpSpPr>
+      <p:grpSpPr>
+        <a:xfrm>
+          <a:off x="0" y="0"/>
+          <a:ext cx="0" cy="0"/>
+          <a:chOff x="0" y="0"/>
+          <a:chExt cx="0" cy="0"/>
+        </a:xfrm>
+      </p:grpSpPr>
+      <p:sp>
+        <p:nvSpPr>
+          <p:cNvPr id="2" name="Slide Image Placeholder 1"/>
+          <p:cNvSpPr>
+            <a:spLocks noGrp="1" noRot="1" noChangeAspect="1"/>
+          </p:cNvSpPr>
+          <p:nvPr>
+            <p:ph type="sldImg"/>
+          </p:nvPr>
+        </p:nvSpPr>
+        <p:spPr/>
+      </p:sp>
+      <p:sp>
+        <p:nvSpPr>
+          <p:cNvPr id="3" name="Notes Placeholder 2"/>
+          <p:cNvSpPr>
+            <a:spLocks noGrp="1"/>
+          </p:cNvSpPr>
+          <p:nvPr>
+            <p:ph type="body" idx="1"/>
+          </p:nvPr>
+        </p:nvSpPr>
+        <p:spPr/>
+        <p:txBody>
+          <a:bodyPr/>
+          <a:lstStyle/>
+          <a:p>
+            <a:r>
+              <a:rPr lang="en-US" dirty="0" smtClean="0"/>
+              <a:t>1</a:t>
+            </a:r>
+            <a:endParaRPr lang="en-US" dirty="0"/>
+          </a:p>
+        </p:txBody>
+      </p:sp>
+      <p:sp>
+        <p:nvSpPr>
+          <p:cNvPr id="4" name="Slide Number Placeholder 3"/>
+          <p:cNvSpPr>
+            <a:spLocks noGrp="1"/>
+          </p:cNvSpPr>
+          <p:nvPr>
+            <p:ph type="sldNum" sz="quarter" idx="10"/>
+          </p:nvPr>
+        </p:nvSpPr>
+        <p:spPr/>
+        <p:txBody>
+          <a:bodyPr/>
+          <a:lstStyle/>
+          <a:p>
+            <a:fld id="{2EB312AA-E5B3-483C-89A7-82722FB34C35}" type="slidenum">
+              <a:rPr lang="en-US" smtClean="0"/>
+              <a:t>4</a:t>
+            </a:fld>
+            <a:endParaRPr lang="en-US"/>
+          </a:p>
+        </p:txBody>
+      </p:sp>
+    </p:spTree>
+    <p:extLst>
+      <p:ext uri="{BB962C8B-B14F-4D97-AF65-F5344CB8AC3E}">
+        <p14:creationId xmlns:p14="http://schemas.microsoft.com/office/powerpoint/2010/main" val="1084755816"/>
+      </p:ext>
+    </p:extLst>
+  </p:cSld>
+  <p:clrMapOvr>
+    <a:masterClrMapping/>
+  </p:clrMapOvr>
+</p:notes>
+</file>
+
+<file path=ppt/notesSlides/notesSlide5.xml><?xml version="1.0" encoding="utf-8"?>
+<p:notes xmlns:a="http://schemas.openxmlformats.org/drawingml/2006/main" xmlns:r="http://schemas.openxmlformats.org/officeDocument/2006/relationships" xmlns:p="http://schemas.openxmlformats.org/presentationml/2006/main">
+  <p:cSld>
+    <p:spTree>
+      <p:nvGrpSpPr>
+        <p:cNvPr id="1" name=""/>
+        <p:cNvGrpSpPr/>
+        <p:nvPr/>
+      </p:nvGrpSpPr>
+      <p:grpSpPr>
+        <a:xfrm>
+          <a:off x="0" y="0"/>
+          <a:ext cx="0" cy="0"/>
+          <a:chOff x="0" y="0"/>
+          <a:chExt cx="0" cy="0"/>
+        </a:xfrm>
+      </p:grpSpPr>
+      <p:sp>
+        <p:nvSpPr>
+          <p:cNvPr id="2" name="Slide Image Placeholder 1"/>
+          <p:cNvSpPr>
+            <a:spLocks noGrp="1" noRot="1" noChangeAspect="1"/>
+          </p:cNvSpPr>
+          <p:nvPr>
+            <p:ph type="sldImg"/>
+          </p:nvPr>
+        </p:nvSpPr>
+        <p:spPr/>
+      </p:sp>
+      <p:sp>
+        <p:nvSpPr>
+          <p:cNvPr id="3" name="Notes Placeholder 2"/>
+          <p:cNvSpPr>
+            <a:spLocks noGrp="1"/>
+          </p:cNvSpPr>
+          <p:nvPr>
+            <p:ph type="body" idx="1"/>
+          </p:nvPr>
+        </p:nvSpPr>
+        <p:spPr/>
+        <p:txBody>
+          <a:bodyPr/>
+          <a:lstStyle/>
+          <a:p>
+            <a:r>
+              <a:rPr lang="en-US" dirty="0" smtClean="0"/>
+              <a:t>1</a:t>
+            </a:r>
+            <a:endParaRPr lang="en-US" dirty="0"/>
+          </a:p>
+        </p:txBody>
+      </p:sp>
+      <p:sp>
+        <p:nvSpPr>
+          <p:cNvPr id="4" name="Slide Number Placeholder 3"/>
+          <p:cNvSpPr>
+            <a:spLocks noGrp="1"/>
+          </p:cNvSpPr>
+          <p:nvPr>
+            <p:ph type="sldNum" sz="quarter" idx="10"/>
+          </p:nvPr>
+        </p:nvSpPr>
+        <p:spPr/>
+        <p:txBody>
+          <a:bodyPr/>
+          <a:lstStyle/>
+          <a:p>
+            <a:fld id="{2EB312AA-E5B3-483C-89A7-82722FB34C35}" type="slidenum">
+              <a:rPr lang="en-US" smtClean="0"/>
+              <a:t>5</a:t>
+            </a:fld>
+            <a:endParaRPr lang="en-US"/>
+          </a:p>
+        </p:txBody>
+      </p:sp>
+    </p:spTree>
+    <p:extLst>
+      <p:ext uri="{BB962C8B-B14F-4D97-AF65-F5344CB8AC3E}">
+        <p14:creationId xmlns:p14="http://schemas.microsoft.com/office/powerpoint/2010/main" val="4276457174"/>
+      </p:ext>
+    </p:extLst>
+  </p:cSld>
+  <p:clrMapOvr>
+    <a:masterClrMapping/>
+  </p:clrMapOvr>
+</p:notes>
+</file>
+
+<file path=ppt/notesSlides/notesSlide6.xml><?xml version="1.0" encoding="utf-8"?>
+<p:notes xmlns:a="http://schemas.openxmlformats.org/drawingml/2006/main" xmlns:r="http://schemas.openxmlformats.org/officeDocument/2006/relationships" xmlns:p="http://schemas.openxmlformats.org/presentationml/2006/main">
+  <p:cSld>
+    <p:spTree>
+      <p:nvGrpSpPr>
+        <p:cNvPr id="1" name=""/>
+        <p:cNvGrpSpPr/>
+        <p:nvPr/>
+      </p:nvGrpSpPr>
+      <p:grpSpPr>
+        <a:xfrm>
+          <a:off x="0" y="0"/>
+          <a:ext cx="0" cy="0"/>
+          <a:chOff x="0" y="0"/>
+          <a:chExt cx="0" cy="0"/>
+        </a:xfrm>
+      </p:grpSpPr>
+      <p:sp>
+        <p:nvSpPr>
+          <p:cNvPr id="2" name="Slide Image Placeholder 1"/>
+          <p:cNvSpPr>
+            <a:spLocks noGrp="1" noRot="1" noChangeAspect="1"/>
+          </p:cNvSpPr>
+          <p:nvPr>
+            <p:ph type="sldImg"/>
+          </p:nvPr>
+        </p:nvSpPr>
+        <p:spPr/>
+      </p:sp>
+      <p:sp>
+        <p:nvSpPr>
+          <p:cNvPr id="3" name="Notes Placeholder 2"/>
+          <p:cNvSpPr>
+            <a:spLocks noGrp="1"/>
+          </p:cNvSpPr>
+          <p:nvPr>
+            <p:ph type="body" idx="1"/>
+          </p:nvPr>
+        </p:nvSpPr>
+        <p:spPr/>
+        <p:txBody>
+          <a:bodyPr/>
+          <a:lstStyle/>
+          <a:p>
+            <a:r>
+              <a:rPr lang="en-US" dirty="0" smtClean="0"/>
+              <a:t>3</a:t>
+            </a:r>
+            <a:endParaRPr lang="en-US" dirty="0"/>
+          </a:p>
+        </p:txBody>
+      </p:sp>
+      <p:sp>
+        <p:nvSpPr>
+          <p:cNvPr id="4" name="Slide Number Placeholder 3"/>
+          <p:cNvSpPr>
+            <a:spLocks noGrp="1"/>
+          </p:cNvSpPr>
+          <p:nvPr>
+            <p:ph type="sldNum" sz="quarter" idx="10"/>
+          </p:nvPr>
+        </p:nvSpPr>
+        <p:spPr/>
+        <p:txBody>
+          <a:bodyPr/>
+          <a:lstStyle/>
+          <a:p>
+            <a:fld id="{2EB312AA-E5B3-483C-89A7-82722FB34C35}" type="slidenum">
+              <a:rPr lang="en-US" smtClean="0"/>
+              <a:t>6</a:t>
+            </a:fld>
+            <a:endParaRPr lang="en-US"/>
+          </a:p>
+        </p:txBody>
+      </p:sp>
+    </p:spTree>
+    <p:extLst>
+      <p:ext uri="{BB962C8B-B14F-4D97-AF65-F5344CB8AC3E}">
+        <p14:creationId xmlns:p14="http://schemas.microsoft.com/office/powerpoint/2010/main" val="4078528796"/>
+      </p:ext>
+    </p:extLst>
+  </p:cSld>
+  <p:clrMapOvr>
+    <a:masterClrMapping/>
+  </p:clrMapOvr>
+</p:notes>
+</file>
+
+<file path=ppt/notesSlides/notesSlide7.xml><?xml version="1.0" encoding="utf-8"?>
+<p:notes xmlns:a="http://schemas.openxmlformats.org/drawingml/2006/main" xmlns:r="http://schemas.openxmlformats.org/officeDocument/2006/relationships" xmlns:p="http://schemas.openxmlformats.org/presentationml/2006/main">
+  <p:cSld>
+    <p:spTree>
+      <p:nvGrpSpPr>
+        <p:cNvPr id="1" name=""/>
+        <p:cNvGrpSpPr/>
+        <p:nvPr/>
+      </p:nvGrpSpPr>
+      <p:grpSpPr>
+        <a:xfrm>
+          <a:off x="0" y="0"/>
+          <a:ext cx="0" cy="0"/>
+          <a:chOff x="0" y="0"/>
+          <a:chExt cx="0" cy="0"/>
+        </a:xfrm>
+      </p:grpSpPr>
+      <p:sp>
+        <p:nvSpPr>
+          <p:cNvPr id="2" name="Slide Image Placeholder 1"/>
+          <p:cNvSpPr>
+            <a:spLocks noGrp="1" noRot="1" noChangeAspect="1"/>
+          </p:cNvSpPr>
+          <p:nvPr>
+            <p:ph type="sldImg"/>
+          </p:nvPr>
+        </p:nvSpPr>
+        <p:spPr/>
+      </p:sp>
+      <p:sp>
+        <p:nvSpPr>
+          <p:cNvPr id="3" name="Notes Placeholder 2"/>
+          <p:cNvSpPr>
+            <a:spLocks noGrp="1"/>
+          </p:cNvSpPr>
+          <p:nvPr>
+            <p:ph type="body" idx="1"/>
+          </p:nvPr>
+        </p:nvSpPr>
+        <p:spPr/>
+        <p:txBody>
+          <a:bodyPr/>
+          <a:lstStyle/>
+          <a:p>
+            <a:r>
+              <a:rPr lang="en-US" dirty="0" smtClean="0"/>
+              <a:t>1 “</a:t>
+            </a:r>
+            <a:r>
+              <a:rPr lang="en-US" dirty="0" smtClean="0"/>
+              <a:t>Is store-bought even good though?”</a:t>
+            </a:r>
+            <a:endParaRPr lang="en-US" dirty="0"/>
+          </a:p>
+        </p:txBody>
+      </p:sp>
+      <p:sp>
+        <p:nvSpPr>
+          <p:cNvPr id="4" name="Slide Number Placeholder 3"/>
+          <p:cNvSpPr>
+            <a:spLocks noGrp="1"/>
+          </p:cNvSpPr>
+          <p:nvPr>
+            <p:ph type="sldNum" sz="quarter" idx="10"/>
+          </p:nvPr>
+        </p:nvSpPr>
+        <p:spPr/>
+        <p:txBody>
+          <a:bodyPr/>
+          <a:lstStyle/>
+          <a:p>
+            <a:fld id="{2EB312AA-E5B3-483C-89A7-82722FB34C35}" type="slidenum">
+              <a:rPr lang="en-US" smtClean="0"/>
+              <a:t>7</a:t>
+            </a:fld>
+            <a:endParaRPr lang="en-US"/>
+          </a:p>
+        </p:txBody>
+      </p:sp>
+    </p:spTree>
+    <p:extLst>
+      <p:ext uri="{BB962C8B-B14F-4D97-AF65-F5344CB8AC3E}">
+        <p14:creationId xmlns:p14="http://schemas.microsoft.com/office/powerpoint/2010/main" val="672867334"/>
+      </p:ext>
+    </p:extLst>
+  </p:cSld>
+  <p:clrMapOvr>
+    <a:masterClrMapping/>
+  </p:clrMapOvr>
+</p:notes>
+</file>
+
+<file path=ppt/notesSlides/notesSlide8.xml><?xml version="1.0" encoding="utf-8"?>
+<p:notes xmlns:a="http://schemas.openxmlformats.org/drawingml/2006/main" xmlns:r="http://schemas.openxmlformats.org/officeDocument/2006/relationships" xmlns:p="http://schemas.openxmlformats.org/presentationml/2006/main">
+  <p:cSld>
+    <p:spTree>
+      <p:nvGrpSpPr>
+        <p:cNvPr id="1" name=""/>
+        <p:cNvGrpSpPr/>
+        <p:nvPr/>
+      </p:nvGrpSpPr>
+      <p:grpSpPr>
+        <a:xfrm>
+          <a:off x="0" y="0"/>
+          <a:ext cx="0" cy="0"/>
+          <a:chOff x="0" y="0"/>
+          <a:chExt cx="0" cy="0"/>
+        </a:xfrm>
+      </p:grpSpPr>
+      <p:sp>
+        <p:nvSpPr>
+          <p:cNvPr id="2" name="Slide Image Placeholder 1"/>
+          <p:cNvSpPr>
+            <a:spLocks noGrp="1" noRot="1" noChangeAspect="1"/>
+          </p:cNvSpPr>
+          <p:nvPr>
+            <p:ph type="sldImg"/>
+          </p:nvPr>
+        </p:nvSpPr>
+        <p:spPr/>
+      </p:sp>
+      <p:sp>
+        <p:nvSpPr>
+          <p:cNvPr id="3" name="Notes Placeholder 2"/>
+          <p:cNvSpPr>
+            <a:spLocks noGrp="1"/>
+          </p:cNvSpPr>
+          <p:nvPr>
+            <p:ph type="body" idx="1"/>
+          </p:nvPr>
+        </p:nvSpPr>
+        <p:spPr/>
+        <p:txBody>
+          <a:bodyPr/>
+          <a:lstStyle/>
+          <a:p>
+            <a:r>
+              <a:rPr lang="en-US" dirty="0" smtClean="0"/>
+              <a:t>1</a:t>
+            </a:r>
+            <a:endParaRPr lang="en-US" dirty="0"/>
+          </a:p>
+        </p:txBody>
+      </p:sp>
+      <p:sp>
+        <p:nvSpPr>
+          <p:cNvPr id="4" name="Slide Number Placeholder 3"/>
+          <p:cNvSpPr>
+            <a:spLocks noGrp="1"/>
+          </p:cNvSpPr>
+          <p:nvPr>
+            <p:ph type="sldNum" sz="quarter" idx="10"/>
+          </p:nvPr>
+        </p:nvSpPr>
+        <p:spPr/>
+        <p:txBody>
+          <a:bodyPr/>
+          <a:lstStyle/>
+          <a:p>
+            <a:fld id="{2EB312AA-E5B3-483C-89A7-82722FB34C35}" type="slidenum">
+              <a:rPr lang="en-US" smtClean="0"/>
+              <a:t>8</a:t>
+            </a:fld>
+            <a:endParaRPr lang="en-US"/>
+          </a:p>
+        </p:txBody>
+      </p:sp>
+    </p:spTree>
+    <p:extLst>
+      <p:ext uri="{BB962C8B-B14F-4D97-AF65-F5344CB8AC3E}">
+        <p14:creationId xmlns:p14="http://schemas.microsoft.com/office/powerpoint/2010/main" val="1327419287"/>
+      </p:ext>
+    </p:extLst>
+  </p:cSld>
+  <p:clrMapOvr>
+    <a:masterClrMapping/>
+  </p:clrMapOvr>
+</p:notes>
+</file>
+
+<file path=ppt/notesSlides/notesSlide9.xml><?xml version="1.0" encoding="utf-8"?>
+<p:notes xmlns:a="http://schemas.openxmlformats.org/drawingml/2006/main" xmlns:r="http://schemas.openxmlformats.org/officeDocument/2006/relationships" xmlns:p="http://schemas.openxmlformats.org/presentationml/2006/main">
+  <p:cSld>
+    <p:spTree>
+      <p:nvGrpSpPr>
+        <p:cNvPr id="1" name=""/>
+        <p:cNvGrpSpPr/>
+        <p:nvPr/>
+      </p:nvGrpSpPr>
+      <p:grpSpPr>
+        <a:xfrm>
+          <a:off x="0" y="0"/>
+          <a:ext cx="0" cy="0"/>
+          <a:chOff x="0" y="0"/>
+          <a:chExt cx="0" cy="0"/>
+        </a:xfrm>
+      </p:grpSpPr>
+      <p:sp>
+        <p:nvSpPr>
+          <p:cNvPr id="2" name="Slide Image Placeholder 1"/>
+          <p:cNvSpPr>
+            <a:spLocks noGrp="1" noRot="1" noChangeAspect="1"/>
+          </p:cNvSpPr>
+          <p:nvPr>
+            <p:ph type="sldImg"/>
+          </p:nvPr>
+        </p:nvSpPr>
+        <p:spPr/>
+      </p:sp>
+      <p:sp>
+        <p:nvSpPr>
+          <p:cNvPr id="3" name="Notes Placeholder 2"/>
+          <p:cNvSpPr>
+            <a:spLocks noGrp="1"/>
+          </p:cNvSpPr>
+          <p:nvPr>
+            <p:ph type="body" idx="1"/>
+          </p:nvPr>
+        </p:nvSpPr>
+        <p:spPr/>
+        <p:txBody>
+          <a:bodyPr/>
+          <a:lstStyle/>
+          <a:p>
+            <a:r>
+              <a:rPr lang="en-US" dirty="0" smtClean="0"/>
+              <a:t>1</a:t>
+            </a:r>
+            <a:endParaRPr lang="en-US" dirty="0"/>
+          </a:p>
+        </p:txBody>
+      </p:sp>
+      <p:sp>
+        <p:nvSpPr>
+          <p:cNvPr id="4" name="Slide Number Placeholder 3"/>
+          <p:cNvSpPr>
+            <a:spLocks noGrp="1"/>
+          </p:cNvSpPr>
+          <p:nvPr>
+            <p:ph type="sldNum" sz="quarter" idx="10"/>
+          </p:nvPr>
+        </p:nvSpPr>
+        <p:spPr/>
+        <p:txBody>
+          <a:bodyPr/>
+          <a:lstStyle/>
+          <a:p>
+            <a:fld id="{2EB312AA-E5B3-483C-89A7-82722FB34C35}" type="slidenum">
+              <a:rPr lang="en-US" smtClean="0"/>
+              <a:t>9</a:t>
+            </a:fld>
+            <a:endParaRPr lang="en-US"/>
+          </a:p>
+        </p:txBody>
+      </p:sp>
+    </p:spTree>
+    <p:extLst>
+      <p:ext uri="{BB962C8B-B14F-4D97-AF65-F5344CB8AC3E}">
+        <p14:creationId xmlns:p14="http://schemas.microsoft.com/office/powerpoint/2010/main" val="240515055"/>
+      </p:ext>
+    </p:extLst>
+  </p:cSld>
+  <p:clrMapOvr>
+    <a:masterClrMapping/>
+  </p:clrMapOvr>
+</p:notes>
 </file>
 
 <file path=ppt/slideLayouts/slideLayout1.xml><?xml version="1.0" encoding="utf-8"?>
@@ -3157,6 +5891,13 @@
   <p:clrMapOvr>
     <a:masterClrMapping/>
   </p:clrMapOvr>
+  <p:timing>
+    <p:tnLst>
+      <p:par>
+        <p:cTn id="1" dur="indefinite" restart="never" nodeType="tmRoot"/>
+      </p:par>
+    </p:tnLst>
+  </p:timing>
 </p:sld>
 </file>
 
@@ -3214,7 +5955,7 @@
           <p:nvPr/>
         </p:nvPicPr>
         <p:blipFill rotWithShape="1">
-          <a:blip r:embed="rId2">
+          <a:blip r:embed="rId3">
             <a:extLst>
               <a:ext uri="{28A0092B-C50C-407E-A947-70E740481C1C}">
                 <a14:useLocalDpi xmlns:a14="http://schemas.microsoft.com/office/drawing/2010/main" val="0"/>
@@ -3389,7 +6130,7 @@
           <p:nvPr/>
         </p:nvPicPr>
         <p:blipFill rotWithShape="1">
-          <a:blip r:embed="rId2">
+          <a:blip r:embed="rId3">
             <a:extLst>
               <a:ext uri="{28A0092B-C50C-407E-A947-70E740481C1C}">
                 <a14:useLocalDpi xmlns:a14="http://schemas.microsoft.com/office/drawing/2010/main" val="0"/>
@@ -3571,7 +6312,7 @@
           <p:nvPr/>
         </p:nvPicPr>
         <p:blipFill rotWithShape="1">
-          <a:blip r:embed="rId2" cstate="print">
+          <a:blip r:embed="rId3" cstate="print">
             <a:extLst>
               <a:ext uri="{28A0092B-C50C-407E-A947-70E740481C1C}">
                 <a14:useLocalDpi xmlns:a14="http://schemas.microsoft.com/office/drawing/2010/main" val="0"/>
@@ -3726,7 +6467,7 @@
           <a:p>
             <a:r>
               <a:rPr lang="en-US" dirty="0" smtClean="0"/>
-              <a:t>The difference is in the recipe:</a:t>
+              <a:t>“Store bought” cake is easy</a:t>
             </a:r>
             <a:endParaRPr lang="en-US" dirty="0"/>
           </a:p>
@@ -3753,75 +6494,47 @@
           <a:lstStyle/>
           <a:p>
             <a:r>
-              <a:rPr lang="en-US" b="1" dirty="0" smtClean="0"/>
-              <a:t>“Store bought” cake is easy: </a:t>
-            </a:r>
-          </a:p>
-          <a:p>
-            <a:pPr lvl="1"/>
-            <a:r>
-              <a:rPr lang="en-US" dirty="0" smtClean="0"/>
-              <a:t>eggs, water, and their pre-mixed flour, </a:t>
-            </a:r>
-          </a:p>
-          <a:p>
-            <a:pPr lvl="1"/>
-            <a:r>
-              <a:rPr lang="en-US" dirty="0" smtClean="0"/>
-              <a:t>bake, </a:t>
-            </a:r>
-          </a:p>
-          <a:p>
-            <a:pPr lvl="1"/>
+              <a:rPr lang="en-US" dirty="0" smtClean="0"/>
+              <a:t>Eggs + water + </a:t>
+            </a:r>
+            <a:r>
+              <a:rPr lang="en-US" dirty="0" smtClean="0"/>
+              <a:t>their pre-mixed flour, </a:t>
+            </a:r>
+          </a:p>
+          <a:p>
+            <a:r>
+              <a:rPr lang="en-US" dirty="0" smtClean="0"/>
+              <a:t>Bake</a:t>
+            </a:r>
+            <a:r>
+              <a:rPr lang="en-US" dirty="0" smtClean="0"/>
+              <a:t>, </a:t>
+            </a:r>
+          </a:p>
+          <a:p>
             <a:r>
               <a:rPr lang="en-US" dirty="0" smtClean="0"/>
               <a:t>and then if you have the time: add frosting</a:t>
             </a:r>
           </a:p>
           <a:p>
-            <a:pPr lvl="1"/>
-            <a:r>
-              <a:rPr lang="en-US" dirty="0" smtClean="0"/>
-              <a:t>In the end? Boring!</a:t>
-            </a:r>
-          </a:p>
-          <a:p>
-            <a:pPr lvl="1"/>
-            <a:endParaRPr lang="en-US" dirty="0"/>
-          </a:p>
-          <a:p>
-            <a:r>
-              <a:rPr lang="en-US" b="1" dirty="0" smtClean="0"/>
-              <a:t>Cake “from scratch” is hard:</a:t>
-            </a:r>
-          </a:p>
-          <a:p>
-            <a:pPr lvl="1"/>
-            <a:r>
-              <a:rPr lang="en-US" dirty="0" smtClean="0"/>
-              <a:t>You have to think about each ingredient, its quality, its needs</a:t>
-            </a:r>
-          </a:p>
-          <a:p>
-            <a:pPr lvl="1"/>
-            <a:r>
-              <a:rPr lang="en-US" dirty="0" smtClean="0"/>
-              <a:t>You must imagine your end-result to find a useful recipe to get there</a:t>
-            </a:r>
-          </a:p>
-          <a:p>
-            <a:pPr lvl="1"/>
-            <a:r>
-              <a:rPr lang="en-US" dirty="0" smtClean="0"/>
-              <a:t>It can take a long time to master each ingredient</a:t>
-            </a:r>
-          </a:p>
-          <a:p>
-            <a:pPr lvl="1"/>
-            <a:r>
-              <a:rPr lang="en-US" dirty="0" smtClean="0"/>
-              <a:t>In the end? A unique masterpiece!</a:t>
-            </a:r>
+            <a:endParaRPr lang="en-US" dirty="0" smtClean="0"/>
+          </a:p>
+          <a:p>
+            <a:r>
+              <a:rPr lang="en-US" dirty="0" smtClean="0"/>
+              <a:t>In </a:t>
+            </a:r>
+            <a:r>
+              <a:rPr lang="en-US" dirty="0" smtClean="0"/>
+              <a:t>the end? Boring!</a:t>
+            </a:r>
+          </a:p>
+          <a:p>
+            <a:pPr marL="457200" lvl="1" indent="0">
+              <a:buNone/>
+            </a:pPr>
             <a:endParaRPr lang="en-US" dirty="0"/>
           </a:p>
         </p:txBody>
@@ -3865,52 +6578,90 @@
       </p:grpSpPr>
       <p:sp>
         <p:nvSpPr>
-          <p:cNvPr id="4" name="Title 3"/>
-          <p:cNvSpPr>
-            <a:spLocks noGrp="1"/>
-          </p:cNvSpPr>
-          <p:nvPr>
-            <p:ph type="ctrTitle"/>
-          </p:nvPr>
-        </p:nvSpPr>
-        <p:spPr/>
-        <p:txBody>
-          <a:bodyPr/>
-          <a:lstStyle/>
-          <a:p>
-            <a:r>
-              <a:rPr lang="en-US" dirty="0" smtClean="0"/>
-              <a:t>Cake from Scratch</a:t>
-            </a:r>
-            <a:endParaRPr lang="en-US" dirty="0"/>
-          </a:p>
-        </p:txBody>
-      </p:sp>
-      <p:sp>
-        <p:nvSpPr>
-          <p:cNvPr id="5" name="Subtitle 4"/>
-          <p:cNvSpPr>
-            <a:spLocks noGrp="1"/>
-          </p:cNvSpPr>
-          <p:nvPr>
-            <p:ph type="subTitle" idx="1"/>
-          </p:nvPr>
-        </p:nvSpPr>
-        <p:spPr/>
-        <p:txBody>
-          <a:bodyPr/>
-          <a:lstStyle/>
-          <a:p>
-            <a:r>
-              <a:rPr lang="en-US" dirty="0" smtClean="0"/>
-              <a:t>A “grammar of graphics” is key: </a:t>
-            </a:r>
-          </a:p>
-          <a:p>
-            <a:r>
-              <a:rPr lang="en-US" dirty="0" smtClean="0"/>
-              <a:t>How do we talk about and use visualizations?</a:t>
-            </a:r>
+          <p:cNvPr id="2" name="Title 1"/>
+          <p:cNvSpPr>
+            <a:spLocks noGrp="1"/>
+          </p:cNvSpPr>
+          <p:nvPr>
+            <p:ph type="title"/>
+          </p:nvPr>
+        </p:nvSpPr>
+        <p:spPr/>
+        <p:txBody>
+          <a:bodyPr/>
+          <a:lstStyle/>
+          <a:p>
+            <a:r>
+              <a:rPr lang="en-US" dirty="0"/>
+              <a:t>Cake “from scratch” is hard:</a:t>
+            </a:r>
+            <a:endParaRPr lang="en-US" dirty="0"/>
+          </a:p>
+        </p:txBody>
+      </p:sp>
+      <p:sp>
+        <p:nvSpPr>
+          <p:cNvPr id="3" name="Content Placeholder 2"/>
+          <p:cNvSpPr>
+            <a:spLocks noGrp="1"/>
+          </p:cNvSpPr>
+          <p:nvPr>
+            <p:ph idx="1"/>
+          </p:nvPr>
+        </p:nvSpPr>
+        <p:spPr/>
+        <p:txBody>
+          <a:bodyPr/>
+          <a:lstStyle/>
+          <a:p>
+            <a:r>
+              <a:rPr lang="en-US" dirty="0" smtClean="0"/>
+              <a:t>You </a:t>
+            </a:r>
+            <a:r>
+              <a:rPr lang="en-US" dirty="0"/>
+              <a:t>have to think about each ingredient, its quality, its needs</a:t>
+            </a:r>
+          </a:p>
+          <a:p>
+            <a:r>
+              <a:rPr lang="en-US" dirty="0"/>
+              <a:t>You must imagine your end-result </a:t>
+            </a:r>
+            <a:r>
+              <a:rPr lang="en-US" dirty="0" smtClean="0"/>
+              <a:t>+ </a:t>
+            </a:r>
+            <a:r>
+              <a:rPr lang="en-US" dirty="0"/>
+              <a:t>find a useful recipe </a:t>
+            </a:r>
+            <a:endParaRPr lang="en-US" dirty="0" smtClean="0"/>
+          </a:p>
+          <a:p>
+            <a:r>
+              <a:rPr lang="en-US" dirty="0" smtClean="0"/>
+              <a:t>It </a:t>
+            </a:r>
+            <a:r>
+              <a:rPr lang="en-US" dirty="0"/>
+              <a:t>can take a long time to master each ingredient</a:t>
+            </a:r>
+          </a:p>
+          <a:p>
+            <a:endParaRPr lang="en-US" dirty="0" smtClean="0"/>
+          </a:p>
+          <a:p>
+            <a:r>
+              <a:rPr lang="en-US" dirty="0" smtClean="0"/>
+              <a:t>In </a:t>
+            </a:r>
+            <a:r>
+              <a:rPr lang="en-US" dirty="0"/>
+              <a:t>the end? A unique masterpiece!</a:t>
+            </a:r>
+          </a:p>
+          <a:p>
             <a:endParaRPr lang="en-US" dirty="0"/>
           </a:p>
         </p:txBody>
@@ -3918,20 +6669,13 @@
     </p:spTree>
     <p:extLst>
       <p:ext uri="{BB962C8B-B14F-4D97-AF65-F5344CB8AC3E}">
-        <p14:creationId xmlns:p14="http://schemas.microsoft.com/office/powerpoint/2010/main" val="305827575"/>
+        <p14:creationId xmlns:p14="http://schemas.microsoft.com/office/powerpoint/2010/main" val="183709866"/>
       </p:ext>
     </p:extLst>
   </p:cSld>
   <p:clrMapOvr>
     <a:masterClrMapping/>
   </p:clrMapOvr>
-  <p:timing>
-    <p:tnLst>
-      <p:par>
-        <p:cTn id="1" dur="indefinite" restart="never" nodeType="tmRoot"/>
-      </p:par>
-    </p:tnLst>
-  </p:timing>
 </p:sld>
 </file>
 
@@ -3954,97 +6698,56 @@
       </p:grpSpPr>
       <p:sp>
         <p:nvSpPr>
-          <p:cNvPr id="2" name="Title 1"/>
-          <p:cNvSpPr>
-            <a:spLocks noGrp="1"/>
-          </p:cNvSpPr>
-          <p:nvPr>
-            <p:ph type="title"/>
-          </p:nvPr>
-        </p:nvSpPr>
-        <p:spPr/>
-        <p:txBody>
-          <a:bodyPr/>
-          <a:lstStyle/>
-          <a:p>
-            <a:r>
-              <a:rPr lang="en-US" dirty="0" smtClean="0"/>
-              <a:t>Getting Started:</a:t>
-            </a:r>
-            <a:endParaRPr lang="en-US" dirty="0"/>
-          </a:p>
-        </p:txBody>
-      </p:sp>
-      <p:sp>
-        <p:nvSpPr>
-          <p:cNvPr id="3" name="Content Placeholder 2"/>
-          <p:cNvSpPr>
-            <a:spLocks noGrp="1"/>
-          </p:cNvSpPr>
-          <p:nvPr>
-            <p:ph idx="1"/>
-          </p:nvPr>
-        </p:nvSpPr>
-        <p:spPr/>
-        <p:txBody>
-          <a:bodyPr/>
-          <a:lstStyle/>
-          <a:p>
-            <a:r>
-              <a:rPr lang="en-US" dirty="0"/>
-              <a:t>Get a text editor: </a:t>
-            </a:r>
-            <a:r>
-              <a:rPr lang="en-US" b="1" dirty="0"/>
-              <a:t>Sublime</a:t>
-            </a:r>
-            <a:r>
-              <a:rPr lang="en-US" dirty="0"/>
-              <a:t>, Atom, Notepad++, or </a:t>
-            </a:r>
-            <a:r>
-              <a:rPr lang="en-US" dirty="0" smtClean="0"/>
-              <a:t>Brackets</a:t>
-            </a:r>
-          </a:p>
-          <a:p>
-            <a:r>
-              <a:rPr lang="en-US" dirty="0" smtClean="0"/>
-              <a:t>Make sure you have either </a:t>
-            </a:r>
-            <a:r>
-              <a:rPr lang="en-US" b="1" dirty="0" smtClean="0"/>
-              <a:t>Chrome </a:t>
-            </a:r>
-            <a:r>
-              <a:rPr lang="en-US" dirty="0" smtClean="0"/>
-              <a:t>or Firefox</a:t>
-            </a:r>
-          </a:p>
-          <a:p>
-            <a:endParaRPr lang="en-US" dirty="0"/>
-          </a:p>
-          <a:p>
-            <a:r>
-              <a:rPr lang="en-US" dirty="0" smtClean="0"/>
-              <a:t>Open the “barchart_ready.html” file in your </a:t>
-            </a:r>
-            <a:r>
-              <a:rPr lang="en-US" b="1" dirty="0" smtClean="0"/>
-              <a:t>browser</a:t>
-            </a:r>
-          </a:p>
-          <a:p>
-            <a:r>
-              <a:rPr lang="en-US" dirty="0" smtClean="0"/>
-              <a:t>Open the “barchart_ready.html” file in your </a:t>
-            </a:r>
-            <a:r>
-              <a:rPr lang="en-US" b="1" dirty="0" smtClean="0"/>
-              <a:t>text editor</a:t>
-            </a:r>
-          </a:p>
-          <a:p>
+          <p:cNvPr id="4" name="Title 3"/>
+          <p:cNvSpPr>
+            <a:spLocks noGrp="1"/>
+          </p:cNvSpPr>
+          <p:nvPr>
+            <p:ph type="ctrTitle"/>
+          </p:nvPr>
+        </p:nvSpPr>
+        <p:spPr/>
+        <p:txBody>
+          <a:bodyPr/>
+          <a:lstStyle/>
+          <a:p>
+            <a:r>
+              <a:rPr lang="en-US" dirty="0" smtClean="0"/>
+              <a:t>Cake from Scratch</a:t>
+            </a:r>
+            <a:endParaRPr lang="en-US" dirty="0"/>
+          </a:p>
+        </p:txBody>
+      </p:sp>
+      <p:sp>
+        <p:nvSpPr>
+          <p:cNvPr id="5" name="Subtitle 4"/>
+          <p:cNvSpPr>
+            <a:spLocks noGrp="1"/>
+          </p:cNvSpPr>
+          <p:nvPr>
+            <p:ph type="subTitle" idx="1"/>
+          </p:nvPr>
+        </p:nvSpPr>
+        <p:spPr/>
+        <p:txBody>
+          <a:bodyPr/>
+          <a:lstStyle/>
+          <a:p>
+            <a:r>
+              <a:rPr lang="en-US" dirty="0" smtClean="0"/>
+              <a:t>A “grammar of graphics” is key: </a:t>
+            </a:r>
+          </a:p>
+          <a:p>
+            <a:r>
+              <a:rPr lang="en-US" dirty="0" smtClean="0"/>
+              <a:t>How do we talk about and use </a:t>
+            </a:r>
+            <a:r>
+              <a:rPr lang="en-US" dirty="0" smtClean="0"/>
+              <a:t>the core ingredients in any visualization?</a:t>
+            </a:r>
             <a:endParaRPr lang="en-US" dirty="0"/>
           </a:p>
         </p:txBody>
@@ -4052,7 +6755,7 @@
     </p:spTree>
     <p:extLst>
       <p:ext uri="{BB962C8B-B14F-4D97-AF65-F5344CB8AC3E}">
-        <p14:creationId xmlns:p14="http://schemas.microsoft.com/office/powerpoint/2010/main" val="2894837639"/>
+        <p14:creationId xmlns:p14="http://schemas.microsoft.com/office/powerpoint/2010/main" val="305827575"/>
       </p:ext>
     </p:extLst>
   </p:cSld>
@@ -4103,7 +6806,166 @@
           <a:p>
             <a:r>
               <a:rPr lang="en-US" dirty="0" smtClean="0"/>
-              <a:t>Build your environment:</a:t>
+              <a:t>Getting Started:</a:t>
+            </a:r>
+            <a:endParaRPr lang="en-US" dirty="0"/>
+          </a:p>
+        </p:txBody>
+      </p:sp>
+      <p:sp>
+        <p:nvSpPr>
+          <p:cNvPr id="3" name="Content Placeholder 2"/>
+          <p:cNvSpPr>
+            <a:spLocks noGrp="1"/>
+          </p:cNvSpPr>
+          <p:nvPr>
+            <p:ph idx="1"/>
+          </p:nvPr>
+        </p:nvSpPr>
+        <p:spPr/>
+        <p:txBody>
+          <a:bodyPr/>
+          <a:lstStyle/>
+          <a:p>
+            <a:r>
+              <a:rPr lang="en-US" dirty="0" smtClean="0"/>
+              <a:t>“Exercise” #1:</a:t>
+            </a:r>
+          </a:p>
+          <a:p>
+            <a:r>
+              <a:rPr lang="en-US" dirty="0" smtClean="0"/>
+              <a:t>Get </a:t>
+            </a:r>
+            <a:r>
+              <a:rPr lang="en-US" dirty="0"/>
+              <a:t>a text editor: </a:t>
+            </a:r>
+            <a:r>
+              <a:rPr lang="en-US" b="1" dirty="0"/>
+              <a:t>Sublime</a:t>
+            </a:r>
+            <a:r>
+              <a:rPr lang="en-US" dirty="0"/>
+              <a:t>, Atom, Notepad++, or </a:t>
+            </a:r>
+            <a:r>
+              <a:rPr lang="en-US" dirty="0" smtClean="0"/>
+              <a:t>Brackets</a:t>
+            </a:r>
+          </a:p>
+          <a:p>
+            <a:r>
+              <a:rPr lang="en-US" dirty="0" smtClean="0"/>
+              <a:t>Make sure you have either </a:t>
+            </a:r>
+            <a:r>
+              <a:rPr lang="en-US" b="1" dirty="0" smtClean="0"/>
+              <a:t>Chrome </a:t>
+            </a:r>
+            <a:r>
+              <a:rPr lang="en-US" dirty="0" smtClean="0"/>
+              <a:t>or Firefox</a:t>
+            </a:r>
+          </a:p>
+          <a:p>
+            <a:endParaRPr lang="en-US" dirty="0" smtClean="0"/>
+          </a:p>
+          <a:p>
+            <a:r>
+              <a:rPr lang="en-US" dirty="0" smtClean="0"/>
+              <a:t>“Exercise” #2:</a:t>
+            </a:r>
+            <a:endParaRPr lang="en-US" dirty="0"/>
+          </a:p>
+          <a:p>
+            <a:r>
+              <a:rPr lang="en-US" dirty="0" smtClean="0"/>
+              <a:t>Open the “barchart_ready.html” file in your </a:t>
+            </a:r>
+            <a:r>
+              <a:rPr lang="en-US" b="1" dirty="0" smtClean="0"/>
+              <a:t>browser</a:t>
+            </a:r>
+          </a:p>
+          <a:p>
+            <a:r>
+              <a:rPr lang="en-US" dirty="0" smtClean="0"/>
+              <a:t>Open the “barchart_ready.html” file in your </a:t>
+            </a:r>
+            <a:r>
+              <a:rPr lang="en-US" b="1" dirty="0" smtClean="0"/>
+              <a:t>text editor</a:t>
+            </a:r>
+          </a:p>
+          <a:p>
+            <a:endParaRPr lang="en-US" dirty="0"/>
+          </a:p>
+        </p:txBody>
+      </p:sp>
+    </p:spTree>
+    <p:extLst>
+      <p:ext uri="{BB962C8B-B14F-4D97-AF65-F5344CB8AC3E}">
+        <p14:creationId xmlns:p14="http://schemas.microsoft.com/office/powerpoint/2010/main" val="2894837639"/>
+      </p:ext>
+    </p:extLst>
+  </p:cSld>
+  <p:clrMapOvr>
+    <a:masterClrMapping/>
+  </p:clrMapOvr>
+  <p:timing>
+    <p:tnLst>
+      <p:par>
+        <p:cTn id="1" dur="indefinite" restart="never" nodeType="tmRoot"/>
+      </p:par>
+    </p:tnLst>
+  </p:timing>
+</p:sld>
+</file>
+
+<file path=ppt/slides/slide17.xml><?xml version="1.0" encoding="utf-8"?>
+<p:sld xmlns:a="http://schemas.openxmlformats.org/drawingml/2006/main" xmlns:r="http://schemas.openxmlformats.org/officeDocument/2006/relationships" xmlns:p="http://schemas.openxmlformats.org/presentationml/2006/main">
+  <p:cSld>
+    <p:spTree>
+      <p:nvGrpSpPr>
+        <p:cNvPr id="1" name=""/>
+        <p:cNvGrpSpPr/>
+        <p:nvPr/>
+      </p:nvGrpSpPr>
+      <p:grpSpPr>
+        <a:xfrm>
+          <a:off x="0" y="0"/>
+          <a:ext cx="0" cy="0"/>
+          <a:chOff x="0" y="0"/>
+          <a:chExt cx="0" cy="0"/>
+        </a:xfrm>
+      </p:grpSpPr>
+      <p:sp>
+        <p:nvSpPr>
+          <p:cNvPr id="2" name="Title 1"/>
+          <p:cNvSpPr>
+            <a:spLocks noGrp="1"/>
+          </p:cNvSpPr>
+          <p:nvPr>
+            <p:ph type="title"/>
+          </p:nvPr>
+        </p:nvSpPr>
+        <p:spPr/>
+        <p:txBody>
+          <a:bodyPr/>
+          <a:lstStyle/>
+          <a:p>
+            <a:r>
+              <a:rPr lang="en-US" dirty="0" smtClean="0"/>
+              <a:t>Ex #3: Build </a:t>
+            </a:r>
+            <a:r>
+              <a:rPr lang="en-US" dirty="0" smtClean="0"/>
+              <a:t>your </a:t>
+            </a:r>
+            <a:r>
+              <a:rPr lang="en-US" dirty="0" smtClean="0"/>
+              <a:t>environment</a:t>
             </a:r>
             <a:endParaRPr lang="en-US" dirty="0"/>
           </a:p>
@@ -4161,7 +7023,7 @@
           <p:nvPr/>
         </p:nvPicPr>
         <p:blipFill>
-          <a:blip r:embed="rId2"/>
+          <a:blip r:embed="rId3"/>
           <a:stretch>
             <a:fillRect/>
           </a:stretch>
@@ -4196,7 +7058,7 @@
 </p:sld>
 </file>
 
-<file path=ppt/slides/slide17.xml><?xml version="1.0" encoding="utf-8"?>
+<file path=ppt/slides/slide18.xml><?xml version="1.0" encoding="utf-8"?>
 <p:sld xmlns:a="http://schemas.openxmlformats.org/drawingml/2006/main" xmlns:r="http://schemas.openxmlformats.org/officeDocument/2006/relationships" xmlns:p="http://schemas.openxmlformats.org/presentationml/2006/main">
   <p:cSld>
     <p:spTree>
@@ -4230,7 +7092,15 @@
           <a:p>
             <a:r>
               <a:rPr lang="en-US" dirty="0" smtClean="0"/>
-              <a:t>Look at our data, literally:</a:t>
+              <a:t>Ex #4: Look </a:t>
+            </a:r>
+            <a:r>
+              <a:rPr lang="en-US" dirty="0" smtClean="0"/>
+              <a:t>at our data, </a:t>
+            </a:r>
+            <a:r>
+              <a:rPr lang="en-US" dirty="0" smtClean="0"/>
+              <a:t>literally</a:t>
             </a:r>
             <a:endParaRPr lang="en-US" dirty="0"/>
           </a:p>
@@ -4276,7 +7146,7 @@
           <p:nvPr/>
         </p:nvPicPr>
         <p:blipFill>
-          <a:blip r:embed="rId2"/>
+          <a:blip r:embed="rId3"/>
           <a:stretch>
             <a:fillRect/>
           </a:stretch>
@@ -4300,7 +7170,7 @@
           <p:nvPr/>
         </p:nvPicPr>
         <p:blipFill>
-          <a:blip r:embed="rId3"/>
+          <a:blip r:embed="rId4"/>
           <a:stretch>
             <a:fillRect/>
           </a:stretch>
@@ -4335,121 +7205,6 @@
 </p:sld>
 </file>
 
-<file path=ppt/slides/slide18.xml><?xml version="1.0" encoding="utf-8"?>
-<p:sld xmlns:a="http://schemas.openxmlformats.org/drawingml/2006/main" xmlns:r="http://schemas.openxmlformats.org/officeDocument/2006/relationships" xmlns:p="http://schemas.openxmlformats.org/presentationml/2006/main">
-  <p:cSld>
-    <p:spTree>
-      <p:nvGrpSpPr>
-        <p:cNvPr id="1" name=""/>
-        <p:cNvGrpSpPr/>
-        <p:nvPr/>
-      </p:nvGrpSpPr>
-      <p:grpSpPr>
-        <a:xfrm>
-          <a:off x="0" y="0"/>
-          <a:ext cx="0" cy="0"/>
-          <a:chOff x="0" y="0"/>
-          <a:chExt cx="0" cy="0"/>
-        </a:xfrm>
-      </p:grpSpPr>
-      <p:sp>
-        <p:nvSpPr>
-          <p:cNvPr id="2" name="Title 1"/>
-          <p:cNvSpPr>
-            <a:spLocks noGrp="1"/>
-          </p:cNvSpPr>
-          <p:nvPr>
-            <p:ph type="title"/>
-          </p:nvPr>
-        </p:nvSpPr>
-        <p:spPr/>
-        <p:txBody>
-          <a:bodyPr/>
-          <a:lstStyle/>
-          <a:p>
-            <a:r>
-              <a:rPr lang="en-US" dirty="0" smtClean="0"/>
-              <a:t>Look at the </a:t>
-            </a:r>
-            <a:r>
-              <a:rPr lang="en-US" dirty="0" err="1" smtClean="0"/>
-              <a:t>data.tsv</a:t>
-            </a:r>
-            <a:r>
-              <a:rPr lang="en-US" dirty="0" smtClean="0"/>
-              <a:t> loading:</a:t>
-            </a:r>
-            <a:endParaRPr lang="en-US" dirty="0"/>
-          </a:p>
-        </p:txBody>
-      </p:sp>
-      <p:sp>
-        <p:nvSpPr>
-          <p:cNvPr id="3" name="Content Placeholder 2"/>
-          <p:cNvSpPr>
-            <a:spLocks noGrp="1"/>
-          </p:cNvSpPr>
-          <p:nvPr>
-            <p:ph idx="1"/>
-          </p:nvPr>
-        </p:nvSpPr>
-        <p:spPr>
-          <a:xfrm>
-            <a:off x="838200" y="1825625"/>
-            <a:ext cx="5214642" cy="4351338"/>
-          </a:xfrm>
-        </p:spPr>
-        <p:txBody>
-          <a:bodyPr/>
-          <a:lstStyle/>
-          <a:p>
-            <a:r>
-              <a:rPr lang="en-US" dirty="0" smtClean="0"/>
-              <a:t>Show TSV import, </a:t>
-            </a:r>
-            <a:r>
-              <a:rPr lang="en-US" dirty="0"/>
-              <a:t>using d3</a:t>
-            </a:r>
-          </a:p>
-          <a:p>
-            <a:pPr lvl="1"/>
-            <a:r>
-              <a:rPr lang="en-US" dirty="0" smtClean="0"/>
-              <a:t>(Show </a:t>
-            </a:r>
-            <a:r>
-              <a:rPr lang="en-US" dirty="0"/>
-              <a:t>Firefox vs Chrome </a:t>
-            </a:r>
-            <a:r>
-              <a:rPr lang="en-US" dirty="0" smtClean="0"/>
-              <a:t>here)</a:t>
-            </a:r>
-          </a:p>
-          <a:p>
-            <a:pPr lvl="1"/>
-            <a:r>
-              <a:rPr lang="en-US" dirty="0" smtClean="0"/>
-              <a:t>(Note about local webserver)</a:t>
-            </a:r>
-            <a:endParaRPr lang="en-US" dirty="0"/>
-          </a:p>
-        </p:txBody>
-      </p:sp>
-    </p:spTree>
-    <p:extLst>
-      <p:ext uri="{BB962C8B-B14F-4D97-AF65-F5344CB8AC3E}">
-        <p14:creationId xmlns:p14="http://schemas.microsoft.com/office/powerpoint/2010/main" val="1575243991"/>
-      </p:ext>
-    </p:extLst>
-  </p:cSld>
-  <p:clrMapOvr>
-    <a:masterClrMapping/>
-  </p:clrMapOvr>
-</p:sld>
-</file>
-
 <file path=ppt/slides/slide19.xml><?xml version="1.0" encoding="utf-8"?>
 <p:sld xmlns:a="http://schemas.openxmlformats.org/drawingml/2006/main" xmlns:r="http://schemas.openxmlformats.org/officeDocument/2006/relationships" xmlns:p="http://schemas.openxmlformats.org/presentationml/2006/main">
   <p:cSld>
@@ -4484,7 +7239,15 @@
           <a:p>
             <a:r>
               <a:rPr lang="en-US" dirty="0" smtClean="0"/>
-              <a:t>Look at the data, in our environment:</a:t>
+              <a:t>Ex #5: Look </a:t>
+            </a:r>
+            <a:r>
+              <a:rPr lang="en-US" dirty="0" smtClean="0"/>
+              <a:t>at the data, </a:t>
+            </a:r>
+            <a:r>
+              <a:rPr lang="en-US" dirty="0" smtClean="0"/>
+              <a:t>in-browser</a:t>
             </a:r>
             <a:endParaRPr lang="en-US" dirty="0"/>
           </a:p>
@@ -4508,7 +7271,7 @@
         </p:spPr>
         <p:txBody>
           <a:bodyPr>
-            <a:normAutofit fontScale="92500" lnSpcReduction="10000"/>
+            <a:normAutofit fontScale="92500" lnSpcReduction="20000"/>
           </a:bodyPr>
           <a:lstStyle/>
           <a:p>
@@ -4530,16 +7293,17 @@
           <a:p>
             <a:r>
               <a:rPr lang="en-US" dirty="0" smtClean="0"/>
-              <a:t>Console </a:t>
+              <a:t>Console.log </a:t>
             </a:r>
             <a:r>
               <a:rPr lang="en-US" dirty="0"/>
-              <a:t>log the </a:t>
-            </a:r>
-            <a:r>
-              <a:rPr lang="en-US" dirty="0" smtClean="0"/>
-              <a:t>data</a:t>
-            </a:r>
+              <a:t>the </a:t>
+            </a:r>
+            <a:r>
+              <a:rPr lang="en-US" dirty="0" smtClean="0"/>
+              <a:t>data in the browser console</a:t>
+            </a:r>
+            <a:endParaRPr lang="en-US" dirty="0" smtClean="0"/>
           </a:p>
           <a:p>
             <a:endParaRPr lang="en-US" dirty="0" smtClean="0"/>
@@ -4598,7 +7362,7 @@
           <p:nvPr/>
         </p:nvPicPr>
         <p:blipFill rotWithShape="1">
-          <a:blip r:embed="rId2"/>
+          <a:blip r:embed="rId3"/>
           <a:srcRect t="73226" r="3601" b="3421"/>
           <a:stretch/>
         </p:blipFill>
@@ -4621,7 +7385,7 @@
           <p:nvPr/>
         </p:nvPicPr>
         <p:blipFill>
-          <a:blip r:embed="rId3"/>
+          <a:blip r:embed="rId4"/>
           <a:stretch>
             <a:fillRect/>
           </a:stretch>
@@ -4645,7 +7409,7 @@
           <p:nvPr/>
         </p:nvPicPr>
         <p:blipFill>
-          <a:blip r:embed="rId4"/>
+          <a:blip r:embed="rId5"/>
           <a:stretch>
             <a:fillRect/>
           </a:stretch>
@@ -4745,6 +7509,13 @@
   <p:clrMapOvr>
     <a:masterClrMapping/>
   </p:clrMapOvr>
+  <p:timing>
+    <p:tnLst>
+      <p:par>
+        <p:cTn id="1" dur="indefinite" restart="never" nodeType="tmRoot"/>
+      </p:par>
+    </p:tnLst>
+  </p:timing>
 </p:sld>
 </file>
 
@@ -4782,7 +7553,15 @@
           <a:p>
             <a:r>
               <a:rPr lang="en-US" dirty="0" smtClean="0"/>
-              <a:t>Review HTML layout</a:t>
+              <a:t>(Review) </a:t>
+            </a:r>
+            <a:r>
+              <a:rPr lang="en-US" dirty="0" smtClean="0"/>
+              <a:t>HTML </a:t>
+            </a:r>
+            <a:r>
+              <a:rPr lang="en-US" dirty="0" smtClean="0"/>
+              <a:t>layout should look like:</a:t>
             </a:r>
             <a:endParaRPr lang="en-US" dirty="0"/>
           </a:p>
@@ -4816,7 +7595,7 @@
           <p:nvPr/>
         </p:nvPicPr>
         <p:blipFill>
-          <a:blip r:embed="rId2"/>
+          <a:blip r:embed="rId3"/>
           <a:stretch>
             <a:fillRect/>
           </a:stretch>
@@ -4868,49 +7647,50 @@
             <a:spLocks noGrp="1"/>
           </p:cNvSpPr>
           <p:nvPr>
-            <p:ph type="ctrTitle"/>
-          </p:nvPr>
-        </p:nvSpPr>
-        <p:spPr/>
-        <p:txBody>
-          <a:bodyPr/>
-          <a:lstStyle/>
-          <a:p>
-            <a:r>
-              <a:rPr lang="en-US" dirty="0" smtClean="0"/>
-              <a:t>Begin writing code!</a:t>
-            </a:r>
-            <a:endParaRPr lang="en-US" dirty="0"/>
-          </a:p>
-        </p:txBody>
-      </p:sp>
-      <p:sp>
-        <p:nvSpPr>
-          <p:cNvPr id="5" name="Subtitle 4"/>
-          <p:cNvSpPr>
-            <a:spLocks noGrp="1"/>
-          </p:cNvSpPr>
-          <p:nvPr>
-            <p:ph type="subTitle" idx="1"/>
-          </p:nvPr>
-        </p:nvSpPr>
-        <p:spPr/>
-        <p:txBody>
-          <a:bodyPr/>
-          <a:lstStyle/>
-          <a:p>
-            <a:r>
-              <a:rPr lang="en-US" dirty="0" smtClean="0"/>
-              <a:t>Let’s recreate this monster (follow along)</a:t>
-            </a:r>
-            <a:endParaRPr lang="en-US" dirty="0"/>
-          </a:p>
-        </p:txBody>
-      </p:sp>
+            <p:ph type="title"/>
+          </p:nvPr>
+        </p:nvSpPr>
+        <p:spPr/>
+        <p:txBody>
+          <a:bodyPr/>
+          <a:lstStyle/>
+          <a:p>
+            <a:r>
+              <a:rPr lang="en-US" dirty="0" smtClean="0"/>
+              <a:t>(Review) File system should look like:</a:t>
+            </a:r>
+            <a:endParaRPr lang="en-US" dirty="0"/>
+          </a:p>
+        </p:txBody>
+      </p:sp>
+      <p:pic>
+        <p:nvPicPr>
+          <p:cNvPr id="5" name="Picture 4"/>
+          <p:cNvPicPr>
+            <a:picLocks noChangeAspect="1"/>
+          </p:cNvPicPr>
+          <p:nvPr/>
+        </p:nvPicPr>
+        <p:blipFill>
+          <a:blip r:embed="rId3"/>
+          <a:stretch>
+            <a:fillRect/>
+          </a:stretch>
+        </p:blipFill>
+        <p:spPr>
+          <a:xfrm>
+            <a:off x="2561417" y="2007030"/>
+            <a:ext cx="6604609" cy="4006796"/>
+          </a:xfrm>
+          <a:prstGeom prst="rect">
+            <a:avLst/>
+          </a:prstGeom>
+        </p:spPr>
+      </p:pic>
     </p:spTree>
     <p:extLst>
       <p:ext uri="{BB962C8B-B14F-4D97-AF65-F5344CB8AC3E}">
-        <p14:creationId xmlns:p14="http://schemas.microsoft.com/office/powerpoint/2010/main" val="3899806170"/>
+        <p14:creationId xmlns:p14="http://schemas.microsoft.com/office/powerpoint/2010/main" val="808586848"/>
       </p:ext>
     </p:extLst>
   </p:cSld>
@@ -4944,185 +7724,40 @@
             <a:spLocks noGrp="1"/>
           </p:cNvSpPr>
           <p:nvPr>
-            <p:ph type="title"/>
-          </p:nvPr>
-        </p:nvSpPr>
-        <p:spPr/>
-        <p:txBody>
-          <a:bodyPr/>
-          <a:lstStyle/>
-          <a:p>
-            <a:r>
-              <a:rPr lang="en-US" dirty="0" smtClean="0"/>
-              <a:t>1a. Beginning with D3</a:t>
-            </a:r>
-            <a:endParaRPr lang="en-US" dirty="0"/>
-          </a:p>
-        </p:txBody>
-      </p:sp>
-      <p:sp>
-        <p:nvSpPr>
-          <p:cNvPr id="3" name="Content Placeholder 2"/>
-          <p:cNvSpPr>
-            <a:spLocks noGrp="1"/>
-          </p:cNvSpPr>
-          <p:nvPr>
-            <p:ph idx="1"/>
-          </p:nvPr>
-        </p:nvSpPr>
-        <p:spPr>
-          <a:xfrm>
-            <a:off x="838200" y="1825625"/>
-            <a:ext cx="10515600" cy="4777476"/>
-          </a:xfrm>
-        </p:spPr>
-        <p:txBody>
-          <a:bodyPr/>
-          <a:lstStyle/>
-          <a:p>
-            <a:pPr marL="0" indent="0">
-              <a:buNone/>
-            </a:pPr>
-            <a:r>
-              <a:rPr lang="en-US" i="1" dirty="0" smtClean="0"/>
-              <a:t>Once we get set up, we should only visit controller (and </a:t>
-            </a:r>
-            <a:r>
-              <a:rPr lang="en-US" i="1" dirty="0" err="1" smtClean="0"/>
-              <a:t>css</a:t>
-            </a:r>
-            <a:r>
-              <a:rPr lang="en-US" i="1" dirty="0" smtClean="0"/>
-              <a:t>)</a:t>
-            </a:r>
-          </a:p>
-          <a:p>
-            <a:r>
-              <a:rPr lang="en-US" dirty="0" smtClean="0"/>
-              <a:t>Select the “#graph” element</a:t>
-            </a:r>
-          </a:p>
-          <a:p>
-            <a:pPr lvl="1"/>
-            <a:r>
-              <a:rPr lang="en-US" dirty="0" smtClean="0"/>
-              <a:t>Reference this with a </a:t>
-            </a:r>
-            <a:r>
-              <a:rPr lang="en-US" b="1" i="1" dirty="0" err="1" smtClean="0">
-                <a:solidFill>
-                  <a:schemeClr val="accent1">
-                    <a:lumMod val="60000"/>
-                    <a:lumOff val="40000"/>
-                  </a:schemeClr>
-                </a:solidFill>
-              </a:rPr>
-              <a:t>var</a:t>
-            </a:r>
-            <a:r>
-              <a:rPr lang="en-US" b="1" i="1" dirty="0">
-                <a:solidFill>
-                  <a:schemeClr val="accent1">
-                    <a:lumMod val="60000"/>
-                    <a:lumOff val="40000"/>
-                  </a:schemeClr>
-                </a:solidFill>
-              </a:rPr>
-              <a:t> </a:t>
-            </a:r>
-            <a:endParaRPr lang="en-US" b="1" i="1" dirty="0" smtClean="0">
-              <a:solidFill>
-                <a:schemeClr val="accent1">
-                  <a:lumMod val="60000"/>
-                  <a:lumOff val="40000"/>
-                </a:schemeClr>
-              </a:solidFill>
-            </a:endParaRPr>
-          </a:p>
-          <a:p>
-            <a:pPr lvl="1"/>
-            <a:r>
-              <a:rPr lang="en-US" dirty="0" smtClean="0"/>
-              <a:t>Give it dimensions</a:t>
-            </a:r>
-          </a:p>
-          <a:p>
-            <a:r>
-              <a:rPr lang="en-US" dirty="0" smtClean="0"/>
-              <a:t>Append g</a:t>
-            </a:r>
-          </a:p>
-          <a:p>
-            <a:pPr lvl="1"/>
-            <a:r>
-              <a:rPr lang="en-US" dirty="0" smtClean="0"/>
-              <a:t>Reference this g with a </a:t>
-            </a:r>
-            <a:r>
-              <a:rPr lang="en-US" b="1" i="1" dirty="0" err="1" smtClean="0">
-                <a:solidFill>
-                  <a:schemeClr val="accent1">
-                    <a:lumMod val="60000"/>
-                    <a:lumOff val="40000"/>
-                  </a:schemeClr>
-                </a:solidFill>
-              </a:rPr>
-              <a:t>var</a:t>
-            </a:r>
-            <a:endParaRPr lang="en-US" b="1" i="1" dirty="0" smtClean="0">
-              <a:solidFill>
-                <a:schemeClr val="accent1">
-                  <a:lumMod val="60000"/>
-                  <a:lumOff val="40000"/>
-                </a:schemeClr>
-              </a:solidFill>
-            </a:endParaRPr>
-          </a:p>
-          <a:p>
-            <a:r>
-              <a:rPr lang="en-US" dirty="0" err="1" smtClean="0"/>
-              <a:t>g.selectAll</a:t>
-            </a:r>
-            <a:r>
-              <a:rPr lang="en-US" dirty="0" smtClean="0"/>
-              <a:t>(‘.bar’)</a:t>
-            </a:r>
-          </a:p>
-          <a:p>
-            <a:pPr marL="457200" lvl="1" indent="0">
-              <a:buNone/>
-            </a:pPr>
-            <a:r>
-              <a:rPr lang="en-US" dirty="0" smtClean="0"/>
-              <a:t>.data(data)</a:t>
-            </a:r>
-          </a:p>
-          <a:p>
-            <a:pPr marL="457200" lvl="1" indent="0">
-              <a:buNone/>
-            </a:pPr>
-            <a:r>
-              <a:rPr lang="en-US" dirty="0" smtClean="0"/>
-              <a:t>.enter().append(‘</a:t>
-            </a:r>
-            <a:r>
-              <a:rPr lang="en-US" dirty="0" err="1" smtClean="0"/>
-              <a:t>rect</a:t>
-            </a:r>
-            <a:r>
-              <a:rPr lang="en-US" dirty="0" smtClean="0"/>
-              <a:t>’)</a:t>
-            </a:r>
-            <a:endParaRPr lang="en-US" dirty="0"/>
-          </a:p>
-          <a:p>
-            <a:r>
-              <a:rPr lang="en-US" dirty="0"/>
-              <a:t>Discuss SVG types &amp; explain </a:t>
-            </a:r>
-            <a:r>
-              <a:rPr lang="en-US" dirty="0" smtClean="0"/>
-              <a:t>SVG</a:t>
+            <p:ph type="ctrTitle"/>
+          </p:nvPr>
+        </p:nvSpPr>
+        <p:spPr/>
+        <p:txBody>
+          <a:bodyPr/>
+          <a:lstStyle/>
+          <a:p>
+            <a:r>
+              <a:rPr lang="en-US" dirty="0" smtClean="0"/>
+              <a:t>Begin writing code!</a:t>
+            </a:r>
+            <a:endParaRPr lang="en-US" dirty="0"/>
+          </a:p>
+        </p:txBody>
+      </p:sp>
+      <p:sp>
+        <p:nvSpPr>
+          <p:cNvPr id="5" name="Subtitle 4"/>
+          <p:cNvSpPr>
+            <a:spLocks noGrp="1"/>
+          </p:cNvSpPr>
+          <p:nvPr>
+            <p:ph type="subTitle" idx="1"/>
+          </p:nvPr>
+        </p:nvSpPr>
+        <p:spPr/>
+        <p:txBody>
+          <a:bodyPr/>
+          <a:lstStyle/>
+          <a:p>
+            <a:r>
+              <a:rPr lang="en-US" dirty="0" smtClean="0"/>
+              <a:t>Let’s recreate this monster (follow along)</a:t>
             </a:r>
             <a:endParaRPr lang="en-US" dirty="0"/>
           </a:p>
@@ -5131,7 +7766,7 @@
     </p:spTree>
     <p:extLst>
       <p:ext uri="{BB962C8B-B14F-4D97-AF65-F5344CB8AC3E}">
-        <p14:creationId xmlns:p14="http://schemas.microsoft.com/office/powerpoint/2010/main" val="674903255"/>
+        <p14:creationId xmlns:p14="http://schemas.microsoft.com/office/powerpoint/2010/main" val="3899806170"/>
       </p:ext>
     </p:extLst>
   </p:cSld>
@@ -5175,7 +7810,7 @@
           <a:p>
             <a:r>
               <a:rPr lang="en-US" dirty="0" smtClean="0"/>
-              <a:t>1b. Use the bound data!</a:t>
+              <a:t>1a. Beginning with D3</a:t>
             </a:r>
             <a:endParaRPr lang="en-US" dirty="0"/>
           </a:p>
@@ -5191,78 +7826,160 @@
             <p:ph idx="1"/>
           </p:nvPr>
         </p:nvSpPr>
-        <p:spPr/>
-        <p:txBody>
-          <a:bodyPr/>
-          <a:lstStyle/>
-          <a:p>
-            <a:r>
-              <a:rPr lang="en-US" dirty="0" smtClean="0"/>
-              <a:t>Make height = </a:t>
-            </a:r>
+        <p:spPr>
+          <a:xfrm>
+            <a:off x="838200" y="1825625"/>
+            <a:ext cx="10515600" cy="4777476"/>
+          </a:xfrm>
+        </p:spPr>
+        <p:txBody>
+          <a:bodyPr/>
+          <a:lstStyle/>
+          <a:p>
+            <a:pPr marL="0" indent="0">
+              <a:buNone/>
+            </a:pPr>
+            <a:r>
+              <a:rPr lang="en-US" i="1" dirty="0" smtClean="0"/>
+              <a:t>Once we get set up, we should only visit controller (and </a:t>
+            </a:r>
+            <a:r>
+              <a:rPr lang="en-US" i="1" dirty="0" err="1" smtClean="0"/>
+              <a:t>css</a:t>
+            </a:r>
+            <a:r>
+              <a:rPr lang="en-US" i="1" dirty="0" smtClean="0"/>
+              <a:t>)</a:t>
+            </a:r>
+          </a:p>
+          <a:p>
+            <a:r>
+              <a:rPr lang="en-US" dirty="0" smtClean="0"/>
+              <a:t>Select the “#graph” element</a:t>
+            </a:r>
+          </a:p>
+          <a:p>
+            <a:pPr lvl="1"/>
+            <a:r>
+              <a:rPr lang="en-US" dirty="0" smtClean="0"/>
+              <a:t>Reference this with a </a:t>
+            </a:r>
+            <a:r>
+              <a:rPr lang="en-US" b="1" i="1" dirty="0" err="1" smtClean="0">
+                <a:solidFill>
+                  <a:schemeClr val="accent1">
+                    <a:lumMod val="60000"/>
+                    <a:lumOff val="40000"/>
+                  </a:schemeClr>
+                </a:solidFill>
+              </a:rPr>
+              <a:t>var</a:t>
+            </a:r>
+            <a:r>
+              <a:rPr lang="en-US" b="1" i="1" dirty="0">
+                <a:solidFill>
+                  <a:schemeClr val="accent1">
+                    <a:lumMod val="60000"/>
+                    <a:lumOff val="40000"/>
+                  </a:schemeClr>
+                </a:solidFill>
+              </a:rPr>
+              <a:t> </a:t>
+            </a:r>
+            <a:endParaRPr lang="en-US" b="1" i="1" dirty="0" smtClean="0">
+              <a:solidFill>
+                <a:schemeClr val="accent1">
+                  <a:lumMod val="60000"/>
+                  <a:lumOff val="40000"/>
+                </a:schemeClr>
+              </a:solidFill>
+            </a:endParaRPr>
+          </a:p>
+          <a:p>
+            <a:pPr lvl="1"/>
+            <a:r>
+              <a:rPr lang="en-US" dirty="0" smtClean="0"/>
+              <a:t>Give it dimensions</a:t>
+            </a:r>
+          </a:p>
+          <a:p>
+            <a:r>
+              <a:rPr lang="en-US" dirty="0" smtClean="0"/>
+              <a:t>Append g</a:t>
+            </a:r>
+          </a:p>
+          <a:p>
+            <a:pPr lvl="1"/>
+            <a:r>
+              <a:rPr lang="en-US" dirty="0" smtClean="0"/>
+              <a:t>Reference this g with a </a:t>
+            </a:r>
+            <a:r>
+              <a:rPr lang="en-US" b="1" i="1" dirty="0" err="1" smtClean="0">
+                <a:solidFill>
+                  <a:schemeClr val="accent1">
+                    <a:lumMod val="60000"/>
+                    <a:lumOff val="40000"/>
+                  </a:schemeClr>
+                </a:solidFill>
+              </a:rPr>
+              <a:t>var</a:t>
+            </a:r>
+            <a:endParaRPr lang="en-US" b="1" i="1" dirty="0" smtClean="0">
+              <a:solidFill>
+                <a:schemeClr val="accent1">
+                  <a:lumMod val="60000"/>
+                  <a:lumOff val="40000"/>
+                </a:schemeClr>
+              </a:solidFill>
+            </a:endParaRPr>
+          </a:p>
+          <a:p>
             <a:r>
               <a:rPr lang="en-US" dirty="0" err="1" smtClean="0"/>
-              <a:t>d.frequency</a:t>
-            </a:r>
-            <a:endParaRPr lang="en-US" dirty="0" smtClean="0"/>
-          </a:p>
-          <a:p>
-            <a:r>
-              <a:rPr lang="en-US" dirty="0" smtClean="0"/>
-              <a:t>Make width = 10</a:t>
-            </a:r>
-          </a:p>
-          <a:p>
-            <a:r>
-              <a:rPr lang="en-US" dirty="0" smtClean="0"/>
-              <a:t>Make x = </a:t>
+              <a:t>g.selectAll</a:t>
+            </a:r>
+            <a:r>
+              <a:rPr lang="en-US" dirty="0" smtClean="0"/>
+              <a:t>(‘.bar’)</a:t>
+            </a:r>
+          </a:p>
+          <a:p>
+            <a:pPr marL="457200" lvl="1" indent="0">
+              <a:buNone/>
+            </a:pPr>
+            <a:r>
+              <a:rPr lang="en-US" dirty="0" smtClean="0"/>
+              <a:t>.data(data)</a:t>
+            </a:r>
+          </a:p>
+          <a:p>
+            <a:pPr marL="457200" lvl="1" indent="0">
+              <a:buNone/>
+            </a:pPr>
+            <a:r>
+              <a:rPr lang="en-US" dirty="0" smtClean="0"/>
+              <a:t>.enter().append(‘</a:t>
             </a:r>
             <a:r>
               <a:rPr lang="en-US" dirty="0" err="1" smtClean="0"/>
-              <a:t>i</a:t>
-            </a:r>
-            <a:r>
-              <a:rPr lang="en-US" dirty="0" smtClean="0"/>
-              <a:t>*10</a:t>
-            </a:r>
-          </a:p>
-          <a:p>
-            <a:endParaRPr lang="en-US" dirty="0" smtClean="0"/>
-          </a:p>
-          <a:p>
-            <a:r>
-              <a:rPr lang="en-US" dirty="0" smtClean="0"/>
-              <a:t>Try:</a:t>
-            </a:r>
+              <a:t>rect</a:t>
+            </a:r>
+            <a:r>
+              <a:rPr lang="en-US" dirty="0" smtClean="0"/>
+              <a:t>’)</a:t>
+            </a:r>
+            <a:endParaRPr lang="en-US" dirty="0"/>
           </a:p>
           <a:p>
             <a:r>
               <a:rPr lang="en-US" dirty="0"/>
-              <a:t>Make height = 1000x the frequency</a:t>
-            </a:r>
-          </a:p>
-          <a:p>
-            <a:r>
-              <a:rPr lang="en-US" dirty="0"/>
-              <a:t>Make width = 20</a:t>
-            </a:r>
-          </a:p>
-          <a:p>
-            <a:r>
-              <a:rPr lang="en-US" dirty="0"/>
-              <a:t>Make x = </a:t>
-            </a:r>
-            <a:r>
-              <a:rPr lang="en-US" dirty="0" err="1" smtClean="0"/>
-              <a:t>i</a:t>
-            </a:r>
-            <a:r>
-              <a:rPr lang="en-US" dirty="0" smtClean="0"/>
-              <a:t>*22</a:t>
-            </a:r>
-            <a:endParaRPr lang="en-US" dirty="0"/>
-          </a:p>
-          <a:p>
+              <a:t>Discuss SVG types &amp; explain </a:t>
+            </a:r>
+            <a:r>
+              <a:rPr lang="en-US" dirty="0" smtClean="0"/>
+              <a:t>SVG</a:t>
+            </a:r>
             <a:endParaRPr lang="en-US" dirty="0"/>
           </a:p>
         </p:txBody>
@@ -5270,7 +7987,7 @@
     </p:spTree>
     <p:extLst>
       <p:ext uri="{BB962C8B-B14F-4D97-AF65-F5344CB8AC3E}">
-        <p14:creationId xmlns:p14="http://schemas.microsoft.com/office/powerpoint/2010/main" val="1930288520"/>
+        <p14:creationId xmlns:p14="http://schemas.microsoft.com/office/powerpoint/2010/main" val="674903255"/>
       </p:ext>
     </p:extLst>
   </p:cSld>
@@ -5314,7 +8031,7 @@
           <a:p>
             <a:r>
               <a:rPr lang="en-US" dirty="0" smtClean="0"/>
-              <a:t>1c. How to inspect</a:t>
+              <a:t>1b. Use the bound data!</a:t>
             </a:r>
             <a:endParaRPr lang="en-US" dirty="0"/>
           </a:p>
@@ -5337,20 +8054,24 @@
           <a:p>
             <a:r>
               <a:rPr lang="en-US" dirty="0" smtClean="0"/>
-              <a:t>Show __data__ property of the element</a:t>
-            </a:r>
-          </a:p>
-          <a:p>
-            <a:r>
-              <a:rPr lang="en-US" dirty="0" smtClean="0"/>
-              <a:t>Show console.log(this)</a:t>
-            </a:r>
-          </a:p>
-          <a:p>
-            <a:pPr lvl="1"/>
-            <a:r>
-              <a:rPr lang="en-US" dirty="0" smtClean="0"/>
-              <a:t>(</a:t>
+              <a:t>Make height = </a:t>
+            </a:r>
+            <a:r>
+              <a:rPr lang="en-US" dirty="0" err="1" smtClean="0"/>
+              <a:t>d.frequency</a:t>
+            </a:r>
+            <a:endParaRPr lang="en-US" dirty="0" smtClean="0"/>
+          </a:p>
+          <a:p>
+            <a:r>
+              <a:rPr lang="en-US" dirty="0" smtClean="0"/>
+              <a:t>Make width = 10</a:t>
+            </a:r>
+          </a:p>
+          <a:p>
+            <a:r>
+              <a:rPr lang="en-US" dirty="0" smtClean="0"/>
+              <a:t>Make x = </a:t>
             </a:r>
             <a:r>
               <a:rPr lang="en-US" dirty="0" err="1" smtClean="0"/>
@@ -5358,32 +8079,54 @@
             </a:r>
             <a:r>
               <a:rPr lang="en-US" dirty="0" smtClean="0"/>
-              <a:t>)</a:t>
-            </a:r>
-          </a:p>
-          <a:p>
-            <a:pPr lvl="1"/>
-            <a:r>
-              <a:rPr lang="en-US" dirty="0" smtClean="0"/>
-              <a:t>(d)</a:t>
-            </a:r>
-          </a:p>
-          <a:p>
-            <a:pPr lvl="1"/>
-            <a:r>
-              <a:rPr lang="en-US" dirty="0" smtClean="0"/>
-              <a:t>d3.select(this)</a:t>
+              <a:t>*10</a:t>
             </a:r>
           </a:p>
           <a:p>
             <a:endParaRPr lang="en-US" dirty="0" smtClean="0"/>
+          </a:p>
+          <a:p>
+            <a:r>
+              <a:rPr lang="en-US" dirty="0" smtClean="0"/>
+              <a:t>Try:</a:t>
+            </a:r>
+          </a:p>
+          <a:p>
+            <a:r>
+              <a:rPr lang="en-US" dirty="0"/>
+              <a:t>Make height = 1000x the frequency</a:t>
+            </a:r>
+          </a:p>
+          <a:p>
+            <a:r>
+              <a:rPr lang="en-US" dirty="0"/>
+              <a:t>Make width = 20</a:t>
+            </a:r>
+          </a:p>
+          <a:p>
+            <a:r>
+              <a:rPr lang="en-US" dirty="0"/>
+              <a:t>Make x = </a:t>
+            </a:r>
+            <a:r>
+              <a:rPr lang="en-US" dirty="0" err="1" smtClean="0"/>
+              <a:t>i</a:t>
+            </a:r>
+            <a:r>
+              <a:rPr lang="en-US" dirty="0" smtClean="0"/>
+              <a:t>*22</a:t>
+            </a:r>
+            <a:endParaRPr lang="en-US" dirty="0"/>
+          </a:p>
+          <a:p>
+            <a:endParaRPr lang="en-US" dirty="0"/>
           </a:p>
         </p:txBody>
       </p:sp>
     </p:spTree>
     <p:extLst>
       <p:ext uri="{BB962C8B-B14F-4D97-AF65-F5344CB8AC3E}">
-        <p14:creationId xmlns:p14="http://schemas.microsoft.com/office/powerpoint/2010/main" val="3300785810"/>
+        <p14:creationId xmlns:p14="http://schemas.microsoft.com/office/powerpoint/2010/main" val="1930288520"/>
       </p:ext>
     </p:extLst>
   </p:cSld>
@@ -5427,7 +8170,7 @@
           <a:p>
             <a:r>
               <a:rPr lang="en-US" dirty="0" smtClean="0"/>
-              <a:t>2. Build a scale that makes sense</a:t>
+              <a:t>1c. How to inspect</a:t>
             </a:r>
             <a:endParaRPr lang="en-US" dirty="0"/>
           </a:p>
@@ -5450,58 +8193,53 @@
           <a:p>
             <a:r>
               <a:rPr lang="en-US" dirty="0" smtClean="0"/>
-              <a:t>Create margin object</a:t>
-            </a:r>
-          </a:p>
-          <a:p>
-            <a:r>
-              <a:rPr lang="en-US" dirty="0" smtClean="0"/>
-              <a:t>Create “actual” width/height variables, subtracting the margins</a:t>
+              <a:t>Show __data__ property of the element</a:t>
+            </a:r>
+          </a:p>
+          <a:p>
+            <a:r>
+              <a:rPr lang="en-US" dirty="0" smtClean="0"/>
+              <a:t>Show console.log(this)</a:t>
+            </a:r>
+          </a:p>
+          <a:p>
+            <a:pPr lvl="1"/>
+            <a:r>
+              <a:rPr lang="en-US" dirty="0" smtClean="0"/>
+              <a:t>(</a:t>
+            </a:r>
+            <a:r>
+              <a:rPr lang="en-US" dirty="0" err="1" smtClean="0"/>
+              <a:t>i</a:t>
+            </a:r>
+            <a:r>
+              <a:rPr lang="en-US" dirty="0" smtClean="0"/>
+              <a:t>)</a:t>
+            </a:r>
+          </a:p>
+          <a:p>
+            <a:pPr lvl="1"/>
+            <a:r>
+              <a:rPr lang="en-US" dirty="0" smtClean="0"/>
+              <a:t>(d)</a:t>
+            </a:r>
+          </a:p>
+          <a:p>
+            <a:pPr lvl="1"/>
+            <a:r>
+              <a:rPr lang="en-US" dirty="0" smtClean="0"/>
+              <a:t>d3.select(this)</a:t>
             </a:r>
           </a:p>
           <a:p>
             <a:endParaRPr lang="en-US" dirty="0" smtClean="0"/>
-          </a:p>
-          <a:p>
-            <a:r>
-              <a:rPr lang="en-US" dirty="0" smtClean="0"/>
-              <a:t>Pass these to x range - band (width) and y range - linear (height)</a:t>
-            </a:r>
-          </a:p>
-          <a:p>
-            <a:r>
-              <a:rPr lang="en-US" dirty="0" smtClean="0"/>
-              <a:t>Pass our data to the domain, using map for letters and max for </a:t>
-            </a:r>
-            <a:r>
-              <a:rPr lang="en-US" dirty="0" err="1" smtClean="0"/>
-              <a:t>requency</a:t>
-            </a:r>
-            <a:endParaRPr lang="en-US" dirty="0" smtClean="0"/>
-          </a:p>
-          <a:p>
-            <a:endParaRPr lang="en-US" dirty="0"/>
-          </a:p>
-          <a:p>
-            <a:r>
-              <a:rPr lang="en-US" dirty="0" smtClean="0"/>
-              <a:t>Update our </a:t>
-            </a:r>
-            <a:r>
-              <a:rPr lang="en-US" dirty="0" err="1" smtClean="0"/>
-              <a:t>attr</a:t>
-            </a:r>
-            <a:r>
-              <a:rPr lang="en-US" dirty="0" smtClean="0"/>
-              <a:t> binding to use these new things</a:t>
-            </a:r>
           </a:p>
         </p:txBody>
       </p:sp>
     </p:spTree>
     <p:extLst>
       <p:ext uri="{BB962C8B-B14F-4D97-AF65-F5344CB8AC3E}">
-        <p14:creationId xmlns:p14="http://schemas.microsoft.com/office/powerpoint/2010/main" val="1165932269"/>
+        <p14:creationId xmlns:p14="http://schemas.microsoft.com/office/powerpoint/2010/main" val="3300785810"/>
       </p:ext>
     </p:extLst>
   </p:cSld>
@@ -5545,7 +8283,7 @@
           <a:p>
             <a:r>
               <a:rPr lang="en-US" dirty="0" smtClean="0"/>
-              <a:t>3. Add the axes and some styling</a:t>
+              <a:t>2. Build a scale that makes sense</a:t>
             </a:r>
             <a:endParaRPr lang="en-US" dirty="0"/>
           </a:p>
@@ -5568,63 +8306,58 @@
           <a:p>
             <a:r>
               <a:rPr lang="en-US" dirty="0" smtClean="0"/>
-              <a:t>Append g with an </a:t>
+              <a:t>Create margin object</a:t>
+            </a:r>
+          </a:p>
+          <a:p>
+            <a:r>
+              <a:rPr lang="en-US" dirty="0" smtClean="0"/>
+              <a:t>Create “actual” width/height variables, subtracting the margins</a:t>
+            </a:r>
+          </a:p>
+          <a:p>
+            <a:endParaRPr lang="en-US" dirty="0" smtClean="0"/>
+          </a:p>
+          <a:p>
+            <a:r>
+              <a:rPr lang="en-US" dirty="0" smtClean="0"/>
+              <a:t>Pass these to x range - band (width) and y range - linear (height)</a:t>
+            </a:r>
+          </a:p>
+          <a:p>
+            <a:r>
+              <a:rPr lang="en-US" dirty="0" smtClean="0"/>
+              <a:t>Pass our data to the domain, using map for letters and max for </a:t>
             </a:r>
             <a:r>
               <a:rPr lang="en-US" dirty="0" err="1" smtClean="0"/>
-              <a:t>axisBottom</a:t>
-            </a:r>
-            <a:r>
-              <a:rPr lang="en-US" dirty="0" smtClean="0"/>
-              <a:t> on x, translate for height (to put on bottom – otherwise it is a downward axis on the top)</a:t>
-            </a:r>
-          </a:p>
-          <a:p>
+              <a:t>requency</a:t>
+            </a:r>
             <a:endParaRPr lang="en-US" dirty="0" smtClean="0"/>
           </a:p>
           <a:p>
-            <a:r>
-              <a:rPr lang="en-US" dirty="0" smtClean="0"/>
-              <a:t>Append g with an axis for y, add 10 ticks with %</a:t>
-            </a:r>
-          </a:p>
-          <a:p>
-            <a:endParaRPr lang="en-US" dirty="0" smtClean="0"/>
-          </a:p>
-          <a:p>
-            <a:r>
-              <a:rPr lang="en-US" dirty="0" smtClean="0"/>
-              <a:t>Open our empty index.css </a:t>
-            </a:r>
-          </a:p>
-          <a:p>
-            <a:pPr lvl="1"/>
-            <a:r>
-              <a:rPr lang="en-US" dirty="0" smtClean="0"/>
-              <a:t>Add fill color for .bar class and .</a:t>
+            <a:endParaRPr lang="en-US" dirty="0"/>
+          </a:p>
+          <a:p>
+            <a:r>
+              <a:rPr lang="en-US" dirty="0" smtClean="0"/>
+              <a:t>Update our </a:t>
             </a:r>
             <a:r>
               <a:rPr lang="en-US" dirty="0" err="1" smtClean="0"/>
-              <a:t>bar:hover</a:t>
-            </a:r>
-            <a:endParaRPr lang="en-US" dirty="0" smtClean="0"/>
-          </a:p>
-          <a:p>
-            <a:pPr lvl="1"/>
-            <a:r>
-              <a:rPr lang="en-US" dirty="0" smtClean="0"/>
-              <a:t>Remove axis--x path</a:t>
-            </a:r>
-          </a:p>
-          <a:p>
-            <a:endParaRPr lang="en-US" dirty="0"/>
+              <a:t>attr</a:t>
+            </a:r>
+            <a:r>
+              <a:rPr lang="en-US" dirty="0" smtClean="0"/>
+              <a:t> binding to use these new things</a:t>
+            </a:r>
           </a:p>
         </p:txBody>
       </p:sp>
     </p:spTree>
     <p:extLst>
       <p:ext uri="{BB962C8B-B14F-4D97-AF65-F5344CB8AC3E}">
-        <p14:creationId xmlns:p14="http://schemas.microsoft.com/office/powerpoint/2010/main" val="4110432089"/>
+        <p14:creationId xmlns:p14="http://schemas.microsoft.com/office/powerpoint/2010/main" val="1165932269"/>
       </p:ext>
     </p:extLst>
   </p:cSld>
@@ -5653,46 +8386,93 @@
       </p:grpSpPr>
       <p:sp>
         <p:nvSpPr>
-          <p:cNvPr id="4" name="Title 3"/>
-          <p:cNvSpPr>
-            <a:spLocks noGrp="1"/>
-          </p:cNvSpPr>
-          <p:nvPr>
-            <p:ph type="ctrTitle"/>
-          </p:nvPr>
-        </p:nvSpPr>
-        <p:spPr/>
-        <p:txBody>
-          <a:bodyPr/>
-          <a:lstStyle/>
-          <a:p>
-            <a:r>
-              <a:rPr lang="en-US" dirty="0" smtClean="0"/>
-              <a:t>Resources</a:t>
-            </a:r>
-            <a:endParaRPr lang="en-US" dirty="0"/>
-          </a:p>
-        </p:txBody>
-      </p:sp>
-      <p:sp>
-        <p:nvSpPr>
-          <p:cNvPr id="5" name="Subtitle 4"/>
-          <p:cNvSpPr>
-            <a:spLocks noGrp="1"/>
-          </p:cNvSpPr>
-          <p:nvPr>
-            <p:ph type="subTitle" idx="1"/>
-          </p:nvPr>
-        </p:nvSpPr>
-        <p:spPr/>
-        <p:txBody>
-          <a:bodyPr/>
-          <a:lstStyle/>
-          <a:p>
-            <a:r>
-              <a:rPr lang="en-US" dirty="0" smtClean="0"/>
-              <a:t>Things you should explore when looking further</a:t>
-            </a:r>
+          <p:cNvPr id="2" name="Title 1"/>
+          <p:cNvSpPr>
+            <a:spLocks noGrp="1"/>
+          </p:cNvSpPr>
+          <p:nvPr>
+            <p:ph type="title"/>
+          </p:nvPr>
+        </p:nvSpPr>
+        <p:spPr/>
+        <p:txBody>
+          <a:bodyPr/>
+          <a:lstStyle/>
+          <a:p>
+            <a:r>
+              <a:rPr lang="en-US" dirty="0" smtClean="0"/>
+              <a:t>3. Add the axes and some styling</a:t>
+            </a:r>
+            <a:endParaRPr lang="en-US" dirty="0"/>
+          </a:p>
+        </p:txBody>
+      </p:sp>
+      <p:sp>
+        <p:nvSpPr>
+          <p:cNvPr id="3" name="Content Placeholder 2"/>
+          <p:cNvSpPr>
+            <a:spLocks noGrp="1"/>
+          </p:cNvSpPr>
+          <p:nvPr>
+            <p:ph idx="1"/>
+          </p:nvPr>
+        </p:nvSpPr>
+        <p:spPr/>
+        <p:txBody>
+          <a:bodyPr/>
+          <a:lstStyle/>
+          <a:p>
+            <a:r>
+              <a:rPr lang="en-US" dirty="0" smtClean="0"/>
+              <a:t>Append g with an </a:t>
+            </a:r>
+            <a:r>
+              <a:rPr lang="en-US" dirty="0" err="1" smtClean="0"/>
+              <a:t>axisBottom</a:t>
+            </a:r>
+            <a:r>
+              <a:rPr lang="en-US" dirty="0" smtClean="0"/>
+              <a:t> on x, translate for height (to put on bottom – otherwise it is a downward axis on the top)</a:t>
+            </a:r>
+          </a:p>
+          <a:p>
+            <a:endParaRPr lang="en-US" dirty="0" smtClean="0"/>
+          </a:p>
+          <a:p>
+            <a:r>
+              <a:rPr lang="en-US" dirty="0" smtClean="0"/>
+              <a:t>Append g with an axis for y, add 10 ticks with %</a:t>
+            </a:r>
+          </a:p>
+          <a:p>
+            <a:endParaRPr lang="en-US" dirty="0" smtClean="0"/>
+          </a:p>
+          <a:p>
+            <a:r>
+              <a:rPr lang="en-US" dirty="0" smtClean="0"/>
+              <a:t>Open our empty index.css </a:t>
+            </a:r>
+          </a:p>
+          <a:p>
+            <a:pPr lvl="1"/>
+            <a:r>
+              <a:rPr lang="en-US" dirty="0" smtClean="0"/>
+              <a:t>Add fill color for .bar class and .</a:t>
+            </a:r>
+            <a:r>
+              <a:rPr lang="en-US" dirty="0" err="1" smtClean="0"/>
+              <a:t>bar:hover</a:t>
+            </a:r>
+            <a:endParaRPr lang="en-US" dirty="0" smtClean="0"/>
+          </a:p>
+          <a:p>
+            <a:pPr lvl="1"/>
+            <a:r>
+              <a:rPr lang="en-US" dirty="0" smtClean="0"/>
+              <a:t>Remove axis--x path</a:t>
+            </a:r>
+          </a:p>
+          <a:p>
             <a:endParaRPr lang="en-US" dirty="0"/>
           </a:p>
         </p:txBody>
@@ -5700,7 +8480,7 @@
     </p:spTree>
     <p:extLst>
       <p:ext uri="{BB962C8B-B14F-4D97-AF65-F5344CB8AC3E}">
-        <p14:creationId xmlns:p14="http://schemas.microsoft.com/office/powerpoint/2010/main" val="2724028488"/>
+        <p14:creationId xmlns:p14="http://schemas.microsoft.com/office/powerpoint/2010/main" val="4110432089"/>
       </p:ext>
     </p:extLst>
   </p:cSld>
@@ -5729,7 +8509,7 @@
       </p:grpSpPr>
       <p:sp>
         <p:nvSpPr>
-          <p:cNvPr id="2" name="Title 1"/>
+          <p:cNvPr id="4" name="Title 3"/>
           <p:cNvSpPr>
             <a:spLocks noGrp="1"/>
           </p:cNvSpPr>
@@ -5744,15 +8524,15 @@
           <a:p>
             <a:r>
               <a:rPr lang="en-US" dirty="0" smtClean="0"/>
-              <a:t>Read the docs!</a:t>
-            </a:r>
-            <a:endParaRPr lang="en-US" dirty="0"/>
-          </a:p>
-        </p:txBody>
-      </p:sp>
-      <p:sp>
-        <p:nvSpPr>
-          <p:cNvPr id="3" name="Content Placeholder 2"/>
+              <a:t>Resources</a:t>
+            </a:r>
+            <a:endParaRPr lang="en-US" dirty="0"/>
+          </a:p>
+        </p:txBody>
+      </p:sp>
+      <p:sp>
+        <p:nvSpPr>
+          <p:cNvPr id="5" name="Subtitle 4"/>
           <p:cNvSpPr>
             <a:spLocks noGrp="1"/>
           </p:cNvSpPr>
@@ -5766,38 +8546,17 @@
           <a:lstStyle/>
           <a:p>
             <a:r>
-              <a:rPr lang="en-US" b="1" dirty="0" smtClean="0"/>
-              <a:t>D3: </a:t>
-            </a:r>
-            <a:r>
-              <a:rPr lang="en-US" dirty="0" smtClean="0"/>
-              <a:t>https</a:t>
-            </a:r>
-            <a:r>
-              <a:rPr lang="en-US" dirty="0"/>
-              <a:t>://</a:t>
-            </a:r>
-            <a:r>
-              <a:rPr lang="en-US" dirty="0" smtClean="0"/>
-              <a:t>github.com/d3/d3/wiki</a:t>
-            </a:r>
-          </a:p>
-          <a:p>
-            <a:r>
-              <a:rPr lang="en-US" b="1" dirty="0"/>
-              <a:t>Web: </a:t>
-            </a:r>
-            <a:r>
-              <a:rPr lang="en-US" dirty="0"/>
-              <a:t>https://developer.mozilla.org/en-US/</a:t>
-            </a:r>
+              <a:rPr lang="en-US" dirty="0" smtClean="0"/>
+              <a:t>Things you should explore when looking further</a:t>
+            </a:r>
+            <a:endParaRPr lang="en-US" dirty="0"/>
           </a:p>
         </p:txBody>
       </p:sp>
     </p:spTree>
     <p:extLst>
       <p:ext uri="{BB962C8B-B14F-4D97-AF65-F5344CB8AC3E}">
-        <p14:creationId xmlns:p14="http://schemas.microsoft.com/office/powerpoint/2010/main" val="2779721294"/>
+        <p14:creationId xmlns:p14="http://schemas.microsoft.com/office/powerpoint/2010/main" val="2724028488"/>
       </p:ext>
     </p:extLst>
   </p:cSld>
@@ -5826,7 +8585,7 @@
       </p:grpSpPr>
       <p:sp>
         <p:nvSpPr>
-          <p:cNvPr id="4" name="Title 3"/>
+          <p:cNvPr id="2" name="Title 1"/>
           <p:cNvSpPr>
             <a:spLocks noGrp="1"/>
           </p:cNvSpPr>
@@ -5841,15 +8600,15 @@
           <a:p>
             <a:r>
               <a:rPr lang="en-US" dirty="0" smtClean="0"/>
-              <a:t>Top 3 resources:</a:t>
-            </a:r>
-            <a:endParaRPr lang="en-US" dirty="0"/>
-          </a:p>
-        </p:txBody>
-      </p:sp>
-      <p:sp>
-        <p:nvSpPr>
-          <p:cNvPr id="5" name="Subtitle 4"/>
+              <a:t>Read the docs!</a:t>
+            </a:r>
+            <a:endParaRPr lang="en-US" dirty="0"/>
+          </a:p>
+        </p:txBody>
+      </p:sp>
+      <p:sp>
+        <p:nvSpPr>
+          <p:cNvPr id="3" name="Content Placeholder 2"/>
           <p:cNvSpPr>
             <a:spLocks noGrp="1"/>
           </p:cNvSpPr>
@@ -5863,47 +8622,38 @@
           <a:lstStyle/>
           <a:p>
             <a:r>
-              <a:rPr lang="en-US" dirty="0" smtClean="0"/>
-              <a:t>The d3 API documentation</a:t>
-            </a:r>
-          </a:p>
-          <a:p>
-            <a:r>
-              <a:rPr lang="en-US" dirty="0" smtClean="0"/>
-              <a:t>MDN web standards documentation</a:t>
-            </a:r>
-          </a:p>
-          <a:p>
+              <a:rPr lang="en-US" b="1" dirty="0" smtClean="0"/>
+              <a:t>D3: </a:t>
+            </a:r>
+            <a:r>
+              <a:rPr lang="en-US" dirty="0" smtClean="0"/>
+              <a:t>https</a:t>
+            </a:r>
             <a:r>
               <a:rPr lang="en-US" dirty="0"/>
-              <a:t>Googling </a:t>
-            </a:r>
-            <a:r>
-              <a:rPr lang="en-US" dirty="0" smtClean="0"/>
-              <a:t>things you want to make </a:t>
+              <a:t>://</a:t>
+            </a:r>
+            <a:r>
+              <a:rPr lang="en-US" dirty="0" smtClean="0"/>
+              <a:t>github.com/d3/d3/wiki</a:t>
+            </a:r>
+          </a:p>
+          <a:p>
+            <a:r>
+              <a:rPr lang="en-US" b="1" dirty="0"/>
+              <a:t>Web: </a:t>
             </a:r>
             <a:r>
               <a:rPr lang="en-US" dirty="0"/>
-              <a:t>(“d3 scatterplot </a:t>
-            </a:r>
-            <a:r>
-              <a:rPr lang="en-US" dirty="0" err="1"/>
-              <a:t>bl.ocks</a:t>
-            </a:r>
-            <a:r>
-              <a:rPr lang="en-US" dirty="0"/>
-              <a:t>”)</a:t>
-            </a:r>
-          </a:p>
-          <a:p>
-            <a:endParaRPr lang="en-US" dirty="0"/>
+              <a:t>https://developer.mozilla.org/en-US/</a:t>
+            </a:r>
           </a:p>
         </p:txBody>
       </p:sp>
     </p:spTree>
     <p:extLst>
       <p:ext uri="{BB962C8B-B14F-4D97-AF65-F5344CB8AC3E}">
-        <p14:creationId xmlns:p14="http://schemas.microsoft.com/office/powerpoint/2010/main" val="3084310567"/>
+        <p14:creationId xmlns:p14="http://schemas.microsoft.com/office/powerpoint/2010/main" val="2779721294"/>
       </p:ext>
     </p:extLst>
   </p:cSld>
@@ -6064,6 +8814,13 @@
   <p:clrMapOvr>
     <a:masterClrMapping/>
   </p:clrMapOvr>
+  <p:timing>
+    <p:tnLst>
+      <p:par>
+        <p:cTn id="1" dur="indefinite" restart="never" nodeType="tmRoot"/>
+      </p:par>
+    </p:tnLst>
+  </p:timing>
 </p:sld>
 </file>
 
@@ -6086,7 +8843,7 @@
       </p:grpSpPr>
       <p:sp>
         <p:nvSpPr>
-          <p:cNvPr id="2" name="Title 1"/>
+          <p:cNvPr id="4" name="Title 3"/>
           <p:cNvSpPr>
             <a:spLocks noGrp="1"/>
           </p:cNvSpPr>
@@ -6094,27 +8851,22 @@
             <p:ph type="ctrTitle"/>
           </p:nvPr>
         </p:nvSpPr>
-        <p:spPr>
-          <a:xfrm>
-            <a:off x="1524000" y="174567"/>
-            <a:ext cx="9144000" cy="982894"/>
-          </a:xfrm>
-        </p:spPr>
-        <p:txBody>
-          <a:bodyPr/>
-          <a:lstStyle/>
-          <a:p>
-            <a:r>
-              <a:rPr lang="en-US" dirty="0" smtClean="0"/>
-              <a:t>Listing the Basics:</a:t>
-            </a:r>
-            <a:endParaRPr lang="en-US" dirty="0"/>
-          </a:p>
-        </p:txBody>
-      </p:sp>
-      <p:sp>
-        <p:nvSpPr>
-          <p:cNvPr id="3" name="Subtitle 2"/>
+        <p:spPr/>
+        <p:txBody>
+          <a:bodyPr/>
+          <a:lstStyle/>
+          <a:p>
+            <a:r>
+              <a:rPr lang="en-US" dirty="0" smtClean="0"/>
+              <a:t>Top 3 resources:</a:t>
+            </a:r>
+            <a:endParaRPr lang="en-US" dirty="0"/>
+          </a:p>
+        </p:txBody>
+      </p:sp>
+      <p:sp>
+        <p:nvSpPr>
+          <p:cNvPr id="5" name="Subtitle 4"/>
           <p:cNvSpPr>
             <a:spLocks noGrp="1"/>
           </p:cNvSpPr>
@@ -6122,140 +8874,45 @@
             <p:ph type="subTitle" idx="1"/>
           </p:nvPr>
         </p:nvSpPr>
-        <p:spPr>
-          <a:xfrm>
-            <a:off x="2219498" y="1263535"/>
-            <a:ext cx="7753004" cy="5412394"/>
-          </a:xfrm>
-        </p:spPr>
-        <p:txBody>
-          <a:bodyPr>
-            <a:normAutofit/>
-          </a:bodyPr>
-          <a:lstStyle/>
-          <a:p>
-            <a:pPr algn="l"/>
-            <a:r>
-              <a:rPr lang="en-US" sz="2800" b="1" dirty="0" smtClean="0"/>
-              <a:t>Know what these are, you will use them often:</a:t>
-            </a:r>
-          </a:p>
-          <a:p>
-            <a:pPr marL="342900" indent="-342900" algn="l">
-              <a:buFont typeface="Arial" panose="020B0604020202020204" pitchFamily="34" charset="0"/>
-              <a:buChar char="•"/>
-            </a:pPr>
-            <a:r>
-              <a:rPr lang="en-US" dirty="0" smtClean="0"/>
-              <a:t>Selections (select, </a:t>
-            </a:r>
-            <a:r>
-              <a:rPr lang="en-US" dirty="0" err="1" smtClean="0"/>
-              <a:t>selectAll</a:t>
-            </a:r>
-            <a:r>
-              <a:rPr lang="en-US" dirty="0" smtClean="0"/>
-              <a:t> and how they work)</a:t>
-            </a:r>
-          </a:p>
-          <a:p>
-            <a:pPr marL="342900" indent="-342900" algn="l">
-              <a:buFont typeface="Arial" panose="020B0604020202020204" pitchFamily="34" charset="0"/>
-              <a:buChar char="•"/>
-            </a:pPr>
-            <a:r>
-              <a:rPr lang="en-US" dirty="0" smtClean="0"/>
-              <a:t>SVG types (circle, </a:t>
-            </a:r>
-            <a:r>
-              <a:rPr lang="en-US" dirty="0" err="1" smtClean="0"/>
-              <a:t>rect</a:t>
-            </a:r>
-            <a:r>
-              <a:rPr lang="en-US" dirty="0" smtClean="0"/>
-              <a:t>, text, path)</a:t>
-            </a:r>
-          </a:p>
-          <a:p>
-            <a:pPr marL="342900" indent="-342900" algn="l">
-              <a:buFont typeface="Arial" panose="020B0604020202020204" pitchFamily="34" charset="0"/>
-              <a:buChar char="•"/>
-            </a:pPr>
-            <a:r>
-              <a:rPr lang="en-US" dirty="0" smtClean="0"/>
-              <a:t>Data Enter/Append</a:t>
-            </a:r>
-          </a:p>
-          <a:p>
-            <a:pPr marL="342900" indent="-342900" algn="l">
-              <a:buFont typeface="Arial" panose="020B0604020202020204" pitchFamily="34" charset="0"/>
-              <a:buChar char="•"/>
-            </a:pPr>
-            <a:r>
-              <a:rPr lang="en-US" dirty="0" smtClean="0"/>
-              <a:t>Data Exit/Remove</a:t>
-            </a:r>
-          </a:p>
-          <a:p>
-            <a:pPr marL="342900" indent="-342900" algn="l">
-              <a:buFont typeface="Arial" panose="020B0604020202020204" pitchFamily="34" charset="0"/>
-              <a:buChar char="•"/>
-            </a:pPr>
-            <a:r>
-              <a:rPr lang="en-US" dirty="0" smtClean="0"/>
-              <a:t>Chaining</a:t>
-            </a:r>
-          </a:p>
-          <a:p>
-            <a:pPr marL="342900" indent="-342900" algn="l">
-              <a:buFont typeface="Arial" panose="020B0604020202020204" pitchFamily="34" charset="0"/>
-              <a:buChar char="•"/>
-            </a:pPr>
-            <a:r>
-              <a:rPr lang="en-US" dirty="0" err="1" smtClean="0"/>
-              <a:t>Attributes+Transitions</a:t>
-            </a:r>
-            <a:endParaRPr lang="en-US" dirty="0" smtClean="0"/>
-          </a:p>
-          <a:p>
-            <a:pPr marL="342900" indent="-342900" algn="l">
-              <a:buFont typeface="Arial" panose="020B0604020202020204" pitchFamily="34" charset="0"/>
-              <a:buChar char="•"/>
-            </a:pPr>
-            <a:r>
-              <a:rPr lang="en-US" dirty="0" smtClean="0"/>
-              <a:t>Arrays: Min/Max/Range, Keys, Merge, Nest</a:t>
-            </a:r>
-          </a:p>
-          <a:p>
-            <a:pPr marL="342900" indent="-342900" algn="l">
-              <a:buFont typeface="Arial" panose="020B0604020202020204" pitchFamily="34" charset="0"/>
-              <a:buChar char="•"/>
-            </a:pPr>
-            <a:r>
-              <a:rPr lang="en-US" dirty="0" smtClean="0"/>
-              <a:t>Scales</a:t>
-            </a:r>
-          </a:p>
-          <a:p>
-            <a:pPr marL="342900" indent="-342900" algn="l">
-              <a:buFont typeface="Arial" panose="020B0604020202020204" pitchFamily="34" charset="0"/>
-              <a:buChar char="•"/>
-            </a:pPr>
-            <a:r>
-              <a:rPr lang="en-US" dirty="0" smtClean="0"/>
-              <a:t>Color</a:t>
-            </a:r>
-          </a:p>
-          <a:p>
-            <a:pPr marL="342900" indent="-342900" algn="l">
-              <a:buFont typeface="Arial" panose="020B0604020202020204" pitchFamily="34" charset="0"/>
-              <a:buChar char="•"/>
-            </a:pPr>
-            <a:r>
-              <a:rPr lang="en-US" dirty="0" smtClean="0"/>
-              <a:t>Axes</a:t>
-            </a:r>
+        <p:spPr/>
+        <p:txBody>
+          <a:bodyPr/>
+          <a:lstStyle/>
+          <a:p>
+            <a:r>
+              <a:rPr lang="en-US" dirty="0" smtClean="0"/>
+              <a:t>The d3 API documentation</a:t>
+            </a:r>
+          </a:p>
+          <a:p>
+            <a:r>
+              <a:rPr lang="en-US" dirty="0" smtClean="0"/>
+              <a:t>MDN web standards documentation</a:t>
+            </a:r>
+          </a:p>
+          <a:p>
+            <a:r>
+              <a:rPr lang="en-US" dirty="0"/>
+              <a:t>Googling </a:t>
+            </a:r>
+            <a:r>
+              <a:rPr lang="en-US" dirty="0" smtClean="0"/>
+              <a:t>things you want to make </a:t>
+            </a:r>
+            <a:r>
+              <a:rPr lang="en-US" dirty="0"/>
+              <a:t>(“d3 scatterplot </a:t>
+            </a:r>
+            <a:r>
+              <a:rPr lang="en-US" dirty="0" err="1"/>
+              <a:t>bl.ocks</a:t>
+            </a:r>
+            <a:r>
+              <a:rPr lang="en-US" dirty="0"/>
+              <a:t>”)</a:t>
+            </a:r>
+          </a:p>
+          <a:p>
             <a:endParaRPr lang="en-US" dirty="0"/>
           </a:p>
         </p:txBody>
@@ -6263,7 +8920,7 @@
     </p:spTree>
     <p:extLst>
       <p:ext uri="{BB962C8B-B14F-4D97-AF65-F5344CB8AC3E}">
-        <p14:creationId xmlns:p14="http://schemas.microsoft.com/office/powerpoint/2010/main" val="1452815126"/>
+        <p14:creationId xmlns:p14="http://schemas.microsoft.com/office/powerpoint/2010/main" val="3084310567"/>
       </p:ext>
     </p:extLst>
   </p:cSld>
@@ -6300,14 +8957,19 @@
             <p:ph type="ctrTitle"/>
           </p:nvPr>
         </p:nvSpPr>
-        <p:spPr/>
-        <p:txBody>
-          <a:bodyPr/>
-          <a:lstStyle/>
-          <a:p>
-            <a:r>
-              <a:rPr lang="en-US" dirty="0" smtClean="0"/>
-              <a:t>Design Basics for Charts</a:t>
+        <p:spPr>
+          <a:xfrm>
+            <a:off x="1524000" y="174567"/>
+            <a:ext cx="9144000" cy="982894"/>
+          </a:xfrm>
+        </p:spPr>
+        <p:txBody>
+          <a:bodyPr/>
+          <a:lstStyle/>
+          <a:p>
+            <a:r>
+              <a:rPr lang="en-US" dirty="0" smtClean="0"/>
+              <a:t>Listing the Basics:</a:t>
             </a:r>
             <a:endParaRPr lang="en-US" dirty="0"/>
           </a:p>
@@ -6323,32 +8985,139 @@
             <p:ph type="subTitle" idx="1"/>
           </p:nvPr>
         </p:nvSpPr>
-        <p:spPr/>
-        <p:txBody>
-          <a:bodyPr/>
-          <a:lstStyle/>
-          <a:p>
-            <a:r>
-              <a:rPr lang="en-US" sz="4000" dirty="0"/>
-              <a:t>http://</a:t>
-            </a:r>
-            <a:r>
-              <a:rPr lang="en-US" sz="4000" dirty="0" smtClean="0"/>
-              <a:t>bit.ly/1RfYZxm</a:t>
-            </a:r>
-          </a:p>
-          <a:p>
-            <a:r>
-              <a:rPr lang="en-US" dirty="0" smtClean="0"/>
-              <a:t>Worth mentioning: There are additional </a:t>
+        <p:spPr>
+          <a:xfrm>
+            <a:off x="2219498" y="1263535"/>
+            <a:ext cx="7753004" cy="5412394"/>
+          </a:xfrm>
+        </p:spPr>
+        <p:txBody>
+          <a:bodyPr>
+            <a:normAutofit/>
+          </a:bodyPr>
+          <a:lstStyle/>
+          <a:p>
+            <a:pPr algn="l"/>
+            <a:r>
+              <a:rPr lang="en-US" sz="2800" b="1" dirty="0" smtClean="0"/>
+              <a:t>Know what these are, you will use them often:</a:t>
+            </a:r>
+          </a:p>
+          <a:p>
+            <a:pPr marL="342900" indent="-342900" algn="l">
+              <a:buFont typeface="Arial" panose="020B0604020202020204" pitchFamily="34" charset="0"/>
+              <a:buChar char="•"/>
+            </a:pPr>
+            <a:r>
+              <a:rPr lang="en-US" dirty="0" smtClean="0"/>
+              <a:t>Selections (select, </a:t>
             </a:r>
             <a:r>
               <a:rPr lang="en-US" dirty="0" err="1" smtClean="0"/>
-              <a:t>slidedecks</a:t>
-            </a:r>
-            <a:r>
-              <a:rPr lang="en-US" dirty="0" smtClean="0"/>
-              <a:t> by the above authors on Maps, Pie Charts, and even Data Tables</a:t>
+              <a:t>selectAll</a:t>
+            </a:r>
+            <a:r>
+              <a:rPr lang="en-US" dirty="0" smtClean="0"/>
+              <a:t> and how they work)</a:t>
+            </a:r>
+          </a:p>
+          <a:p>
+            <a:pPr marL="342900" indent="-342900" algn="l">
+              <a:buFont typeface="Arial" panose="020B0604020202020204" pitchFamily="34" charset="0"/>
+              <a:buChar char="•"/>
+            </a:pPr>
+            <a:r>
+              <a:rPr lang="en-US" dirty="0" smtClean="0"/>
+              <a:t>SVG types (circle, </a:t>
+            </a:r>
+            <a:r>
+              <a:rPr lang="en-US" dirty="0" err="1" smtClean="0"/>
+              <a:t>rect</a:t>
+            </a:r>
+            <a:r>
+              <a:rPr lang="en-US" dirty="0" smtClean="0"/>
+              <a:t>, text, path)</a:t>
+            </a:r>
+          </a:p>
+          <a:p>
+            <a:pPr marL="342900" indent="-342900" algn="l">
+              <a:buFont typeface="Arial" panose="020B0604020202020204" pitchFamily="34" charset="0"/>
+              <a:buChar char="•"/>
+            </a:pPr>
+            <a:r>
+              <a:rPr lang="en-US" dirty="0" smtClean="0"/>
+              <a:t>Data Enter/Append</a:t>
+            </a:r>
+          </a:p>
+          <a:p>
+            <a:pPr marL="342900" indent="-342900" algn="l">
+              <a:buFont typeface="Arial" panose="020B0604020202020204" pitchFamily="34" charset="0"/>
+              <a:buChar char="•"/>
+            </a:pPr>
+            <a:r>
+              <a:rPr lang="en-US" dirty="0" smtClean="0"/>
+              <a:t>Data Exit/Remove</a:t>
+            </a:r>
+          </a:p>
+          <a:p>
+            <a:pPr marL="342900" indent="-342900" algn="l">
+              <a:buFont typeface="Arial" panose="020B0604020202020204" pitchFamily="34" charset="0"/>
+              <a:buChar char="•"/>
+            </a:pPr>
+            <a:r>
+              <a:rPr lang="en-US" dirty="0" smtClean="0"/>
+              <a:t>Chaining</a:t>
+            </a:r>
+          </a:p>
+          <a:p>
+            <a:pPr marL="342900" indent="-342900" algn="l">
+              <a:buFont typeface="Arial" panose="020B0604020202020204" pitchFamily="34" charset="0"/>
+              <a:buChar char="•"/>
+            </a:pPr>
+            <a:r>
+              <a:rPr lang="en-US" dirty="0" err="1" smtClean="0"/>
+              <a:t>Attributes+Transitions</a:t>
+            </a:r>
+            <a:endParaRPr lang="en-US" dirty="0" smtClean="0"/>
+          </a:p>
+          <a:p>
+            <a:pPr marL="342900" indent="-342900" algn="l">
+              <a:buFont typeface="Arial" panose="020B0604020202020204" pitchFamily="34" charset="0"/>
+              <a:buChar char="•"/>
+            </a:pPr>
+            <a:r>
+              <a:rPr lang="en-US" dirty="0" smtClean="0"/>
+              <a:t>Arrays: Min/Max/Range, Keys, Merge, Nest</a:t>
+            </a:r>
+          </a:p>
+          <a:p>
+            <a:pPr marL="342900" indent="-342900" algn="l">
+              <a:buFont typeface="Arial" panose="020B0604020202020204" pitchFamily="34" charset="0"/>
+              <a:buChar char="•"/>
+            </a:pPr>
+            <a:r>
+              <a:rPr lang="en-US" dirty="0" smtClean="0"/>
+              <a:t>Scales</a:t>
+            </a:r>
+          </a:p>
+          <a:p>
+            <a:pPr marL="342900" indent="-342900" algn="l">
+              <a:buFont typeface="Arial" panose="020B0604020202020204" pitchFamily="34" charset="0"/>
+              <a:buChar char="•"/>
+            </a:pPr>
+            <a:r>
+              <a:rPr lang="en-US" dirty="0" smtClean="0"/>
+              <a:t>Color</a:t>
+            </a:r>
+          </a:p>
+          <a:p>
+            <a:pPr marL="342900" indent="-342900" algn="l">
+              <a:buFont typeface="Arial" panose="020B0604020202020204" pitchFamily="34" charset="0"/>
+              <a:buChar char="•"/>
+            </a:pPr>
+            <a:r>
+              <a:rPr lang="en-US" dirty="0" smtClean="0"/>
+              <a:t>Axes</a:t>
             </a:r>
             <a:endParaRPr lang="en-US" dirty="0"/>
           </a:p>
@@ -6357,7 +9126,7 @@
     </p:spTree>
     <p:extLst>
       <p:ext uri="{BB962C8B-B14F-4D97-AF65-F5344CB8AC3E}">
-        <p14:creationId xmlns:p14="http://schemas.microsoft.com/office/powerpoint/2010/main" val="4186733631"/>
+        <p14:creationId xmlns:p14="http://schemas.microsoft.com/office/powerpoint/2010/main" val="1452815126"/>
       </p:ext>
     </p:extLst>
   </p:cSld>
@@ -6394,19 +9163,14 @@
             <p:ph type="ctrTitle"/>
           </p:nvPr>
         </p:nvSpPr>
-        <p:spPr>
-          <a:xfrm>
-            <a:off x="987829" y="108066"/>
-            <a:ext cx="10216342" cy="1273838"/>
-          </a:xfrm>
-        </p:spPr>
-        <p:txBody>
-          <a:bodyPr/>
-          <a:lstStyle/>
-          <a:p>
-            <a:r>
-              <a:rPr lang="en-US" dirty="0" smtClean="0"/>
-              <a:t>Advanced d3 Abilities</a:t>
+        <p:spPr/>
+        <p:txBody>
+          <a:bodyPr/>
+          <a:lstStyle/>
+          <a:p>
+            <a:r>
+              <a:rPr lang="en-US" dirty="0" smtClean="0"/>
+              <a:t>Design Basics for Charts</a:t>
             </a:r>
             <a:endParaRPr lang="en-US" dirty="0"/>
           </a:p>
@@ -6422,223 +9186,41 @@
             <p:ph type="subTitle" idx="1"/>
           </p:nvPr>
         </p:nvSpPr>
-        <p:spPr>
-          <a:xfrm>
-            <a:off x="201337" y="1975104"/>
-            <a:ext cx="6317673" cy="4160559"/>
-          </a:xfrm>
-        </p:spPr>
-        <p:txBody>
-          <a:bodyPr>
-            <a:normAutofit/>
-          </a:bodyPr>
-          <a:lstStyle/>
-          <a:p>
-            <a:pPr algn="l"/>
-            <a:r>
-              <a:rPr lang="en-US" b="1" dirty="0"/>
-              <a:t>Curve Interpolations: </a:t>
-            </a:r>
-            <a:r>
-              <a:rPr lang="en-US" dirty="0"/>
+        <p:spPr/>
+        <p:txBody>
+          <a:bodyPr/>
+          <a:lstStyle/>
+          <a:p>
+            <a:r>
+              <a:rPr lang="en-US" sz="4000" dirty="0"/>
               <a:t>http://</a:t>
             </a:r>
             <a:r>
-              <a:rPr lang="en-US" dirty="0" smtClean="0"/>
-              <a:t>bit.ly/2xR9VxX</a:t>
-            </a:r>
-            <a:endParaRPr lang="en-US" dirty="0"/>
-          </a:p>
-          <a:p>
-            <a:pPr algn="l"/>
-            <a:r>
-              <a:rPr lang="en-US" b="1" dirty="0" err="1" smtClean="0"/>
-              <a:t>Voronoi</a:t>
-            </a:r>
-            <a:r>
-              <a:rPr lang="en-US" b="1" dirty="0" smtClean="0"/>
-              <a:t>: </a:t>
-            </a:r>
-            <a:r>
-              <a:rPr lang="en-US" dirty="0"/>
-              <a:t>http://</a:t>
-            </a:r>
-            <a:r>
-              <a:rPr lang="en-US" dirty="0" smtClean="0"/>
-              <a:t>bit.ly/2gK35mi </a:t>
-            </a:r>
-          </a:p>
-          <a:p>
-            <a:pPr algn="l"/>
-            <a:r>
-              <a:rPr lang="en-US" dirty="0"/>
-              <a:t>	https://</a:t>
-            </a:r>
-            <a:r>
-              <a:rPr lang="en-US" dirty="0" smtClean="0"/>
-              <a:t>bl.ocks.org/mbostock/4060366</a:t>
-            </a:r>
-          </a:p>
-          <a:p>
-            <a:pPr algn="l"/>
-            <a:r>
-              <a:rPr lang="en-US" b="1" dirty="0" smtClean="0"/>
-              <a:t>Zooming: </a:t>
-            </a:r>
-            <a:r>
-              <a:rPr lang="en-US" dirty="0"/>
-              <a:t>http://</a:t>
-            </a:r>
-            <a:r>
-              <a:rPr lang="en-US" dirty="0" smtClean="0"/>
-              <a:t>bit.ly/2f6WYsg</a:t>
-            </a:r>
-          </a:p>
-          <a:p>
-            <a:pPr algn="l"/>
-            <a:r>
-              <a:rPr lang="en-US" b="1" dirty="0" smtClean="0"/>
-              <a:t>Brushing/Zooming: </a:t>
-            </a:r>
-            <a:r>
-              <a:rPr lang="en-US" dirty="0"/>
-              <a:t>http://bit.ly/2lTjfef</a:t>
-            </a:r>
-            <a:endParaRPr lang="en-US" dirty="0" smtClean="0"/>
-          </a:p>
-          <a:p>
-            <a:pPr algn="l"/>
-            <a:r>
-              <a:rPr lang="en-US" b="1" dirty="0" smtClean="0"/>
-              <a:t>Stacking:</a:t>
-            </a:r>
-            <a:r>
-              <a:rPr lang="en-US" dirty="0"/>
-              <a:t> http://</a:t>
-            </a:r>
-            <a:r>
-              <a:rPr lang="en-US" dirty="0" smtClean="0"/>
-              <a:t>bl.ocks.org/mbostock/582915</a:t>
-            </a:r>
-          </a:p>
-          <a:p>
-            <a:pPr algn="l"/>
-            <a:r>
-              <a:rPr lang="en-US" b="1" dirty="0" smtClean="0"/>
-              <a:t>Collision Constraint: </a:t>
-            </a:r>
-            <a:r>
-              <a:rPr lang="en-US" dirty="0"/>
-              <a:t>http://</a:t>
-            </a:r>
-            <a:r>
-              <a:rPr lang="en-US" dirty="0" smtClean="0"/>
-              <a:t>bit.ly/2vOPk05</a:t>
-            </a:r>
-          </a:p>
-          <a:p>
-            <a:pPr algn="l"/>
-            <a:r>
-              <a:rPr lang="en-US" b="1" dirty="0" smtClean="0"/>
-              <a:t>Dragging: </a:t>
-            </a:r>
-            <a:r>
-              <a:rPr lang="en-US" dirty="0"/>
-              <a:t>http://</a:t>
-            </a:r>
-            <a:r>
-              <a:rPr lang="en-US" dirty="0" smtClean="0"/>
-              <a:t>bit.ly/2j6x5gH</a:t>
-            </a:r>
-          </a:p>
-          <a:p>
-            <a:pPr algn="l"/>
-            <a:r>
-              <a:rPr lang="en-US" b="1" dirty="0" smtClean="0"/>
-              <a:t>“Each”: </a:t>
-            </a:r>
-            <a:r>
-              <a:rPr lang="en-US" dirty="0"/>
-              <a:t>https://</a:t>
-            </a:r>
-            <a:r>
-              <a:rPr lang="en-US" dirty="0" smtClean="0"/>
-              <a:t>bl.ocks.org/mbostock/9490313</a:t>
-            </a:r>
-          </a:p>
-          <a:p>
-            <a:pPr algn="l"/>
-            <a:endParaRPr lang="en-US" dirty="0"/>
-          </a:p>
-        </p:txBody>
-      </p:sp>
-      <p:sp>
-        <p:nvSpPr>
-          <p:cNvPr id="4" name="Rectangle 3"/>
-          <p:cNvSpPr/>
-          <p:nvPr/>
-        </p:nvSpPr>
-        <p:spPr>
-          <a:xfrm>
-            <a:off x="6519010" y="3085888"/>
-            <a:ext cx="6096000" cy="1938992"/>
-          </a:xfrm>
-          <a:prstGeom prst="rect">
-            <a:avLst/>
-          </a:prstGeom>
-        </p:spPr>
-        <p:txBody>
-          <a:bodyPr>
-            <a:spAutoFit/>
-          </a:bodyPr>
-          <a:lstStyle/>
-          <a:p>
-            <a:r>
-              <a:rPr lang="en-US" sz="2400" b="1" dirty="0"/>
-              <a:t>Dispatching</a:t>
-            </a:r>
-            <a:r>
-              <a:rPr lang="en-US" sz="2400" dirty="0"/>
-              <a:t> (super advanced): https://</a:t>
-            </a:r>
-            <a:r>
-              <a:rPr lang="en-US" sz="2400" dirty="0" smtClean="0"/>
-              <a:t>bl.ocks.org/mbostock/5872848</a:t>
-            </a:r>
-          </a:p>
-          <a:p>
-            <a:endParaRPr lang="en-US" sz="2400" dirty="0"/>
-          </a:p>
-          <a:p>
-            <a:r>
-              <a:rPr lang="en-US" sz="2400" b="1" dirty="0"/>
-              <a:t>Modules/Plugins</a:t>
-            </a:r>
-            <a:r>
-              <a:rPr lang="en-US" sz="2400" dirty="0"/>
-              <a:t> (</a:t>
-            </a:r>
-            <a:r>
-              <a:rPr lang="en-US" sz="2400" i="1" dirty="0"/>
-              <a:t>most</a:t>
-            </a:r>
-            <a:r>
-              <a:rPr lang="en-US" sz="2400" dirty="0"/>
-              <a:t> advanced):</a:t>
-            </a:r>
-          </a:p>
-          <a:p>
-            <a:r>
-              <a:rPr lang="en-US" sz="2400" dirty="0"/>
-              <a:t>https://bost.ocks.org/mike/d3-plugin/</a:t>
-            </a:r>
+              <a:rPr lang="en-US" sz="4000" dirty="0" smtClean="0"/>
+              <a:t>bit.ly/1RfYZxm</a:t>
+            </a:r>
+          </a:p>
+          <a:p>
+            <a:r>
+              <a:rPr lang="en-US" dirty="0" smtClean="0"/>
+              <a:t>Worth mentioning: There are additional </a:t>
+            </a:r>
+            <a:r>
+              <a:rPr lang="en-US" dirty="0" err="1" smtClean="0"/>
+              <a:t>slidedecks</a:t>
+            </a:r>
+            <a:r>
+              <a:rPr lang="en-US" dirty="0" smtClean="0"/>
+              <a:t> by the above authors on Maps, Pie Charts, and even Data Tables</a:t>
+            </a:r>
+            <a:endParaRPr lang="en-US" dirty="0"/>
           </a:p>
         </p:txBody>
       </p:sp>
     </p:spTree>
     <p:extLst>
       <p:ext uri="{BB962C8B-B14F-4D97-AF65-F5344CB8AC3E}">
-        <p14:creationId xmlns:p14="http://schemas.microsoft.com/office/powerpoint/2010/main" val="3499195240"/>
+        <p14:creationId xmlns:p14="http://schemas.microsoft.com/office/powerpoint/2010/main" val="4186733631"/>
       </p:ext>
     </p:extLst>
   </p:cSld>
@@ -6675,14 +9257,19 @@
             <p:ph type="ctrTitle"/>
           </p:nvPr>
         </p:nvSpPr>
-        <p:spPr/>
-        <p:txBody>
-          <a:bodyPr/>
-          <a:lstStyle/>
-          <a:p>
-            <a:r>
-              <a:rPr lang="en-US" dirty="0" smtClean="0"/>
-              <a:t>SVG Documentation</a:t>
+        <p:spPr>
+          <a:xfrm>
+            <a:off x="987829" y="108066"/>
+            <a:ext cx="10216342" cy="1273838"/>
+          </a:xfrm>
+        </p:spPr>
+        <p:txBody>
+          <a:bodyPr/>
+          <a:lstStyle/>
+          <a:p>
+            <a:r>
+              <a:rPr lang="en-US" dirty="0" smtClean="0"/>
+              <a:t>Advanced d3 Abilities</a:t>
             </a:r>
             <a:endParaRPr lang="en-US" dirty="0"/>
           </a:p>
@@ -6698,33 +9285,223 @@
             <p:ph type="subTitle" idx="1"/>
           </p:nvPr>
         </p:nvSpPr>
-        <p:spPr/>
-        <p:txBody>
-          <a:bodyPr/>
-          <a:lstStyle/>
-          <a:p>
-            <a:r>
-              <a:rPr lang="en-US" sz="4000" dirty="0"/>
+        <p:spPr>
+          <a:xfrm>
+            <a:off x="201337" y="1975104"/>
+            <a:ext cx="6317673" cy="4160559"/>
+          </a:xfrm>
+        </p:spPr>
+        <p:txBody>
+          <a:bodyPr>
+            <a:normAutofit/>
+          </a:bodyPr>
+          <a:lstStyle/>
+          <a:p>
+            <a:pPr algn="l"/>
+            <a:r>
+              <a:rPr lang="en-US" b="1" dirty="0"/>
+              <a:t>Curve Interpolations: </a:t>
+            </a:r>
+            <a:r>
+              <a:rPr lang="en-US" dirty="0"/>
+              <a:t>http://</a:t>
+            </a:r>
+            <a:r>
+              <a:rPr lang="en-US" dirty="0" smtClean="0"/>
+              <a:t>bit.ly/2xR9VxX</a:t>
+            </a:r>
+            <a:endParaRPr lang="en-US" dirty="0"/>
+          </a:p>
+          <a:p>
+            <a:pPr algn="l"/>
+            <a:r>
+              <a:rPr lang="en-US" b="1" dirty="0" err="1" smtClean="0"/>
+              <a:t>Voronoi</a:t>
+            </a:r>
+            <a:r>
+              <a:rPr lang="en-US" b="1" dirty="0" smtClean="0"/>
+              <a:t>: </a:t>
+            </a:r>
+            <a:r>
+              <a:rPr lang="en-US" dirty="0"/>
+              <a:t>http://</a:t>
+            </a:r>
+            <a:r>
+              <a:rPr lang="en-US" dirty="0" smtClean="0"/>
+              <a:t>bit.ly/2gK35mi </a:t>
+            </a:r>
+          </a:p>
+          <a:p>
+            <a:pPr algn="l"/>
+            <a:r>
+              <a:rPr lang="en-US" dirty="0"/>
+              <a:t>	https://</a:t>
+            </a:r>
+            <a:r>
+              <a:rPr lang="en-US" dirty="0" smtClean="0"/>
+              <a:t>bl.ocks.org/mbostock/4060366</a:t>
+            </a:r>
+          </a:p>
+          <a:p>
+            <a:pPr algn="l"/>
+            <a:r>
+              <a:rPr lang="en-US" b="1" dirty="0" smtClean="0"/>
+              <a:t>Zooming: </a:t>
+            </a:r>
+            <a:r>
+              <a:rPr lang="en-US" dirty="0"/>
+              <a:t>http://</a:t>
+            </a:r>
+            <a:r>
+              <a:rPr lang="en-US" dirty="0" smtClean="0"/>
+              <a:t>bit.ly/2f6WYsg</a:t>
+            </a:r>
+          </a:p>
+          <a:p>
+            <a:pPr algn="l"/>
+            <a:r>
+              <a:rPr lang="en-US" b="1" dirty="0" smtClean="0"/>
+              <a:t>Brushing/Zooming: </a:t>
+            </a:r>
+            <a:r>
+              <a:rPr lang="en-US" dirty="0"/>
+              <a:t>http://bit.ly/2lTjfef</a:t>
+            </a:r>
+            <a:endParaRPr lang="en-US" dirty="0" smtClean="0"/>
+          </a:p>
+          <a:p>
+            <a:pPr algn="l"/>
+            <a:r>
+              <a:rPr lang="en-US" b="1" dirty="0" smtClean="0"/>
+              <a:t>Stacking:</a:t>
+            </a:r>
+            <a:r>
+              <a:rPr lang="en-US" dirty="0"/>
+              <a:t> http://</a:t>
+            </a:r>
+            <a:r>
+              <a:rPr lang="en-US" dirty="0" smtClean="0"/>
+              <a:t>bl.ocks.org/mbostock/582915</a:t>
+            </a:r>
+          </a:p>
+          <a:p>
+            <a:pPr algn="l"/>
+            <a:r>
+              <a:rPr lang="en-US" b="1" dirty="0" smtClean="0"/>
+              <a:t>Collision Constraint: </a:t>
+            </a:r>
+            <a:r>
+              <a:rPr lang="en-US" dirty="0"/>
+              <a:t>http://</a:t>
+            </a:r>
+            <a:r>
+              <a:rPr lang="en-US" dirty="0" smtClean="0"/>
+              <a:t>bit.ly/2vOPk05</a:t>
+            </a:r>
+          </a:p>
+          <a:p>
+            <a:pPr algn="l"/>
+            <a:r>
+              <a:rPr lang="en-US" b="1" dirty="0" smtClean="0"/>
+              <a:t>Dragging: </a:t>
+            </a:r>
+            <a:r>
+              <a:rPr lang="en-US" dirty="0"/>
+              <a:t>http://</a:t>
+            </a:r>
+            <a:r>
+              <a:rPr lang="en-US" dirty="0" smtClean="0"/>
+              <a:t>bit.ly/2j6x5gH</a:t>
+            </a:r>
+          </a:p>
+          <a:p>
+            <a:pPr algn="l"/>
+            <a:r>
+              <a:rPr lang="en-US" b="1" dirty="0" smtClean="0"/>
+              <a:t>“Each”: </a:t>
+            </a:r>
+            <a:r>
+              <a:rPr lang="en-US" dirty="0"/>
               <a:t>https://</a:t>
             </a:r>
             <a:r>
-              <a:rPr lang="en-US" sz="4000" dirty="0" smtClean="0"/>
-              <a:t>mzl.la/1nP24aN</a:t>
-            </a:r>
-          </a:p>
-          <a:p>
-            <a:r>
-              <a:rPr lang="en-US" dirty="0" smtClean="0"/>
-              <a:t>Check it: this is good to be familiar with, as is all of MDN</a:t>
-            </a:r>
-            <a:endParaRPr lang="en-US" dirty="0"/>
+              <a:rPr lang="en-US" dirty="0" smtClean="0"/>
+              <a:t>bl.ocks.org/mbostock/9490313</a:t>
+            </a:r>
+          </a:p>
+          <a:p>
+            <a:pPr algn="l"/>
+            <a:endParaRPr lang="en-US" dirty="0"/>
+          </a:p>
+        </p:txBody>
+      </p:sp>
+      <p:sp>
+        <p:nvSpPr>
+          <p:cNvPr id="4" name="Rectangle 3"/>
+          <p:cNvSpPr/>
+          <p:nvPr/>
+        </p:nvSpPr>
+        <p:spPr>
+          <a:xfrm>
+            <a:off x="6519010" y="3085888"/>
+            <a:ext cx="6096000" cy="1938992"/>
+          </a:xfrm>
+          <a:prstGeom prst="rect">
+            <a:avLst/>
+          </a:prstGeom>
+        </p:spPr>
+        <p:txBody>
+          <a:bodyPr>
+            <a:spAutoFit/>
+          </a:bodyPr>
+          <a:lstStyle/>
+          <a:p>
+            <a:r>
+              <a:rPr lang="en-US" sz="2400" b="1" dirty="0"/>
+              <a:t>Dispatching</a:t>
+            </a:r>
+            <a:r>
+              <a:rPr lang="en-US" sz="2400" dirty="0"/>
+              <a:t> (super advanced): https://</a:t>
+            </a:r>
+            <a:r>
+              <a:rPr lang="en-US" sz="2400" dirty="0" smtClean="0"/>
+              <a:t>bl.ocks.org/mbostock/5872848</a:t>
+            </a:r>
+          </a:p>
+          <a:p>
+            <a:endParaRPr lang="en-US" sz="2400" dirty="0"/>
+          </a:p>
+          <a:p>
+            <a:r>
+              <a:rPr lang="en-US" sz="2400" b="1" dirty="0"/>
+              <a:t>Modules/Plugins</a:t>
+            </a:r>
+            <a:r>
+              <a:rPr lang="en-US" sz="2400" dirty="0"/>
+              <a:t> (</a:t>
+            </a:r>
+            <a:r>
+              <a:rPr lang="en-US" sz="2400" i="1" dirty="0"/>
+              <a:t>most</a:t>
+            </a:r>
+            <a:r>
+              <a:rPr lang="en-US" sz="2400" dirty="0"/>
+              <a:t> advanced):</a:t>
+            </a:r>
+          </a:p>
+          <a:p>
+            <a:r>
+              <a:rPr lang="en-US" sz="2400" dirty="0"/>
+              <a:t>https://bost.ocks.org/mike/d3-plugin/</a:t>
+            </a:r>
           </a:p>
         </p:txBody>
       </p:sp>
     </p:spTree>
     <p:extLst>
       <p:ext uri="{BB962C8B-B14F-4D97-AF65-F5344CB8AC3E}">
-        <p14:creationId xmlns:p14="http://schemas.microsoft.com/office/powerpoint/2010/main" val="3991108098"/>
+        <p14:creationId xmlns:p14="http://schemas.microsoft.com/office/powerpoint/2010/main" val="3499195240"/>
       </p:ext>
     </p:extLst>
   </p:cSld>
@@ -6768,7 +9545,7 @@
           <a:p>
             <a:r>
               <a:rPr lang="en-US" dirty="0" smtClean="0"/>
-              <a:t>SVG Level 2</a:t>
+              <a:t>SVG Documentation</a:t>
             </a:r>
             <a:endParaRPr lang="en-US" dirty="0"/>
           </a:p>
@@ -6791,25 +9568,17 @@
           <a:p>
             <a:r>
               <a:rPr lang="en-US" sz="4000" dirty="0"/>
-              <a:t>http://</a:t>
+              <a:t>https://</a:t>
             </a:r>
             <a:r>
               <a:rPr lang="en-US" sz="4000" dirty="0" smtClean="0"/>
-              <a:t>bit.ly/2xdgJsI</a:t>
-            </a:r>
-          </a:p>
-          <a:p>
-            <a:r>
-              <a:rPr lang="en-US" dirty="0" smtClean="0"/>
-              <a:t>Plug: </a:t>
-            </a:r>
-            <a:r>
-              <a:rPr lang="en-US" dirty="0" err="1" smtClean="0"/>
-              <a:t>VisualCinnamon</a:t>
-            </a:r>
-            <a:r>
-              <a:rPr lang="en-US" dirty="0" smtClean="0"/>
-              <a:t> is extraordinary. Their work on SVG in particular is the best I have found to date.</a:t>
+              <a:t>mzl.la/1nP24aN</a:t>
+            </a:r>
+          </a:p>
+          <a:p>
+            <a:r>
+              <a:rPr lang="en-US" dirty="0" smtClean="0"/>
+              <a:t>Check it: this is good to be familiar with, as is all of MDN</a:t>
             </a:r>
             <a:endParaRPr lang="en-US" dirty="0"/>
           </a:p>
@@ -6818,7 +9587,7 @@
     </p:spTree>
     <p:extLst>
       <p:ext uri="{BB962C8B-B14F-4D97-AF65-F5344CB8AC3E}">
-        <p14:creationId xmlns:p14="http://schemas.microsoft.com/office/powerpoint/2010/main" val="3830241924"/>
+        <p14:creationId xmlns:p14="http://schemas.microsoft.com/office/powerpoint/2010/main" val="3991108098"/>
       </p:ext>
     </p:extLst>
   </p:cSld>
@@ -6862,7 +9631,7 @@
           <a:p>
             <a:r>
               <a:rPr lang="en-US" dirty="0" smtClean="0"/>
-              <a:t>Maps in D3</a:t>
+              <a:t>SVG Level 2</a:t>
             </a:r>
             <a:endParaRPr lang="en-US" dirty="0"/>
           </a:p>
@@ -6878,57 +9647,41 @@
             <p:ph type="subTitle" idx="1"/>
           </p:nvPr>
         </p:nvSpPr>
-        <p:spPr>
-          <a:xfrm>
-            <a:off x="1524000" y="3602037"/>
-            <a:ext cx="9144000" cy="2083868"/>
-          </a:xfrm>
-        </p:spPr>
-        <p:txBody>
-          <a:bodyPr>
-            <a:normAutofit lnSpcReduction="10000"/>
-          </a:bodyPr>
+        <p:spPr/>
+        <p:txBody>
+          <a:bodyPr/>
           <a:lstStyle/>
           <a:p>
             <a:r>
               <a:rPr lang="en-US" sz="4000" dirty="0"/>
-              <a:t>http://bit.ly/2f7o4Q5</a:t>
-            </a:r>
-            <a:endParaRPr lang="en-US" sz="6000" dirty="0" smtClean="0"/>
-          </a:p>
-          <a:p>
+              <a:t>http://</a:t>
+            </a:r>
             <a:r>
               <a:rPr lang="en-US" sz="4000" dirty="0" smtClean="0"/>
-              <a:t>http</a:t>
-            </a:r>
-            <a:r>
-              <a:rPr lang="en-US" sz="4000" dirty="0"/>
-              <a:t>://</a:t>
-            </a:r>
-            <a:r>
-              <a:rPr lang="en-US" sz="4000" dirty="0" smtClean="0"/>
-              <a:t>oreil.ly/1UnNtFe</a:t>
-            </a:r>
-          </a:p>
-          <a:p>
-            <a:r>
-              <a:rPr lang="en-US" dirty="0" smtClean="0"/>
-              <a:t>Warning: This is advanced level!</a:t>
-            </a:r>
-          </a:p>
-          <a:p>
-            <a:r>
-              <a:rPr lang="en-US" sz="2000" dirty="0" smtClean="0"/>
-              <a:t>Also: The d3 library contains geo maps of many kinds already.</a:t>
-            </a:r>
-            <a:endParaRPr lang="en-US" sz="2000" dirty="0"/>
+              <a:t>bit.ly/2xdgJsI</a:t>
+            </a:r>
+          </a:p>
+          <a:p>
+            <a:r>
+              <a:rPr lang="en-US" dirty="0" smtClean="0"/>
+              <a:t>Plug: </a:t>
+            </a:r>
+            <a:r>
+              <a:rPr lang="en-US" dirty="0" err="1" smtClean="0"/>
+              <a:t>VisualCinnamon</a:t>
+            </a:r>
+            <a:r>
+              <a:rPr lang="en-US" dirty="0" smtClean="0"/>
+              <a:t> is extraordinary. Their work on SVG in particular is the best I have found to date.</a:t>
+            </a:r>
+            <a:endParaRPr lang="en-US" dirty="0"/>
           </a:p>
         </p:txBody>
       </p:sp>
     </p:spTree>
     <p:extLst>
       <p:ext uri="{BB962C8B-B14F-4D97-AF65-F5344CB8AC3E}">
-        <p14:creationId xmlns:p14="http://schemas.microsoft.com/office/powerpoint/2010/main" val="1384479126"/>
+        <p14:creationId xmlns:p14="http://schemas.microsoft.com/office/powerpoint/2010/main" val="3830241924"/>
       </p:ext>
     </p:extLst>
   </p:cSld>
@@ -6972,7 +9725,7 @@
           <a:p>
             <a:r>
               <a:rPr lang="en-US" dirty="0" smtClean="0"/>
-              <a:t>D3’s Extensive Library:</a:t>
+              <a:t>Maps in D3</a:t>
             </a:r>
             <a:endParaRPr lang="en-US" dirty="0"/>
           </a:p>
@@ -6990,62 +9743,55 @@
         </p:nvSpPr>
         <p:spPr>
           <a:xfrm>
-            <a:off x="713509" y="3509963"/>
-            <a:ext cx="10764982" cy="3056457"/>
+            <a:off x="1524000" y="3602037"/>
+            <a:ext cx="9144000" cy="2083868"/>
           </a:xfrm>
         </p:spPr>
         <p:txBody>
           <a:bodyPr>
-            <a:normAutofit/>
+            <a:normAutofit lnSpcReduction="10000"/>
           </a:bodyPr>
           <a:lstStyle/>
           <a:p>
-            <a:pPr algn="l"/>
             <a:r>
               <a:rPr lang="en-US" sz="4000" dirty="0"/>
-              <a:t>https://github.com/d3/d3/blob/master/API.md</a:t>
-            </a:r>
-          </a:p>
-          <a:p>
-            <a:pPr algn="l"/>
-            <a:endParaRPr lang="en-US" dirty="0" smtClean="0"/>
-          </a:p>
-          <a:p>
-            <a:pPr algn="l"/>
-            <a:r>
-              <a:rPr lang="en-US" dirty="0" smtClean="0"/>
-              <a:t>Statistics</a:t>
-            </a:r>
-            <a:r>
-              <a:rPr lang="en-US" dirty="0"/>
-              <a:t>, histograms (4 kinds), ES6’s Map/Set, Nesting, Data Ingestion (CSV, TSV, </a:t>
-            </a:r>
-            <a:r>
-              <a:rPr lang="en-US" dirty="0" err="1"/>
-              <a:t>etc</a:t>
-            </a:r>
-            <a:r>
-              <a:rPr lang="en-US" dirty="0"/>
-              <a:t>), many </a:t>
-            </a:r>
-            <a:r>
-              <a:rPr lang="en-US" dirty="0" smtClean="0"/>
-              <a:t>animation/easing/time </a:t>
-            </a:r>
-            <a:r>
-              <a:rPr lang="en-US" dirty="0"/>
-              <a:t>options, force/physics, geography and projections, spherical maps/math, and that is just the first 25% of it: </a:t>
-            </a:r>
-          </a:p>
-          <a:p>
-            <a:endParaRPr lang="en-US" dirty="0"/>
+              <a:t>http://bit.ly/2f7o4Q5</a:t>
+            </a:r>
+            <a:endParaRPr lang="en-US" sz="6000" dirty="0" smtClean="0"/>
+          </a:p>
+          <a:p>
+            <a:r>
+              <a:rPr lang="en-US" sz="4000" dirty="0" smtClean="0"/>
+              <a:t>http</a:t>
+            </a:r>
+            <a:r>
+              <a:rPr lang="en-US" sz="4000" dirty="0"/>
+              <a:t>://</a:t>
+            </a:r>
+            <a:r>
+              <a:rPr lang="en-US" sz="4000" dirty="0" smtClean="0"/>
+              <a:t>oreil.ly/1UnNtFe</a:t>
+            </a:r>
+          </a:p>
+          <a:p>
+            <a:r>
+              <a:rPr lang="en-US" dirty="0" smtClean="0"/>
+              <a:t>Warning: This is advanced level!</a:t>
+            </a:r>
+          </a:p>
+          <a:p>
+            <a:r>
+              <a:rPr lang="en-US" sz="2000" dirty="0" smtClean="0"/>
+              <a:t>Also: The d3 library contains geo maps of many kinds already.</a:t>
+            </a:r>
+            <a:endParaRPr lang="en-US" sz="2000" dirty="0"/>
           </a:p>
         </p:txBody>
       </p:sp>
     </p:spTree>
     <p:extLst>
       <p:ext uri="{BB962C8B-B14F-4D97-AF65-F5344CB8AC3E}">
-        <p14:creationId xmlns:p14="http://schemas.microsoft.com/office/powerpoint/2010/main" val="1065099257"/>
+        <p14:creationId xmlns:p14="http://schemas.microsoft.com/office/powerpoint/2010/main" val="1384479126"/>
       </p:ext>
     </p:extLst>
   </p:cSld>
@@ -7089,6 +9835,123 @@
           <a:p>
             <a:r>
               <a:rPr lang="en-US" dirty="0" smtClean="0"/>
+              <a:t>D3’s Extensive Library:</a:t>
+            </a:r>
+            <a:endParaRPr lang="en-US" dirty="0"/>
+          </a:p>
+        </p:txBody>
+      </p:sp>
+      <p:sp>
+        <p:nvSpPr>
+          <p:cNvPr id="3" name="Subtitle 2"/>
+          <p:cNvSpPr>
+            <a:spLocks noGrp="1"/>
+          </p:cNvSpPr>
+          <p:nvPr>
+            <p:ph type="subTitle" idx="1"/>
+          </p:nvPr>
+        </p:nvSpPr>
+        <p:spPr>
+          <a:xfrm>
+            <a:off x="713509" y="3509963"/>
+            <a:ext cx="10764982" cy="3056457"/>
+          </a:xfrm>
+        </p:spPr>
+        <p:txBody>
+          <a:bodyPr>
+            <a:normAutofit/>
+          </a:bodyPr>
+          <a:lstStyle/>
+          <a:p>
+            <a:pPr algn="l"/>
+            <a:r>
+              <a:rPr lang="en-US" sz="4000" dirty="0"/>
+              <a:t>https://github.com/d3/d3/blob/master/API.md</a:t>
+            </a:r>
+          </a:p>
+          <a:p>
+            <a:pPr algn="l"/>
+            <a:endParaRPr lang="en-US" dirty="0" smtClean="0"/>
+          </a:p>
+          <a:p>
+            <a:pPr algn="l"/>
+            <a:r>
+              <a:rPr lang="en-US" dirty="0" smtClean="0"/>
+              <a:t>Statistics</a:t>
+            </a:r>
+            <a:r>
+              <a:rPr lang="en-US" dirty="0"/>
+              <a:t>, histograms (4 kinds), ES6’s Map/Set, Nesting, Data Ingestion (CSV, TSV, </a:t>
+            </a:r>
+            <a:r>
+              <a:rPr lang="en-US" dirty="0" err="1"/>
+              <a:t>etc</a:t>
+            </a:r>
+            <a:r>
+              <a:rPr lang="en-US" dirty="0"/>
+              <a:t>), many </a:t>
+            </a:r>
+            <a:r>
+              <a:rPr lang="en-US" dirty="0" smtClean="0"/>
+              <a:t>animation/easing/time </a:t>
+            </a:r>
+            <a:r>
+              <a:rPr lang="en-US" dirty="0"/>
+              <a:t>options, force/physics, geography and projections, spherical maps/math, and that is just the first 25% of it: </a:t>
+            </a:r>
+          </a:p>
+          <a:p>
+            <a:endParaRPr lang="en-US" dirty="0"/>
+          </a:p>
+        </p:txBody>
+      </p:sp>
+    </p:spTree>
+    <p:extLst>
+      <p:ext uri="{BB962C8B-B14F-4D97-AF65-F5344CB8AC3E}">
+        <p14:creationId xmlns:p14="http://schemas.microsoft.com/office/powerpoint/2010/main" val="1065099257"/>
+      </p:ext>
+    </p:extLst>
+  </p:cSld>
+  <p:clrMapOvr>
+    <a:masterClrMapping/>
+  </p:clrMapOvr>
+</p:sld>
+</file>
+
+<file path=ppt/slides/slide38.xml><?xml version="1.0" encoding="utf-8"?>
+<p:sld xmlns:a="http://schemas.openxmlformats.org/drawingml/2006/main" xmlns:r="http://schemas.openxmlformats.org/officeDocument/2006/relationships" xmlns:p="http://schemas.openxmlformats.org/presentationml/2006/main">
+  <p:cSld>
+    <p:spTree>
+      <p:nvGrpSpPr>
+        <p:cNvPr id="1" name=""/>
+        <p:cNvGrpSpPr/>
+        <p:nvPr/>
+      </p:nvGrpSpPr>
+      <p:grpSpPr>
+        <a:xfrm>
+          <a:off x="0" y="0"/>
+          <a:ext cx="0" cy="0"/>
+          <a:chOff x="0" y="0"/>
+          <a:chExt cx="0" cy="0"/>
+        </a:xfrm>
+      </p:grpSpPr>
+      <p:sp>
+        <p:nvSpPr>
+          <p:cNvPr id="2" name="Title 1"/>
+          <p:cNvSpPr>
+            <a:spLocks noGrp="1"/>
+          </p:cNvSpPr>
+          <p:nvPr>
+            <p:ph type="ctrTitle"/>
+          </p:nvPr>
+        </p:nvSpPr>
+        <p:spPr/>
+        <p:txBody>
+          <a:bodyPr/>
+          <a:lstStyle/>
+          <a:p>
+            <a:r>
+              <a:rPr lang="en-US" dirty="0" smtClean="0"/>
               <a:t>Canvas and D3</a:t>
             </a:r>
             <a:endParaRPr lang="en-US" dirty="0"/>
@@ -7148,7 +10011,7 @@
 </p:sld>
 </file>
 
-<file path=ppt/slides/slide38.xml><?xml version="1.0" encoding="utf-8"?>
+<file path=ppt/slides/slide39.xml><?xml version="1.0" encoding="utf-8"?>
 <p:sld xmlns:a="http://schemas.openxmlformats.org/drawingml/2006/main" xmlns:r="http://schemas.openxmlformats.org/officeDocument/2006/relationships" xmlns:p="http://schemas.openxmlformats.org/presentationml/2006/main">
   <p:cSld>
     <p:spTree>
@@ -7320,11 +10183,7 @@
           <a:p>
             <a:r>
               <a:rPr lang="en-US" dirty="0" smtClean="0"/>
-              <a:t>answer</a:t>
-            </a:r>
-            <a:r>
-              <a:rPr lang="en-US" dirty="0" smtClean="0"/>
-              <a:t>: the web + data = magic.</a:t>
+              <a:t>answer: the web + data = magic.</a:t>
             </a:r>
             <a:endParaRPr lang="en-US" dirty="0"/>
           </a:p>
@@ -7340,6 +10199,13 @@
   <p:clrMapOvr>
     <a:masterClrMapping/>
   </p:clrMapOvr>
+  <p:timing>
+    <p:tnLst>
+      <p:par>
+        <p:cTn id="1" dur="indefinite" restart="never" nodeType="tmRoot"/>
+      </p:par>
+    </p:tnLst>
+  </p:timing>
 </p:sld>
 </file>
 
@@ -7498,6 +10364,13 @@
   <p:clrMapOvr>
     <a:masterClrMapping/>
   </p:clrMapOvr>
+  <p:timing>
+    <p:tnLst>
+      <p:par>
+        <p:cTn id="1" dur="indefinite" restart="never" nodeType="tmRoot"/>
+      </p:par>
+    </p:tnLst>
+  </p:timing>
 </p:sld>
 </file>
 
@@ -7584,7 +10457,7 @@
           <p:nvPr/>
         </p:nvPicPr>
         <p:blipFill>
-          <a:blip r:embed="rId2"/>
+          <a:blip r:embed="rId3"/>
           <a:stretch>
             <a:fillRect/>
           </a:stretch>
@@ -7676,7 +10549,11 @@
           <a:p>
             <a:r>
               <a:rPr lang="en-US" dirty="0" smtClean="0"/>
-              <a:t>How do most people do it? Is store-bought even good though?</a:t>
+              <a:t>How do most people do it</a:t>
+            </a:r>
+            <a:r>
+              <a:rPr lang="en-US" dirty="0" smtClean="0"/>
+              <a:t>?</a:t>
             </a:r>
             <a:endParaRPr lang="en-US" dirty="0"/>
           </a:p>
@@ -7756,7 +10633,7 @@
           <p:nvPr/>
         </p:nvPicPr>
         <p:blipFill>
-          <a:blip r:embed="rId2">
+          <a:blip r:embed="rId3">
             <a:extLst>
               <a:ext uri="{28A0092B-C50C-407E-A947-70E740481C1C}">
                 <a14:useLocalDpi xmlns:a14="http://schemas.microsoft.com/office/drawing/2010/main" val="0"/>
@@ -7944,7 +10821,7 @@
           <p:nvPr/>
         </p:nvPicPr>
         <p:blipFill>
-          <a:blip r:embed="rId2">
+          <a:blip r:embed="rId3">
             <a:extLst>
               <a:ext uri="{28A0092B-C50C-407E-A947-70E740481C1C}">
                 <a14:useLocalDpi xmlns:a14="http://schemas.microsoft.com/office/drawing/2010/main" val="0"/>
@@ -8327,4 +11204,265 @@
     </a:ext>
   </a:extLst>
 </a:theme>
+</file>
+
+<file path=ppt/theme/theme2.xml><?xml version="1.0" encoding="utf-8"?>
+<a:theme xmlns:a="http://schemas.openxmlformats.org/drawingml/2006/main" name="Office Theme">
+  <a:themeElements>
+    <a:clrScheme name="Office">
+      <a:dk1>
+        <a:sysClr val="windowText" lastClr="000000"/>
+      </a:dk1>
+      <a:lt1>
+        <a:sysClr val="window" lastClr="FFFFFF"/>
+      </a:lt1>
+      <a:dk2>
+        <a:srgbClr val="44546A"/>
+      </a:dk2>
+      <a:lt2>
+        <a:srgbClr val="E7E6E6"/>
+      </a:lt2>
+      <a:accent1>
+        <a:srgbClr val="5B9BD5"/>
+      </a:accent1>
+      <a:accent2>
+        <a:srgbClr val="ED7D31"/>
+      </a:accent2>
+      <a:accent3>
+        <a:srgbClr val="A5A5A5"/>
+      </a:accent3>
+      <a:accent4>
+        <a:srgbClr val="FFC000"/>
+      </a:accent4>
+      <a:accent5>
+        <a:srgbClr val="4472C4"/>
+      </a:accent5>
+      <a:accent6>
+        <a:srgbClr val="70AD47"/>
+      </a:accent6>
+      <a:hlink>
+        <a:srgbClr val="0563C1"/>
+      </a:hlink>
+      <a:folHlink>
+        <a:srgbClr val="954F72"/>
+      </a:folHlink>
+    </a:clrScheme>
+    <a:fontScheme name="Office">
+      <a:majorFont>
+        <a:latin typeface="Calibri Light" panose="020F0302020204030204"/>
+        <a:ea typeface=""/>
+        <a:cs typeface=""/>
+        <a:font script="Jpan" typeface="游ゴシック Light"/>
+        <a:font script="Hang" typeface="맑은 고딕"/>
+        <a:font script="Hans" typeface="等线 Light"/>
+        <a:font script="Hant" typeface="新細明體"/>
+        <a:font script="Arab" typeface="Times New Roman"/>
+        <a:font script="Hebr" typeface="Times New Roman"/>
+        <a:font script="Thai" typeface="Angsana New"/>
+        <a:font script="Ethi" typeface="Nyala"/>
+        <a:font script="Beng" typeface="Vrinda"/>
+        <a:font script="Gujr" typeface="Shruti"/>
+        <a:font script="Khmr" typeface="MoolBoran"/>
+        <a:font script="Knda" typeface="Tunga"/>
+        <a:font script="Guru" typeface="Raavi"/>
+        <a:font script="Cans" typeface="Euphemia"/>
+        <a:font script="Cher" typeface="Plantagenet Cherokee"/>
+        <a:font script="Yiii" typeface="Microsoft Yi Baiti"/>
+        <a:font script="Tibt" typeface="Microsoft Himalaya"/>
+        <a:font script="Thaa" typeface="MV Boli"/>
+        <a:font script="Deva" typeface="Mangal"/>
+        <a:font script="Telu" typeface="Gautami"/>
+        <a:font script="Taml" typeface="Latha"/>
+        <a:font script="Syrc" typeface="Estrangelo Edessa"/>
+        <a:font script="Orya" typeface="Kalinga"/>
+        <a:font script="Mlym" typeface="Kartika"/>
+        <a:font script="Laoo" typeface="DokChampa"/>
+        <a:font script="Sinh" typeface="Iskoola Pota"/>
+        <a:font script="Mong" typeface="Mongolian Baiti"/>
+        <a:font script="Viet" typeface="Times New Roman"/>
+        <a:font script="Uigh" typeface="Microsoft Uighur"/>
+        <a:font script="Geor" typeface="Sylfaen"/>
+      </a:majorFont>
+      <a:minorFont>
+        <a:latin typeface="Calibri" panose="020F0502020204030204"/>
+        <a:ea typeface=""/>
+        <a:cs typeface=""/>
+        <a:font script="Jpan" typeface="游ゴシック"/>
+        <a:font script="Hang" typeface="맑은 고딕"/>
+        <a:font script="Hans" typeface="等线"/>
+        <a:font script="Hant" typeface="新細明體"/>
+        <a:font script="Arab" typeface="Arial"/>
+        <a:font script="Hebr" typeface="Arial"/>
+        <a:font script="Thai" typeface="Cordia New"/>
+        <a:font script="Ethi" typeface="Nyala"/>
+        <a:font script="Beng" typeface="Vrinda"/>
+        <a:font script="Gujr" typeface="Shruti"/>
+        <a:font script="Khmr" typeface="DaunPenh"/>
+        <a:font script="Knda" typeface="Tunga"/>
+        <a:font script="Guru" typeface="Raavi"/>
+        <a:font script="Cans" typeface="Euphemia"/>
+        <a:font script="Cher" typeface="Plantagenet Cherokee"/>
+        <a:font script="Yiii" typeface="Microsoft Yi Baiti"/>
+        <a:font script="Tibt" typeface="Microsoft Himalaya"/>
+        <a:font script="Thaa" typeface="MV Boli"/>
+        <a:font script="Deva" typeface="Mangal"/>
+        <a:font script="Telu" typeface="Gautami"/>
+        <a:font script="Taml" typeface="Latha"/>
+        <a:font script="Syrc" typeface="Estrangelo Edessa"/>
+        <a:font script="Orya" typeface="Kalinga"/>
+        <a:font script="Mlym" typeface="Kartika"/>
+        <a:font script="Laoo" typeface="DokChampa"/>
+        <a:font script="Sinh" typeface="Iskoola Pota"/>
+        <a:font script="Mong" typeface="Mongolian Baiti"/>
+        <a:font script="Viet" typeface="Arial"/>
+        <a:font script="Uigh" typeface="Microsoft Uighur"/>
+        <a:font script="Geor" typeface="Sylfaen"/>
+      </a:minorFont>
+    </a:fontScheme>
+    <a:fmtScheme name="Office">
+      <a:fillStyleLst>
+        <a:solidFill>
+          <a:schemeClr val="phClr"/>
+        </a:solidFill>
+        <a:gradFill rotWithShape="1">
+          <a:gsLst>
+            <a:gs pos="0">
+              <a:schemeClr val="phClr">
+                <a:lumMod val="110000"/>
+                <a:satMod val="105000"/>
+                <a:tint val="67000"/>
+              </a:schemeClr>
+            </a:gs>
+            <a:gs pos="50000">
+              <a:schemeClr val="phClr">
+                <a:lumMod val="105000"/>
+                <a:satMod val="103000"/>
+                <a:tint val="73000"/>
+              </a:schemeClr>
+            </a:gs>
+            <a:gs pos="100000">
+              <a:schemeClr val="phClr">
+                <a:lumMod val="105000"/>
+                <a:satMod val="109000"/>
+                <a:tint val="81000"/>
+              </a:schemeClr>
+            </a:gs>
+          </a:gsLst>
+          <a:lin ang="5400000" scaled="0"/>
+        </a:gradFill>
+        <a:gradFill rotWithShape="1">
+          <a:gsLst>
+            <a:gs pos="0">
+              <a:schemeClr val="phClr">
+                <a:satMod val="103000"/>
+                <a:lumMod val="102000"/>
+                <a:tint val="94000"/>
+              </a:schemeClr>
+            </a:gs>
+            <a:gs pos="50000">
+              <a:schemeClr val="phClr">
+                <a:satMod val="110000"/>
+                <a:lumMod val="100000"/>
+                <a:shade val="100000"/>
+              </a:schemeClr>
+            </a:gs>
+            <a:gs pos="100000">
+              <a:schemeClr val="phClr">
+                <a:lumMod val="99000"/>
+                <a:satMod val="120000"/>
+                <a:shade val="78000"/>
+              </a:schemeClr>
+            </a:gs>
+          </a:gsLst>
+          <a:lin ang="5400000" scaled="0"/>
+        </a:gradFill>
+      </a:fillStyleLst>
+      <a:lnStyleLst>
+        <a:ln w="6350" cap="flat" cmpd="sng" algn="ctr">
+          <a:solidFill>
+            <a:schemeClr val="phClr"/>
+          </a:solidFill>
+          <a:prstDash val="solid"/>
+          <a:miter lim="800000"/>
+        </a:ln>
+        <a:ln w="12700" cap="flat" cmpd="sng" algn="ctr">
+          <a:solidFill>
+            <a:schemeClr val="phClr"/>
+          </a:solidFill>
+          <a:prstDash val="solid"/>
+          <a:miter lim="800000"/>
+        </a:ln>
+        <a:ln w="19050" cap="flat" cmpd="sng" algn="ctr">
+          <a:solidFill>
+            <a:schemeClr val="phClr"/>
+          </a:solidFill>
+          <a:prstDash val="solid"/>
+          <a:miter lim="800000"/>
+        </a:ln>
+      </a:lnStyleLst>
+      <a:effectStyleLst>
+        <a:effectStyle>
+          <a:effectLst/>
+        </a:effectStyle>
+        <a:effectStyle>
+          <a:effectLst/>
+        </a:effectStyle>
+        <a:effectStyle>
+          <a:effectLst>
+            <a:outerShdw blurRad="57150" dist="19050" dir="5400000" algn="ctr" rotWithShape="0">
+              <a:srgbClr val="000000">
+                <a:alpha val="63000"/>
+              </a:srgbClr>
+            </a:outerShdw>
+          </a:effectLst>
+        </a:effectStyle>
+      </a:effectStyleLst>
+      <a:bgFillStyleLst>
+        <a:solidFill>
+          <a:schemeClr val="phClr"/>
+        </a:solidFill>
+        <a:solidFill>
+          <a:schemeClr val="phClr">
+            <a:tint val="95000"/>
+            <a:satMod val="170000"/>
+          </a:schemeClr>
+        </a:solidFill>
+        <a:gradFill rotWithShape="1">
+          <a:gsLst>
+            <a:gs pos="0">
+              <a:schemeClr val="phClr">
+                <a:tint val="93000"/>
+                <a:satMod val="150000"/>
+                <a:shade val="98000"/>
+                <a:lumMod val="102000"/>
+              </a:schemeClr>
+            </a:gs>
+            <a:gs pos="50000">
+              <a:schemeClr val="phClr">
+                <a:tint val="98000"/>
+                <a:satMod val="130000"/>
+                <a:shade val="90000"/>
+                <a:lumMod val="103000"/>
+              </a:schemeClr>
+            </a:gs>
+            <a:gs pos="100000">
+              <a:schemeClr val="phClr">
+                <a:shade val="63000"/>
+                <a:satMod val="120000"/>
+              </a:schemeClr>
+            </a:gs>
+          </a:gsLst>
+          <a:lin ang="5400000" scaled="0"/>
+        </a:gradFill>
+      </a:bgFillStyleLst>
+    </a:fmtScheme>
+  </a:themeElements>
+  <a:objectDefaults/>
+  <a:extraClrSchemeLst/>
+  <a:extLst>
+    <a:ext uri="{05A4C25C-085E-4340-85A3-A5531E510DB2}">
+      <thm15:themeFamily xmlns:thm15="http://schemas.microsoft.com/office/thememl/2012/main" name="Office Theme" id="{62F939B6-93AF-4DB8-9C6B-D6C7DFDC589F}" vid="{4A3C46E8-61CC-4603-A589-7422A47A8E4A}"/>
+    </a:ext>
+  </a:extLst>
+</a:theme>
 </file>
--- a/Introduction to D3.pptx
+++ b/Introduction to D3.pptx
@@ -1077,7 +1077,19 @@
           <a:p>
             <a:r>
               <a:rPr lang="en-US" dirty="0" smtClean="0"/>
-              <a:t>1 “Learn by doing”</a:t>
+              <a:t>1 “Learn by doing</a:t>
+            </a:r>
+            <a:r>
+              <a:rPr lang="en-US" dirty="0" smtClean="0"/>
+              <a:t>” IDEAL: 15:00</a:t>
+            </a:r>
+            <a:r>
+              <a:rPr lang="en-US" smtClean="0"/>
+              <a:t>, latest </a:t>
+            </a:r>
+            <a:r>
+              <a:rPr lang="en-US" dirty="0" smtClean="0"/>
+              <a:t>TARGET = 22:00</a:t>
             </a:r>
             <a:endParaRPr lang="en-US" dirty="0"/>
           </a:p>
@@ -1781,7 +1793,11 @@
           <a:p>
             <a:r>
               <a:rPr lang="en-US" dirty="0" smtClean="0"/>
-              <a:t>1</a:t>
+              <a:t>1 – TARGET = 54:00</a:t>
+            </a:r>
+            <a:r>
+              <a:rPr lang="en-US" baseline="0" dirty="0" smtClean="0"/>
+              <a:t>, else -1 min each slide</a:t>
             </a:r>
             <a:endParaRPr lang="en-US" dirty="0"/>
           </a:p>
@@ -2661,11 +2677,7 @@
           <a:p>
             <a:r>
               <a:rPr lang="en-US" dirty="0" smtClean="0"/>
-              <a:t>1 “</a:t>
-            </a:r>
-            <a:r>
-              <a:rPr lang="en-US" dirty="0" smtClean="0"/>
-              <a:t>Is store-bought even good though?”</a:t>
+              <a:t>1 “Is store-bought even good though?”</a:t>
             </a:r>
             <a:endParaRPr lang="en-US" dirty="0"/>
           </a:p>
@@ -6495,21 +6507,13 @@
           <a:p>
             <a:r>
               <a:rPr lang="en-US" dirty="0" smtClean="0"/>
-              <a:t>Eggs + water + </a:t>
-            </a:r>
-            <a:r>
-              <a:rPr lang="en-US" dirty="0" smtClean="0"/>
-              <a:t>their pre-mixed flour, </a:t>
-            </a:r>
-          </a:p>
-          <a:p>
-            <a:r>
-              <a:rPr lang="en-US" dirty="0" smtClean="0"/>
-              <a:t>Bake</a:t>
-            </a:r>
-            <a:r>
-              <a:rPr lang="en-US" dirty="0" smtClean="0"/>
-              <a:t>, </a:t>
+              <a:t>Eggs + water + their pre-mixed flour, </a:t>
+            </a:r>
+          </a:p>
+          <a:p>
+            <a:r>
+              <a:rPr lang="en-US" dirty="0" smtClean="0"/>
+              <a:t>Bake, </a:t>
             </a:r>
           </a:p>
           <a:p>
@@ -6524,11 +6528,7 @@
           <a:p>
             <a:r>
               <a:rPr lang="en-US" dirty="0" smtClean="0"/>
-              <a:t>In </a:t>
-            </a:r>
-            <a:r>
-              <a:rPr lang="en-US" dirty="0" smtClean="0"/>
-              <a:t>the end? Boring!</a:t>
+              <a:t>In the end? Boring!</a:t>
             </a:r>
           </a:p>
           <a:p>
@@ -6595,7 +6595,6 @@
               <a:rPr lang="en-US" dirty="0"/>
               <a:t>Cake “from scratch” is hard:</a:t>
             </a:r>
-            <a:endParaRPr lang="en-US" dirty="0"/>
           </a:p>
         </p:txBody>
       </p:sp>
@@ -6742,11 +6741,7 @@
           <a:p>
             <a:r>
               <a:rPr lang="en-US" dirty="0" smtClean="0"/>
-              <a:t>How do we talk about and use </a:t>
-            </a:r>
-            <a:r>
-              <a:rPr lang="en-US" dirty="0" smtClean="0"/>
-              <a:t>the core ingredients in any visualization?</a:t>
+              <a:t>How do we talk about and use the core ingredients in any visualization?</a:t>
             </a:r>
             <a:endParaRPr lang="en-US" dirty="0"/>
           </a:p>
@@ -6957,15 +6952,7 @@
           <a:p>
             <a:r>
               <a:rPr lang="en-US" dirty="0" smtClean="0"/>
-              <a:t>Ex #3: Build </a:t>
-            </a:r>
-            <a:r>
-              <a:rPr lang="en-US" dirty="0" smtClean="0"/>
-              <a:t>your </a:t>
-            </a:r>
-            <a:r>
-              <a:rPr lang="en-US" dirty="0" smtClean="0"/>
-              <a:t>environment</a:t>
+              <a:t>Ex #3: Build your environment</a:t>
             </a:r>
             <a:endParaRPr lang="en-US" dirty="0"/>
           </a:p>
@@ -7092,15 +7079,7 @@
           <a:p>
             <a:r>
               <a:rPr lang="en-US" dirty="0" smtClean="0"/>
-              <a:t>Ex #4: Look </a:t>
-            </a:r>
-            <a:r>
-              <a:rPr lang="en-US" dirty="0" smtClean="0"/>
-              <a:t>at our data, </a:t>
-            </a:r>
-            <a:r>
-              <a:rPr lang="en-US" dirty="0" smtClean="0"/>
-              <a:t>literally</a:t>
+              <a:t>Ex #4: Look at our data, literally</a:t>
             </a:r>
             <a:endParaRPr lang="en-US" dirty="0"/>
           </a:p>
@@ -7239,15 +7218,7 @@
           <a:p>
             <a:r>
               <a:rPr lang="en-US" dirty="0" smtClean="0"/>
-              <a:t>Ex #5: Look </a:t>
-            </a:r>
-            <a:r>
-              <a:rPr lang="en-US" dirty="0" smtClean="0"/>
-              <a:t>at the data, </a:t>
-            </a:r>
-            <a:r>
-              <a:rPr lang="en-US" dirty="0" smtClean="0"/>
-              <a:t>in-browser</a:t>
+              <a:t>Ex #5: Look at the data, in-browser</a:t>
             </a:r>
             <a:endParaRPr lang="en-US" dirty="0"/>
           </a:p>
@@ -7303,7 +7274,6 @@
               <a:rPr lang="en-US" dirty="0" smtClean="0"/>
               <a:t>data in the browser console</a:t>
             </a:r>
-            <a:endParaRPr lang="en-US" dirty="0" smtClean="0"/>
           </a:p>
           <a:p>
             <a:endParaRPr lang="en-US" dirty="0" smtClean="0"/>
@@ -7553,15 +7523,7 @@
           <a:p>
             <a:r>
               <a:rPr lang="en-US" dirty="0" smtClean="0"/>
-              <a:t>(Review) </a:t>
-            </a:r>
-            <a:r>
-              <a:rPr lang="en-US" dirty="0" smtClean="0"/>
-              <a:t>HTML </a:t>
-            </a:r>
-            <a:r>
-              <a:rPr lang="en-US" dirty="0" smtClean="0"/>
-              <a:t>layout should look like:</a:t>
+              <a:t>(Review) HTML layout should look like:</a:t>
             </a:r>
             <a:endParaRPr lang="en-US" dirty="0"/>
           </a:p>
@@ -10549,11 +10511,7 @@
           <a:p>
             <a:r>
               <a:rPr lang="en-US" dirty="0" smtClean="0"/>
-              <a:t>How do most people do it</a:t>
-            </a:r>
-            <a:r>
-              <a:rPr lang="en-US" dirty="0" smtClean="0"/>
-              <a:t>?</a:t>
+              <a:t>How do most people do it?</a:t>
             </a:r>
             <a:endParaRPr lang="en-US" dirty="0"/>
           </a:p>

--- a/Introduction to D3.pptx
+++ b/Introduction to D3.pptx
@@ -5,48 +5,47 @@
     <p:sldMasterId id="2147483660" r:id="rId1"/>
   </p:sldMasterIdLst>
   <p:notesMasterIdLst>
-    <p:notesMasterId r:id="rId41"/>
+    <p:notesMasterId r:id="rId40"/>
   </p:notesMasterIdLst>
   <p:sldIdLst>
     <p:sldId id="256" r:id="rId2"/>
     <p:sldId id="300" r:id="rId3"/>
     <p:sldId id="263" r:id="rId4"/>
-    <p:sldId id="285" r:id="rId5"/>
-    <p:sldId id="286" r:id="rId6"/>
-    <p:sldId id="287" r:id="rId7"/>
-    <p:sldId id="298" r:id="rId8"/>
-    <p:sldId id="288" r:id="rId9"/>
-    <p:sldId id="294" r:id="rId10"/>
-    <p:sldId id="293" r:id="rId11"/>
-    <p:sldId id="295" r:id="rId12"/>
-    <p:sldId id="296" r:id="rId13"/>
-    <p:sldId id="297" r:id="rId14"/>
-    <p:sldId id="301" r:id="rId15"/>
-    <p:sldId id="299" r:id="rId16"/>
-    <p:sldId id="280" r:id="rId17"/>
-    <p:sldId id="273" r:id="rId18"/>
-    <p:sldId id="279" r:id="rId19"/>
-    <p:sldId id="290" r:id="rId20"/>
-    <p:sldId id="284" r:id="rId21"/>
-    <p:sldId id="302" r:id="rId22"/>
-    <p:sldId id="281" r:id="rId23"/>
-    <p:sldId id="275" r:id="rId24"/>
-    <p:sldId id="282" r:id="rId25"/>
-    <p:sldId id="276" r:id="rId26"/>
-    <p:sldId id="277" r:id="rId27"/>
-    <p:sldId id="283" r:id="rId28"/>
-    <p:sldId id="291" r:id="rId29"/>
-    <p:sldId id="278" r:id="rId30"/>
-    <p:sldId id="292" r:id="rId31"/>
-    <p:sldId id="270" r:id="rId32"/>
-    <p:sldId id="261" r:id="rId33"/>
-    <p:sldId id="268" r:id="rId34"/>
-    <p:sldId id="266" r:id="rId35"/>
-    <p:sldId id="264" r:id="rId36"/>
-    <p:sldId id="262" r:id="rId37"/>
-    <p:sldId id="269" r:id="rId38"/>
-    <p:sldId id="267" r:id="rId39"/>
-    <p:sldId id="259" r:id="rId40"/>
+    <p:sldId id="286" r:id="rId5"/>
+    <p:sldId id="287" r:id="rId6"/>
+    <p:sldId id="298" r:id="rId7"/>
+    <p:sldId id="288" r:id="rId8"/>
+    <p:sldId id="294" r:id="rId9"/>
+    <p:sldId id="293" r:id="rId10"/>
+    <p:sldId id="295" r:id="rId11"/>
+    <p:sldId id="296" r:id="rId12"/>
+    <p:sldId id="297" r:id="rId13"/>
+    <p:sldId id="301" r:id="rId14"/>
+    <p:sldId id="299" r:id="rId15"/>
+    <p:sldId id="280" r:id="rId16"/>
+    <p:sldId id="273" r:id="rId17"/>
+    <p:sldId id="279" r:id="rId18"/>
+    <p:sldId id="290" r:id="rId19"/>
+    <p:sldId id="284" r:id="rId20"/>
+    <p:sldId id="302" r:id="rId21"/>
+    <p:sldId id="281" r:id="rId22"/>
+    <p:sldId id="275" r:id="rId23"/>
+    <p:sldId id="282" r:id="rId24"/>
+    <p:sldId id="276" r:id="rId25"/>
+    <p:sldId id="277" r:id="rId26"/>
+    <p:sldId id="283" r:id="rId27"/>
+    <p:sldId id="291" r:id="rId28"/>
+    <p:sldId id="278" r:id="rId29"/>
+    <p:sldId id="292" r:id="rId30"/>
+    <p:sldId id="270" r:id="rId31"/>
+    <p:sldId id="261" r:id="rId32"/>
+    <p:sldId id="268" r:id="rId33"/>
+    <p:sldId id="266" r:id="rId34"/>
+    <p:sldId id="264" r:id="rId35"/>
+    <p:sldId id="262" r:id="rId36"/>
+    <p:sldId id="269" r:id="rId37"/>
+    <p:sldId id="267" r:id="rId38"/>
+    <p:sldId id="259" r:id="rId39"/>
   </p:sldIdLst>
   <p:sldSz cx="12192000" cy="6858000"/>
   <p:notesSz cx="6858000" cy="9144000"/>
@@ -235,7 +234,7 @@
           <a:p>
             <a:fld id="{5C7B60CB-4555-4E4C-8A61-26D94E33D181}" type="datetimeFigureOut">
               <a:rPr lang="en-US" smtClean="0"/>
-              <a:t>2/20/2018</a:t>
+              <a:t>2/22/2018</a:t>
             </a:fld>
             <a:endParaRPr lang="en-US"/>
           </a:p>
@@ -669,7 +668,7 @@
     </p:spTree>
     <p:extLst>
       <p:ext uri="{BB962C8B-B14F-4D97-AF65-F5344CB8AC3E}">
-        <p14:creationId xmlns:p14="http://schemas.microsoft.com/office/powerpoint/2010/main" val="412213293"/>
+        <p14:creationId xmlns:p14="http://schemas.microsoft.com/office/powerpoint/2010/main" val="3516605409"/>
       </p:ext>
     </p:extLst>
   </p:cSld>
@@ -757,7 +756,7 @@
     </p:spTree>
     <p:extLst>
       <p:ext uri="{BB962C8B-B14F-4D97-AF65-F5344CB8AC3E}">
-        <p14:creationId xmlns:p14="http://schemas.microsoft.com/office/powerpoint/2010/main" val="3516605409"/>
+        <p14:creationId xmlns:p14="http://schemas.microsoft.com/office/powerpoint/2010/main" val="1677941701"/>
       </p:ext>
     </p:extLst>
   </p:cSld>
@@ -845,7 +844,7 @@
     </p:spTree>
     <p:extLst>
       <p:ext uri="{BB962C8B-B14F-4D97-AF65-F5344CB8AC3E}">
-        <p14:creationId xmlns:p14="http://schemas.microsoft.com/office/powerpoint/2010/main" val="1677941701"/>
+        <p14:creationId xmlns:p14="http://schemas.microsoft.com/office/powerpoint/2010/main" val="4142733308"/>
       </p:ext>
     </p:extLst>
   </p:cSld>
@@ -901,7 +900,7 @@
           <a:p>
             <a:r>
               <a:rPr lang="en-US" dirty="0" smtClean="0"/>
-              <a:t>1</a:t>
+              <a:t>2</a:t>
             </a:r>
             <a:endParaRPr lang="en-US" dirty="0"/>
           </a:p>
@@ -933,7 +932,7 @@
     </p:spTree>
     <p:extLst>
       <p:ext uri="{BB962C8B-B14F-4D97-AF65-F5344CB8AC3E}">
-        <p14:creationId xmlns:p14="http://schemas.microsoft.com/office/powerpoint/2010/main" val="4142733308"/>
+        <p14:creationId xmlns:p14="http://schemas.microsoft.com/office/powerpoint/2010/main" val="799926135"/>
       </p:ext>
     </p:extLst>
   </p:cSld>
@@ -989,7 +988,15 @@
           <a:p>
             <a:r>
               <a:rPr lang="en-US" dirty="0" smtClean="0"/>
-              <a:t>2</a:t>
+              <a:t>1 “Learn by doing” IDEAL: 15:00</a:t>
+            </a:r>
+            <a:r>
+              <a:rPr lang="en-US" smtClean="0"/>
+              <a:t>, latest </a:t>
+            </a:r>
+            <a:r>
+              <a:rPr lang="en-US" dirty="0" smtClean="0"/>
+              <a:t>TARGET = 22:00</a:t>
             </a:r>
             <a:endParaRPr lang="en-US" dirty="0"/>
           </a:p>
@@ -1021,7 +1028,7 @@
     </p:spTree>
     <p:extLst>
       <p:ext uri="{BB962C8B-B14F-4D97-AF65-F5344CB8AC3E}">
-        <p14:creationId xmlns:p14="http://schemas.microsoft.com/office/powerpoint/2010/main" val="799926135"/>
+        <p14:creationId xmlns:p14="http://schemas.microsoft.com/office/powerpoint/2010/main" val="2152084081"/>
       </p:ext>
     </p:extLst>
   </p:cSld>
@@ -1077,19 +1084,7 @@
           <a:p>
             <a:r>
               <a:rPr lang="en-US" dirty="0" smtClean="0"/>
-              <a:t>1 “Learn by doing</a:t>
-            </a:r>
-            <a:r>
-              <a:rPr lang="en-US" dirty="0" smtClean="0"/>
-              <a:t>” IDEAL: 15:00</a:t>
-            </a:r>
-            <a:r>
-              <a:rPr lang="en-US" smtClean="0"/>
-              <a:t>, latest </a:t>
-            </a:r>
-            <a:r>
-              <a:rPr lang="en-US" dirty="0" smtClean="0"/>
-              <a:t>TARGET = 22:00</a:t>
+              <a:t>8, 6 &amp; 2</a:t>
             </a:r>
             <a:endParaRPr lang="en-US" dirty="0"/>
           </a:p>
@@ -1121,7 +1116,7 @@
     </p:spTree>
     <p:extLst>
       <p:ext uri="{BB962C8B-B14F-4D97-AF65-F5344CB8AC3E}">
-        <p14:creationId xmlns:p14="http://schemas.microsoft.com/office/powerpoint/2010/main" val="2152084081"/>
+        <p14:creationId xmlns:p14="http://schemas.microsoft.com/office/powerpoint/2010/main" val="2281340076"/>
       </p:ext>
     </p:extLst>
   </p:cSld>
@@ -1177,7 +1172,7 @@
           <a:p>
             <a:r>
               <a:rPr lang="en-US" dirty="0" smtClean="0"/>
-              <a:t>8, 6 &amp; 2</a:t>
+              <a:t>8</a:t>
             </a:r>
             <a:endParaRPr lang="en-US" dirty="0"/>
           </a:p>
@@ -1209,7 +1204,7 @@
     </p:spTree>
     <p:extLst>
       <p:ext uri="{BB962C8B-B14F-4D97-AF65-F5344CB8AC3E}">
-        <p14:creationId xmlns:p14="http://schemas.microsoft.com/office/powerpoint/2010/main" val="2281340076"/>
+        <p14:creationId xmlns:p14="http://schemas.microsoft.com/office/powerpoint/2010/main" val="1587138040"/>
       </p:ext>
     </p:extLst>
   </p:cSld>
@@ -1265,7 +1260,7 @@
           <a:p>
             <a:r>
               <a:rPr lang="en-US" dirty="0" smtClean="0"/>
-              <a:t>8</a:t>
+              <a:t>4</a:t>
             </a:r>
             <a:endParaRPr lang="en-US" dirty="0"/>
           </a:p>
@@ -1297,7 +1292,7 @@
     </p:spTree>
     <p:extLst>
       <p:ext uri="{BB962C8B-B14F-4D97-AF65-F5344CB8AC3E}">
-        <p14:creationId xmlns:p14="http://schemas.microsoft.com/office/powerpoint/2010/main" val="1587138040"/>
+        <p14:creationId xmlns:p14="http://schemas.microsoft.com/office/powerpoint/2010/main" val="779674851"/>
       </p:ext>
     </p:extLst>
   </p:cSld>
@@ -1353,7 +1348,7 @@
           <a:p>
             <a:r>
               <a:rPr lang="en-US" dirty="0" smtClean="0"/>
-              <a:t>4</a:t>
+              <a:t>6</a:t>
             </a:r>
             <a:endParaRPr lang="en-US" dirty="0"/>
           </a:p>
@@ -1385,7 +1380,7 @@
     </p:spTree>
     <p:extLst>
       <p:ext uri="{BB962C8B-B14F-4D97-AF65-F5344CB8AC3E}">
-        <p14:creationId xmlns:p14="http://schemas.microsoft.com/office/powerpoint/2010/main" val="779674851"/>
+        <p14:creationId xmlns:p14="http://schemas.microsoft.com/office/powerpoint/2010/main" val="3636580439"/>
       </p:ext>
     </p:extLst>
   </p:cSld>
@@ -1441,7 +1436,7 @@
           <a:p>
             <a:r>
               <a:rPr lang="en-US" dirty="0" smtClean="0"/>
-              <a:t>6</a:t>
+              <a:t>3</a:t>
             </a:r>
             <a:endParaRPr lang="en-US" dirty="0"/>
           </a:p>
@@ -1473,7 +1468,7 @@
     </p:spTree>
     <p:extLst>
       <p:ext uri="{BB962C8B-B14F-4D97-AF65-F5344CB8AC3E}">
-        <p14:creationId xmlns:p14="http://schemas.microsoft.com/office/powerpoint/2010/main" val="3636580439"/>
+        <p14:creationId xmlns:p14="http://schemas.microsoft.com/office/powerpoint/2010/main" val="2884234769"/>
       </p:ext>
     </p:extLst>
   </p:cSld>
@@ -1649,7 +1644,7 @@
     </p:spTree>
     <p:extLst>
       <p:ext uri="{BB962C8B-B14F-4D97-AF65-F5344CB8AC3E}">
-        <p14:creationId xmlns:p14="http://schemas.microsoft.com/office/powerpoint/2010/main" val="2884234769"/>
+        <p14:creationId xmlns:p14="http://schemas.microsoft.com/office/powerpoint/2010/main" val="1088438535"/>
       </p:ext>
     </p:extLst>
   </p:cSld>
@@ -1705,7 +1700,11 @@
           <a:p>
             <a:r>
               <a:rPr lang="en-US" dirty="0" smtClean="0"/>
-              <a:t>3</a:t>
+              <a:t>1 – TARGET = 54:00</a:t>
+            </a:r>
+            <a:r>
+              <a:rPr lang="en-US" baseline="0" dirty="0" smtClean="0"/>
+              <a:t>, else -1 min each slide</a:t>
             </a:r>
             <a:endParaRPr lang="en-US" dirty="0"/>
           </a:p>
@@ -1737,7 +1736,7 @@
     </p:spTree>
     <p:extLst>
       <p:ext uri="{BB962C8B-B14F-4D97-AF65-F5344CB8AC3E}">
-        <p14:creationId xmlns:p14="http://schemas.microsoft.com/office/powerpoint/2010/main" val="1088438535"/>
+        <p14:creationId xmlns:p14="http://schemas.microsoft.com/office/powerpoint/2010/main" val="753214205"/>
       </p:ext>
     </p:extLst>
   </p:cSld>
@@ -1793,11 +1792,7 @@
           <a:p>
             <a:r>
               <a:rPr lang="en-US" dirty="0" smtClean="0"/>
-              <a:t>1 – TARGET = 54:00</a:t>
-            </a:r>
-            <a:r>
-              <a:rPr lang="en-US" baseline="0" dirty="0" smtClean="0"/>
-              <a:t>, else -1 min each slide</a:t>
+              <a:t>6</a:t>
             </a:r>
             <a:endParaRPr lang="en-US" dirty="0"/>
           </a:p>
@@ -1829,7 +1824,7 @@
     </p:spTree>
     <p:extLst>
       <p:ext uri="{BB962C8B-B14F-4D97-AF65-F5344CB8AC3E}">
-        <p14:creationId xmlns:p14="http://schemas.microsoft.com/office/powerpoint/2010/main" val="753214205"/>
+        <p14:creationId xmlns:p14="http://schemas.microsoft.com/office/powerpoint/2010/main" val="3831408609"/>
       </p:ext>
     </p:extLst>
   </p:cSld>
@@ -1917,7 +1912,7 @@
     </p:spTree>
     <p:extLst>
       <p:ext uri="{BB962C8B-B14F-4D97-AF65-F5344CB8AC3E}">
-        <p14:creationId xmlns:p14="http://schemas.microsoft.com/office/powerpoint/2010/main" val="3831408609"/>
+        <p14:creationId xmlns:p14="http://schemas.microsoft.com/office/powerpoint/2010/main" val="609683936"/>
       </p:ext>
     </p:extLst>
   </p:cSld>
@@ -2005,7 +2000,7 @@
     </p:spTree>
     <p:extLst>
       <p:ext uri="{BB962C8B-B14F-4D97-AF65-F5344CB8AC3E}">
-        <p14:creationId xmlns:p14="http://schemas.microsoft.com/office/powerpoint/2010/main" val="609683936"/>
+        <p14:creationId xmlns:p14="http://schemas.microsoft.com/office/powerpoint/2010/main" val="363341927"/>
       </p:ext>
     </p:extLst>
   </p:cSld>
@@ -2093,7 +2088,7 @@
     </p:spTree>
     <p:extLst>
       <p:ext uri="{BB962C8B-B14F-4D97-AF65-F5344CB8AC3E}">
-        <p14:creationId xmlns:p14="http://schemas.microsoft.com/office/powerpoint/2010/main" val="363341927"/>
+        <p14:creationId xmlns:p14="http://schemas.microsoft.com/office/powerpoint/2010/main" val="3662436706"/>
       </p:ext>
     </p:extLst>
   </p:cSld>
@@ -2173,94 +2168,6 @@
             <a:fld id="{2EB312AA-E5B3-483C-89A7-82722FB34C35}" type="slidenum">
               <a:rPr lang="en-US" smtClean="0"/>
               <a:t>26</a:t>
-            </a:fld>
-            <a:endParaRPr lang="en-US"/>
-          </a:p>
-        </p:txBody>
-      </p:sp>
-    </p:spTree>
-    <p:extLst>
-      <p:ext uri="{BB962C8B-B14F-4D97-AF65-F5344CB8AC3E}">
-        <p14:creationId xmlns:p14="http://schemas.microsoft.com/office/powerpoint/2010/main" val="3662436706"/>
-      </p:ext>
-    </p:extLst>
-  </p:cSld>
-  <p:clrMapOvr>
-    <a:masterClrMapping/>
-  </p:clrMapOvr>
-</p:notes>
-</file>
-
-<file path=ppt/notesSlides/notesSlide27.xml><?xml version="1.0" encoding="utf-8"?>
-<p:notes xmlns:a="http://schemas.openxmlformats.org/drawingml/2006/main" xmlns:r="http://schemas.openxmlformats.org/officeDocument/2006/relationships" xmlns:p="http://schemas.openxmlformats.org/presentationml/2006/main">
-  <p:cSld>
-    <p:spTree>
-      <p:nvGrpSpPr>
-        <p:cNvPr id="1" name=""/>
-        <p:cNvGrpSpPr/>
-        <p:nvPr/>
-      </p:nvGrpSpPr>
-      <p:grpSpPr>
-        <a:xfrm>
-          <a:off x="0" y="0"/>
-          <a:ext cx="0" cy="0"/>
-          <a:chOff x="0" y="0"/>
-          <a:chExt cx="0" cy="0"/>
-        </a:xfrm>
-      </p:grpSpPr>
-      <p:sp>
-        <p:nvSpPr>
-          <p:cNvPr id="2" name="Slide Image Placeholder 1"/>
-          <p:cNvSpPr>
-            <a:spLocks noGrp="1" noRot="1" noChangeAspect="1"/>
-          </p:cNvSpPr>
-          <p:nvPr>
-            <p:ph type="sldImg"/>
-          </p:nvPr>
-        </p:nvSpPr>
-        <p:spPr/>
-      </p:sp>
-      <p:sp>
-        <p:nvSpPr>
-          <p:cNvPr id="3" name="Notes Placeholder 2"/>
-          <p:cNvSpPr>
-            <a:spLocks noGrp="1"/>
-          </p:cNvSpPr>
-          <p:nvPr>
-            <p:ph type="body" idx="1"/>
-          </p:nvPr>
-        </p:nvSpPr>
-        <p:spPr/>
-        <p:txBody>
-          <a:bodyPr/>
-          <a:lstStyle/>
-          <a:p>
-            <a:r>
-              <a:rPr lang="en-US" dirty="0" smtClean="0"/>
-              <a:t>6</a:t>
-            </a:r>
-            <a:endParaRPr lang="en-US" dirty="0"/>
-          </a:p>
-        </p:txBody>
-      </p:sp>
-      <p:sp>
-        <p:nvSpPr>
-          <p:cNvPr id="4" name="Slide Number Placeholder 3"/>
-          <p:cNvSpPr>
-            <a:spLocks noGrp="1"/>
-          </p:cNvSpPr>
-          <p:nvPr>
-            <p:ph type="sldNum" sz="quarter" idx="10"/>
-          </p:nvPr>
-        </p:nvSpPr>
-        <p:spPr/>
-        <p:txBody>
-          <a:bodyPr/>
-          <a:lstStyle/>
-          <a:p>
-            <a:fld id="{2EB312AA-E5B3-483C-89A7-82722FB34C35}" type="slidenum">
-              <a:rPr lang="en-US" smtClean="0"/>
-              <a:t>27</a:t>
             </a:fld>
             <a:endParaRPr lang="en-US"/>
           </a:p>
@@ -2445,7 +2352,7 @@
     </p:spTree>
     <p:extLst>
       <p:ext uri="{BB962C8B-B14F-4D97-AF65-F5344CB8AC3E}">
-        <p14:creationId xmlns:p14="http://schemas.microsoft.com/office/powerpoint/2010/main" val="1084755816"/>
+        <p14:creationId xmlns:p14="http://schemas.microsoft.com/office/powerpoint/2010/main" val="4276457174"/>
       </p:ext>
     </p:extLst>
   </p:cSld>
@@ -2501,7 +2408,7 @@
           <a:p>
             <a:r>
               <a:rPr lang="en-US" dirty="0" smtClean="0"/>
-              <a:t>1</a:t>
+              <a:t>3</a:t>
             </a:r>
             <a:endParaRPr lang="en-US" dirty="0"/>
           </a:p>
@@ -2533,7 +2440,7 @@
     </p:spTree>
     <p:extLst>
       <p:ext uri="{BB962C8B-B14F-4D97-AF65-F5344CB8AC3E}">
-        <p14:creationId xmlns:p14="http://schemas.microsoft.com/office/powerpoint/2010/main" val="4276457174"/>
+        <p14:creationId xmlns:p14="http://schemas.microsoft.com/office/powerpoint/2010/main" val="4078528796"/>
       </p:ext>
     </p:extLst>
   </p:cSld>
@@ -2589,7 +2496,7 @@
           <a:p>
             <a:r>
               <a:rPr lang="en-US" dirty="0" smtClean="0"/>
-              <a:t>3</a:t>
+              <a:t>1 “Is store-bought even good though?”</a:t>
             </a:r>
             <a:endParaRPr lang="en-US" dirty="0"/>
           </a:p>
@@ -2621,7 +2528,7 @@
     </p:spTree>
     <p:extLst>
       <p:ext uri="{BB962C8B-B14F-4D97-AF65-F5344CB8AC3E}">
-        <p14:creationId xmlns:p14="http://schemas.microsoft.com/office/powerpoint/2010/main" val="4078528796"/>
+        <p14:creationId xmlns:p14="http://schemas.microsoft.com/office/powerpoint/2010/main" val="672867334"/>
       </p:ext>
     </p:extLst>
   </p:cSld>
@@ -2677,7 +2584,7 @@
           <a:p>
             <a:r>
               <a:rPr lang="en-US" dirty="0" smtClean="0"/>
-              <a:t>1 “Is store-bought even good though?”</a:t>
+              <a:t>1</a:t>
             </a:r>
             <a:endParaRPr lang="en-US" dirty="0"/>
           </a:p>
@@ -2709,7 +2616,7 @@
     </p:spTree>
     <p:extLst>
       <p:ext uri="{BB962C8B-B14F-4D97-AF65-F5344CB8AC3E}">
-        <p14:creationId xmlns:p14="http://schemas.microsoft.com/office/powerpoint/2010/main" val="672867334"/>
+        <p14:creationId xmlns:p14="http://schemas.microsoft.com/office/powerpoint/2010/main" val="1327419287"/>
       </p:ext>
     </p:extLst>
   </p:cSld>
@@ -2797,7 +2704,7 @@
     </p:spTree>
     <p:extLst>
       <p:ext uri="{BB962C8B-B14F-4D97-AF65-F5344CB8AC3E}">
-        <p14:creationId xmlns:p14="http://schemas.microsoft.com/office/powerpoint/2010/main" val="1327419287"/>
+        <p14:creationId xmlns:p14="http://schemas.microsoft.com/office/powerpoint/2010/main" val="240515055"/>
       </p:ext>
     </p:extLst>
   </p:cSld>
@@ -2885,7 +2792,7 @@
     </p:spTree>
     <p:extLst>
       <p:ext uri="{BB962C8B-B14F-4D97-AF65-F5344CB8AC3E}">
-        <p14:creationId xmlns:p14="http://schemas.microsoft.com/office/powerpoint/2010/main" val="240515055"/>
+        <p14:creationId xmlns:p14="http://schemas.microsoft.com/office/powerpoint/2010/main" val="412213293"/>
       </p:ext>
     </p:extLst>
   </p:cSld>
@@ -3034,7 +2941,7 @@
           <a:p>
             <a:fld id="{C336076D-836C-44D8-B1E0-272F963C7580}" type="datetimeFigureOut">
               <a:rPr lang="en-US" smtClean="0"/>
-              <a:t>2/20/2018</a:t>
+              <a:t>2/22/2018</a:t>
             </a:fld>
             <a:endParaRPr lang="en-US"/>
           </a:p>
@@ -3212,7 +3119,7 @@
           <a:p>
             <a:fld id="{C336076D-836C-44D8-B1E0-272F963C7580}" type="datetimeFigureOut">
               <a:rPr lang="en-US" smtClean="0"/>
-              <a:t>2/20/2018</a:t>
+              <a:t>2/22/2018</a:t>
             </a:fld>
             <a:endParaRPr lang="en-US"/>
           </a:p>
@@ -3400,7 +3307,7 @@
           <a:p>
             <a:fld id="{C336076D-836C-44D8-B1E0-272F963C7580}" type="datetimeFigureOut">
               <a:rPr lang="en-US" smtClean="0"/>
-              <a:t>2/20/2018</a:t>
+              <a:t>2/22/2018</a:t>
             </a:fld>
             <a:endParaRPr lang="en-US"/>
           </a:p>
@@ -3578,7 +3485,7 @@
           <a:p>
             <a:fld id="{C336076D-836C-44D8-B1E0-272F963C7580}" type="datetimeFigureOut">
               <a:rPr lang="en-US" smtClean="0"/>
-              <a:t>2/20/2018</a:t>
+              <a:t>2/22/2018</a:t>
             </a:fld>
             <a:endParaRPr lang="en-US"/>
           </a:p>
@@ -3832,7 +3739,7 @@
           <a:p>
             <a:fld id="{C336076D-836C-44D8-B1E0-272F963C7580}" type="datetimeFigureOut">
               <a:rPr lang="en-US" smtClean="0"/>
-              <a:t>2/20/2018</a:t>
+              <a:t>2/22/2018</a:t>
             </a:fld>
             <a:endParaRPr lang="en-US"/>
           </a:p>
@@ -4072,7 +3979,7 @@
           <a:p>
             <a:fld id="{C336076D-836C-44D8-B1E0-272F963C7580}" type="datetimeFigureOut">
               <a:rPr lang="en-US" smtClean="0"/>
-              <a:t>2/20/2018</a:t>
+              <a:t>2/22/2018</a:t>
             </a:fld>
             <a:endParaRPr lang="en-US"/>
           </a:p>
@@ -4447,7 +4354,7 @@
           <a:p>
             <a:fld id="{C336076D-836C-44D8-B1E0-272F963C7580}" type="datetimeFigureOut">
               <a:rPr lang="en-US" smtClean="0"/>
-              <a:t>2/20/2018</a:t>
+              <a:t>2/22/2018</a:t>
             </a:fld>
             <a:endParaRPr lang="en-US"/>
           </a:p>
@@ -4573,7 +4480,7 @@
           <a:p>
             <a:fld id="{C336076D-836C-44D8-B1E0-272F963C7580}" type="datetimeFigureOut">
               <a:rPr lang="en-US" smtClean="0"/>
-              <a:t>2/20/2018</a:t>
+              <a:t>2/22/2018</a:t>
             </a:fld>
             <a:endParaRPr lang="en-US"/>
           </a:p>
@@ -4676,7 +4583,7 @@
           <a:p>
             <a:fld id="{C336076D-836C-44D8-B1E0-272F963C7580}" type="datetimeFigureOut">
               <a:rPr lang="en-US" smtClean="0"/>
-              <a:t>2/20/2018</a:t>
+              <a:t>2/22/2018</a:t>
             </a:fld>
             <a:endParaRPr lang="en-US"/>
           </a:p>
@@ -4961,7 +4868,7 @@
           <a:p>
             <a:fld id="{C336076D-836C-44D8-B1E0-272F963C7580}" type="datetimeFigureOut">
               <a:rPr lang="en-US" smtClean="0"/>
-              <a:t>2/20/2018</a:t>
+              <a:t>2/22/2018</a:t>
             </a:fld>
             <a:endParaRPr lang="en-US"/>
           </a:p>
@@ -5226,7 +5133,7 @@
           <a:p>
             <a:fld id="{C336076D-836C-44D8-B1E0-272F963C7580}" type="datetimeFigureOut">
               <a:rPr lang="en-US" smtClean="0"/>
-              <a:t>2/20/2018</a:t>
+              <a:t>2/22/2018</a:t>
             </a:fld>
             <a:endParaRPr lang="en-US"/>
           </a:p>
@@ -5442,7 +5349,7 @@
           <a:p>
             <a:fld id="{C336076D-836C-44D8-B1E0-272F963C7580}" type="datetimeFigureOut">
               <a:rPr lang="en-US" smtClean="0"/>
-              <a:t>2/20/2018</a:t>
+              <a:t>2/22/2018</a:t>
             </a:fld>
             <a:endParaRPr lang="en-US"/>
           </a:p>
@@ -5942,181 +5849,6 @@
         </p:nvSpPr>
         <p:spPr>
           <a:xfrm>
-            <a:off x="2739828" y="2657769"/>
-            <a:ext cx="10515600" cy="1325563"/>
-          </a:xfrm>
-        </p:spPr>
-        <p:txBody>
-          <a:bodyPr/>
-          <a:lstStyle/>
-          <a:p>
-            <a:r>
-              <a:rPr lang="en-US" dirty="0" smtClean="0"/>
-              <a:t>Tableau</a:t>
-            </a:r>
-            <a:endParaRPr lang="en-US" dirty="0"/>
-          </a:p>
-        </p:txBody>
-      </p:sp>
-      <p:pic>
-        <p:nvPicPr>
-          <p:cNvPr id="3080" name="Picture 8" descr="https://wittyandpretty.com/wp-content/uploads/2014/09/basic-cake.jpg"/>
-          <p:cNvPicPr>
-            <a:picLocks noChangeAspect="1" noChangeArrowheads="1"/>
-          </p:cNvPicPr>
-          <p:nvPr/>
-        </p:nvPicPr>
-        <p:blipFill rotWithShape="1">
-          <a:blip r:embed="rId3">
-            <a:extLst>
-              <a:ext uri="{28A0092B-C50C-407E-A947-70E740481C1C}">
-                <a14:useLocalDpi xmlns:a14="http://schemas.microsoft.com/office/drawing/2010/main" val="0"/>
-              </a:ext>
-            </a:extLst>
-          </a:blip>
-          <a:srcRect l="7729" r="12698"/>
-          <a:stretch/>
-        </p:blipFill>
-        <p:spPr bwMode="auto">
-          <a:xfrm>
-            <a:off x="5623965" y="365125"/>
-            <a:ext cx="6271327" cy="5910853"/>
-          </a:xfrm>
-          <a:prstGeom prst="rect">
-            <a:avLst/>
-          </a:prstGeom>
-          <a:noFill/>
-          <a:extLst>
-            <a:ext uri="{909E8E84-426E-40DD-AFC4-6F175D3DCCD1}">
-              <a14:hiddenFill xmlns:a14="http://schemas.microsoft.com/office/drawing/2010/main">
-                <a:solidFill>
-                  <a:srgbClr val="FFFFFF"/>
-                </a:solidFill>
-              </a14:hiddenFill>
-            </a:ext>
-          </a:extLst>
-        </p:spPr>
-      </p:pic>
-    </p:spTree>
-    <p:extLst>
-      <p:ext uri="{BB962C8B-B14F-4D97-AF65-F5344CB8AC3E}">
-        <p14:creationId xmlns:p14="http://schemas.microsoft.com/office/powerpoint/2010/main" val="3142918255"/>
-      </p:ext>
-    </p:extLst>
-  </p:cSld>
-  <p:clrMapOvr>
-    <a:masterClrMapping/>
-  </p:clrMapOvr>
-  <p:timing>
-    <p:tnLst>
-      <p:par>
-        <p:cTn id="1" dur="indefinite" restart="never" nodeType="tmRoot">
-          <p:childTnLst>
-            <p:seq concurrent="1" nextAc="seek">
-              <p:cTn id="2" dur="indefinite" nodeType="mainSeq">
-                <p:childTnLst>
-                  <p:par>
-                    <p:cTn id="3" fill="hold">
-                      <p:stCondLst>
-                        <p:cond delay="indefinite"/>
-                      </p:stCondLst>
-                      <p:childTnLst>
-                        <p:par>
-                          <p:cTn id="4" fill="hold">
-                            <p:stCondLst>
-                              <p:cond delay="0"/>
-                            </p:stCondLst>
-                            <p:childTnLst>
-                              <p:par>
-                                <p:cTn id="5" presetID="1" presetClass="entr" presetSubtype="0" fill="hold" grpId="0" nodeType="clickEffect">
-                                  <p:stCondLst>
-                                    <p:cond delay="0"/>
-                                  </p:stCondLst>
-                                  <p:childTnLst>
-                                    <p:set>
-                                      <p:cBhvr>
-                                        <p:cTn id="6" dur="1" fill="hold">
-                                          <p:stCondLst>
-                                            <p:cond delay="0"/>
-                                          </p:stCondLst>
-                                        </p:cTn>
-                                        <p:tgtEl>
-                                          <p:spTgt spid="2"/>
-                                        </p:tgtEl>
-                                        <p:attrNameLst>
-                                          <p:attrName>style.visibility</p:attrName>
-                                        </p:attrNameLst>
-                                      </p:cBhvr>
-                                      <p:to>
-                                        <p:strVal val="visible"/>
-                                      </p:to>
-                                    </p:set>
-                                  </p:childTnLst>
-                                </p:cTn>
-                              </p:par>
-                            </p:childTnLst>
-                          </p:cTn>
-                        </p:par>
-                      </p:childTnLst>
-                    </p:cTn>
-                  </p:par>
-                </p:childTnLst>
-              </p:cTn>
-              <p:prevCondLst>
-                <p:cond evt="onPrev" delay="0">
-                  <p:tgtEl>
-                    <p:sldTgt/>
-                  </p:tgtEl>
-                </p:cond>
-              </p:prevCondLst>
-              <p:nextCondLst>
-                <p:cond evt="onNext" delay="0">
-                  <p:tgtEl>
-                    <p:sldTgt/>
-                  </p:tgtEl>
-                </p:cond>
-              </p:nextCondLst>
-            </p:seq>
-          </p:childTnLst>
-        </p:cTn>
-      </p:par>
-    </p:tnLst>
-    <p:bldLst>
-      <p:bldP spid="2" grpId="0"/>
-    </p:bldLst>
-  </p:timing>
-</p:sld>
-</file>
-
-<file path=ppt/slides/slide11.xml><?xml version="1.0" encoding="utf-8"?>
-<p:sld xmlns:a="http://schemas.openxmlformats.org/drawingml/2006/main" xmlns:r="http://schemas.openxmlformats.org/officeDocument/2006/relationships" xmlns:p="http://schemas.openxmlformats.org/presentationml/2006/main">
-  <p:cSld>
-    <p:spTree>
-      <p:nvGrpSpPr>
-        <p:cNvPr id="1" name=""/>
-        <p:cNvGrpSpPr/>
-        <p:nvPr/>
-      </p:nvGrpSpPr>
-      <p:grpSpPr>
-        <a:xfrm>
-          <a:off x="0" y="0"/>
-          <a:ext cx="0" cy="0"/>
-          <a:chOff x="0" y="0"/>
-          <a:chExt cx="0" cy="0"/>
-        </a:xfrm>
-      </p:grpSpPr>
-      <p:sp>
-        <p:nvSpPr>
-          <p:cNvPr id="2" name="Title 1"/>
-          <p:cNvSpPr>
-            <a:spLocks noGrp="1"/>
-          </p:cNvSpPr>
-          <p:nvPr>
-            <p:ph type="title"/>
-          </p:nvPr>
-        </p:nvSpPr>
-        <p:spPr>
-          <a:xfrm>
             <a:off x="1857797" y="2589200"/>
             <a:ext cx="10515600" cy="1325563"/>
           </a:xfrm>
@@ -6263,7 +5995,7 @@
 </p:sld>
 </file>
 
-<file path=ppt/slides/slide12.xml><?xml version="1.0" encoding="utf-8"?>
+<file path=ppt/slides/slide11.xml><?xml version="1.0" encoding="utf-8"?>
 <p:sld xmlns:a="http://schemas.openxmlformats.org/drawingml/2006/main" xmlns:r="http://schemas.openxmlformats.org/officeDocument/2006/relationships" xmlns:p="http://schemas.openxmlformats.org/presentationml/2006/main">
   <p:cSld>
     <p:spTree>
@@ -6445,7 +6177,7 @@
 </p:sld>
 </file>
 
-<file path=ppt/slides/slide13.xml><?xml version="1.0" encoding="utf-8"?>
+<file path=ppt/slides/slide12.xml><?xml version="1.0" encoding="utf-8"?>
 <p:sld xmlns:a="http://schemas.openxmlformats.org/drawingml/2006/main" xmlns:r="http://schemas.openxmlformats.org/officeDocument/2006/relationships" xmlns:p="http://schemas.openxmlformats.org/presentationml/2006/main">
   <p:cSld>
     <p:spTree>
@@ -6559,6 +6291,125 @@
 </p:sld>
 </file>
 
+<file path=ppt/slides/slide13.xml><?xml version="1.0" encoding="utf-8"?>
+<p:sld xmlns:a="http://schemas.openxmlformats.org/drawingml/2006/main" xmlns:r="http://schemas.openxmlformats.org/officeDocument/2006/relationships" xmlns:p="http://schemas.openxmlformats.org/presentationml/2006/main">
+  <p:cSld>
+    <p:spTree>
+      <p:nvGrpSpPr>
+        <p:cNvPr id="1" name=""/>
+        <p:cNvGrpSpPr/>
+        <p:nvPr/>
+      </p:nvGrpSpPr>
+      <p:grpSpPr>
+        <a:xfrm>
+          <a:off x="0" y="0"/>
+          <a:ext cx="0" cy="0"/>
+          <a:chOff x="0" y="0"/>
+          <a:chExt cx="0" cy="0"/>
+        </a:xfrm>
+      </p:grpSpPr>
+      <p:sp>
+        <p:nvSpPr>
+          <p:cNvPr id="2" name="Title 1"/>
+          <p:cNvSpPr>
+            <a:spLocks noGrp="1"/>
+          </p:cNvSpPr>
+          <p:nvPr>
+            <p:ph type="title"/>
+          </p:nvPr>
+        </p:nvSpPr>
+        <p:spPr/>
+        <p:txBody>
+          <a:bodyPr/>
+          <a:lstStyle/>
+          <a:p>
+            <a:r>
+              <a:rPr lang="en-US" dirty="0"/>
+              <a:t>Cake “from scratch” is hard:</a:t>
+            </a:r>
+          </a:p>
+        </p:txBody>
+      </p:sp>
+      <p:sp>
+        <p:nvSpPr>
+          <p:cNvPr id="3" name="Content Placeholder 2"/>
+          <p:cNvSpPr>
+            <a:spLocks noGrp="1"/>
+          </p:cNvSpPr>
+          <p:nvPr>
+            <p:ph idx="1"/>
+          </p:nvPr>
+        </p:nvSpPr>
+        <p:spPr/>
+        <p:txBody>
+          <a:bodyPr/>
+          <a:lstStyle/>
+          <a:p>
+            <a:r>
+              <a:rPr lang="en-US" dirty="0" smtClean="0"/>
+              <a:t>You </a:t>
+            </a:r>
+            <a:r>
+              <a:rPr lang="en-US" dirty="0"/>
+              <a:t>have to think about each ingredient, its quality, its needs</a:t>
+            </a:r>
+          </a:p>
+          <a:p>
+            <a:r>
+              <a:rPr lang="en-US" dirty="0"/>
+              <a:t>You must imagine your end-result </a:t>
+            </a:r>
+            <a:r>
+              <a:rPr lang="en-US" dirty="0" smtClean="0"/>
+              <a:t>+ </a:t>
+            </a:r>
+            <a:r>
+              <a:rPr lang="en-US" dirty="0"/>
+              <a:t>find a useful recipe </a:t>
+            </a:r>
+            <a:endParaRPr lang="en-US" dirty="0" smtClean="0"/>
+          </a:p>
+          <a:p>
+            <a:r>
+              <a:rPr lang="en-US" dirty="0" smtClean="0"/>
+              <a:t>It </a:t>
+            </a:r>
+            <a:r>
+              <a:rPr lang="en-US" dirty="0"/>
+              <a:t>can take a long time to master each ingredient</a:t>
+            </a:r>
+          </a:p>
+          <a:p>
+            <a:endParaRPr lang="en-US" dirty="0" smtClean="0"/>
+          </a:p>
+          <a:p>
+            <a:r>
+              <a:rPr lang="en-US" dirty="0" smtClean="0"/>
+              <a:t>In </a:t>
+            </a:r>
+            <a:r>
+              <a:rPr lang="en-US" dirty="0"/>
+              <a:t>the end? A unique masterpiece!</a:t>
+            </a:r>
+          </a:p>
+          <a:p>
+            <a:endParaRPr lang="en-US" dirty="0"/>
+          </a:p>
+        </p:txBody>
+      </p:sp>
+    </p:spTree>
+    <p:extLst>
+      <p:ext uri="{BB962C8B-B14F-4D97-AF65-F5344CB8AC3E}">
+        <p14:creationId xmlns:p14="http://schemas.microsoft.com/office/powerpoint/2010/main" val="183709866"/>
+      </p:ext>
+    </p:extLst>
+  </p:cSld>
+  <p:clrMapOvr>
+    <a:masterClrMapping/>
+  </p:clrMapOvr>
+</p:sld>
+</file>
+
 <file path=ppt/slides/slide14.xml><?xml version="1.0" encoding="utf-8"?>
 <p:sld xmlns:a="http://schemas.openxmlformats.org/drawingml/2006/main" xmlns:r="http://schemas.openxmlformats.org/officeDocument/2006/relationships" xmlns:p="http://schemas.openxmlformats.org/presentationml/2006/main">
   <p:cSld>
@@ -6578,89 +6429,52 @@
       </p:grpSpPr>
       <p:sp>
         <p:nvSpPr>
-          <p:cNvPr id="2" name="Title 1"/>
-          <p:cNvSpPr>
-            <a:spLocks noGrp="1"/>
-          </p:cNvSpPr>
-          <p:nvPr>
-            <p:ph type="title"/>
-          </p:nvPr>
-        </p:nvSpPr>
-        <p:spPr/>
-        <p:txBody>
-          <a:bodyPr/>
-          <a:lstStyle/>
-          <a:p>
-            <a:r>
-              <a:rPr lang="en-US" dirty="0"/>
-              <a:t>Cake “from scratch” is hard:</a:t>
-            </a:r>
-          </a:p>
-        </p:txBody>
-      </p:sp>
-      <p:sp>
-        <p:nvSpPr>
-          <p:cNvPr id="3" name="Content Placeholder 2"/>
-          <p:cNvSpPr>
-            <a:spLocks noGrp="1"/>
-          </p:cNvSpPr>
-          <p:nvPr>
-            <p:ph idx="1"/>
-          </p:nvPr>
-        </p:nvSpPr>
-        <p:spPr/>
-        <p:txBody>
-          <a:bodyPr/>
-          <a:lstStyle/>
-          <a:p>
-            <a:r>
-              <a:rPr lang="en-US" dirty="0" smtClean="0"/>
-              <a:t>You </a:t>
-            </a:r>
-            <a:r>
-              <a:rPr lang="en-US" dirty="0"/>
-              <a:t>have to think about each ingredient, its quality, its needs</a:t>
-            </a:r>
-          </a:p>
-          <a:p>
-            <a:r>
-              <a:rPr lang="en-US" dirty="0"/>
-              <a:t>You must imagine your end-result </a:t>
-            </a:r>
-            <a:r>
-              <a:rPr lang="en-US" dirty="0" smtClean="0"/>
-              <a:t>+ </a:t>
-            </a:r>
-            <a:r>
-              <a:rPr lang="en-US" dirty="0"/>
-              <a:t>find a useful recipe </a:t>
-            </a:r>
-            <a:endParaRPr lang="en-US" dirty="0" smtClean="0"/>
-          </a:p>
-          <a:p>
-            <a:r>
-              <a:rPr lang="en-US" dirty="0" smtClean="0"/>
-              <a:t>It </a:t>
-            </a:r>
-            <a:r>
-              <a:rPr lang="en-US" dirty="0"/>
-              <a:t>can take a long time to master each ingredient</a:t>
-            </a:r>
-          </a:p>
-          <a:p>
-            <a:endParaRPr lang="en-US" dirty="0" smtClean="0"/>
-          </a:p>
-          <a:p>
-            <a:r>
-              <a:rPr lang="en-US" dirty="0" smtClean="0"/>
-              <a:t>In </a:t>
-            </a:r>
-            <a:r>
-              <a:rPr lang="en-US" dirty="0"/>
-              <a:t>the end? A unique masterpiece!</a:t>
-            </a:r>
-          </a:p>
-          <a:p>
+          <p:cNvPr id="4" name="Title 3"/>
+          <p:cNvSpPr>
+            <a:spLocks noGrp="1"/>
+          </p:cNvSpPr>
+          <p:nvPr>
+            <p:ph type="ctrTitle"/>
+          </p:nvPr>
+        </p:nvSpPr>
+        <p:spPr/>
+        <p:txBody>
+          <a:bodyPr/>
+          <a:lstStyle/>
+          <a:p>
+            <a:r>
+              <a:rPr lang="en-US" dirty="0" smtClean="0"/>
+              <a:t>Cake from Scratch</a:t>
+            </a:r>
+            <a:endParaRPr lang="en-US" dirty="0"/>
+          </a:p>
+        </p:txBody>
+      </p:sp>
+      <p:sp>
+        <p:nvSpPr>
+          <p:cNvPr id="5" name="Subtitle 4"/>
+          <p:cNvSpPr>
+            <a:spLocks noGrp="1"/>
+          </p:cNvSpPr>
+          <p:nvPr>
+            <p:ph type="subTitle" idx="1"/>
+          </p:nvPr>
+        </p:nvSpPr>
+        <p:spPr/>
+        <p:txBody>
+          <a:bodyPr/>
+          <a:lstStyle/>
+          <a:p>
+            <a:r>
+              <a:rPr lang="en-US" dirty="0" smtClean="0"/>
+              <a:t>A “grammar of graphics” is key: </a:t>
+            </a:r>
+          </a:p>
+          <a:p>
+            <a:r>
+              <a:rPr lang="en-US" dirty="0" smtClean="0"/>
+              <a:t>How do we talk about and use the core ingredients in any visualization?</a:t>
+            </a:r>
             <a:endParaRPr lang="en-US" dirty="0"/>
           </a:p>
         </p:txBody>
@@ -6668,13 +6482,20 @@
     </p:spTree>
     <p:extLst>
       <p:ext uri="{BB962C8B-B14F-4D97-AF65-F5344CB8AC3E}">
-        <p14:creationId xmlns:p14="http://schemas.microsoft.com/office/powerpoint/2010/main" val="183709866"/>
+        <p14:creationId xmlns:p14="http://schemas.microsoft.com/office/powerpoint/2010/main" val="305827575"/>
       </p:ext>
     </p:extLst>
   </p:cSld>
   <p:clrMapOvr>
     <a:masterClrMapping/>
   </p:clrMapOvr>
+  <p:timing>
+    <p:tnLst>
+      <p:par>
+        <p:cTn id="1" dur="indefinite" restart="never" nodeType="tmRoot"/>
+      </p:par>
+    </p:tnLst>
+  </p:timing>
 </p:sld>
 </file>
 
@@ -6697,95 +6518,6 @@
       </p:grpSpPr>
       <p:sp>
         <p:nvSpPr>
-          <p:cNvPr id="4" name="Title 3"/>
-          <p:cNvSpPr>
-            <a:spLocks noGrp="1"/>
-          </p:cNvSpPr>
-          <p:nvPr>
-            <p:ph type="ctrTitle"/>
-          </p:nvPr>
-        </p:nvSpPr>
-        <p:spPr/>
-        <p:txBody>
-          <a:bodyPr/>
-          <a:lstStyle/>
-          <a:p>
-            <a:r>
-              <a:rPr lang="en-US" dirty="0" smtClean="0"/>
-              <a:t>Cake from Scratch</a:t>
-            </a:r>
-            <a:endParaRPr lang="en-US" dirty="0"/>
-          </a:p>
-        </p:txBody>
-      </p:sp>
-      <p:sp>
-        <p:nvSpPr>
-          <p:cNvPr id="5" name="Subtitle 4"/>
-          <p:cNvSpPr>
-            <a:spLocks noGrp="1"/>
-          </p:cNvSpPr>
-          <p:nvPr>
-            <p:ph type="subTitle" idx="1"/>
-          </p:nvPr>
-        </p:nvSpPr>
-        <p:spPr/>
-        <p:txBody>
-          <a:bodyPr/>
-          <a:lstStyle/>
-          <a:p>
-            <a:r>
-              <a:rPr lang="en-US" dirty="0" smtClean="0"/>
-              <a:t>A “grammar of graphics” is key: </a:t>
-            </a:r>
-          </a:p>
-          <a:p>
-            <a:r>
-              <a:rPr lang="en-US" dirty="0" smtClean="0"/>
-              <a:t>How do we talk about and use the core ingredients in any visualization?</a:t>
-            </a:r>
-            <a:endParaRPr lang="en-US" dirty="0"/>
-          </a:p>
-        </p:txBody>
-      </p:sp>
-    </p:spTree>
-    <p:extLst>
-      <p:ext uri="{BB962C8B-B14F-4D97-AF65-F5344CB8AC3E}">
-        <p14:creationId xmlns:p14="http://schemas.microsoft.com/office/powerpoint/2010/main" val="305827575"/>
-      </p:ext>
-    </p:extLst>
-  </p:cSld>
-  <p:clrMapOvr>
-    <a:masterClrMapping/>
-  </p:clrMapOvr>
-  <p:timing>
-    <p:tnLst>
-      <p:par>
-        <p:cTn id="1" dur="indefinite" restart="never" nodeType="tmRoot"/>
-      </p:par>
-    </p:tnLst>
-  </p:timing>
-</p:sld>
-</file>
-
-<file path=ppt/slides/slide16.xml><?xml version="1.0" encoding="utf-8"?>
-<p:sld xmlns:a="http://schemas.openxmlformats.org/drawingml/2006/main" xmlns:r="http://schemas.openxmlformats.org/officeDocument/2006/relationships" xmlns:p="http://schemas.openxmlformats.org/presentationml/2006/main">
-  <p:cSld>
-    <p:spTree>
-      <p:nvGrpSpPr>
-        <p:cNvPr id="1" name=""/>
-        <p:cNvGrpSpPr/>
-        <p:nvPr/>
-      </p:nvGrpSpPr>
-      <p:grpSpPr>
-        <a:xfrm>
-          <a:off x="0" y="0"/>
-          <a:ext cx="0" cy="0"/>
-          <a:chOff x="0" y="0"/>
-          <a:chExt cx="0" cy="0"/>
-        </a:xfrm>
-      </p:grpSpPr>
-      <p:sp>
-        <p:nvSpPr>
           <p:cNvPr id="2" name="Title 1"/>
           <p:cNvSpPr>
             <a:spLocks noGrp="1"/>
@@ -6918,7 +6650,7 @@
 </p:sld>
 </file>
 
-<file path=ppt/slides/slide17.xml><?xml version="1.0" encoding="utf-8"?>
+<file path=ppt/slides/slide16.xml><?xml version="1.0" encoding="utf-8"?>
 <p:sld xmlns:a="http://schemas.openxmlformats.org/drawingml/2006/main" xmlns:r="http://schemas.openxmlformats.org/officeDocument/2006/relationships" xmlns:p="http://schemas.openxmlformats.org/presentationml/2006/main">
   <p:cSld>
     <p:spTree>
@@ -7045,7 +6777,7 @@
 </p:sld>
 </file>
 
-<file path=ppt/slides/slide18.xml><?xml version="1.0" encoding="utf-8"?>
+<file path=ppt/slides/slide17.xml><?xml version="1.0" encoding="utf-8"?>
 <p:sld xmlns:a="http://schemas.openxmlformats.org/drawingml/2006/main" xmlns:r="http://schemas.openxmlformats.org/officeDocument/2006/relationships" xmlns:p="http://schemas.openxmlformats.org/presentationml/2006/main">
   <p:cSld>
     <p:spTree>
@@ -7184,7 +6916,7 @@
 </p:sld>
 </file>
 
-<file path=ppt/slides/slide19.xml><?xml version="1.0" encoding="utf-8"?>
+<file path=ppt/slides/slide18.xml><?xml version="1.0" encoding="utf-8"?>
 <p:sld xmlns:a="http://schemas.openxmlformats.org/drawingml/2006/main" xmlns:r="http://schemas.openxmlformats.org/officeDocument/2006/relationships" xmlns:p="http://schemas.openxmlformats.org/presentationml/2006/main">
   <p:cSld>
     <p:spTree>
@@ -7407,6 +7139,102 @@
 </p:sld>
 </file>
 
+<file path=ppt/slides/slide19.xml><?xml version="1.0" encoding="utf-8"?>
+<p:sld xmlns:a="http://schemas.openxmlformats.org/drawingml/2006/main" xmlns:r="http://schemas.openxmlformats.org/officeDocument/2006/relationships" xmlns:p="http://schemas.openxmlformats.org/presentationml/2006/main">
+  <p:cSld>
+    <p:spTree>
+      <p:nvGrpSpPr>
+        <p:cNvPr id="1" name=""/>
+        <p:cNvGrpSpPr/>
+        <p:nvPr/>
+      </p:nvGrpSpPr>
+      <p:grpSpPr>
+        <a:xfrm>
+          <a:off x="0" y="0"/>
+          <a:ext cx="0" cy="0"/>
+          <a:chOff x="0" y="0"/>
+          <a:chExt cx="0" cy="0"/>
+        </a:xfrm>
+      </p:grpSpPr>
+      <p:sp>
+        <p:nvSpPr>
+          <p:cNvPr id="2" name="Title 1"/>
+          <p:cNvSpPr>
+            <a:spLocks noGrp="1"/>
+          </p:cNvSpPr>
+          <p:nvPr>
+            <p:ph type="title"/>
+          </p:nvPr>
+        </p:nvSpPr>
+        <p:spPr/>
+        <p:txBody>
+          <a:bodyPr/>
+          <a:lstStyle/>
+          <a:p>
+            <a:r>
+              <a:rPr lang="en-US" dirty="0" smtClean="0"/>
+              <a:t>(Review) HTML layout should look like:</a:t>
+            </a:r>
+            <a:endParaRPr lang="en-US" dirty="0"/>
+          </a:p>
+        </p:txBody>
+      </p:sp>
+      <p:sp>
+        <p:nvSpPr>
+          <p:cNvPr id="3" name="Content Placeholder 2"/>
+          <p:cNvSpPr>
+            <a:spLocks noGrp="1"/>
+          </p:cNvSpPr>
+          <p:nvPr>
+            <p:ph idx="1"/>
+          </p:nvPr>
+        </p:nvSpPr>
+        <p:spPr/>
+        <p:txBody>
+          <a:bodyPr/>
+          <a:lstStyle/>
+          <a:p>
+            <a:endParaRPr lang="en-US"/>
+          </a:p>
+        </p:txBody>
+      </p:sp>
+      <p:pic>
+        <p:nvPicPr>
+          <p:cNvPr id="4" name="Picture 3"/>
+          <p:cNvPicPr>
+            <a:picLocks noChangeAspect="1"/>
+          </p:cNvPicPr>
+          <p:nvPr/>
+        </p:nvPicPr>
+        <p:blipFill>
+          <a:blip r:embed="rId3"/>
+          <a:stretch>
+            <a:fillRect/>
+          </a:stretch>
+        </p:blipFill>
+        <p:spPr>
+          <a:xfrm>
+            <a:off x="489146" y="1545663"/>
+            <a:ext cx="11068050" cy="4705350"/>
+          </a:xfrm>
+          <a:prstGeom prst="rect">
+            <a:avLst/>
+          </a:prstGeom>
+        </p:spPr>
+      </p:pic>
+    </p:spTree>
+    <p:extLst>
+      <p:ext uri="{BB962C8B-B14F-4D97-AF65-F5344CB8AC3E}">
+        <p14:creationId xmlns:p14="http://schemas.microsoft.com/office/powerpoint/2010/main" val="2432867846"/>
+      </p:ext>
+    </p:extLst>
+  </p:cSld>
+  <p:clrMapOvr>
+    <a:masterClrMapping/>
+  </p:clrMapOvr>
+</p:sld>
+</file>
+
 <file path=ppt/slides/slide2.xml><?xml version="1.0" encoding="utf-8"?>
 <p:sld xmlns:a="http://schemas.openxmlformats.org/drawingml/2006/main" xmlns:r="http://schemas.openxmlformats.org/officeDocument/2006/relationships" xmlns:p="http://schemas.openxmlformats.org/presentationml/2006/main">
   <p:cSld>
@@ -7523,102 +7351,6 @@
           <a:p>
             <a:r>
               <a:rPr lang="en-US" dirty="0" smtClean="0"/>
-              <a:t>(Review) HTML layout should look like:</a:t>
-            </a:r>
-            <a:endParaRPr lang="en-US" dirty="0"/>
-          </a:p>
-        </p:txBody>
-      </p:sp>
-      <p:sp>
-        <p:nvSpPr>
-          <p:cNvPr id="3" name="Content Placeholder 2"/>
-          <p:cNvSpPr>
-            <a:spLocks noGrp="1"/>
-          </p:cNvSpPr>
-          <p:nvPr>
-            <p:ph idx="1"/>
-          </p:nvPr>
-        </p:nvSpPr>
-        <p:spPr/>
-        <p:txBody>
-          <a:bodyPr/>
-          <a:lstStyle/>
-          <a:p>
-            <a:endParaRPr lang="en-US"/>
-          </a:p>
-        </p:txBody>
-      </p:sp>
-      <p:pic>
-        <p:nvPicPr>
-          <p:cNvPr id="4" name="Picture 3"/>
-          <p:cNvPicPr>
-            <a:picLocks noChangeAspect="1"/>
-          </p:cNvPicPr>
-          <p:nvPr/>
-        </p:nvPicPr>
-        <p:blipFill>
-          <a:blip r:embed="rId3"/>
-          <a:stretch>
-            <a:fillRect/>
-          </a:stretch>
-        </p:blipFill>
-        <p:spPr>
-          <a:xfrm>
-            <a:off x="489146" y="1545663"/>
-            <a:ext cx="11068050" cy="4705350"/>
-          </a:xfrm>
-          <a:prstGeom prst="rect">
-            <a:avLst/>
-          </a:prstGeom>
-        </p:spPr>
-      </p:pic>
-    </p:spTree>
-    <p:extLst>
-      <p:ext uri="{BB962C8B-B14F-4D97-AF65-F5344CB8AC3E}">
-        <p14:creationId xmlns:p14="http://schemas.microsoft.com/office/powerpoint/2010/main" val="2432867846"/>
-      </p:ext>
-    </p:extLst>
-  </p:cSld>
-  <p:clrMapOvr>
-    <a:masterClrMapping/>
-  </p:clrMapOvr>
-</p:sld>
-</file>
-
-<file path=ppt/slides/slide21.xml><?xml version="1.0" encoding="utf-8"?>
-<p:sld xmlns:a="http://schemas.openxmlformats.org/drawingml/2006/main" xmlns:r="http://schemas.openxmlformats.org/officeDocument/2006/relationships" xmlns:p="http://schemas.openxmlformats.org/presentationml/2006/main">
-  <p:cSld>
-    <p:spTree>
-      <p:nvGrpSpPr>
-        <p:cNvPr id="1" name=""/>
-        <p:cNvGrpSpPr/>
-        <p:nvPr/>
-      </p:nvGrpSpPr>
-      <p:grpSpPr>
-        <a:xfrm>
-          <a:off x="0" y="0"/>
-          <a:ext cx="0" cy="0"/>
-          <a:chOff x="0" y="0"/>
-          <a:chExt cx="0" cy="0"/>
-        </a:xfrm>
-      </p:grpSpPr>
-      <p:sp>
-        <p:nvSpPr>
-          <p:cNvPr id="2" name="Title 1"/>
-          <p:cNvSpPr>
-            <a:spLocks noGrp="1"/>
-          </p:cNvSpPr>
-          <p:nvPr>
-            <p:ph type="title"/>
-          </p:nvPr>
-        </p:nvSpPr>
-        <p:spPr/>
-        <p:txBody>
-          <a:bodyPr/>
-          <a:lstStyle/>
-          <a:p>
-            <a:r>
-              <a:rPr lang="en-US" dirty="0" smtClean="0"/>
               <a:t>(Review) File system should look like:</a:t>
             </a:r>
             <a:endParaRPr lang="en-US" dirty="0"/>
@@ -7662,6 +7394,82 @@
 </p:sld>
 </file>
 
+<file path=ppt/slides/slide21.xml><?xml version="1.0" encoding="utf-8"?>
+<p:sld xmlns:a="http://schemas.openxmlformats.org/drawingml/2006/main" xmlns:r="http://schemas.openxmlformats.org/officeDocument/2006/relationships" xmlns:p="http://schemas.openxmlformats.org/presentationml/2006/main">
+  <p:cSld>
+    <p:spTree>
+      <p:nvGrpSpPr>
+        <p:cNvPr id="1" name=""/>
+        <p:cNvGrpSpPr/>
+        <p:nvPr/>
+      </p:nvGrpSpPr>
+      <p:grpSpPr>
+        <a:xfrm>
+          <a:off x="0" y="0"/>
+          <a:ext cx="0" cy="0"/>
+          <a:chOff x="0" y="0"/>
+          <a:chExt cx="0" cy="0"/>
+        </a:xfrm>
+      </p:grpSpPr>
+      <p:sp>
+        <p:nvSpPr>
+          <p:cNvPr id="2" name="Title 1"/>
+          <p:cNvSpPr>
+            <a:spLocks noGrp="1"/>
+          </p:cNvSpPr>
+          <p:nvPr>
+            <p:ph type="ctrTitle"/>
+          </p:nvPr>
+        </p:nvSpPr>
+        <p:spPr/>
+        <p:txBody>
+          <a:bodyPr/>
+          <a:lstStyle/>
+          <a:p>
+            <a:r>
+              <a:rPr lang="en-US" dirty="0" smtClean="0"/>
+              <a:t>Begin writing code!</a:t>
+            </a:r>
+            <a:endParaRPr lang="en-US" dirty="0"/>
+          </a:p>
+        </p:txBody>
+      </p:sp>
+      <p:sp>
+        <p:nvSpPr>
+          <p:cNvPr id="5" name="Subtitle 4"/>
+          <p:cNvSpPr>
+            <a:spLocks noGrp="1"/>
+          </p:cNvSpPr>
+          <p:nvPr>
+            <p:ph type="subTitle" idx="1"/>
+          </p:nvPr>
+        </p:nvSpPr>
+        <p:spPr/>
+        <p:txBody>
+          <a:bodyPr/>
+          <a:lstStyle/>
+          <a:p>
+            <a:r>
+              <a:rPr lang="en-US" dirty="0" smtClean="0"/>
+              <a:t>Let’s recreate this monster (follow along)</a:t>
+            </a:r>
+            <a:endParaRPr lang="en-US" dirty="0"/>
+          </a:p>
+        </p:txBody>
+      </p:sp>
+    </p:spTree>
+    <p:extLst>
+      <p:ext uri="{BB962C8B-B14F-4D97-AF65-F5344CB8AC3E}">
+        <p14:creationId xmlns:p14="http://schemas.microsoft.com/office/powerpoint/2010/main" val="3899806170"/>
+      </p:ext>
+    </p:extLst>
+  </p:cSld>
+  <p:clrMapOvr>
+    <a:masterClrMapping/>
+  </p:clrMapOvr>
+</p:sld>
+</file>
+
 <file path=ppt/slides/slide22.xml><?xml version="1.0" encoding="utf-8"?>
 <p:sld xmlns:a="http://schemas.openxmlformats.org/drawingml/2006/main" xmlns:r="http://schemas.openxmlformats.org/officeDocument/2006/relationships" xmlns:p="http://schemas.openxmlformats.org/presentationml/2006/main">
   <p:cSld>
@@ -7686,40 +7494,185 @@
             <a:spLocks noGrp="1"/>
           </p:cNvSpPr>
           <p:nvPr>
-            <p:ph type="ctrTitle"/>
-          </p:nvPr>
-        </p:nvSpPr>
-        <p:spPr/>
-        <p:txBody>
-          <a:bodyPr/>
-          <a:lstStyle/>
-          <a:p>
-            <a:r>
-              <a:rPr lang="en-US" dirty="0" smtClean="0"/>
-              <a:t>Begin writing code!</a:t>
-            </a:r>
-            <a:endParaRPr lang="en-US" dirty="0"/>
-          </a:p>
-        </p:txBody>
-      </p:sp>
-      <p:sp>
-        <p:nvSpPr>
-          <p:cNvPr id="5" name="Subtitle 4"/>
-          <p:cNvSpPr>
-            <a:spLocks noGrp="1"/>
-          </p:cNvSpPr>
-          <p:nvPr>
-            <p:ph type="subTitle" idx="1"/>
-          </p:nvPr>
-        </p:nvSpPr>
-        <p:spPr/>
-        <p:txBody>
-          <a:bodyPr/>
-          <a:lstStyle/>
-          <a:p>
-            <a:r>
-              <a:rPr lang="en-US" dirty="0" smtClean="0"/>
-              <a:t>Let’s recreate this monster (follow along)</a:t>
+            <p:ph type="title"/>
+          </p:nvPr>
+        </p:nvSpPr>
+        <p:spPr/>
+        <p:txBody>
+          <a:bodyPr/>
+          <a:lstStyle/>
+          <a:p>
+            <a:r>
+              <a:rPr lang="en-US" dirty="0" smtClean="0"/>
+              <a:t>1a. Beginning with D3</a:t>
+            </a:r>
+            <a:endParaRPr lang="en-US" dirty="0"/>
+          </a:p>
+        </p:txBody>
+      </p:sp>
+      <p:sp>
+        <p:nvSpPr>
+          <p:cNvPr id="3" name="Content Placeholder 2"/>
+          <p:cNvSpPr>
+            <a:spLocks noGrp="1"/>
+          </p:cNvSpPr>
+          <p:nvPr>
+            <p:ph idx="1"/>
+          </p:nvPr>
+        </p:nvSpPr>
+        <p:spPr>
+          <a:xfrm>
+            <a:off x="838200" y="1825625"/>
+            <a:ext cx="10515600" cy="4777476"/>
+          </a:xfrm>
+        </p:spPr>
+        <p:txBody>
+          <a:bodyPr/>
+          <a:lstStyle/>
+          <a:p>
+            <a:pPr marL="0" indent="0">
+              <a:buNone/>
+            </a:pPr>
+            <a:r>
+              <a:rPr lang="en-US" i="1" dirty="0" smtClean="0"/>
+              <a:t>Once we get set up, we should only visit controller (and </a:t>
+            </a:r>
+            <a:r>
+              <a:rPr lang="en-US" i="1" dirty="0" err="1" smtClean="0"/>
+              <a:t>css</a:t>
+            </a:r>
+            <a:r>
+              <a:rPr lang="en-US" i="1" dirty="0" smtClean="0"/>
+              <a:t>)</a:t>
+            </a:r>
+          </a:p>
+          <a:p>
+            <a:r>
+              <a:rPr lang="en-US" dirty="0" smtClean="0"/>
+              <a:t>Select the “#graph” element</a:t>
+            </a:r>
+          </a:p>
+          <a:p>
+            <a:pPr lvl="1"/>
+            <a:r>
+              <a:rPr lang="en-US" dirty="0" smtClean="0"/>
+              <a:t>Reference this with a </a:t>
+            </a:r>
+            <a:r>
+              <a:rPr lang="en-US" b="1" i="1" dirty="0" err="1" smtClean="0">
+                <a:solidFill>
+                  <a:schemeClr val="accent1">
+                    <a:lumMod val="60000"/>
+                    <a:lumOff val="40000"/>
+                  </a:schemeClr>
+                </a:solidFill>
+              </a:rPr>
+              <a:t>var</a:t>
+            </a:r>
+            <a:r>
+              <a:rPr lang="en-US" b="1" i="1" dirty="0">
+                <a:solidFill>
+                  <a:schemeClr val="accent1">
+                    <a:lumMod val="60000"/>
+                    <a:lumOff val="40000"/>
+                  </a:schemeClr>
+                </a:solidFill>
+              </a:rPr>
+              <a:t> </a:t>
+            </a:r>
+            <a:endParaRPr lang="en-US" b="1" i="1" dirty="0" smtClean="0">
+              <a:solidFill>
+                <a:schemeClr val="accent1">
+                  <a:lumMod val="60000"/>
+                  <a:lumOff val="40000"/>
+                </a:schemeClr>
+              </a:solidFill>
+            </a:endParaRPr>
+          </a:p>
+          <a:p>
+            <a:pPr lvl="1"/>
+            <a:r>
+              <a:rPr lang="en-US" dirty="0" smtClean="0"/>
+              <a:t>Give it dimensions</a:t>
+            </a:r>
+          </a:p>
+          <a:p>
+            <a:r>
+              <a:rPr lang="en-US" dirty="0" smtClean="0"/>
+              <a:t>Append g</a:t>
+            </a:r>
+          </a:p>
+          <a:p>
+            <a:pPr lvl="1"/>
+            <a:r>
+              <a:rPr lang="en-US" dirty="0" smtClean="0"/>
+              <a:t>Reference this g with a </a:t>
+            </a:r>
+            <a:r>
+              <a:rPr lang="en-US" b="1" i="1" dirty="0" err="1" smtClean="0">
+                <a:solidFill>
+                  <a:schemeClr val="accent1">
+                    <a:lumMod val="60000"/>
+                    <a:lumOff val="40000"/>
+                  </a:schemeClr>
+                </a:solidFill>
+              </a:rPr>
+              <a:t>var</a:t>
+            </a:r>
+            <a:endParaRPr lang="en-US" b="1" i="1" dirty="0" smtClean="0">
+              <a:solidFill>
+                <a:schemeClr val="accent1">
+                  <a:lumMod val="60000"/>
+                  <a:lumOff val="40000"/>
+                </a:schemeClr>
+              </a:solidFill>
+            </a:endParaRPr>
+          </a:p>
+          <a:p>
+            <a:r>
+              <a:rPr lang="en-US" dirty="0" err="1" smtClean="0"/>
+              <a:t>g.selectAll</a:t>
+            </a:r>
+            <a:r>
+              <a:rPr lang="en-US" dirty="0" smtClean="0"/>
+              <a:t>(‘.bar’)</a:t>
+            </a:r>
+          </a:p>
+          <a:p>
+            <a:pPr marL="457200" lvl="1" indent="0">
+              <a:buNone/>
+            </a:pPr>
+            <a:r>
+              <a:rPr lang="en-US" dirty="0" smtClean="0"/>
+              <a:t>.data(data)</a:t>
+            </a:r>
+          </a:p>
+          <a:p>
+            <a:pPr marL="457200" lvl="1" indent="0">
+              <a:buNone/>
+            </a:pPr>
+            <a:r>
+              <a:rPr lang="en-US" dirty="0" smtClean="0"/>
+              <a:t>.enter().append(‘</a:t>
+            </a:r>
+            <a:r>
+              <a:rPr lang="en-US" dirty="0" err="1" smtClean="0"/>
+              <a:t>rect</a:t>
+            </a:r>
+            <a:r>
+              <a:rPr lang="en-US" dirty="0" smtClean="0"/>
+              <a:t>’)</a:t>
+            </a:r>
+            <a:endParaRPr lang="en-US" dirty="0"/>
+          </a:p>
+          <a:p>
+            <a:r>
+              <a:rPr lang="en-US" dirty="0"/>
+              <a:t>Discuss SVG types &amp; explain </a:t>
+            </a:r>
+            <a:r>
+              <a:rPr lang="en-US" dirty="0" smtClean="0"/>
+              <a:t>SVG</a:t>
             </a:r>
             <a:endParaRPr lang="en-US" dirty="0"/>
           </a:p>
@@ -7728,7 +7681,7 @@
     </p:spTree>
     <p:extLst>
       <p:ext uri="{BB962C8B-B14F-4D97-AF65-F5344CB8AC3E}">
-        <p14:creationId xmlns:p14="http://schemas.microsoft.com/office/powerpoint/2010/main" val="3899806170"/>
+        <p14:creationId xmlns:p14="http://schemas.microsoft.com/office/powerpoint/2010/main" val="674903255"/>
       </p:ext>
     </p:extLst>
   </p:cSld>
@@ -7772,7 +7725,7 @@
           <a:p>
             <a:r>
               <a:rPr lang="en-US" dirty="0" smtClean="0"/>
-              <a:t>1a. Beginning with D3</a:t>
+              <a:t>1b. Use the bound data!</a:t>
             </a:r>
             <a:endParaRPr lang="en-US" dirty="0"/>
           </a:p>
@@ -7788,160 +7741,78 @@
             <p:ph idx="1"/>
           </p:nvPr>
         </p:nvSpPr>
-        <p:spPr>
-          <a:xfrm>
-            <a:off x="838200" y="1825625"/>
-            <a:ext cx="10515600" cy="4777476"/>
-          </a:xfrm>
-        </p:spPr>
-        <p:txBody>
-          <a:bodyPr/>
-          <a:lstStyle/>
-          <a:p>
-            <a:pPr marL="0" indent="0">
-              <a:buNone/>
-            </a:pPr>
-            <a:r>
-              <a:rPr lang="en-US" i="1" dirty="0" smtClean="0"/>
-              <a:t>Once we get set up, we should only visit controller (and </a:t>
-            </a:r>
-            <a:r>
-              <a:rPr lang="en-US" i="1" dirty="0" err="1" smtClean="0"/>
-              <a:t>css</a:t>
-            </a:r>
-            <a:r>
-              <a:rPr lang="en-US" i="1" dirty="0" smtClean="0"/>
-              <a:t>)</a:t>
-            </a:r>
-          </a:p>
-          <a:p>
-            <a:r>
-              <a:rPr lang="en-US" dirty="0" smtClean="0"/>
-              <a:t>Select the “#graph” element</a:t>
-            </a:r>
-          </a:p>
-          <a:p>
-            <a:pPr lvl="1"/>
-            <a:r>
-              <a:rPr lang="en-US" dirty="0" smtClean="0"/>
-              <a:t>Reference this with a </a:t>
-            </a:r>
-            <a:r>
-              <a:rPr lang="en-US" b="1" i="1" dirty="0" err="1" smtClean="0">
-                <a:solidFill>
-                  <a:schemeClr val="accent1">
-                    <a:lumMod val="60000"/>
-                    <a:lumOff val="40000"/>
-                  </a:schemeClr>
-                </a:solidFill>
-              </a:rPr>
-              <a:t>var</a:t>
-            </a:r>
-            <a:r>
-              <a:rPr lang="en-US" b="1" i="1" dirty="0">
-                <a:solidFill>
-                  <a:schemeClr val="accent1">
-                    <a:lumMod val="60000"/>
-                    <a:lumOff val="40000"/>
-                  </a:schemeClr>
-                </a:solidFill>
-              </a:rPr>
-              <a:t> </a:t>
-            </a:r>
-            <a:endParaRPr lang="en-US" b="1" i="1" dirty="0" smtClean="0">
-              <a:solidFill>
-                <a:schemeClr val="accent1">
-                  <a:lumMod val="60000"/>
-                  <a:lumOff val="40000"/>
-                </a:schemeClr>
-              </a:solidFill>
-            </a:endParaRPr>
-          </a:p>
-          <a:p>
-            <a:pPr lvl="1"/>
-            <a:r>
-              <a:rPr lang="en-US" dirty="0" smtClean="0"/>
-              <a:t>Give it dimensions</a:t>
-            </a:r>
-          </a:p>
-          <a:p>
-            <a:r>
-              <a:rPr lang="en-US" dirty="0" smtClean="0"/>
-              <a:t>Append g</a:t>
-            </a:r>
-          </a:p>
-          <a:p>
-            <a:pPr lvl="1"/>
-            <a:r>
-              <a:rPr lang="en-US" dirty="0" smtClean="0"/>
-              <a:t>Reference this g with a </a:t>
-            </a:r>
-            <a:r>
-              <a:rPr lang="en-US" b="1" i="1" dirty="0" err="1" smtClean="0">
-                <a:solidFill>
-                  <a:schemeClr val="accent1">
-                    <a:lumMod val="60000"/>
-                    <a:lumOff val="40000"/>
-                  </a:schemeClr>
-                </a:solidFill>
-              </a:rPr>
-              <a:t>var</a:t>
-            </a:r>
-            <a:endParaRPr lang="en-US" b="1" i="1" dirty="0" smtClean="0">
-              <a:solidFill>
-                <a:schemeClr val="accent1">
-                  <a:lumMod val="60000"/>
-                  <a:lumOff val="40000"/>
-                </a:schemeClr>
-              </a:solidFill>
-            </a:endParaRPr>
-          </a:p>
-          <a:p>
+        <p:spPr/>
+        <p:txBody>
+          <a:bodyPr/>
+          <a:lstStyle/>
+          <a:p>
+            <a:r>
+              <a:rPr lang="en-US" dirty="0" smtClean="0"/>
+              <a:t>Make height = </a:t>
+            </a:r>
             <a:r>
               <a:rPr lang="en-US" dirty="0" err="1" smtClean="0"/>
-              <a:t>g.selectAll</a:t>
-            </a:r>
-            <a:r>
-              <a:rPr lang="en-US" dirty="0" smtClean="0"/>
-              <a:t>(‘.bar’)</a:t>
-            </a:r>
-          </a:p>
-          <a:p>
-            <a:pPr marL="457200" lvl="1" indent="0">
-              <a:buNone/>
-            </a:pPr>
-            <a:r>
-              <a:rPr lang="en-US" dirty="0" smtClean="0"/>
-              <a:t>.data(data)</a:t>
-            </a:r>
-          </a:p>
-          <a:p>
-            <a:pPr marL="457200" lvl="1" indent="0">
-              <a:buNone/>
-            </a:pPr>
-            <a:r>
-              <a:rPr lang="en-US" dirty="0" smtClean="0"/>
-              <a:t>.enter().append(‘</a:t>
+              <a:t>d.frequency</a:t>
+            </a:r>
+            <a:endParaRPr lang="en-US" dirty="0" smtClean="0"/>
+          </a:p>
+          <a:p>
+            <a:r>
+              <a:rPr lang="en-US" dirty="0" smtClean="0"/>
+              <a:t>Make width = 10</a:t>
+            </a:r>
+          </a:p>
+          <a:p>
+            <a:r>
+              <a:rPr lang="en-US" dirty="0" smtClean="0"/>
+              <a:t>Make x = </a:t>
             </a:r>
             <a:r>
               <a:rPr lang="en-US" dirty="0" err="1" smtClean="0"/>
-              <a:t>rect</a:t>
-            </a:r>
-            <a:r>
-              <a:rPr lang="en-US" dirty="0" smtClean="0"/>
-              <a:t>’)</a:t>
-            </a:r>
-            <a:endParaRPr lang="en-US" dirty="0"/>
+              <a:t>i</a:t>
+            </a:r>
+            <a:r>
+              <a:rPr lang="en-US" dirty="0" smtClean="0"/>
+              <a:t>*10</a:t>
+            </a:r>
+          </a:p>
+          <a:p>
+            <a:endParaRPr lang="en-US" dirty="0" smtClean="0"/>
+          </a:p>
+          <a:p>
+            <a:r>
+              <a:rPr lang="en-US" dirty="0" smtClean="0"/>
+              <a:t>Try:</a:t>
+            </a:r>
           </a:p>
           <a:p>
             <a:r>
               <a:rPr lang="en-US" dirty="0"/>
-              <a:t>Discuss SVG types &amp; explain </a:t>
-            </a:r>
-            <a:r>
-              <a:rPr lang="en-US" dirty="0" smtClean="0"/>
-              <a:t>SVG</a:t>
-            </a:r>
+              <a:t>Make height = 1000x the frequency</a:t>
+            </a:r>
+          </a:p>
+          <a:p>
+            <a:r>
+              <a:rPr lang="en-US" dirty="0"/>
+              <a:t>Make width = 20</a:t>
+            </a:r>
+          </a:p>
+          <a:p>
+            <a:r>
+              <a:rPr lang="en-US" dirty="0"/>
+              <a:t>Make x = </a:t>
+            </a:r>
+            <a:r>
+              <a:rPr lang="en-US" dirty="0" err="1" smtClean="0"/>
+              <a:t>i</a:t>
+            </a:r>
+            <a:r>
+              <a:rPr lang="en-US" dirty="0" smtClean="0"/>
+              <a:t>*22</a:t>
+            </a:r>
+            <a:endParaRPr lang="en-US" dirty="0"/>
+          </a:p>
+          <a:p>
             <a:endParaRPr lang="en-US" dirty="0"/>
           </a:p>
         </p:txBody>
@@ -7949,7 +7820,7 @@
     </p:spTree>
     <p:extLst>
       <p:ext uri="{BB962C8B-B14F-4D97-AF65-F5344CB8AC3E}">
-        <p14:creationId xmlns:p14="http://schemas.microsoft.com/office/powerpoint/2010/main" val="674903255"/>
+        <p14:creationId xmlns:p14="http://schemas.microsoft.com/office/powerpoint/2010/main" val="1930288520"/>
       </p:ext>
     </p:extLst>
   </p:cSld>
@@ -7993,7 +7864,7 @@
           <a:p>
             <a:r>
               <a:rPr lang="en-US" dirty="0" smtClean="0"/>
-              <a:t>1b. Use the bound data!</a:t>
+              <a:t>1c. How to inspect</a:t>
             </a:r>
             <a:endParaRPr lang="en-US" dirty="0"/>
           </a:p>
@@ -8016,24 +7887,20 @@
           <a:p>
             <a:r>
               <a:rPr lang="en-US" dirty="0" smtClean="0"/>
-              <a:t>Make height = </a:t>
-            </a:r>
-            <a:r>
-              <a:rPr lang="en-US" dirty="0" err="1" smtClean="0"/>
-              <a:t>d.frequency</a:t>
-            </a:r>
-            <a:endParaRPr lang="en-US" dirty="0" smtClean="0"/>
-          </a:p>
-          <a:p>
-            <a:r>
-              <a:rPr lang="en-US" dirty="0" smtClean="0"/>
-              <a:t>Make width = 10</a:t>
-            </a:r>
-          </a:p>
-          <a:p>
-            <a:r>
-              <a:rPr lang="en-US" dirty="0" smtClean="0"/>
-              <a:t>Make x = </a:t>
+              <a:t>Show __data__ property of the element</a:t>
+            </a:r>
+          </a:p>
+          <a:p>
+            <a:r>
+              <a:rPr lang="en-US" dirty="0" smtClean="0"/>
+              <a:t>Show console.log(this)</a:t>
+            </a:r>
+          </a:p>
+          <a:p>
+            <a:pPr lvl="1"/>
+            <a:r>
+              <a:rPr lang="en-US" dirty="0" smtClean="0"/>
+              <a:t>(</a:t>
             </a:r>
             <a:r>
               <a:rPr lang="en-US" dirty="0" err="1" smtClean="0"/>
@@ -8041,54 +7908,32 @@
             </a:r>
             <a:r>
               <a:rPr lang="en-US" dirty="0" smtClean="0"/>
-              <a:t>*10</a:t>
+              <a:t>)</a:t>
+            </a:r>
+          </a:p>
+          <a:p>
+            <a:pPr lvl="1"/>
+            <a:r>
+              <a:rPr lang="en-US" dirty="0" smtClean="0"/>
+              <a:t>(d)</a:t>
+            </a:r>
+          </a:p>
+          <a:p>
+            <a:pPr lvl="1"/>
+            <a:r>
+              <a:rPr lang="en-US" dirty="0" smtClean="0"/>
+              <a:t>d3.select(this)</a:t>
             </a:r>
           </a:p>
           <a:p>
             <a:endParaRPr lang="en-US" dirty="0" smtClean="0"/>
-          </a:p>
-          <a:p>
-            <a:r>
-              <a:rPr lang="en-US" dirty="0" smtClean="0"/>
-              <a:t>Try:</a:t>
-            </a:r>
-          </a:p>
-          <a:p>
-            <a:r>
-              <a:rPr lang="en-US" dirty="0"/>
-              <a:t>Make height = 1000x the frequency</a:t>
-            </a:r>
-          </a:p>
-          <a:p>
-            <a:r>
-              <a:rPr lang="en-US" dirty="0"/>
-              <a:t>Make width = 20</a:t>
-            </a:r>
-          </a:p>
-          <a:p>
-            <a:r>
-              <a:rPr lang="en-US" dirty="0"/>
-              <a:t>Make x = </a:t>
-            </a:r>
-            <a:r>
-              <a:rPr lang="en-US" dirty="0" err="1" smtClean="0"/>
-              <a:t>i</a:t>
-            </a:r>
-            <a:r>
-              <a:rPr lang="en-US" dirty="0" smtClean="0"/>
-              <a:t>*22</a:t>
-            </a:r>
-            <a:endParaRPr lang="en-US" dirty="0"/>
-          </a:p>
-          <a:p>
-            <a:endParaRPr lang="en-US" dirty="0"/>
           </a:p>
         </p:txBody>
       </p:sp>
     </p:spTree>
     <p:extLst>
       <p:ext uri="{BB962C8B-B14F-4D97-AF65-F5344CB8AC3E}">
-        <p14:creationId xmlns:p14="http://schemas.microsoft.com/office/powerpoint/2010/main" val="1930288520"/>
+        <p14:creationId xmlns:p14="http://schemas.microsoft.com/office/powerpoint/2010/main" val="3300785810"/>
       </p:ext>
     </p:extLst>
   </p:cSld>
@@ -8132,7 +7977,7 @@
           <a:p>
             <a:r>
               <a:rPr lang="en-US" dirty="0" smtClean="0"/>
-              <a:t>1c. How to inspect</a:t>
+              <a:t>2. Build a scale that makes sense</a:t>
             </a:r>
             <a:endParaRPr lang="en-US" dirty="0"/>
           </a:p>
@@ -8155,53 +8000,58 @@
           <a:p>
             <a:r>
               <a:rPr lang="en-US" dirty="0" smtClean="0"/>
-              <a:t>Show __data__ property of the element</a:t>
-            </a:r>
-          </a:p>
-          <a:p>
-            <a:r>
-              <a:rPr lang="en-US" dirty="0" smtClean="0"/>
-              <a:t>Show console.log(this)</a:t>
-            </a:r>
-          </a:p>
-          <a:p>
-            <a:pPr lvl="1"/>
-            <a:r>
-              <a:rPr lang="en-US" dirty="0" smtClean="0"/>
-              <a:t>(</a:t>
+              <a:t>Create margin object</a:t>
+            </a:r>
+          </a:p>
+          <a:p>
+            <a:r>
+              <a:rPr lang="en-US" dirty="0" smtClean="0"/>
+              <a:t>Create “actual” width/height variables, subtracting the margins</a:t>
+            </a:r>
+          </a:p>
+          <a:p>
+            <a:endParaRPr lang="en-US" dirty="0" smtClean="0"/>
+          </a:p>
+          <a:p>
+            <a:r>
+              <a:rPr lang="en-US" dirty="0" smtClean="0"/>
+              <a:t>Pass these to x range - band (width) and y range - linear (height)</a:t>
+            </a:r>
+          </a:p>
+          <a:p>
+            <a:r>
+              <a:rPr lang="en-US" dirty="0" smtClean="0"/>
+              <a:t>Pass our data to the domain, using map for letters and max for </a:t>
             </a:r>
             <a:r>
               <a:rPr lang="en-US" dirty="0" err="1" smtClean="0"/>
-              <a:t>i</a:t>
-            </a:r>
-            <a:r>
-              <a:rPr lang="en-US" dirty="0" smtClean="0"/>
-              <a:t>)</a:t>
-            </a:r>
-          </a:p>
-          <a:p>
-            <a:pPr lvl="1"/>
-            <a:r>
-              <a:rPr lang="en-US" dirty="0" smtClean="0"/>
-              <a:t>(d)</a:t>
-            </a:r>
-          </a:p>
-          <a:p>
-            <a:pPr lvl="1"/>
-            <a:r>
-              <a:rPr lang="en-US" dirty="0" smtClean="0"/>
-              <a:t>d3.select(this)</a:t>
-            </a:r>
-          </a:p>
-          <a:p>
+              <a:t>requency</a:t>
+            </a:r>
             <a:endParaRPr lang="en-US" dirty="0" smtClean="0"/>
+          </a:p>
+          <a:p>
+            <a:endParaRPr lang="en-US" dirty="0"/>
+          </a:p>
+          <a:p>
+            <a:r>
+              <a:rPr lang="en-US" dirty="0" smtClean="0"/>
+              <a:t>Update our </a:t>
+            </a:r>
+            <a:r>
+              <a:rPr lang="en-US" dirty="0" err="1" smtClean="0"/>
+              <a:t>attr</a:t>
+            </a:r>
+            <a:r>
+              <a:rPr lang="en-US" dirty="0" smtClean="0"/>
+              <a:t> binding to use these new things</a:t>
+            </a:r>
           </a:p>
         </p:txBody>
       </p:sp>
     </p:spTree>
     <p:extLst>
       <p:ext uri="{BB962C8B-B14F-4D97-AF65-F5344CB8AC3E}">
-        <p14:creationId xmlns:p14="http://schemas.microsoft.com/office/powerpoint/2010/main" val="3300785810"/>
+        <p14:creationId xmlns:p14="http://schemas.microsoft.com/office/powerpoint/2010/main" val="1165932269"/>
       </p:ext>
     </p:extLst>
   </p:cSld>
@@ -8245,7 +8095,7 @@
           <a:p>
             <a:r>
               <a:rPr lang="en-US" dirty="0" smtClean="0"/>
-              <a:t>2. Build a scale that makes sense</a:t>
+              <a:t>3. Add the axes and some styling</a:t>
             </a:r>
             <a:endParaRPr lang="en-US" dirty="0"/>
           </a:p>
@@ -8268,13 +8118,15 @@
           <a:p>
             <a:r>
               <a:rPr lang="en-US" dirty="0" smtClean="0"/>
-              <a:t>Create margin object</a:t>
-            </a:r>
-          </a:p>
-          <a:p>
-            <a:r>
-              <a:rPr lang="en-US" dirty="0" smtClean="0"/>
-              <a:t>Create “actual” width/height variables, subtracting the margins</a:t>
+              <a:t>Append g with an </a:t>
+            </a:r>
+            <a:r>
+              <a:rPr lang="en-US" dirty="0" err="1" smtClean="0"/>
+              <a:t>axisBottom</a:t>
+            </a:r>
+            <a:r>
+              <a:rPr lang="en-US" dirty="0" smtClean="0"/>
+              <a:t> on x, translate for height (to put on bottom – otherwise it is a downward axis on the top)</a:t>
             </a:r>
           </a:p>
           <a:p>
@@ -8283,43 +8135,46 @@
           <a:p>
             <a:r>
               <a:rPr lang="en-US" dirty="0" smtClean="0"/>
-              <a:t>Pass these to x range - band (width) and y range - linear (height)</a:t>
-            </a:r>
-          </a:p>
-          <a:p>
-            <a:r>
-              <a:rPr lang="en-US" dirty="0" smtClean="0"/>
-              <a:t>Pass our data to the domain, using map for letters and max for </a:t>
+              <a:t>Append g with an axis for y, add 10 ticks with %</a:t>
+            </a:r>
+          </a:p>
+          <a:p>
+            <a:endParaRPr lang="en-US" dirty="0" smtClean="0"/>
+          </a:p>
+          <a:p>
+            <a:r>
+              <a:rPr lang="en-US" dirty="0" smtClean="0"/>
+              <a:t>Open our empty index.css </a:t>
+            </a:r>
+          </a:p>
+          <a:p>
+            <a:pPr lvl="1"/>
+            <a:r>
+              <a:rPr lang="en-US" dirty="0" smtClean="0"/>
+              <a:t>Add fill color for .bar class and .</a:t>
             </a:r>
             <a:r>
               <a:rPr lang="en-US" dirty="0" err="1" smtClean="0"/>
-              <a:t>requency</a:t>
+              <a:t>bar:hover</a:t>
             </a:r>
             <a:endParaRPr lang="en-US" dirty="0" smtClean="0"/>
           </a:p>
           <a:p>
-            <a:endParaRPr lang="en-US" dirty="0"/>
-          </a:p>
-          <a:p>
-            <a:r>
-              <a:rPr lang="en-US" dirty="0" smtClean="0"/>
-              <a:t>Update our </a:t>
-            </a:r>
-            <a:r>
-              <a:rPr lang="en-US" dirty="0" err="1" smtClean="0"/>
-              <a:t>attr</a:t>
-            </a:r>
-            <a:r>
-              <a:rPr lang="en-US" dirty="0" smtClean="0"/>
-              <a:t> binding to use these new things</a:t>
-            </a:r>
+            <a:pPr lvl="1"/>
+            <a:r>
+              <a:rPr lang="en-US" dirty="0" smtClean="0"/>
+              <a:t>Remove axis--x path</a:t>
+            </a:r>
+          </a:p>
+          <a:p>
+            <a:endParaRPr lang="en-US" dirty="0"/>
           </a:p>
         </p:txBody>
       </p:sp>
     </p:spTree>
     <p:extLst>
       <p:ext uri="{BB962C8B-B14F-4D97-AF65-F5344CB8AC3E}">
-        <p14:creationId xmlns:p14="http://schemas.microsoft.com/office/powerpoint/2010/main" val="1165932269"/>
+        <p14:creationId xmlns:p14="http://schemas.microsoft.com/office/powerpoint/2010/main" val="4110432089"/>
       </p:ext>
     </p:extLst>
   </p:cSld>
@@ -8348,93 +8203,46 @@
       </p:grpSpPr>
       <p:sp>
         <p:nvSpPr>
-          <p:cNvPr id="2" name="Title 1"/>
-          <p:cNvSpPr>
-            <a:spLocks noGrp="1"/>
-          </p:cNvSpPr>
-          <p:nvPr>
-            <p:ph type="title"/>
-          </p:nvPr>
-        </p:nvSpPr>
-        <p:spPr/>
-        <p:txBody>
-          <a:bodyPr/>
-          <a:lstStyle/>
-          <a:p>
-            <a:r>
-              <a:rPr lang="en-US" dirty="0" smtClean="0"/>
-              <a:t>3. Add the axes and some styling</a:t>
-            </a:r>
-            <a:endParaRPr lang="en-US" dirty="0"/>
-          </a:p>
-        </p:txBody>
-      </p:sp>
-      <p:sp>
-        <p:nvSpPr>
-          <p:cNvPr id="3" name="Content Placeholder 2"/>
-          <p:cNvSpPr>
-            <a:spLocks noGrp="1"/>
-          </p:cNvSpPr>
-          <p:nvPr>
-            <p:ph idx="1"/>
-          </p:nvPr>
-        </p:nvSpPr>
-        <p:spPr/>
-        <p:txBody>
-          <a:bodyPr/>
-          <a:lstStyle/>
-          <a:p>
-            <a:r>
-              <a:rPr lang="en-US" dirty="0" smtClean="0"/>
-              <a:t>Append g with an </a:t>
-            </a:r>
-            <a:r>
-              <a:rPr lang="en-US" dirty="0" err="1" smtClean="0"/>
-              <a:t>axisBottom</a:t>
-            </a:r>
-            <a:r>
-              <a:rPr lang="en-US" dirty="0" smtClean="0"/>
-              <a:t> on x, translate for height (to put on bottom – otherwise it is a downward axis on the top)</a:t>
-            </a:r>
-          </a:p>
-          <a:p>
-            <a:endParaRPr lang="en-US" dirty="0" smtClean="0"/>
-          </a:p>
-          <a:p>
-            <a:r>
-              <a:rPr lang="en-US" dirty="0" smtClean="0"/>
-              <a:t>Append g with an axis for y, add 10 ticks with %</a:t>
-            </a:r>
-          </a:p>
-          <a:p>
-            <a:endParaRPr lang="en-US" dirty="0" smtClean="0"/>
-          </a:p>
-          <a:p>
-            <a:r>
-              <a:rPr lang="en-US" dirty="0" smtClean="0"/>
-              <a:t>Open our empty index.css </a:t>
-            </a:r>
-          </a:p>
-          <a:p>
-            <a:pPr lvl="1"/>
-            <a:r>
-              <a:rPr lang="en-US" dirty="0" smtClean="0"/>
-              <a:t>Add fill color for .bar class and .</a:t>
-            </a:r>
-            <a:r>
-              <a:rPr lang="en-US" dirty="0" err="1" smtClean="0"/>
-              <a:t>bar:hover</a:t>
-            </a:r>
-            <a:endParaRPr lang="en-US" dirty="0" smtClean="0"/>
-          </a:p>
-          <a:p>
-            <a:pPr lvl="1"/>
-            <a:r>
-              <a:rPr lang="en-US" dirty="0" smtClean="0"/>
-              <a:t>Remove axis--x path</a:t>
-            </a:r>
-          </a:p>
-          <a:p>
+          <p:cNvPr id="4" name="Title 3"/>
+          <p:cNvSpPr>
+            <a:spLocks noGrp="1"/>
+          </p:cNvSpPr>
+          <p:nvPr>
+            <p:ph type="ctrTitle"/>
+          </p:nvPr>
+        </p:nvSpPr>
+        <p:spPr/>
+        <p:txBody>
+          <a:bodyPr/>
+          <a:lstStyle/>
+          <a:p>
+            <a:r>
+              <a:rPr lang="en-US" dirty="0" smtClean="0"/>
+              <a:t>Resources</a:t>
+            </a:r>
+            <a:endParaRPr lang="en-US" dirty="0"/>
+          </a:p>
+        </p:txBody>
+      </p:sp>
+      <p:sp>
+        <p:nvSpPr>
+          <p:cNvPr id="5" name="Subtitle 4"/>
+          <p:cNvSpPr>
+            <a:spLocks noGrp="1"/>
+          </p:cNvSpPr>
+          <p:nvPr>
+            <p:ph type="subTitle" idx="1"/>
+          </p:nvPr>
+        </p:nvSpPr>
+        <p:spPr/>
+        <p:txBody>
+          <a:bodyPr/>
+          <a:lstStyle/>
+          <a:p>
+            <a:r>
+              <a:rPr lang="en-US" dirty="0" smtClean="0"/>
+              <a:t>Things you should explore when looking further</a:t>
+            </a:r>
             <a:endParaRPr lang="en-US" dirty="0"/>
           </a:p>
         </p:txBody>
@@ -8442,7 +8250,7 @@
     </p:spTree>
     <p:extLst>
       <p:ext uri="{BB962C8B-B14F-4D97-AF65-F5344CB8AC3E}">
-        <p14:creationId xmlns:p14="http://schemas.microsoft.com/office/powerpoint/2010/main" val="4110432089"/>
+        <p14:creationId xmlns:p14="http://schemas.microsoft.com/office/powerpoint/2010/main" val="2724028488"/>
       </p:ext>
     </p:extLst>
   </p:cSld>
@@ -8471,7 +8279,7 @@
       </p:grpSpPr>
       <p:sp>
         <p:nvSpPr>
-          <p:cNvPr id="4" name="Title 3"/>
+          <p:cNvPr id="2" name="Title 1"/>
           <p:cNvSpPr>
             <a:spLocks noGrp="1"/>
           </p:cNvSpPr>
@@ -8486,15 +8294,15 @@
           <a:p>
             <a:r>
               <a:rPr lang="en-US" dirty="0" smtClean="0"/>
-              <a:t>Resources</a:t>
-            </a:r>
-            <a:endParaRPr lang="en-US" dirty="0"/>
-          </a:p>
-        </p:txBody>
-      </p:sp>
-      <p:sp>
-        <p:nvSpPr>
-          <p:cNvPr id="5" name="Subtitle 4"/>
+              <a:t>Read the docs!</a:t>
+            </a:r>
+            <a:endParaRPr lang="en-US" dirty="0"/>
+          </a:p>
+        </p:txBody>
+      </p:sp>
+      <p:sp>
+        <p:nvSpPr>
+          <p:cNvPr id="3" name="Content Placeholder 2"/>
           <p:cNvSpPr>
             <a:spLocks noGrp="1"/>
           </p:cNvSpPr>
@@ -8508,17 +8316,38 @@
           <a:lstStyle/>
           <a:p>
             <a:r>
-              <a:rPr lang="en-US" dirty="0" smtClean="0"/>
-              <a:t>Things you should explore when looking further</a:t>
-            </a:r>
-            <a:endParaRPr lang="en-US" dirty="0"/>
+              <a:rPr lang="en-US" b="1" dirty="0" smtClean="0"/>
+              <a:t>D3: </a:t>
+            </a:r>
+            <a:r>
+              <a:rPr lang="en-US" dirty="0" smtClean="0"/>
+              <a:t>https</a:t>
+            </a:r>
+            <a:r>
+              <a:rPr lang="en-US" dirty="0"/>
+              <a:t>://</a:t>
+            </a:r>
+            <a:r>
+              <a:rPr lang="en-US" dirty="0" smtClean="0"/>
+              <a:t>github.com/d3/d3/wiki</a:t>
+            </a:r>
+          </a:p>
+          <a:p>
+            <a:r>
+              <a:rPr lang="en-US" b="1" dirty="0"/>
+              <a:t>Web: </a:t>
+            </a:r>
+            <a:r>
+              <a:rPr lang="en-US" dirty="0"/>
+              <a:t>https://developer.mozilla.org/en-US/</a:t>
+            </a:r>
           </a:p>
         </p:txBody>
       </p:sp>
     </p:spTree>
     <p:extLst>
       <p:ext uri="{BB962C8B-B14F-4D97-AF65-F5344CB8AC3E}">
-        <p14:creationId xmlns:p14="http://schemas.microsoft.com/office/powerpoint/2010/main" val="2724028488"/>
+        <p14:creationId xmlns:p14="http://schemas.microsoft.com/office/powerpoint/2010/main" val="2779721294"/>
       </p:ext>
     </p:extLst>
   </p:cSld>
@@ -8547,7 +8376,7 @@
       </p:grpSpPr>
       <p:sp>
         <p:nvSpPr>
-          <p:cNvPr id="2" name="Title 1"/>
+          <p:cNvPr id="4" name="Title 3"/>
           <p:cNvSpPr>
             <a:spLocks noGrp="1"/>
           </p:cNvSpPr>
@@ -8562,15 +8391,15 @@
           <a:p>
             <a:r>
               <a:rPr lang="en-US" dirty="0" smtClean="0"/>
-              <a:t>Read the docs!</a:t>
-            </a:r>
-            <a:endParaRPr lang="en-US" dirty="0"/>
-          </a:p>
-        </p:txBody>
-      </p:sp>
-      <p:sp>
-        <p:nvSpPr>
-          <p:cNvPr id="3" name="Content Placeholder 2"/>
+              <a:t>Top 3 resources:</a:t>
+            </a:r>
+            <a:endParaRPr lang="en-US" dirty="0"/>
+          </a:p>
+        </p:txBody>
+      </p:sp>
+      <p:sp>
+        <p:nvSpPr>
+          <p:cNvPr id="5" name="Subtitle 4"/>
           <p:cNvSpPr>
             <a:spLocks noGrp="1"/>
           </p:cNvSpPr>
@@ -8584,38 +8413,47 @@
           <a:lstStyle/>
           <a:p>
             <a:r>
-              <a:rPr lang="en-US" b="1" dirty="0" smtClean="0"/>
-              <a:t>D3: </a:t>
-            </a:r>
-            <a:r>
-              <a:rPr lang="en-US" dirty="0" smtClean="0"/>
-              <a:t>https</a:t>
-            </a:r>
+              <a:rPr lang="en-US" dirty="0" smtClean="0"/>
+              <a:t>The d3 API documentation</a:t>
+            </a:r>
+          </a:p>
+          <a:p>
+            <a:r>
+              <a:rPr lang="en-US" dirty="0" smtClean="0"/>
+              <a:t>MDN web standards documentation</a:t>
+            </a:r>
+          </a:p>
+          <a:p>
             <a:r>
               <a:rPr lang="en-US" dirty="0"/>
-              <a:t>://</a:t>
-            </a:r>
-            <a:r>
-              <a:rPr lang="en-US" dirty="0" smtClean="0"/>
-              <a:t>github.com/d3/d3/wiki</a:t>
-            </a:r>
-          </a:p>
-          <a:p>
-            <a:r>
-              <a:rPr lang="en-US" b="1" dirty="0"/>
-              <a:t>Web: </a:t>
+              <a:t>Googling </a:t>
+            </a:r>
+            <a:r>
+              <a:rPr lang="en-US" dirty="0" smtClean="0"/>
+              <a:t>things you want to make </a:t>
             </a:r>
             <a:r>
               <a:rPr lang="en-US" dirty="0"/>
-              <a:t>https://developer.mozilla.org/en-US/</a:t>
-            </a:r>
+              <a:t>(“d3 scatterplot </a:t>
+            </a:r>
+            <a:r>
+              <a:rPr lang="en-US" dirty="0" err="1"/>
+              <a:t>bl.ocks</a:t>
+            </a:r>
+            <a:r>
+              <a:rPr lang="en-US" dirty="0"/>
+              <a:t>”)</a:t>
+            </a:r>
+          </a:p>
+          <a:p>
+            <a:endParaRPr lang="en-US" dirty="0"/>
           </a:p>
         </p:txBody>
       </p:sp>
     </p:spTree>
     <p:extLst>
       <p:ext uri="{BB962C8B-B14F-4D97-AF65-F5344CB8AC3E}">
-        <p14:creationId xmlns:p14="http://schemas.microsoft.com/office/powerpoint/2010/main" val="2779721294"/>
+        <p14:creationId xmlns:p14="http://schemas.microsoft.com/office/powerpoint/2010/main" val="3084310567"/>
       </p:ext>
     </p:extLst>
   </p:cSld>
@@ -8805,7 +8643,7 @@
       </p:grpSpPr>
       <p:sp>
         <p:nvSpPr>
-          <p:cNvPr id="4" name="Title 3"/>
+          <p:cNvPr id="2" name="Title 1"/>
           <p:cNvSpPr>
             <a:spLocks noGrp="1"/>
           </p:cNvSpPr>
@@ -8813,22 +8651,27 @@
             <p:ph type="ctrTitle"/>
           </p:nvPr>
         </p:nvSpPr>
-        <p:spPr/>
-        <p:txBody>
-          <a:bodyPr/>
-          <a:lstStyle/>
-          <a:p>
-            <a:r>
-              <a:rPr lang="en-US" dirty="0" smtClean="0"/>
-              <a:t>Top 3 resources:</a:t>
-            </a:r>
-            <a:endParaRPr lang="en-US" dirty="0"/>
-          </a:p>
-        </p:txBody>
-      </p:sp>
-      <p:sp>
-        <p:nvSpPr>
-          <p:cNvPr id="5" name="Subtitle 4"/>
+        <p:spPr>
+          <a:xfrm>
+            <a:off x="1524000" y="174567"/>
+            <a:ext cx="9144000" cy="982894"/>
+          </a:xfrm>
+        </p:spPr>
+        <p:txBody>
+          <a:bodyPr/>
+          <a:lstStyle/>
+          <a:p>
+            <a:r>
+              <a:rPr lang="en-US" dirty="0" smtClean="0"/>
+              <a:t>Listing the Basics:</a:t>
+            </a:r>
+            <a:endParaRPr lang="en-US" dirty="0"/>
+          </a:p>
+        </p:txBody>
+      </p:sp>
+      <p:sp>
+        <p:nvSpPr>
+          <p:cNvPr id="3" name="Subtitle 2"/>
           <p:cNvSpPr>
             <a:spLocks noGrp="1"/>
           </p:cNvSpPr>
@@ -8836,45 +8679,140 @@
             <p:ph type="subTitle" idx="1"/>
           </p:nvPr>
         </p:nvSpPr>
-        <p:spPr/>
-        <p:txBody>
-          <a:bodyPr/>
-          <a:lstStyle/>
-          <a:p>
-            <a:r>
-              <a:rPr lang="en-US" dirty="0" smtClean="0"/>
-              <a:t>The d3 API documentation</a:t>
-            </a:r>
-          </a:p>
-          <a:p>
-            <a:r>
-              <a:rPr lang="en-US" dirty="0" smtClean="0"/>
-              <a:t>MDN web standards documentation</a:t>
-            </a:r>
-          </a:p>
-          <a:p>
-            <a:r>
-              <a:rPr lang="en-US" dirty="0"/>
-              <a:t>Googling </a:t>
-            </a:r>
-            <a:r>
-              <a:rPr lang="en-US" dirty="0" smtClean="0"/>
-              <a:t>things you want to make </a:t>
-            </a:r>
-            <a:r>
-              <a:rPr lang="en-US" dirty="0"/>
-              <a:t>(“d3 scatterplot </a:t>
-            </a:r>
-            <a:r>
-              <a:rPr lang="en-US" dirty="0" err="1"/>
-              <a:t>bl.ocks</a:t>
-            </a:r>
-            <a:r>
-              <a:rPr lang="en-US" dirty="0"/>
-              <a:t>”)</a:t>
-            </a:r>
-          </a:p>
-          <a:p>
+        <p:spPr>
+          <a:xfrm>
+            <a:off x="2219498" y="1263535"/>
+            <a:ext cx="7753004" cy="5412394"/>
+          </a:xfrm>
+        </p:spPr>
+        <p:txBody>
+          <a:bodyPr>
+            <a:normAutofit/>
+          </a:bodyPr>
+          <a:lstStyle/>
+          <a:p>
+            <a:pPr algn="l"/>
+            <a:r>
+              <a:rPr lang="en-US" sz="2800" b="1" dirty="0" smtClean="0"/>
+              <a:t>Know what these are, you will use them often:</a:t>
+            </a:r>
+          </a:p>
+          <a:p>
+            <a:pPr marL="342900" indent="-342900" algn="l">
+              <a:buFont typeface="Arial" panose="020B0604020202020204" pitchFamily="34" charset="0"/>
+              <a:buChar char="•"/>
+            </a:pPr>
+            <a:r>
+              <a:rPr lang="en-US" dirty="0" smtClean="0"/>
+              <a:t>Selections (select, </a:t>
+            </a:r>
+            <a:r>
+              <a:rPr lang="en-US" dirty="0" err="1" smtClean="0"/>
+              <a:t>selectAll</a:t>
+            </a:r>
+            <a:r>
+              <a:rPr lang="en-US" dirty="0" smtClean="0"/>
+              <a:t> and how they work)</a:t>
+            </a:r>
+          </a:p>
+          <a:p>
+            <a:pPr marL="342900" indent="-342900" algn="l">
+              <a:buFont typeface="Arial" panose="020B0604020202020204" pitchFamily="34" charset="0"/>
+              <a:buChar char="•"/>
+            </a:pPr>
+            <a:r>
+              <a:rPr lang="en-US" dirty="0" smtClean="0"/>
+              <a:t>SVG types (circle, </a:t>
+            </a:r>
+            <a:r>
+              <a:rPr lang="en-US" dirty="0" err="1" smtClean="0"/>
+              <a:t>rect</a:t>
+            </a:r>
+            <a:r>
+              <a:rPr lang="en-US" dirty="0" smtClean="0"/>
+              <a:t>, text, path)</a:t>
+            </a:r>
+          </a:p>
+          <a:p>
+            <a:pPr marL="342900" indent="-342900" algn="l">
+              <a:buFont typeface="Arial" panose="020B0604020202020204" pitchFamily="34" charset="0"/>
+              <a:buChar char="•"/>
+            </a:pPr>
+            <a:r>
+              <a:rPr lang="en-US" dirty="0" smtClean="0"/>
+              <a:t>Data Enter/Append</a:t>
+            </a:r>
+          </a:p>
+          <a:p>
+            <a:pPr marL="342900" indent="-342900" algn="l">
+              <a:buFont typeface="Arial" panose="020B0604020202020204" pitchFamily="34" charset="0"/>
+              <a:buChar char="•"/>
+            </a:pPr>
+            <a:r>
+              <a:rPr lang="en-US" dirty="0" smtClean="0"/>
+              <a:t>Data Exit/Remove</a:t>
+            </a:r>
+          </a:p>
+          <a:p>
+            <a:pPr marL="342900" indent="-342900" algn="l">
+              <a:buFont typeface="Arial" panose="020B0604020202020204" pitchFamily="34" charset="0"/>
+              <a:buChar char="•"/>
+            </a:pPr>
+            <a:r>
+              <a:rPr lang="en-US" dirty="0" smtClean="0"/>
+              <a:t>Chaining</a:t>
+            </a:r>
+          </a:p>
+          <a:p>
+            <a:pPr marL="342900" indent="-342900" algn="l">
+              <a:buFont typeface="Arial" panose="020B0604020202020204" pitchFamily="34" charset="0"/>
+              <a:buChar char="•"/>
+            </a:pPr>
+            <a:r>
+              <a:rPr lang="en-US" dirty="0" err="1" smtClean="0"/>
+              <a:t>Attributes+Transitions</a:t>
+            </a:r>
+            <a:endParaRPr lang="en-US" dirty="0" smtClean="0"/>
+          </a:p>
+          <a:p>
+            <a:pPr marL="342900" indent="-342900" algn="l">
+              <a:buFont typeface="Arial" panose="020B0604020202020204" pitchFamily="34" charset="0"/>
+              <a:buChar char="•"/>
+            </a:pPr>
+            <a:r>
+              <a:rPr lang="en-US" dirty="0" smtClean="0"/>
+              <a:t>Arrays: Min/Max/Range, Keys, Merge, Nest</a:t>
+            </a:r>
+          </a:p>
+          <a:p>
+            <a:pPr marL="342900" indent="-342900" algn="l">
+              <a:buFont typeface="Arial" panose="020B0604020202020204" pitchFamily="34" charset="0"/>
+              <a:buChar char="•"/>
+            </a:pPr>
+            <a:r>
+              <a:rPr lang="en-US" dirty="0" smtClean="0"/>
+              <a:t>Scales</a:t>
+            </a:r>
+          </a:p>
+          <a:p>
+            <a:pPr marL="342900" indent="-342900" algn="l">
+              <a:buFont typeface="Arial" panose="020B0604020202020204" pitchFamily="34" charset="0"/>
+              <a:buChar char="•"/>
+            </a:pPr>
+            <a:r>
+              <a:rPr lang="en-US" dirty="0" smtClean="0"/>
+              <a:t>Color</a:t>
+            </a:r>
+          </a:p>
+          <a:p>
+            <a:pPr marL="342900" indent="-342900" algn="l">
+              <a:buFont typeface="Arial" panose="020B0604020202020204" pitchFamily="34" charset="0"/>
+              <a:buChar char="•"/>
+            </a:pPr>
+            <a:r>
+              <a:rPr lang="en-US" dirty="0" smtClean="0"/>
+              <a:t>Axes</a:t>
+            </a:r>
             <a:endParaRPr lang="en-US" dirty="0"/>
           </a:p>
         </p:txBody>
@@ -8882,7 +8820,7 @@
     </p:spTree>
     <p:extLst>
       <p:ext uri="{BB962C8B-B14F-4D97-AF65-F5344CB8AC3E}">
-        <p14:creationId xmlns:p14="http://schemas.microsoft.com/office/powerpoint/2010/main" val="3084310567"/>
+        <p14:creationId xmlns:p14="http://schemas.microsoft.com/office/powerpoint/2010/main" val="1452815126"/>
       </p:ext>
     </p:extLst>
   </p:cSld>
@@ -8919,19 +8857,14 @@
             <p:ph type="ctrTitle"/>
           </p:nvPr>
         </p:nvSpPr>
-        <p:spPr>
-          <a:xfrm>
-            <a:off x="1524000" y="174567"/>
-            <a:ext cx="9144000" cy="982894"/>
-          </a:xfrm>
-        </p:spPr>
-        <p:txBody>
-          <a:bodyPr/>
-          <a:lstStyle/>
-          <a:p>
-            <a:r>
-              <a:rPr lang="en-US" dirty="0" smtClean="0"/>
-              <a:t>Listing the Basics:</a:t>
+        <p:spPr/>
+        <p:txBody>
+          <a:bodyPr/>
+          <a:lstStyle/>
+          <a:p>
+            <a:r>
+              <a:rPr lang="en-US" dirty="0" smtClean="0"/>
+              <a:t>Design Basics for Charts</a:t>
             </a:r>
             <a:endParaRPr lang="en-US" dirty="0"/>
           </a:p>
@@ -8947,139 +8880,32 @@
             <p:ph type="subTitle" idx="1"/>
           </p:nvPr>
         </p:nvSpPr>
-        <p:spPr>
-          <a:xfrm>
-            <a:off x="2219498" y="1263535"/>
-            <a:ext cx="7753004" cy="5412394"/>
-          </a:xfrm>
-        </p:spPr>
-        <p:txBody>
-          <a:bodyPr>
-            <a:normAutofit/>
-          </a:bodyPr>
-          <a:lstStyle/>
-          <a:p>
-            <a:pPr algn="l"/>
-            <a:r>
-              <a:rPr lang="en-US" sz="2800" b="1" dirty="0" smtClean="0"/>
-              <a:t>Know what these are, you will use them often:</a:t>
-            </a:r>
-          </a:p>
-          <a:p>
-            <a:pPr marL="342900" indent="-342900" algn="l">
-              <a:buFont typeface="Arial" panose="020B0604020202020204" pitchFamily="34" charset="0"/>
-              <a:buChar char="•"/>
-            </a:pPr>
-            <a:r>
-              <a:rPr lang="en-US" dirty="0" smtClean="0"/>
-              <a:t>Selections (select, </a:t>
+        <p:spPr/>
+        <p:txBody>
+          <a:bodyPr/>
+          <a:lstStyle/>
+          <a:p>
+            <a:r>
+              <a:rPr lang="en-US" sz="4000" dirty="0"/>
+              <a:t>http://</a:t>
+            </a:r>
+            <a:r>
+              <a:rPr lang="en-US" sz="4000" dirty="0" smtClean="0"/>
+              <a:t>bit.ly/1RfYZxm</a:t>
+            </a:r>
+          </a:p>
+          <a:p>
+            <a:r>
+              <a:rPr lang="en-US" dirty="0" smtClean="0"/>
+              <a:t>Worth mentioning: There are additional </a:t>
             </a:r>
             <a:r>
               <a:rPr lang="en-US" dirty="0" err="1" smtClean="0"/>
-              <a:t>selectAll</a:t>
-            </a:r>
-            <a:r>
-              <a:rPr lang="en-US" dirty="0" smtClean="0"/>
-              <a:t> and how they work)</a:t>
-            </a:r>
-          </a:p>
-          <a:p>
-            <a:pPr marL="342900" indent="-342900" algn="l">
-              <a:buFont typeface="Arial" panose="020B0604020202020204" pitchFamily="34" charset="0"/>
-              <a:buChar char="•"/>
-            </a:pPr>
-            <a:r>
-              <a:rPr lang="en-US" dirty="0" smtClean="0"/>
-              <a:t>SVG types (circle, </a:t>
-            </a:r>
-            <a:r>
-              <a:rPr lang="en-US" dirty="0" err="1" smtClean="0"/>
-              <a:t>rect</a:t>
-            </a:r>
-            <a:r>
-              <a:rPr lang="en-US" dirty="0" smtClean="0"/>
-              <a:t>, text, path)</a:t>
-            </a:r>
-          </a:p>
-          <a:p>
-            <a:pPr marL="342900" indent="-342900" algn="l">
-              <a:buFont typeface="Arial" panose="020B0604020202020204" pitchFamily="34" charset="0"/>
-              <a:buChar char="•"/>
-            </a:pPr>
-            <a:r>
-              <a:rPr lang="en-US" dirty="0" smtClean="0"/>
-              <a:t>Data Enter/Append</a:t>
-            </a:r>
-          </a:p>
-          <a:p>
-            <a:pPr marL="342900" indent="-342900" algn="l">
-              <a:buFont typeface="Arial" panose="020B0604020202020204" pitchFamily="34" charset="0"/>
-              <a:buChar char="•"/>
-            </a:pPr>
-            <a:r>
-              <a:rPr lang="en-US" dirty="0" smtClean="0"/>
-              <a:t>Data Exit/Remove</a:t>
-            </a:r>
-          </a:p>
-          <a:p>
-            <a:pPr marL="342900" indent="-342900" algn="l">
-              <a:buFont typeface="Arial" panose="020B0604020202020204" pitchFamily="34" charset="0"/>
-              <a:buChar char="•"/>
-            </a:pPr>
-            <a:r>
-              <a:rPr lang="en-US" dirty="0" smtClean="0"/>
-              <a:t>Chaining</a:t>
-            </a:r>
-          </a:p>
-          <a:p>
-            <a:pPr marL="342900" indent="-342900" algn="l">
-              <a:buFont typeface="Arial" panose="020B0604020202020204" pitchFamily="34" charset="0"/>
-              <a:buChar char="•"/>
-            </a:pPr>
-            <a:r>
-              <a:rPr lang="en-US" dirty="0" err="1" smtClean="0"/>
-              <a:t>Attributes+Transitions</a:t>
-            </a:r>
-            <a:endParaRPr lang="en-US" dirty="0" smtClean="0"/>
-          </a:p>
-          <a:p>
-            <a:pPr marL="342900" indent="-342900" algn="l">
-              <a:buFont typeface="Arial" panose="020B0604020202020204" pitchFamily="34" charset="0"/>
-              <a:buChar char="•"/>
-            </a:pPr>
-            <a:r>
-              <a:rPr lang="en-US" dirty="0" smtClean="0"/>
-              <a:t>Arrays: Min/Max/Range, Keys, Merge, Nest</a:t>
-            </a:r>
-          </a:p>
-          <a:p>
-            <a:pPr marL="342900" indent="-342900" algn="l">
-              <a:buFont typeface="Arial" panose="020B0604020202020204" pitchFamily="34" charset="0"/>
-              <a:buChar char="•"/>
-            </a:pPr>
-            <a:r>
-              <a:rPr lang="en-US" dirty="0" smtClean="0"/>
-              <a:t>Scales</a:t>
-            </a:r>
-          </a:p>
-          <a:p>
-            <a:pPr marL="342900" indent="-342900" algn="l">
-              <a:buFont typeface="Arial" panose="020B0604020202020204" pitchFamily="34" charset="0"/>
-              <a:buChar char="•"/>
-            </a:pPr>
-            <a:r>
-              <a:rPr lang="en-US" dirty="0" smtClean="0"/>
-              <a:t>Color</a:t>
-            </a:r>
-          </a:p>
-          <a:p>
-            <a:pPr marL="342900" indent="-342900" algn="l">
-              <a:buFont typeface="Arial" panose="020B0604020202020204" pitchFamily="34" charset="0"/>
-              <a:buChar char="•"/>
-            </a:pPr>
-            <a:r>
-              <a:rPr lang="en-US" dirty="0" smtClean="0"/>
-              <a:t>Axes</a:t>
+              <a:t>slidedecks</a:t>
+            </a:r>
+            <a:r>
+              <a:rPr lang="en-US" dirty="0" smtClean="0"/>
+              <a:t> by the above authors on Maps, Pie Charts, and even Data Tables</a:t>
             </a:r>
             <a:endParaRPr lang="en-US" dirty="0"/>
           </a:p>
@@ -9088,7 +8914,7 @@
     </p:spTree>
     <p:extLst>
       <p:ext uri="{BB962C8B-B14F-4D97-AF65-F5344CB8AC3E}">
-        <p14:creationId xmlns:p14="http://schemas.microsoft.com/office/powerpoint/2010/main" val="1452815126"/>
+        <p14:creationId xmlns:p14="http://schemas.microsoft.com/office/powerpoint/2010/main" val="4186733631"/>
       </p:ext>
     </p:extLst>
   </p:cSld>
@@ -9125,14 +8951,19 @@
             <p:ph type="ctrTitle"/>
           </p:nvPr>
         </p:nvSpPr>
-        <p:spPr/>
-        <p:txBody>
-          <a:bodyPr/>
-          <a:lstStyle/>
-          <a:p>
-            <a:r>
-              <a:rPr lang="en-US" dirty="0" smtClean="0"/>
-              <a:t>Design Basics for Charts</a:t>
+        <p:spPr>
+          <a:xfrm>
+            <a:off x="987829" y="108066"/>
+            <a:ext cx="10216342" cy="1273838"/>
+          </a:xfrm>
+        </p:spPr>
+        <p:txBody>
+          <a:bodyPr/>
+          <a:lstStyle/>
+          <a:p>
+            <a:r>
+              <a:rPr lang="en-US" dirty="0" smtClean="0"/>
+              <a:t>Advanced d3 Abilities</a:t>
             </a:r>
             <a:endParaRPr lang="en-US" dirty="0"/>
           </a:p>
@@ -9148,41 +8979,223 @@
             <p:ph type="subTitle" idx="1"/>
           </p:nvPr>
         </p:nvSpPr>
-        <p:spPr/>
-        <p:txBody>
-          <a:bodyPr/>
-          <a:lstStyle/>
-          <a:p>
-            <a:r>
-              <a:rPr lang="en-US" sz="4000" dirty="0"/>
+        <p:spPr>
+          <a:xfrm>
+            <a:off x="201337" y="1975104"/>
+            <a:ext cx="6317673" cy="4160559"/>
+          </a:xfrm>
+        </p:spPr>
+        <p:txBody>
+          <a:bodyPr>
+            <a:normAutofit/>
+          </a:bodyPr>
+          <a:lstStyle/>
+          <a:p>
+            <a:pPr algn="l"/>
+            <a:r>
+              <a:rPr lang="en-US" b="1" dirty="0"/>
+              <a:t>Curve Interpolations: </a:t>
+            </a:r>
+            <a:r>
+              <a:rPr lang="en-US" dirty="0"/>
               <a:t>http://</a:t>
             </a:r>
             <a:r>
-              <a:rPr lang="en-US" sz="4000" dirty="0" smtClean="0"/>
-              <a:t>bit.ly/1RfYZxm</a:t>
-            </a:r>
-          </a:p>
-          <a:p>
-            <a:r>
-              <a:rPr lang="en-US" dirty="0" smtClean="0"/>
-              <a:t>Worth mentioning: There are additional </a:t>
-            </a:r>
-            <a:r>
-              <a:rPr lang="en-US" dirty="0" err="1" smtClean="0"/>
-              <a:t>slidedecks</a:t>
-            </a:r>
-            <a:r>
-              <a:rPr lang="en-US" dirty="0" smtClean="0"/>
-              <a:t> by the above authors on Maps, Pie Charts, and even Data Tables</a:t>
-            </a:r>
-            <a:endParaRPr lang="en-US" dirty="0"/>
+              <a:rPr lang="en-US" dirty="0" smtClean="0"/>
+              <a:t>bit.ly/2xR9VxX</a:t>
+            </a:r>
+            <a:endParaRPr lang="en-US" dirty="0"/>
+          </a:p>
+          <a:p>
+            <a:pPr algn="l"/>
+            <a:r>
+              <a:rPr lang="en-US" b="1" dirty="0" err="1" smtClean="0"/>
+              <a:t>Voronoi</a:t>
+            </a:r>
+            <a:r>
+              <a:rPr lang="en-US" b="1" dirty="0" smtClean="0"/>
+              <a:t>: </a:t>
+            </a:r>
+            <a:r>
+              <a:rPr lang="en-US" dirty="0"/>
+              <a:t>http://</a:t>
+            </a:r>
+            <a:r>
+              <a:rPr lang="en-US" dirty="0" smtClean="0"/>
+              <a:t>bit.ly/2gK35mi </a:t>
+            </a:r>
+          </a:p>
+          <a:p>
+            <a:pPr algn="l"/>
+            <a:r>
+              <a:rPr lang="en-US" dirty="0"/>
+              <a:t>	https://</a:t>
+            </a:r>
+            <a:r>
+              <a:rPr lang="en-US" dirty="0" smtClean="0"/>
+              <a:t>bl.ocks.org/mbostock/4060366</a:t>
+            </a:r>
+          </a:p>
+          <a:p>
+            <a:pPr algn="l"/>
+            <a:r>
+              <a:rPr lang="en-US" b="1" dirty="0" smtClean="0"/>
+              <a:t>Zooming: </a:t>
+            </a:r>
+            <a:r>
+              <a:rPr lang="en-US" dirty="0"/>
+              <a:t>http://</a:t>
+            </a:r>
+            <a:r>
+              <a:rPr lang="en-US" dirty="0" smtClean="0"/>
+              <a:t>bit.ly/2f6WYsg</a:t>
+            </a:r>
+          </a:p>
+          <a:p>
+            <a:pPr algn="l"/>
+            <a:r>
+              <a:rPr lang="en-US" b="1" dirty="0" smtClean="0"/>
+              <a:t>Brushing/Zooming: </a:t>
+            </a:r>
+            <a:r>
+              <a:rPr lang="en-US" dirty="0"/>
+              <a:t>http://bit.ly/2lTjfef</a:t>
+            </a:r>
+            <a:endParaRPr lang="en-US" dirty="0" smtClean="0"/>
+          </a:p>
+          <a:p>
+            <a:pPr algn="l"/>
+            <a:r>
+              <a:rPr lang="en-US" b="1" dirty="0" smtClean="0"/>
+              <a:t>Stacking:</a:t>
+            </a:r>
+            <a:r>
+              <a:rPr lang="en-US" dirty="0"/>
+              <a:t> http://</a:t>
+            </a:r>
+            <a:r>
+              <a:rPr lang="en-US" dirty="0" smtClean="0"/>
+              <a:t>bl.ocks.org/mbostock/582915</a:t>
+            </a:r>
+          </a:p>
+          <a:p>
+            <a:pPr algn="l"/>
+            <a:r>
+              <a:rPr lang="en-US" b="1" dirty="0" smtClean="0"/>
+              <a:t>Collision Constraint: </a:t>
+            </a:r>
+            <a:r>
+              <a:rPr lang="en-US" dirty="0"/>
+              <a:t>http://</a:t>
+            </a:r>
+            <a:r>
+              <a:rPr lang="en-US" dirty="0" smtClean="0"/>
+              <a:t>bit.ly/2vOPk05</a:t>
+            </a:r>
+          </a:p>
+          <a:p>
+            <a:pPr algn="l"/>
+            <a:r>
+              <a:rPr lang="en-US" b="1" dirty="0" smtClean="0"/>
+              <a:t>Dragging: </a:t>
+            </a:r>
+            <a:r>
+              <a:rPr lang="en-US" dirty="0"/>
+              <a:t>http://</a:t>
+            </a:r>
+            <a:r>
+              <a:rPr lang="en-US" dirty="0" smtClean="0"/>
+              <a:t>bit.ly/2j6x5gH</a:t>
+            </a:r>
+          </a:p>
+          <a:p>
+            <a:pPr algn="l"/>
+            <a:r>
+              <a:rPr lang="en-US" b="1" dirty="0" smtClean="0"/>
+              <a:t>“Each”: </a:t>
+            </a:r>
+            <a:r>
+              <a:rPr lang="en-US" dirty="0"/>
+              <a:t>https://</a:t>
+            </a:r>
+            <a:r>
+              <a:rPr lang="en-US" dirty="0" smtClean="0"/>
+              <a:t>bl.ocks.org/mbostock/9490313</a:t>
+            </a:r>
+          </a:p>
+          <a:p>
+            <a:pPr algn="l"/>
+            <a:endParaRPr lang="en-US" dirty="0"/>
+          </a:p>
+        </p:txBody>
+      </p:sp>
+      <p:sp>
+        <p:nvSpPr>
+          <p:cNvPr id="4" name="Rectangle 3"/>
+          <p:cNvSpPr/>
+          <p:nvPr/>
+        </p:nvSpPr>
+        <p:spPr>
+          <a:xfrm>
+            <a:off x="6519010" y="3085888"/>
+            <a:ext cx="6096000" cy="1938992"/>
+          </a:xfrm>
+          <a:prstGeom prst="rect">
+            <a:avLst/>
+          </a:prstGeom>
+        </p:spPr>
+        <p:txBody>
+          <a:bodyPr>
+            <a:spAutoFit/>
+          </a:bodyPr>
+          <a:lstStyle/>
+          <a:p>
+            <a:r>
+              <a:rPr lang="en-US" sz="2400" b="1" dirty="0"/>
+              <a:t>Dispatching</a:t>
+            </a:r>
+            <a:r>
+              <a:rPr lang="en-US" sz="2400" dirty="0"/>
+              <a:t> (super advanced): https://</a:t>
+            </a:r>
+            <a:r>
+              <a:rPr lang="en-US" sz="2400" dirty="0" smtClean="0"/>
+              <a:t>bl.ocks.org/mbostock/5872848</a:t>
+            </a:r>
+          </a:p>
+          <a:p>
+            <a:endParaRPr lang="en-US" sz="2400" dirty="0"/>
+          </a:p>
+          <a:p>
+            <a:r>
+              <a:rPr lang="en-US" sz="2400" b="1" dirty="0"/>
+              <a:t>Modules/Plugins</a:t>
+            </a:r>
+            <a:r>
+              <a:rPr lang="en-US" sz="2400" dirty="0"/>
+              <a:t> (</a:t>
+            </a:r>
+            <a:r>
+              <a:rPr lang="en-US" sz="2400" i="1" dirty="0"/>
+              <a:t>most</a:t>
+            </a:r>
+            <a:r>
+              <a:rPr lang="en-US" sz="2400" dirty="0"/>
+              <a:t> advanced):</a:t>
+            </a:r>
+          </a:p>
+          <a:p>
+            <a:r>
+              <a:rPr lang="en-US" sz="2400" dirty="0"/>
+              <a:t>https://bost.ocks.org/mike/d3-plugin/</a:t>
+            </a:r>
           </a:p>
         </p:txBody>
       </p:sp>
     </p:spTree>
     <p:extLst>
       <p:ext uri="{BB962C8B-B14F-4D97-AF65-F5344CB8AC3E}">
-        <p14:creationId xmlns:p14="http://schemas.microsoft.com/office/powerpoint/2010/main" val="4186733631"/>
+        <p14:creationId xmlns:p14="http://schemas.microsoft.com/office/powerpoint/2010/main" val="3499195240"/>
       </p:ext>
     </p:extLst>
   </p:cSld>
@@ -9219,19 +9232,14 @@
             <p:ph type="ctrTitle"/>
           </p:nvPr>
         </p:nvSpPr>
-        <p:spPr>
-          <a:xfrm>
-            <a:off x="987829" y="108066"/>
-            <a:ext cx="10216342" cy="1273838"/>
-          </a:xfrm>
-        </p:spPr>
-        <p:txBody>
-          <a:bodyPr/>
-          <a:lstStyle/>
-          <a:p>
-            <a:r>
-              <a:rPr lang="en-US" dirty="0" smtClean="0"/>
-              <a:t>Advanced d3 Abilities</a:t>
+        <p:spPr/>
+        <p:txBody>
+          <a:bodyPr/>
+          <a:lstStyle/>
+          <a:p>
+            <a:r>
+              <a:rPr lang="en-US" dirty="0" smtClean="0"/>
+              <a:t>SVG Documentation</a:t>
             </a:r>
             <a:endParaRPr lang="en-US" dirty="0"/>
           </a:p>
@@ -9247,223 +9255,33 @@
             <p:ph type="subTitle" idx="1"/>
           </p:nvPr>
         </p:nvSpPr>
-        <p:spPr>
-          <a:xfrm>
-            <a:off x="201337" y="1975104"/>
-            <a:ext cx="6317673" cy="4160559"/>
-          </a:xfrm>
-        </p:spPr>
-        <p:txBody>
-          <a:bodyPr>
-            <a:normAutofit/>
-          </a:bodyPr>
-          <a:lstStyle/>
-          <a:p>
-            <a:pPr algn="l"/>
-            <a:r>
-              <a:rPr lang="en-US" b="1" dirty="0"/>
-              <a:t>Curve Interpolations: </a:t>
-            </a:r>
-            <a:r>
-              <a:rPr lang="en-US" dirty="0"/>
-              <a:t>http://</a:t>
-            </a:r>
-            <a:r>
-              <a:rPr lang="en-US" dirty="0" smtClean="0"/>
-              <a:t>bit.ly/2xR9VxX</a:t>
-            </a:r>
-            <a:endParaRPr lang="en-US" dirty="0"/>
-          </a:p>
-          <a:p>
-            <a:pPr algn="l"/>
-            <a:r>
-              <a:rPr lang="en-US" b="1" dirty="0" err="1" smtClean="0"/>
-              <a:t>Voronoi</a:t>
-            </a:r>
-            <a:r>
-              <a:rPr lang="en-US" b="1" dirty="0" smtClean="0"/>
-              <a:t>: </a:t>
-            </a:r>
-            <a:r>
-              <a:rPr lang="en-US" dirty="0"/>
-              <a:t>http://</a:t>
-            </a:r>
-            <a:r>
-              <a:rPr lang="en-US" dirty="0" smtClean="0"/>
-              <a:t>bit.ly/2gK35mi </a:t>
-            </a:r>
-          </a:p>
-          <a:p>
-            <a:pPr algn="l"/>
-            <a:r>
-              <a:rPr lang="en-US" dirty="0"/>
-              <a:t>	https://</a:t>
-            </a:r>
-            <a:r>
-              <a:rPr lang="en-US" dirty="0" smtClean="0"/>
-              <a:t>bl.ocks.org/mbostock/4060366</a:t>
-            </a:r>
-          </a:p>
-          <a:p>
-            <a:pPr algn="l"/>
-            <a:r>
-              <a:rPr lang="en-US" b="1" dirty="0" smtClean="0"/>
-              <a:t>Zooming: </a:t>
-            </a:r>
-            <a:r>
-              <a:rPr lang="en-US" dirty="0"/>
-              <a:t>http://</a:t>
-            </a:r>
-            <a:r>
-              <a:rPr lang="en-US" dirty="0" smtClean="0"/>
-              <a:t>bit.ly/2f6WYsg</a:t>
-            </a:r>
-          </a:p>
-          <a:p>
-            <a:pPr algn="l"/>
-            <a:r>
-              <a:rPr lang="en-US" b="1" dirty="0" smtClean="0"/>
-              <a:t>Brushing/Zooming: </a:t>
-            </a:r>
-            <a:r>
-              <a:rPr lang="en-US" dirty="0"/>
-              <a:t>http://bit.ly/2lTjfef</a:t>
-            </a:r>
-            <a:endParaRPr lang="en-US" dirty="0" smtClean="0"/>
-          </a:p>
-          <a:p>
-            <a:pPr algn="l"/>
-            <a:r>
-              <a:rPr lang="en-US" b="1" dirty="0" smtClean="0"/>
-              <a:t>Stacking:</a:t>
-            </a:r>
-            <a:r>
-              <a:rPr lang="en-US" dirty="0"/>
-              <a:t> http://</a:t>
-            </a:r>
-            <a:r>
-              <a:rPr lang="en-US" dirty="0" smtClean="0"/>
-              <a:t>bl.ocks.org/mbostock/582915</a:t>
-            </a:r>
-          </a:p>
-          <a:p>
-            <a:pPr algn="l"/>
-            <a:r>
-              <a:rPr lang="en-US" b="1" dirty="0" smtClean="0"/>
-              <a:t>Collision Constraint: </a:t>
-            </a:r>
-            <a:r>
-              <a:rPr lang="en-US" dirty="0"/>
-              <a:t>http://</a:t>
-            </a:r>
-            <a:r>
-              <a:rPr lang="en-US" dirty="0" smtClean="0"/>
-              <a:t>bit.ly/2vOPk05</a:t>
-            </a:r>
-          </a:p>
-          <a:p>
-            <a:pPr algn="l"/>
-            <a:r>
-              <a:rPr lang="en-US" b="1" dirty="0" smtClean="0"/>
-              <a:t>Dragging: </a:t>
-            </a:r>
-            <a:r>
-              <a:rPr lang="en-US" dirty="0"/>
-              <a:t>http://</a:t>
-            </a:r>
-            <a:r>
-              <a:rPr lang="en-US" dirty="0" smtClean="0"/>
-              <a:t>bit.ly/2j6x5gH</a:t>
-            </a:r>
-          </a:p>
-          <a:p>
-            <a:pPr algn="l"/>
-            <a:r>
-              <a:rPr lang="en-US" b="1" dirty="0" smtClean="0"/>
-              <a:t>“Each”: </a:t>
-            </a:r>
-            <a:r>
-              <a:rPr lang="en-US" dirty="0"/>
+        <p:spPr/>
+        <p:txBody>
+          <a:bodyPr/>
+          <a:lstStyle/>
+          <a:p>
+            <a:r>
+              <a:rPr lang="en-US" sz="4000" dirty="0"/>
               <a:t>https://</a:t>
             </a:r>
             <a:r>
-              <a:rPr lang="en-US" dirty="0" smtClean="0"/>
-              <a:t>bl.ocks.org/mbostock/9490313</a:t>
-            </a:r>
-          </a:p>
-          <a:p>
-            <a:pPr algn="l"/>
-            <a:endParaRPr lang="en-US" dirty="0"/>
-          </a:p>
-        </p:txBody>
-      </p:sp>
-      <p:sp>
-        <p:nvSpPr>
-          <p:cNvPr id="4" name="Rectangle 3"/>
-          <p:cNvSpPr/>
-          <p:nvPr/>
-        </p:nvSpPr>
-        <p:spPr>
-          <a:xfrm>
-            <a:off x="6519010" y="3085888"/>
-            <a:ext cx="6096000" cy="1938992"/>
-          </a:xfrm>
-          <a:prstGeom prst="rect">
-            <a:avLst/>
-          </a:prstGeom>
-        </p:spPr>
-        <p:txBody>
-          <a:bodyPr>
-            <a:spAutoFit/>
-          </a:bodyPr>
-          <a:lstStyle/>
-          <a:p>
-            <a:r>
-              <a:rPr lang="en-US" sz="2400" b="1" dirty="0"/>
-              <a:t>Dispatching</a:t>
-            </a:r>
-            <a:r>
-              <a:rPr lang="en-US" sz="2400" dirty="0"/>
-              <a:t> (super advanced): https://</a:t>
-            </a:r>
-            <a:r>
-              <a:rPr lang="en-US" sz="2400" dirty="0" smtClean="0"/>
-              <a:t>bl.ocks.org/mbostock/5872848</a:t>
-            </a:r>
-          </a:p>
-          <a:p>
-            <a:endParaRPr lang="en-US" sz="2400" dirty="0"/>
-          </a:p>
-          <a:p>
-            <a:r>
-              <a:rPr lang="en-US" sz="2400" b="1" dirty="0"/>
-              <a:t>Modules/Plugins</a:t>
-            </a:r>
-            <a:r>
-              <a:rPr lang="en-US" sz="2400" dirty="0"/>
-              <a:t> (</a:t>
-            </a:r>
-            <a:r>
-              <a:rPr lang="en-US" sz="2400" i="1" dirty="0"/>
-              <a:t>most</a:t>
-            </a:r>
-            <a:r>
-              <a:rPr lang="en-US" sz="2400" dirty="0"/>
-              <a:t> advanced):</a:t>
-            </a:r>
-          </a:p>
-          <a:p>
-            <a:r>
-              <a:rPr lang="en-US" sz="2400" dirty="0"/>
-              <a:t>https://bost.ocks.org/mike/d3-plugin/</a:t>
-            </a:r>
+              <a:rPr lang="en-US" sz="4000" dirty="0" smtClean="0"/>
+              <a:t>mzl.la/1nP24aN</a:t>
+            </a:r>
+          </a:p>
+          <a:p>
+            <a:r>
+              <a:rPr lang="en-US" dirty="0" smtClean="0"/>
+              <a:t>Check it: this is good to be familiar with, as is all of MDN</a:t>
+            </a:r>
+            <a:endParaRPr lang="en-US" dirty="0"/>
           </a:p>
         </p:txBody>
       </p:sp>
     </p:spTree>
     <p:extLst>
       <p:ext uri="{BB962C8B-B14F-4D97-AF65-F5344CB8AC3E}">
-        <p14:creationId xmlns:p14="http://schemas.microsoft.com/office/powerpoint/2010/main" val="3499195240"/>
+        <p14:creationId xmlns:p14="http://schemas.microsoft.com/office/powerpoint/2010/main" val="3991108098"/>
       </p:ext>
     </p:extLst>
   </p:cSld>
@@ -9507,7 +9325,7 @@
           <a:p>
             <a:r>
               <a:rPr lang="en-US" dirty="0" smtClean="0"/>
-              <a:t>SVG Documentation</a:t>
+              <a:t>SVG Level 2</a:t>
             </a:r>
             <a:endParaRPr lang="en-US" dirty="0"/>
           </a:p>
@@ -9530,17 +9348,25 @@
           <a:p>
             <a:r>
               <a:rPr lang="en-US" sz="4000" dirty="0"/>
-              <a:t>https://</a:t>
+              <a:t>http://</a:t>
             </a:r>
             <a:r>
               <a:rPr lang="en-US" sz="4000" dirty="0" smtClean="0"/>
-              <a:t>mzl.la/1nP24aN</a:t>
-            </a:r>
-          </a:p>
-          <a:p>
-            <a:r>
-              <a:rPr lang="en-US" dirty="0" smtClean="0"/>
-              <a:t>Check it: this is good to be familiar with, as is all of MDN</a:t>
+              <a:t>bit.ly/2xdgJsI</a:t>
+            </a:r>
+          </a:p>
+          <a:p>
+            <a:r>
+              <a:rPr lang="en-US" dirty="0" smtClean="0"/>
+              <a:t>Plug: </a:t>
+            </a:r>
+            <a:r>
+              <a:rPr lang="en-US" dirty="0" err="1" smtClean="0"/>
+              <a:t>VisualCinnamon</a:t>
+            </a:r>
+            <a:r>
+              <a:rPr lang="en-US" dirty="0" smtClean="0"/>
+              <a:t> is extraordinary. Their work on SVG in particular is the best I have found to date.</a:t>
             </a:r>
             <a:endParaRPr lang="en-US" dirty="0"/>
           </a:p>
@@ -9549,7 +9375,7 @@
     </p:spTree>
     <p:extLst>
       <p:ext uri="{BB962C8B-B14F-4D97-AF65-F5344CB8AC3E}">
-        <p14:creationId xmlns:p14="http://schemas.microsoft.com/office/powerpoint/2010/main" val="3991108098"/>
+        <p14:creationId xmlns:p14="http://schemas.microsoft.com/office/powerpoint/2010/main" val="3830241924"/>
       </p:ext>
     </p:extLst>
   </p:cSld>
@@ -9593,7 +9419,7 @@
           <a:p>
             <a:r>
               <a:rPr lang="en-US" dirty="0" smtClean="0"/>
-              <a:t>SVG Level 2</a:t>
+              <a:t>Maps in D3</a:t>
             </a:r>
             <a:endParaRPr lang="en-US" dirty="0"/>
           </a:p>
@@ -9609,41 +9435,57 @@
             <p:ph type="subTitle" idx="1"/>
           </p:nvPr>
         </p:nvSpPr>
-        <p:spPr/>
-        <p:txBody>
-          <a:bodyPr/>
+        <p:spPr>
+          <a:xfrm>
+            <a:off x="1524000" y="3602037"/>
+            <a:ext cx="9144000" cy="2083868"/>
+          </a:xfrm>
+        </p:spPr>
+        <p:txBody>
+          <a:bodyPr>
+            <a:normAutofit lnSpcReduction="10000"/>
+          </a:bodyPr>
           <a:lstStyle/>
           <a:p>
             <a:r>
               <a:rPr lang="en-US" sz="4000" dirty="0"/>
-              <a:t>http://</a:t>
-            </a:r>
+              <a:t>http://bit.ly/2f7o4Q5</a:t>
+            </a:r>
+            <a:endParaRPr lang="en-US" sz="6000" dirty="0" smtClean="0"/>
+          </a:p>
+          <a:p>
             <a:r>
               <a:rPr lang="en-US" sz="4000" dirty="0" smtClean="0"/>
-              <a:t>bit.ly/2xdgJsI</a:t>
-            </a:r>
-          </a:p>
-          <a:p>
-            <a:r>
-              <a:rPr lang="en-US" dirty="0" smtClean="0"/>
-              <a:t>Plug: </a:t>
-            </a:r>
-            <a:r>
-              <a:rPr lang="en-US" dirty="0" err="1" smtClean="0"/>
-              <a:t>VisualCinnamon</a:t>
-            </a:r>
-            <a:r>
-              <a:rPr lang="en-US" dirty="0" smtClean="0"/>
-              <a:t> is extraordinary. Their work on SVG in particular is the best I have found to date.</a:t>
-            </a:r>
-            <a:endParaRPr lang="en-US" dirty="0"/>
+              <a:t>http</a:t>
+            </a:r>
+            <a:r>
+              <a:rPr lang="en-US" sz="4000" dirty="0"/>
+              <a:t>://</a:t>
+            </a:r>
+            <a:r>
+              <a:rPr lang="en-US" sz="4000" dirty="0" smtClean="0"/>
+              <a:t>oreil.ly/1UnNtFe</a:t>
+            </a:r>
+          </a:p>
+          <a:p>
+            <a:r>
+              <a:rPr lang="en-US" dirty="0" smtClean="0"/>
+              <a:t>Warning: This is advanced level!</a:t>
+            </a:r>
+          </a:p>
+          <a:p>
+            <a:r>
+              <a:rPr lang="en-US" sz="2000" dirty="0" smtClean="0"/>
+              <a:t>Also: The d3 library contains geo maps of many kinds already.</a:t>
+            </a:r>
+            <a:endParaRPr lang="en-US" sz="2000" dirty="0"/>
           </a:p>
         </p:txBody>
       </p:sp>
     </p:spTree>
     <p:extLst>
       <p:ext uri="{BB962C8B-B14F-4D97-AF65-F5344CB8AC3E}">
-        <p14:creationId xmlns:p14="http://schemas.microsoft.com/office/powerpoint/2010/main" val="3830241924"/>
+        <p14:creationId xmlns:p14="http://schemas.microsoft.com/office/powerpoint/2010/main" val="1384479126"/>
       </p:ext>
     </p:extLst>
   </p:cSld>
@@ -9687,7 +9529,7 @@
           <a:p>
             <a:r>
               <a:rPr lang="en-US" dirty="0" smtClean="0"/>
-              <a:t>Maps in D3</a:t>
+              <a:t>D3’s Extensive Library:</a:t>
             </a:r>
             <a:endParaRPr lang="en-US" dirty="0"/>
           </a:p>
@@ -9705,55 +9547,62 @@
         </p:nvSpPr>
         <p:spPr>
           <a:xfrm>
-            <a:off x="1524000" y="3602037"/>
-            <a:ext cx="9144000" cy="2083868"/>
+            <a:off x="713509" y="3509963"/>
+            <a:ext cx="10764982" cy="3056457"/>
           </a:xfrm>
         </p:spPr>
         <p:txBody>
           <a:bodyPr>
-            <a:normAutofit lnSpcReduction="10000"/>
+            <a:normAutofit/>
           </a:bodyPr>
           <a:lstStyle/>
           <a:p>
+            <a:pPr algn="l"/>
             <a:r>
               <a:rPr lang="en-US" sz="4000" dirty="0"/>
-              <a:t>http://bit.ly/2f7o4Q5</a:t>
-            </a:r>
-            <a:endParaRPr lang="en-US" sz="6000" dirty="0" smtClean="0"/>
-          </a:p>
-          <a:p>
-            <a:r>
-              <a:rPr lang="en-US" sz="4000" dirty="0" smtClean="0"/>
-              <a:t>http</a:t>
-            </a:r>
-            <a:r>
-              <a:rPr lang="en-US" sz="4000" dirty="0"/>
-              <a:t>://</a:t>
-            </a:r>
-            <a:r>
-              <a:rPr lang="en-US" sz="4000" dirty="0" smtClean="0"/>
-              <a:t>oreil.ly/1UnNtFe</a:t>
-            </a:r>
-          </a:p>
-          <a:p>
-            <a:r>
-              <a:rPr lang="en-US" dirty="0" smtClean="0"/>
-              <a:t>Warning: This is advanced level!</a:t>
-            </a:r>
-          </a:p>
-          <a:p>
-            <a:r>
-              <a:rPr lang="en-US" sz="2000" dirty="0" smtClean="0"/>
-              <a:t>Also: The d3 library contains geo maps of many kinds already.</a:t>
-            </a:r>
-            <a:endParaRPr lang="en-US" sz="2000" dirty="0"/>
+              <a:t>https://github.com/d3/d3/blob/master/API.md</a:t>
+            </a:r>
+          </a:p>
+          <a:p>
+            <a:pPr algn="l"/>
+            <a:endParaRPr lang="en-US" dirty="0" smtClean="0"/>
+          </a:p>
+          <a:p>
+            <a:pPr algn="l"/>
+            <a:r>
+              <a:rPr lang="en-US" dirty="0" smtClean="0"/>
+              <a:t>Statistics</a:t>
+            </a:r>
+            <a:r>
+              <a:rPr lang="en-US" dirty="0"/>
+              <a:t>, histograms (4 kinds), ES6’s Map/Set, Nesting, Data Ingestion (CSV, TSV, </a:t>
+            </a:r>
+            <a:r>
+              <a:rPr lang="en-US" dirty="0" err="1"/>
+              <a:t>etc</a:t>
+            </a:r>
+            <a:r>
+              <a:rPr lang="en-US" dirty="0"/>
+              <a:t>), many </a:t>
+            </a:r>
+            <a:r>
+              <a:rPr lang="en-US" dirty="0" smtClean="0"/>
+              <a:t>animation/easing/time </a:t>
+            </a:r>
+            <a:r>
+              <a:rPr lang="en-US" dirty="0"/>
+              <a:t>options, force/physics, geography and projections, spherical maps/math, and that is just the first 25% of it: </a:t>
+            </a:r>
+          </a:p>
+          <a:p>
+            <a:endParaRPr lang="en-US" dirty="0"/>
           </a:p>
         </p:txBody>
       </p:sp>
     </p:spTree>
     <p:extLst>
       <p:ext uri="{BB962C8B-B14F-4D97-AF65-F5344CB8AC3E}">
-        <p14:creationId xmlns:p14="http://schemas.microsoft.com/office/powerpoint/2010/main" val="1384479126"/>
+        <p14:creationId xmlns:p14="http://schemas.microsoft.com/office/powerpoint/2010/main" val="1065099257"/>
       </p:ext>
     </p:extLst>
   </p:cSld>
@@ -9797,123 +9646,6 @@
           <a:p>
             <a:r>
               <a:rPr lang="en-US" dirty="0" smtClean="0"/>
-              <a:t>D3’s Extensive Library:</a:t>
-            </a:r>
-            <a:endParaRPr lang="en-US" dirty="0"/>
-          </a:p>
-        </p:txBody>
-      </p:sp>
-      <p:sp>
-        <p:nvSpPr>
-          <p:cNvPr id="3" name="Subtitle 2"/>
-          <p:cNvSpPr>
-            <a:spLocks noGrp="1"/>
-          </p:cNvSpPr>
-          <p:nvPr>
-            <p:ph type="subTitle" idx="1"/>
-          </p:nvPr>
-        </p:nvSpPr>
-        <p:spPr>
-          <a:xfrm>
-            <a:off x="713509" y="3509963"/>
-            <a:ext cx="10764982" cy="3056457"/>
-          </a:xfrm>
-        </p:spPr>
-        <p:txBody>
-          <a:bodyPr>
-            <a:normAutofit/>
-          </a:bodyPr>
-          <a:lstStyle/>
-          <a:p>
-            <a:pPr algn="l"/>
-            <a:r>
-              <a:rPr lang="en-US" sz="4000" dirty="0"/>
-              <a:t>https://github.com/d3/d3/blob/master/API.md</a:t>
-            </a:r>
-          </a:p>
-          <a:p>
-            <a:pPr algn="l"/>
-            <a:endParaRPr lang="en-US" dirty="0" smtClean="0"/>
-          </a:p>
-          <a:p>
-            <a:pPr algn="l"/>
-            <a:r>
-              <a:rPr lang="en-US" dirty="0" smtClean="0"/>
-              <a:t>Statistics</a:t>
-            </a:r>
-            <a:r>
-              <a:rPr lang="en-US" dirty="0"/>
-              <a:t>, histograms (4 kinds), ES6’s Map/Set, Nesting, Data Ingestion (CSV, TSV, </a:t>
-            </a:r>
-            <a:r>
-              <a:rPr lang="en-US" dirty="0" err="1"/>
-              <a:t>etc</a:t>
-            </a:r>
-            <a:r>
-              <a:rPr lang="en-US" dirty="0"/>
-              <a:t>), many </a:t>
-            </a:r>
-            <a:r>
-              <a:rPr lang="en-US" dirty="0" smtClean="0"/>
-              <a:t>animation/easing/time </a:t>
-            </a:r>
-            <a:r>
-              <a:rPr lang="en-US" dirty="0"/>
-              <a:t>options, force/physics, geography and projections, spherical maps/math, and that is just the first 25% of it: </a:t>
-            </a:r>
-          </a:p>
-          <a:p>
-            <a:endParaRPr lang="en-US" dirty="0"/>
-          </a:p>
-        </p:txBody>
-      </p:sp>
-    </p:spTree>
-    <p:extLst>
-      <p:ext uri="{BB962C8B-B14F-4D97-AF65-F5344CB8AC3E}">
-        <p14:creationId xmlns:p14="http://schemas.microsoft.com/office/powerpoint/2010/main" val="1065099257"/>
-      </p:ext>
-    </p:extLst>
-  </p:cSld>
-  <p:clrMapOvr>
-    <a:masterClrMapping/>
-  </p:clrMapOvr>
-</p:sld>
-</file>
-
-<file path=ppt/slides/slide38.xml><?xml version="1.0" encoding="utf-8"?>
-<p:sld xmlns:a="http://schemas.openxmlformats.org/drawingml/2006/main" xmlns:r="http://schemas.openxmlformats.org/officeDocument/2006/relationships" xmlns:p="http://schemas.openxmlformats.org/presentationml/2006/main">
-  <p:cSld>
-    <p:spTree>
-      <p:nvGrpSpPr>
-        <p:cNvPr id="1" name=""/>
-        <p:cNvGrpSpPr/>
-        <p:nvPr/>
-      </p:nvGrpSpPr>
-      <p:grpSpPr>
-        <a:xfrm>
-          <a:off x="0" y="0"/>
-          <a:ext cx="0" cy="0"/>
-          <a:chOff x="0" y="0"/>
-          <a:chExt cx="0" cy="0"/>
-        </a:xfrm>
-      </p:grpSpPr>
-      <p:sp>
-        <p:nvSpPr>
-          <p:cNvPr id="2" name="Title 1"/>
-          <p:cNvSpPr>
-            <a:spLocks noGrp="1"/>
-          </p:cNvSpPr>
-          <p:nvPr>
-            <p:ph type="ctrTitle"/>
-          </p:nvPr>
-        </p:nvSpPr>
-        <p:spPr/>
-        <p:txBody>
-          <a:bodyPr/>
-          <a:lstStyle/>
-          <a:p>
-            <a:r>
-              <a:rPr lang="en-US" dirty="0" smtClean="0"/>
               <a:t>Canvas and D3</a:t>
             </a:r>
             <a:endParaRPr lang="en-US" dirty="0"/>
@@ -9973,7 +9705,7 @@
 </p:sld>
 </file>
 
-<file path=ppt/slides/slide39.xml><?xml version="1.0" encoding="utf-8"?>
+<file path=ppt/slides/slide38.xml><?xml version="1.0" encoding="utf-8"?>
 <p:sld xmlns:a="http://schemas.openxmlformats.org/drawingml/2006/main" xmlns:r="http://schemas.openxmlformats.org/officeDocument/2006/relationships" xmlns:p="http://schemas.openxmlformats.org/presentationml/2006/main">
   <p:cSld>
     <p:spTree>
@@ -10104,97 +9836,6 @@
             <a:spLocks noGrp="1"/>
           </p:cNvSpPr>
           <p:nvPr>
-            <p:ph type="ctrTitle"/>
-          </p:nvPr>
-        </p:nvSpPr>
-        <p:spPr/>
-        <p:txBody>
-          <a:bodyPr/>
-          <a:lstStyle/>
-          <a:p>
-            <a:r>
-              <a:rPr lang="en-US" dirty="0" smtClean="0"/>
-              <a:t>y </a:t>
-            </a:r>
-            <a:r>
-              <a:rPr lang="en-US" dirty="0" err="1" smtClean="0"/>
-              <a:t>tho</a:t>
-            </a:r>
-            <a:r>
-              <a:rPr lang="en-US" dirty="0" smtClean="0"/>
-              <a:t>?</a:t>
-            </a:r>
-            <a:endParaRPr lang="en-US" dirty="0"/>
-          </a:p>
-        </p:txBody>
-      </p:sp>
-      <p:sp>
-        <p:nvSpPr>
-          <p:cNvPr id="4" name="Subtitle 3"/>
-          <p:cNvSpPr>
-            <a:spLocks noGrp="1"/>
-          </p:cNvSpPr>
-          <p:nvPr>
-            <p:ph type="subTitle" idx="1"/>
-          </p:nvPr>
-        </p:nvSpPr>
-        <p:spPr/>
-        <p:txBody>
-          <a:bodyPr/>
-          <a:lstStyle/>
-          <a:p>
-            <a:r>
-              <a:rPr lang="en-US" dirty="0" smtClean="0"/>
-              <a:t>answer: the web + data = magic.</a:t>
-            </a:r>
-            <a:endParaRPr lang="en-US" dirty="0"/>
-          </a:p>
-        </p:txBody>
-      </p:sp>
-    </p:spTree>
-    <p:extLst>
-      <p:ext uri="{BB962C8B-B14F-4D97-AF65-F5344CB8AC3E}">
-        <p14:creationId xmlns:p14="http://schemas.microsoft.com/office/powerpoint/2010/main" val="1573091371"/>
-      </p:ext>
-    </p:extLst>
-  </p:cSld>
-  <p:clrMapOvr>
-    <a:masterClrMapping/>
-  </p:clrMapOvr>
-  <p:timing>
-    <p:tnLst>
-      <p:par>
-        <p:cTn id="1" dur="indefinite" restart="never" nodeType="tmRoot"/>
-      </p:par>
-    </p:tnLst>
-  </p:timing>
-</p:sld>
-</file>
-
-<file path=ppt/slides/slide5.xml><?xml version="1.0" encoding="utf-8"?>
-<p:sld xmlns:a="http://schemas.openxmlformats.org/drawingml/2006/main" xmlns:r="http://schemas.openxmlformats.org/officeDocument/2006/relationships" xmlns:p="http://schemas.openxmlformats.org/presentationml/2006/main">
-  <p:cSld>
-    <p:spTree>
-      <p:nvGrpSpPr>
-        <p:cNvPr id="1" name=""/>
-        <p:cNvGrpSpPr/>
-        <p:nvPr/>
-      </p:nvGrpSpPr>
-      <p:grpSpPr>
-        <a:xfrm>
-          <a:off x="0" y="0"/>
-          <a:ext cx="0" cy="0"/>
-          <a:chOff x="0" y="0"/>
-          <a:chExt cx="0" cy="0"/>
-        </a:xfrm>
-      </p:grpSpPr>
-      <p:sp>
-        <p:nvSpPr>
-          <p:cNvPr id="2" name="Title 1"/>
-          <p:cNvSpPr>
-            <a:spLocks noGrp="1"/>
-          </p:cNvSpPr>
-          <p:nvPr>
             <p:ph type="title"/>
           </p:nvPr>
         </p:nvSpPr>
@@ -10336,7 +9977,7 @@
 </p:sld>
 </file>
 
-<file path=ppt/slides/slide6.xml><?xml version="1.0" encoding="utf-8"?>
+<file path=ppt/slides/slide5.xml><?xml version="1.0" encoding="utf-8"?>
 <p:sld xmlns:a="http://schemas.openxmlformats.org/drawingml/2006/main" xmlns:r="http://schemas.openxmlformats.org/officeDocument/2006/relationships" xmlns:p="http://schemas.openxmlformats.org/presentationml/2006/main">
   <p:cSld>
     <p:spTree>
@@ -10454,7 +10095,7 @@
 </p:sld>
 </file>
 
-<file path=ppt/slides/slide7.xml><?xml version="1.0" encoding="utf-8"?>
+<file path=ppt/slides/slide6.xml><?xml version="1.0" encoding="utf-8"?>
 <p:sld xmlns:a="http://schemas.openxmlformats.org/drawingml/2006/main" xmlns:r="http://schemas.openxmlformats.org/officeDocument/2006/relationships" xmlns:p="http://schemas.openxmlformats.org/presentationml/2006/main">
   <p:cSld>
     <p:spTree>
@@ -10537,7 +10178,7 @@
 </p:sld>
 </file>
 
-<file path=ppt/slides/slide8.xml><?xml version="1.0" encoding="utf-8"?>
+<file path=ppt/slides/slide7.xml><?xml version="1.0" encoding="utf-8"?>
 <p:sld xmlns:a="http://schemas.openxmlformats.org/drawingml/2006/main" xmlns:r="http://schemas.openxmlformats.org/officeDocument/2006/relationships" xmlns:p="http://schemas.openxmlformats.org/presentationml/2006/main">
   <p:cSld>
     <p:spTree>
@@ -10714,7 +10355,7 @@
 </p:sld>
 </file>
 
-<file path=ppt/slides/slide9.xml><?xml version="1.0" encoding="utf-8"?>
+<file path=ppt/slides/slide8.xml><?xml version="1.0" encoding="utf-8"?>
 <p:sld xmlns:a="http://schemas.openxmlformats.org/drawingml/2006/main" xmlns:r="http://schemas.openxmlformats.org/officeDocument/2006/relationships" xmlns:p="http://schemas.openxmlformats.org/presentationml/2006/main">
   <p:cSld>
     <p:spTree>
@@ -10815,6 +10456,181 @@
     <p:extLst>
       <p:ext uri="{BB962C8B-B14F-4D97-AF65-F5344CB8AC3E}">
         <p14:creationId xmlns:p14="http://schemas.microsoft.com/office/powerpoint/2010/main" val="2798845760"/>
+      </p:ext>
+    </p:extLst>
+  </p:cSld>
+  <p:clrMapOvr>
+    <a:masterClrMapping/>
+  </p:clrMapOvr>
+  <p:timing>
+    <p:tnLst>
+      <p:par>
+        <p:cTn id="1" dur="indefinite" restart="never" nodeType="tmRoot">
+          <p:childTnLst>
+            <p:seq concurrent="1" nextAc="seek">
+              <p:cTn id="2" dur="indefinite" nodeType="mainSeq">
+                <p:childTnLst>
+                  <p:par>
+                    <p:cTn id="3" fill="hold">
+                      <p:stCondLst>
+                        <p:cond delay="indefinite"/>
+                      </p:stCondLst>
+                      <p:childTnLst>
+                        <p:par>
+                          <p:cTn id="4" fill="hold">
+                            <p:stCondLst>
+                              <p:cond delay="0"/>
+                            </p:stCondLst>
+                            <p:childTnLst>
+                              <p:par>
+                                <p:cTn id="5" presetID="1" presetClass="entr" presetSubtype="0" fill="hold" grpId="0" nodeType="clickEffect">
+                                  <p:stCondLst>
+                                    <p:cond delay="0"/>
+                                  </p:stCondLst>
+                                  <p:childTnLst>
+                                    <p:set>
+                                      <p:cBhvr>
+                                        <p:cTn id="6" dur="1" fill="hold">
+                                          <p:stCondLst>
+                                            <p:cond delay="0"/>
+                                          </p:stCondLst>
+                                        </p:cTn>
+                                        <p:tgtEl>
+                                          <p:spTgt spid="2"/>
+                                        </p:tgtEl>
+                                        <p:attrNameLst>
+                                          <p:attrName>style.visibility</p:attrName>
+                                        </p:attrNameLst>
+                                      </p:cBhvr>
+                                      <p:to>
+                                        <p:strVal val="visible"/>
+                                      </p:to>
+                                    </p:set>
+                                  </p:childTnLst>
+                                </p:cTn>
+                              </p:par>
+                            </p:childTnLst>
+                          </p:cTn>
+                        </p:par>
+                      </p:childTnLst>
+                    </p:cTn>
+                  </p:par>
+                </p:childTnLst>
+              </p:cTn>
+              <p:prevCondLst>
+                <p:cond evt="onPrev" delay="0">
+                  <p:tgtEl>
+                    <p:sldTgt/>
+                  </p:tgtEl>
+                </p:cond>
+              </p:prevCondLst>
+              <p:nextCondLst>
+                <p:cond evt="onNext" delay="0">
+                  <p:tgtEl>
+                    <p:sldTgt/>
+                  </p:tgtEl>
+                </p:cond>
+              </p:nextCondLst>
+            </p:seq>
+          </p:childTnLst>
+        </p:cTn>
+      </p:par>
+    </p:tnLst>
+    <p:bldLst>
+      <p:bldP spid="2" grpId="0"/>
+    </p:bldLst>
+  </p:timing>
+</p:sld>
+</file>
+
+<file path=ppt/slides/slide9.xml><?xml version="1.0" encoding="utf-8"?>
+<p:sld xmlns:a="http://schemas.openxmlformats.org/drawingml/2006/main" xmlns:r="http://schemas.openxmlformats.org/officeDocument/2006/relationships" xmlns:p="http://schemas.openxmlformats.org/presentationml/2006/main">
+  <p:cSld>
+    <p:spTree>
+      <p:nvGrpSpPr>
+        <p:cNvPr id="1" name=""/>
+        <p:cNvGrpSpPr/>
+        <p:nvPr/>
+      </p:nvGrpSpPr>
+      <p:grpSpPr>
+        <a:xfrm>
+          <a:off x="0" y="0"/>
+          <a:ext cx="0" cy="0"/>
+          <a:chOff x="0" y="0"/>
+          <a:chExt cx="0" cy="0"/>
+        </a:xfrm>
+      </p:grpSpPr>
+      <p:sp>
+        <p:nvSpPr>
+          <p:cNvPr id="2" name="Title 1"/>
+          <p:cNvSpPr>
+            <a:spLocks noGrp="1"/>
+          </p:cNvSpPr>
+          <p:nvPr>
+            <p:ph type="title"/>
+          </p:nvPr>
+        </p:nvSpPr>
+        <p:spPr>
+          <a:xfrm>
+            <a:off x="2739828" y="2657769"/>
+            <a:ext cx="10515600" cy="1325563"/>
+          </a:xfrm>
+        </p:spPr>
+        <p:txBody>
+          <a:bodyPr/>
+          <a:lstStyle/>
+          <a:p>
+            <a:r>
+              <a:rPr lang="en-US" dirty="0" smtClean="0"/>
+              <a:t>Tableau</a:t>
+            </a:r>
+            <a:endParaRPr lang="en-US" dirty="0"/>
+          </a:p>
+        </p:txBody>
+      </p:sp>
+      <p:pic>
+        <p:nvPicPr>
+          <p:cNvPr id="3080" name="Picture 8" descr="https://wittyandpretty.com/wp-content/uploads/2014/09/basic-cake.jpg"/>
+          <p:cNvPicPr>
+            <a:picLocks noChangeAspect="1" noChangeArrowheads="1"/>
+          </p:cNvPicPr>
+          <p:nvPr/>
+        </p:nvPicPr>
+        <p:blipFill rotWithShape="1">
+          <a:blip r:embed="rId3">
+            <a:extLst>
+              <a:ext uri="{28A0092B-C50C-407E-A947-70E740481C1C}">
+                <a14:useLocalDpi xmlns:a14="http://schemas.microsoft.com/office/drawing/2010/main" val="0"/>
+              </a:ext>
+            </a:extLst>
+          </a:blip>
+          <a:srcRect l="7729" r="12698"/>
+          <a:stretch/>
+        </p:blipFill>
+        <p:spPr bwMode="auto">
+          <a:xfrm>
+            <a:off x="5623965" y="365125"/>
+            <a:ext cx="6271327" cy="5910853"/>
+          </a:xfrm>
+          <a:prstGeom prst="rect">
+            <a:avLst/>
+          </a:prstGeom>
+          <a:noFill/>
+          <a:extLst>
+            <a:ext uri="{909E8E84-426E-40DD-AFC4-6F175D3DCCD1}">
+              <a14:hiddenFill xmlns:a14="http://schemas.microsoft.com/office/drawing/2010/main">
+                <a:solidFill>
+                  <a:srgbClr val="FFFFFF"/>
+                </a:solidFill>
+              </a14:hiddenFill>
+            </a:ext>
+          </a:extLst>
+        </p:spPr>
+      </p:pic>
+    </p:spTree>
+    <p:extLst>
+      <p:ext uri="{BB962C8B-B14F-4D97-AF65-F5344CB8AC3E}">
+        <p14:creationId xmlns:p14="http://schemas.microsoft.com/office/powerpoint/2010/main" val="3142918255"/>
       </p:ext>
     </p:extLst>
   </p:cSld>

--- a/Introduction to D3.pptx
+++ b/Introduction to D3.pptx
@@ -234,7 +234,7 @@
           <a:p>
             <a:fld id="{5C7B60CB-4555-4E4C-8A61-26D94E33D181}" type="datetimeFigureOut">
               <a:rPr lang="en-US" smtClean="0"/>
-              <a:t>2/22/2018</a:t>
+              <a:t>2/27/2018</a:t>
             </a:fld>
             <a:endParaRPr lang="en-US"/>
           </a:p>
@@ -2941,7 +2941,7 @@
           <a:p>
             <a:fld id="{C336076D-836C-44D8-B1E0-272F963C7580}" type="datetimeFigureOut">
               <a:rPr lang="en-US" smtClean="0"/>
-              <a:t>2/22/2018</a:t>
+              <a:t>2/27/2018</a:t>
             </a:fld>
             <a:endParaRPr lang="en-US"/>
           </a:p>
@@ -3119,7 +3119,7 @@
           <a:p>
             <a:fld id="{C336076D-836C-44D8-B1E0-272F963C7580}" type="datetimeFigureOut">
               <a:rPr lang="en-US" smtClean="0"/>
-              <a:t>2/22/2018</a:t>
+              <a:t>2/27/2018</a:t>
             </a:fld>
             <a:endParaRPr lang="en-US"/>
           </a:p>
@@ -3307,7 +3307,7 @@
           <a:p>
             <a:fld id="{C336076D-836C-44D8-B1E0-272F963C7580}" type="datetimeFigureOut">
               <a:rPr lang="en-US" smtClean="0"/>
-              <a:t>2/22/2018</a:t>
+              <a:t>2/27/2018</a:t>
             </a:fld>
             <a:endParaRPr lang="en-US"/>
           </a:p>
@@ -3485,7 +3485,7 @@
           <a:p>
             <a:fld id="{C336076D-836C-44D8-B1E0-272F963C7580}" type="datetimeFigureOut">
               <a:rPr lang="en-US" smtClean="0"/>
-              <a:t>2/22/2018</a:t>
+              <a:t>2/27/2018</a:t>
             </a:fld>
             <a:endParaRPr lang="en-US"/>
           </a:p>
@@ -3739,7 +3739,7 @@
           <a:p>
             <a:fld id="{C336076D-836C-44D8-B1E0-272F963C7580}" type="datetimeFigureOut">
               <a:rPr lang="en-US" smtClean="0"/>
-              <a:t>2/22/2018</a:t>
+              <a:t>2/27/2018</a:t>
             </a:fld>
             <a:endParaRPr lang="en-US"/>
           </a:p>
@@ -3979,7 +3979,7 @@
           <a:p>
             <a:fld id="{C336076D-836C-44D8-B1E0-272F963C7580}" type="datetimeFigureOut">
               <a:rPr lang="en-US" smtClean="0"/>
-              <a:t>2/22/2018</a:t>
+              <a:t>2/27/2018</a:t>
             </a:fld>
             <a:endParaRPr lang="en-US"/>
           </a:p>
@@ -4354,7 +4354,7 @@
           <a:p>
             <a:fld id="{C336076D-836C-44D8-B1E0-272F963C7580}" type="datetimeFigureOut">
               <a:rPr lang="en-US" smtClean="0"/>
-              <a:t>2/22/2018</a:t>
+              <a:t>2/27/2018</a:t>
             </a:fld>
             <a:endParaRPr lang="en-US"/>
           </a:p>
@@ -4480,7 +4480,7 @@
           <a:p>
             <a:fld id="{C336076D-836C-44D8-B1E0-272F963C7580}" type="datetimeFigureOut">
               <a:rPr lang="en-US" smtClean="0"/>
-              <a:t>2/22/2018</a:t>
+              <a:t>2/27/2018</a:t>
             </a:fld>
             <a:endParaRPr lang="en-US"/>
           </a:p>
@@ -4583,7 +4583,7 @@
           <a:p>
             <a:fld id="{C336076D-836C-44D8-B1E0-272F963C7580}" type="datetimeFigureOut">
               <a:rPr lang="en-US" smtClean="0"/>
-              <a:t>2/22/2018</a:t>
+              <a:t>2/27/2018</a:t>
             </a:fld>
             <a:endParaRPr lang="en-US"/>
           </a:p>
@@ -4868,7 +4868,7 @@
           <a:p>
             <a:fld id="{C336076D-836C-44D8-B1E0-272F963C7580}" type="datetimeFigureOut">
               <a:rPr lang="en-US" smtClean="0"/>
-              <a:t>2/22/2018</a:t>
+              <a:t>2/27/2018</a:t>
             </a:fld>
             <a:endParaRPr lang="en-US"/>
           </a:p>
@@ -5133,7 +5133,7 @@
           <a:p>
             <a:fld id="{C336076D-836C-44D8-B1E0-272F963C7580}" type="datetimeFigureOut">
               <a:rPr lang="en-US" smtClean="0"/>
-              <a:t>2/22/2018</a:t>
+              <a:t>2/27/2018</a:t>
             </a:fld>
             <a:endParaRPr lang="en-US"/>
           </a:p>
@@ -5349,7 +5349,7 @@
           <a:p>
             <a:fld id="{C336076D-836C-44D8-B1E0-272F963C7580}" type="datetimeFigureOut">
               <a:rPr lang="en-US" smtClean="0"/>
-              <a:t>2/22/2018</a:t>
+              <a:t>2/27/2018</a:t>
             </a:fld>
             <a:endParaRPr lang="en-US"/>
           </a:p>
@@ -6211,7 +6211,11 @@
           <a:p>
             <a:r>
               <a:rPr lang="en-US" dirty="0" smtClean="0"/>
-              <a:t>“Store bought” cake is easy</a:t>
+              <a:t>“Boxed” </a:t>
+            </a:r>
+            <a:r>
+              <a:rPr lang="en-US" dirty="0" smtClean="0"/>
+              <a:t>cake is easy</a:t>
             </a:r>
             <a:endParaRPr lang="en-US" dirty="0"/>
           </a:p>
@@ -8021,11 +8025,15 @@
           <a:p>
             <a:r>
               <a:rPr lang="en-US" dirty="0" smtClean="0"/>
-              <a:t>Pass our data to the domain, using map for letters and max for </a:t>
-            </a:r>
-            <a:r>
-              <a:rPr lang="en-US" dirty="0" err="1" smtClean="0"/>
-              <a:t>requency</a:t>
+              <a:t>Pass our data to the domain, using map for letters and max </a:t>
+            </a:r>
+            <a:r>
+              <a:rPr lang="en-US" smtClean="0"/>
+              <a:t>for </a:t>
+            </a:r>
+            <a:r>
+              <a:rPr lang="en-US" smtClean="0"/>
+              <a:t>frequency</a:t>
             </a:r>
             <a:endParaRPr lang="en-US" dirty="0" smtClean="0"/>
           </a:p>

--- a/Introduction to D3.pptx
+++ b/Introduction to D3.pptx
@@ -5,47 +5,53 @@
     <p:sldMasterId id="2147483660" r:id="rId1"/>
   </p:sldMasterIdLst>
   <p:notesMasterIdLst>
-    <p:notesMasterId r:id="rId40"/>
+    <p:notesMasterId r:id="rId46"/>
   </p:notesMasterIdLst>
   <p:sldIdLst>
-    <p:sldId id="256" r:id="rId2"/>
+    <p:sldId id="304" r:id="rId2"/>
     <p:sldId id="300" r:id="rId3"/>
-    <p:sldId id="263" r:id="rId4"/>
-    <p:sldId id="286" r:id="rId5"/>
-    <p:sldId id="287" r:id="rId6"/>
-    <p:sldId id="298" r:id="rId7"/>
-    <p:sldId id="288" r:id="rId8"/>
-    <p:sldId id="294" r:id="rId9"/>
-    <p:sldId id="293" r:id="rId10"/>
-    <p:sldId id="295" r:id="rId11"/>
-    <p:sldId id="296" r:id="rId12"/>
-    <p:sldId id="297" r:id="rId13"/>
-    <p:sldId id="301" r:id="rId14"/>
-    <p:sldId id="299" r:id="rId15"/>
-    <p:sldId id="280" r:id="rId16"/>
-    <p:sldId id="273" r:id="rId17"/>
-    <p:sldId id="279" r:id="rId18"/>
-    <p:sldId id="290" r:id="rId19"/>
-    <p:sldId id="284" r:id="rId20"/>
-    <p:sldId id="302" r:id="rId21"/>
-    <p:sldId id="281" r:id="rId22"/>
-    <p:sldId id="275" r:id="rId23"/>
-    <p:sldId id="282" r:id="rId24"/>
-    <p:sldId id="276" r:id="rId25"/>
-    <p:sldId id="277" r:id="rId26"/>
-    <p:sldId id="283" r:id="rId27"/>
-    <p:sldId id="291" r:id="rId28"/>
-    <p:sldId id="278" r:id="rId29"/>
-    <p:sldId id="292" r:id="rId30"/>
-    <p:sldId id="270" r:id="rId31"/>
-    <p:sldId id="261" r:id="rId32"/>
-    <p:sldId id="268" r:id="rId33"/>
-    <p:sldId id="266" r:id="rId34"/>
-    <p:sldId id="264" r:id="rId35"/>
-    <p:sldId id="262" r:id="rId36"/>
-    <p:sldId id="269" r:id="rId37"/>
-    <p:sldId id="267" r:id="rId38"/>
-    <p:sldId id="259" r:id="rId39"/>
+    <p:sldId id="280" r:id="rId4"/>
+    <p:sldId id="305" r:id="rId5"/>
+    <p:sldId id="306" r:id="rId6"/>
+    <p:sldId id="307" r:id="rId7"/>
+    <p:sldId id="308" r:id="rId8"/>
+    <p:sldId id="309" r:id="rId9"/>
+    <p:sldId id="256" r:id="rId10"/>
+    <p:sldId id="263" r:id="rId11"/>
+    <p:sldId id="286" r:id="rId12"/>
+    <p:sldId id="287" r:id="rId13"/>
+    <p:sldId id="298" r:id="rId14"/>
+    <p:sldId id="288" r:id="rId15"/>
+    <p:sldId id="294" r:id="rId16"/>
+    <p:sldId id="293" r:id="rId17"/>
+    <p:sldId id="295" r:id="rId18"/>
+    <p:sldId id="296" r:id="rId19"/>
+    <p:sldId id="297" r:id="rId20"/>
+    <p:sldId id="301" r:id="rId21"/>
+    <p:sldId id="299" r:id="rId22"/>
+    <p:sldId id="273" r:id="rId23"/>
+    <p:sldId id="279" r:id="rId24"/>
+    <p:sldId id="290" r:id="rId25"/>
+    <p:sldId id="284" r:id="rId26"/>
+    <p:sldId id="302" r:id="rId27"/>
+    <p:sldId id="281" r:id="rId28"/>
+    <p:sldId id="275" r:id="rId29"/>
+    <p:sldId id="282" r:id="rId30"/>
+    <p:sldId id="276" r:id="rId31"/>
+    <p:sldId id="277" r:id="rId32"/>
+    <p:sldId id="283" r:id="rId33"/>
+    <p:sldId id="291" r:id="rId34"/>
+    <p:sldId id="278" r:id="rId35"/>
+    <p:sldId id="292" r:id="rId36"/>
+    <p:sldId id="270" r:id="rId37"/>
+    <p:sldId id="261" r:id="rId38"/>
+    <p:sldId id="268" r:id="rId39"/>
+    <p:sldId id="266" r:id="rId40"/>
+    <p:sldId id="264" r:id="rId41"/>
+    <p:sldId id="262" r:id="rId42"/>
+    <p:sldId id="269" r:id="rId43"/>
+    <p:sldId id="267" r:id="rId44"/>
+    <p:sldId id="259" r:id="rId45"/>
   </p:sldIdLst>
   <p:sldSz cx="12192000" cy="6858000"/>
   <p:notesSz cx="6858000" cy="9144000"/>
@@ -234,7 +240,7 @@
           <a:p>
             <a:fld id="{5C7B60CB-4555-4E4C-8A61-26D94E33D181}" type="datetimeFigureOut">
               <a:rPr lang="en-US" smtClean="0"/>
-              <a:t>2/27/2018</a:t>
+              <a:t>4/2/2018</a:t>
             </a:fld>
             <a:endParaRPr lang="en-US"/>
           </a:p>
@@ -580,7 +586,7 @@
     </p:spTree>
     <p:extLst>
       <p:ext uri="{BB962C8B-B14F-4D97-AF65-F5344CB8AC3E}">
-        <p14:creationId xmlns:p14="http://schemas.microsoft.com/office/powerpoint/2010/main" val="1521913146"/>
+        <p14:creationId xmlns:p14="http://schemas.microsoft.com/office/powerpoint/2010/main" val="2498962345"/>
       </p:ext>
     </p:extLst>
   </p:cSld>
@@ -659,7 +665,7 @@
           <a:p>
             <a:fld id="{2EB312AA-E5B3-483C-89A7-82722FB34C35}" type="slidenum">
               <a:rPr lang="en-US" smtClean="0"/>
-              <a:t>10</a:t>
+              <a:t>15</a:t>
             </a:fld>
             <a:endParaRPr lang="en-US"/>
           </a:p>
@@ -668,7 +674,7 @@
     </p:spTree>
     <p:extLst>
       <p:ext uri="{BB962C8B-B14F-4D97-AF65-F5344CB8AC3E}">
-        <p14:creationId xmlns:p14="http://schemas.microsoft.com/office/powerpoint/2010/main" val="3516605409"/>
+        <p14:creationId xmlns:p14="http://schemas.microsoft.com/office/powerpoint/2010/main" val="240515055"/>
       </p:ext>
     </p:extLst>
   </p:cSld>
@@ -747,7 +753,7 @@
           <a:p>
             <a:fld id="{2EB312AA-E5B3-483C-89A7-82722FB34C35}" type="slidenum">
               <a:rPr lang="en-US" smtClean="0"/>
-              <a:t>11</a:t>
+              <a:t>16</a:t>
             </a:fld>
             <a:endParaRPr lang="en-US"/>
           </a:p>
@@ -756,7 +762,7 @@
     </p:spTree>
     <p:extLst>
       <p:ext uri="{BB962C8B-B14F-4D97-AF65-F5344CB8AC3E}">
-        <p14:creationId xmlns:p14="http://schemas.microsoft.com/office/powerpoint/2010/main" val="1677941701"/>
+        <p14:creationId xmlns:p14="http://schemas.microsoft.com/office/powerpoint/2010/main" val="412213293"/>
       </p:ext>
     </p:extLst>
   </p:cSld>
@@ -835,7 +841,7 @@
           <a:p>
             <a:fld id="{2EB312AA-E5B3-483C-89A7-82722FB34C35}" type="slidenum">
               <a:rPr lang="en-US" smtClean="0"/>
-              <a:t>12</a:t>
+              <a:t>17</a:t>
             </a:fld>
             <a:endParaRPr lang="en-US"/>
           </a:p>
@@ -844,7 +850,7 @@
     </p:spTree>
     <p:extLst>
       <p:ext uri="{BB962C8B-B14F-4D97-AF65-F5344CB8AC3E}">
-        <p14:creationId xmlns:p14="http://schemas.microsoft.com/office/powerpoint/2010/main" val="4142733308"/>
+        <p14:creationId xmlns:p14="http://schemas.microsoft.com/office/powerpoint/2010/main" val="3516605409"/>
       </p:ext>
     </p:extLst>
   </p:cSld>
@@ -900,7 +906,7 @@
           <a:p>
             <a:r>
               <a:rPr lang="en-US" dirty="0" smtClean="0"/>
-              <a:t>2</a:t>
+              <a:t>1</a:t>
             </a:r>
             <a:endParaRPr lang="en-US" dirty="0"/>
           </a:p>
@@ -923,7 +929,7 @@
           <a:p>
             <a:fld id="{2EB312AA-E5B3-483C-89A7-82722FB34C35}" type="slidenum">
               <a:rPr lang="en-US" smtClean="0"/>
-              <a:t>13</a:t>
+              <a:t>18</a:t>
             </a:fld>
             <a:endParaRPr lang="en-US"/>
           </a:p>
@@ -932,7 +938,7 @@
     </p:spTree>
     <p:extLst>
       <p:ext uri="{BB962C8B-B14F-4D97-AF65-F5344CB8AC3E}">
-        <p14:creationId xmlns:p14="http://schemas.microsoft.com/office/powerpoint/2010/main" val="799926135"/>
+        <p14:creationId xmlns:p14="http://schemas.microsoft.com/office/powerpoint/2010/main" val="1677941701"/>
       </p:ext>
     </p:extLst>
   </p:cSld>
@@ -988,15 +994,7 @@
           <a:p>
             <a:r>
               <a:rPr lang="en-US" dirty="0" smtClean="0"/>
-              <a:t>1 “Learn by doing” IDEAL: 15:00</a:t>
-            </a:r>
-            <a:r>
-              <a:rPr lang="en-US" smtClean="0"/>
-              <a:t>, latest </a:t>
-            </a:r>
-            <a:r>
-              <a:rPr lang="en-US" dirty="0" smtClean="0"/>
-              <a:t>TARGET = 22:00</a:t>
+              <a:t>1</a:t>
             </a:r>
             <a:endParaRPr lang="en-US" dirty="0"/>
           </a:p>
@@ -1019,7 +1017,7 @@
           <a:p>
             <a:fld id="{2EB312AA-E5B3-483C-89A7-82722FB34C35}" type="slidenum">
               <a:rPr lang="en-US" smtClean="0"/>
-              <a:t>14</a:t>
+              <a:t>19</a:t>
             </a:fld>
             <a:endParaRPr lang="en-US"/>
           </a:p>
@@ -1028,7 +1026,7 @@
     </p:spTree>
     <p:extLst>
       <p:ext uri="{BB962C8B-B14F-4D97-AF65-F5344CB8AC3E}">
-        <p14:creationId xmlns:p14="http://schemas.microsoft.com/office/powerpoint/2010/main" val="2152084081"/>
+        <p14:creationId xmlns:p14="http://schemas.microsoft.com/office/powerpoint/2010/main" val="4142733308"/>
       </p:ext>
     </p:extLst>
   </p:cSld>
@@ -1084,7 +1082,7 @@
           <a:p>
             <a:r>
               <a:rPr lang="en-US" dirty="0" smtClean="0"/>
-              <a:t>8, 6 &amp; 2</a:t>
+              <a:t>2</a:t>
             </a:r>
             <a:endParaRPr lang="en-US" dirty="0"/>
           </a:p>
@@ -1107,7 +1105,7 @@
           <a:p>
             <a:fld id="{2EB312AA-E5B3-483C-89A7-82722FB34C35}" type="slidenum">
               <a:rPr lang="en-US" smtClean="0"/>
-              <a:t>15</a:t>
+              <a:t>20</a:t>
             </a:fld>
             <a:endParaRPr lang="en-US"/>
           </a:p>
@@ -1116,7 +1114,7 @@
     </p:spTree>
     <p:extLst>
       <p:ext uri="{BB962C8B-B14F-4D97-AF65-F5344CB8AC3E}">
-        <p14:creationId xmlns:p14="http://schemas.microsoft.com/office/powerpoint/2010/main" val="2281340076"/>
+        <p14:creationId xmlns:p14="http://schemas.microsoft.com/office/powerpoint/2010/main" val="799926135"/>
       </p:ext>
     </p:extLst>
   </p:cSld>
@@ -1172,7 +1170,15 @@
           <a:p>
             <a:r>
               <a:rPr lang="en-US" dirty="0" smtClean="0"/>
-              <a:t>8</a:t>
+              <a:t>1 “Learn by doing” IDEAL: 15:00</a:t>
+            </a:r>
+            <a:r>
+              <a:rPr lang="en-US" smtClean="0"/>
+              <a:t>, latest </a:t>
+            </a:r>
+            <a:r>
+              <a:rPr lang="en-US" dirty="0" smtClean="0"/>
+              <a:t>TARGET = 22:00</a:t>
             </a:r>
             <a:endParaRPr lang="en-US" dirty="0"/>
           </a:p>
@@ -1195,7 +1201,7 @@
           <a:p>
             <a:fld id="{2EB312AA-E5B3-483C-89A7-82722FB34C35}" type="slidenum">
               <a:rPr lang="en-US" smtClean="0"/>
-              <a:t>16</a:t>
+              <a:t>21</a:t>
             </a:fld>
             <a:endParaRPr lang="en-US"/>
           </a:p>
@@ -1204,7 +1210,7 @@
     </p:spTree>
     <p:extLst>
       <p:ext uri="{BB962C8B-B14F-4D97-AF65-F5344CB8AC3E}">
-        <p14:creationId xmlns:p14="http://schemas.microsoft.com/office/powerpoint/2010/main" val="1587138040"/>
+        <p14:creationId xmlns:p14="http://schemas.microsoft.com/office/powerpoint/2010/main" val="2152084081"/>
       </p:ext>
     </p:extLst>
   </p:cSld>
@@ -1260,7 +1266,7 @@
           <a:p>
             <a:r>
               <a:rPr lang="en-US" dirty="0" smtClean="0"/>
-              <a:t>4</a:t>
+              <a:t>8</a:t>
             </a:r>
             <a:endParaRPr lang="en-US" dirty="0"/>
           </a:p>
@@ -1283,7 +1289,7 @@
           <a:p>
             <a:fld id="{2EB312AA-E5B3-483C-89A7-82722FB34C35}" type="slidenum">
               <a:rPr lang="en-US" smtClean="0"/>
-              <a:t>17</a:t>
+              <a:t>22</a:t>
             </a:fld>
             <a:endParaRPr lang="en-US"/>
           </a:p>
@@ -1292,7 +1298,7 @@
     </p:spTree>
     <p:extLst>
       <p:ext uri="{BB962C8B-B14F-4D97-AF65-F5344CB8AC3E}">
-        <p14:creationId xmlns:p14="http://schemas.microsoft.com/office/powerpoint/2010/main" val="779674851"/>
+        <p14:creationId xmlns:p14="http://schemas.microsoft.com/office/powerpoint/2010/main" val="1587138040"/>
       </p:ext>
     </p:extLst>
   </p:cSld>
@@ -1348,7 +1354,7 @@
           <a:p>
             <a:r>
               <a:rPr lang="en-US" dirty="0" smtClean="0"/>
-              <a:t>6</a:t>
+              <a:t>4</a:t>
             </a:r>
             <a:endParaRPr lang="en-US" dirty="0"/>
           </a:p>
@@ -1371,7 +1377,7 @@
           <a:p>
             <a:fld id="{2EB312AA-E5B3-483C-89A7-82722FB34C35}" type="slidenum">
               <a:rPr lang="en-US" smtClean="0"/>
-              <a:t>18</a:t>
+              <a:t>23</a:t>
             </a:fld>
             <a:endParaRPr lang="en-US"/>
           </a:p>
@@ -1380,7 +1386,7 @@
     </p:spTree>
     <p:extLst>
       <p:ext uri="{BB962C8B-B14F-4D97-AF65-F5344CB8AC3E}">
-        <p14:creationId xmlns:p14="http://schemas.microsoft.com/office/powerpoint/2010/main" val="3636580439"/>
+        <p14:creationId xmlns:p14="http://schemas.microsoft.com/office/powerpoint/2010/main" val="779674851"/>
       </p:ext>
     </p:extLst>
   </p:cSld>
@@ -1436,7 +1442,7 @@
           <a:p>
             <a:r>
               <a:rPr lang="en-US" dirty="0" smtClean="0"/>
-              <a:t>3</a:t>
+              <a:t>6</a:t>
             </a:r>
             <a:endParaRPr lang="en-US" dirty="0"/>
           </a:p>
@@ -1459,7 +1465,7 @@
           <a:p>
             <a:fld id="{2EB312AA-E5B3-483C-89A7-82722FB34C35}" type="slidenum">
               <a:rPr lang="en-US" smtClean="0"/>
-              <a:t>19</a:t>
+              <a:t>24</a:t>
             </a:fld>
             <a:endParaRPr lang="en-US"/>
           </a:p>
@@ -1468,7 +1474,7 @@
     </p:spTree>
     <p:extLst>
       <p:ext uri="{BB962C8B-B14F-4D97-AF65-F5344CB8AC3E}">
-        <p14:creationId xmlns:p14="http://schemas.microsoft.com/office/powerpoint/2010/main" val="2884234769"/>
+        <p14:creationId xmlns:p14="http://schemas.microsoft.com/office/powerpoint/2010/main" val="3636580439"/>
       </p:ext>
     </p:extLst>
   </p:cSld>
@@ -1635,7 +1641,7 @@
           <a:p>
             <a:fld id="{2EB312AA-E5B3-483C-89A7-82722FB34C35}" type="slidenum">
               <a:rPr lang="en-US" smtClean="0"/>
-              <a:t>20</a:t>
+              <a:t>25</a:t>
             </a:fld>
             <a:endParaRPr lang="en-US"/>
           </a:p>
@@ -1644,7 +1650,7 @@
     </p:spTree>
     <p:extLst>
       <p:ext uri="{BB962C8B-B14F-4D97-AF65-F5344CB8AC3E}">
-        <p14:creationId xmlns:p14="http://schemas.microsoft.com/office/powerpoint/2010/main" val="1088438535"/>
+        <p14:creationId xmlns:p14="http://schemas.microsoft.com/office/powerpoint/2010/main" val="2884234769"/>
       </p:ext>
     </p:extLst>
   </p:cSld>
@@ -1700,11 +1706,7 @@
           <a:p>
             <a:r>
               <a:rPr lang="en-US" dirty="0" smtClean="0"/>
-              <a:t>1 – TARGET = 54:00</a:t>
-            </a:r>
-            <a:r>
-              <a:rPr lang="en-US" baseline="0" dirty="0" smtClean="0"/>
-              <a:t>, else -1 min each slide</a:t>
+              <a:t>3</a:t>
             </a:r>
             <a:endParaRPr lang="en-US" dirty="0"/>
           </a:p>
@@ -1727,7 +1729,7 @@
           <a:p>
             <a:fld id="{2EB312AA-E5B3-483C-89A7-82722FB34C35}" type="slidenum">
               <a:rPr lang="en-US" smtClean="0"/>
-              <a:t>21</a:t>
+              <a:t>26</a:t>
             </a:fld>
             <a:endParaRPr lang="en-US"/>
           </a:p>
@@ -1736,7 +1738,7 @@
     </p:spTree>
     <p:extLst>
       <p:ext uri="{BB962C8B-B14F-4D97-AF65-F5344CB8AC3E}">
-        <p14:creationId xmlns:p14="http://schemas.microsoft.com/office/powerpoint/2010/main" val="753214205"/>
+        <p14:creationId xmlns:p14="http://schemas.microsoft.com/office/powerpoint/2010/main" val="1088438535"/>
       </p:ext>
     </p:extLst>
   </p:cSld>
@@ -1792,7 +1794,11 @@
           <a:p>
             <a:r>
               <a:rPr lang="en-US" dirty="0" smtClean="0"/>
-              <a:t>6</a:t>
+              <a:t>1 – TARGET = 54:00</a:t>
+            </a:r>
+            <a:r>
+              <a:rPr lang="en-US" baseline="0" dirty="0" smtClean="0"/>
+              <a:t>, else -1 min each slide</a:t>
             </a:r>
             <a:endParaRPr lang="en-US" dirty="0"/>
           </a:p>
@@ -1815,7 +1821,7 @@
           <a:p>
             <a:fld id="{2EB312AA-E5B3-483C-89A7-82722FB34C35}" type="slidenum">
               <a:rPr lang="en-US" smtClean="0"/>
-              <a:t>22</a:t>
+              <a:t>27</a:t>
             </a:fld>
             <a:endParaRPr lang="en-US"/>
           </a:p>
@@ -1824,7 +1830,7 @@
     </p:spTree>
     <p:extLst>
       <p:ext uri="{BB962C8B-B14F-4D97-AF65-F5344CB8AC3E}">
-        <p14:creationId xmlns:p14="http://schemas.microsoft.com/office/powerpoint/2010/main" val="3831408609"/>
+        <p14:creationId xmlns:p14="http://schemas.microsoft.com/office/powerpoint/2010/main" val="753214205"/>
       </p:ext>
     </p:extLst>
   </p:cSld>
@@ -1903,7 +1909,7 @@
           <a:p>
             <a:fld id="{2EB312AA-E5B3-483C-89A7-82722FB34C35}" type="slidenum">
               <a:rPr lang="en-US" smtClean="0"/>
-              <a:t>23</a:t>
+              <a:t>28</a:t>
             </a:fld>
             <a:endParaRPr lang="en-US"/>
           </a:p>
@@ -1912,7 +1918,7 @@
     </p:spTree>
     <p:extLst>
       <p:ext uri="{BB962C8B-B14F-4D97-AF65-F5344CB8AC3E}">
-        <p14:creationId xmlns:p14="http://schemas.microsoft.com/office/powerpoint/2010/main" val="609683936"/>
+        <p14:creationId xmlns:p14="http://schemas.microsoft.com/office/powerpoint/2010/main" val="3831408609"/>
       </p:ext>
     </p:extLst>
   </p:cSld>
@@ -1991,7 +1997,7 @@
           <a:p>
             <a:fld id="{2EB312AA-E5B3-483C-89A7-82722FB34C35}" type="slidenum">
               <a:rPr lang="en-US" smtClean="0"/>
-              <a:t>24</a:t>
+              <a:t>29</a:t>
             </a:fld>
             <a:endParaRPr lang="en-US"/>
           </a:p>
@@ -2000,7 +2006,7 @@
     </p:spTree>
     <p:extLst>
       <p:ext uri="{BB962C8B-B14F-4D97-AF65-F5344CB8AC3E}">
-        <p14:creationId xmlns:p14="http://schemas.microsoft.com/office/powerpoint/2010/main" val="363341927"/>
+        <p14:creationId xmlns:p14="http://schemas.microsoft.com/office/powerpoint/2010/main" val="609683936"/>
       </p:ext>
     </p:extLst>
   </p:cSld>
@@ -2079,7 +2085,7 @@
           <a:p>
             <a:fld id="{2EB312AA-E5B3-483C-89A7-82722FB34C35}" type="slidenum">
               <a:rPr lang="en-US" smtClean="0"/>
-              <a:t>25</a:t>
+              <a:t>30</a:t>
             </a:fld>
             <a:endParaRPr lang="en-US"/>
           </a:p>
@@ -2088,7 +2094,7 @@
     </p:spTree>
     <p:extLst>
       <p:ext uri="{BB962C8B-B14F-4D97-AF65-F5344CB8AC3E}">
-        <p14:creationId xmlns:p14="http://schemas.microsoft.com/office/powerpoint/2010/main" val="3662436706"/>
+        <p14:creationId xmlns:p14="http://schemas.microsoft.com/office/powerpoint/2010/main" val="363341927"/>
       </p:ext>
     </p:extLst>
   </p:cSld>
@@ -2167,7 +2173,95 @@
           <a:p>
             <a:fld id="{2EB312AA-E5B3-483C-89A7-82722FB34C35}" type="slidenum">
               <a:rPr lang="en-US" smtClean="0"/>
-              <a:t>26</a:t>
+              <a:t>31</a:t>
+            </a:fld>
+            <a:endParaRPr lang="en-US"/>
+          </a:p>
+        </p:txBody>
+      </p:sp>
+    </p:spTree>
+    <p:extLst>
+      <p:ext uri="{BB962C8B-B14F-4D97-AF65-F5344CB8AC3E}">
+        <p14:creationId xmlns:p14="http://schemas.microsoft.com/office/powerpoint/2010/main" val="3662436706"/>
+      </p:ext>
+    </p:extLst>
+  </p:cSld>
+  <p:clrMapOvr>
+    <a:masterClrMapping/>
+  </p:clrMapOvr>
+</p:notes>
+</file>
+
+<file path=ppt/notesSlides/notesSlide27.xml><?xml version="1.0" encoding="utf-8"?>
+<p:notes xmlns:a="http://schemas.openxmlformats.org/drawingml/2006/main" xmlns:r="http://schemas.openxmlformats.org/officeDocument/2006/relationships" xmlns:p="http://schemas.openxmlformats.org/presentationml/2006/main">
+  <p:cSld>
+    <p:spTree>
+      <p:nvGrpSpPr>
+        <p:cNvPr id="1" name=""/>
+        <p:cNvGrpSpPr/>
+        <p:nvPr/>
+      </p:nvGrpSpPr>
+      <p:grpSpPr>
+        <a:xfrm>
+          <a:off x="0" y="0"/>
+          <a:ext cx="0" cy="0"/>
+          <a:chOff x="0" y="0"/>
+          <a:chExt cx="0" cy="0"/>
+        </a:xfrm>
+      </p:grpSpPr>
+      <p:sp>
+        <p:nvSpPr>
+          <p:cNvPr id="2" name="Slide Image Placeholder 1"/>
+          <p:cNvSpPr>
+            <a:spLocks noGrp="1" noRot="1" noChangeAspect="1"/>
+          </p:cNvSpPr>
+          <p:nvPr>
+            <p:ph type="sldImg"/>
+          </p:nvPr>
+        </p:nvSpPr>
+        <p:spPr/>
+      </p:sp>
+      <p:sp>
+        <p:nvSpPr>
+          <p:cNvPr id="3" name="Notes Placeholder 2"/>
+          <p:cNvSpPr>
+            <a:spLocks noGrp="1"/>
+          </p:cNvSpPr>
+          <p:nvPr>
+            <p:ph type="body" idx="1"/>
+          </p:nvPr>
+        </p:nvSpPr>
+        <p:spPr/>
+        <p:txBody>
+          <a:bodyPr/>
+          <a:lstStyle/>
+          <a:p>
+            <a:r>
+              <a:rPr lang="en-US" dirty="0" smtClean="0"/>
+              <a:t>6</a:t>
+            </a:r>
+            <a:endParaRPr lang="en-US" dirty="0"/>
+          </a:p>
+        </p:txBody>
+      </p:sp>
+      <p:sp>
+        <p:nvSpPr>
+          <p:cNvPr id="4" name="Slide Number Placeholder 3"/>
+          <p:cNvSpPr>
+            <a:spLocks noGrp="1"/>
+          </p:cNvSpPr>
+          <p:nvPr>
+            <p:ph type="sldNum" sz="quarter" idx="10"/>
+          </p:nvPr>
+        </p:nvSpPr>
+        <p:spPr/>
+        <p:txBody>
+          <a:bodyPr/>
+          <a:lstStyle/>
+          <a:p>
+            <a:fld id="{2EB312AA-E5B3-483C-89A7-82722FB34C35}" type="slidenum">
+              <a:rPr lang="en-US" smtClean="0"/>
+              <a:t>32</a:t>
             </a:fld>
             <a:endParaRPr lang="en-US"/>
           </a:p>
@@ -2232,7 +2326,7 @@
           <a:p>
             <a:r>
               <a:rPr lang="en-US" dirty="0" smtClean="0"/>
-              <a:t>3</a:t>
+              <a:t>8, 6 &amp; 2</a:t>
             </a:r>
             <a:endParaRPr lang="en-US" dirty="0"/>
           </a:p>
@@ -2264,7 +2358,7 @@
     </p:spTree>
     <p:extLst>
       <p:ext uri="{BB962C8B-B14F-4D97-AF65-F5344CB8AC3E}">
-        <p14:creationId xmlns:p14="http://schemas.microsoft.com/office/powerpoint/2010/main" val="1533596412"/>
+        <p14:creationId xmlns:p14="http://schemas.microsoft.com/office/powerpoint/2010/main" val="2281340076"/>
       </p:ext>
     </p:extLst>
   </p:cSld>
@@ -2320,7 +2414,7 @@
           <a:p>
             <a:r>
               <a:rPr lang="en-US" dirty="0" smtClean="0"/>
-              <a:t>1</a:t>
+              <a:t>3</a:t>
             </a:r>
             <a:endParaRPr lang="en-US" dirty="0"/>
           </a:p>
@@ -2343,7 +2437,7 @@
           <a:p>
             <a:fld id="{2EB312AA-E5B3-483C-89A7-82722FB34C35}" type="slidenum">
               <a:rPr lang="en-US" smtClean="0"/>
-              <a:t>4</a:t>
+              <a:t>9</a:t>
             </a:fld>
             <a:endParaRPr lang="en-US"/>
           </a:p>
@@ -2352,7 +2446,7 @@
     </p:spTree>
     <p:extLst>
       <p:ext uri="{BB962C8B-B14F-4D97-AF65-F5344CB8AC3E}">
-        <p14:creationId xmlns:p14="http://schemas.microsoft.com/office/powerpoint/2010/main" val="4276457174"/>
+        <p14:creationId xmlns:p14="http://schemas.microsoft.com/office/powerpoint/2010/main" val="1521913146"/>
       </p:ext>
     </p:extLst>
   </p:cSld>
@@ -2431,7 +2525,7 @@
           <a:p>
             <a:fld id="{2EB312AA-E5B3-483C-89A7-82722FB34C35}" type="slidenum">
               <a:rPr lang="en-US" smtClean="0"/>
-              <a:t>5</a:t>
+              <a:t>10</a:t>
             </a:fld>
             <a:endParaRPr lang="en-US"/>
           </a:p>
@@ -2440,7 +2534,7 @@
     </p:spTree>
     <p:extLst>
       <p:ext uri="{BB962C8B-B14F-4D97-AF65-F5344CB8AC3E}">
-        <p14:creationId xmlns:p14="http://schemas.microsoft.com/office/powerpoint/2010/main" val="4078528796"/>
+        <p14:creationId xmlns:p14="http://schemas.microsoft.com/office/powerpoint/2010/main" val="1533596412"/>
       </p:ext>
     </p:extLst>
   </p:cSld>
@@ -2496,7 +2590,7 @@
           <a:p>
             <a:r>
               <a:rPr lang="en-US" dirty="0" smtClean="0"/>
-              <a:t>1 “Is store-bought even good though?”</a:t>
+              <a:t>1</a:t>
             </a:r>
             <a:endParaRPr lang="en-US" dirty="0"/>
           </a:p>
@@ -2519,7 +2613,7 @@
           <a:p>
             <a:fld id="{2EB312AA-E5B3-483C-89A7-82722FB34C35}" type="slidenum">
               <a:rPr lang="en-US" smtClean="0"/>
-              <a:t>6</a:t>
+              <a:t>11</a:t>
             </a:fld>
             <a:endParaRPr lang="en-US"/>
           </a:p>
@@ -2528,7 +2622,7 @@
     </p:spTree>
     <p:extLst>
       <p:ext uri="{BB962C8B-B14F-4D97-AF65-F5344CB8AC3E}">
-        <p14:creationId xmlns:p14="http://schemas.microsoft.com/office/powerpoint/2010/main" val="672867334"/>
+        <p14:creationId xmlns:p14="http://schemas.microsoft.com/office/powerpoint/2010/main" val="4276457174"/>
       </p:ext>
     </p:extLst>
   </p:cSld>
@@ -2584,7 +2678,7 @@
           <a:p>
             <a:r>
               <a:rPr lang="en-US" dirty="0" smtClean="0"/>
-              <a:t>1</a:t>
+              <a:t>3</a:t>
             </a:r>
             <a:endParaRPr lang="en-US" dirty="0"/>
           </a:p>
@@ -2607,7 +2701,7 @@
           <a:p>
             <a:fld id="{2EB312AA-E5B3-483C-89A7-82722FB34C35}" type="slidenum">
               <a:rPr lang="en-US" smtClean="0"/>
-              <a:t>7</a:t>
+              <a:t>12</a:t>
             </a:fld>
             <a:endParaRPr lang="en-US"/>
           </a:p>
@@ -2616,7 +2710,7 @@
     </p:spTree>
     <p:extLst>
       <p:ext uri="{BB962C8B-B14F-4D97-AF65-F5344CB8AC3E}">
-        <p14:creationId xmlns:p14="http://schemas.microsoft.com/office/powerpoint/2010/main" val="1327419287"/>
+        <p14:creationId xmlns:p14="http://schemas.microsoft.com/office/powerpoint/2010/main" val="4078528796"/>
       </p:ext>
     </p:extLst>
   </p:cSld>
@@ -2672,7 +2766,15 @@
           <a:p>
             <a:r>
               <a:rPr lang="en-US" dirty="0" smtClean="0"/>
-              <a:t>1</a:t>
+              <a:t>1 “Is </a:t>
+            </a:r>
+            <a:r>
+              <a:rPr lang="en-US" dirty="0" smtClean="0"/>
+              <a:t>box-cake </a:t>
+            </a:r>
+            <a:r>
+              <a:rPr lang="en-US" dirty="0" smtClean="0"/>
+              <a:t>even good though?”</a:t>
             </a:r>
             <a:endParaRPr lang="en-US" dirty="0"/>
           </a:p>
@@ -2695,7 +2797,7 @@
           <a:p>
             <a:fld id="{2EB312AA-E5B3-483C-89A7-82722FB34C35}" type="slidenum">
               <a:rPr lang="en-US" smtClean="0"/>
-              <a:t>8</a:t>
+              <a:t>13</a:t>
             </a:fld>
             <a:endParaRPr lang="en-US"/>
           </a:p>
@@ -2704,7 +2806,7 @@
     </p:spTree>
     <p:extLst>
       <p:ext uri="{BB962C8B-B14F-4D97-AF65-F5344CB8AC3E}">
-        <p14:creationId xmlns:p14="http://schemas.microsoft.com/office/powerpoint/2010/main" val="240515055"/>
+        <p14:creationId xmlns:p14="http://schemas.microsoft.com/office/powerpoint/2010/main" val="672867334"/>
       </p:ext>
     </p:extLst>
   </p:cSld>
@@ -2783,7 +2885,7 @@
           <a:p>
             <a:fld id="{2EB312AA-E5B3-483C-89A7-82722FB34C35}" type="slidenum">
               <a:rPr lang="en-US" smtClean="0"/>
-              <a:t>9</a:t>
+              <a:t>14</a:t>
             </a:fld>
             <a:endParaRPr lang="en-US"/>
           </a:p>
@@ -2792,7 +2894,7 @@
     </p:spTree>
     <p:extLst>
       <p:ext uri="{BB962C8B-B14F-4D97-AF65-F5344CB8AC3E}">
-        <p14:creationId xmlns:p14="http://schemas.microsoft.com/office/powerpoint/2010/main" val="412213293"/>
+        <p14:creationId xmlns:p14="http://schemas.microsoft.com/office/powerpoint/2010/main" val="1327419287"/>
       </p:ext>
     </p:extLst>
   </p:cSld>
@@ -2941,7 +3043,7 @@
           <a:p>
             <a:fld id="{C336076D-836C-44D8-B1E0-272F963C7580}" type="datetimeFigureOut">
               <a:rPr lang="en-US" smtClean="0"/>
-              <a:t>2/27/2018</a:t>
+              <a:t>4/2/2018</a:t>
             </a:fld>
             <a:endParaRPr lang="en-US"/>
           </a:p>
@@ -3119,7 +3221,7 @@
           <a:p>
             <a:fld id="{C336076D-836C-44D8-B1E0-272F963C7580}" type="datetimeFigureOut">
               <a:rPr lang="en-US" smtClean="0"/>
-              <a:t>2/27/2018</a:t>
+              <a:t>4/2/2018</a:t>
             </a:fld>
             <a:endParaRPr lang="en-US"/>
           </a:p>
@@ -3307,7 +3409,7 @@
           <a:p>
             <a:fld id="{C336076D-836C-44D8-B1E0-272F963C7580}" type="datetimeFigureOut">
               <a:rPr lang="en-US" smtClean="0"/>
-              <a:t>2/27/2018</a:t>
+              <a:t>4/2/2018</a:t>
             </a:fld>
             <a:endParaRPr lang="en-US"/>
           </a:p>
@@ -3485,7 +3587,7 @@
           <a:p>
             <a:fld id="{C336076D-836C-44D8-B1E0-272F963C7580}" type="datetimeFigureOut">
               <a:rPr lang="en-US" smtClean="0"/>
-              <a:t>2/27/2018</a:t>
+              <a:t>4/2/2018</a:t>
             </a:fld>
             <a:endParaRPr lang="en-US"/>
           </a:p>
@@ -3739,7 +3841,7 @@
           <a:p>
             <a:fld id="{C336076D-836C-44D8-B1E0-272F963C7580}" type="datetimeFigureOut">
               <a:rPr lang="en-US" smtClean="0"/>
-              <a:t>2/27/2018</a:t>
+              <a:t>4/2/2018</a:t>
             </a:fld>
             <a:endParaRPr lang="en-US"/>
           </a:p>
@@ -3979,7 +4081,7 @@
           <a:p>
             <a:fld id="{C336076D-836C-44D8-B1E0-272F963C7580}" type="datetimeFigureOut">
               <a:rPr lang="en-US" smtClean="0"/>
-              <a:t>2/27/2018</a:t>
+              <a:t>4/2/2018</a:t>
             </a:fld>
             <a:endParaRPr lang="en-US"/>
           </a:p>
@@ -4354,7 +4456,7 @@
           <a:p>
             <a:fld id="{C336076D-836C-44D8-B1E0-272F963C7580}" type="datetimeFigureOut">
               <a:rPr lang="en-US" smtClean="0"/>
-              <a:t>2/27/2018</a:t>
+              <a:t>4/2/2018</a:t>
             </a:fld>
             <a:endParaRPr lang="en-US"/>
           </a:p>
@@ -4480,7 +4582,7 @@
           <a:p>
             <a:fld id="{C336076D-836C-44D8-B1E0-272F963C7580}" type="datetimeFigureOut">
               <a:rPr lang="en-US" smtClean="0"/>
-              <a:t>2/27/2018</a:t>
+              <a:t>4/2/2018</a:t>
             </a:fld>
             <a:endParaRPr lang="en-US"/>
           </a:p>
@@ -4583,7 +4685,7 @@
           <a:p>
             <a:fld id="{C336076D-836C-44D8-B1E0-272F963C7580}" type="datetimeFigureOut">
               <a:rPr lang="en-US" smtClean="0"/>
-              <a:t>2/27/2018</a:t>
+              <a:t>4/2/2018</a:t>
             </a:fld>
             <a:endParaRPr lang="en-US"/>
           </a:p>
@@ -4868,7 +4970,7 @@
           <a:p>
             <a:fld id="{C336076D-836C-44D8-B1E0-272F963C7580}" type="datetimeFigureOut">
               <a:rPr lang="en-US" smtClean="0"/>
-              <a:t>2/27/2018</a:t>
+              <a:t>4/2/2018</a:t>
             </a:fld>
             <a:endParaRPr lang="en-US"/>
           </a:p>
@@ -5133,7 +5235,7 @@
           <a:p>
             <a:fld id="{C336076D-836C-44D8-B1E0-272F963C7580}" type="datetimeFigureOut">
               <a:rPr lang="en-US" smtClean="0"/>
-              <a:t>2/27/2018</a:t>
+              <a:t>4/2/2018</a:t>
             </a:fld>
             <a:endParaRPr lang="en-US"/>
           </a:p>
@@ -5349,7 +5451,7 @@
           <a:p>
             <a:fld id="{C336076D-836C-44D8-B1E0-272F963C7580}" type="datetimeFigureOut">
               <a:rPr lang="en-US" smtClean="0"/>
-              <a:t>2/27/2018</a:t>
+              <a:t>4/2/2018</a:t>
             </a:fld>
             <a:endParaRPr lang="en-US"/>
           </a:p>
@@ -5770,8 +5872,19 @@
           <a:lstStyle/>
           <a:p>
             <a:r>
-              <a:rPr lang="en-US" dirty="0" smtClean="0"/>
-              <a:t>Introduction to D3.js</a:t>
+              <a:rPr lang="en-US" sz="4400" i="1" dirty="0" smtClean="0"/>
+              <a:t>Optional:</a:t>
+            </a:r>
+            <a:r>
+              <a:rPr lang="en-US" dirty="0" smtClean="0"/>
+              <a:t/>
+            </a:r>
+            <a:br>
+              <a:rPr lang="en-US" dirty="0" smtClean="0"/>
+            </a:br>
+            <a:r>
+              <a:rPr lang="en-US" dirty="0" smtClean="0"/>
+              <a:t>Pre-Requisite JS:</a:t>
             </a:r>
             <a:endParaRPr lang="en-US" dirty="0"/>
           </a:p>
@@ -5794,7 +5907,15 @@
           <a:p>
             <a:r>
               <a:rPr lang="en-US" dirty="0" smtClean="0"/>
-              <a:t>Hands-on learning and plenty of resources.</a:t>
+              <a:t>Before we start into d3, let’s examine some </a:t>
+            </a:r>
+            <a:r>
+              <a:rPr lang="en-US" dirty="0" smtClean="0"/>
+              <a:t>J</a:t>
+            </a:r>
+            <a:r>
+              <a:rPr lang="en-US" dirty="0" smtClean="0"/>
+              <a:t>avaScript.</a:t>
             </a:r>
             <a:endParaRPr lang="en-US" dirty="0"/>
           </a:p>
@@ -5803,7 +5924,7 @@
     </p:spTree>
     <p:extLst>
       <p:ext uri="{BB962C8B-B14F-4D97-AF65-F5344CB8AC3E}">
-        <p14:creationId xmlns:p14="http://schemas.microsoft.com/office/powerpoint/2010/main" val="682157294"/>
+        <p14:creationId xmlns:p14="http://schemas.microsoft.com/office/powerpoint/2010/main" val="3773204428"/>
       </p:ext>
     </p:extLst>
   </p:cSld>
@@ -5844,70 +5965,127 @@
             <a:spLocks noGrp="1"/>
           </p:cNvSpPr>
           <p:nvPr>
-            <p:ph type="title"/>
+            <p:ph type="ctrTitle"/>
           </p:nvPr>
         </p:nvSpPr>
         <p:spPr>
           <a:xfrm>
-            <a:off x="1857797" y="2589200"/>
-            <a:ext cx="10515600" cy="1325563"/>
+            <a:off x="1524000" y="1064027"/>
+            <a:ext cx="9144000" cy="1207337"/>
           </a:xfrm>
         </p:spPr>
         <p:txBody>
-          <a:bodyPr/>
-          <a:lstStyle/>
-          <a:p>
-            <a:r>
-              <a:rPr lang="en-US" dirty="0" smtClean="0"/>
-              <a:t>D3 is tiramisu</a:t>
-            </a:r>
-            <a:endParaRPr lang="en-US" dirty="0"/>
-          </a:p>
-        </p:txBody>
-      </p:sp>
-      <p:pic>
-        <p:nvPicPr>
-          <p:cNvPr id="4098" name="Picture 2" descr="Image result for tiramisu"/>
-          <p:cNvPicPr>
-            <a:picLocks noChangeAspect="1" noChangeArrowheads="1"/>
-          </p:cNvPicPr>
-          <p:nvPr/>
-        </p:nvPicPr>
-        <p:blipFill rotWithShape="1">
-          <a:blip r:embed="rId3">
-            <a:extLst>
-              <a:ext uri="{28A0092B-C50C-407E-A947-70E740481C1C}">
-                <a14:useLocalDpi xmlns:a14="http://schemas.microsoft.com/office/drawing/2010/main" val="0"/>
-              </a:ext>
-            </a:extLst>
-          </a:blip>
-          <a:srcRect l="19797"/>
-          <a:stretch/>
-        </p:blipFill>
-        <p:spPr bwMode="auto">
+          <a:bodyPr>
+            <a:normAutofit/>
+          </a:bodyPr>
+          <a:lstStyle/>
+          <a:p>
+            <a:pPr algn="l"/>
+            <a:r>
+              <a:rPr lang="en-US" dirty="0" smtClean="0"/>
+              <a:t>What is D3 capable of?</a:t>
+            </a:r>
+            <a:endParaRPr lang="en-US" dirty="0"/>
+          </a:p>
+        </p:txBody>
+      </p:sp>
+      <p:sp>
+        <p:nvSpPr>
+          <p:cNvPr id="3" name="Subtitle 2"/>
+          <p:cNvSpPr>
+            <a:spLocks noGrp="1"/>
+          </p:cNvSpPr>
+          <p:nvPr>
+            <p:ph type="subTitle" idx="1"/>
+          </p:nvPr>
+        </p:nvSpPr>
+        <p:spPr>
           <a:xfrm>
-            <a:off x="5664425" y="365125"/>
-            <a:ext cx="6174254" cy="5773715"/>
+            <a:off x="1524000" y="2271364"/>
+            <a:ext cx="9144000" cy="4048320"/>
           </a:xfrm>
-          <a:prstGeom prst="rect">
-            <a:avLst/>
-          </a:prstGeom>
-          <a:noFill/>
-          <a:extLst>
-            <a:ext uri="{909E8E84-426E-40DD-AFC4-6F175D3DCCD1}">
-              <a14:hiddenFill xmlns:a14="http://schemas.microsoft.com/office/drawing/2010/main">
-                <a:solidFill>
-                  <a:srgbClr val="FFFFFF"/>
-                </a:solidFill>
-              </a14:hiddenFill>
-            </a:ext>
-          </a:extLst>
         </p:spPr>
-      </p:pic>
+        <p:txBody>
+          <a:bodyPr/>
+          <a:lstStyle/>
+          <a:p>
+            <a:pPr algn="l"/>
+            <a:r>
+              <a:rPr lang="en-US" dirty="0"/>
+              <a:t>https://</a:t>
+            </a:r>
+            <a:r>
+              <a:rPr lang="en-US" dirty="0" smtClean="0"/>
+              <a:t>ligo.northwestern.edu/media/mass-plot/index.html</a:t>
+            </a:r>
+          </a:p>
+          <a:p>
+            <a:pPr algn="l"/>
+            <a:endParaRPr lang="en-US" dirty="0" smtClean="0"/>
+          </a:p>
+          <a:p>
+            <a:pPr algn="l"/>
+            <a:r>
+              <a:rPr lang="en-US" dirty="0" smtClean="0"/>
+              <a:t>http</a:t>
+            </a:r>
+            <a:r>
+              <a:rPr lang="en-US" dirty="0"/>
+              <a:t>://www.r2d3.us/visual-intro-to-machine-learning-part-1</a:t>
+            </a:r>
+            <a:r>
+              <a:rPr lang="en-US" dirty="0" smtClean="0"/>
+              <a:t>/</a:t>
+            </a:r>
+          </a:p>
+          <a:p>
+            <a:pPr algn="l"/>
+            <a:r>
+              <a:rPr lang="en-US" dirty="0"/>
+              <a:t>http://</a:t>
+            </a:r>
+            <a:r>
+              <a:rPr lang="en-US" dirty="0" smtClean="0"/>
+              <a:t>bit.ly/2wJEeIy</a:t>
+            </a:r>
+          </a:p>
+          <a:p>
+            <a:pPr algn="l"/>
+            <a:r>
+              <a:rPr lang="en-US" dirty="0" smtClean="0"/>
+              <a:t>http://nbremer.github.io/urbanization/</a:t>
+            </a:r>
+          </a:p>
+          <a:p>
+            <a:pPr algn="l"/>
+            <a:r>
+              <a:rPr lang="en-US" dirty="0" smtClean="0"/>
+              <a:t>https</a:t>
+            </a:r>
+            <a:r>
+              <a:rPr lang="en-US" dirty="0"/>
+              <a:t>://</a:t>
+            </a:r>
+            <a:r>
+              <a:rPr lang="en-US" dirty="0" smtClean="0"/>
+              <a:t>www.nytimes.com/interactive/2014/upshot/buy-rent-calculator.htmlhttps</a:t>
+            </a:r>
+            <a:r>
+              <a:rPr lang="en-US" dirty="0"/>
+              <a:t>://bost.ocks.org/mike/algorithms/</a:t>
+            </a:r>
+            <a:endParaRPr lang="en-US" dirty="0" smtClean="0"/>
+          </a:p>
+          <a:p>
+            <a:pPr algn="l"/>
+            <a:endParaRPr lang="en-US" dirty="0"/>
+          </a:p>
+        </p:txBody>
+      </p:sp>
     </p:spTree>
     <p:extLst>
       <p:ext uri="{BB962C8B-B14F-4D97-AF65-F5344CB8AC3E}">
-        <p14:creationId xmlns:p14="http://schemas.microsoft.com/office/powerpoint/2010/main" val="2863194031"/>
+        <p14:creationId xmlns:p14="http://schemas.microsoft.com/office/powerpoint/2010/main" val="990942484"/>
       </p:ext>
     </p:extLst>
   </p:cSld>
@@ -5917,80 +6095,9 @@
   <p:timing>
     <p:tnLst>
       <p:par>
-        <p:cTn id="1" dur="indefinite" restart="never" nodeType="tmRoot">
-          <p:childTnLst>
-            <p:seq concurrent="1" nextAc="seek">
-              <p:cTn id="2" dur="indefinite" nodeType="mainSeq">
-                <p:childTnLst>
-                  <p:par>
-                    <p:cTn id="3" fill="hold">
-                      <p:stCondLst>
-                        <p:cond delay="indefinite"/>
-                      </p:stCondLst>
-                      <p:childTnLst>
-                        <p:par>
-                          <p:cTn id="4" fill="hold">
-                            <p:stCondLst>
-                              <p:cond delay="0"/>
-                            </p:stCondLst>
-                            <p:childTnLst>
-                              <p:par>
-                                <p:cTn id="5" presetID="1" presetClass="entr" presetSubtype="0" fill="hold" grpId="0" nodeType="clickEffect">
-                                  <p:stCondLst>
-                                    <p:cond delay="0"/>
-                                  </p:stCondLst>
-                                  <p:childTnLst>
-                                    <p:set>
-                                      <p:cBhvr>
-                                        <p:cTn id="6" dur="1" fill="hold">
-                                          <p:stCondLst>
-                                            <p:cond delay="0"/>
-                                          </p:stCondLst>
-                                        </p:cTn>
-                                        <p:tgtEl>
-                                          <p:spTgt spid="2"/>
-                                        </p:tgtEl>
-                                        <p:attrNameLst>
-                                          <p:attrName>style.visibility</p:attrName>
-                                        </p:attrNameLst>
-                                      </p:cBhvr>
-                                      <p:to>
-                                        <p:strVal val="visible"/>
-                                      </p:to>
-                                    </p:set>
-                                  </p:childTnLst>
-                                </p:cTn>
-                              </p:par>
-                            </p:childTnLst>
-                          </p:cTn>
-                        </p:par>
-                      </p:childTnLst>
-                    </p:cTn>
-                  </p:par>
-                </p:childTnLst>
-              </p:cTn>
-              <p:prevCondLst>
-                <p:cond evt="onPrev" delay="0">
-                  <p:tgtEl>
-                    <p:sldTgt/>
-                  </p:tgtEl>
-                </p:cond>
-              </p:prevCondLst>
-              <p:nextCondLst>
-                <p:cond evt="onNext" delay="0">
-                  <p:tgtEl>
-                    <p:sldTgt/>
-                  </p:tgtEl>
-                </p:cond>
-              </p:nextCondLst>
-            </p:seq>
-          </p:childTnLst>
-        </p:cTn>
+        <p:cTn id="1" dur="indefinite" restart="never" nodeType="tmRoot"/>
       </p:par>
     </p:tnLst>
-    <p:bldLst>
-      <p:bldP spid="2" grpId="0"/>
-    </p:bldLst>
   </p:timing>
 </p:sld>
 </file>
@@ -6022,200 +6129,14 @@
             <p:ph type="title"/>
           </p:nvPr>
         </p:nvSpPr>
-        <p:spPr>
-          <a:xfrm>
-            <a:off x="959580" y="2785313"/>
-            <a:ext cx="10515600" cy="1325563"/>
-          </a:xfrm>
-        </p:spPr>
-        <p:txBody>
-          <a:bodyPr/>
-          <a:lstStyle/>
-          <a:p>
-            <a:r>
-              <a:rPr lang="en-US" dirty="0" smtClean="0"/>
-              <a:t>Or whatever</a:t>
-            </a:r>
-            <a:br>
-              <a:rPr lang="en-US" dirty="0" smtClean="0"/>
-            </a:br>
-            <a:r>
-              <a:rPr lang="en-US" dirty="0" smtClean="0"/>
-              <a:t>cake you want</a:t>
-            </a:r>
-            <a:endParaRPr lang="en-US" dirty="0"/>
-          </a:p>
-        </p:txBody>
-      </p:sp>
-      <p:pic>
-        <p:nvPicPr>
-          <p:cNvPr id="5122" name="Picture 2" descr="Image result for cake"/>
-          <p:cNvPicPr>
-            <a:picLocks noChangeAspect="1" noChangeArrowheads="1"/>
-          </p:cNvPicPr>
-          <p:nvPr/>
-        </p:nvPicPr>
-        <p:blipFill rotWithShape="1">
-          <a:blip r:embed="rId3" cstate="print">
-            <a:extLst>
-              <a:ext uri="{28A0092B-C50C-407E-A947-70E740481C1C}">
-                <a14:useLocalDpi xmlns:a14="http://schemas.microsoft.com/office/drawing/2010/main" val="0"/>
-              </a:ext>
-            </a:extLst>
-          </a:blip>
-          <a:srcRect l="10476" r="5118"/>
-          <a:stretch/>
-        </p:blipFill>
-        <p:spPr bwMode="auto">
-          <a:xfrm>
-            <a:off x="5599688" y="1027906"/>
-            <a:ext cx="6125671" cy="4840379"/>
-          </a:xfrm>
-          <a:prstGeom prst="rect">
-            <a:avLst/>
-          </a:prstGeom>
-          <a:noFill/>
-          <a:extLst>
-            <a:ext uri="{909E8E84-426E-40DD-AFC4-6F175D3DCCD1}">
-              <a14:hiddenFill xmlns:a14="http://schemas.microsoft.com/office/drawing/2010/main">
-                <a:solidFill>
-                  <a:srgbClr val="FFFFFF"/>
-                </a:solidFill>
-              </a14:hiddenFill>
-            </a:ext>
-          </a:extLst>
-        </p:spPr>
-      </p:pic>
-    </p:spTree>
-    <p:extLst>
-      <p:ext uri="{BB962C8B-B14F-4D97-AF65-F5344CB8AC3E}">
-        <p14:creationId xmlns:p14="http://schemas.microsoft.com/office/powerpoint/2010/main" val="2115468832"/>
-      </p:ext>
-    </p:extLst>
-  </p:cSld>
-  <p:clrMapOvr>
-    <a:masterClrMapping/>
-  </p:clrMapOvr>
-  <p:timing>
-    <p:tnLst>
-      <p:par>
-        <p:cTn id="1" dur="indefinite" restart="never" nodeType="tmRoot">
-          <p:childTnLst>
-            <p:seq concurrent="1" nextAc="seek">
-              <p:cTn id="2" dur="indefinite" nodeType="mainSeq">
-                <p:childTnLst>
-                  <p:par>
-                    <p:cTn id="3" fill="hold">
-                      <p:stCondLst>
-                        <p:cond delay="indefinite"/>
-                      </p:stCondLst>
-                      <p:childTnLst>
-                        <p:par>
-                          <p:cTn id="4" fill="hold">
-                            <p:stCondLst>
-                              <p:cond delay="0"/>
-                            </p:stCondLst>
-                            <p:childTnLst>
-                              <p:par>
-                                <p:cTn id="5" presetID="1" presetClass="entr" presetSubtype="0" fill="hold" grpId="0" nodeType="clickEffect">
-                                  <p:stCondLst>
-                                    <p:cond delay="0"/>
-                                  </p:stCondLst>
-                                  <p:childTnLst>
-                                    <p:set>
-                                      <p:cBhvr>
-                                        <p:cTn id="6" dur="1" fill="hold">
-                                          <p:stCondLst>
-                                            <p:cond delay="0"/>
-                                          </p:stCondLst>
-                                        </p:cTn>
-                                        <p:tgtEl>
-                                          <p:spTgt spid="2"/>
-                                        </p:tgtEl>
-                                        <p:attrNameLst>
-                                          <p:attrName>style.visibility</p:attrName>
-                                        </p:attrNameLst>
-                                      </p:cBhvr>
-                                      <p:to>
-                                        <p:strVal val="visible"/>
-                                      </p:to>
-                                    </p:set>
-                                  </p:childTnLst>
-                                </p:cTn>
-                              </p:par>
-                            </p:childTnLst>
-                          </p:cTn>
-                        </p:par>
-                      </p:childTnLst>
-                    </p:cTn>
-                  </p:par>
-                </p:childTnLst>
-              </p:cTn>
-              <p:prevCondLst>
-                <p:cond evt="onPrev" delay="0">
-                  <p:tgtEl>
-                    <p:sldTgt/>
-                  </p:tgtEl>
-                </p:cond>
-              </p:prevCondLst>
-              <p:nextCondLst>
-                <p:cond evt="onNext" delay="0">
-                  <p:tgtEl>
-                    <p:sldTgt/>
-                  </p:tgtEl>
-                </p:cond>
-              </p:nextCondLst>
-            </p:seq>
-          </p:childTnLst>
-        </p:cTn>
-      </p:par>
-    </p:tnLst>
-    <p:bldLst>
-      <p:bldP spid="2" grpId="0"/>
-    </p:bldLst>
-  </p:timing>
-</p:sld>
-</file>
-
-<file path=ppt/slides/slide12.xml><?xml version="1.0" encoding="utf-8"?>
-<p:sld xmlns:a="http://schemas.openxmlformats.org/drawingml/2006/main" xmlns:r="http://schemas.openxmlformats.org/officeDocument/2006/relationships" xmlns:p="http://schemas.openxmlformats.org/presentationml/2006/main">
-  <p:cSld>
-    <p:spTree>
-      <p:nvGrpSpPr>
-        <p:cNvPr id="1" name=""/>
-        <p:cNvGrpSpPr/>
-        <p:nvPr/>
-      </p:nvGrpSpPr>
-      <p:grpSpPr>
-        <a:xfrm>
-          <a:off x="0" y="0"/>
-          <a:ext cx="0" cy="0"/>
-          <a:chOff x="0" y="0"/>
-          <a:chExt cx="0" cy="0"/>
-        </a:xfrm>
-      </p:grpSpPr>
-      <p:sp>
-        <p:nvSpPr>
-          <p:cNvPr id="2" name="Title 1"/>
-          <p:cNvSpPr>
-            <a:spLocks noGrp="1"/>
-          </p:cNvSpPr>
-          <p:nvPr>
-            <p:ph type="title"/>
-          </p:nvPr>
-        </p:nvSpPr>
-        <p:spPr/>
-        <p:txBody>
-          <a:bodyPr/>
-          <a:lstStyle/>
-          <a:p>
-            <a:r>
-              <a:rPr lang="en-US" dirty="0" smtClean="0"/>
-              <a:t>“Boxed” </a:t>
-            </a:r>
-            <a:r>
-              <a:rPr lang="en-US" dirty="0" smtClean="0"/>
-              <a:t>cake is easy</a:t>
+        <p:spPr/>
+        <p:txBody>
+          <a:bodyPr/>
+          <a:lstStyle/>
+          <a:p>
+            <a:r>
+              <a:rPr lang="en-US" dirty="0" smtClean="0"/>
+              <a:t>But why is it so hard?</a:t>
             </a:r>
             <a:endParaRPr lang="en-US" dirty="0"/>
           </a:p>
@@ -6231,3696 +6152,92 @@
             <p:ph idx="1"/>
           </p:nvPr>
         </p:nvSpPr>
-        <p:spPr>
-          <a:xfrm>
-            <a:off x="838200" y="1537486"/>
-            <a:ext cx="10515600" cy="4960417"/>
-          </a:xfrm>
-        </p:spPr>
-        <p:txBody>
-          <a:bodyPr/>
-          <a:lstStyle/>
-          <a:p>
-            <a:r>
-              <a:rPr lang="en-US" dirty="0" smtClean="0"/>
-              <a:t>Eggs + water + their pre-mixed flour, </a:t>
-            </a:r>
-          </a:p>
-          <a:p>
-            <a:r>
-              <a:rPr lang="en-US" dirty="0" smtClean="0"/>
-              <a:t>Bake, </a:t>
-            </a:r>
-          </a:p>
-          <a:p>
-            <a:r>
-              <a:rPr lang="en-US" dirty="0" smtClean="0"/>
-              <a:t>and then if you have the time: add frosting</a:t>
-            </a:r>
-          </a:p>
-          <a:p>
-            <a:endParaRPr lang="en-US" dirty="0" smtClean="0"/>
-          </a:p>
-          <a:p>
-            <a:r>
-              <a:rPr lang="en-US" dirty="0" smtClean="0"/>
-              <a:t>In the end? Boring!</a:t>
-            </a:r>
-          </a:p>
-          <a:p>
-            <a:pPr marL="457200" lvl="1" indent="0">
-              <a:buNone/>
-            </a:pPr>
-            <a:endParaRPr lang="en-US" dirty="0"/>
-          </a:p>
-        </p:txBody>
-      </p:sp>
-    </p:spTree>
-    <p:extLst>
-      <p:ext uri="{BB962C8B-B14F-4D97-AF65-F5344CB8AC3E}">
-        <p14:creationId xmlns:p14="http://schemas.microsoft.com/office/powerpoint/2010/main" val="2932848234"/>
-      </p:ext>
-    </p:extLst>
-  </p:cSld>
-  <p:clrMapOvr>
-    <a:masterClrMapping/>
-  </p:clrMapOvr>
-  <p:timing>
-    <p:tnLst>
-      <p:par>
-        <p:cTn id="1" dur="indefinite" restart="never" nodeType="tmRoot"/>
-      </p:par>
-    </p:tnLst>
-  </p:timing>
-</p:sld>
-</file>
-
-<file path=ppt/slides/slide13.xml><?xml version="1.0" encoding="utf-8"?>
-<p:sld xmlns:a="http://schemas.openxmlformats.org/drawingml/2006/main" xmlns:r="http://schemas.openxmlformats.org/officeDocument/2006/relationships" xmlns:p="http://schemas.openxmlformats.org/presentationml/2006/main">
-  <p:cSld>
-    <p:spTree>
-      <p:nvGrpSpPr>
-        <p:cNvPr id="1" name=""/>
-        <p:cNvGrpSpPr/>
-        <p:nvPr/>
-      </p:nvGrpSpPr>
-      <p:grpSpPr>
-        <a:xfrm>
-          <a:off x="0" y="0"/>
-          <a:ext cx="0" cy="0"/>
-          <a:chOff x="0" y="0"/>
-          <a:chExt cx="0" cy="0"/>
-        </a:xfrm>
-      </p:grpSpPr>
-      <p:sp>
-        <p:nvSpPr>
-          <p:cNvPr id="2" name="Title 1"/>
-          <p:cNvSpPr>
-            <a:spLocks noGrp="1"/>
-          </p:cNvSpPr>
-          <p:nvPr>
-            <p:ph type="title"/>
-          </p:nvPr>
-        </p:nvSpPr>
-        <p:spPr/>
-        <p:txBody>
-          <a:bodyPr/>
-          <a:lstStyle/>
-          <a:p>
-            <a:r>
-              <a:rPr lang="en-US" dirty="0"/>
-              <a:t>Cake “from scratch” is hard:</a:t>
-            </a:r>
-          </a:p>
-        </p:txBody>
-      </p:sp>
-      <p:sp>
-        <p:nvSpPr>
-          <p:cNvPr id="3" name="Content Placeholder 2"/>
-          <p:cNvSpPr>
-            <a:spLocks noGrp="1"/>
-          </p:cNvSpPr>
-          <p:nvPr>
-            <p:ph idx="1"/>
-          </p:nvPr>
-        </p:nvSpPr>
-        <p:spPr/>
-        <p:txBody>
-          <a:bodyPr/>
-          <a:lstStyle/>
-          <a:p>
-            <a:r>
-              <a:rPr lang="en-US" dirty="0" smtClean="0"/>
-              <a:t>You </a:t>
-            </a:r>
-            <a:r>
-              <a:rPr lang="en-US" dirty="0"/>
-              <a:t>have to think about each ingredient, its quality, its needs</a:t>
-            </a:r>
-          </a:p>
-          <a:p>
-            <a:r>
-              <a:rPr lang="en-US" dirty="0"/>
-              <a:t>You must imagine your end-result </a:t>
-            </a:r>
-            <a:r>
-              <a:rPr lang="en-US" dirty="0" smtClean="0"/>
-              <a:t>+ </a:t>
-            </a:r>
-            <a:r>
-              <a:rPr lang="en-US" dirty="0"/>
-              <a:t>find a useful recipe </a:t>
-            </a:r>
-            <a:endParaRPr lang="en-US" dirty="0" smtClean="0"/>
-          </a:p>
-          <a:p>
-            <a:r>
-              <a:rPr lang="en-US" dirty="0" smtClean="0"/>
-              <a:t>It </a:t>
-            </a:r>
-            <a:r>
-              <a:rPr lang="en-US" dirty="0"/>
-              <a:t>can take a long time to master each ingredient</a:t>
-            </a:r>
-          </a:p>
-          <a:p>
-            <a:endParaRPr lang="en-US" dirty="0" smtClean="0"/>
-          </a:p>
-          <a:p>
-            <a:r>
-              <a:rPr lang="en-US" dirty="0" smtClean="0"/>
-              <a:t>In </a:t>
-            </a:r>
-            <a:r>
-              <a:rPr lang="en-US" dirty="0"/>
-              <a:t>the end? A unique masterpiece!</a:t>
-            </a:r>
-          </a:p>
-          <a:p>
-            <a:endParaRPr lang="en-US" dirty="0"/>
-          </a:p>
-        </p:txBody>
-      </p:sp>
-    </p:spTree>
-    <p:extLst>
-      <p:ext uri="{BB962C8B-B14F-4D97-AF65-F5344CB8AC3E}">
-        <p14:creationId xmlns:p14="http://schemas.microsoft.com/office/powerpoint/2010/main" val="183709866"/>
-      </p:ext>
-    </p:extLst>
-  </p:cSld>
-  <p:clrMapOvr>
-    <a:masterClrMapping/>
-  </p:clrMapOvr>
-</p:sld>
-</file>
-
-<file path=ppt/slides/slide14.xml><?xml version="1.0" encoding="utf-8"?>
-<p:sld xmlns:a="http://schemas.openxmlformats.org/drawingml/2006/main" xmlns:r="http://schemas.openxmlformats.org/officeDocument/2006/relationships" xmlns:p="http://schemas.openxmlformats.org/presentationml/2006/main">
-  <p:cSld>
-    <p:spTree>
-      <p:nvGrpSpPr>
-        <p:cNvPr id="1" name=""/>
-        <p:cNvGrpSpPr/>
-        <p:nvPr/>
-      </p:nvGrpSpPr>
-      <p:grpSpPr>
-        <a:xfrm>
-          <a:off x="0" y="0"/>
-          <a:ext cx="0" cy="0"/>
-          <a:chOff x="0" y="0"/>
-          <a:chExt cx="0" cy="0"/>
-        </a:xfrm>
-      </p:grpSpPr>
-      <p:sp>
-        <p:nvSpPr>
-          <p:cNvPr id="4" name="Title 3"/>
-          <p:cNvSpPr>
-            <a:spLocks noGrp="1"/>
-          </p:cNvSpPr>
-          <p:nvPr>
-            <p:ph type="ctrTitle"/>
-          </p:nvPr>
-        </p:nvSpPr>
-        <p:spPr/>
-        <p:txBody>
-          <a:bodyPr/>
-          <a:lstStyle/>
-          <a:p>
-            <a:r>
-              <a:rPr lang="en-US" dirty="0" smtClean="0"/>
-              <a:t>Cake from Scratch</a:t>
-            </a:r>
-            <a:endParaRPr lang="en-US" dirty="0"/>
-          </a:p>
-        </p:txBody>
-      </p:sp>
-      <p:sp>
-        <p:nvSpPr>
-          <p:cNvPr id="5" name="Subtitle 4"/>
-          <p:cNvSpPr>
-            <a:spLocks noGrp="1"/>
-          </p:cNvSpPr>
-          <p:nvPr>
-            <p:ph type="subTitle" idx="1"/>
-          </p:nvPr>
-        </p:nvSpPr>
-        <p:spPr/>
-        <p:txBody>
-          <a:bodyPr/>
-          <a:lstStyle/>
-          <a:p>
-            <a:r>
-              <a:rPr lang="en-US" dirty="0" smtClean="0"/>
-              <a:t>A “grammar of graphics” is key: </a:t>
-            </a:r>
-          </a:p>
-          <a:p>
-            <a:r>
-              <a:rPr lang="en-US" dirty="0" smtClean="0"/>
-              <a:t>How do we talk about and use the core ingredients in any visualization?</a:t>
-            </a:r>
-            <a:endParaRPr lang="en-US" dirty="0"/>
-          </a:p>
-        </p:txBody>
-      </p:sp>
-    </p:spTree>
-    <p:extLst>
-      <p:ext uri="{BB962C8B-B14F-4D97-AF65-F5344CB8AC3E}">
-        <p14:creationId xmlns:p14="http://schemas.microsoft.com/office/powerpoint/2010/main" val="305827575"/>
-      </p:ext>
-    </p:extLst>
-  </p:cSld>
-  <p:clrMapOvr>
-    <a:masterClrMapping/>
-  </p:clrMapOvr>
-  <p:timing>
-    <p:tnLst>
-      <p:par>
-        <p:cTn id="1" dur="indefinite" restart="never" nodeType="tmRoot"/>
-      </p:par>
-    </p:tnLst>
-  </p:timing>
-</p:sld>
-</file>
-
-<file path=ppt/slides/slide15.xml><?xml version="1.0" encoding="utf-8"?>
-<p:sld xmlns:a="http://schemas.openxmlformats.org/drawingml/2006/main" xmlns:r="http://schemas.openxmlformats.org/officeDocument/2006/relationships" xmlns:p="http://schemas.openxmlformats.org/presentationml/2006/main">
-  <p:cSld>
-    <p:spTree>
-      <p:nvGrpSpPr>
-        <p:cNvPr id="1" name=""/>
-        <p:cNvGrpSpPr/>
-        <p:nvPr/>
-      </p:nvGrpSpPr>
-      <p:grpSpPr>
-        <a:xfrm>
-          <a:off x="0" y="0"/>
-          <a:ext cx="0" cy="0"/>
-          <a:chOff x="0" y="0"/>
-          <a:chExt cx="0" cy="0"/>
-        </a:xfrm>
-      </p:grpSpPr>
-      <p:sp>
-        <p:nvSpPr>
-          <p:cNvPr id="2" name="Title 1"/>
-          <p:cNvSpPr>
-            <a:spLocks noGrp="1"/>
-          </p:cNvSpPr>
-          <p:nvPr>
-            <p:ph type="title"/>
-          </p:nvPr>
-        </p:nvSpPr>
-        <p:spPr/>
-        <p:txBody>
-          <a:bodyPr/>
-          <a:lstStyle/>
-          <a:p>
-            <a:r>
-              <a:rPr lang="en-US" dirty="0" smtClean="0"/>
-              <a:t>Getting Started:</a:t>
-            </a:r>
-            <a:endParaRPr lang="en-US" dirty="0"/>
-          </a:p>
-        </p:txBody>
-      </p:sp>
-      <p:sp>
-        <p:nvSpPr>
-          <p:cNvPr id="3" name="Content Placeholder 2"/>
-          <p:cNvSpPr>
-            <a:spLocks noGrp="1"/>
-          </p:cNvSpPr>
-          <p:nvPr>
-            <p:ph idx="1"/>
-          </p:nvPr>
-        </p:nvSpPr>
-        <p:spPr/>
-        <p:txBody>
-          <a:bodyPr/>
-          <a:lstStyle/>
-          <a:p>
-            <a:r>
-              <a:rPr lang="en-US" dirty="0" smtClean="0"/>
-              <a:t>“Exercise” #1:</a:t>
-            </a:r>
-          </a:p>
-          <a:p>
-            <a:r>
-              <a:rPr lang="en-US" dirty="0" smtClean="0"/>
-              <a:t>Get </a:t>
-            </a:r>
-            <a:r>
-              <a:rPr lang="en-US" dirty="0"/>
-              <a:t>a text editor: </a:t>
-            </a:r>
-            <a:r>
-              <a:rPr lang="en-US" b="1" dirty="0"/>
-              <a:t>Sublime</a:t>
-            </a:r>
-            <a:r>
-              <a:rPr lang="en-US" dirty="0"/>
-              <a:t>, Atom, Notepad++, or </a:t>
-            </a:r>
-            <a:r>
-              <a:rPr lang="en-US" dirty="0" smtClean="0"/>
-              <a:t>Brackets</a:t>
-            </a:r>
-          </a:p>
-          <a:p>
-            <a:r>
-              <a:rPr lang="en-US" dirty="0" smtClean="0"/>
-              <a:t>Make sure you have either </a:t>
-            </a:r>
-            <a:r>
-              <a:rPr lang="en-US" b="1" dirty="0" smtClean="0"/>
-              <a:t>Chrome </a:t>
-            </a:r>
-            <a:r>
-              <a:rPr lang="en-US" dirty="0" smtClean="0"/>
-              <a:t>or Firefox</a:t>
-            </a:r>
-          </a:p>
-          <a:p>
-            <a:endParaRPr lang="en-US" dirty="0" smtClean="0"/>
-          </a:p>
-          <a:p>
-            <a:r>
-              <a:rPr lang="en-US" dirty="0" smtClean="0"/>
-              <a:t>“Exercise” #2:</a:t>
-            </a:r>
-            <a:endParaRPr lang="en-US" dirty="0"/>
-          </a:p>
-          <a:p>
-            <a:r>
-              <a:rPr lang="en-US" dirty="0" smtClean="0"/>
-              <a:t>Open the “barchart_ready.html” file in your </a:t>
-            </a:r>
-            <a:r>
-              <a:rPr lang="en-US" b="1" dirty="0" smtClean="0"/>
-              <a:t>browser</a:t>
-            </a:r>
-          </a:p>
-          <a:p>
-            <a:r>
-              <a:rPr lang="en-US" dirty="0" smtClean="0"/>
-              <a:t>Open the “barchart_ready.html” file in your </a:t>
-            </a:r>
-            <a:r>
-              <a:rPr lang="en-US" b="1" dirty="0" smtClean="0"/>
-              <a:t>text editor</a:t>
-            </a:r>
-          </a:p>
-          <a:p>
-            <a:endParaRPr lang="en-US" dirty="0"/>
-          </a:p>
-        </p:txBody>
-      </p:sp>
-    </p:spTree>
-    <p:extLst>
-      <p:ext uri="{BB962C8B-B14F-4D97-AF65-F5344CB8AC3E}">
-        <p14:creationId xmlns:p14="http://schemas.microsoft.com/office/powerpoint/2010/main" val="2894837639"/>
-      </p:ext>
-    </p:extLst>
-  </p:cSld>
-  <p:clrMapOvr>
-    <a:masterClrMapping/>
-  </p:clrMapOvr>
-  <p:timing>
-    <p:tnLst>
-      <p:par>
-        <p:cTn id="1" dur="indefinite" restart="never" nodeType="tmRoot"/>
-      </p:par>
-    </p:tnLst>
-  </p:timing>
-</p:sld>
-</file>
-
-<file path=ppt/slides/slide16.xml><?xml version="1.0" encoding="utf-8"?>
-<p:sld xmlns:a="http://schemas.openxmlformats.org/drawingml/2006/main" xmlns:r="http://schemas.openxmlformats.org/officeDocument/2006/relationships" xmlns:p="http://schemas.openxmlformats.org/presentationml/2006/main">
-  <p:cSld>
-    <p:spTree>
-      <p:nvGrpSpPr>
-        <p:cNvPr id="1" name=""/>
-        <p:cNvGrpSpPr/>
-        <p:nvPr/>
-      </p:nvGrpSpPr>
-      <p:grpSpPr>
-        <a:xfrm>
-          <a:off x="0" y="0"/>
-          <a:ext cx="0" cy="0"/>
-          <a:chOff x="0" y="0"/>
-          <a:chExt cx="0" cy="0"/>
-        </a:xfrm>
-      </p:grpSpPr>
-      <p:sp>
-        <p:nvSpPr>
-          <p:cNvPr id="2" name="Title 1"/>
-          <p:cNvSpPr>
-            <a:spLocks noGrp="1"/>
-          </p:cNvSpPr>
-          <p:nvPr>
-            <p:ph type="title"/>
-          </p:nvPr>
-        </p:nvSpPr>
-        <p:spPr/>
-        <p:txBody>
-          <a:bodyPr/>
-          <a:lstStyle/>
-          <a:p>
-            <a:r>
-              <a:rPr lang="en-US" dirty="0" smtClean="0"/>
-              <a:t>Ex #3: Build your environment</a:t>
-            </a:r>
-            <a:endParaRPr lang="en-US" dirty="0"/>
-          </a:p>
-        </p:txBody>
-      </p:sp>
-      <p:sp>
-        <p:nvSpPr>
-          <p:cNvPr id="3" name="Content Placeholder 2"/>
-          <p:cNvSpPr>
-            <a:spLocks noGrp="1"/>
-          </p:cNvSpPr>
-          <p:nvPr>
-            <p:ph idx="1"/>
-          </p:nvPr>
-        </p:nvSpPr>
-        <p:spPr/>
-        <p:txBody>
-          <a:bodyPr/>
-          <a:lstStyle/>
-          <a:p>
-            <a:endParaRPr lang="en-US" dirty="0"/>
-          </a:p>
-          <a:p>
-            <a:r>
-              <a:rPr lang="en-US" dirty="0" smtClean="0"/>
-              <a:t>Build index.html file with d3 source link (local or web)</a:t>
-            </a:r>
-          </a:p>
-          <a:p>
-            <a:r>
-              <a:rPr lang="en-US" dirty="0" smtClean="0"/>
-              <a:t>Create empty “index.css” file</a:t>
-            </a:r>
-          </a:p>
-          <a:p>
-            <a:r>
-              <a:rPr lang="en-US" dirty="0" smtClean="0"/>
-              <a:t>Create empty “controller.js” file</a:t>
-            </a:r>
-          </a:p>
+        <p:spPr/>
+        <p:txBody>
+          <a:bodyPr/>
+          <a:lstStyle/>
           <a:p>
             <a:pPr marL="0" indent="0">
               <a:buNone/>
             </a:pPr>
+            <a:r>
+              <a:rPr lang="en-US" dirty="0" smtClean="0"/>
+              <a:t>Why not </a:t>
+            </a:r>
+            <a:r>
+              <a:rPr lang="en-US" dirty="0"/>
+              <a:t>just </a:t>
+            </a:r>
+            <a:r>
+              <a:rPr lang="en-US" dirty="0" smtClean="0"/>
+              <a:t>something like </a:t>
+            </a:r>
+            <a:r>
+              <a:rPr lang="en-US" dirty="0" smtClean="0"/>
+              <a:t>d3.call(</a:t>
+            </a:r>
+            <a:r>
+              <a:rPr lang="en-US" dirty="0" err="1" smtClean="0"/>
+              <a:t>bargraph</a:t>
+            </a:r>
+            <a:r>
+              <a:rPr lang="en-US" dirty="0" smtClean="0"/>
+              <a:t>).with(</a:t>
+            </a:r>
+            <a:r>
+              <a:rPr lang="en-US" dirty="0" err="1" smtClean="0"/>
+              <a:t>my_data</a:t>
+            </a:r>
+            <a:r>
+              <a:rPr lang="en-US" dirty="0" smtClean="0"/>
+              <a:t>)?</a:t>
+            </a:r>
             <a:endParaRPr lang="en-US" dirty="0" smtClean="0"/>
           </a:p>
-        </p:txBody>
-      </p:sp>
-      <p:pic>
-        <p:nvPicPr>
-          <p:cNvPr id="5" name="Picture 4"/>
-          <p:cNvPicPr>
-            <a:picLocks noChangeAspect="1"/>
-          </p:cNvPicPr>
-          <p:nvPr/>
-        </p:nvPicPr>
-        <p:blipFill>
-          <a:blip r:embed="rId3"/>
-          <a:stretch>
-            <a:fillRect/>
-          </a:stretch>
-        </p:blipFill>
-        <p:spPr>
-          <a:xfrm>
-            <a:off x="1766887" y="4156187"/>
-            <a:ext cx="8658225" cy="2381250"/>
-          </a:xfrm>
-          <a:prstGeom prst="rect">
-            <a:avLst/>
-          </a:prstGeom>
-        </p:spPr>
-      </p:pic>
-    </p:spTree>
-    <p:extLst>
-      <p:ext uri="{BB962C8B-B14F-4D97-AF65-F5344CB8AC3E}">
-        <p14:creationId xmlns:p14="http://schemas.microsoft.com/office/powerpoint/2010/main" val="2114717853"/>
-      </p:ext>
-    </p:extLst>
-  </p:cSld>
-  <p:clrMapOvr>
-    <a:masterClrMapping/>
-  </p:clrMapOvr>
-  <p:timing>
-    <p:tnLst>
-      <p:par>
-        <p:cTn id="1" dur="indefinite" restart="never" nodeType="tmRoot"/>
-      </p:par>
-    </p:tnLst>
-  </p:timing>
-</p:sld>
-</file>
-
-<file path=ppt/slides/slide17.xml><?xml version="1.0" encoding="utf-8"?>
-<p:sld xmlns:a="http://schemas.openxmlformats.org/drawingml/2006/main" xmlns:r="http://schemas.openxmlformats.org/officeDocument/2006/relationships" xmlns:p="http://schemas.openxmlformats.org/presentationml/2006/main">
-  <p:cSld>
-    <p:spTree>
-      <p:nvGrpSpPr>
-        <p:cNvPr id="1" name=""/>
-        <p:cNvGrpSpPr/>
-        <p:nvPr/>
-      </p:nvGrpSpPr>
-      <p:grpSpPr>
-        <a:xfrm>
-          <a:off x="0" y="0"/>
-          <a:ext cx="0" cy="0"/>
-          <a:chOff x="0" y="0"/>
-          <a:chExt cx="0" cy="0"/>
-        </a:xfrm>
-      </p:grpSpPr>
-      <p:sp>
-        <p:nvSpPr>
-          <p:cNvPr id="2" name="Title 1"/>
-          <p:cNvSpPr>
-            <a:spLocks noGrp="1"/>
-          </p:cNvSpPr>
-          <p:nvPr>
-            <p:ph type="title"/>
-          </p:nvPr>
-        </p:nvSpPr>
-        <p:spPr/>
-        <p:txBody>
-          <a:bodyPr/>
-          <a:lstStyle/>
-          <a:p>
-            <a:r>
-              <a:rPr lang="en-US" dirty="0" smtClean="0"/>
-              <a:t>Ex #4: Look at our data, literally</a:t>
-            </a:r>
-            <a:endParaRPr lang="en-US" dirty="0"/>
-          </a:p>
-        </p:txBody>
-      </p:sp>
-      <p:sp>
-        <p:nvSpPr>
-          <p:cNvPr id="3" name="Content Placeholder 2"/>
-          <p:cNvSpPr>
-            <a:spLocks noGrp="1"/>
-          </p:cNvSpPr>
-          <p:nvPr>
-            <p:ph idx="1"/>
-          </p:nvPr>
-        </p:nvSpPr>
-        <p:spPr/>
-        <p:txBody>
-          <a:bodyPr/>
-          <a:lstStyle/>
-          <a:p>
-            <a:r>
-              <a:rPr lang="en-US" dirty="0" smtClean="0"/>
-              <a:t>Open both </a:t>
-            </a:r>
-            <a:r>
-              <a:rPr lang="en-US" dirty="0" err="1" smtClean="0"/>
-              <a:t>data.tsv</a:t>
-            </a:r>
-            <a:r>
-              <a:rPr lang="en-US" dirty="0" smtClean="0"/>
-              <a:t> and data.js in your text editor</a:t>
-            </a:r>
-            <a:endParaRPr lang="en-US" dirty="0"/>
-          </a:p>
-        </p:txBody>
-      </p:sp>
-      <p:pic>
-        <p:nvPicPr>
-          <p:cNvPr id="5" name="Picture 4"/>
-          <p:cNvPicPr>
-            <a:picLocks noChangeAspect="1"/>
-          </p:cNvPicPr>
-          <p:nvPr/>
-        </p:nvPicPr>
-        <p:blipFill>
-          <a:blip r:embed="rId3"/>
-          <a:stretch>
-            <a:fillRect/>
-          </a:stretch>
-        </p:blipFill>
-        <p:spPr>
-          <a:xfrm>
-            <a:off x="6496050" y="2257425"/>
-            <a:ext cx="4857750" cy="4600575"/>
-          </a:xfrm>
-          <a:prstGeom prst="rect">
-            <a:avLst/>
-          </a:prstGeom>
-        </p:spPr>
-      </p:pic>
-      <p:pic>
-        <p:nvPicPr>
-          <p:cNvPr id="6" name="Picture 5"/>
-          <p:cNvPicPr>
-            <a:picLocks noChangeAspect="1"/>
-          </p:cNvPicPr>
-          <p:nvPr/>
-        </p:nvPicPr>
-        <p:blipFill>
-          <a:blip r:embed="rId4"/>
-          <a:stretch>
-            <a:fillRect/>
-          </a:stretch>
-        </p:blipFill>
-        <p:spPr>
-          <a:xfrm>
-            <a:off x="1480168" y="2778125"/>
-            <a:ext cx="3810000" cy="3533775"/>
-          </a:xfrm>
-          <a:prstGeom prst="rect">
-            <a:avLst/>
-          </a:prstGeom>
-        </p:spPr>
-      </p:pic>
-    </p:spTree>
-    <p:extLst>
-      <p:ext uri="{BB962C8B-B14F-4D97-AF65-F5344CB8AC3E}">
-        <p14:creationId xmlns:p14="http://schemas.microsoft.com/office/powerpoint/2010/main" val="2986398894"/>
-      </p:ext>
-    </p:extLst>
-  </p:cSld>
-  <p:clrMapOvr>
-    <a:masterClrMapping/>
-  </p:clrMapOvr>
-  <p:timing>
-    <p:tnLst>
-      <p:par>
-        <p:cTn id="1" dur="indefinite" restart="never" nodeType="tmRoot"/>
-      </p:par>
-    </p:tnLst>
-  </p:timing>
-</p:sld>
-</file>
-
-<file path=ppt/slides/slide18.xml><?xml version="1.0" encoding="utf-8"?>
-<p:sld xmlns:a="http://schemas.openxmlformats.org/drawingml/2006/main" xmlns:r="http://schemas.openxmlformats.org/officeDocument/2006/relationships" xmlns:p="http://schemas.openxmlformats.org/presentationml/2006/main">
-  <p:cSld>
-    <p:spTree>
-      <p:nvGrpSpPr>
-        <p:cNvPr id="1" name=""/>
-        <p:cNvGrpSpPr/>
-        <p:nvPr/>
-      </p:nvGrpSpPr>
-      <p:grpSpPr>
-        <a:xfrm>
-          <a:off x="0" y="0"/>
-          <a:ext cx="0" cy="0"/>
-          <a:chOff x="0" y="0"/>
-          <a:chExt cx="0" cy="0"/>
-        </a:xfrm>
-      </p:grpSpPr>
-      <p:sp>
-        <p:nvSpPr>
-          <p:cNvPr id="2" name="Title 1"/>
-          <p:cNvSpPr>
-            <a:spLocks noGrp="1"/>
-          </p:cNvSpPr>
-          <p:nvPr>
-            <p:ph type="title"/>
-          </p:nvPr>
-        </p:nvSpPr>
-        <p:spPr/>
-        <p:txBody>
-          <a:bodyPr/>
-          <a:lstStyle/>
-          <a:p>
-            <a:r>
-              <a:rPr lang="en-US" dirty="0" smtClean="0"/>
-              <a:t>Ex #5: Look at the data, in-browser</a:t>
-            </a:r>
-            <a:endParaRPr lang="en-US" dirty="0"/>
-          </a:p>
-        </p:txBody>
-      </p:sp>
-      <p:sp>
-        <p:nvSpPr>
-          <p:cNvPr id="3" name="Content Placeholder 2"/>
-          <p:cNvSpPr>
-            <a:spLocks noGrp="1"/>
-          </p:cNvSpPr>
-          <p:nvPr>
-            <p:ph idx="1"/>
-          </p:nvPr>
-        </p:nvSpPr>
-        <p:spPr>
-          <a:xfrm>
-            <a:off x="982634" y="1825625"/>
-            <a:ext cx="5070207" cy="4351338"/>
-          </a:xfrm>
-        </p:spPr>
-        <p:txBody>
-          <a:bodyPr>
-            <a:normAutofit fontScale="92500" lnSpcReduction="20000"/>
-          </a:bodyPr>
-          <a:lstStyle/>
-          <a:p>
-            <a:r>
-              <a:rPr lang="en-US" dirty="0" smtClean="0"/>
-              <a:t>Import data.js into your html</a:t>
-            </a:r>
-            <a:endParaRPr lang="en-US" dirty="0"/>
-          </a:p>
-          <a:p>
-            <a:endParaRPr lang="en-US" dirty="0" smtClean="0"/>
-          </a:p>
-          <a:p>
-            <a:endParaRPr lang="en-US" dirty="0" smtClean="0"/>
-          </a:p>
-          <a:p>
-            <a:endParaRPr lang="en-US" dirty="0" smtClean="0"/>
-          </a:p>
-          <a:p>
-            <a:r>
-              <a:rPr lang="en-US" dirty="0" smtClean="0"/>
-              <a:t>Console.log </a:t>
-            </a:r>
-            <a:r>
-              <a:rPr lang="en-US" dirty="0"/>
-              <a:t>the </a:t>
-            </a:r>
-            <a:r>
-              <a:rPr lang="en-US" dirty="0" smtClean="0"/>
-              <a:t>data in the browser console</a:t>
-            </a:r>
-          </a:p>
-          <a:p>
-            <a:endParaRPr lang="en-US" dirty="0" smtClean="0"/>
-          </a:p>
-          <a:p>
-            <a:endParaRPr lang="en-US" dirty="0" smtClean="0"/>
-          </a:p>
-          <a:p>
-            <a:endParaRPr lang="en-US" dirty="0" smtClean="0"/>
-          </a:p>
-          <a:p>
-            <a:r>
-              <a:rPr lang="en-US" dirty="0" smtClean="0"/>
-              <a:t>Create </a:t>
-            </a:r>
-            <a:r>
-              <a:rPr lang="en-US" dirty="0"/>
-              <a:t>an </a:t>
-            </a:r>
-            <a:r>
-              <a:rPr lang="en-US" dirty="0" smtClean="0"/>
-              <a:t>&lt;</a:t>
-            </a:r>
-            <a:r>
-              <a:rPr lang="en-US" dirty="0" err="1" smtClean="0"/>
-              <a:t>svg</a:t>
-            </a:r>
-            <a:r>
-              <a:rPr lang="en-US" dirty="0" smtClean="0"/>
-              <a:t>&gt; element </a:t>
-            </a:r>
-            <a:r>
-              <a:rPr lang="en-US" dirty="0"/>
-              <a:t>with id=“graph</a:t>
-            </a:r>
-            <a:r>
-              <a:rPr lang="en-US" dirty="0" smtClean="0"/>
-              <a:t>” inside &lt;body&gt;</a:t>
-            </a:r>
-            <a:endParaRPr lang="en-US" dirty="0"/>
-          </a:p>
-          <a:p>
-            <a:endParaRPr lang="en-US" dirty="0"/>
-          </a:p>
-          <a:p>
-            <a:endParaRPr lang="en-US" dirty="0"/>
-          </a:p>
-        </p:txBody>
-      </p:sp>
-      <p:pic>
-        <p:nvPicPr>
-          <p:cNvPr id="5" name="Picture 4"/>
-          <p:cNvPicPr>
-            <a:picLocks noChangeAspect="1"/>
-          </p:cNvPicPr>
-          <p:nvPr/>
-        </p:nvPicPr>
-        <p:blipFill rotWithShape="1">
-          <a:blip r:embed="rId3"/>
-          <a:srcRect t="73226" r="3601" b="3421"/>
-          <a:stretch/>
-        </p:blipFill>
-        <p:spPr>
-          <a:xfrm>
-            <a:off x="6052842" y="1825625"/>
-            <a:ext cx="5996200" cy="1063232"/>
-          </a:xfrm>
-          <a:prstGeom prst="rect">
-            <a:avLst/>
-          </a:prstGeom>
-        </p:spPr>
-      </p:pic>
-      <p:pic>
-        <p:nvPicPr>
-          <p:cNvPr id="6" name="Picture 5"/>
-          <p:cNvPicPr>
-            <a:picLocks noChangeAspect="1"/>
-          </p:cNvPicPr>
-          <p:nvPr/>
-        </p:nvPicPr>
-        <p:blipFill>
-          <a:blip r:embed="rId4"/>
-          <a:stretch>
-            <a:fillRect/>
-          </a:stretch>
-        </p:blipFill>
-        <p:spPr>
-          <a:xfrm>
-            <a:off x="6052841" y="3337522"/>
-            <a:ext cx="4238625" cy="1314450"/>
-          </a:xfrm>
-          <a:prstGeom prst="rect">
-            <a:avLst/>
-          </a:prstGeom>
-        </p:spPr>
-      </p:pic>
-      <p:pic>
-        <p:nvPicPr>
-          <p:cNvPr id="4" name="Picture 3"/>
-          <p:cNvPicPr>
-            <a:picLocks noChangeAspect="1"/>
-          </p:cNvPicPr>
-          <p:nvPr/>
-        </p:nvPicPr>
-        <p:blipFill>
-          <a:blip r:embed="rId5"/>
-          <a:stretch>
-            <a:fillRect/>
-          </a:stretch>
-        </p:blipFill>
-        <p:spPr>
-          <a:xfrm>
-            <a:off x="6052841" y="5100638"/>
-            <a:ext cx="4381500" cy="1076325"/>
-          </a:xfrm>
-          <a:prstGeom prst="rect">
-            <a:avLst/>
-          </a:prstGeom>
-        </p:spPr>
-      </p:pic>
-    </p:spTree>
-    <p:extLst>
-      <p:ext uri="{BB962C8B-B14F-4D97-AF65-F5344CB8AC3E}">
-        <p14:creationId xmlns:p14="http://schemas.microsoft.com/office/powerpoint/2010/main" val="3216434664"/>
-      </p:ext>
-    </p:extLst>
-  </p:cSld>
-  <p:clrMapOvr>
-    <a:masterClrMapping/>
-  </p:clrMapOvr>
-</p:sld>
-</file>
-
-<file path=ppt/slides/slide19.xml><?xml version="1.0" encoding="utf-8"?>
-<p:sld xmlns:a="http://schemas.openxmlformats.org/drawingml/2006/main" xmlns:r="http://schemas.openxmlformats.org/officeDocument/2006/relationships" xmlns:p="http://schemas.openxmlformats.org/presentationml/2006/main">
-  <p:cSld>
-    <p:spTree>
-      <p:nvGrpSpPr>
-        <p:cNvPr id="1" name=""/>
-        <p:cNvGrpSpPr/>
-        <p:nvPr/>
-      </p:nvGrpSpPr>
-      <p:grpSpPr>
-        <a:xfrm>
-          <a:off x="0" y="0"/>
-          <a:ext cx="0" cy="0"/>
-          <a:chOff x="0" y="0"/>
-          <a:chExt cx="0" cy="0"/>
-        </a:xfrm>
-      </p:grpSpPr>
-      <p:sp>
-        <p:nvSpPr>
-          <p:cNvPr id="2" name="Title 1"/>
-          <p:cNvSpPr>
-            <a:spLocks noGrp="1"/>
-          </p:cNvSpPr>
-          <p:nvPr>
-            <p:ph type="title"/>
-          </p:nvPr>
-        </p:nvSpPr>
-        <p:spPr/>
-        <p:txBody>
-          <a:bodyPr/>
-          <a:lstStyle/>
-          <a:p>
-            <a:r>
-              <a:rPr lang="en-US" dirty="0" smtClean="0"/>
-              <a:t>(Review) HTML layout should look like:</a:t>
-            </a:r>
-            <a:endParaRPr lang="en-US" dirty="0"/>
-          </a:p>
-        </p:txBody>
-      </p:sp>
-      <p:sp>
-        <p:nvSpPr>
-          <p:cNvPr id="3" name="Content Placeholder 2"/>
-          <p:cNvSpPr>
-            <a:spLocks noGrp="1"/>
-          </p:cNvSpPr>
-          <p:nvPr>
-            <p:ph idx="1"/>
-          </p:nvPr>
-        </p:nvSpPr>
-        <p:spPr/>
-        <p:txBody>
-          <a:bodyPr/>
-          <a:lstStyle/>
-          <a:p>
-            <a:endParaRPr lang="en-US"/>
-          </a:p>
-        </p:txBody>
-      </p:sp>
-      <p:pic>
-        <p:nvPicPr>
-          <p:cNvPr id="4" name="Picture 3"/>
-          <p:cNvPicPr>
-            <a:picLocks noChangeAspect="1"/>
-          </p:cNvPicPr>
-          <p:nvPr/>
-        </p:nvPicPr>
-        <p:blipFill>
-          <a:blip r:embed="rId3"/>
-          <a:stretch>
-            <a:fillRect/>
-          </a:stretch>
-        </p:blipFill>
-        <p:spPr>
-          <a:xfrm>
-            <a:off x="489146" y="1545663"/>
-            <a:ext cx="11068050" cy="4705350"/>
-          </a:xfrm>
-          <a:prstGeom prst="rect">
-            <a:avLst/>
-          </a:prstGeom>
-        </p:spPr>
-      </p:pic>
-    </p:spTree>
-    <p:extLst>
-      <p:ext uri="{BB962C8B-B14F-4D97-AF65-F5344CB8AC3E}">
-        <p14:creationId xmlns:p14="http://schemas.microsoft.com/office/powerpoint/2010/main" val="2432867846"/>
-      </p:ext>
-    </p:extLst>
-  </p:cSld>
-  <p:clrMapOvr>
-    <a:masterClrMapping/>
-  </p:clrMapOvr>
-</p:sld>
-</file>
-
-<file path=ppt/slides/slide2.xml><?xml version="1.0" encoding="utf-8"?>
-<p:sld xmlns:a="http://schemas.openxmlformats.org/drawingml/2006/main" xmlns:r="http://schemas.openxmlformats.org/officeDocument/2006/relationships" xmlns:p="http://schemas.openxmlformats.org/presentationml/2006/main">
-  <p:cSld>
-    <p:spTree>
-      <p:nvGrpSpPr>
-        <p:cNvPr id="1" name=""/>
-        <p:cNvGrpSpPr/>
-        <p:nvPr/>
-      </p:nvGrpSpPr>
-      <p:grpSpPr>
-        <a:xfrm>
-          <a:off x="0" y="0"/>
-          <a:ext cx="0" cy="0"/>
-          <a:chOff x="0" y="0"/>
-          <a:chExt cx="0" cy="0"/>
-        </a:xfrm>
-      </p:grpSpPr>
-      <p:sp>
-        <p:nvSpPr>
-          <p:cNvPr id="4" name="Title 3"/>
-          <p:cNvSpPr>
-            <a:spLocks noGrp="1"/>
-          </p:cNvSpPr>
-          <p:nvPr>
-            <p:ph type="ctrTitle"/>
-          </p:nvPr>
-        </p:nvSpPr>
-        <p:spPr/>
-        <p:txBody>
-          <a:bodyPr/>
-          <a:lstStyle/>
-          <a:p>
-            <a:r>
-              <a:rPr lang="en-US" dirty="0" smtClean="0"/>
-              <a:t>This Repo:</a:t>
-            </a:r>
-            <a:endParaRPr lang="en-US" dirty="0"/>
-          </a:p>
-        </p:txBody>
-      </p:sp>
-      <p:sp>
-        <p:nvSpPr>
-          <p:cNvPr id="5" name="Subtitle 4"/>
-          <p:cNvSpPr>
-            <a:spLocks noGrp="1"/>
-          </p:cNvSpPr>
-          <p:nvPr>
-            <p:ph type="subTitle" idx="1"/>
-          </p:nvPr>
-        </p:nvSpPr>
-        <p:spPr/>
-        <p:txBody>
-          <a:bodyPr/>
-          <a:lstStyle/>
-          <a:p>
-            <a:r>
-              <a:rPr lang="en-US" dirty="0"/>
-              <a:t>https://github.com/nuitrcs/Intro_to_d3_workshop</a:t>
-            </a:r>
-          </a:p>
-        </p:txBody>
-      </p:sp>
-    </p:spTree>
-    <p:extLst>
-      <p:ext uri="{BB962C8B-B14F-4D97-AF65-F5344CB8AC3E}">
-        <p14:creationId xmlns:p14="http://schemas.microsoft.com/office/powerpoint/2010/main" val="309578843"/>
-      </p:ext>
-    </p:extLst>
-  </p:cSld>
-  <p:clrMapOvr>
-    <a:masterClrMapping/>
-  </p:clrMapOvr>
-  <p:timing>
-    <p:tnLst>
-      <p:par>
-        <p:cTn id="1" dur="indefinite" restart="never" nodeType="tmRoot"/>
-      </p:par>
-    </p:tnLst>
-  </p:timing>
-</p:sld>
-</file>
-
-<file path=ppt/slides/slide20.xml><?xml version="1.0" encoding="utf-8"?>
-<p:sld xmlns:a="http://schemas.openxmlformats.org/drawingml/2006/main" xmlns:r="http://schemas.openxmlformats.org/officeDocument/2006/relationships" xmlns:p="http://schemas.openxmlformats.org/presentationml/2006/main">
-  <p:cSld>
-    <p:spTree>
-      <p:nvGrpSpPr>
-        <p:cNvPr id="1" name=""/>
-        <p:cNvGrpSpPr/>
-        <p:nvPr/>
-      </p:nvGrpSpPr>
-      <p:grpSpPr>
-        <a:xfrm>
-          <a:off x="0" y="0"/>
-          <a:ext cx="0" cy="0"/>
-          <a:chOff x="0" y="0"/>
-          <a:chExt cx="0" cy="0"/>
-        </a:xfrm>
-      </p:grpSpPr>
-      <p:sp>
-        <p:nvSpPr>
-          <p:cNvPr id="2" name="Title 1"/>
-          <p:cNvSpPr>
-            <a:spLocks noGrp="1"/>
-          </p:cNvSpPr>
-          <p:nvPr>
-            <p:ph type="title"/>
-          </p:nvPr>
-        </p:nvSpPr>
-        <p:spPr/>
-        <p:txBody>
-          <a:bodyPr/>
-          <a:lstStyle/>
-          <a:p>
-            <a:r>
-              <a:rPr lang="en-US" dirty="0" smtClean="0"/>
-              <a:t>(Review) File system should look like:</a:t>
-            </a:r>
-            <a:endParaRPr lang="en-US" dirty="0"/>
-          </a:p>
-        </p:txBody>
-      </p:sp>
-      <p:pic>
-        <p:nvPicPr>
-          <p:cNvPr id="5" name="Picture 4"/>
-          <p:cNvPicPr>
-            <a:picLocks noChangeAspect="1"/>
-          </p:cNvPicPr>
-          <p:nvPr/>
-        </p:nvPicPr>
-        <p:blipFill>
-          <a:blip r:embed="rId3"/>
-          <a:stretch>
-            <a:fillRect/>
-          </a:stretch>
-        </p:blipFill>
-        <p:spPr>
-          <a:xfrm>
-            <a:off x="2561417" y="2007030"/>
-            <a:ext cx="6604609" cy="4006796"/>
-          </a:xfrm>
-          <a:prstGeom prst="rect">
-            <a:avLst/>
-          </a:prstGeom>
-        </p:spPr>
-      </p:pic>
-    </p:spTree>
-    <p:extLst>
-      <p:ext uri="{BB962C8B-B14F-4D97-AF65-F5344CB8AC3E}">
-        <p14:creationId xmlns:p14="http://schemas.microsoft.com/office/powerpoint/2010/main" val="808586848"/>
-      </p:ext>
-    </p:extLst>
-  </p:cSld>
-  <p:clrMapOvr>
-    <a:masterClrMapping/>
-  </p:clrMapOvr>
-</p:sld>
-</file>
-
-<file path=ppt/slides/slide21.xml><?xml version="1.0" encoding="utf-8"?>
-<p:sld xmlns:a="http://schemas.openxmlformats.org/drawingml/2006/main" xmlns:r="http://schemas.openxmlformats.org/officeDocument/2006/relationships" xmlns:p="http://schemas.openxmlformats.org/presentationml/2006/main">
-  <p:cSld>
-    <p:spTree>
-      <p:nvGrpSpPr>
-        <p:cNvPr id="1" name=""/>
-        <p:cNvGrpSpPr/>
-        <p:nvPr/>
-      </p:nvGrpSpPr>
-      <p:grpSpPr>
-        <a:xfrm>
-          <a:off x="0" y="0"/>
-          <a:ext cx="0" cy="0"/>
-          <a:chOff x="0" y="0"/>
-          <a:chExt cx="0" cy="0"/>
-        </a:xfrm>
-      </p:grpSpPr>
-      <p:sp>
-        <p:nvSpPr>
-          <p:cNvPr id="2" name="Title 1"/>
-          <p:cNvSpPr>
-            <a:spLocks noGrp="1"/>
-          </p:cNvSpPr>
-          <p:nvPr>
-            <p:ph type="ctrTitle"/>
-          </p:nvPr>
-        </p:nvSpPr>
-        <p:spPr/>
-        <p:txBody>
-          <a:bodyPr/>
-          <a:lstStyle/>
-          <a:p>
-            <a:r>
-              <a:rPr lang="en-US" dirty="0" smtClean="0"/>
-              <a:t>Begin writing code!</a:t>
-            </a:r>
-            <a:endParaRPr lang="en-US" dirty="0"/>
-          </a:p>
-        </p:txBody>
-      </p:sp>
-      <p:sp>
-        <p:nvSpPr>
-          <p:cNvPr id="5" name="Subtitle 4"/>
-          <p:cNvSpPr>
-            <a:spLocks noGrp="1"/>
-          </p:cNvSpPr>
-          <p:nvPr>
-            <p:ph type="subTitle" idx="1"/>
-          </p:nvPr>
-        </p:nvSpPr>
-        <p:spPr/>
-        <p:txBody>
-          <a:bodyPr/>
-          <a:lstStyle/>
-          <a:p>
-            <a:r>
-              <a:rPr lang="en-US" dirty="0" smtClean="0"/>
-              <a:t>Let’s recreate this monster (follow along)</a:t>
-            </a:r>
-            <a:endParaRPr lang="en-US" dirty="0"/>
-          </a:p>
-        </p:txBody>
-      </p:sp>
-    </p:spTree>
-    <p:extLst>
-      <p:ext uri="{BB962C8B-B14F-4D97-AF65-F5344CB8AC3E}">
-        <p14:creationId xmlns:p14="http://schemas.microsoft.com/office/powerpoint/2010/main" val="3899806170"/>
-      </p:ext>
-    </p:extLst>
-  </p:cSld>
-  <p:clrMapOvr>
-    <a:masterClrMapping/>
-  </p:clrMapOvr>
-</p:sld>
-</file>
-
-<file path=ppt/slides/slide22.xml><?xml version="1.0" encoding="utf-8"?>
-<p:sld xmlns:a="http://schemas.openxmlformats.org/drawingml/2006/main" xmlns:r="http://schemas.openxmlformats.org/officeDocument/2006/relationships" xmlns:p="http://schemas.openxmlformats.org/presentationml/2006/main">
-  <p:cSld>
-    <p:spTree>
-      <p:nvGrpSpPr>
-        <p:cNvPr id="1" name=""/>
-        <p:cNvGrpSpPr/>
-        <p:nvPr/>
-      </p:nvGrpSpPr>
-      <p:grpSpPr>
-        <a:xfrm>
-          <a:off x="0" y="0"/>
-          <a:ext cx="0" cy="0"/>
-          <a:chOff x="0" y="0"/>
-          <a:chExt cx="0" cy="0"/>
-        </a:xfrm>
-      </p:grpSpPr>
-      <p:sp>
-        <p:nvSpPr>
-          <p:cNvPr id="2" name="Title 1"/>
-          <p:cNvSpPr>
-            <a:spLocks noGrp="1"/>
-          </p:cNvSpPr>
-          <p:nvPr>
-            <p:ph type="title"/>
-          </p:nvPr>
-        </p:nvSpPr>
-        <p:spPr/>
-        <p:txBody>
-          <a:bodyPr/>
-          <a:lstStyle/>
-          <a:p>
-            <a:r>
-              <a:rPr lang="en-US" dirty="0" smtClean="0"/>
-              <a:t>1a. Beginning with D3</a:t>
-            </a:r>
-            <a:endParaRPr lang="en-US" dirty="0"/>
-          </a:p>
-        </p:txBody>
-      </p:sp>
-      <p:sp>
-        <p:nvSpPr>
-          <p:cNvPr id="3" name="Content Placeholder 2"/>
-          <p:cNvSpPr>
-            <a:spLocks noGrp="1"/>
-          </p:cNvSpPr>
-          <p:nvPr>
-            <p:ph idx="1"/>
-          </p:nvPr>
-        </p:nvSpPr>
-        <p:spPr>
-          <a:xfrm>
-            <a:off x="838200" y="1825625"/>
-            <a:ext cx="10515600" cy="4777476"/>
-          </a:xfrm>
-        </p:spPr>
-        <p:txBody>
-          <a:bodyPr/>
-          <a:lstStyle/>
           <a:p>
             <a:pPr marL="0" indent="0">
               <a:buNone/>
             </a:pPr>
-            <a:r>
-              <a:rPr lang="en-US" i="1" dirty="0" smtClean="0"/>
-              <a:t>Once we get set up, we should only visit controller (and </a:t>
-            </a:r>
-            <a:r>
-              <a:rPr lang="en-US" i="1" dirty="0" err="1" smtClean="0"/>
-              <a:t>css</a:t>
-            </a:r>
-            <a:r>
-              <a:rPr lang="en-US" i="1" dirty="0" smtClean="0"/>
-              <a:t>)</a:t>
-            </a:r>
-          </a:p>
-          <a:p>
-            <a:r>
-              <a:rPr lang="en-US" dirty="0" smtClean="0"/>
-              <a:t>Select the “#graph” element</a:t>
-            </a:r>
-          </a:p>
-          <a:p>
-            <a:pPr lvl="1"/>
-            <a:r>
-              <a:rPr lang="en-US" dirty="0" smtClean="0"/>
-              <a:t>Reference this with a </a:t>
-            </a:r>
-            <a:r>
-              <a:rPr lang="en-US" b="1" i="1" dirty="0" err="1" smtClean="0">
-                <a:solidFill>
-                  <a:schemeClr val="accent1">
-                    <a:lumMod val="60000"/>
-                    <a:lumOff val="40000"/>
-                  </a:schemeClr>
-                </a:solidFill>
-              </a:rPr>
-              <a:t>var</a:t>
-            </a:r>
-            <a:r>
-              <a:rPr lang="en-US" b="1" i="1" dirty="0">
-                <a:solidFill>
-                  <a:schemeClr val="accent1">
-                    <a:lumMod val="60000"/>
-                    <a:lumOff val="40000"/>
-                  </a:schemeClr>
-                </a:solidFill>
-              </a:rPr>
-              <a:t> </a:t>
-            </a:r>
-            <a:endParaRPr lang="en-US" b="1" i="1" dirty="0" smtClean="0">
-              <a:solidFill>
-                <a:schemeClr val="accent1">
-                  <a:lumMod val="60000"/>
-                  <a:lumOff val="40000"/>
-                </a:schemeClr>
-              </a:solidFill>
-            </a:endParaRPr>
-          </a:p>
-          <a:p>
-            <a:pPr lvl="1"/>
-            <a:r>
-              <a:rPr lang="en-US" dirty="0" smtClean="0"/>
-              <a:t>Give it dimensions</a:t>
-            </a:r>
-          </a:p>
-          <a:p>
-            <a:r>
-              <a:rPr lang="en-US" dirty="0" smtClean="0"/>
-              <a:t>Append g</a:t>
-            </a:r>
-          </a:p>
-          <a:p>
-            <a:pPr lvl="1"/>
-            <a:r>
-              <a:rPr lang="en-US" dirty="0" smtClean="0"/>
-              <a:t>Reference this g with a </a:t>
-            </a:r>
-            <a:r>
-              <a:rPr lang="en-US" b="1" i="1" dirty="0" err="1" smtClean="0">
-                <a:solidFill>
-                  <a:schemeClr val="accent1">
-                    <a:lumMod val="60000"/>
-                    <a:lumOff val="40000"/>
-                  </a:schemeClr>
-                </a:solidFill>
-              </a:rPr>
-              <a:t>var</a:t>
-            </a:r>
-            <a:endParaRPr lang="en-US" b="1" i="1" dirty="0" smtClean="0">
-              <a:solidFill>
-                <a:schemeClr val="accent1">
-                  <a:lumMod val="60000"/>
-                  <a:lumOff val="40000"/>
-                </a:schemeClr>
-              </a:solidFill>
-            </a:endParaRPr>
-          </a:p>
-          <a:p>
-            <a:r>
-              <a:rPr lang="en-US" dirty="0" err="1" smtClean="0"/>
-              <a:t>g.selectAll</a:t>
-            </a:r>
-            <a:r>
-              <a:rPr lang="en-US" dirty="0" smtClean="0"/>
-              <a:t>(‘.bar’)</a:t>
-            </a:r>
-          </a:p>
-          <a:p>
-            <a:pPr marL="457200" lvl="1" indent="0">
-              <a:buNone/>
-            </a:pPr>
-            <a:r>
-              <a:rPr lang="en-US" dirty="0" smtClean="0"/>
-              <a:t>.data(data)</a:t>
-            </a:r>
-          </a:p>
-          <a:p>
-            <a:pPr marL="457200" lvl="1" indent="0">
-              <a:buNone/>
-            </a:pPr>
-            <a:r>
-              <a:rPr lang="en-US" dirty="0" smtClean="0"/>
-              <a:t>.enter().append(‘</a:t>
-            </a:r>
-            <a:r>
-              <a:rPr lang="en-US" dirty="0" err="1" smtClean="0"/>
-              <a:t>rect</a:t>
-            </a:r>
-            <a:r>
-              <a:rPr lang="en-US" dirty="0" smtClean="0"/>
-              <a:t>’)</a:t>
-            </a:r>
-            <a:endParaRPr lang="en-US" dirty="0"/>
-          </a:p>
-          <a:p>
-            <a:r>
-              <a:rPr lang="en-US" dirty="0"/>
-              <a:t>Discuss SVG types &amp; explain </a:t>
-            </a:r>
-            <a:r>
-              <a:rPr lang="en-US" dirty="0" smtClean="0"/>
-              <a:t>SVG</a:t>
-            </a:r>
-            <a:endParaRPr lang="en-US" dirty="0"/>
-          </a:p>
-        </p:txBody>
-      </p:sp>
-    </p:spTree>
-    <p:extLst>
-      <p:ext uri="{BB962C8B-B14F-4D97-AF65-F5344CB8AC3E}">
-        <p14:creationId xmlns:p14="http://schemas.microsoft.com/office/powerpoint/2010/main" val="674903255"/>
-      </p:ext>
-    </p:extLst>
-  </p:cSld>
-  <p:clrMapOvr>
-    <a:masterClrMapping/>
-  </p:clrMapOvr>
-</p:sld>
-</file>
-
-<file path=ppt/slides/slide23.xml><?xml version="1.0" encoding="utf-8"?>
-<p:sld xmlns:a="http://schemas.openxmlformats.org/drawingml/2006/main" xmlns:r="http://schemas.openxmlformats.org/officeDocument/2006/relationships" xmlns:p="http://schemas.openxmlformats.org/presentationml/2006/main">
-  <p:cSld>
-    <p:spTree>
-      <p:nvGrpSpPr>
-        <p:cNvPr id="1" name=""/>
-        <p:cNvGrpSpPr/>
-        <p:nvPr/>
-      </p:nvGrpSpPr>
-      <p:grpSpPr>
-        <a:xfrm>
-          <a:off x="0" y="0"/>
-          <a:ext cx="0" cy="0"/>
-          <a:chOff x="0" y="0"/>
-          <a:chExt cx="0" cy="0"/>
-        </a:xfrm>
-      </p:grpSpPr>
-      <p:sp>
-        <p:nvSpPr>
-          <p:cNvPr id="2" name="Title 1"/>
-          <p:cNvSpPr>
-            <a:spLocks noGrp="1"/>
-          </p:cNvSpPr>
-          <p:nvPr>
-            <p:ph type="title"/>
-          </p:nvPr>
-        </p:nvSpPr>
-        <p:spPr/>
-        <p:txBody>
-          <a:bodyPr/>
-          <a:lstStyle/>
-          <a:p>
-            <a:r>
-              <a:rPr lang="en-US" dirty="0" smtClean="0"/>
-              <a:t>1b. Use the bound data!</a:t>
-            </a:r>
-            <a:endParaRPr lang="en-US" dirty="0"/>
-          </a:p>
-        </p:txBody>
-      </p:sp>
-      <p:sp>
-        <p:nvSpPr>
-          <p:cNvPr id="3" name="Content Placeholder 2"/>
-          <p:cNvSpPr>
-            <a:spLocks noGrp="1"/>
-          </p:cNvSpPr>
-          <p:nvPr>
-            <p:ph idx="1"/>
-          </p:nvPr>
-        </p:nvSpPr>
-        <p:spPr/>
-        <p:txBody>
-          <a:bodyPr/>
-          <a:lstStyle/>
-          <a:p>
-            <a:r>
-              <a:rPr lang="en-US" dirty="0" smtClean="0"/>
-              <a:t>Make height = </a:t>
-            </a:r>
-            <a:r>
-              <a:rPr lang="en-US" dirty="0" err="1" smtClean="0"/>
-              <a:t>d.frequency</a:t>
-            </a:r>
-            <a:endParaRPr lang="en-US" dirty="0" smtClean="0"/>
-          </a:p>
-          <a:p>
-            <a:r>
-              <a:rPr lang="en-US" dirty="0" smtClean="0"/>
-              <a:t>Make width = 10</a:t>
-            </a:r>
-          </a:p>
-          <a:p>
-            <a:r>
-              <a:rPr lang="en-US" dirty="0" smtClean="0"/>
-              <a:t>Make x = </a:t>
-            </a:r>
-            <a:r>
-              <a:rPr lang="en-US" dirty="0" err="1" smtClean="0"/>
-              <a:t>i</a:t>
-            </a:r>
-            <a:r>
-              <a:rPr lang="en-US" dirty="0" smtClean="0"/>
-              <a:t>*10</a:t>
-            </a:r>
-          </a:p>
-          <a:p>
-            <a:endParaRPr lang="en-US" dirty="0" smtClean="0"/>
-          </a:p>
-          <a:p>
-            <a:r>
-              <a:rPr lang="en-US" dirty="0" smtClean="0"/>
-              <a:t>Try:</a:t>
-            </a:r>
-          </a:p>
-          <a:p>
-            <a:r>
-              <a:rPr lang="en-US" dirty="0"/>
-              <a:t>Make height = 1000x the frequency</a:t>
-            </a:r>
-          </a:p>
-          <a:p>
-            <a:r>
-              <a:rPr lang="en-US" dirty="0"/>
-              <a:t>Make width = 20</a:t>
-            </a:r>
-          </a:p>
-          <a:p>
-            <a:r>
-              <a:rPr lang="en-US" dirty="0"/>
-              <a:t>Make x = </a:t>
-            </a:r>
-            <a:r>
-              <a:rPr lang="en-US" dirty="0" err="1" smtClean="0"/>
-              <a:t>i</a:t>
-            </a:r>
-            <a:r>
-              <a:rPr lang="en-US" dirty="0" smtClean="0"/>
-              <a:t>*22</a:t>
-            </a:r>
-            <a:endParaRPr lang="en-US" dirty="0"/>
-          </a:p>
-          <a:p>
-            <a:endParaRPr lang="en-US" dirty="0"/>
-          </a:p>
-        </p:txBody>
-      </p:sp>
-    </p:spTree>
-    <p:extLst>
-      <p:ext uri="{BB962C8B-B14F-4D97-AF65-F5344CB8AC3E}">
-        <p14:creationId xmlns:p14="http://schemas.microsoft.com/office/powerpoint/2010/main" val="1930288520"/>
-      </p:ext>
-    </p:extLst>
-  </p:cSld>
-  <p:clrMapOvr>
-    <a:masterClrMapping/>
-  </p:clrMapOvr>
-</p:sld>
-</file>
-
-<file path=ppt/slides/slide24.xml><?xml version="1.0" encoding="utf-8"?>
-<p:sld xmlns:a="http://schemas.openxmlformats.org/drawingml/2006/main" xmlns:r="http://schemas.openxmlformats.org/officeDocument/2006/relationships" xmlns:p="http://schemas.openxmlformats.org/presentationml/2006/main">
-  <p:cSld>
-    <p:spTree>
-      <p:nvGrpSpPr>
-        <p:cNvPr id="1" name=""/>
-        <p:cNvGrpSpPr/>
-        <p:nvPr/>
-      </p:nvGrpSpPr>
-      <p:grpSpPr>
-        <a:xfrm>
-          <a:off x="0" y="0"/>
-          <a:ext cx="0" cy="0"/>
-          <a:chOff x="0" y="0"/>
-          <a:chExt cx="0" cy="0"/>
-        </a:xfrm>
-      </p:grpSpPr>
-      <p:sp>
-        <p:nvSpPr>
-          <p:cNvPr id="2" name="Title 1"/>
-          <p:cNvSpPr>
-            <a:spLocks noGrp="1"/>
-          </p:cNvSpPr>
-          <p:nvPr>
-            <p:ph type="title"/>
-          </p:nvPr>
-        </p:nvSpPr>
-        <p:spPr/>
-        <p:txBody>
-          <a:bodyPr/>
-          <a:lstStyle/>
-          <a:p>
-            <a:r>
-              <a:rPr lang="en-US" dirty="0" smtClean="0"/>
-              <a:t>1c. How to inspect</a:t>
-            </a:r>
-            <a:endParaRPr lang="en-US" dirty="0"/>
-          </a:p>
-        </p:txBody>
-      </p:sp>
-      <p:sp>
-        <p:nvSpPr>
-          <p:cNvPr id="3" name="Content Placeholder 2"/>
-          <p:cNvSpPr>
-            <a:spLocks noGrp="1"/>
-          </p:cNvSpPr>
-          <p:nvPr>
-            <p:ph idx="1"/>
-          </p:nvPr>
-        </p:nvSpPr>
-        <p:spPr/>
-        <p:txBody>
-          <a:bodyPr/>
-          <a:lstStyle/>
-          <a:p>
-            <a:r>
-              <a:rPr lang="en-US" dirty="0" smtClean="0"/>
-              <a:t>Show __data__ property of the element</a:t>
-            </a:r>
-          </a:p>
-          <a:p>
-            <a:r>
-              <a:rPr lang="en-US" dirty="0" smtClean="0"/>
-              <a:t>Show console.log(this)</a:t>
-            </a:r>
-          </a:p>
-          <a:p>
-            <a:pPr lvl="1"/>
-            <a:r>
-              <a:rPr lang="en-US" dirty="0" smtClean="0"/>
-              <a:t>(</a:t>
-            </a:r>
-            <a:r>
-              <a:rPr lang="en-US" dirty="0" err="1" smtClean="0"/>
-              <a:t>i</a:t>
-            </a:r>
-            <a:r>
-              <a:rPr lang="en-US" dirty="0" smtClean="0"/>
-              <a:t>)</a:t>
-            </a:r>
-          </a:p>
-          <a:p>
-            <a:pPr lvl="1"/>
-            <a:r>
-              <a:rPr lang="en-US" dirty="0" smtClean="0"/>
-              <a:t>(d)</a:t>
-            </a:r>
-          </a:p>
-          <a:p>
-            <a:pPr lvl="1"/>
-            <a:r>
-              <a:rPr lang="en-US" dirty="0" smtClean="0"/>
-              <a:t>d3.select(this)</a:t>
-            </a:r>
-          </a:p>
-          <a:p>
-            <a:endParaRPr lang="en-US" dirty="0" smtClean="0"/>
-          </a:p>
-        </p:txBody>
-      </p:sp>
-    </p:spTree>
-    <p:extLst>
-      <p:ext uri="{BB962C8B-B14F-4D97-AF65-F5344CB8AC3E}">
-        <p14:creationId xmlns:p14="http://schemas.microsoft.com/office/powerpoint/2010/main" val="3300785810"/>
-      </p:ext>
-    </p:extLst>
-  </p:cSld>
-  <p:clrMapOvr>
-    <a:masterClrMapping/>
-  </p:clrMapOvr>
-</p:sld>
-</file>
-
-<file path=ppt/slides/slide25.xml><?xml version="1.0" encoding="utf-8"?>
-<p:sld xmlns:a="http://schemas.openxmlformats.org/drawingml/2006/main" xmlns:r="http://schemas.openxmlformats.org/officeDocument/2006/relationships" xmlns:p="http://schemas.openxmlformats.org/presentationml/2006/main">
-  <p:cSld>
-    <p:spTree>
-      <p:nvGrpSpPr>
-        <p:cNvPr id="1" name=""/>
-        <p:cNvGrpSpPr/>
-        <p:nvPr/>
-      </p:nvGrpSpPr>
-      <p:grpSpPr>
-        <a:xfrm>
-          <a:off x="0" y="0"/>
-          <a:ext cx="0" cy="0"/>
-          <a:chOff x="0" y="0"/>
-          <a:chExt cx="0" cy="0"/>
-        </a:xfrm>
-      </p:grpSpPr>
-      <p:sp>
-        <p:nvSpPr>
-          <p:cNvPr id="2" name="Title 1"/>
-          <p:cNvSpPr>
-            <a:spLocks noGrp="1"/>
-          </p:cNvSpPr>
-          <p:nvPr>
-            <p:ph type="title"/>
-          </p:nvPr>
-        </p:nvSpPr>
-        <p:spPr/>
-        <p:txBody>
-          <a:bodyPr/>
-          <a:lstStyle/>
-          <a:p>
-            <a:r>
-              <a:rPr lang="en-US" dirty="0" smtClean="0"/>
-              <a:t>2. Build a scale that makes sense</a:t>
-            </a:r>
-            <a:endParaRPr lang="en-US" dirty="0"/>
-          </a:p>
-        </p:txBody>
-      </p:sp>
-      <p:sp>
-        <p:nvSpPr>
-          <p:cNvPr id="3" name="Content Placeholder 2"/>
-          <p:cNvSpPr>
-            <a:spLocks noGrp="1"/>
-          </p:cNvSpPr>
-          <p:nvPr>
-            <p:ph idx="1"/>
-          </p:nvPr>
-        </p:nvSpPr>
-        <p:spPr/>
-        <p:txBody>
-          <a:bodyPr/>
-          <a:lstStyle/>
-          <a:p>
-            <a:r>
-              <a:rPr lang="en-US" dirty="0" smtClean="0"/>
-              <a:t>Create margin object</a:t>
-            </a:r>
-          </a:p>
-          <a:p>
-            <a:r>
-              <a:rPr lang="en-US" dirty="0" smtClean="0"/>
-              <a:t>Create “actual” width/height variables, subtracting the margins</a:t>
-            </a:r>
-          </a:p>
-          <a:p>
-            <a:endParaRPr lang="en-US" dirty="0" smtClean="0"/>
-          </a:p>
-          <a:p>
-            <a:r>
-              <a:rPr lang="en-US" dirty="0" smtClean="0"/>
-              <a:t>Pass these to x range - band (width) and y range - linear (height)</a:t>
-            </a:r>
-          </a:p>
-          <a:p>
-            <a:r>
-              <a:rPr lang="en-US" dirty="0" smtClean="0"/>
-              <a:t>Pass our data to the domain, using map for letters and max </a:t>
-            </a:r>
-            <a:r>
-              <a:rPr lang="en-US" smtClean="0"/>
-              <a:t>for </a:t>
-            </a:r>
-            <a:r>
-              <a:rPr lang="en-US" smtClean="0"/>
-              <a:t>frequency</a:t>
-            </a:r>
-            <a:endParaRPr lang="en-US" dirty="0" smtClean="0"/>
-          </a:p>
-          <a:p>
-            <a:endParaRPr lang="en-US" dirty="0"/>
-          </a:p>
-          <a:p>
-            <a:r>
-              <a:rPr lang="en-US" dirty="0" smtClean="0"/>
-              <a:t>Update our </a:t>
-            </a:r>
-            <a:r>
-              <a:rPr lang="en-US" dirty="0" err="1" smtClean="0"/>
-              <a:t>attr</a:t>
-            </a:r>
-            <a:r>
-              <a:rPr lang="en-US" dirty="0" smtClean="0"/>
-              <a:t> binding to use these new things</a:t>
-            </a:r>
-          </a:p>
-        </p:txBody>
-      </p:sp>
-    </p:spTree>
-    <p:extLst>
-      <p:ext uri="{BB962C8B-B14F-4D97-AF65-F5344CB8AC3E}">
-        <p14:creationId xmlns:p14="http://schemas.microsoft.com/office/powerpoint/2010/main" val="1165932269"/>
-      </p:ext>
-    </p:extLst>
-  </p:cSld>
-  <p:clrMapOvr>
-    <a:masterClrMapping/>
-  </p:clrMapOvr>
-</p:sld>
-</file>
-
-<file path=ppt/slides/slide26.xml><?xml version="1.0" encoding="utf-8"?>
-<p:sld xmlns:a="http://schemas.openxmlformats.org/drawingml/2006/main" xmlns:r="http://schemas.openxmlformats.org/officeDocument/2006/relationships" xmlns:p="http://schemas.openxmlformats.org/presentationml/2006/main">
-  <p:cSld>
-    <p:spTree>
-      <p:nvGrpSpPr>
-        <p:cNvPr id="1" name=""/>
-        <p:cNvGrpSpPr/>
-        <p:nvPr/>
-      </p:nvGrpSpPr>
-      <p:grpSpPr>
-        <a:xfrm>
-          <a:off x="0" y="0"/>
-          <a:ext cx="0" cy="0"/>
-          <a:chOff x="0" y="0"/>
-          <a:chExt cx="0" cy="0"/>
-        </a:xfrm>
-      </p:grpSpPr>
-      <p:sp>
-        <p:nvSpPr>
-          <p:cNvPr id="2" name="Title 1"/>
-          <p:cNvSpPr>
-            <a:spLocks noGrp="1"/>
-          </p:cNvSpPr>
-          <p:nvPr>
-            <p:ph type="title"/>
-          </p:nvPr>
-        </p:nvSpPr>
-        <p:spPr/>
-        <p:txBody>
-          <a:bodyPr/>
-          <a:lstStyle/>
-          <a:p>
-            <a:r>
-              <a:rPr lang="en-US" dirty="0" smtClean="0"/>
-              <a:t>3. Add the axes and some styling</a:t>
-            </a:r>
-            <a:endParaRPr lang="en-US" dirty="0"/>
-          </a:p>
-        </p:txBody>
-      </p:sp>
-      <p:sp>
-        <p:nvSpPr>
-          <p:cNvPr id="3" name="Content Placeholder 2"/>
-          <p:cNvSpPr>
-            <a:spLocks noGrp="1"/>
-          </p:cNvSpPr>
-          <p:nvPr>
-            <p:ph idx="1"/>
-          </p:nvPr>
-        </p:nvSpPr>
-        <p:spPr/>
-        <p:txBody>
-          <a:bodyPr/>
-          <a:lstStyle/>
-          <a:p>
-            <a:r>
-              <a:rPr lang="en-US" dirty="0" smtClean="0"/>
-              <a:t>Append g with an </a:t>
-            </a:r>
-            <a:r>
-              <a:rPr lang="en-US" dirty="0" err="1" smtClean="0"/>
-              <a:t>axisBottom</a:t>
-            </a:r>
-            <a:r>
-              <a:rPr lang="en-US" dirty="0" smtClean="0"/>
-              <a:t> on x, translate for height (to put on bottom – otherwise it is a downward axis on the top)</a:t>
-            </a:r>
-          </a:p>
-          <a:p>
-            <a:endParaRPr lang="en-US" dirty="0" smtClean="0"/>
-          </a:p>
-          <a:p>
-            <a:r>
-              <a:rPr lang="en-US" dirty="0" smtClean="0"/>
-              <a:t>Append g with an axis for y, add 10 ticks with %</a:t>
-            </a:r>
-          </a:p>
-          <a:p>
-            <a:endParaRPr lang="en-US" dirty="0" smtClean="0"/>
-          </a:p>
-          <a:p>
-            <a:r>
-              <a:rPr lang="en-US" dirty="0" smtClean="0"/>
-              <a:t>Open our empty index.css </a:t>
-            </a:r>
-          </a:p>
-          <a:p>
-            <a:pPr lvl="1"/>
-            <a:r>
-              <a:rPr lang="en-US" dirty="0" smtClean="0"/>
-              <a:t>Add fill color for .bar class and .</a:t>
-            </a:r>
-            <a:r>
-              <a:rPr lang="en-US" dirty="0" err="1" smtClean="0"/>
-              <a:t>bar:hover</a:t>
-            </a:r>
-            <a:endParaRPr lang="en-US" dirty="0" smtClean="0"/>
-          </a:p>
-          <a:p>
-            <a:pPr lvl="1"/>
-            <a:r>
-              <a:rPr lang="en-US" dirty="0" smtClean="0"/>
-              <a:t>Remove axis--x path</a:t>
-            </a:r>
-          </a:p>
-          <a:p>
-            <a:endParaRPr lang="en-US" dirty="0"/>
-          </a:p>
-        </p:txBody>
-      </p:sp>
-    </p:spTree>
-    <p:extLst>
-      <p:ext uri="{BB962C8B-B14F-4D97-AF65-F5344CB8AC3E}">
-        <p14:creationId xmlns:p14="http://schemas.microsoft.com/office/powerpoint/2010/main" val="4110432089"/>
-      </p:ext>
-    </p:extLst>
-  </p:cSld>
-  <p:clrMapOvr>
-    <a:masterClrMapping/>
-  </p:clrMapOvr>
-</p:sld>
-</file>
-
-<file path=ppt/slides/slide27.xml><?xml version="1.0" encoding="utf-8"?>
-<p:sld xmlns:a="http://schemas.openxmlformats.org/drawingml/2006/main" xmlns:r="http://schemas.openxmlformats.org/officeDocument/2006/relationships" xmlns:p="http://schemas.openxmlformats.org/presentationml/2006/main">
-  <p:cSld>
-    <p:spTree>
-      <p:nvGrpSpPr>
-        <p:cNvPr id="1" name=""/>
-        <p:cNvGrpSpPr/>
-        <p:nvPr/>
-      </p:nvGrpSpPr>
-      <p:grpSpPr>
-        <a:xfrm>
-          <a:off x="0" y="0"/>
-          <a:ext cx="0" cy="0"/>
-          <a:chOff x="0" y="0"/>
-          <a:chExt cx="0" cy="0"/>
-        </a:xfrm>
-      </p:grpSpPr>
-      <p:sp>
-        <p:nvSpPr>
-          <p:cNvPr id="4" name="Title 3"/>
-          <p:cNvSpPr>
-            <a:spLocks noGrp="1"/>
-          </p:cNvSpPr>
-          <p:nvPr>
-            <p:ph type="ctrTitle"/>
-          </p:nvPr>
-        </p:nvSpPr>
-        <p:spPr/>
-        <p:txBody>
-          <a:bodyPr/>
-          <a:lstStyle/>
-          <a:p>
-            <a:r>
-              <a:rPr lang="en-US" dirty="0" smtClean="0"/>
-              <a:t>Resources</a:t>
-            </a:r>
-            <a:endParaRPr lang="en-US" dirty="0"/>
-          </a:p>
-        </p:txBody>
-      </p:sp>
-      <p:sp>
-        <p:nvSpPr>
-          <p:cNvPr id="5" name="Subtitle 4"/>
-          <p:cNvSpPr>
-            <a:spLocks noGrp="1"/>
-          </p:cNvSpPr>
-          <p:nvPr>
-            <p:ph type="subTitle" idx="1"/>
-          </p:nvPr>
-        </p:nvSpPr>
-        <p:spPr/>
-        <p:txBody>
-          <a:bodyPr/>
-          <a:lstStyle/>
-          <a:p>
-            <a:r>
-              <a:rPr lang="en-US" dirty="0" smtClean="0"/>
-              <a:t>Things you should explore when looking further</a:t>
-            </a:r>
-            <a:endParaRPr lang="en-US" dirty="0"/>
-          </a:p>
-        </p:txBody>
-      </p:sp>
-    </p:spTree>
-    <p:extLst>
-      <p:ext uri="{BB962C8B-B14F-4D97-AF65-F5344CB8AC3E}">
-        <p14:creationId xmlns:p14="http://schemas.microsoft.com/office/powerpoint/2010/main" val="2724028488"/>
-      </p:ext>
-    </p:extLst>
-  </p:cSld>
-  <p:clrMapOvr>
-    <a:masterClrMapping/>
-  </p:clrMapOvr>
-</p:sld>
-</file>
-
-<file path=ppt/slides/slide28.xml><?xml version="1.0" encoding="utf-8"?>
-<p:sld xmlns:a="http://schemas.openxmlformats.org/drawingml/2006/main" xmlns:r="http://schemas.openxmlformats.org/officeDocument/2006/relationships" xmlns:p="http://schemas.openxmlformats.org/presentationml/2006/main">
-  <p:cSld>
-    <p:spTree>
-      <p:nvGrpSpPr>
-        <p:cNvPr id="1" name=""/>
-        <p:cNvGrpSpPr/>
-        <p:nvPr/>
-      </p:nvGrpSpPr>
-      <p:grpSpPr>
-        <a:xfrm>
-          <a:off x="0" y="0"/>
-          <a:ext cx="0" cy="0"/>
-          <a:chOff x="0" y="0"/>
-          <a:chExt cx="0" cy="0"/>
-        </a:xfrm>
-      </p:grpSpPr>
-      <p:sp>
-        <p:nvSpPr>
-          <p:cNvPr id="2" name="Title 1"/>
-          <p:cNvSpPr>
-            <a:spLocks noGrp="1"/>
-          </p:cNvSpPr>
-          <p:nvPr>
-            <p:ph type="ctrTitle"/>
-          </p:nvPr>
-        </p:nvSpPr>
-        <p:spPr/>
-        <p:txBody>
-          <a:bodyPr/>
-          <a:lstStyle/>
-          <a:p>
-            <a:r>
-              <a:rPr lang="en-US" dirty="0" smtClean="0"/>
-              <a:t>Read the docs!</a:t>
-            </a:r>
-            <a:endParaRPr lang="en-US" dirty="0"/>
-          </a:p>
-        </p:txBody>
-      </p:sp>
-      <p:sp>
-        <p:nvSpPr>
-          <p:cNvPr id="3" name="Content Placeholder 2"/>
-          <p:cNvSpPr>
-            <a:spLocks noGrp="1"/>
-          </p:cNvSpPr>
-          <p:nvPr>
-            <p:ph type="subTitle" idx="1"/>
-          </p:nvPr>
-        </p:nvSpPr>
-        <p:spPr/>
-        <p:txBody>
-          <a:bodyPr/>
-          <a:lstStyle/>
-          <a:p>
-            <a:r>
-              <a:rPr lang="en-US" b="1" dirty="0" smtClean="0"/>
-              <a:t>D3: </a:t>
-            </a:r>
-            <a:r>
-              <a:rPr lang="en-US" dirty="0" smtClean="0"/>
-              <a:t>https</a:t>
-            </a:r>
-            <a:r>
-              <a:rPr lang="en-US" dirty="0"/>
-              <a:t>://</a:t>
-            </a:r>
-            <a:r>
-              <a:rPr lang="en-US" dirty="0" smtClean="0"/>
-              <a:t>github.com/d3/d3/wiki</a:t>
-            </a:r>
-          </a:p>
-          <a:p>
-            <a:r>
-              <a:rPr lang="en-US" b="1" dirty="0"/>
-              <a:t>Web: </a:t>
-            </a:r>
-            <a:r>
-              <a:rPr lang="en-US" dirty="0"/>
-              <a:t>https://developer.mozilla.org/en-US/</a:t>
-            </a:r>
-          </a:p>
-        </p:txBody>
-      </p:sp>
-    </p:spTree>
-    <p:extLst>
-      <p:ext uri="{BB962C8B-B14F-4D97-AF65-F5344CB8AC3E}">
-        <p14:creationId xmlns:p14="http://schemas.microsoft.com/office/powerpoint/2010/main" val="2779721294"/>
-      </p:ext>
-    </p:extLst>
-  </p:cSld>
-  <p:clrMapOvr>
-    <a:masterClrMapping/>
-  </p:clrMapOvr>
-</p:sld>
-</file>
-
-<file path=ppt/slides/slide29.xml><?xml version="1.0" encoding="utf-8"?>
-<p:sld xmlns:a="http://schemas.openxmlformats.org/drawingml/2006/main" xmlns:r="http://schemas.openxmlformats.org/officeDocument/2006/relationships" xmlns:p="http://schemas.openxmlformats.org/presentationml/2006/main">
-  <p:cSld>
-    <p:spTree>
-      <p:nvGrpSpPr>
-        <p:cNvPr id="1" name=""/>
-        <p:cNvGrpSpPr/>
-        <p:nvPr/>
-      </p:nvGrpSpPr>
-      <p:grpSpPr>
-        <a:xfrm>
-          <a:off x="0" y="0"/>
-          <a:ext cx="0" cy="0"/>
-          <a:chOff x="0" y="0"/>
-          <a:chExt cx="0" cy="0"/>
-        </a:xfrm>
-      </p:grpSpPr>
-      <p:sp>
-        <p:nvSpPr>
-          <p:cNvPr id="4" name="Title 3"/>
-          <p:cNvSpPr>
-            <a:spLocks noGrp="1"/>
-          </p:cNvSpPr>
-          <p:nvPr>
-            <p:ph type="ctrTitle"/>
-          </p:nvPr>
-        </p:nvSpPr>
-        <p:spPr/>
-        <p:txBody>
-          <a:bodyPr/>
-          <a:lstStyle/>
-          <a:p>
-            <a:r>
-              <a:rPr lang="en-US" dirty="0" smtClean="0"/>
-              <a:t>Top 3 resources:</a:t>
-            </a:r>
-            <a:endParaRPr lang="en-US" dirty="0"/>
-          </a:p>
-        </p:txBody>
-      </p:sp>
-      <p:sp>
-        <p:nvSpPr>
-          <p:cNvPr id="5" name="Subtitle 4"/>
-          <p:cNvSpPr>
-            <a:spLocks noGrp="1"/>
-          </p:cNvSpPr>
-          <p:nvPr>
-            <p:ph type="subTitle" idx="1"/>
-          </p:nvPr>
-        </p:nvSpPr>
-        <p:spPr/>
-        <p:txBody>
-          <a:bodyPr/>
-          <a:lstStyle/>
-          <a:p>
-            <a:r>
-              <a:rPr lang="en-US" dirty="0" smtClean="0"/>
-              <a:t>The d3 API documentation</a:t>
-            </a:r>
-          </a:p>
-          <a:p>
-            <a:r>
-              <a:rPr lang="en-US" dirty="0" smtClean="0"/>
-              <a:t>MDN web standards documentation</a:t>
-            </a:r>
-          </a:p>
-          <a:p>
-            <a:r>
-              <a:rPr lang="en-US" dirty="0"/>
-              <a:t>Googling </a:t>
-            </a:r>
-            <a:r>
-              <a:rPr lang="en-US" dirty="0" smtClean="0"/>
-              <a:t>things you want to make </a:t>
-            </a:r>
-            <a:r>
-              <a:rPr lang="en-US" dirty="0"/>
-              <a:t>(“d3 scatterplot </a:t>
-            </a:r>
-            <a:r>
-              <a:rPr lang="en-US" dirty="0" err="1"/>
-              <a:t>bl.ocks</a:t>
-            </a:r>
-            <a:r>
-              <a:rPr lang="en-US" dirty="0"/>
-              <a:t>”)</a:t>
-            </a:r>
-          </a:p>
-          <a:p>
-            <a:endParaRPr lang="en-US" dirty="0"/>
-          </a:p>
-        </p:txBody>
-      </p:sp>
-    </p:spTree>
-    <p:extLst>
-      <p:ext uri="{BB962C8B-B14F-4D97-AF65-F5344CB8AC3E}">
-        <p14:creationId xmlns:p14="http://schemas.microsoft.com/office/powerpoint/2010/main" val="3084310567"/>
-      </p:ext>
-    </p:extLst>
-  </p:cSld>
-  <p:clrMapOvr>
-    <a:masterClrMapping/>
-  </p:clrMapOvr>
-</p:sld>
-</file>
-
-<file path=ppt/slides/slide3.xml><?xml version="1.0" encoding="utf-8"?>
-<p:sld xmlns:a="http://schemas.openxmlformats.org/drawingml/2006/main" xmlns:r="http://schemas.openxmlformats.org/officeDocument/2006/relationships" xmlns:p="http://schemas.openxmlformats.org/presentationml/2006/main">
-  <p:cSld>
-    <p:spTree>
-      <p:nvGrpSpPr>
-        <p:cNvPr id="1" name=""/>
-        <p:cNvGrpSpPr/>
-        <p:nvPr/>
-      </p:nvGrpSpPr>
-      <p:grpSpPr>
-        <a:xfrm>
-          <a:off x="0" y="0"/>
-          <a:ext cx="0" cy="0"/>
-          <a:chOff x="0" y="0"/>
-          <a:chExt cx="0" cy="0"/>
-        </a:xfrm>
-      </p:grpSpPr>
-      <p:sp>
-        <p:nvSpPr>
-          <p:cNvPr id="2" name="Title 1"/>
-          <p:cNvSpPr>
-            <a:spLocks noGrp="1"/>
-          </p:cNvSpPr>
-          <p:nvPr>
-            <p:ph type="ctrTitle"/>
-          </p:nvPr>
-        </p:nvSpPr>
-        <p:spPr>
-          <a:xfrm>
-            <a:off x="1524000" y="1064027"/>
-            <a:ext cx="9144000" cy="1207337"/>
-          </a:xfrm>
-        </p:spPr>
-        <p:txBody>
-          <a:bodyPr>
-            <a:normAutofit/>
-          </a:bodyPr>
-          <a:lstStyle/>
-          <a:p>
-            <a:pPr algn="l"/>
-            <a:r>
-              <a:rPr lang="en-US" dirty="0" smtClean="0"/>
-              <a:t>What is D3 capable of?</a:t>
-            </a:r>
-            <a:endParaRPr lang="en-US" dirty="0"/>
-          </a:p>
-        </p:txBody>
-      </p:sp>
-      <p:sp>
-        <p:nvSpPr>
-          <p:cNvPr id="3" name="Subtitle 2"/>
-          <p:cNvSpPr>
-            <a:spLocks noGrp="1"/>
-          </p:cNvSpPr>
-          <p:nvPr>
-            <p:ph type="subTitle" idx="1"/>
-          </p:nvPr>
-        </p:nvSpPr>
-        <p:spPr>
-          <a:xfrm>
-            <a:off x="1524000" y="2271364"/>
-            <a:ext cx="9144000" cy="4048320"/>
-          </a:xfrm>
-        </p:spPr>
-        <p:txBody>
-          <a:bodyPr/>
-          <a:lstStyle/>
-          <a:p>
-            <a:pPr algn="l"/>
-            <a:r>
-              <a:rPr lang="en-US" dirty="0"/>
-              <a:t>https://</a:t>
-            </a:r>
-            <a:r>
-              <a:rPr lang="en-US" dirty="0" smtClean="0"/>
-              <a:t>ligo.northwestern.edu/media/mass-plot/index.html</a:t>
-            </a:r>
-          </a:p>
-          <a:p>
-            <a:pPr algn="l"/>
-            <a:endParaRPr lang="en-US" dirty="0" smtClean="0"/>
-          </a:p>
-          <a:p>
-            <a:pPr algn="l"/>
-            <a:r>
-              <a:rPr lang="en-US" dirty="0" smtClean="0"/>
-              <a:t>http</a:t>
-            </a:r>
-            <a:r>
-              <a:rPr lang="en-US" dirty="0"/>
-              <a:t>://www.r2d3.us/visual-intro-to-machine-learning-part-1</a:t>
-            </a:r>
-            <a:r>
-              <a:rPr lang="en-US" dirty="0" smtClean="0"/>
-              <a:t>/</a:t>
-            </a:r>
-          </a:p>
-          <a:p>
-            <a:pPr algn="l"/>
-            <a:r>
-              <a:rPr lang="en-US" dirty="0"/>
-              <a:t>http://</a:t>
-            </a:r>
-            <a:r>
-              <a:rPr lang="en-US" dirty="0" smtClean="0"/>
-              <a:t>bit.ly/2wJEeIy</a:t>
-            </a:r>
-          </a:p>
-          <a:p>
-            <a:pPr algn="l"/>
-            <a:r>
-              <a:rPr lang="en-US" dirty="0" smtClean="0"/>
-              <a:t>http://nbremer.github.io/urbanization/</a:t>
-            </a:r>
-          </a:p>
-          <a:p>
-            <a:pPr algn="l"/>
-            <a:r>
-              <a:rPr lang="en-US" dirty="0" smtClean="0"/>
-              <a:t>https</a:t>
-            </a:r>
-            <a:r>
-              <a:rPr lang="en-US" dirty="0"/>
-              <a:t>://</a:t>
-            </a:r>
-            <a:r>
-              <a:rPr lang="en-US" dirty="0" smtClean="0"/>
-              <a:t>www.nytimes.com/interactive/2014/upshot/buy-rent-calculator.htmlhttps</a:t>
-            </a:r>
-            <a:r>
-              <a:rPr lang="en-US" dirty="0"/>
-              <a:t>://bost.ocks.org/mike/algorithms/</a:t>
-            </a:r>
-            <a:endParaRPr lang="en-US" dirty="0" smtClean="0"/>
-          </a:p>
-          <a:p>
-            <a:pPr algn="l"/>
-            <a:endParaRPr lang="en-US" dirty="0"/>
-          </a:p>
-        </p:txBody>
-      </p:sp>
-    </p:spTree>
-    <p:extLst>
-      <p:ext uri="{BB962C8B-B14F-4D97-AF65-F5344CB8AC3E}">
-        <p14:creationId xmlns:p14="http://schemas.microsoft.com/office/powerpoint/2010/main" val="990942484"/>
-      </p:ext>
-    </p:extLst>
-  </p:cSld>
-  <p:clrMapOvr>
-    <a:masterClrMapping/>
-  </p:clrMapOvr>
-  <p:timing>
-    <p:tnLst>
-      <p:par>
-        <p:cTn id="1" dur="indefinite" restart="never" nodeType="tmRoot"/>
-      </p:par>
-    </p:tnLst>
-  </p:timing>
-</p:sld>
-</file>
-
-<file path=ppt/slides/slide30.xml><?xml version="1.0" encoding="utf-8"?>
-<p:sld xmlns:a="http://schemas.openxmlformats.org/drawingml/2006/main" xmlns:r="http://schemas.openxmlformats.org/officeDocument/2006/relationships" xmlns:p="http://schemas.openxmlformats.org/presentationml/2006/main">
-  <p:cSld>
-    <p:spTree>
-      <p:nvGrpSpPr>
-        <p:cNvPr id="1" name=""/>
-        <p:cNvGrpSpPr/>
-        <p:nvPr/>
-      </p:nvGrpSpPr>
-      <p:grpSpPr>
-        <a:xfrm>
-          <a:off x="0" y="0"/>
-          <a:ext cx="0" cy="0"/>
-          <a:chOff x="0" y="0"/>
-          <a:chExt cx="0" cy="0"/>
-        </a:xfrm>
-      </p:grpSpPr>
-      <p:sp>
-        <p:nvSpPr>
-          <p:cNvPr id="2" name="Title 1"/>
-          <p:cNvSpPr>
-            <a:spLocks noGrp="1"/>
-          </p:cNvSpPr>
-          <p:nvPr>
-            <p:ph type="ctrTitle"/>
-          </p:nvPr>
-        </p:nvSpPr>
-        <p:spPr>
-          <a:xfrm>
-            <a:off x="1524000" y="174567"/>
-            <a:ext cx="9144000" cy="982894"/>
-          </a:xfrm>
-        </p:spPr>
-        <p:txBody>
-          <a:bodyPr/>
-          <a:lstStyle/>
-          <a:p>
-            <a:r>
-              <a:rPr lang="en-US" dirty="0" smtClean="0"/>
-              <a:t>Listing the Basics:</a:t>
-            </a:r>
-            <a:endParaRPr lang="en-US" dirty="0"/>
-          </a:p>
-        </p:txBody>
-      </p:sp>
-      <p:sp>
-        <p:nvSpPr>
-          <p:cNvPr id="3" name="Subtitle 2"/>
-          <p:cNvSpPr>
-            <a:spLocks noGrp="1"/>
-          </p:cNvSpPr>
-          <p:nvPr>
-            <p:ph type="subTitle" idx="1"/>
-          </p:nvPr>
-        </p:nvSpPr>
-        <p:spPr>
-          <a:xfrm>
-            <a:off x="2219498" y="1263535"/>
-            <a:ext cx="7753004" cy="5412394"/>
-          </a:xfrm>
-        </p:spPr>
-        <p:txBody>
-          <a:bodyPr>
-            <a:normAutofit/>
-          </a:bodyPr>
-          <a:lstStyle/>
-          <a:p>
-            <a:pPr algn="l"/>
-            <a:r>
-              <a:rPr lang="en-US" sz="2800" b="1" dirty="0" smtClean="0"/>
-              <a:t>Know what these are, you will use them often:</a:t>
-            </a:r>
-          </a:p>
-          <a:p>
-            <a:pPr marL="342900" indent="-342900" algn="l">
-              <a:buFont typeface="Arial" panose="020B0604020202020204" pitchFamily="34" charset="0"/>
-              <a:buChar char="•"/>
-            </a:pPr>
-            <a:r>
-              <a:rPr lang="en-US" dirty="0" smtClean="0"/>
-              <a:t>Selections (select, </a:t>
-            </a:r>
-            <a:r>
-              <a:rPr lang="en-US" dirty="0" err="1" smtClean="0"/>
-              <a:t>selectAll</a:t>
-            </a:r>
-            <a:r>
-              <a:rPr lang="en-US" dirty="0" smtClean="0"/>
-              <a:t> and how they work)</a:t>
-            </a:r>
-          </a:p>
-          <a:p>
-            <a:pPr marL="342900" indent="-342900" algn="l">
-              <a:buFont typeface="Arial" panose="020B0604020202020204" pitchFamily="34" charset="0"/>
-              <a:buChar char="•"/>
-            </a:pPr>
-            <a:r>
-              <a:rPr lang="en-US" dirty="0" smtClean="0"/>
-              <a:t>SVG types (circle, </a:t>
-            </a:r>
-            <a:r>
-              <a:rPr lang="en-US" dirty="0" err="1" smtClean="0"/>
-              <a:t>rect</a:t>
-            </a:r>
-            <a:r>
-              <a:rPr lang="en-US" dirty="0" smtClean="0"/>
-              <a:t>, text, path)</a:t>
-            </a:r>
-          </a:p>
-          <a:p>
-            <a:pPr marL="342900" indent="-342900" algn="l">
-              <a:buFont typeface="Arial" panose="020B0604020202020204" pitchFamily="34" charset="0"/>
-              <a:buChar char="•"/>
-            </a:pPr>
-            <a:r>
-              <a:rPr lang="en-US" dirty="0" smtClean="0"/>
-              <a:t>Data Enter/Append</a:t>
-            </a:r>
-          </a:p>
-          <a:p>
-            <a:pPr marL="342900" indent="-342900" algn="l">
-              <a:buFont typeface="Arial" panose="020B0604020202020204" pitchFamily="34" charset="0"/>
-              <a:buChar char="•"/>
-            </a:pPr>
-            <a:r>
-              <a:rPr lang="en-US" dirty="0" smtClean="0"/>
-              <a:t>Data Exit/Remove</a:t>
-            </a:r>
-          </a:p>
-          <a:p>
-            <a:pPr marL="342900" indent="-342900" algn="l">
-              <a:buFont typeface="Arial" panose="020B0604020202020204" pitchFamily="34" charset="0"/>
-              <a:buChar char="•"/>
-            </a:pPr>
-            <a:r>
-              <a:rPr lang="en-US" dirty="0" smtClean="0"/>
-              <a:t>Chaining</a:t>
-            </a:r>
-          </a:p>
-          <a:p>
-            <a:pPr marL="342900" indent="-342900" algn="l">
-              <a:buFont typeface="Arial" panose="020B0604020202020204" pitchFamily="34" charset="0"/>
-              <a:buChar char="•"/>
-            </a:pPr>
-            <a:r>
-              <a:rPr lang="en-US" dirty="0" err="1" smtClean="0"/>
-              <a:t>Attributes+Transitions</a:t>
-            </a:r>
-            <a:endParaRPr lang="en-US" dirty="0" smtClean="0"/>
-          </a:p>
-          <a:p>
-            <a:pPr marL="342900" indent="-342900" algn="l">
-              <a:buFont typeface="Arial" panose="020B0604020202020204" pitchFamily="34" charset="0"/>
-              <a:buChar char="•"/>
-            </a:pPr>
-            <a:r>
-              <a:rPr lang="en-US" dirty="0" smtClean="0"/>
-              <a:t>Arrays: Min/Max/Range, Keys, Merge, Nest</a:t>
-            </a:r>
-          </a:p>
-          <a:p>
-            <a:pPr marL="342900" indent="-342900" algn="l">
-              <a:buFont typeface="Arial" panose="020B0604020202020204" pitchFamily="34" charset="0"/>
-              <a:buChar char="•"/>
-            </a:pPr>
-            <a:r>
-              <a:rPr lang="en-US" dirty="0" smtClean="0"/>
-              <a:t>Scales</a:t>
-            </a:r>
-          </a:p>
-          <a:p>
-            <a:pPr marL="342900" indent="-342900" algn="l">
-              <a:buFont typeface="Arial" panose="020B0604020202020204" pitchFamily="34" charset="0"/>
-              <a:buChar char="•"/>
-            </a:pPr>
-            <a:r>
-              <a:rPr lang="en-US" dirty="0" smtClean="0"/>
-              <a:t>Color</a:t>
-            </a:r>
-          </a:p>
-          <a:p>
-            <a:pPr marL="342900" indent="-342900" algn="l">
-              <a:buFont typeface="Arial" panose="020B0604020202020204" pitchFamily="34" charset="0"/>
-              <a:buChar char="•"/>
-            </a:pPr>
-            <a:r>
-              <a:rPr lang="en-US" dirty="0" smtClean="0"/>
-              <a:t>Axes</a:t>
-            </a:r>
-            <a:endParaRPr lang="en-US" dirty="0"/>
-          </a:p>
-        </p:txBody>
-      </p:sp>
-    </p:spTree>
-    <p:extLst>
-      <p:ext uri="{BB962C8B-B14F-4D97-AF65-F5344CB8AC3E}">
-        <p14:creationId xmlns:p14="http://schemas.microsoft.com/office/powerpoint/2010/main" val="1452815126"/>
-      </p:ext>
-    </p:extLst>
-  </p:cSld>
-  <p:clrMapOvr>
-    <a:masterClrMapping/>
-  </p:clrMapOvr>
-</p:sld>
-</file>
-
-<file path=ppt/slides/slide31.xml><?xml version="1.0" encoding="utf-8"?>
-<p:sld xmlns:a="http://schemas.openxmlformats.org/drawingml/2006/main" xmlns:r="http://schemas.openxmlformats.org/officeDocument/2006/relationships" xmlns:p="http://schemas.openxmlformats.org/presentationml/2006/main">
-  <p:cSld>
-    <p:spTree>
-      <p:nvGrpSpPr>
-        <p:cNvPr id="1" name=""/>
-        <p:cNvGrpSpPr/>
-        <p:nvPr/>
-      </p:nvGrpSpPr>
-      <p:grpSpPr>
-        <a:xfrm>
-          <a:off x="0" y="0"/>
-          <a:ext cx="0" cy="0"/>
-          <a:chOff x="0" y="0"/>
-          <a:chExt cx="0" cy="0"/>
-        </a:xfrm>
-      </p:grpSpPr>
-      <p:sp>
-        <p:nvSpPr>
-          <p:cNvPr id="2" name="Title 1"/>
-          <p:cNvSpPr>
-            <a:spLocks noGrp="1"/>
-          </p:cNvSpPr>
-          <p:nvPr>
-            <p:ph type="ctrTitle"/>
-          </p:nvPr>
-        </p:nvSpPr>
-        <p:spPr/>
-        <p:txBody>
-          <a:bodyPr/>
-          <a:lstStyle/>
-          <a:p>
-            <a:r>
-              <a:rPr lang="en-US" dirty="0" smtClean="0"/>
-              <a:t>Design Basics for Charts</a:t>
-            </a:r>
-            <a:endParaRPr lang="en-US" dirty="0"/>
-          </a:p>
-        </p:txBody>
-      </p:sp>
-      <p:sp>
-        <p:nvSpPr>
-          <p:cNvPr id="3" name="Subtitle 2"/>
-          <p:cNvSpPr>
-            <a:spLocks noGrp="1"/>
-          </p:cNvSpPr>
-          <p:nvPr>
-            <p:ph type="subTitle" idx="1"/>
-          </p:nvPr>
-        </p:nvSpPr>
-        <p:spPr/>
-        <p:txBody>
-          <a:bodyPr/>
-          <a:lstStyle/>
-          <a:p>
-            <a:r>
-              <a:rPr lang="en-US" sz="4000" dirty="0"/>
-              <a:t>http://</a:t>
-            </a:r>
-            <a:r>
-              <a:rPr lang="en-US" sz="4000" dirty="0" smtClean="0"/>
-              <a:t>bit.ly/1RfYZxm</a:t>
-            </a:r>
-          </a:p>
-          <a:p>
-            <a:r>
-              <a:rPr lang="en-US" dirty="0" smtClean="0"/>
-              <a:t>Worth mentioning: There are additional </a:t>
-            </a:r>
-            <a:r>
-              <a:rPr lang="en-US" dirty="0" err="1" smtClean="0"/>
-              <a:t>slidedecks</a:t>
-            </a:r>
-            <a:r>
-              <a:rPr lang="en-US" dirty="0" smtClean="0"/>
-              <a:t> by the above authors on Maps, Pie Charts, and even Data Tables</a:t>
-            </a:r>
-            <a:endParaRPr lang="en-US" dirty="0"/>
-          </a:p>
-        </p:txBody>
-      </p:sp>
-    </p:spTree>
-    <p:extLst>
-      <p:ext uri="{BB962C8B-B14F-4D97-AF65-F5344CB8AC3E}">
-        <p14:creationId xmlns:p14="http://schemas.microsoft.com/office/powerpoint/2010/main" val="4186733631"/>
-      </p:ext>
-    </p:extLst>
-  </p:cSld>
-  <p:clrMapOvr>
-    <a:masterClrMapping/>
-  </p:clrMapOvr>
-</p:sld>
-</file>
-
-<file path=ppt/slides/slide32.xml><?xml version="1.0" encoding="utf-8"?>
-<p:sld xmlns:a="http://schemas.openxmlformats.org/drawingml/2006/main" xmlns:r="http://schemas.openxmlformats.org/officeDocument/2006/relationships" xmlns:p="http://schemas.openxmlformats.org/presentationml/2006/main">
-  <p:cSld>
-    <p:spTree>
-      <p:nvGrpSpPr>
-        <p:cNvPr id="1" name=""/>
-        <p:cNvGrpSpPr/>
-        <p:nvPr/>
-      </p:nvGrpSpPr>
-      <p:grpSpPr>
-        <a:xfrm>
-          <a:off x="0" y="0"/>
-          <a:ext cx="0" cy="0"/>
-          <a:chOff x="0" y="0"/>
-          <a:chExt cx="0" cy="0"/>
-        </a:xfrm>
-      </p:grpSpPr>
-      <p:sp>
-        <p:nvSpPr>
-          <p:cNvPr id="2" name="Title 1"/>
-          <p:cNvSpPr>
-            <a:spLocks noGrp="1"/>
-          </p:cNvSpPr>
-          <p:nvPr>
-            <p:ph type="ctrTitle"/>
-          </p:nvPr>
-        </p:nvSpPr>
-        <p:spPr>
-          <a:xfrm>
-            <a:off x="987829" y="108066"/>
-            <a:ext cx="10216342" cy="1273838"/>
-          </a:xfrm>
-        </p:spPr>
-        <p:txBody>
-          <a:bodyPr/>
-          <a:lstStyle/>
-          <a:p>
-            <a:r>
-              <a:rPr lang="en-US" dirty="0" smtClean="0"/>
-              <a:t>Advanced d3 Abilities</a:t>
-            </a:r>
-            <a:endParaRPr lang="en-US" dirty="0"/>
-          </a:p>
-        </p:txBody>
-      </p:sp>
-      <p:sp>
-        <p:nvSpPr>
-          <p:cNvPr id="3" name="Subtitle 2"/>
-          <p:cNvSpPr>
-            <a:spLocks noGrp="1"/>
-          </p:cNvSpPr>
-          <p:nvPr>
-            <p:ph type="subTitle" idx="1"/>
-          </p:nvPr>
-        </p:nvSpPr>
-        <p:spPr>
-          <a:xfrm>
-            <a:off x="201337" y="1975104"/>
-            <a:ext cx="6317673" cy="4160559"/>
-          </a:xfrm>
-        </p:spPr>
-        <p:txBody>
-          <a:bodyPr>
-            <a:normAutofit/>
-          </a:bodyPr>
-          <a:lstStyle/>
-          <a:p>
-            <a:pPr algn="l"/>
-            <a:r>
-              <a:rPr lang="en-US" b="1" dirty="0"/>
-              <a:t>Curve Interpolations: </a:t>
-            </a:r>
-            <a:r>
-              <a:rPr lang="en-US" dirty="0"/>
-              <a:t>http://</a:t>
-            </a:r>
-            <a:r>
-              <a:rPr lang="en-US" dirty="0" smtClean="0"/>
-              <a:t>bit.ly/2xR9VxX</a:t>
-            </a:r>
-            <a:endParaRPr lang="en-US" dirty="0"/>
-          </a:p>
-          <a:p>
-            <a:pPr algn="l"/>
-            <a:r>
-              <a:rPr lang="en-US" b="1" dirty="0" err="1" smtClean="0"/>
-              <a:t>Voronoi</a:t>
-            </a:r>
-            <a:r>
-              <a:rPr lang="en-US" b="1" dirty="0" smtClean="0"/>
-              <a:t>: </a:t>
-            </a:r>
-            <a:r>
-              <a:rPr lang="en-US" dirty="0"/>
-              <a:t>http://</a:t>
-            </a:r>
-            <a:r>
-              <a:rPr lang="en-US" dirty="0" smtClean="0"/>
-              <a:t>bit.ly/2gK35mi </a:t>
-            </a:r>
-          </a:p>
-          <a:p>
-            <a:pPr algn="l"/>
-            <a:r>
-              <a:rPr lang="en-US" dirty="0"/>
-              <a:t>	https://</a:t>
-            </a:r>
-            <a:r>
-              <a:rPr lang="en-US" dirty="0" smtClean="0"/>
-              <a:t>bl.ocks.org/mbostock/4060366</a:t>
-            </a:r>
-          </a:p>
-          <a:p>
-            <a:pPr algn="l"/>
-            <a:r>
-              <a:rPr lang="en-US" b="1" dirty="0" smtClean="0"/>
-              <a:t>Zooming: </a:t>
-            </a:r>
-            <a:r>
-              <a:rPr lang="en-US" dirty="0"/>
-              <a:t>http://</a:t>
-            </a:r>
-            <a:r>
-              <a:rPr lang="en-US" dirty="0" smtClean="0"/>
-              <a:t>bit.ly/2f6WYsg</a:t>
-            </a:r>
-          </a:p>
-          <a:p>
-            <a:pPr algn="l"/>
-            <a:r>
-              <a:rPr lang="en-US" b="1" dirty="0" smtClean="0"/>
-              <a:t>Brushing/Zooming: </a:t>
-            </a:r>
-            <a:r>
-              <a:rPr lang="en-US" dirty="0"/>
-              <a:t>http://bit.ly/2lTjfef</a:t>
-            </a:r>
-            <a:endParaRPr lang="en-US" dirty="0" smtClean="0"/>
-          </a:p>
-          <a:p>
-            <a:pPr algn="l"/>
-            <a:r>
-              <a:rPr lang="en-US" b="1" dirty="0" smtClean="0"/>
-              <a:t>Stacking:</a:t>
-            </a:r>
-            <a:r>
-              <a:rPr lang="en-US" dirty="0"/>
-              <a:t> http://</a:t>
-            </a:r>
-            <a:r>
-              <a:rPr lang="en-US" dirty="0" smtClean="0"/>
-              <a:t>bl.ocks.org/mbostock/582915</a:t>
-            </a:r>
-          </a:p>
-          <a:p>
-            <a:pPr algn="l"/>
-            <a:r>
-              <a:rPr lang="en-US" b="1" dirty="0" smtClean="0"/>
-              <a:t>Collision Constraint: </a:t>
-            </a:r>
-            <a:r>
-              <a:rPr lang="en-US" dirty="0"/>
-              <a:t>http://</a:t>
-            </a:r>
-            <a:r>
-              <a:rPr lang="en-US" dirty="0" smtClean="0"/>
-              <a:t>bit.ly/2vOPk05</a:t>
-            </a:r>
-          </a:p>
-          <a:p>
-            <a:pPr algn="l"/>
-            <a:r>
-              <a:rPr lang="en-US" b="1" dirty="0" smtClean="0"/>
-              <a:t>Dragging: </a:t>
-            </a:r>
-            <a:r>
-              <a:rPr lang="en-US" dirty="0"/>
-              <a:t>http://</a:t>
-            </a:r>
-            <a:r>
-              <a:rPr lang="en-US" dirty="0" smtClean="0"/>
-              <a:t>bit.ly/2j6x5gH</a:t>
-            </a:r>
-          </a:p>
-          <a:p>
-            <a:pPr algn="l"/>
-            <a:r>
-              <a:rPr lang="en-US" b="1" dirty="0" smtClean="0"/>
-              <a:t>“Each”: </a:t>
-            </a:r>
-            <a:r>
-              <a:rPr lang="en-US" dirty="0"/>
-              <a:t>https://</a:t>
-            </a:r>
-            <a:r>
-              <a:rPr lang="en-US" dirty="0" smtClean="0"/>
-              <a:t>bl.ocks.org/mbostock/9490313</a:t>
-            </a:r>
-          </a:p>
-          <a:p>
-            <a:pPr algn="l"/>
-            <a:endParaRPr lang="en-US" dirty="0"/>
-          </a:p>
-        </p:txBody>
-      </p:sp>
-      <p:sp>
-        <p:nvSpPr>
-          <p:cNvPr id="4" name="Rectangle 3"/>
-          <p:cNvSpPr/>
-          <p:nvPr/>
-        </p:nvSpPr>
-        <p:spPr>
-          <a:xfrm>
-            <a:off x="6519010" y="3085888"/>
-            <a:ext cx="6096000" cy="1938992"/>
-          </a:xfrm>
-          <a:prstGeom prst="rect">
-            <a:avLst/>
-          </a:prstGeom>
-        </p:spPr>
-        <p:txBody>
-          <a:bodyPr>
-            <a:spAutoFit/>
-          </a:bodyPr>
-          <a:lstStyle/>
-          <a:p>
-            <a:r>
-              <a:rPr lang="en-US" sz="2400" b="1" dirty="0"/>
-              <a:t>Dispatching</a:t>
-            </a:r>
-            <a:r>
-              <a:rPr lang="en-US" sz="2400" dirty="0"/>
-              <a:t> (super advanced): https://</a:t>
-            </a:r>
-            <a:r>
-              <a:rPr lang="en-US" sz="2400" dirty="0" smtClean="0"/>
-              <a:t>bl.ocks.org/mbostock/5872848</a:t>
-            </a:r>
-          </a:p>
-          <a:p>
-            <a:endParaRPr lang="en-US" sz="2400" dirty="0"/>
-          </a:p>
-          <a:p>
-            <a:r>
-              <a:rPr lang="en-US" sz="2400" b="1" dirty="0"/>
-              <a:t>Modules/Plugins</a:t>
-            </a:r>
-            <a:r>
-              <a:rPr lang="en-US" sz="2400" dirty="0"/>
-              <a:t> (</a:t>
-            </a:r>
-            <a:r>
-              <a:rPr lang="en-US" sz="2400" i="1" dirty="0"/>
-              <a:t>most</a:t>
-            </a:r>
-            <a:r>
-              <a:rPr lang="en-US" sz="2400" dirty="0"/>
-              <a:t> advanced):</a:t>
-            </a:r>
-          </a:p>
-          <a:p>
-            <a:r>
-              <a:rPr lang="en-US" sz="2400" dirty="0"/>
-              <a:t>https://bost.ocks.org/mike/d3-plugin/</a:t>
-            </a:r>
-          </a:p>
-        </p:txBody>
-      </p:sp>
-    </p:spTree>
-    <p:extLst>
-      <p:ext uri="{BB962C8B-B14F-4D97-AF65-F5344CB8AC3E}">
-        <p14:creationId xmlns:p14="http://schemas.microsoft.com/office/powerpoint/2010/main" val="3499195240"/>
-      </p:ext>
-    </p:extLst>
-  </p:cSld>
-  <p:clrMapOvr>
-    <a:masterClrMapping/>
-  </p:clrMapOvr>
-</p:sld>
-</file>
-
-<file path=ppt/slides/slide33.xml><?xml version="1.0" encoding="utf-8"?>
-<p:sld xmlns:a="http://schemas.openxmlformats.org/drawingml/2006/main" xmlns:r="http://schemas.openxmlformats.org/officeDocument/2006/relationships" xmlns:p="http://schemas.openxmlformats.org/presentationml/2006/main">
-  <p:cSld>
-    <p:spTree>
-      <p:nvGrpSpPr>
-        <p:cNvPr id="1" name=""/>
-        <p:cNvGrpSpPr/>
-        <p:nvPr/>
-      </p:nvGrpSpPr>
-      <p:grpSpPr>
-        <a:xfrm>
-          <a:off x="0" y="0"/>
-          <a:ext cx="0" cy="0"/>
-          <a:chOff x="0" y="0"/>
-          <a:chExt cx="0" cy="0"/>
-        </a:xfrm>
-      </p:grpSpPr>
-      <p:sp>
-        <p:nvSpPr>
-          <p:cNvPr id="2" name="Title 1"/>
-          <p:cNvSpPr>
-            <a:spLocks noGrp="1"/>
-          </p:cNvSpPr>
-          <p:nvPr>
-            <p:ph type="ctrTitle"/>
-          </p:nvPr>
-        </p:nvSpPr>
-        <p:spPr/>
-        <p:txBody>
-          <a:bodyPr/>
-          <a:lstStyle/>
-          <a:p>
-            <a:r>
-              <a:rPr lang="en-US" dirty="0" smtClean="0"/>
-              <a:t>SVG Documentation</a:t>
-            </a:r>
-            <a:endParaRPr lang="en-US" dirty="0"/>
-          </a:p>
-        </p:txBody>
-      </p:sp>
-      <p:sp>
-        <p:nvSpPr>
-          <p:cNvPr id="3" name="Subtitle 2"/>
-          <p:cNvSpPr>
-            <a:spLocks noGrp="1"/>
-          </p:cNvSpPr>
-          <p:nvPr>
-            <p:ph type="subTitle" idx="1"/>
-          </p:nvPr>
-        </p:nvSpPr>
-        <p:spPr/>
-        <p:txBody>
-          <a:bodyPr/>
-          <a:lstStyle/>
-          <a:p>
-            <a:r>
-              <a:rPr lang="en-US" sz="4000" dirty="0"/>
-              <a:t>https://</a:t>
-            </a:r>
-            <a:r>
-              <a:rPr lang="en-US" sz="4000" dirty="0" smtClean="0"/>
-              <a:t>mzl.la/1nP24aN</a:t>
-            </a:r>
-          </a:p>
-          <a:p>
-            <a:r>
-              <a:rPr lang="en-US" dirty="0" smtClean="0"/>
-              <a:t>Check it: this is good to be familiar with, as is all of MDN</a:t>
-            </a:r>
-            <a:endParaRPr lang="en-US" dirty="0"/>
-          </a:p>
-        </p:txBody>
-      </p:sp>
-    </p:spTree>
-    <p:extLst>
-      <p:ext uri="{BB962C8B-B14F-4D97-AF65-F5344CB8AC3E}">
-        <p14:creationId xmlns:p14="http://schemas.microsoft.com/office/powerpoint/2010/main" val="3991108098"/>
-      </p:ext>
-    </p:extLst>
-  </p:cSld>
-  <p:clrMapOvr>
-    <a:masterClrMapping/>
-  </p:clrMapOvr>
-</p:sld>
-</file>
-
-<file path=ppt/slides/slide34.xml><?xml version="1.0" encoding="utf-8"?>
-<p:sld xmlns:a="http://schemas.openxmlformats.org/drawingml/2006/main" xmlns:r="http://schemas.openxmlformats.org/officeDocument/2006/relationships" xmlns:p="http://schemas.openxmlformats.org/presentationml/2006/main">
-  <p:cSld>
-    <p:spTree>
-      <p:nvGrpSpPr>
-        <p:cNvPr id="1" name=""/>
-        <p:cNvGrpSpPr/>
-        <p:nvPr/>
-      </p:nvGrpSpPr>
-      <p:grpSpPr>
-        <a:xfrm>
-          <a:off x="0" y="0"/>
-          <a:ext cx="0" cy="0"/>
-          <a:chOff x="0" y="0"/>
-          <a:chExt cx="0" cy="0"/>
-        </a:xfrm>
-      </p:grpSpPr>
-      <p:sp>
-        <p:nvSpPr>
-          <p:cNvPr id="2" name="Title 1"/>
-          <p:cNvSpPr>
-            <a:spLocks noGrp="1"/>
-          </p:cNvSpPr>
-          <p:nvPr>
-            <p:ph type="ctrTitle"/>
-          </p:nvPr>
-        </p:nvSpPr>
-        <p:spPr/>
-        <p:txBody>
-          <a:bodyPr/>
-          <a:lstStyle/>
-          <a:p>
-            <a:r>
-              <a:rPr lang="en-US" dirty="0" smtClean="0"/>
-              <a:t>SVG Level 2</a:t>
-            </a:r>
-            <a:endParaRPr lang="en-US" dirty="0"/>
-          </a:p>
-        </p:txBody>
-      </p:sp>
-      <p:sp>
-        <p:nvSpPr>
-          <p:cNvPr id="3" name="Subtitle 2"/>
-          <p:cNvSpPr>
-            <a:spLocks noGrp="1"/>
-          </p:cNvSpPr>
-          <p:nvPr>
-            <p:ph type="subTitle" idx="1"/>
-          </p:nvPr>
-        </p:nvSpPr>
-        <p:spPr/>
-        <p:txBody>
-          <a:bodyPr/>
-          <a:lstStyle/>
-          <a:p>
-            <a:r>
-              <a:rPr lang="en-US" sz="4000" dirty="0"/>
-              <a:t>http://</a:t>
-            </a:r>
-            <a:r>
-              <a:rPr lang="en-US" sz="4000" dirty="0" smtClean="0"/>
-              <a:t>bit.ly/2xdgJsI</a:t>
-            </a:r>
-          </a:p>
-          <a:p>
-            <a:r>
-              <a:rPr lang="en-US" dirty="0" smtClean="0"/>
-              <a:t>Plug: </a:t>
-            </a:r>
-            <a:r>
-              <a:rPr lang="en-US" dirty="0" err="1" smtClean="0"/>
-              <a:t>VisualCinnamon</a:t>
-            </a:r>
-            <a:r>
-              <a:rPr lang="en-US" dirty="0" smtClean="0"/>
-              <a:t> is extraordinary. Their work on SVG in particular is the best I have found to date.</a:t>
-            </a:r>
-            <a:endParaRPr lang="en-US" dirty="0"/>
-          </a:p>
-        </p:txBody>
-      </p:sp>
-    </p:spTree>
-    <p:extLst>
-      <p:ext uri="{BB962C8B-B14F-4D97-AF65-F5344CB8AC3E}">
-        <p14:creationId xmlns:p14="http://schemas.microsoft.com/office/powerpoint/2010/main" val="3830241924"/>
-      </p:ext>
-    </p:extLst>
-  </p:cSld>
-  <p:clrMapOvr>
-    <a:masterClrMapping/>
-  </p:clrMapOvr>
-</p:sld>
-</file>
-
-<file path=ppt/slides/slide35.xml><?xml version="1.0" encoding="utf-8"?>
-<p:sld xmlns:a="http://schemas.openxmlformats.org/drawingml/2006/main" xmlns:r="http://schemas.openxmlformats.org/officeDocument/2006/relationships" xmlns:p="http://schemas.openxmlformats.org/presentationml/2006/main">
-  <p:cSld>
-    <p:spTree>
-      <p:nvGrpSpPr>
-        <p:cNvPr id="1" name=""/>
-        <p:cNvGrpSpPr/>
-        <p:nvPr/>
-      </p:nvGrpSpPr>
-      <p:grpSpPr>
-        <a:xfrm>
-          <a:off x="0" y="0"/>
-          <a:ext cx="0" cy="0"/>
-          <a:chOff x="0" y="0"/>
-          <a:chExt cx="0" cy="0"/>
-        </a:xfrm>
-      </p:grpSpPr>
-      <p:sp>
-        <p:nvSpPr>
-          <p:cNvPr id="2" name="Title 1"/>
-          <p:cNvSpPr>
-            <a:spLocks noGrp="1"/>
-          </p:cNvSpPr>
-          <p:nvPr>
-            <p:ph type="ctrTitle"/>
-          </p:nvPr>
-        </p:nvSpPr>
-        <p:spPr/>
-        <p:txBody>
-          <a:bodyPr/>
-          <a:lstStyle/>
-          <a:p>
-            <a:r>
-              <a:rPr lang="en-US" dirty="0" smtClean="0"/>
-              <a:t>Maps in D3</a:t>
-            </a:r>
-            <a:endParaRPr lang="en-US" dirty="0"/>
-          </a:p>
-        </p:txBody>
-      </p:sp>
-      <p:sp>
-        <p:nvSpPr>
-          <p:cNvPr id="3" name="Subtitle 2"/>
-          <p:cNvSpPr>
-            <a:spLocks noGrp="1"/>
-          </p:cNvSpPr>
-          <p:nvPr>
-            <p:ph type="subTitle" idx="1"/>
-          </p:nvPr>
-        </p:nvSpPr>
-        <p:spPr>
-          <a:xfrm>
-            <a:off x="1524000" y="3602037"/>
-            <a:ext cx="9144000" cy="2083868"/>
-          </a:xfrm>
-        </p:spPr>
-        <p:txBody>
-          <a:bodyPr>
-            <a:normAutofit lnSpcReduction="10000"/>
-          </a:bodyPr>
-          <a:lstStyle/>
-          <a:p>
-            <a:r>
-              <a:rPr lang="en-US" sz="4000" dirty="0"/>
-              <a:t>http://bit.ly/2f7o4Q5</a:t>
-            </a:r>
-            <a:endParaRPr lang="en-US" sz="6000" dirty="0" smtClean="0"/>
-          </a:p>
-          <a:p>
-            <a:r>
-              <a:rPr lang="en-US" sz="4000" dirty="0" smtClean="0"/>
-              <a:t>http</a:t>
-            </a:r>
-            <a:r>
-              <a:rPr lang="en-US" sz="4000" dirty="0"/>
-              <a:t>://</a:t>
-            </a:r>
-            <a:r>
-              <a:rPr lang="en-US" sz="4000" dirty="0" smtClean="0"/>
-              <a:t>oreil.ly/1UnNtFe</a:t>
-            </a:r>
-          </a:p>
-          <a:p>
-            <a:r>
-              <a:rPr lang="en-US" dirty="0" smtClean="0"/>
-              <a:t>Warning: This is advanced level!</a:t>
-            </a:r>
-          </a:p>
-          <a:p>
-            <a:r>
-              <a:rPr lang="en-US" sz="2000" dirty="0" smtClean="0"/>
-              <a:t>Also: The d3 library contains geo maps of many kinds already.</a:t>
-            </a:r>
-            <a:endParaRPr lang="en-US" sz="2000" dirty="0"/>
-          </a:p>
-        </p:txBody>
-      </p:sp>
-    </p:spTree>
-    <p:extLst>
-      <p:ext uri="{BB962C8B-B14F-4D97-AF65-F5344CB8AC3E}">
-        <p14:creationId xmlns:p14="http://schemas.microsoft.com/office/powerpoint/2010/main" val="1384479126"/>
-      </p:ext>
-    </p:extLst>
-  </p:cSld>
-  <p:clrMapOvr>
-    <a:masterClrMapping/>
-  </p:clrMapOvr>
-</p:sld>
-</file>
-
-<file path=ppt/slides/slide36.xml><?xml version="1.0" encoding="utf-8"?>
-<p:sld xmlns:a="http://schemas.openxmlformats.org/drawingml/2006/main" xmlns:r="http://schemas.openxmlformats.org/officeDocument/2006/relationships" xmlns:p="http://schemas.openxmlformats.org/presentationml/2006/main">
-  <p:cSld>
-    <p:spTree>
-      <p:nvGrpSpPr>
-        <p:cNvPr id="1" name=""/>
-        <p:cNvGrpSpPr/>
-        <p:nvPr/>
-      </p:nvGrpSpPr>
-      <p:grpSpPr>
-        <a:xfrm>
-          <a:off x="0" y="0"/>
-          <a:ext cx="0" cy="0"/>
-          <a:chOff x="0" y="0"/>
-          <a:chExt cx="0" cy="0"/>
-        </a:xfrm>
-      </p:grpSpPr>
-      <p:sp>
-        <p:nvSpPr>
-          <p:cNvPr id="2" name="Title 1"/>
-          <p:cNvSpPr>
-            <a:spLocks noGrp="1"/>
-          </p:cNvSpPr>
-          <p:nvPr>
-            <p:ph type="ctrTitle"/>
-          </p:nvPr>
-        </p:nvSpPr>
-        <p:spPr/>
-        <p:txBody>
-          <a:bodyPr/>
-          <a:lstStyle/>
-          <a:p>
-            <a:r>
-              <a:rPr lang="en-US" dirty="0" smtClean="0"/>
-              <a:t>D3’s Extensive Library:</a:t>
-            </a:r>
-            <a:endParaRPr lang="en-US" dirty="0"/>
-          </a:p>
-        </p:txBody>
-      </p:sp>
-      <p:sp>
-        <p:nvSpPr>
-          <p:cNvPr id="3" name="Subtitle 2"/>
-          <p:cNvSpPr>
-            <a:spLocks noGrp="1"/>
-          </p:cNvSpPr>
-          <p:nvPr>
-            <p:ph type="subTitle" idx="1"/>
-          </p:nvPr>
-        </p:nvSpPr>
-        <p:spPr>
-          <a:xfrm>
-            <a:off x="713509" y="3509963"/>
-            <a:ext cx="10764982" cy="3056457"/>
-          </a:xfrm>
-        </p:spPr>
-        <p:txBody>
-          <a:bodyPr>
-            <a:normAutofit/>
-          </a:bodyPr>
-          <a:lstStyle/>
-          <a:p>
-            <a:pPr algn="l"/>
-            <a:r>
-              <a:rPr lang="en-US" sz="4000" dirty="0"/>
-              <a:t>https://github.com/d3/d3/blob/master/API.md</a:t>
-            </a:r>
-          </a:p>
-          <a:p>
-            <a:pPr algn="l"/>
-            <a:endParaRPr lang="en-US" dirty="0" smtClean="0"/>
-          </a:p>
-          <a:p>
-            <a:pPr algn="l"/>
-            <a:r>
-              <a:rPr lang="en-US" dirty="0" smtClean="0"/>
-              <a:t>Statistics</a:t>
-            </a:r>
-            <a:r>
-              <a:rPr lang="en-US" dirty="0"/>
-              <a:t>, histograms (4 kinds), ES6’s Map/Set, Nesting, Data Ingestion (CSV, TSV, </a:t>
-            </a:r>
-            <a:r>
-              <a:rPr lang="en-US" dirty="0" err="1"/>
-              <a:t>etc</a:t>
-            </a:r>
-            <a:r>
-              <a:rPr lang="en-US" dirty="0"/>
-              <a:t>), many </a:t>
-            </a:r>
-            <a:r>
-              <a:rPr lang="en-US" dirty="0" smtClean="0"/>
-              <a:t>animation/easing/time </a:t>
-            </a:r>
-            <a:r>
-              <a:rPr lang="en-US" dirty="0"/>
-              <a:t>options, force/physics, geography and projections, spherical maps/math, and that is just the first 25% of it: </a:t>
-            </a:r>
-          </a:p>
-          <a:p>
-            <a:endParaRPr lang="en-US" dirty="0"/>
-          </a:p>
-        </p:txBody>
-      </p:sp>
-    </p:spTree>
-    <p:extLst>
-      <p:ext uri="{BB962C8B-B14F-4D97-AF65-F5344CB8AC3E}">
-        <p14:creationId xmlns:p14="http://schemas.microsoft.com/office/powerpoint/2010/main" val="1065099257"/>
-      </p:ext>
-    </p:extLst>
-  </p:cSld>
-  <p:clrMapOvr>
-    <a:masterClrMapping/>
-  </p:clrMapOvr>
-</p:sld>
-</file>
-
-<file path=ppt/slides/slide37.xml><?xml version="1.0" encoding="utf-8"?>
-<p:sld xmlns:a="http://schemas.openxmlformats.org/drawingml/2006/main" xmlns:r="http://schemas.openxmlformats.org/officeDocument/2006/relationships" xmlns:p="http://schemas.openxmlformats.org/presentationml/2006/main">
-  <p:cSld>
-    <p:spTree>
-      <p:nvGrpSpPr>
-        <p:cNvPr id="1" name=""/>
-        <p:cNvGrpSpPr/>
-        <p:nvPr/>
-      </p:nvGrpSpPr>
-      <p:grpSpPr>
-        <a:xfrm>
-          <a:off x="0" y="0"/>
-          <a:ext cx="0" cy="0"/>
-          <a:chOff x="0" y="0"/>
-          <a:chExt cx="0" cy="0"/>
-        </a:xfrm>
-      </p:grpSpPr>
-      <p:sp>
-        <p:nvSpPr>
-          <p:cNvPr id="2" name="Title 1"/>
-          <p:cNvSpPr>
-            <a:spLocks noGrp="1"/>
-          </p:cNvSpPr>
-          <p:nvPr>
-            <p:ph type="ctrTitle"/>
-          </p:nvPr>
-        </p:nvSpPr>
-        <p:spPr/>
-        <p:txBody>
-          <a:bodyPr/>
-          <a:lstStyle/>
-          <a:p>
-            <a:r>
-              <a:rPr lang="en-US" dirty="0" smtClean="0"/>
-              <a:t>Canvas and D3</a:t>
-            </a:r>
-            <a:endParaRPr lang="en-US" dirty="0"/>
-          </a:p>
-        </p:txBody>
-      </p:sp>
-      <p:sp>
-        <p:nvSpPr>
-          <p:cNvPr id="3" name="Subtitle 2"/>
-          <p:cNvSpPr>
-            <a:spLocks noGrp="1"/>
-          </p:cNvSpPr>
-          <p:nvPr>
-            <p:ph type="subTitle" idx="1"/>
-          </p:nvPr>
-        </p:nvSpPr>
-        <p:spPr>
-          <a:xfrm>
-            <a:off x="1524000" y="3602038"/>
-            <a:ext cx="9144000" cy="1975802"/>
-          </a:xfrm>
-        </p:spPr>
-        <p:txBody>
-          <a:bodyPr>
-            <a:normAutofit/>
-          </a:bodyPr>
-          <a:lstStyle/>
-          <a:p>
-            <a:r>
-              <a:rPr lang="en-US" sz="4000" dirty="0"/>
-              <a:t>http://</a:t>
-            </a:r>
-            <a:r>
-              <a:rPr lang="en-US" sz="4000" dirty="0" smtClean="0"/>
-              <a:t>bit.ly/2xRh9Ci</a:t>
-            </a:r>
-          </a:p>
-          <a:p>
-            <a:r>
-              <a:rPr lang="en-US" dirty="0" smtClean="0"/>
-              <a:t>Important: Canvas is a native web technology, similar to SVG. You can google the comparisons, but it is a good option if you need serious performance over visual quality.</a:t>
-            </a:r>
-            <a:endParaRPr lang="en-US" dirty="0"/>
-          </a:p>
-        </p:txBody>
-      </p:sp>
-    </p:spTree>
-    <p:extLst>
-      <p:ext uri="{BB962C8B-B14F-4D97-AF65-F5344CB8AC3E}">
-        <p14:creationId xmlns:p14="http://schemas.microsoft.com/office/powerpoint/2010/main" val="963137399"/>
-      </p:ext>
-    </p:extLst>
-  </p:cSld>
-  <p:clrMapOvr>
-    <a:masterClrMapping/>
-  </p:clrMapOvr>
-</p:sld>
-</file>
-
-<file path=ppt/slides/slide38.xml><?xml version="1.0" encoding="utf-8"?>
-<p:sld xmlns:a="http://schemas.openxmlformats.org/drawingml/2006/main" xmlns:r="http://schemas.openxmlformats.org/officeDocument/2006/relationships" xmlns:p="http://schemas.openxmlformats.org/presentationml/2006/main">
-  <p:cSld>
-    <p:spTree>
-      <p:nvGrpSpPr>
-        <p:cNvPr id="1" name=""/>
-        <p:cNvGrpSpPr/>
-        <p:nvPr/>
-      </p:nvGrpSpPr>
-      <p:grpSpPr>
-        <a:xfrm>
-          <a:off x="0" y="0"/>
-          <a:ext cx="0" cy="0"/>
-          <a:chOff x="0" y="0"/>
-          <a:chExt cx="0" cy="0"/>
-        </a:xfrm>
-      </p:grpSpPr>
-      <p:sp>
-        <p:nvSpPr>
-          <p:cNvPr id="2" name="Title 1"/>
-          <p:cNvSpPr>
-            <a:spLocks noGrp="1"/>
-          </p:cNvSpPr>
-          <p:nvPr>
-            <p:ph type="title"/>
-          </p:nvPr>
-        </p:nvSpPr>
-        <p:spPr>
-          <a:xfrm>
-            <a:off x="838200" y="1695162"/>
-            <a:ext cx="10515600" cy="1325563"/>
-          </a:xfrm>
-        </p:spPr>
-        <p:txBody>
-          <a:bodyPr>
-            <a:noAutofit/>
-          </a:bodyPr>
-          <a:lstStyle/>
-          <a:p>
-            <a:pPr algn="ctr"/>
-            <a:r>
-              <a:rPr lang="en-US" sz="6000" dirty="0" smtClean="0"/>
-              <a:t>Data Processing in JS</a:t>
-            </a:r>
-            <a:endParaRPr lang="en-US" sz="6000" dirty="0"/>
-          </a:p>
-        </p:txBody>
-      </p:sp>
-      <p:sp>
-        <p:nvSpPr>
-          <p:cNvPr id="3" name="Content Placeholder 2"/>
-          <p:cNvSpPr>
-            <a:spLocks noGrp="1"/>
-          </p:cNvSpPr>
-          <p:nvPr>
-            <p:ph idx="1"/>
-          </p:nvPr>
-        </p:nvSpPr>
-        <p:spPr>
-          <a:xfrm>
-            <a:off x="838200" y="3155662"/>
-            <a:ext cx="10515600" cy="1424651"/>
-          </a:xfrm>
-        </p:spPr>
-        <p:txBody>
-          <a:bodyPr>
-            <a:normAutofit/>
-          </a:bodyPr>
-          <a:lstStyle/>
-          <a:p>
-            <a:pPr marL="0" indent="0" algn="ctr">
-              <a:buNone/>
-            </a:pPr>
-            <a:r>
-              <a:rPr lang="en-US" sz="4000" dirty="0"/>
-              <a:t>http://</a:t>
-            </a:r>
-            <a:r>
-              <a:rPr lang="en-US" sz="4000" dirty="0" smtClean="0"/>
-              <a:t>learnjsdata.com/index.html</a:t>
-            </a:r>
-          </a:p>
-          <a:p>
-            <a:pPr marL="0" indent="0" algn="ctr">
-              <a:buNone/>
-            </a:pPr>
-            <a:r>
-              <a:rPr lang="en-US" sz="2400" dirty="0" smtClean="0"/>
-              <a:t>Note: optional resource. This is very nice to have handy.</a:t>
-            </a:r>
-            <a:endParaRPr lang="en-US" sz="2400" dirty="0"/>
-          </a:p>
-        </p:txBody>
-      </p:sp>
-    </p:spTree>
-    <p:extLst>
-      <p:ext uri="{BB962C8B-B14F-4D97-AF65-F5344CB8AC3E}">
-        <p14:creationId xmlns:p14="http://schemas.microsoft.com/office/powerpoint/2010/main" val="3904340049"/>
-      </p:ext>
-    </p:extLst>
-  </p:cSld>
-  <p:clrMapOvr>
-    <a:masterClrMapping/>
-  </p:clrMapOvr>
-</p:sld>
-</file>
-
-<file path=ppt/slides/slide4.xml><?xml version="1.0" encoding="utf-8"?>
-<p:sld xmlns:a="http://schemas.openxmlformats.org/drawingml/2006/main" xmlns:r="http://schemas.openxmlformats.org/officeDocument/2006/relationships" xmlns:p="http://schemas.openxmlformats.org/presentationml/2006/main">
-  <p:cSld>
-    <p:spTree>
-      <p:nvGrpSpPr>
-        <p:cNvPr id="1" name=""/>
-        <p:cNvGrpSpPr/>
-        <p:nvPr/>
-      </p:nvGrpSpPr>
-      <p:grpSpPr>
-        <a:xfrm>
-          <a:off x="0" y="0"/>
-          <a:ext cx="0" cy="0"/>
-          <a:chOff x="0" y="0"/>
-          <a:chExt cx="0" cy="0"/>
-        </a:xfrm>
-      </p:grpSpPr>
-      <p:sp>
-        <p:nvSpPr>
-          <p:cNvPr id="2" name="Title 1"/>
-          <p:cNvSpPr>
-            <a:spLocks noGrp="1"/>
-          </p:cNvSpPr>
-          <p:nvPr>
-            <p:ph type="title"/>
-          </p:nvPr>
-        </p:nvSpPr>
-        <p:spPr/>
-        <p:txBody>
-          <a:bodyPr/>
-          <a:lstStyle/>
-          <a:p>
-            <a:r>
-              <a:rPr lang="en-US" dirty="0" smtClean="0"/>
-              <a:t>But why is it so hard?</a:t>
-            </a:r>
-            <a:endParaRPr lang="en-US" dirty="0"/>
-          </a:p>
-        </p:txBody>
-      </p:sp>
-      <p:sp>
-        <p:nvSpPr>
-          <p:cNvPr id="3" name="Content Placeholder 2"/>
-          <p:cNvSpPr>
-            <a:spLocks noGrp="1"/>
-          </p:cNvSpPr>
-          <p:nvPr>
-            <p:ph idx="1"/>
-          </p:nvPr>
-        </p:nvSpPr>
-        <p:spPr/>
-        <p:txBody>
-          <a:bodyPr/>
-          <a:lstStyle/>
+            <a:endParaRPr lang="en-US" dirty="0"/>
+          </a:p>
           <a:p>
             <a:pPr marL="0" indent="0">
               <a:buNone/>
             </a:pPr>
             <a:r>
               <a:rPr lang="en-US" dirty="0" smtClean="0"/>
-              <a:t>Why not </a:t>
-            </a:r>
-            <a:r>
-              <a:rPr lang="en-US" dirty="0"/>
-              <a:t>just </a:t>
-            </a:r>
-            <a:r>
-              <a:rPr lang="en-US" dirty="0" smtClean="0"/>
-              <a:t>something like </a:t>
-            </a:r>
-            <a:r>
-              <a:rPr lang="en-US" dirty="0" err="1" smtClean="0"/>
-              <a:t>chart_library.call</a:t>
-            </a:r>
-            <a:r>
-              <a:rPr lang="en-US" dirty="0" smtClean="0"/>
-              <a:t>(</a:t>
-            </a:r>
-            <a:r>
-              <a:rPr lang="en-US" dirty="0" err="1" smtClean="0"/>
-              <a:t>bargraph</a:t>
-            </a:r>
-            <a:r>
-              <a:rPr lang="en-US" dirty="0" smtClean="0"/>
-              <a:t>)?</a:t>
+              <a:t>These solutions exist and you should use them when appropriate:</a:t>
             </a:r>
           </a:p>
           <a:p>
             <a:pPr marL="0" indent="0">
               <a:buNone/>
             </a:pPr>
-            <a:endParaRPr lang="en-US" dirty="0"/>
-          </a:p>
-          <a:p>
-            <a:pPr marL="0" indent="0">
-              <a:buNone/>
-            </a:pPr>
-            <a:r>
-              <a:rPr lang="en-US" dirty="0" smtClean="0"/>
-              <a:t>These solutions exist and you should use them when appropriate:</a:t>
-            </a:r>
+            <a:r>
+              <a:rPr lang="en-US" dirty="0"/>
+              <a:t>	</a:t>
+            </a:r>
+            <a:r>
+              <a:rPr lang="en-US" dirty="0" err="1" smtClean="0"/>
+              <a:t>vega</a:t>
+            </a:r>
+            <a:r>
+              <a:rPr lang="en-US" dirty="0" smtClean="0"/>
+              <a:t>/</a:t>
+            </a:r>
+            <a:r>
+              <a:rPr lang="en-US" dirty="0" err="1" smtClean="0"/>
+              <a:t>vega</a:t>
+            </a:r>
+            <a:r>
+              <a:rPr lang="en-US" dirty="0" smtClean="0"/>
+              <a:t>-lite/</a:t>
+            </a:r>
+            <a:r>
+              <a:rPr lang="en-US" dirty="0" err="1" smtClean="0"/>
+              <a:t>altair</a:t>
+            </a:r>
+            <a:endParaRPr lang="en-US" dirty="0" smtClean="0"/>
           </a:p>
           <a:p>
             <a:pPr marL="0" indent="0">
@@ -9985,7 +6302,7 @@
 </p:sld>
 </file>
 
-<file path=ppt/slides/slide5.xml><?xml version="1.0" encoding="utf-8"?>
+<file path=ppt/slides/slide12.xml><?xml version="1.0" encoding="utf-8"?>
 <p:sld xmlns:a="http://schemas.openxmlformats.org/drawingml/2006/main" xmlns:r="http://schemas.openxmlformats.org/officeDocument/2006/relationships" xmlns:p="http://schemas.openxmlformats.org/presentationml/2006/main">
   <p:cSld>
     <p:spTree>
@@ -10103,7 +6420,7 @@
 </p:sld>
 </file>
 
-<file path=ppt/slides/slide6.xml><?xml version="1.0" encoding="utf-8"?>
+<file path=ppt/slides/slide13.xml><?xml version="1.0" encoding="utf-8"?>
 <p:sld xmlns:a="http://schemas.openxmlformats.org/drawingml/2006/main" xmlns:r="http://schemas.openxmlformats.org/officeDocument/2006/relationships" xmlns:p="http://schemas.openxmlformats.org/presentationml/2006/main">
   <p:cSld>
     <p:spTree>
@@ -10186,7 +6503,7 @@
 </p:sld>
 </file>
 
-<file path=ppt/slides/slide7.xml><?xml version="1.0" encoding="utf-8"?>
+<file path=ppt/slides/slide14.xml><?xml version="1.0" encoding="utf-8"?>
 <p:sld xmlns:a="http://schemas.openxmlformats.org/drawingml/2006/main" xmlns:r="http://schemas.openxmlformats.org/officeDocument/2006/relationships" xmlns:p="http://schemas.openxmlformats.org/presentationml/2006/main">
   <p:cSld>
     <p:spTree>
@@ -10363,7 +6680,7 @@
 </p:sld>
 </file>
 
-<file path=ppt/slides/slide8.xml><?xml version="1.0" encoding="utf-8"?>
+<file path=ppt/slides/slide15.xml><?xml version="1.0" encoding="utf-8"?>
 <p:sld xmlns:a="http://schemas.openxmlformats.org/drawingml/2006/main" xmlns:r="http://schemas.openxmlformats.org/officeDocument/2006/relationships" xmlns:p="http://schemas.openxmlformats.org/presentationml/2006/main">
   <p:cSld>
     <p:spTree>
@@ -10551,7 +6868,7 @@
 </p:sld>
 </file>
 
-<file path=ppt/slides/slide9.xml><?xml version="1.0" encoding="utf-8"?>
+<file path=ppt/slides/slide16.xml><?xml version="1.0" encoding="utf-8"?>
 <p:sld xmlns:a="http://schemas.openxmlformats.org/drawingml/2006/main" xmlns:r="http://schemas.openxmlformats.org/officeDocument/2006/relationships" xmlns:p="http://schemas.openxmlformats.org/presentationml/2006/main">
   <p:cSld>
     <p:spTree>
@@ -10590,7 +6907,14 @@
           <a:p>
             <a:r>
               <a:rPr lang="en-US" dirty="0" smtClean="0"/>
-              <a:t>Tableau</a:t>
+              <a:t>Tableau,</a:t>
+            </a:r>
+            <a:br>
+              <a:rPr lang="en-US" dirty="0" smtClean="0"/>
+            </a:br>
+            <a:r>
+              <a:rPr lang="en-US" dirty="0" smtClean="0"/>
+              <a:t>Vega</a:t>
             </a:r>
             <a:endParaRPr lang="en-US" dirty="0"/>
           </a:p>
@@ -10722,6 +7046,4694 @@
     <p:bldLst>
       <p:bldP spid="2" grpId="0"/>
     </p:bldLst>
+  </p:timing>
+</p:sld>
+</file>
+
+<file path=ppt/slides/slide17.xml><?xml version="1.0" encoding="utf-8"?>
+<p:sld xmlns:a="http://schemas.openxmlformats.org/drawingml/2006/main" xmlns:r="http://schemas.openxmlformats.org/officeDocument/2006/relationships" xmlns:p="http://schemas.openxmlformats.org/presentationml/2006/main">
+  <p:cSld>
+    <p:spTree>
+      <p:nvGrpSpPr>
+        <p:cNvPr id="1" name=""/>
+        <p:cNvGrpSpPr/>
+        <p:nvPr/>
+      </p:nvGrpSpPr>
+      <p:grpSpPr>
+        <a:xfrm>
+          <a:off x="0" y="0"/>
+          <a:ext cx="0" cy="0"/>
+          <a:chOff x="0" y="0"/>
+          <a:chExt cx="0" cy="0"/>
+        </a:xfrm>
+      </p:grpSpPr>
+      <p:sp>
+        <p:nvSpPr>
+          <p:cNvPr id="2" name="Title 1"/>
+          <p:cNvSpPr>
+            <a:spLocks noGrp="1"/>
+          </p:cNvSpPr>
+          <p:nvPr>
+            <p:ph type="title"/>
+          </p:nvPr>
+        </p:nvSpPr>
+        <p:spPr>
+          <a:xfrm>
+            <a:off x="1857797" y="2589200"/>
+            <a:ext cx="10515600" cy="1325563"/>
+          </a:xfrm>
+        </p:spPr>
+        <p:txBody>
+          <a:bodyPr/>
+          <a:lstStyle/>
+          <a:p>
+            <a:r>
+              <a:rPr lang="en-US" dirty="0" smtClean="0"/>
+              <a:t>D3 is tiramisu</a:t>
+            </a:r>
+            <a:endParaRPr lang="en-US" dirty="0"/>
+          </a:p>
+        </p:txBody>
+      </p:sp>
+      <p:pic>
+        <p:nvPicPr>
+          <p:cNvPr id="4098" name="Picture 2" descr="Image result for tiramisu"/>
+          <p:cNvPicPr>
+            <a:picLocks noChangeAspect="1" noChangeArrowheads="1"/>
+          </p:cNvPicPr>
+          <p:nvPr/>
+        </p:nvPicPr>
+        <p:blipFill rotWithShape="1">
+          <a:blip r:embed="rId3">
+            <a:extLst>
+              <a:ext uri="{28A0092B-C50C-407E-A947-70E740481C1C}">
+                <a14:useLocalDpi xmlns:a14="http://schemas.microsoft.com/office/drawing/2010/main" val="0"/>
+              </a:ext>
+            </a:extLst>
+          </a:blip>
+          <a:srcRect l="19797"/>
+          <a:stretch/>
+        </p:blipFill>
+        <p:spPr bwMode="auto">
+          <a:xfrm>
+            <a:off x="5664425" y="365125"/>
+            <a:ext cx="6174254" cy="5773715"/>
+          </a:xfrm>
+          <a:prstGeom prst="rect">
+            <a:avLst/>
+          </a:prstGeom>
+          <a:noFill/>
+          <a:extLst>
+            <a:ext uri="{909E8E84-426E-40DD-AFC4-6F175D3DCCD1}">
+              <a14:hiddenFill xmlns:a14="http://schemas.microsoft.com/office/drawing/2010/main">
+                <a:solidFill>
+                  <a:srgbClr val="FFFFFF"/>
+                </a:solidFill>
+              </a14:hiddenFill>
+            </a:ext>
+          </a:extLst>
+        </p:spPr>
+      </p:pic>
+    </p:spTree>
+    <p:extLst>
+      <p:ext uri="{BB962C8B-B14F-4D97-AF65-F5344CB8AC3E}">
+        <p14:creationId xmlns:p14="http://schemas.microsoft.com/office/powerpoint/2010/main" val="2863194031"/>
+      </p:ext>
+    </p:extLst>
+  </p:cSld>
+  <p:clrMapOvr>
+    <a:masterClrMapping/>
+  </p:clrMapOvr>
+  <p:timing>
+    <p:tnLst>
+      <p:par>
+        <p:cTn id="1" dur="indefinite" restart="never" nodeType="tmRoot">
+          <p:childTnLst>
+            <p:seq concurrent="1" nextAc="seek">
+              <p:cTn id="2" dur="indefinite" nodeType="mainSeq">
+                <p:childTnLst>
+                  <p:par>
+                    <p:cTn id="3" fill="hold">
+                      <p:stCondLst>
+                        <p:cond delay="indefinite"/>
+                      </p:stCondLst>
+                      <p:childTnLst>
+                        <p:par>
+                          <p:cTn id="4" fill="hold">
+                            <p:stCondLst>
+                              <p:cond delay="0"/>
+                            </p:stCondLst>
+                            <p:childTnLst>
+                              <p:par>
+                                <p:cTn id="5" presetID="1" presetClass="entr" presetSubtype="0" fill="hold" grpId="0" nodeType="clickEffect">
+                                  <p:stCondLst>
+                                    <p:cond delay="0"/>
+                                  </p:stCondLst>
+                                  <p:childTnLst>
+                                    <p:set>
+                                      <p:cBhvr>
+                                        <p:cTn id="6" dur="1" fill="hold">
+                                          <p:stCondLst>
+                                            <p:cond delay="0"/>
+                                          </p:stCondLst>
+                                        </p:cTn>
+                                        <p:tgtEl>
+                                          <p:spTgt spid="2"/>
+                                        </p:tgtEl>
+                                        <p:attrNameLst>
+                                          <p:attrName>style.visibility</p:attrName>
+                                        </p:attrNameLst>
+                                      </p:cBhvr>
+                                      <p:to>
+                                        <p:strVal val="visible"/>
+                                      </p:to>
+                                    </p:set>
+                                  </p:childTnLst>
+                                </p:cTn>
+                              </p:par>
+                            </p:childTnLst>
+                          </p:cTn>
+                        </p:par>
+                      </p:childTnLst>
+                    </p:cTn>
+                  </p:par>
+                </p:childTnLst>
+              </p:cTn>
+              <p:prevCondLst>
+                <p:cond evt="onPrev" delay="0">
+                  <p:tgtEl>
+                    <p:sldTgt/>
+                  </p:tgtEl>
+                </p:cond>
+              </p:prevCondLst>
+              <p:nextCondLst>
+                <p:cond evt="onNext" delay="0">
+                  <p:tgtEl>
+                    <p:sldTgt/>
+                  </p:tgtEl>
+                </p:cond>
+              </p:nextCondLst>
+            </p:seq>
+          </p:childTnLst>
+        </p:cTn>
+      </p:par>
+    </p:tnLst>
+    <p:bldLst>
+      <p:bldP spid="2" grpId="0"/>
+    </p:bldLst>
+  </p:timing>
+</p:sld>
+</file>
+
+<file path=ppt/slides/slide18.xml><?xml version="1.0" encoding="utf-8"?>
+<p:sld xmlns:a="http://schemas.openxmlformats.org/drawingml/2006/main" xmlns:r="http://schemas.openxmlformats.org/officeDocument/2006/relationships" xmlns:p="http://schemas.openxmlformats.org/presentationml/2006/main">
+  <p:cSld>
+    <p:spTree>
+      <p:nvGrpSpPr>
+        <p:cNvPr id="1" name=""/>
+        <p:cNvGrpSpPr/>
+        <p:nvPr/>
+      </p:nvGrpSpPr>
+      <p:grpSpPr>
+        <a:xfrm>
+          <a:off x="0" y="0"/>
+          <a:ext cx="0" cy="0"/>
+          <a:chOff x="0" y="0"/>
+          <a:chExt cx="0" cy="0"/>
+        </a:xfrm>
+      </p:grpSpPr>
+      <p:sp>
+        <p:nvSpPr>
+          <p:cNvPr id="2" name="Title 1"/>
+          <p:cNvSpPr>
+            <a:spLocks noGrp="1"/>
+          </p:cNvSpPr>
+          <p:nvPr>
+            <p:ph type="title"/>
+          </p:nvPr>
+        </p:nvSpPr>
+        <p:spPr>
+          <a:xfrm>
+            <a:off x="959580" y="2785313"/>
+            <a:ext cx="10515600" cy="1325563"/>
+          </a:xfrm>
+        </p:spPr>
+        <p:txBody>
+          <a:bodyPr/>
+          <a:lstStyle/>
+          <a:p>
+            <a:r>
+              <a:rPr lang="en-US" dirty="0" smtClean="0"/>
+              <a:t>Or whatever</a:t>
+            </a:r>
+            <a:br>
+              <a:rPr lang="en-US" dirty="0" smtClean="0"/>
+            </a:br>
+            <a:r>
+              <a:rPr lang="en-US" dirty="0" smtClean="0"/>
+              <a:t>cake you want</a:t>
+            </a:r>
+            <a:endParaRPr lang="en-US" dirty="0"/>
+          </a:p>
+        </p:txBody>
+      </p:sp>
+      <p:pic>
+        <p:nvPicPr>
+          <p:cNvPr id="5122" name="Picture 2" descr="Image result for cake"/>
+          <p:cNvPicPr>
+            <a:picLocks noChangeAspect="1" noChangeArrowheads="1"/>
+          </p:cNvPicPr>
+          <p:nvPr/>
+        </p:nvPicPr>
+        <p:blipFill rotWithShape="1">
+          <a:blip r:embed="rId3" cstate="print">
+            <a:extLst>
+              <a:ext uri="{28A0092B-C50C-407E-A947-70E740481C1C}">
+                <a14:useLocalDpi xmlns:a14="http://schemas.microsoft.com/office/drawing/2010/main" val="0"/>
+              </a:ext>
+            </a:extLst>
+          </a:blip>
+          <a:srcRect l="10476" r="5118"/>
+          <a:stretch/>
+        </p:blipFill>
+        <p:spPr bwMode="auto">
+          <a:xfrm>
+            <a:off x="5599688" y="1027906"/>
+            <a:ext cx="6125671" cy="4840379"/>
+          </a:xfrm>
+          <a:prstGeom prst="rect">
+            <a:avLst/>
+          </a:prstGeom>
+          <a:noFill/>
+          <a:extLst>
+            <a:ext uri="{909E8E84-426E-40DD-AFC4-6F175D3DCCD1}">
+              <a14:hiddenFill xmlns:a14="http://schemas.microsoft.com/office/drawing/2010/main">
+                <a:solidFill>
+                  <a:srgbClr val="FFFFFF"/>
+                </a:solidFill>
+              </a14:hiddenFill>
+            </a:ext>
+          </a:extLst>
+        </p:spPr>
+      </p:pic>
+    </p:spTree>
+    <p:extLst>
+      <p:ext uri="{BB962C8B-B14F-4D97-AF65-F5344CB8AC3E}">
+        <p14:creationId xmlns:p14="http://schemas.microsoft.com/office/powerpoint/2010/main" val="2115468832"/>
+      </p:ext>
+    </p:extLst>
+  </p:cSld>
+  <p:clrMapOvr>
+    <a:masterClrMapping/>
+  </p:clrMapOvr>
+  <p:timing>
+    <p:tnLst>
+      <p:par>
+        <p:cTn id="1" dur="indefinite" restart="never" nodeType="tmRoot">
+          <p:childTnLst>
+            <p:seq concurrent="1" nextAc="seek">
+              <p:cTn id="2" dur="indefinite" nodeType="mainSeq">
+                <p:childTnLst>
+                  <p:par>
+                    <p:cTn id="3" fill="hold">
+                      <p:stCondLst>
+                        <p:cond delay="indefinite"/>
+                      </p:stCondLst>
+                      <p:childTnLst>
+                        <p:par>
+                          <p:cTn id="4" fill="hold">
+                            <p:stCondLst>
+                              <p:cond delay="0"/>
+                            </p:stCondLst>
+                            <p:childTnLst>
+                              <p:par>
+                                <p:cTn id="5" presetID="1" presetClass="entr" presetSubtype="0" fill="hold" grpId="0" nodeType="clickEffect">
+                                  <p:stCondLst>
+                                    <p:cond delay="0"/>
+                                  </p:stCondLst>
+                                  <p:childTnLst>
+                                    <p:set>
+                                      <p:cBhvr>
+                                        <p:cTn id="6" dur="1" fill="hold">
+                                          <p:stCondLst>
+                                            <p:cond delay="0"/>
+                                          </p:stCondLst>
+                                        </p:cTn>
+                                        <p:tgtEl>
+                                          <p:spTgt spid="2"/>
+                                        </p:tgtEl>
+                                        <p:attrNameLst>
+                                          <p:attrName>style.visibility</p:attrName>
+                                        </p:attrNameLst>
+                                      </p:cBhvr>
+                                      <p:to>
+                                        <p:strVal val="visible"/>
+                                      </p:to>
+                                    </p:set>
+                                  </p:childTnLst>
+                                </p:cTn>
+                              </p:par>
+                            </p:childTnLst>
+                          </p:cTn>
+                        </p:par>
+                      </p:childTnLst>
+                    </p:cTn>
+                  </p:par>
+                </p:childTnLst>
+              </p:cTn>
+              <p:prevCondLst>
+                <p:cond evt="onPrev" delay="0">
+                  <p:tgtEl>
+                    <p:sldTgt/>
+                  </p:tgtEl>
+                </p:cond>
+              </p:prevCondLst>
+              <p:nextCondLst>
+                <p:cond evt="onNext" delay="0">
+                  <p:tgtEl>
+                    <p:sldTgt/>
+                  </p:tgtEl>
+                </p:cond>
+              </p:nextCondLst>
+            </p:seq>
+          </p:childTnLst>
+        </p:cTn>
+      </p:par>
+    </p:tnLst>
+    <p:bldLst>
+      <p:bldP spid="2" grpId="0"/>
+    </p:bldLst>
+  </p:timing>
+</p:sld>
+</file>
+
+<file path=ppt/slides/slide19.xml><?xml version="1.0" encoding="utf-8"?>
+<p:sld xmlns:a="http://schemas.openxmlformats.org/drawingml/2006/main" xmlns:r="http://schemas.openxmlformats.org/officeDocument/2006/relationships" xmlns:p="http://schemas.openxmlformats.org/presentationml/2006/main">
+  <p:cSld>
+    <p:spTree>
+      <p:nvGrpSpPr>
+        <p:cNvPr id="1" name=""/>
+        <p:cNvGrpSpPr/>
+        <p:nvPr/>
+      </p:nvGrpSpPr>
+      <p:grpSpPr>
+        <a:xfrm>
+          <a:off x="0" y="0"/>
+          <a:ext cx="0" cy="0"/>
+          <a:chOff x="0" y="0"/>
+          <a:chExt cx="0" cy="0"/>
+        </a:xfrm>
+      </p:grpSpPr>
+      <p:sp>
+        <p:nvSpPr>
+          <p:cNvPr id="2" name="Title 1"/>
+          <p:cNvSpPr>
+            <a:spLocks noGrp="1"/>
+          </p:cNvSpPr>
+          <p:nvPr>
+            <p:ph type="title"/>
+          </p:nvPr>
+        </p:nvSpPr>
+        <p:spPr/>
+        <p:txBody>
+          <a:bodyPr/>
+          <a:lstStyle/>
+          <a:p>
+            <a:r>
+              <a:rPr lang="en-US" dirty="0" smtClean="0"/>
+              <a:t>“Boxed” cake is easy</a:t>
+            </a:r>
+            <a:endParaRPr lang="en-US" dirty="0"/>
+          </a:p>
+        </p:txBody>
+      </p:sp>
+      <p:sp>
+        <p:nvSpPr>
+          <p:cNvPr id="3" name="Content Placeholder 2"/>
+          <p:cNvSpPr>
+            <a:spLocks noGrp="1"/>
+          </p:cNvSpPr>
+          <p:nvPr>
+            <p:ph idx="1"/>
+          </p:nvPr>
+        </p:nvSpPr>
+        <p:spPr>
+          <a:xfrm>
+            <a:off x="838200" y="1537486"/>
+            <a:ext cx="10515600" cy="4960417"/>
+          </a:xfrm>
+        </p:spPr>
+        <p:txBody>
+          <a:bodyPr/>
+          <a:lstStyle/>
+          <a:p>
+            <a:r>
+              <a:rPr lang="en-US" dirty="0" smtClean="0"/>
+              <a:t>Eggs + water + their pre-mixed flour, </a:t>
+            </a:r>
+          </a:p>
+          <a:p>
+            <a:r>
+              <a:rPr lang="en-US" dirty="0" smtClean="0"/>
+              <a:t>Bake, </a:t>
+            </a:r>
+          </a:p>
+          <a:p>
+            <a:r>
+              <a:rPr lang="en-US" dirty="0" smtClean="0"/>
+              <a:t>and then if you have the time: add frosting</a:t>
+            </a:r>
+          </a:p>
+          <a:p>
+            <a:endParaRPr lang="en-US" dirty="0" smtClean="0"/>
+          </a:p>
+          <a:p>
+            <a:r>
+              <a:rPr lang="en-US" dirty="0" smtClean="0"/>
+              <a:t>In the end? Boring!</a:t>
+            </a:r>
+          </a:p>
+          <a:p>
+            <a:pPr marL="457200" lvl="1" indent="0">
+              <a:buNone/>
+            </a:pPr>
+            <a:endParaRPr lang="en-US" dirty="0"/>
+          </a:p>
+        </p:txBody>
+      </p:sp>
+    </p:spTree>
+    <p:extLst>
+      <p:ext uri="{BB962C8B-B14F-4D97-AF65-F5344CB8AC3E}">
+        <p14:creationId xmlns:p14="http://schemas.microsoft.com/office/powerpoint/2010/main" val="2932848234"/>
+      </p:ext>
+    </p:extLst>
+  </p:cSld>
+  <p:clrMapOvr>
+    <a:masterClrMapping/>
+  </p:clrMapOvr>
+  <p:timing>
+    <p:tnLst>
+      <p:par>
+        <p:cTn id="1" dur="indefinite" restart="never" nodeType="tmRoot"/>
+      </p:par>
+    </p:tnLst>
+  </p:timing>
+</p:sld>
+</file>
+
+<file path=ppt/slides/slide2.xml><?xml version="1.0" encoding="utf-8"?>
+<p:sld xmlns:a="http://schemas.openxmlformats.org/drawingml/2006/main" xmlns:r="http://schemas.openxmlformats.org/officeDocument/2006/relationships" xmlns:p="http://schemas.openxmlformats.org/presentationml/2006/main">
+  <p:cSld>
+    <p:spTree>
+      <p:nvGrpSpPr>
+        <p:cNvPr id="1" name=""/>
+        <p:cNvGrpSpPr/>
+        <p:nvPr/>
+      </p:nvGrpSpPr>
+      <p:grpSpPr>
+        <a:xfrm>
+          <a:off x="0" y="0"/>
+          <a:ext cx="0" cy="0"/>
+          <a:chOff x="0" y="0"/>
+          <a:chExt cx="0" cy="0"/>
+        </a:xfrm>
+      </p:grpSpPr>
+      <p:sp>
+        <p:nvSpPr>
+          <p:cNvPr id="4" name="Title 3"/>
+          <p:cNvSpPr>
+            <a:spLocks noGrp="1"/>
+          </p:cNvSpPr>
+          <p:nvPr>
+            <p:ph type="ctrTitle"/>
+          </p:nvPr>
+        </p:nvSpPr>
+        <p:spPr/>
+        <p:txBody>
+          <a:bodyPr/>
+          <a:lstStyle/>
+          <a:p>
+            <a:r>
+              <a:rPr lang="en-US" dirty="0" smtClean="0"/>
+              <a:t>This Repo:</a:t>
+            </a:r>
+            <a:endParaRPr lang="en-US" dirty="0"/>
+          </a:p>
+        </p:txBody>
+      </p:sp>
+      <p:sp>
+        <p:nvSpPr>
+          <p:cNvPr id="5" name="Subtitle 4"/>
+          <p:cNvSpPr>
+            <a:spLocks noGrp="1"/>
+          </p:cNvSpPr>
+          <p:nvPr>
+            <p:ph type="subTitle" idx="1"/>
+          </p:nvPr>
+        </p:nvSpPr>
+        <p:spPr/>
+        <p:txBody>
+          <a:bodyPr/>
+          <a:lstStyle/>
+          <a:p>
+            <a:r>
+              <a:rPr lang="en-US" dirty="0"/>
+              <a:t>https://github.com/nuitrcs/Intro_to_d3_workshop</a:t>
+            </a:r>
+          </a:p>
+        </p:txBody>
+      </p:sp>
+    </p:spTree>
+    <p:extLst>
+      <p:ext uri="{BB962C8B-B14F-4D97-AF65-F5344CB8AC3E}">
+        <p14:creationId xmlns:p14="http://schemas.microsoft.com/office/powerpoint/2010/main" val="309578843"/>
+      </p:ext>
+    </p:extLst>
+  </p:cSld>
+  <p:clrMapOvr>
+    <a:masterClrMapping/>
+  </p:clrMapOvr>
+  <p:timing>
+    <p:tnLst>
+      <p:par>
+        <p:cTn id="1" dur="indefinite" restart="never" nodeType="tmRoot"/>
+      </p:par>
+    </p:tnLst>
+  </p:timing>
+</p:sld>
+</file>
+
+<file path=ppt/slides/slide20.xml><?xml version="1.0" encoding="utf-8"?>
+<p:sld xmlns:a="http://schemas.openxmlformats.org/drawingml/2006/main" xmlns:r="http://schemas.openxmlformats.org/officeDocument/2006/relationships" xmlns:p="http://schemas.openxmlformats.org/presentationml/2006/main">
+  <p:cSld>
+    <p:spTree>
+      <p:nvGrpSpPr>
+        <p:cNvPr id="1" name=""/>
+        <p:cNvGrpSpPr/>
+        <p:nvPr/>
+      </p:nvGrpSpPr>
+      <p:grpSpPr>
+        <a:xfrm>
+          <a:off x="0" y="0"/>
+          <a:ext cx="0" cy="0"/>
+          <a:chOff x="0" y="0"/>
+          <a:chExt cx="0" cy="0"/>
+        </a:xfrm>
+      </p:grpSpPr>
+      <p:sp>
+        <p:nvSpPr>
+          <p:cNvPr id="2" name="Title 1"/>
+          <p:cNvSpPr>
+            <a:spLocks noGrp="1"/>
+          </p:cNvSpPr>
+          <p:nvPr>
+            <p:ph type="title"/>
+          </p:nvPr>
+        </p:nvSpPr>
+        <p:spPr/>
+        <p:txBody>
+          <a:bodyPr/>
+          <a:lstStyle/>
+          <a:p>
+            <a:r>
+              <a:rPr lang="en-US" dirty="0"/>
+              <a:t>Cake “from scratch” is hard:</a:t>
+            </a:r>
+          </a:p>
+        </p:txBody>
+      </p:sp>
+      <p:sp>
+        <p:nvSpPr>
+          <p:cNvPr id="3" name="Content Placeholder 2"/>
+          <p:cNvSpPr>
+            <a:spLocks noGrp="1"/>
+          </p:cNvSpPr>
+          <p:nvPr>
+            <p:ph idx="1"/>
+          </p:nvPr>
+        </p:nvSpPr>
+        <p:spPr/>
+        <p:txBody>
+          <a:bodyPr/>
+          <a:lstStyle/>
+          <a:p>
+            <a:r>
+              <a:rPr lang="en-US" dirty="0" smtClean="0"/>
+              <a:t>You </a:t>
+            </a:r>
+            <a:r>
+              <a:rPr lang="en-US" dirty="0"/>
+              <a:t>have to think about each ingredient, its quality, its needs</a:t>
+            </a:r>
+          </a:p>
+          <a:p>
+            <a:r>
+              <a:rPr lang="en-US" dirty="0"/>
+              <a:t>You must imagine your end-result </a:t>
+            </a:r>
+            <a:r>
+              <a:rPr lang="en-US" dirty="0" smtClean="0"/>
+              <a:t>+ </a:t>
+            </a:r>
+            <a:r>
+              <a:rPr lang="en-US" dirty="0"/>
+              <a:t>find a useful recipe </a:t>
+            </a:r>
+            <a:endParaRPr lang="en-US" dirty="0" smtClean="0"/>
+          </a:p>
+          <a:p>
+            <a:r>
+              <a:rPr lang="en-US" dirty="0" smtClean="0"/>
+              <a:t>It </a:t>
+            </a:r>
+            <a:r>
+              <a:rPr lang="en-US" dirty="0"/>
+              <a:t>can take a long time to master each ingredient</a:t>
+            </a:r>
+          </a:p>
+          <a:p>
+            <a:endParaRPr lang="en-US" dirty="0" smtClean="0"/>
+          </a:p>
+          <a:p>
+            <a:r>
+              <a:rPr lang="en-US" dirty="0" smtClean="0"/>
+              <a:t>In </a:t>
+            </a:r>
+            <a:r>
+              <a:rPr lang="en-US" dirty="0"/>
+              <a:t>the end? A unique masterpiece!</a:t>
+            </a:r>
+          </a:p>
+          <a:p>
+            <a:endParaRPr lang="en-US" dirty="0"/>
+          </a:p>
+        </p:txBody>
+      </p:sp>
+    </p:spTree>
+    <p:extLst>
+      <p:ext uri="{BB962C8B-B14F-4D97-AF65-F5344CB8AC3E}">
+        <p14:creationId xmlns:p14="http://schemas.microsoft.com/office/powerpoint/2010/main" val="183709866"/>
+      </p:ext>
+    </p:extLst>
+  </p:cSld>
+  <p:clrMapOvr>
+    <a:masterClrMapping/>
+  </p:clrMapOvr>
+</p:sld>
+</file>
+
+<file path=ppt/slides/slide21.xml><?xml version="1.0" encoding="utf-8"?>
+<p:sld xmlns:a="http://schemas.openxmlformats.org/drawingml/2006/main" xmlns:r="http://schemas.openxmlformats.org/officeDocument/2006/relationships" xmlns:p="http://schemas.openxmlformats.org/presentationml/2006/main">
+  <p:cSld>
+    <p:spTree>
+      <p:nvGrpSpPr>
+        <p:cNvPr id="1" name=""/>
+        <p:cNvGrpSpPr/>
+        <p:nvPr/>
+      </p:nvGrpSpPr>
+      <p:grpSpPr>
+        <a:xfrm>
+          <a:off x="0" y="0"/>
+          <a:ext cx="0" cy="0"/>
+          <a:chOff x="0" y="0"/>
+          <a:chExt cx="0" cy="0"/>
+        </a:xfrm>
+      </p:grpSpPr>
+      <p:sp>
+        <p:nvSpPr>
+          <p:cNvPr id="4" name="Title 3"/>
+          <p:cNvSpPr>
+            <a:spLocks noGrp="1"/>
+          </p:cNvSpPr>
+          <p:nvPr>
+            <p:ph type="ctrTitle"/>
+          </p:nvPr>
+        </p:nvSpPr>
+        <p:spPr/>
+        <p:txBody>
+          <a:bodyPr/>
+          <a:lstStyle/>
+          <a:p>
+            <a:r>
+              <a:rPr lang="en-US" dirty="0" smtClean="0"/>
+              <a:t>Cake from Scratch</a:t>
+            </a:r>
+            <a:endParaRPr lang="en-US" dirty="0"/>
+          </a:p>
+        </p:txBody>
+      </p:sp>
+      <p:sp>
+        <p:nvSpPr>
+          <p:cNvPr id="5" name="Subtitle 4"/>
+          <p:cNvSpPr>
+            <a:spLocks noGrp="1"/>
+          </p:cNvSpPr>
+          <p:nvPr>
+            <p:ph type="subTitle" idx="1"/>
+          </p:nvPr>
+        </p:nvSpPr>
+        <p:spPr/>
+        <p:txBody>
+          <a:bodyPr/>
+          <a:lstStyle/>
+          <a:p>
+            <a:r>
+              <a:rPr lang="en-US" dirty="0" smtClean="0"/>
+              <a:t>A “grammar of graphics” is key: </a:t>
+            </a:r>
+          </a:p>
+          <a:p>
+            <a:r>
+              <a:rPr lang="en-US" dirty="0" smtClean="0"/>
+              <a:t>How do we talk about and use the core ingredients in any visualization?</a:t>
+            </a:r>
+            <a:endParaRPr lang="en-US" dirty="0"/>
+          </a:p>
+        </p:txBody>
+      </p:sp>
+    </p:spTree>
+    <p:extLst>
+      <p:ext uri="{BB962C8B-B14F-4D97-AF65-F5344CB8AC3E}">
+        <p14:creationId xmlns:p14="http://schemas.microsoft.com/office/powerpoint/2010/main" val="305827575"/>
+      </p:ext>
+    </p:extLst>
+  </p:cSld>
+  <p:clrMapOvr>
+    <a:masterClrMapping/>
+  </p:clrMapOvr>
+  <p:timing>
+    <p:tnLst>
+      <p:par>
+        <p:cTn id="1" dur="indefinite" restart="never" nodeType="tmRoot"/>
+      </p:par>
+    </p:tnLst>
+  </p:timing>
+</p:sld>
+</file>
+
+<file path=ppt/slides/slide22.xml><?xml version="1.0" encoding="utf-8"?>
+<p:sld xmlns:a="http://schemas.openxmlformats.org/drawingml/2006/main" xmlns:r="http://schemas.openxmlformats.org/officeDocument/2006/relationships" xmlns:p="http://schemas.openxmlformats.org/presentationml/2006/main">
+  <p:cSld>
+    <p:spTree>
+      <p:nvGrpSpPr>
+        <p:cNvPr id="1" name=""/>
+        <p:cNvGrpSpPr/>
+        <p:nvPr/>
+      </p:nvGrpSpPr>
+      <p:grpSpPr>
+        <a:xfrm>
+          <a:off x="0" y="0"/>
+          <a:ext cx="0" cy="0"/>
+          <a:chOff x="0" y="0"/>
+          <a:chExt cx="0" cy="0"/>
+        </a:xfrm>
+      </p:grpSpPr>
+      <p:sp>
+        <p:nvSpPr>
+          <p:cNvPr id="2" name="Title 1"/>
+          <p:cNvSpPr>
+            <a:spLocks noGrp="1"/>
+          </p:cNvSpPr>
+          <p:nvPr>
+            <p:ph type="title"/>
+          </p:nvPr>
+        </p:nvSpPr>
+        <p:spPr/>
+        <p:txBody>
+          <a:bodyPr/>
+          <a:lstStyle/>
+          <a:p>
+            <a:r>
+              <a:rPr lang="en-US" dirty="0" smtClean="0"/>
+              <a:t>Task 1: </a:t>
+            </a:r>
+            <a:r>
+              <a:rPr lang="en-US" dirty="0" smtClean="0"/>
+              <a:t>Build your environment</a:t>
+            </a:r>
+            <a:endParaRPr lang="en-US" dirty="0"/>
+          </a:p>
+        </p:txBody>
+      </p:sp>
+      <p:sp>
+        <p:nvSpPr>
+          <p:cNvPr id="3" name="Content Placeholder 2"/>
+          <p:cNvSpPr>
+            <a:spLocks noGrp="1"/>
+          </p:cNvSpPr>
+          <p:nvPr>
+            <p:ph idx="1"/>
+          </p:nvPr>
+        </p:nvSpPr>
+        <p:spPr/>
+        <p:txBody>
+          <a:bodyPr/>
+          <a:lstStyle/>
+          <a:p>
+            <a:r>
+              <a:rPr lang="en-US" dirty="0" smtClean="0"/>
+              <a:t>Create a folder somewhere with these inside:</a:t>
+            </a:r>
+          </a:p>
+          <a:p>
+            <a:r>
+              <a:rPr lang="en-US" dirty="0" smtClean="0"/>
+              <a:t>Build </a:t>
+            </a:r>
+            <a:r>
+              <a:rPr lang="en-US" dirty="0" smtClean="0"/>
+              <a:t>index.html file with d3 source link (local or web)</a:t>
+            </a:r>
+          </a:p>
+          <a:p>
+            <a:r>
+              <a:rPr lang="en-US" dirty="0" smtClean="0"/>
+              <a:t>Create empty “index.css” </a:t>
+            </a:r>
+            <a:r>
+              <a:rPr lang="en-US" dirty="0" smtClean="0"/>
+              <a:t>file, link it in your html</a:t>
+            </a:r>
+            <a:endParaRPr lang="en-US" dirty="0" smtClean="0"/>
+          </a:p>
+          <a:p>
+            <a:r>
+              <a:rPr lang="en-US" dirty="0" smtClean="0"/>
+              <a:t>Create empty “controller.js” </a:t>
+            </a:r>
+            <a:r>
+              <a:rPr lang="en-US" dirty="0" smtClean="0"/>
+              <a:t>file, link it in your html</a:t>
+            </a:r>
+            <a:endParaRPr lang="en-US" dirty="0" smtClean="0"/>
+          </a:p>
+          <a:p>
+            <a:pPr marL="0" indent="0">
+              <a:buNone/>
+            </a:pPr>
+            <a:endParaRPr lang="en-US" dirty="0" smtClean="0"/>
+          </a:p>
+        </p:txBody>
+      </p:sp>
+      <p:pic>
+        <p:nvPicPr>
+          <p:cNvPr id="5" name="Picture 4"/>
+          <p:cNvPicPr>
+            <a:picLocks noChangeAspect="1"/>
+          </p:cNvPicPr>
+          <p:nvPr/>
+        </p:nvPicPr>
+        <p:blipFill>
+          <a:blip r:embed="rId3"/>
+          <a:stretch>
+            <a:fillRect/>
+          </a:stretch>
+        </p:blipFill>
+        <p:spPr>
+          <a:xfrm>
+            <a:off x="1766887" y="4156187"/>
+            <a:ext cx="8658225" cy="2381250"/>
+          </a:xfrm>
+          <a:prstGeom prst="rect">
+            <a:avLst/>
+          </a:prstGeom>
+        </p:spPr>
+      </p:pic>
+    </p:spTree>
+    <p:extLst>
+      <p:ext uri="{BB962C8B-B14F-4D97-AF65-F5344CB8AC3E}">
+        <p14:creationId xmlns:p14="http://schemas.microsoft.com/office/powerpoint/2010/main" val="2114717853"/>
+      </p:ext>
+    </p:extLst>
+  </p:cSld>
+  <p:clrMapOvr>
+    <a:masterClrMapping/>
+  </p:clrMapOvr>
+  <p:timing>
+    <p:tnLst>
+      <p:par>
+        <p:cTn id="1" dur="indefinite" restart="never" nodeType="tmRoot"/>
+      </p:par>
+    </p:tnLst>
+  </p:timing>
+</p:sld>
+</file>
+
+<file path=ppt/slides/slide23.xml><?xml version="1.0" encoding="utf-8"?>
+<p:sld xmlns:a="http://schemas.openxmlformats.org/drawingml/2006/main" xmlns:r="http://schemas.openxmlformats.org/officeDocument/2006/relationships" xmlns:p="http://schemas.openxmlformats.org/presentationml/2006/main">
+  <p:cSld>
+    <p:spTree>
+      <p:nvGrpSpPr>
+        <p:cNvPr id="1" name=""/>
+        <p:cNvGrpSpPr/>
+        <p:nvPr/>
+      </p:nvGrpSpPr>
+      <p:grpSpPr>
+        <a:xfrm>
+          <a:off x="0" y="0"/>
+          <a:ext cx="0" cy="0"/>
+          <a:chOff x="0" y="0"/>
+          <a:chExt cx="0" cy="0"/>
+        </a:xfrm>
+      </p:grpSpPr>
+      <p:sp>
+        <p:nvSpPr>
+          <p:cNvPr id="2" name="Title 1"/>
+          <p:cNvSpPr>
+            <a:spLocks noGrp="1"/>
+          </p:cNvSpPr>
+          <p:nvPr>
+            <p:ph type="title"/>
+          </p:nvPr>
+        </p:nvSpPr>
+        <p:spPr/>
+        <p:txBody>
+          <a:bodyPr/>
+          <a:lstStyle/>
+          <a:p>
+            <a:r>
+              <a:rPr lang="en-US" dirty="0" smtClean="0"/>
+              <a:t>Task 2: </a:t>
+            </a:r>
+            <a:r>
+              <a:rPr lang="en-US" dirty="0" smtClean="0"/>
+              <a:t>Look at our data, literally</a:t>
+            </a:r>
+            <a:endParaRPr lang="en-US" dirty="0"/>
+          </a:p>
+        </p:txBody>
+      </p:sp>
+      <p:sp>
+        <p:nvSpPr>
+          <p:cNvPr id="3" name="Content Placeholder 2"/>
+          <p:cNvSpPr>
+            <a:spLocks noGrp="1"/>
+          </p:cNvSpPr>
+          <p:nvPr>
+            <p:ph idx="1"/>
+          </p:nvPr>
+        </p:nvSpPr>
+        <p:spPr/>
+        <p:txBody>
+          <a:bodyPr/>
+          <a:lstStyle/>
+          <a:p>
+            <a:r>
+              <a:rPr lang="en-US" dirty="0" smtClean="0"/>
+              <a:t>Open both </a:t>
+            </a:r>
+            <a:r>
+              <a:rPr lang="en-US" dirty="0" err="1" smtClean="0"/>
+              <a:t>data.tsv</a:t>
+            </a:r>
+            <a:r>
+              <a:rPr lang="en-US" dirty="0" smtClean="0"/>
+              <a:t> and data.js in your text editor</a:t>
+            </a:r>
+            <a:endParaRPr lang="en-US" dirty="0"/>
+          </a:p>
+        </p:txBody>
+      </p:sp>
+      <p:pic>
+        <p:nvPicPr>
+          <p:cNvPr id="5" name="Picture 4"/>
+          <p:cNvPicPr>
+            <a:picLocks noChangeAspect="1"/>
+          </p:cNvPicPr>
+          <p:nvPr/>
+        </p:nvPicPr>
+        <p:blipFill>
+          <a:blip r:embed="rId3"/>
+          <a:stretch>
+            <a:fillRect/>
+          </a:stretch>
+        </p:blipFill>
+        <p:spPr>
+          <a:xfrm>
+            <a:off x="6496050" y="2257425"/>
+            <a:ext cx="4857750" cy="4600575"/>
+          </a:xfrm>
+          <a:prstGeom prst="rect">
+            <a:avLst/>
+          </a:prstGeom>
+        </p:spPr>
+      </p:pic>
+      <p:pic>
+        <p:nvPicPr>
+          <p:cNvPr id="6" name="Picture 5"/>
+          <p:cNvPicPr>
+            <a:picLocks noChangeAspect="1"/>
+          </p:cNvPicPr>
+          <p:nvPr/>
+        </p:nvPicPr>
+        <p:blipFill>
+          <a:blip r:embed="rId4"/>
+          <a:stretch>
+            <a:fillRect/>
+          </a:stretch>
+        </p:blipFill>
+        <p:spPr>
+          <a:xfrm>
+            <a:off x="1480168" y="2778125"/>
+            <a:ext cx="3810000" cy="3533775"/>
+          </a:xfrm>
+          <a:prstGeom prst="rect">
+            <a:avLst/>
+          </a:prstGeom>
+        </p:spPr>
+      </p:pic>
+    </p:spTree>
+    <p:extLst>
+      <p:ext uri="{BB962C8B-B14F-4D97-AF65-F5344CB8AC3E}">
+        <p14:creationId xmlns:p14="http://schemas.microsoft.com/office/powerpoint/2010/main" val="2986398894"/>
+      </p:ext>
+    </p:extLst>
+  </p:cSld>
+  <p:clrMapOvr>
+    <a:masterClrMapping/>
+  </p:clrMapOvr>
+  <p:timing>
+    <p:tnLst>
+      <p:par>
+        <p:cTn id="1" dur="indefinite" restart="never" nodeType="tmRoot"/>
+      </p:par>
+    </p:tnLst>
+  </p:timing>
+</p:sld>
+</file>
+
+<file path=ppt/slides/slide24.xml><?xml version="1.0" encoding="utf-8"?>
+<p:sld xmlns:a="http://schemas.openxmlformats.org/drawingml/2006/main" xmlns:r="http://schemas.openxmlformats.org/officeDocument/2006/relationships" xmlns:p="http://schemas.openxmlformats.org/presentationml/2006/main">
+  <p:cSld>
+    <p:spTree>
+      <p:nvGrpSpPr>
+        <p:cNvPr id="1" name=""/>
+        <p:cNvGrpSpPr/>
+        <p:nvPr/>
+      </p:nvGrpSpPr>
+      <p:grpSpPr>
+        <a:xfrm>
+          <a:off x="0" y="0"/>
+          <a:ext cx="0" cy="0"/>
+          <a:chOff x="0" y="0"/>
+          <a:chExt cx="0" cy="0"/>
+        </a:xfrm>
+      </p:grpSpPr>
+      <p:sp>
+        <p:nvSpPr>
+          <p:cNvPr id="2" name="Title 1"/>
+          <p:cNvSpPr>
+            <a:spLocks noGrp="1"/>
+          </p:cNvSpPr>
+          <p:nvPr>
+            <p:ph type="title"/>
+          </p:nvPr>
+        </p:nvSpPr>
+        <p:spPr/>
+        <p:txBody>
+          <a:bodyPr/>
+          <a:lstStyle/>
+          <a:p>
+            <a:r>
+              <a:rPr lang="en-US" dirty="0" smtClean="0"/>
+              <a:t>Task 3: </a:t>
+            </a:r>
+            <a:r>
+              <a:rPr lang="en-US" dirty="0" smtClean="0"/>
+              <a:t>Look at the data, in-browser</a:t>
+            </a:r>
+            <a:endParaRPr lang="en-US" dirty="0"/>
+          </a:p>
+        </p:txBody>
+      </p:sp>
+      <p:sp>
+        <p:nvSpPr>
+          <p:cNvPr id="3" name="Content Placeholder 2"/>
+          <p:cNvSpPr>
+            <a:spLocks noGrp="1"/>
+          </p:cNvSpPr>
+          <p:nvPr>
+            <p:ph idx="1"/>
+          </p:nvPr>
+        </p:nvSpPr>
+        <p:spPr>
+          <a:xfrm>
+            <a:off x="982634" y="1825625"/>
+            <a:ext cx="5070207" cy="4351338"/>
+          </a:xfrm>
+        </p:spPr>
+        <p:txBody>
+          <a:bodyPr>
+            <a:normAutofit fontScale="92500" lnSpcReduction="20000"/>
+          </a:bodyPr>
+          <a:lstStyle/>
+          <a:p>
+            <a:r>
+              <a:rPr lang="en-US" dirty="0" smtClean="0"/>
+              <a:t>Import data.js into your html</a:t>
+            </a:r>
+            <a:endParaRPr lang="en-US" dirty="0"/>
+          </a:p>
+          <a:p>
+            <a:endParaRPr lang="en-US" dirty="0" smtClean="0"/>
+          </a:p>
+          <a:p>
+            <a:endParaRPr lang="en-US" dirty="0" smtClean="0"/>
+          </a:p>
+          <a:p>
+            <a:endParaRPr lang="en-US" dirty="0" smtClean="0"/>
+          </a:p>
+          <a:p>
+            <a:r>
+              <a:rPr lang="en-US" dirty="0" smtClean="0"/>
+              <a:t>Console.log </a:t>
+            </a:r>
+            <a:r>
+              <a:rPr lang="en-US" dirty="0"/>
+              <a:t>the </a:t>
+            </a:r>
+            <a:r>
+              <a:rPr lang="en-US" dirty="0" smtClean="0"/>
+              <a:t>data in the browser console</a:t>
+            </a:r>
+          </a:p>
+          <a:p>
+            <a:endParaRPr lang="en-US" dirty="0" smtClean="0"/>
+          </a:p>
+          <a:p>
+            <a:endParaRPr lang="en-US" dirty="0" smtClean="0"/>
+          </a:p>
+          <a:p>
+            <a:endParaRPr lang="en-US" dirty="0" smtClean="0"/>
+          </a:p>
+          <a:p>
+            <a:r>
+              <a:rPr lang="en-US" dirty="0" smtClean="0"/>
+              <a:t>Create </a:t>
+            </a:r>
+            <a:r>
+              <a:rPr lang="en-US" dirty="0"/>
+              <a:t>an </a:t>
+            </a:r>
+            <a:r>
+              <a:rPr lang="en-US" dirty="0" smtClean="0"/>
+              <a:t>&lt;</a:t>
+            </a:r>
+            <a:r>
+              <a:rPr lang="en-US" dirty="0" err="1" smtClean="0"/>
+              <a:t>svg</a:t>
+            </a:r>
+            <a:r>
+              <a:rPr lang="en-US" dirty="0" smtClean="0"/>
+              <a:t>&gt; element </a:t>
+            </a:r>
+            <a:r>
+              <a:rPr lang="en-US" dirty="0"/>
+              <a:t>with id=“graph</a:t>
+            </a:r>
+            <a:r>
+              <a:rPr lang="en-US" dirty="0" smtClean="0"/>
+              <a:t>” inside &lt;body&gt;</a:t>
+            </a:r>
+            <a:endParaRPr lang="en-US" dirty="0"/>
+          </a:p>
+          <a:p>
+            <a:endParaRPr lang="en-US" dirty="0"/>
+          </a:p>
+          <a:p>
+            <a:endParaRPr lang="en-US" dirty="0"/>
+          </a:p>
+        </p:txBody>
+      </p:sp>
+      <p:pic>
+        <p:nvPicPr>
+          <p:cNvPr id="5" name="Picture 4"/>
+          <p:cNvPicPr>
+            <a:picLocks noChangeAspect="1"/>
+          </p:cNvPicPr>
+          <p:nvPr/>
+        </p:nvPicPr>
+        <p:blipFill rotWithShape="1">
+          <a:blip r:embed="rId3"/>
+          <a:srcRect t="73226" r="3601" b="3421"/>
+          <a:stretch/>
+        </p:blipFill>
+        <p:spPr>
+          <a:xfrm>
+            <a:off x="6052842" y="1825625"/>
+            <a:ext cx="5996200" cy="1063232"/>
+          </a:xfrm>
+          <a:prstGeom prst="rect">
+            <a:avLst/>
+          </a:prstGeom>
+        </p:spPr>
+      </p:pic>
+      <p:pic>
+        <p:nvPicPr>
+          <p:cNvPr id="6" name="Picture 5"/>
+          <p:cNvPicPr>
+            <a:picLocks noChangeAspect="1"/>
+          </p:cNvPicPr>
+          <p:nvPr/>
+        </p:nvPicPr>
+        <p:blipFill>
+          <a:blip r:embed="rId4"/>
+          <a:stretch>
+            <a:fillRect/>
+          </a:stretch>
+        </p:blipFill>
+        <p:spPr>
+          <a:xfrm>
+            <a:off x="6052841" y="3337522"/>
+            <a:ext cx="4238625" cy="1314450"/>
+          </a:xfrm>
+          <a:prstGeom prst="rect">
+            <a:avLst/>
+          </a:prstGeom>
+        </p:spPr>
+      </p:pic>
+      <p:pic>
+        <p:nvPicPr>
+          <p:cNvPr id="4" name="Picture 3"/>
+          <p:cNvPicPr>
+            <a:picLocks noChangeAspect="1"/>
+          </p:cNvPicPr>
+          <p:nvPr/>
+        </p:nvPicPr>
+        <p:blipFill>
+          <a:blip r:embed="rId5"/>
+          <a:stretch>
+            <a:fillRect/>
+          </a:stretch>
+        </p:blipFill>
+        <p:spPr>
+          <a:xfrm>
+            <a:off x="6052841" y="5100638"/>
+            <a:ext cx="4381500" cy="1076325"/>
+          </a:xfrm>
+          <a:prstGeom prst="rect">
+            <a:avLst/>
+          </a:prstGeom>
+        </p:spPr>
+      </p:pic>
+    </p:spTree>
+    <p:extLst>
+      <p:ext uri="{BB962C8B-B14F-4D97-AF65-F5344CB8AC3E}">
+        <p14:creationId xmlns:p14="http://schemas.microsoft.com/office/powerpoint/2010/main" val="3216434664"/>
+      </p:ext>
+    </p:extLst>
+  </p:cSld>
+  <p:clrMapOvr>
+    <a:masterClrMapping/>
+  </p:clrMapOvr>
+</p:sld>
+</file>
+
+<file path=ppt/slides/slide25.xml><?xml version="1.0" encoding="utf-8"?>
+<p:sld xmlns:a="http://schemas.openxmlformats.org/drawingml/2006/main" xmlns:r="http://schemas.openxmlformats.org/officeDocument/2006/relationships" xmlns:p="http://schemas.openxmlformats.org/presentationml/2006/main">
+  <p:cSld>
+    <p:spTree>
+      <p:nvGrpSpPr>
+        <p:cNvPr id="1" name=""/>
+        <p:cNvGrpSpPr/>
+        <p:nvPr/>
+      </p:nvGrpSpPr>
+      <p:grpSpPr>
+        <a:xfrm>
+          <a:off x="0" y="0"/>
+          <a:ext cx="0" cy="0"/>
+          <a:chOff x="0" y="0"/>
+          <a:chExt cx="0" cy="0"/>
+        </a:xfrm>
+      </p:grpSpPr>
+      <p:sp>
+        <p:nvSpPr>
+          <p:cNvPr id="2" name="Title 1"/>
+          <p:cNvSpPr>
+            <a:spLocks noGrp="1"/>
+          </p:cNvSpPr>
+          <p:nvPr>
+            <p:ph type="title"/>
+          </p:nvPr>
+        </p:nvSpPr>
+        <p:spPr/>
+        <p:txBody>
+          <a:bodyPr/>
+          <a:lstStyle/>
+          <a:p>
+            <a:r>
+              <a:rPr lang="en-US" dirty="0" smtClean="0"/>
+              <a:t>(Review) HTML layout should look like:</a:t>
+            </a:r>
+            <a:endParaRPr lang="en-US" dirty="0"/>
+          </a:p>
+        </p:txBody>
+      </p:sp>
+      <p:sp>
+        <p:nvSpPr>
+          <p:cNvPr id="3" name="Content Placeholder 2"/>
+          <p:cNvSpPr>
+            <a:spLocks noGrp="1"/>
+          </p:cNvSpPr>
+          <p:nvPr>
+            <p:ph idx="1"/>
+          </p:nvPr>
+        </p:nvSpPr>
+        <p:spPr/>
+        <p:txBody>
+          <a:bodyPr/>
+          <a:lstStyle/>
+          <a:p>
+            <a:endParaRPr lang="en-US"/>
+          </a:p>
+        </p:txBody>
+      </p:sp>
+      <p:pic>
+        <p:nvPicPr>
+          <p:cNvPr id="4" name="Picture 3"/>
+          <p:cNvPicPr>
+            <a:picLocks noChangeAspect="1"/>
+          </p:cNvPicPr>
+          <p:nvPr/>
+        </p:nvPicPr>
+        <p:blipFill>
+          <a:blip r:embed="rId3"/>
+          <a:stretch>
+            <a:fillRect/>
+          </a:stretch>
+        </p:blipFill>
+        <p:spPr>
+          <a:xfrm>
+            <a:off x="489146" y="1545663"/>
+            <a:ext cx="11068050" cy="4705350"/>
+          </a:xfrm>
+          <a:prstGeom prst="rect">
+            <a:avLst/>
+          </a:prstGeom>
+        </p:spPr>
+      </p:pic>
+    </p:spTree>
+    <p:extLst>
+      <p:ext uri="{BB962C8B-B14F-4D97-AF65-F5344CB8AC3E}">
+        <p14:creationId xmlns:p14="http://schemas.microsoft.com/office/powerpoint/2010/main" val="2432867846"/>
+      </p:ext>
+    </p:extLst>
+  </p:cSld>
+  <p:clrMapOvr>
+    <a:masterClrMapping/>
+  </p:clrMapOvr>
+</p:sld>
+</file>
+
+<file path=ppt/slides/slide26.xml><?xml version="1.0" encoding="utf-8"?>
+<p:sld xmlns:a="http://schemas.openxmlformats.org/drawingml/2006/main" xmlns:r="http://schemas.openxmlformats.org/officeDocument/2006/relationships" xmlns:p="http://schemas.openxmlformats.org/presentationml/2006/main">
+  <p:cSld>
+    <p:spTree>
+      <p:nvGrpSpPr>
+        <p:cNvPr id="1" name=""/>
+        <p:cNvGrpSpPr/>
+        <p:nvPr/>
+      </p:nvGrpSpPr>
+      <p:grpSpPr>
+        <a:xfrm>
+          <a:off x="0" y="0"/>
+          <a:ext cx="0" cy="0"/>
+          <a:chOff x="0" y="0"/>
+          <a:chExt cx="0" cy="0"/>
+        </a:xfrm>
+      </p:grpSpPr>
+      <p:sp>
+        <p:nvSpPr>
+          <p:cNvPr id="2" name="Title 1"/>
+          <p:cNvSpPr>
+            <a:spLocks noGrp="1"/>
+          </p:cNvSpPr>
+          <p:nvPr>
+            <p:ph type="title"/>
+          </p:nvPr>
+        </p:nvSpPr>
+        <p:spPr/>
+        <p:txBody>
+          <a:bodyPr/>
+          <a:lstStyle/>
+          <a:p>
+            <a:r>
+              <a:rPr lang="en-US" dirty="0" smtClean="0"/>
+              <a:t>(Review) File system should look like:</a:t>
+            </a:r>
+            <a:endParaRPr lang="en-US" dirty="0"/>
+          </a:p>
+        </p:txBody>
+      </p:sp>
+      <p:pic>
+        <p:nvPicPr>
+          <p:cNvPr id="5" name="Picture 4"/>
+          <p:cNvPicPr>
+            <a:picLocks noChangeAspect="1"/>
+          </p:cNvPicPr>
+          <p:nvPr/>
+        </p:nvPicPr>
+        <p:blipFill>
+          <a:blip r:embed="rId3"/>
+          <a:stretch>
+            <a:fillRect/>
+          </a:stretch>
+        </p:blipFill>
+        <p:spPr>
+          <a:xfrm>
+            <a:off x="2561417" y="2007030"/>
+            <a:ext cx="6604609" cy="4006796"/>
+          </a:xfrm>
+          <a:prstGeom prst="rect">
+            <a:avLst/>
+          </a:prstGeom>
+        </p:spPr>
+      </p:pic>
+    </p:spTree>
+    <p:extLst>
+      <p:ext uri="{BB962C8B-B14F-4D97-AF65-F5344CB8AC3E}">
+        <p14:creationId xmlns:p14="http://schemas.microsoft.com/office/powerpoint/2010/main" val="808586848"/>
+      </p:ext>
+    </p:extLst>
+  </p:cSld>
+  <p:clrMapOvr>
+    <a:masterClrMapping/>
+  </p:clrMapOvr>
+</p:sld>
+</file>
+
+<file path=ppt/slides/slide27.xml><?xml version="1.0" encoding="utf-8"?>
+<p:sld xmlns:a="http://schemas.openxmlformats.org/drawingml/2006/main" xmlns:r="http://schemas.openxmlformats.org/officeDocument/2006/relationships" xmlns:p="http://schemas.openxmlformats.org/presentationml/2006/main">
+  <p:cSld>
+    <p:spTree>
+      <p:nvGrpSpPr>
+        <p:cNvPr id="1" name=""/>
+        <p:cNvGrpSpPr/>
+        <p:nvPr/>
+      </p:nvGrpSpPr>
+      <p:grpSpPr>
+        <a:xfrm>
+          <a:off x="0" y="0"/>
+          <a:ext cx="0" cy="0"/>
+          <a:chOff x="0" y="0"/>
+          <a:chExt cx="0" cy="0"/>
+        </a:xfrm>
+      </p:grpSpPr>
+      <p:sp>
+        <p:nvSpPr>
+          <p:cNvPr id="2" name="Title 1"/>
+          <p:cNvSpPr>
+            <a:spLocks noGrp="1"/>
+          </p:cNvSpPr>
+          <p:nvPr>
+            <p:ph type="ctrTitle"/>
+          </p:nvPr>
+        </p:nvSpPr>
+        <p:spPr/>
+        <p:txBody>
+          <a:bodyPr/>
+          <a:lstStyle/>
+          <a:p>
+            <a:r>
+              <a:rPr lang="en-US" dirty="0" smtClean="0"/>
+              <a:t>Begin writing code!</a:t>
+            </a:r>
+            <a:endParaRPr lang="en-US" dirty="0"/>
+          </a:p>
+        </p:txBody>
+      </p:sp>
+      <p:sp>
+        <p:nvSpPr>
+          <p:cNvPr id="5" name="Subtitle 4"/>
+          <p:cNvSpPr>
+            <a:spLocks noGrp="1"/>
+          </p:cNvSpPr>
+          <p:nvPr>
+            <p:ph type="subTitle" idx="1"/>
+          </p:nvPr>
+        </p:nvSpPr>
+        <p:spPr/>
+        <p:txBody>
+          <a:bodyPr/>
+          <a:lstStyle/>
+          <a:p>
+            <a:r>
+              <a:rPr lang="en-US" dirty="0" smtClean="0"/>
+              <a:t>Let’s recreate this monster (follow along)</a:t>
+            </a:r>
+            <a:endParaRPr lang="en-US" dirty="0"/>
+          </a:p>
+        </p:txBody>
+      </p:sp>
+    </p:spTree>
+    <p:extLst>
+      <p:ext uri="{BB962C8B-B14F-4D97-AF65-F5344CB8AC3E}">
+        <p14:creationId xmlns:p14="http://schemas.microsoft.com/office/powerpoint/2010/main" val="3899806170"/>
+      </p:ext>
+    </p:extLst>
+  </p:cSld>
+  <p:clrMapOvr>
+    <a:masterClrMapping/>
+  </p:clrMapOvr>
+</p:sld>
+</file>
+
+<file path=ppt/slides/slide28.xml><?xml version="1.0" encoding="utf-8"?>
+<p:sld xmlns:a="http://schemas.openxmlformats.org/drawingml/2006/main" xmlns:r="http://schemas.openxmlformats.org/officeDocument/2006/relationships" xmlns:p="http://schemas.openxmlformats.org/presentationml/2006/main">
+  <p:cSld>
+    <p:spTree>
+      <p:nvGrpSpPr>
+        <p:cNvPr id="1" name=""/>
+        <p:cNvGrpSpPr/>
+        <p:nvPr/>
+      </p:nvGrpSpPr>
+      <p:grpSpPr>
+        <a:xfrm>
+          <a:off x="0" y="0"/>
+          <a:ext cx="0" cy="0"/>
+          <a:chOff x="0" y="0"/>
+          <a:chExt cx="0" cy="0"/>
+        </a:xfrm>
+      </p:grpSpPr>
+      <p:sp>
+        <p:nvSpPr>
+          <p:cNvPr id="2" name="Title 1"/>
+          <p:cNvSpPr>
+            <a:spLocks noGrp="1"/>
+          </p:cNvSpPr>
+          <p:nvPr>
+            <p:ph type="title"/>
+          </p:nvPr>
+        </p:nvSpPr>
+        <p:spPr/>
+        <p:txBody>
+          <a:bodyPr/>
+          <a:lstStyle/>
+          <a:p>
+            <a:r>
+              <a:rPr lang="en-US" dirty="0" smtClean="0"/>
+              <a:t>1a. Beginning with D3</a:t>
+            </a:r>
+            <a:endParaRPr lang="en-US" dirty="0"/>
+          </a:p>
+        </p:txBody>
+      </p:sp>
+      <p:sp>
+        <p:nvSpPr>
+          <p:cNvPr id="3" name="Content Placeholder 2"/>
+          <p:cNvSpPr>
+            <a:spLocks noGrp="1"/>
+          </p:cNvSpPr>
+          <p:nvPr>
+            <p:ph idx="1"/>
+          </p:nvPr>
+        </p:nvSpPr>
+        <p:spPr>
+          <a:xfrm>
+            <a:off x="838200" y="1825625"/>
+            <a:ext cx="10515600" cy="4777476"/>
+          </a:xfrm>
+        </p:spPr>
+        <p:txBody>
+          <a:bodyPr/>
+          <a:lstStyle/>
+          <a:p>
+            <a:pPr marL="0" indent="0">
+              <a:buNone/>
+            </a:pPr>
+            <a:r>
+              <a:rPr lang="en-US" i="1" dirty="0" smtClean="0"/>
+              <a:t>Once we get set up, we should only visit controller (and </a:t>
+            </a:r>
+            <a:r>
+              <a:rPr lang="en-US" i="1" dirty="0" err="1" smtClean="0"/>
+              <a:t>css</a:t>
+            </a:r>
+            <a:r>
+              <a:rPr lang="en-US" i="1" dirty="0" smtClean="0"/>
+              <a:t>)</a:t>
+            </a:r>
+          </a:p>
+          <a:p>
+            <a:r>
+              <a:rPr lang="en-US" dirty="0" smtClean="0"/>
+              <a:t>Select the “#graph” element</a:t>
+            </a:r>
+          </a:p>
+          <a:p>
+            <a:pPr lvl="1"/>
+            <a:r>
+              <a:rPr lang="en-US" dirty="0" smtClean="0"/>
+              <a:t>Reference this with a </a:t>
+            </a:r>
+            <a:r>
+              <a:rPr lang="en-US" b="1" i="1" dirty="0" err="1" smtClean="0">
+                <a:solidFill>
+                  <a:schemeClr val="accent1">
+                    <a:lumMod val="60000"/>
+                    <a:lumOff val="40000"/>
+                  </a:schemeClr>
+                </a:solidFill>
+              </a:rPr>
+              <a:t>var</a:t>
+            </a:r>
+            <a:r>
+              <a:rPr lang="en-US" b="1" i="1" dirty="0">
+                <a:solidFill>
+                  <a:schemeClr val="accent1">
+                    <a:lumMod val="60000"/>
+                    <a:lumOff val="40000"/>
+                  </a:schemeClr>
+                </a:solidFill>
+              </a:rPr>
+              <a:t> </a:t>
+            </a:r>
+            <a:endParaRPr lang="en-US" b="1" i="1" dirty="0" smtClean="0">
+              <a:solidFill>
+                <a:schemeClr val="accent1">
+                  <a:lumMod val="60000"/>
+                  <a:lumOff val="40000"/>
+                </a:schemeClr>
+              </a:solidFill>
+            </a:endParaRPr>
+          </a:p>
+          <a:p>
+            <a:pPr lvl="1"/>
+            <a:r>
+              <a:rPr lang="en-US" dirty="0" smtClean="0"/>
+              <a:t>Give it dimensions</a:t>
+            </a:r>
+          </a:p>
+          <a:p>
+            <a:r>
+              <a:rPr lang="en-US" dirty="0" smtClean="0"/>
+              <a:t>Append g</a:t>
+            </a:r>
+          </a:p>
+          <a:p>
+            <a:pPr lvl="1"/>
+            <a:r>
+              <a:rPr lang="en-US" dirty="0" smtClean="0"/>
+              <a:t>Reference this g with a </a:t>
+            </a:r>
+            <a:r>
+              <a:rPr lang="en-US" b="1" i="1" dirty="0" err="1" smtClean="0">
+                <a:solidFill>
+                  <a:schemeClr val="accent1">
+                    <a:lumMod val="60000"/>
+                    <a:lumOff val="40000"/>
+                  </a:schemeClr>
+                </a:solidFill>
+              </a:rPr>
+              <a:t>var</a:t>
+            </a:r>
+            <a:endParaRPr lang="en-US" b="1" i="1" dirty="0" smtClean="0">
+              <a:solidFill>
+                <a:schemeClr val="accent1">
+                  <a:lumMod val="60000"/>
+                  <a:lumOff val="40000"/>
+                </a:schemeClr>
+              </a:solidFill>
+            </a:endParaRPr>
+          </a:p>
+          <a:p>
+            <a:r>
+              <a:rPr lang="en-US" dirty="0" err="1" smtClean="0"/>
+              <a:t>g.selectAll</a:t>
+            </a:r>
+            <a:r>
+              <a:rPr lang="en-US" dirty="0" smtClean="0"/>
+              <a:t>(‘.bar’)</a:t>
+            </a:r>
+          </a:p>
+          <a:p>
+            <a:pPr marL="457200" lvl="1" indent="0">
+              <a:buNone/>
+            </a:pPr>
+            <a:r>
+              <a:rPr lang="en-US" dirty="0" smtClean="0"/>
+              <a:t>.data(data)</a:t>
+            </a:r>
+          </a:p>
+          <a:p>
+            <a:pPr marL="457200" lvl="1" indent="0">
+              <a:buNone/>
+            </a:pPr>
+            <a:r>
+              <a:rPr lang="en-US" dirty="0" smtClean="0"/>
+              <a:t>.enter().append(‘</a:t>
+            </a:r>
+            <a:r>
+              <a:rPr lang="en-US" dirty="0" err="1" smtClean="0"/>
+              <a:t>rect</a:t>
+            </a:r>
+            <a:r>
+              <a:rPr lang="en-US" dirty="0" smtClean="0"/>
+              <a:t>’)</a:t>
+            </a:r>
+            <a:endParaRPr lang="en-US" dirty="0"/>
+          </a:p>
+          <a:p>
+            <a:r>
+              <a:rPr lang="en-US" dirty="0"/>
+              <a:t>Discuss SVG types &amp; explain </a:t>
+            </a:r>
+            <a:r>
+              <a:rPr lang="en-US" dirty="0" smtClean="0"/>
+              <a:t>SVG</a:t>
+            </a:r>
+            <a:endParaRPr lang="en-US" dirty="0"/>
+          </a:p>
+        </p:txBody>
+      </p:sp>
+    </p:spTree>
+    <p:extLst>
+      <p:ext uri="{BB962C8B-B14F-4D97-AF65-F5344CB8AC3E}">
+        <p14:creationId xmlns:p14="http://schemas.microsoft.com/office/powerpoint/2010/main" val="674903255"/>
+      </p:ext>
+    </p:extLst>
+  </p:cSld>
+  <p:clrMapOvr>
+    <a:masterClrMapping/>
+  </p:clrMapOvr>
+</p:sld>
+</file>
+
+<file path=ppt/slides/slide29.xml><?xml version="1.0" encoding="utf-8"?>
+<p:sld xmlns:a="http://schemas.openxmlformats.org/drawingml/2006/main" xmlns:r="http://schemas.openxmlformats.org/officeDocument/2006/relationships" xmlns:p="http://schemas.openxmlformats.org/presentationml/2006/main">
+  <p:cSld>
+    <p:spTree>
+      <p:nvGrpSpPr>
+        <p:cNvPr id="1" name=""/>
+        <p:cNvGrpSpPr/>
+        <p:nvPr/>
+      </p:nvGrpSpPr>
+      <p:grpSpPr>
+        <a:xfrm>
+          <a:off x="0" y="0"/>
+          <a:ext cx="0" cy="0"/>
+          <a:chOff x="0" y="0"/>
+          <a:chExt cx="0" cy="0"/>
+        </a:xfrm>
+      </p:grpSpPr>
+      <p:sp>
+        <p:nvSpPr>
+          <p:cNvPr id="2" name="Title 1"/>
+          <p:cNvSpPr>
+            <a:spLocks noGrp="1"/>
+          </p:cNvSpPr>
+          <p:nvPr>
+            <p:ph type="title"/>
+          </p:nvPr>
+        </p:nvSpPr>
+        <p:spPr/>
+        <p:txBody>
+          <a:bodyPr/>
+          <a:lstStyle/>
+          <a:p>
+            <a:r>
+              <a:rPr lang="en-US" dirty="0" smtClean="0"/>
+              <a:t>1b. Use the bound data!</a:t>
+            </a:r>
+            <a:endParaRPr lang="en-US" dirty="0"/>
+          </a:p>
+        </p:txBody>
+      </p:sp>
+      <p:sp>
+        <p:nvSpPr>
+          <p:cNvPr id="3" name="Content Placeholder 2"/>
+          <p:cNvSpPr>
+            <a:spLocks noGrp="1"/>
+          </p:cNvSpPr>
+          <p:nvPr>
+            <p:ph idx="1"/>
+          </p:nvPr>
+        </p:nvSpPr>
+        <p:spPr/>
+        <p:txBody>
+          <a:bodyPr/>
+          <a:lstStyle/>
+          <a:p>
+            <a:r>
+              <a:rPr lang="en-US" dirty="0" smtClean="0"/>
+              <a:t>Make height = </a:t>
+            </a:r>
+            <a:r>
+              <a:rPr lang="en-US" dirty="0" err="1" smtClean="0"/>
+              <a:t>d.frequency</a:t>
+            </a:r>
+            <a:endParaRPr lang="en-US" dirty="0" smtClean="0"/>
+          </a:p>
+          <a:p>
+            <a:r>
+              <a:rPr lang="en-US" dirty="0" smtClean="0"/>
+              <a:t>Make width = 10</a:t>
+            </a:r>
+          </a:p>
+          <a:p>
+            <a:r>
+              <a:rPr lang="en-US" dirty="0" smtClean="0"/>
+              <a:t>Make x = </a:t>
+            </a:r>
+            <a:r>
+              <a:rPr lang="en-US" dirty="0" err="1" smtClean="0"/>
+              <a:t>i</a:t>
+            </a:r>
+            <a:r>
+              <a:rPr lang="en-US" dirty="0" smtClean="0"/>
+              <a:t>*10</a:t>
+            </a:r>
+          </a:p>
+          <a:p>
+            <a:endParaRPr lang="en-US" dirty="0" smtClean="0"/>
+          </a:p>
+          <a:p>
+            <a:r>
+              <a:rPr lang="en-US" dirty="0" smtClean="0"/>
+              <a:t>Try:</a:t>
+            </a:r>
+          </a:p>
+          <a:p>
+            <a:r>
+              <a:rPr lang="en-US" dirty="0"/>
+              <a:t>Make height = 1000x the frequency</a:t>
+            </a:r>
+          </a:p>
+          <a:p>
+            <a:r>
+              <a:rPr lang="en-US" dirty="0"/>
+              <a:t>Make width = 20</a:t>
+            </a:r>
+          </a:p>
+          <a:p>
+            <a:r>
+              <a:rPr lang="en-US" dirty="0"/>
+              <a:t>Make x = </a:t>
+            </a:r>
+            <a:r>
+              <a:rPr lang="en-US" dirty="0" err="1" smtClean="0"/>
+              <a:t>i</a:t>
+            </a:r>
+            <a:r>
+              <a:rPr lang="en-US" dirty="0" smtClean="0"/>
+              <a:t>*22</a:t>
+            </a:r>
+            <a:endParaRPr lang="en-US" dirty="0"/>
+          </a:p>
+          <a:p>
+            <a:endParaRPr lang="en-US" dirty="0"/>
+          </a:p>
+        </p:txBody>
+      </p:sp>
+    </p:spTree>
+    <p:extLst>
+      <p:ext uri="{BB962C8B-B14F-4D97-AF65-F5344CB8AC3E}">
+        <p14:creationId xmlns:p14="http://schemas.microsoft.com/office/powerpoint/2010/main" val="1930288520"/>
+      </p:ext>
+    </p:extLst>
+  </p:cSld>
+  <p:clrMapOvr>
+    <a:masterClrMapping/>
+  </p:clrMapOvr>
+</p:sld>
+</file>
+
+<file path=ppt/slides/slide3.xml><?xml version="1.0" encoding="utf-8"?>
+<p:sld xmlns:a="http://schemas.openxmlformats.org/drawingml/2006/main" xmlns:r="http://schemas.openxmlformats.org/officeDocument/2006/relationships" xmlns:p="http://schemas.openxmlformats.org/presentationml/2006/main">
+  <p:cSld>
+    <p:spTree>
+      <p:nvGrpSpPr>
+        <p:cNvPr id="1" name=""/>
+        <p:cNvGrpSpPr/>
+        <p:nvPr/>
+      </p:nvGrpSpPr>
+      <p:grpSpPr>
+        <a:xfrm>
+          <a:off x="0" y="0"/>
+          <a:ext cx="0" cy="0"/>
+          <a:chOff x="0" y="0"/>
+          <a:chExt cx="0" cy="0"/>
+        </a:xfrm>
+      </p:grpSpPr>
+      <p:sp>
+        <p:nvSpPr>
+          <p:cNvPr id="2" name="Title 1"/>
+          <p:cNvSpPr>
+            <a:spLocks noGrp="1"/>
+          </p:cNvSpPr>
+          <p:nvPr>
+            <p:ph type="title"/>
+          </p:nvPr>
+        </p:nvSpPr>
+        <p:spPr/>
+        <p:txBody>
+          <a:bodyPr/>
+          <a:lstStyle/>
+          <a:p>
+            <a:r>
+              <a:rPr lang="en-US" dirty="0" smtClean="0"/>
+              <a:t>Getting Started:</a:t>
+            </a:r>
+            <a:endParaRPr lang="en-US" dirty="0"/>
+          </a:p>
+        </p:txBody>
+      </p:sp>
+      <p:sp>
+        <p:nvSpPr>
+          <p:cNvPr id="3" name="Content Placeholder 2"/>
+          <p:cNvSpPr>
+            <a:spLocks noGrp="1"/>
+          </p:cNvSpPr>
+          <p:nvPr>
+            <p:ph idx="1"/>
+          </p:nvPr>
+        </p:nvSpPr>
+        <p:spPr/>
+        <p:txBody>
+          <a:bodyPr/>
+          <a:lstStyle/>
+          <a:p>
+            <a:r>
+              <a:rPr lang="en-US" dirty="0" smtClean="0"/>
+              <a:t>Task #1</a:t>
+            </a:r>
+            <a:r>
+              <a:rPr lang="en-US" dirty="0" smtClean="0"/>
+              <a:t>:</a:t>
+            </a:r>
+          </a:p>
+          <a:p>
+            <a:r>
+              <a:rPr lang="en-US" dirty="0" smtClean="0"/>
+              <a:t>Get </a:t>
+            </a:r>
+            <a:r>
+              <a:rPr lang="en-US" dirty="0"/>
+              <a:t>a text editor: </a:t>
+            </a:r>
+            <a:r>
+              <a:rPr lang="en-US" b="1" dirty="0"/>
+              <a:t>Sublime</a:t>
+            </a:r>
+            <a:r>
+              <a:rPr lang="en-US" dirty="0"/>
+              <a:t>, Atom, Notepad++, or </a:t>
+            </a:r>
+            <a:r>
+              <a:rPr lang="en-US" dirty="0" smtClean="0"/>
+              <a:t>Brackets</a:t>
+            </a:r>
+          </a:p>
+          <a:p>
+            <a:r>
+              <a:rPr lang="en-US" dirty="0" smtClean="0"/>
+              <a:t>Make sure you have either </a:t>
+            </a:r>
+            <a:r>
+              <a:rPr lang="en-US" b="1" dirty="0" smtClean="0"/>
+              <a:t>Chrome </a:t>
+            </a:r>
+            <a:r>
+              <a:rPr lang="en-US" dirty="0" smtClean="0"/>
+              <a:t>or Firefox</a:t>
+            </a:r>
+          </a:p>
+          <a:p>
+            <a:endParaRPr lang="en-US" dirty="0" smtClean="0"/>
+          </a:p>
+          <a:p>
+            <a:r>
+              <a:rPr lang="en-US" dirty="0" smtClean="0"/>
+              <a:t>Task #2</a:t>
+            </a:r>
+            <a:r>
+              <a:rPr lang="en-US" dirty="0" smtClean="0"/>
+              <a:t>:</a:t>
+            </a:r>
+            <a:endParaRPr lang="en-US" dirty="0"/>
+          </a:p>
+          <a:p>
+            <a:r>
+              <a:rPr lang="en-US" dirty="0" smtClean="0"/>
+              <a:t>Open the “barchart_ready.html” file in your </a:t>
+            </a:r>
+            <a:r>
+              <a:rPr lang="en-US" b="1" dirty="0" smtClean="0"/>
+              <a:t>browser</a:t>
+            </a:r>
+          </a:p>
+          <a:p>
+            <a:r>
+              <a:rPr lang="en-US" dirty="0" smtClean="0"/>
+              <a:t>Open the “barchart_ready.html” file in your </a:t>
+            </a:r>
+            <a:r>
+              <a:rPr lang="en-US" b="1" dirty="0" smtClean="0"/>
+              <a:t>text editor</a:t>
+            </a:r>
+          </a:p>
+          <a:p>
+            <a:endParaRPr lang="en-US" dirty="0"/>
+          </a:p>
+        </p:txBody>
+      </p:sp>
+    </p:spTree>
+    <p:extLst>
+      <p:ext uri="{BB962C8B-B14F-4D97-AF65-F5344CB8AC3E}">
+        <p14:creationId xmlns:p14="http://schemas.microsoft.com/office/powerpoint/2010/main" val="2894837639"/>
+      </p:ext>
+    </p:extLst>
+  </p:cSld>
+  <p:clrMapOvr>
+    <a:masterClrMapping/>
+  </p:clrMapOvr>
+  <p:timing>
+    <p:tnLst>
+      <p:par>
+        <p:cTn id="1" dur="indefinite" restart="never" nodeType="tmRoot"/>
+      </p:par>
+    </p:tnLst>
+  </p:timing>
+</p:sld>
+</file>
+
+<file path=ppt/slides/slide30.xml><?xml version="1.0" encoding="utf-8"?>
+<p:sld xmlns:a="http://schemas.openxmlformats.org/drawingml/2006/main" xmlns:r="http://schemas.openxmlformats.org/officeDocument/2006/relationships" xmlns:p="http://schemas.openxmlformats.org/presentationml/2006/main">
+  <p:cSld>
+    <p:spTree>
+      <p:nvGrpSpPr>
+        <p:cNvPr id="1" name=""/>
+        <p:cNvGrpSpPr/>
+        <p:nvPr/>
+      </p:nvGrpSpPr>
+      <p:grpSpPr>
+        <a:xfrm>
+          <a:off x="0" y="0"/>
+          <a:ext cx="0" cy="0"/>
+          <a:chOff x="0" y="0"/>
+          <a:chExt cx="0" cy="0"/>
+        </a:xfrm>
+      </p:grpSpPr>
+      <p:sp>
+        <p:nvSpPr>
+          <p:cNvPr id="2" name="Title 1"/>
+          <p:cNvSpPr>
+            <a:spLocks noGrp="1"/>
+          </p:cNvSpPr>
+          <p:nvPr>
+            <p:ph type="title"/>
+          </p:nvPr>
+        </p:nvSpPr>
+        <p:spPr/>
+        <p:txBody>
+          <a:bodyPr/>
+          <a:lstStyle/>
+          <a:p>
+            <a:r>
+              <a:rPr lang="en-US" dirty="0" smtClean="0"/>
+              <a:t>1c. How to inspect</a:t>
+            </a:r>
+            <a:endParaRPr lang="en-US" dirty="0"/>
+          </a:p>
+        </p:txBody>
+      </p:sp>
+      <p:sp>
+        <p:nvSpPr>
+          <p:cNvPr id="3" name="Content Placeholder 2"/>
+          <p:cNvSpPr>
+            <a:spLocks noGrp="1"/>
+          </p:cNvSpPr>
+          <p:nvPr>
+            <p:ph idx="1"/>
+          </p:nvPr>
+        </p:nvSpPr>
+        <p:spPr/>
+        <p:txBody>
+          <a:bodyPr/>
+          <a:lstStyle/>
+          <a:p>
+            <a:r>
+              <a:rPr lang="en-US" dirty="0" smtClean="0"/>
+              <a:t>Show __data__ property of the element</a:t>
+            </a:r>
+          </a:p>
+          <a:p>
+            <a:r>
+              <a:rPr lang="en-US" dirty="0" smtClean="0"/>
+              <a:t>Show console.log(this)</a:t>
+            </a:r>
+          </a:p>
+          <a:p>
+            <a:pPr lvl="1"/>
+            <a:r>
+              <a:rPr lang="en-US" dirty="0" smtClean="0"/>
+              <a:t>(</a:t>
+            </a:r>
+            <a:r>
+              <a:rPr lang="en-US" dirty="0" err="1" smtClean="0"/>
+              <a:t>i</a:t>
+            </a:r>
+            <a:r>
+              <a:rPr lang="en-US" dirty="0" smtClean="0"/>
+              <a:t>)</a:t>
+            </a:r>
+          </a:p>
+          <a:p>
+            <a:pPr lvl="1"/>
+            <a:r>
+              <a:rPr lang="en-US" dirty="0" smtClean="0"/>
+              <a:t>(d)</a:t>
+            </a:r>
+          </a:p>
+          <a:p>
+            <a:pPr lvl="1"/>
+            <a:r>
+              <a:rPr lang="en-US" dirty="0" smtClean="0"/>
+              <a:t>d3.select(this)</a:t>
+            </a:r>
+          </a:p>
+          <a:p>
+            <a:endParaRPr lang="en-US" dirty="0" smtClean="0"/>
+          </a:p>
+        </p:txBody>
+      </p:sp>
+    </p:spTree>
+    <p:extLst>
+      <p:ext uri="{BB962C8B-B14F-4D97-AF65-F5344CB8AC3E}">
+        <p14:creationId xmlns:p14="http://schemas.microsoft.com/office/powerpoint/2010/main" val="3300785810"/>
+      </p:ext>
+    </p:extLst>
+  </p:cSld>
+  <p:clrMapOvr>
+    <a:masterClrMapping/>
+  </p:clrMapOvr>
+</p:sld>
+</file>
+
+<file path=ppt/slides/slide31.xml><?xml version="1.0" encoding="utf-8"?>
+<p:sld xmlns:a="http://schemas.openxmlformats.org/drawingml/2006/main" xmlns:r="http://schemas.openxmlformats.org/officeDocument/2006/relationships" xmlns:p="http://schemas.openxmlformats.org/presentationml/2006/main">
+  <p:cSld>
+    <p:spTree>
+      <p:nvGrpSpPr>
+        <p:cNvPr id="1" name=""/>
+        <p:cNvGrpSpPr/>
+        <p:nvPr/>
+      </p:nvGrpSpPr>
+      <p:grpSpPr>
+        <a:xfrm>
+          <a:off x="0" y="0"/>
+          <a:ext cx="0" cy="0"/>
+          <a:chOff x="0" y="0"/>
+          <a:chExt cx="0" cy="0"/>
+        </a:xfrm>
+      </p:grpSpPr>
+      <p:sp>
+        <p:nvSpPr>
+          <p:cNvPr id="2" name="Title 1"/>
+          <p:cNvSpPr>
+            <a:spLocks noGrp="1"/>
+          </p:cNvSpPr>
+          <p:nvPr>
+            <p:ph type="title"/>
+          </p:nvPr>
+        </p:nvSpPr>
+        <p:spPr/>
+        <p:txBody>
+          <a:bodyPr/>
+          <a:lstStyle/>
+          <a:p>
+            <a:r>
+              <a:rPr lang="en-US" dirty="0" smtClean="0"/>
+              <a:t>2. Build a scale that makes sense</a:t>
+            </a:r>
+            <a:endParaRPr lang="en-US" dirty="0"/>
+          </a:p>
+        </p:txBody>
+      </p:sp>
+      <p:sp>
+        <p:nvSpPr>
+          <p:cNvPr id="3" name="Content Placeholder 2"/>
+          <p:cNvSpPr>
+            <a:spLocks noGrp="1"/>
+          </p:cNvSpPr>
+          <p:nvPr>
+            <p:ph idx="1"/>
+          </p:nvPr>
+        </p:nvSpPr>
+        <p:spPr/>
+        <p:txBody>
+          <a:bodyPr/>
+          <a:lstStyle/>
+          <a:p>
+            <a:r>
+              <a:rPr lang="en-US" dirty="0" smtClean="0"/>
+              <a:t>Create margin object</a:t>
+            </a:r>
+          </a:p>
+          <a:p>
+            <a:r>
+              <a:rPr lang="en-US" dirty="0" smtClean="0"/>
+              <a:t>Create “actual” width/height variables, subtracting the margins</a:t>
+            </a:r>
+          </a:p>
+          <a:p>
+            <a:endParaRPr lang="en-US" dirty="0" smtClean="0"/>
+          </a:p>
+          <a:p>
+            <a:r>
+              <a:rPr lang="en-US" dirty="0" smtClean="0"/>
+              <a:t>Pass these to x range - band (width) and y range - linear (height)</a:t>
+            </a:r>
+          </a:p>
+          <a:p>
+            <a:r>
+              <a:rPr lang="en-US" dirty="0" smtClean="0"/>
+              <a:t>Pass our data to the domain, using map for letters and max </a:t>
+            </a:r>
+            <a:r>
+              <a:rPr lang="en-US" smtClean="0"/>
+              <a:t>for frequency</a:t>
+            </a:r>
+            <a:endParaRPr lang="en-US" dirty="0" smtClean="0"/>
+          </a:p>
+          <a:p>
+            <a:endParaRPr lang="en-US" dirty="0"/>
+          </a:p>
+          <a:p>
+            <a:r>
+              <a:rPr lang="en-US" dirty="0" smtClean="0"/>
+              <a:t>Update our </a:t>
+            </a:r>
+            <a:r>
+              <a:rPr lang="en-US" dirty="0" err="1" smtClean="0"/>
+              <a:t>attr</a:t>
+            </a:r>
+            <a:r>
+              <a:rPr lang="en-US" dirty="0" smtClean="0"/>
+              <a:t> binding to use these new things</a:t>
+            </a:r>
+          </a:p>
+        </p:txBody>
+      </p:sp>
+    </p:spTree>
+    <p:extLst>
+      <p:ext uri="{BB962C8B-B14F-4D97-AF65-F5344CB8AC3E}">
+        <p14:creationId xmlns:p14="http://schemas.microsoft.com/office/powerpoint/2010/main" val="1165932269"/>
+      </p:ext>
+    </p:extLst>
+  </p:cSld>
+  <p:clrMapOvr>
+    <a:masterClrMapping/>
+  </p:clrMapOvr>
+</p:sld>
+</file>
+
+<file path=ppt/slides/slide32.xml><?xml version="1.0" encoding="utf-8"?>
+<p:sld xmlns:a="http://schemas.openxmlformats.org/drawingml/2006/main" xmlns:r="http://schemas.openxmlformats.org/officeDocument/2006/relationships" xmlns:p="http://schemas.openxmlformats.org/presentationml/2006/main">
+  <p:cSld>
+    <p:spTree>
+      <p:nvGrpSpPr>
+        <p:cNvPr id="1" name=""/>
+        <p:cNvGrpSpPr/>
+        <p:nvPr/>
+      </p:nvGrpSpPr>
+      <p:grpSpPr>
+        <a:xfrm>
+          <a:off x="0" y="0"/>
+          <a:ext cx="0" cy="0"/>
+          <a:chOff x="0" y="0"/>
+          <a:chExt cx="0" cy="0"/>
+        </a:xfrm>
+      </p:grpSpPr>
+      <p:sp>
+        <p:nvSpPr>
+          <p:cNvPr id="2" name="Title 1"/>
+          <p:cNvSpPr>
+            <a:spLocks noGrp="1"/>
+          </p:cNvSpPr>
+          <p:nvPr>
+            <p:ph type="title"/>
+          </p:nvPr>
+        </p:nvSpPr>
+        <p:spPr/>
+        <p:txBody>
+          <a:bodyPr/>
+          <a:lstStyle/>
+          <a:p>
+            <a:r>
+              <a:rPr lang="en-US" dirty="0" smtClean="0"/>
+              <a:t>3. Add the axes and some styling</a:t>
+            </a:r>
+            <a:endParaRPr lang="en-US" dirty="0"/>
+          </a:p>
+        </p:txBody>
+      </p:sp>
+      <p:sp>
+        <p:nvSpPr>
+          <p:cNvPr id="3" name="Content Placeholder 2"/>
+          <p:cNvSpPr>
+            <a:spLocks noGrp="1"/>
+          </p:cNvSpPr>
+          <p:nvPr>
+            <p:ph idx="1"/>
+          </p:nvPr>
+        </p:nvSpPr>
+        <p:spPr/>
+        <p:txBody>
+          <a:bodyPr/>
+          <a:lstStyle/>
+          <a:p>
+            <a:r>
+              <a:rPr lang="en-US" dirty="0" smtClean="0"/>
+              <a:t>Append g with an </a:t>
+            </a:r>
+            <a:r>
+              <a:rPr lang="en-US" dirty="0" err="1" smtClean="0"/>
+              <a:t>axisBottom</a:t>
+            </a:r>
+            <a:r>
+              <a:rPr lang="en-US" dirty="0" smtClean="0"/>
+              <a:t> on x, translate for height (to put on bottom – otherwise it is a downward axis on the top)</a:t>
+            </a:r>
+          </a:p>
+          <a:p>
+            <a:endParaRPr lang="en-US" dirty="0" smtClean="0"/>
+          </a:p>
+          <a:p>
+            <a:r>
+              <a:rPr lang="en-US" dirty="0" smtClean="0"/>
+              <a:t>Append g with an axis for y, add 10 ticks with %</a:t>
+            </a:r>
+          </a:p>
+          <a:p>
+            <a:endParaRPr lang="en-US" dirty="0" smtClean="0"/>
+          </a:p>
+          <a:p>
+            <a:r>
+              <a:rPr lang="en-US" dirty="0" smtClean="0"/>
+              <a:t>Open our empty index.css </a:t>
+            </a:r>
+          </a:p>
+          <a:p>
+            <a:pPr lvl="1"/>
+            <a:r>
+              <a:rPr lang="en-US" dirty="0" smtClean="0"/>
+              <a:t>Add fill color for .bar class and .</a:t>
+            </a:r>
+            <a:r>
+              <a:rPr lang="en-US" dirty="0" err="1" smtClean="0"/>
+              <a:t>bar:hover</a:t>
+            </a:r>
+            <a:endParaRPr lang="en-US" dirty="0" smtClean="0"/>
+          </a:p>
+          <a:p>
+            <a:pPr lvl="1"/>
+            <a:r>
+              <a:rPr lang="en-US" dirty="0" smtClean="0"/>
+              <a:t>Remove axis--x path</a:t>
+            </a:r>
+          </a:p>
+          <a:p>
+            <a:endParaRPr lang="en-US" dirty="0"/>
+          </a:p>
+        </p:txBody>
+      </p:sp>
+    </p:spTree>
+    <p:extLst>
+      <p:ext uri="{BB962C8B-B14F-4D97-AF65-F5344CB8AC3E}">
+        <p14:creationId xmlns:p14="http://schemas.microsoft.com/office/powerpoint/2010/main" val="4110432089"/>
+      </p:ext>
+    </p:extLst>
+  </p:cSld>
+  <p:clrMapOvr>
+    <a:masterClrMapping/>
+  </p:clrMapOvr>
+</p:sld>
+</file>
+
+<file path=ppt/slides/slide33.xml><?xml version="1.0" encoding="utf-8"?>
+<p:sld xmlns:a="http://schemas.openxmlformats.org/drawingml/2006/main" xmlns:r="http://schemas.openxmlformats.org/officeDocument/2006/relationships" xmlns:p="http://schemas.openxmlformats.org/presentationml/2006/main">
+  <p:cSld>
+    <p:spTree>
+      <p:nvGrpSpPr>
+        <p:cNvPr id="1" name=""/>
+        <p:cNvGrpSpPr/>
+        <p:nvPr/>
+      </p:nvGrpSpPr>
+      <p:grpSpPr>
+        <a:xfrm>
+          <a:off x="0" y="0"/>
+          <a:ext cx="0" cy="0"/>
+          <a:chOff x="0" y="0"/>
+          <a:chExt cx="0" cy="0"/>
+        </a:xfrm>
+      </p:grpSpPr>
+      <p:sp>
+        <p:nvSpPr>
+          <p:cNvPr id="4" name="Title 3"/>
+          <p:cNvSpPr>
+            <a:spLocks noGrp="1"/>
+          </p:cNvSpPr>
+          <p:nvPr>
+            <p:ph type="ctrTitle"/>
+          </p:nvPr>
+        </p:nvSpPr>
+        <p:spPr/>
+        <p:txBody>
+          <a:bodyPr/>
+          <a:lstStyle/>
+          <a:p>
+            <a:r>
+              <a:rPr lang="en-US" dirty="0" smtClean="0"/>
+              <a:t>Resources</a:t>
+            </a:r>
+            <a:endParaRPr lang="en-US" dirty="0"/>
+          </a:p>
+        </p:txBody>
+      </p:sp>
+      <p:sp>
+        <p:nvSpPr>
+          <p:cNvPr id="5" name="Subtitle 4"/>
+          <p:cNvSpPr>
+            <a:spLocks noGrp="1"/>
+          </p:cNvSpPr>
+          <p:nvPr>
+            <p:ph type="subTitle" idx="1"/>
+          </p:nvPr>
+        </p:nvSpPr>
+        <p:spPr/>
+        <p:txBody>
+          <a:bodyPr/>
+          <a:lstStyle/>
+          <a:p>
+            <a:r>
+              <a:rPr lang="en-US" dirty="0" smtClean="0"/>
+              <a:t>Things you should explore when looking further</a:t>
+            </a:r>
+            <a:endParaRPr lang="en-US" dirty="0"/>
+          </a:p>
+        </p:txBody>
+      </p:sp>
+    </p:spTree>
+    <p:extLst>
+      <p:ext uri="{BB962C8B-B14F-4D97-AF65-F5344CB8AC3E}">
+        <p14:creationId xmlns:p14="http://schemas.microsoft.com/office/powerpoint/2010/main" val="2724028488"/>
+      </p:ext>
+    </p:extLst>
+  </p:cSld>
+  <p:clrMapOvr>
+    <a:masterClrMapping/>
+  </p:clrMapOvr>
+</p:sld>
+</file>
+
+<file path=ppt/slides/slide34.xml><?xml version="1.0" encoding="utf-8"?>
+<p:sld xmlns:a="http://schemas.openxmlformats.org/drawingml/2006/main" xmlns:r="http://schemas.openxmlformats.org/officeDocument/2006/relationships" xmlns:p="http://schemas.openxmlformats.org/presentationml/2006/main">
+  <p:cSld>
+    <p:spTree>
+      <p:nvGrpSpPr>
+        <p:cNvPr id="1" name=""/>
+        <p:cNvGrpSpPr/>
+        <p:nvPr/>
+      </p:nvGrpSpPr>
+      <p:grpSpPr>
+        <a:xfrm>
+          <a:off x="0" y="0"/>
+          <a:ext cx="0" cy="0"/>
+          <a:chOff x="0" y="0"/>
+          <a:chExt cx="0" cy="0"/>
+        </a:xfrm>
+      </p:grpSpPr>
+      <p:sp>
+        <p:nvSpPr>
+          <p:cNvPr id="2" name="Title 1"/>
+          <p:cNvSpPr>
+            <a:spLocks noGrp="1"/>
+          </p:cNvSpPr>
+          <p:nvPr>
+            <p:ph type="ctrTitle"/>
+          </p:nvPr>
+        </p:nvSpPr>
+        <p:spPr/>
+        <p:txBody>
+          <a:bodyPr/>
+          <a:lstStyle/>
+          <a:p>
+            <a:r>
+              <a:rPr lang="en-US" dirty="0" smtClean="0"/>
+              <a:t>Read </a:t>
+            </a:r>
+            <a:r>
+              <a:rPr lang="en-US" dirty="0" smtClean="0"/>
+              <a:t>the API </a:t>
+            </a:r>
+            <a:r>
+              <a:rPr lang="en-US" dirty="0" smtClean="0"/>
+              <a:t>docs!</a:t>
+            </a:r>
+            <a:endParaRPr lang="en-US" dirty="0"/>
+          </a:p>
+        </p:txBody>
+      </p:sp>
+      <p:sp>
+        <p:nvSpPr>
+          <p:cNvPr id="3" name="Content Placeholder 2"/>
+          <p:cNvSpPr>
+            <a:spLocks noGrp="1"/>
+          </p:cNvSpPr>
+          <p:nvPr>
+            <p:ph type="subTitle" idx="1"/>
+          </p:nvPr>
+        </p:nvSpPr>
+        <p:spPr/>
+        <p:txBody>
+          <a:bodyPr/>
+          <a:lstStyle/>
+          <a:p>
+            <a:r>
+              <a:rPr lang="en-US" b="1" dirty="0" smtClean="0"/>
+              <a:t>D3: </a:t>
+            </a:r>
+            <a:r>
+              <a:rPr lang="en-US" dirty="0" smtClean="0"/>
+              <a:t>https</a:t>
+            </a:r>
+            <a:r>
+              <a:rPr lang="en-US" dirty="0"/>
+              <a:t>://</a:t>
+            </a:r>
+            <a:r>
+              <a:rPr lang="en-US" dirty="0" smtClean="0"/>
+              <a:t>github.com/d3/d3/wiki</a:t>
+            </a:r>
+          </a:p>
+          <a:p>
+            <a:r>
+              <a:rPr lang="en-US" b="1" dirty="0"/>
+              <a:t>Web: </a:t>
+            </a:r>
+            <a:r>
+              <a:rPr lang="en-US" dirty="0"/>
+              <a:t>https://developer.mozilla.org/en-US/</a:t>
+            </a:r>
+          </a:p>
+        </p:txBody>
+      </p:sp>
+    </p:spTree>
+    <p:extLst>
+      <p:ext uri="{BB962C8B-B14F-4D97-AF65-F5344CB8AC3E}">
+        <p14:creationId xmlns:p14="http://schemas.microsoft.com/office/powerpoint/2010/main" val="2779721294"/>
+      </p:ext>
+    </p:extLst>
+  </p:cSld>
+  <p:clrMapOvr>
+    <a:masterClrMapping/>
+  </p:clrMapOvr>
+</p:sld>
+</file>
+
+<file path=ppt/slides/slide35.xml><?xml version="1.0" encoding="utf-8"?>
+<p:sld xmlns:a="http://schemas.openxmlformats.org/drawingml/2006/main" xmlns:r="http://schemas.openxmlformats.org/officeDocument/2006/relationships" xmlns:p="http://schemas.openxmlformats.org/presentationml/2006/main">
+  <p:cSld>
+    <p:spTree>
+      <p:nvGrpSpPr>
+        <p:cNvPr id="1" name=""/>
+        <p:cNvGrpSpPr/>
+        <p:nvPr/>
+      </p:nvGrpSpPr>
+      <p:grpSpPr>
+        <a:xfrm>
+          <a:off x="0" y="0"/>
+          <a:ext cx="0" cy="0"/>
+          <a:chOff x="0" y="0"/>
+          <a:chExt cx="0" cy="0"/>
+        </a:xfrm>
+      </p:grpSpPr>
+      <p:sp>
+        <p:nvSpPr>
+          <p:cNvPr id="4" name="Title 3"/>
+          <p:cNvSpPr>
+            <a:spLocks noGrp="1"/>
+          </p:cNvSpPr>
+          <p:nvPr>
+            <p:ph type="ctrTitle"/>
+          </p:nvPr>
+        </p:nvSpPr>
+        <p:spPr/>
+        <p:txBody>
+          <a:bodyPr/>
+          <a:lstStyle/>
+          <a:p>
+            <a:r>
+              <a:rPr lang="en-US" dirty="0" smtClean="0"/>
+              <a:t>Top 3 resources:</a:t>
+            </a:r>
+            <a:endParaRPr lang="en-US" dirty="0"/>
+          </a:p>
+        </p:txBody>
+      </p:sp>
+      <p:sp>
+        <p:nvSpPr>
+          <p:cNvPr id="5" name="Subtitle 4"/>
+          <p:cNvSpPr>
+            <a:spLocks noGrp="1"/>
+          </p:cNvSpPr>
+          <p:nvPr>
+            <p:ph type="subTitle" idx="1"/>
+          </p:nvPr>
+        </p:nvSpPr>
+        <p:spPr/>
+        <p:txBody>
+          <a:bodyPr/>
+          <a:lstStyle/>
+          <a:p>
+            <a:r>
+              <a:rPr lang="en-US" dirty="0" smtClean="0"/>
+              <a:t>The d3 API documentation</a:t>
+            </a:r>
+          </a:p>
+          <a:p>
+            <a:r>
+              <a:rPr lang="en-US" dirty="0" smtClean="0"/>
+              <a:t>MDN web standards documentation</a:t>
+            </a:r>
+          </a:p>
+          <a:p>
+            <a:r>
+              <a:rPr lang="en-US" dirty="0"/>
+              <a:t>Googling </a:t>
+            </a:r>
+            <a:r>
+              <a:rPr lang="en-US" dirty="0" smtClean="0"/>
+              <a:t>things you want to make </a:t>
+            </a:r>
+            <a:r>
+              <a:rPr lang="en-US" dirty="0"/>
+              <a:t>(“d3 scatterplot </a:t>
+            </a:r>
+            <a:r>
+              <a:rPr lang="en-US" dirty="0" err="1"/>
+              <a:t>bl.ocks</a:t>
+            </a:r>
+            <a:r>
+              <a:rPr lang="en-US" dirty="0"/>
+              <a:t>”)</a:t>
+            </a:r>
+          </a:p>
+          <a:p>
+            <a:endParaRPr lang="en-US" dirty="0"/>
+          </a:p>
+        </p:txBody>
+      </p:sp>
+    </p:spTree>
+    <p:extLst>
+      <p:ext uri="{BB962C8B-B14F-4D97-AF65-F5344CB8AC3E}">
+        <p14:creationId xmlns:p14="http://schemas.microsoft.com/office/powerpoint/2010/main" val="3084310567"/>
+      </p:ext>
+    </p:extLst>
+  </p:cSld>
+  <p:clrMapOvr>
+    <a:masterClrMapping/>
+  </p:clrMapOvr>
+</p:sld>
+</file>
+
+<file path=ppt/slides/slide36.xml><?xml version="1.0" encoding="utf-8"?>
+<p:sld xmlns:a="http://schemas.openxmlformats.org/drawingml/2006/main" xmlns:r="http://schemas.openxmlformats.org/officeDocument/2006/relationships" xmlns:p="http://schemas.openxmlformats.org/presentationml/2006/main">
+  <p:cSld>
+    <p:spTree>
+      <p:nvGrpSpPr>
+        <p:cNvPr id="1" name=""/>
+        <p:cNvGrpSpPr/>
+        <p:nvPr/>
+      </p:nvGrpSpPr>
+      <p:grpSpPr>
+        <a:xfrm>
+          <a:off x="0" y="0"/>
+          <a:ext cx="0" cy="0"/>
+          <a:chOff x="0" y="0"/>
+          <a:chExt cx="0" cy="0"/>
+        </a:xfrm>
+      </p:grpSpPr>
+      <p:sp>
+        <p:nvSpPr>
+          <p:cNvPr id="2" name="Title 1"/>
+          <p:cNvSpPr>
+            <a:spLocks noGrp="1"/>
+          </p:cNvSpPr>
+          <p:nvPr>
+            <p:ph type="ctrTitle"/>
+          </p:nvPr>
+        </p:nvSpPr>
+        <p:spPr>
+          <a:xfrm>
+            <a:off x="1524000" y="174567"/>
+            <a:ext cx="9144000" cy="982894"/>
+          </a:xfrm>
+        </p:spPr>
+        <p:txBody>
+          <a:bodyPr/>
+          <a:lstStyle/>
+          <a:p>
+            <a:r>
+              <a:rPr lang="en-US" dirty="0" smtClean="0"/>
+              <a:t>Listing the Basics:</a:t>
+            </a:r>
+            <a:endParaRPr lang="en-US" dirty="0"/>
+          </a:p>
+        </p:txBody>
+      </p:sp>
+      <p:sp>
+        <p:nvSpPr>
+          <p:cNvPr id="3" name="Subtitle 2"/>
+          <p:cNvSpPr>
+            <a:spLocks noGrp="1"/>
+          </p:cNvSpPr>
+          <p:nvPr>
+            <p:ph type="subTitle" idx="1"/>
+          </p:nvPr>
+        </p:nvSpPr>
+        <p:spPr>
+          <a:xfrm>
+            <a:off x="2219498" y="1263535"/>
+            <a:ext cx="7753004" cy="5412394"/>
+          </a:xfrm>
+        </p:spPr>
+        <p:txBody>
+          <a:bodyPr>
+            <a:normAutofit/>
+          </a:bodyPr>
+          <a:lstStyle/>
+          <a:p>
+            <a:pPr algn="l"/>
+            <a:r>
+              <a:rPr lang="en-US" sz="2800" b="1" dirty="0" smtClean="0"/>
+              <a:t>Know what these are, you will use them often:</a:t>
+            </a:r>
+          </a:p>
+          <a:p>
+            <a:pPr marL="342900" indent="-342900" algn="l">
+              <a:buFont typeface="Arial" panose="020B0604020202020204" pitchFamily="34" charset="0"/>
+              <a:buChar char="•"/>
+            </a:pPr>
+            <a:r>
+              <a:rPr lang="en-US" dirty="0" smtClean="0"/>
+              <a:t>Selections (select, </a:t>
+            </a:r>
+            <a:r>
+              <a:rPr lang="en-US" dirty="0" err="1" smtClean="0"/>
+              <a:t>selectAll</a:t>
+            </a:r>
+            <a:r>
+              <a:rPr lang="en-US" dirty="0" smtClean="0"/>
+              <a:t> and how they work)</a:t>
+            </a:r>
+          </a:p>
+          <a:p>
+            <a:pPr marL="342900" indent="-342900" algn="l">
+              <a:buFont typeface="Arial" panose="020B0604020202020204" pitchFamily="34" charset="0"/>
+              <a:buChar char="•"/>
+            </a:pPr>
+            <a:r>
+              <a:rPr lang="en-US" dirty="0" smtClean="0"/>
+              <a:t>SVG types (circle, </a:t>
+            </a:r>
+            <a:r>
+              <a:rPr lang="en-US" dirty="0" err="1" smtClean="0"/>
+              <a:t>rect</a:t>
+            </a:r>
+            <a:r>
+              <a:rPr lang="en-US" dirty="0" smtClean="0"/>
+              <a:t>, text, path)</a:t>
+            </a:r>
+          </a:p>
+          <a:p>
+            <a:pPr marL="342900" indent="-342900" algn="l">
+              <a:buFont typeface="Arial" panose="020B0604020202020204" pitchFamily="34" charset="0"/>
+              <a:buChar char="•"/>
+            </a:pPr>
+            <a:r>
+              <a:rPr lang="en-US" dirty="0" smtClean="0"/>
+              <a:t>Data Enter/Append</a:t>
+            </a:r>
+          </a:p>
+          <a:p>
+            <a:pPr marL="342900" indent="-342900" algn="l">
+              <a:buFont typeface="Arial" panose="020B0604020202020204" pitchFamily="34" charset="0"/>
+              <a:buChar char="•"/>
+            </a:pPr>
+            <a:r>
+              <a:rPr lang="en-US" dirty="0" smtClean="0"/>
+              <a:t>Data Exit/Remove</a:t>
+            </a:r>
+          </a:p>
+          <a:p>
+            <a:pPr marL="342900" indent="-342900" algn="l">
+              <a:buFont typeface="Arial" panose="020B0604020202020204" pitchFamily="34" charset="0"/>
+              <a:buChar char="•"/>
+            </a:pPr>
+            <a:r>
+              <a:rPr lang="en-US" dirty="0" smtClean="0"/>
+              <a:t>Chaining</a:t>
+            </a:r>
+          </a:p>
+          <a:p>
+            <a:pPr marL="342900" indent="-342900" algn="l">
+              <a:buFont typeface="Arial" panose="020B0604020202020204" pitchFamily="34" charset="0"/>
+              <a:buChar char="•"/>
+            </a:pPr>
+            <a:r>
+              <a:rPr lang="en-US" dirty="0" err="1" smtClean="0"/>
+              <a:t>Attributes+Transitions</a:t>
+            </a:r>
+            <a:endParaRPr lang="en-US" dirty="0" smtClean="0"/>
+          </a:p>
+          <a:p>
+            <a:pPr marL="342900" indent="-342900" algn="l">
+              <a:buFont typeface="Arial" panose="020B0604020202020204" pitchFamily="34" charset="0"/>
+              <a:buChar char="•"/>
+            </a:pPr>
+            <a:r>
+              <a:rPr lang="en-US" dirty="0" smtClean="0"/>
+              <a:t>Arrays: Min/Max/Range, Keys, Merge, Nest</a:t>
+            </a:r>
+          </a:p>
+          <a:p>
+            <a:pPr marL="342900" indent="-342900" algn="l">
+              <a:buFont typeface="Arial" panose="020B0604020202020204" pitchFamily="34" charset="0"/>
+              <a:buChar char="•"/>
+            </a:pPr>
+            <a:r>
+              <a:rPr lang="en-US" dirty="0" smtClean="0"/>
+              <a:t>Scales</a:t>
+            </a:r>
+          </a:p>
+          <a:p>
+            <a:pPr marL="342900" indent="-342900" algn="l">
+              <a:buFont typeface="Arial" panose="020B0604020202020204" pitchFamily="34" charset="0"/>
+              <a:buChar char="•"/>
+            </a:pPr>
+            <a:r>
+              <a:rPr lang="en-US" dirty="0" smtClean="0"/>
+              <a:t>Color</a:t>
+            </a:r>
+          </a:p>
+          <a:p>
+            <a:pPr marL="342900" indent="-342900" algn="l">
+              <a:buFont typeface="Arial" panose="020B0604020202020204" pitchFamily="34" charset="0"/>
+              <a:buChar char="•"/>
+            </a:pPr>
+            <a:r>
+              <a:rPr lang="en-US" dirty="0" smtClean="0"/>
+              <a:t>Axes</a:t>
+            </a:r>
+            <a:endParaRPr lang="en-US" dirty="0"/>
+          </a:p>
+        </p:txBody>
+      </p:sp>
+    </p:spTree>
+    <p:extLst>
+      <p:ext uri="{BB962C8B-B14F-4D97-AF65-F5344CB8AC3E}">
+        <p14:creationId xmlns:p14="http://schemas.microsoft.com/office/powerpoint/2010/main" val="1452815126"/>
+      </p:ext>
+    </p:extLst>
+  </p:cSld>
+  <p:clrMapOvr>
+    <a:masterClrMapping/>
+  </p:clrMapOvr>
+</p:sld>
+</file>
+
+<file path=ppt/slides/slide37.xml><?xml version="1.0" encoding="utf-8"?>
+<p:sld xmlns:a="http://schemas.openxmlformats.org/drawingml/2006/main" xmlns:r="http://schemas.openxmlformats.org/officeDocument/2006/relationships" xmlns:p="http://schemas.openxmlformats.org/presentationml/2006/main">
+  <p:cSld>
+    <p:spTree>
+      <p:nvGrpSpPr>
+        <p:cNvPr id="1" name=""/>
+        <p:cNvGrpSpPr/>
+        <p:nvPr/>
+      </p:nvGrpSpPr>
+      <p:grpSpPr>
+        <a:xfrm>
+          <a:off x="0" y="0"/>
+          <a:ext cx="0" cy="0"/>
+          <a:chOff x="0" y="0"/>
+          <a:chExt cx="0" cy="0"/>
+        </a:xfrm>
+      </p:grpSpPr>
+      <p:sp>
+        <p:nvSpPr>
+          <p:cNvPr id="2" name="Title 1"/>
+          <p:cNvSpPr>
+            <a:spLocks noGrp="1"/>
+          </p:cNvSpPr>
+          <p:nvPr>
+            <p:ph type="ctrTitle"/>
+          </p:nvPr>
+        </p:nvSpPr>
+        <p:spPr/>
+        <p:txBody>
+          <a:bodyPr/>
+          <a:lstStyle/>
+          <a:p>
+            <a:r>
+              <a:rPr lang="en-US" dirty="0" smtClean="0"/>
+              <a:t>Design Basics for Charts</a:t>
+            </a:r>
+            <a:endParaRPr lang="en-US" dirty="0"/>
+          </a:p>
+        </p:txBody>
+      </p:sp>
+      <p:sp>
+        <p:nvSpPr>
+          <p:cNvPr id="3" name="Subtitle 2"/>
+          <p:cNvSpPr>
+            <a:spLocks noGrp="1"/>
+          </p:cNvSpPr>
+          <p:nvPr>
+            <p:ph type="subTitle" idx="1"/>
+          </p:nvPr>
+        </p:nvSpPr>
+        <p:spPr/>
+        <p:txBody>
+          <a:bodyPr/>
+          <a:lstStyle/>
+          <a:p>
+            <a:r>
+              <a:rPr lang="en-US" sz="4000" dirty="0"/>
+              <a:t>http://</a:t>
+            </a:r>
+            <a:r>
+              <a:rPr lang="en-US" sz="4000" dirty="0" smtClean="0"/>
+              <a:t>bit.ly/1RfYZxm</a:t>
+            </a:r>
+          </a:p>
+          <a:p>
+            <a:r>
+              <a:rPr lang="en-US" dirty="0" smtClean="0"/>
+              <a:t>Worth mentioning: There are additional </a:t>
+            </a:r>
+            <a:r>
+              <a:rPr lang="en-US" dirty="0" err="1" smtClean="0"/>
+              <a:t>slidedecks</a:t>
+            </a:r>
+            <a:r>
+              <a:rPr lang="en-US" dirty="0" smtClean="0"/>
+              <a:t> by the above authors on Maps, Pie Charts, and even Data Tables</a:t>
+            </a:r>
+            <a:endParaRPr lang="en-US" dirty="0"/>
+          </a:p>
+        </p:txBody>
+      </p:sp>
+    </p:spTree>
+    <p:extLst>
+      <p:ext uri="{BB962C8B-B14F-4D97-AF65-F5344CB8AC3E}">
+        <p14:creationId xmlns:p14="http://schemas.microsoft.com/office/powerpoint/2010/main" val="4186733631"/>
+      </p:ext>
+    </p:extLst>
+  </p:cSld>
+  <p:clrMapOvr>
+    <a:masterClrMapping/>
+  </p:clrMapOvr>
+</p:sld>
+</file>
+
+<file path=ppt/slides/slide38.xml><?xml version="1.0" encoding="utf-8"?>
+<p:sld xmlns:a="http://schemas.openxmlformats.org/drawingml/2006/main" xmlns:r="http://schemas.openxmlformats.org/officeDocument/2006/relationships" xmlns:p="http://schemas.openxmlformats.org/presentationml/2006/main">
+  <p:cSld>
+    <p:spTree>
+      <p:nvGrpSpPr>
+        <p:cNvPr id="1" name=""/>
+        <p:cNvGrpSpPr/>
+        <p:nvPr/>
+      </p:nvGrpSpPr>
+      <p:grpSpPr>
+        <a:xfrm>
+          <a:off x="0" y="0"/>
+          <a:ext cx="0" cy="0"/>
+          <a:chOff x="0" y="0"/>
+          <a:chExt cx="0" cy="0"/>
+        </a:xfrm>
+      </p:grpSpPr>
+      <p:sp>
+        <p:nvSpPr>
+          <p:cNvPr id="2" name="Title 1"/>
+          <p:cNvSpPr>
+            <a:spLocks noGrp="1"/>
+          </p:cNvSpPr>
+          <p:nvPr>
+            <p:ph type="ctrTitle"/>
+          </p:nvPr>
+        </p:nvSpPr>
+        <p:spPr>
+          <a:xfrm>
+            <a:off x="987829" y="108066"/>
+            <a:ext cx="10216342" cy="1273838"/>
+          </a:xfrm>
+        </p:spPr>
+        <p:txBody>
+          <a:bodyPr/>
+          <a:lstStyle/>
+          <a:p>
+            <a:r>
+              <a:rPr lang="en-US" dirty="0" smtClean="0"/>
+              <a:t>Advanced d3 Abilities</a:t>
+            </a:r>
+            <a:endParaRPr lang="en-US" dirty="0"/>
+          </a:p>
+        </p:txBody>
+      </p:sp>
+      <p:sp>
+        <p:nvSpPr>
+          <p:cNvPr id="3" name="Subtitle 2"/>
+          <p:cNvSpPr>
+            <a:spLocks noGrp="1"/>
+          </p:cNvSpPr>
+          <p:nvPr>
+            <p:ph type="subTitle" idx="1"/>
+          </p:nvPr>
+        </p:nvSpPr>
+        <p:spPr>
+          <a:xfrm>
+            <a:off x="201337" y="1975104"/>
+            <a:ext cx="6317673" cy="4160559"/>
+          </a:xfrm>
+        </p:spPr>
+        <p:txBody>
+          <a:bodyPr>
+            <a:normAutofit/>
+          </a:bodyPr>
+          <a:lstStyle/>
+          <a:p>
+            <a:pPr algn="l"/>
+            <a:r>
+              <a:rPr lang="en-US" b="1" dirty="0"/>
+              <a:t>Curve Interpolations: </a:t>
+            </a:r>
+            <a:r>
+              <a:rPr lang="en-US" dirty="0"/>
+              <a:t>http://</a:t>
+            </a:r>
+            <a:r>
+              <a:rPr lang="en-US" dirty="0" smtClean="0"/>
+              <a:t>bit.ly/2xR9VxX</a:t>
+            </a:r>
+            <a:endParaRPr lang="en-US" dirty="0"/>
+          </a:p>
+          <a:p>
+            <a:pPr algn="l"/>
+            <a:r>
+              <a:rPr lang="en-US" b="1" dirty="0" err="1" smtClean="0"/>
+              <a:t>Voronoi</a:t>
+            </a:r>
+            <a:r>
+              <a:rPr lang="en-US" b="1" dirty="0" smtClean="0"/>
+              <a:t>: </a:t>
+            </a:r>
+            <a:r>
+              <a:rPr lang="en-US" dirty="0"/>
+              <a:t>http://</a:t>
+            </a:r>
+            <a:r>
+              <a:rPr lang="en-US" dirty="0" smtClean="0"/>
+              <a:t>bit.ly/2gK35mi </a:t>
+            </a:r>
+          </a:p>
+          <a:p>
+            <a:pPr algn="l"/>
+            <a:r>
+              <a:rPr lang="en-US" dirty="0"/>
+              <a:t>	https://</a:t>
+            </a:r>
+            <a:r>
+              <a:rPr lang="en-US" dirty="0" smtClean="0"/>
+              <a:t>bl.ocks.org/mbostock/4060366</a:t>
+            </a:r>
+          </a:p>
+          <a:p>
+            <a:pPr algn="l"/>
+            <a:r>
+              <a:rPr lang="en-US" b="1" dirty="0" smtClean="0"/>
+              <a:t>Zooming: </a:t>
+            </a:r>
+            <a:r>
+              <a:rPr lang="en-US" dirty="0"/>
+              <a:t>http://</a:t>
+            </a:r>
+            <a:r>
+              <a:rPr lang="en-US" dirty="0" smtClean="0"/>
+              <a:t>bit.ly/2f6WYsg</a:t>
+            </a:r>
+          </a:p>
+          <a:p>
+            <a:pPr algn="l"/>
+            <a:r>
+              <a:rPr lang="en-US" b="1" dirty="0" smtClean="0"/>
+              <a:t>Brushing/Zooming: </a:t>
+            </a:r>
+            <a:r>
+              <a:rPr lang="en-US" dirty="0"/>
+              <a:t>http://bit.ly/2lTjfef</a:t>
+            </a:r>
+            <a:endParaRPr lang="en-US" dirty="0" smtClean="0"/>
+          </a:p>
+          <a:p>
+            <a:pPr algn="l"/>
+            <a:r>
+              <a:rPr lang="en-US" b="1" dirty="0" smtClean="0"/>
+              <a:t>Stacking:</a:t>
+            </a:r>
+            <a:r>
+              <a:rPr lang="en-US" dirty="0"/>
+              <a:t> http://</a:t>
+            </a:r>
+            <a:r>
+              <a:rPr lang="en-US" dirty="0" smtClean="0"/>
+              <a:t>bl.ocks.org/mbostock/582915</a:t>
+            </a:r>
+          </a:p>
+          <a:p>
+            <a:pPr algn="l"/>
+            <a:r>
+              <a:rPr lang="en-US" b="1" dirty="0" smtClean="0"/>
+              <a:t>Collision Constraint: </a:t>
+            </a:r>
+            <a:r>
+              <a:rPr lang="en-US" dirty="0"/>
+              <a:t>http://</a:t>
+            </a:r>
+            <a:r>
+              <a:rPr lang="en-US" dirty="0" smtClean="0"/>
+              <a:t>bit.ly/2vOPk05</a:t>
+            </a:r>
+          </a:p>
+          <a:p>
+            <a:pPr algn="l"/>
+            <a:r>
+              <a:rPr lang="en-US" b="1" dirty="0" smtClean="0"/>
+              <a:t>Dragging: </a:t>
+            </a:r>
+            <a:r>
+              <a:rPr lang="en-US" dirty="0"/>
+              <a:t>http://</a:t>
+            </a:r>
+            <a:r>
+              <a:rPr lang="en-US" dirty="0" smtClean="0"/>
+              <a:t>bit.ly/2j6x5gH</a:t>
+            </a:r>
+          </a:p>
+          <a:p>
+            <a:pPr algn="l"/>
+            <a:r>
+              <a:rPr lang="en-US" b="1" dirty="0" smtClean="0"/>
+              <a:t>“Each”: </a:t>
+            </a:r>
+            <a:r>
+              <a:rPr lang="en-US" dirty="0"/>
+              <a:t>https://</a:t>
+            </a:r>
+            <a:r>
+              <a:rPr lang="en-US" dirty="0" smtClean="0"/>
+              <a:t>bl.ocks.org/mbostock/9490313</a:t>
+            </a:r>
+          </a:p>
+          <a:p>
+            <a:pPr algn="l"/>
+            <a:endParaRPr lang="en-US" dirty="0"/>
+          </a:p>
+        </p:txBody>
+      </p:sp>
+      <p:sp>
+        <p:nvSpPr>
+          <p:cNvPr id="4" name="Rectangle 3"/>
+          <p:cNvSpPr/>
+          <p:nvPr/>
+        </p:nvSpPr>
+        <p:spPr>
+          <a:xfrm>
+            <a:off x="6519010" y="3085888"/>
+            <a:ext cx="6096000" cy="1938992"/>
+          </a:xfrm>
+          <a:prstGeom prst="rect">
+            <a:avLst/>
+          </a:prstGeom>
+        </p:spPr>
+        <p:txBody>
+          <a:bodyPr>
+            <a:spAutoFit/>
+          </a:bodyPr>
+          <a:lstStyle/>
+          <a:p>
+            <a:r>
+              <a:rPr lang="en-US" sz="2400" b="1" dirty="0"/>
+              <a:t>Dispatching</a:t>
+            </a:r>
+            <a:r>
+              <a:rPr lang="en-US" sz="2400" dirty="0"/>
+              <a:t> (super advanced): https://</a:t>
+            </a:r>
+            <a:r>
+              <a:rPr lang="en-US" sz="2400" dirty="0" smtClean="0"/>
+              <a:t>bl.ocks.org/mbostock/5872848</a:t>
+            </a:r>
+          </a:p>
+          <a:p>
+            <a:endParaRPr lang="en-US" sz="2400" dirty="0"/>
+          </a:p>
+          <a:p>
+            <a:r>
+              <a:rPr lang="en-US" sz="2400" b="1" dirty="0"/>
+              <a:t>Modules/Plugins</a:t>
+            </a:r>
+            <a:r>
+              <a:rPr lang="en-US" sz="2400" dirty="0"/>
+              <a:t> (</a:t>
+            </a:r>
+            <a:r>
+              <a:rPr lang="en-US" sz="2400" i="1" dirty="0"/>
+              <a:t>most</a:t>
+            </a:r>
+            <a:r>
+              <a:rPr lang="en-US" sz="2400" dirty="0"/>
+              <a:t> advanced):</a:t>
+            </a:r>
+          </a:p>
+          <a:p>
+            <a:r>
+              <a:rPr lang="en-US" sz="2400" dirty="0"/>
+              <a:t>https://bost.ocks.org/mike/d3-plugin/</a:t>
+            </a:r>
+          </a:p>
+        </p:txBody>
+      </p:sp>
+    </p:spTree>
+    <p:extLst>
+      <p:ext uri="{BB962C8B-B14F-4D97-AF65-F5344CB8AC3E}">
+        <p14:creationId xmlns:p14="http://schemas.microsoft.com/office/powerpoint/2010/main" val="3499195240"/>
+      </p:ext>
+    </p:extLst>
+  </p:cSld>
+  <p:clrMapOvr>
+    <a:masterClrMapping/>
+  </p:clrMapOvr>
+</p:sld>
+</file>
+
+<file path=ppt/slides/slide39.xml><?xml version="1.0" encoding="utf-8"?>
+<p:sld xmlns:a="http://schemas.openxmlformats.org/drawingml/2006/main" xmlns:r="http://schemas.openxmlformats.org/officeDocument/2006/relationships" xmlns:p="http://schemas.openxmlformats.org/presentationml/2006/main">
+  <p:cSld>
+    <p:spTree>
+      <p:nvGrpSpPr>
+        <p:cNvPr id="1" name=""/>
+        <p:cNvGrpSpPr/>
+        <p:nvPr/>
+      </p:nvGrpSpPr>
+      <p:grpSpPr>
+        <a:xfrm>
+          <a:off x="0" y="0"/>
+          <a:ext cx="0" cy="0"/>
+          <a:chOff x="0" y="0"/>
+          <a:chExt cx="0" cy="0"/>
+        </a:xfrm>
+      </p:grpSpPr>
+      <p:sp>
+        <p:nvSpPr>
+          <p:cNvPr id="2" name="Title 1"/>
+          <p:cNvSpPr>
+            <a:spLocks noGrp="1"/>
+          </p:cNvSpPr>
+          <p:nvPr>
+            <p:ph type="ctrTitle"/>
+          </p:nvPr>
+        </p:nvSpPr>
+        <p:spPr/>
+        <p:txBody>
+          <a:bodyPr/>
+          <a:lstStyle/>
+          <a:p>
+            <a:r>
+              <a:rPr lang="en-US" dirty="0" smtClean="0"/>
+              <a:t>SVG Documentation</a:t>
+            </a:r>
+            <a:endParaRPr lang="en-US" dirty="0"/>
+          </a:p>
+        </p:txBody>
+      </p:sp>
+      <p:sp>
+        <p:nvSpPr>
+          <p:cNvPr id="3" name="Subtitle 2"/>
+          <p:cNvSpPr>
+            <a:spLocks noGrp="1"/>
+          </p:cNvSpPr>
+          <p:nvPr>
+            <p:ph type="subTitle" idx="1"/>
+          </p:nvPr>
+        </p:nvSpPr>
+        <p:spPr/>
+        <p:txBody>
+          <a:bodyPr/>
+          <a:lstStyle/>
+          <a:p>
+            <a:r>
+              <a:rPr lang="en-US" sz="4000" dirty="0"/>
+              <a:t>https://</a:t>
+            </a:r>
+            <a:r>
+              <a:rPr lang="en-US" sz="4000" dirty="0" smtClean="0"/>
+              <a:t>mzl.la/1nP24aN</a:t>
+            </a:r>
+          </a:p>
+          <a:p>
+            <a:r>
+              <a:rPr lang="en-US" dirty="0" smtClean="0"/>
+              <a:t>Check it: this is good to be familiar with, as is all of MDN</a:t>
+            </a:r>
+            <a:endParaRPr lang="en-US" dirty="0"/>
+          </a:p>
+        </p:txBody>
+      </p:sp>
+    </p:spTree>
+    <p:extLst>
+      <p:ext uri="{BB962C8B-B14F-4D97-AF65-F5344CB8AC3E}">
+        <p14:creationId xmlns:p14="http://schemas.microsoft.com/office/powerpoint/2010/main" val="3991108098"/>
+      </p:ext>
+    </p:extLst>
+  </p:cSld>
+  <p:clrMapOvr>
+    <a:masterClrMapping/>
+  </p:clrMapOvr>
+</p:sld>
+</file>
+
+<file path=ppt/slides/slide4.xml><?xml version="1.0" encoding="utf-8"?>
+<p:sld xmlns:a="http://schemas.openxmlformats.org/drawingml/2006/main" xmlns:r="http://schemas.openxmlformats.org/officeDocument/2006/relationships" xmlns:p="http://schemas.openxmlformats.org/presentationml/2006/main">
+  <p:cSld>
+    <p:spTree>
+      <p:nvGrpSpPr>
+        <p:cNvPr id="1" name=""/>
+        <p:cNvGrpSpPr/>
+        <p:nvPr/>
+      </p:nvGrpSpPr>
+      <p:grpSpPr>
+        <a:xfrm>
+          <a:off x="0" y="0"/>
+          <a:ext cx="0" cy="0"/>
+          <a:chOff x="0" y="0"/>
+          <a:chExt cx="0" cy="0"/>
+        </a:xfrm>
+      </p:grpSpPr>
+      <p:sp>
+        <p:nvSpPr>
+          <p:cNvPr id="2" name="Title 1"/>
+          <p:cNvSpPr>
+            <a:spLocks noGrp="1"/>
+          </p:cNvSpPr>
+          <p:nvPr>
+            <p:ph type="title"/>
+          </p:nvPr>
+        </p:nvSpPr>
+        <p:spPr/>
+        <p:txBody>
+          <a:bodyPr/>
+          <a:lstStyle/>
+          <a:p>
+            <a:r>
+              <a:rPr lang="en-US" dirty="0" smtClean="0"/>
+              <a:t>Task #3:</a:t>
+            </a:r>
+            <a:endParaRPr lang="en-US" dirty="0"/>
+          </a:p>
+        </p:txBody>
+      </p:sp>
+      <p:sp>
+        <p:nvSpPr>
+          <p:cNvPr id="3" name="Content Placeholder 2"/>
+          <p:cNvSpPr>
+            <a:spLocks noGrp="1"/>
+          </p:cNvSpPr>
+          <p:nvPr>
+            <p:ph idx="1"/>
+          </p:nvPr>
+        </p:nvSpPr>
+        <p:spPr/>
+        <p:txBody>
+          <a:bodyPr/>
+          <a:lstStyle/>
+          <a:p>
+            <a:r>
+              <a:rPr lang="en-US" dirty="0" smtClean="0"/>
+              <a:t>Open ‘controller.js’ in your text editor, let’s walk through this</a:t>
+            </a:r>
+          </a:p>
+        </p:txBody>
+      </p:sp>
+    </p:spTree>
+    <p:extLst>
+      <p:ext uri="{BB962C8B-B14F-4D97-AF65-F5344CB8AC3E}">
+        <p14:creationId xmlns:p14="http://schemas.microsoft.com/office/powerpoint/2010/main" val="772925614"/>
+      </p:ext>
+    </p:extLst>
+  </p:cSld>
+  <p:clrMapOvr>
+    <a:masterClrMapping/>
+  </p:clrMapOvr>
+</p:sld>
+</file>
+
+<file path=ppt/slides/slide40.xml><?xml version="1.0" encoding="utf-8"?>
+<p:sld xmlns:a="http://schemas.openxmlformats.org/drawingml/2006/main" xmlns:r="http://schemas.openxmlformats.org/officeDocument/2006/relationships" xmlns:p="http://schemas.openxmlformats.org/presentationml/2006/main">
+  <p:cSld>
+    <p:spTree>
+      <p:nvGrpSpPr>
+        <p:cNvPr id="1" name=""/>
+        <p:cNvGrpSpPr/>
+        <p:nvPr/>
+      </p:nvGrpSpPr>
+      <p:grpSpPr>
+        <a:xfrm>
+          <a:off x="0" y="0"/>
+          <a:ext cx="0" cy="0"/>
+          <a:chOff x="0" y="0"/>
+          <a:chExt cx="0" cy="0"/>
+        </a:xfrm>
+      </p:grpSpPr>
+      <p:sp>
+        <p:nvSpPr>
+          <p:cNvPr id="2" name="Title 1"/>
+          <p:cNvSpPr>
+            <a:spLocks noGrp="1"/>
+          </p:cNvSpPr>
+          <p:nvPr>
+            <p:ph type="ctrTitle"/>
+          </p:nvPr>
+        </p:nvSpPr>
+        <p:spPr/>
+        <p:txBody>
+          <a:bodyPr/>
+          <a:lstStyle/>
+          <a:p>
+            <a:r>
+              <a:rPr lang="en-US" dirty="0" smtClean="0"/>
+              <a:t>SVG Level 2</a:t>
+            </a:r>
+            <a:endParaRPr lang="en-US" dirty="0"/>
+          </a:p>
+        </p:txBody>
+      </p:sp>
+      <p:sp>
+        <p:nvSpPr>
+          <p:cNvPr id="3" name="Subtitle 2"/>
+          <p:cNvSpPr>
+            <a:spLocks noGrp="1"/>
+          </p:cNvSpPr>
+          <p:nvPr>
+            <p:ph type="subTitle" idx="1"/>
+          </p:nvPr>
+        </p:nvSpPr>
+        <p:spPr/>
+        <p:txBody>
+          <a:bodyPr/>
+          <a:lstStyle/>
+          <a:p>
+            <a:r>
+              <a:rPr lang="en-US" sz="4000" dirty="0"/>
+              <a:t>http://</a:t>
+            </a:r>
+            <a:r>
+              <a:rPr lang="en-US" sz="4000" dirty="0" smtClean="0"/>
+              <a:t>bit.ly/2xdgJsI</a:t>
+            </a:r>
+          </a:p>
+          <a:p>
+            <a:r>
+              <a:rPr lang="en-US" dirty="0" smtClean="0"/>
+              <a:t>Plug: </a:t>
+            </a:r>
+            <a:r>
+              <a:rPr lang="en-US" dirty="0" err="1" smtClean="0"/>
+              <a:t>VisualCinnamon</a:t>
+            </a:r>
+            <a:r>
+              <a:rPr lang="en-US" dirty="0" smtClean="0"/>
+              <a:t> is extraordinary. Their work on SVG in particular is the best I have found to date.</a:t>
+            </a:r>
+            <a:endParaRPr lang="en-US" dirty="0"/>
+          </a:p>
+        </p:txBody>
+      </p:sp>
+    </p:spTree>
+    <p:extLst>
+      <p:ext uri="{BB962C8B-B14F-4D97-AF65-F5344CB8AC3E}">
+        <p14:creationId xmlns:p14="http://schemas.microsoft.com/office/powerpoint/2010/main" val="3830241924"/>
+      </p:ext>
+    </p:extLst>
+  </p:cSld>
+  <p:clrMapOvr>
+    <a:masterClrMapping/>
+  </p:clrMapOvr>
+</p:sld>
+</file>
+
+<file path=ppt/slides/slide41.xml><?xml version="1.0" encoding="utf-8"?>
+<p:sld xmlns:a="http://schemas.openxmlformats.org/drawingml/2006/main" xmlns:r="http://schemas.openxmlformats.org/officeDocument/2006/relationships" xmlns:p="http://schemas.openxmlformats.org/presentationml/2006/main">
+  <p:cSld>
+    <p:spTree>
+      <p:nvGrpSpPr>
+        <p:cNvPr id="1" name=""/>
+        <p:cNvGrpSpPr/>
+        <p:nvPr/>
+      </p:nvGrpSpPr>
+      <p:grpSpPr>
+        <a:xfrm>
+          <a:off x="0" y="0"/>
+          <a:ext cx="0" cy="0"/>
+          <a:chOff x="0" y="0"/>
+          <a:chExt cx="0" cy="0"/>
+        </a:xfrm>
+      </p:grpSpPr>
+      <p:sp>
+        <p:nvSpPr>
+          <p:cNvPr id="2" name="Title 1"/>
+          <p:cNvSpPr>
+            <a:spLocks noGrp="1"/>
+          </p:cNvSpPr>
+          <p:nvPr>
+            <p:ph type="ctrTitle"/>
+          </p:nvPr>
+        </p:nvSpPr>
+        <p:spPr/>
+        <p:txBody>
+          <a:bodyPr/>
+          <a:lstStyle/>
+          <a:p>
+            <a:r>
+              <a:rPr lang="en-US" dirty="0" smtClean="0"/>
+              <a:t>Maps in D3</a:t>
+            </a:r>
+            <a:endParaRPr lang="en-US" dirty="0"/>
+          </a:p>
+        </p:txBody>
+      </p:sp>
+      <p:sp>
+        <p:nvSpPr>
+          <p:cNvPr id="3" name="Subtitle 2"/>
+          <p:cNvSpPr>
+            <a:spLocks noGrp="1"/>
+          </p:cNvSpPr>
+          <p:nvPr>
+            <p:ph type="subTitle" idx="1"/>
+          </p:nvPr>
+        </p:nvSpPr>
+        <p:spPr>
+          <a:xfrm>
+            <a:off x="1524000" y="3602037"/>
+            <a:ext cx="9144000" cy="2083868"/>
+          </a:xfrm>
+        </p:spPr>
+        <p:txBody>
+          <a:bodyPr>
+            <a:normAutofit lnSpcReduction="10000"/>
+          </a:bodyPr>
+          <a:lstStyle/>
+          <a:p>
+            <a:r>
+              <a:rPr lang="en-US" sz="4000" dirty="0"/>
+              <a:t>http://bit.ly/2f7o4Q5</a:t>
+            </a:r>
+            <a:endParaRPr lang="en-US" sz="6000" dirty="0" smtClean="0"/>
+          </a:p>
+          <a:p>
+            <a:r>
+              <a:rPr lang="en-US" sz="4000" dirty="0" smtClean="0"/>
+              <a:t>http</a:t>
+            </a:r>
+            <a:r>
+              <a:rPr lang="en-US" sz="4000" dirty="0"/>
+              <a:t>://</a:t>
+            </a:r>
+            <a:r>
+              <a:rPr lang="en-US" sz="4000" dirty="0" smtClean="0"/>
+              <a:t>oreil.ly/1UnNtFe</a:t>
+            </a:r>
+          </a:p>
+          <a:p>
+            <a:r>
+              <a:rPr lang="en-US" dirty="0" smtClean="0"/>
+              <a:t>Warning: This is advanced level!</a:t>
+            </a:r>
+          </a:p>
+          <a:p>
+            <a:r>
+              <a:rPr lang="en-US" sz="2000" dirty="0" smtClean="0"/>
+              <a:t>Also: The d3 library contains geo maps of many kinds already.</a:t>
+            </a:r>
+            <a:endParaRPr lang="en-US" sz="2000" dirty="0"/>
+          </a:p>
+        </p:txBody>
+      </p:sp>
+    </p:spTree>
+    <p:extLst>
+      <p:ext uri="{BB962C8B-B14F-4D97-AF65-F5344CB8AC3E}">
+        <p14:creationId xmlns:p14="http://schemas.microsoft.com/office/powerpoint/2010/main" val="1384479126"/>
+      </p:ext>
+    </p:extLst>
+  </p:cSld>
+  <p:clrMapOvr>
+    <a:masterClrMapping/>
+  </p:clrMapOvr>
+</p:sld>
+</file>
+
+<file path=ppt/slides/slide42.xml><?xml version="1.0" encoding="utf-8"?>
+<p:sld xmlns:a="http://schemas.openxmlformats.org/drawingml/2006/main" xmlns:r="http://schemas.openxmlformats.org/officeDocument/2006/relationships" xmlns:p="http://schemas.openxmlformats.org/presentationml/2006/main">
+  <p:cSld>
+    <p:spTree>
+      <p:nvGrpSpPr>
+        <p:cNvPr id="1" name=""/>
+        <p:cNvGrpSpPr/>
+        <p:nvPr/>
+      </p:nvGrpSpPr>
+      <p:grpSpPr>
+        <a:xfrm>
+          <a:off x="0" y="0"/>
+          <a:ext cx="0" cy="0"/>
+          <a:chOff x="0" y="0"/>
+          <a:chExt cx="0" cy="0"/>
+        </a:xfrm>
+      </p:grpSpPr>
+      <p:sp>
+        <p:nvSpPr>
+          <p:cNvPr id="2" name="Title 1"/>
+          <p:cNvSpPr>
+            <a:spLocks noGrp="1"/>
+          </p:cNvSpPr>
+          <p:nvPr>
+            <p:ph type="ctrTitle"/>
+          </p:nvPr>
+        </p:nvSpPr>
+        <p:spPr/>
+        <p:txBody>
+          <a:bodyPr/>
+          <a:lstStyle/>
+          <a:p>
+            <a:r>
+              <a:rPr lang="en-US" dirty="0" smtClean="0"/>
+              <a:t>D3’s Extensive Library:</a:t>
+            </a:r>
+            <a:endParaRPr lang="en-US" dirty="0"/>
+          </a:p>
+        </p:txBody>
+      </p:sp>
+      <p:sp>
+        <p:nvSpPr>
+          <p:cNvPr id="3" name="Subtitle 2"/>
+          <p:cNvSpPr>
+            <a:spLocks noGrp="1"/>
+          </p:cNvSpPr>
+          <p:nvPr>
+            <p:ph type="subTitle" idx="1"/>
+          </p:nvPr>
+        </p:nvSpPr>
+        <p:spPr>
+          <a:xfrm>
+            <a:off x="713509" y="3509963"/>
+            <a:ext cx="10764982" cy="3056457"/>
+          </a:xfrm>
+        </p:spPr>
+        <p:txBody>
+          <a:bodyPr>
+            <a:normAutofit/>
+          </a:bodyPr>
+          <a:lstStyle/>
+          <a:p>
+            <a:pPr algn="l"/>
+            <a:r>
+              <a:rPr lang="en-US" sz="4000" dirty="0"/>
+              <a:t>https://github.com/d3/d3/blob/master/API.md</a:t>
+            </a:r>
+          </a:p>
+          <a:p>
+            <a:pPr algn="l"/>
+            <a:endParaRPr lang="en-US" dirty="0" smtClean="0"/>
+          </a:p>
+          <a:p>
+            <a:pPr algn="l"/>
+            <a:r>
+              <a:rPr lang="en-US" dirty="0" smtClean="0"/>
+              <a:t>Statistics</a:t>
+            </a:r>
+            <a:r>
+              <a:rPr lang="en-US" dirty="0"/>
+              <a:t>, histograms (4 kinds), ES6’s Map/Set, Nesting, Data Ingestion (CSV, TSV, </a:t>
+            </a:r>
+            <a:r>
+              <a:rPr lang="en-US" dirty="0" err="1"/>
+              <a:t>etc</a:t>
+            </a:r>
+            <a:r>
+              <a:rPr lang="en-US" dirty="0"/>
+              <a:t>), many </a:t>
+            </a:r>
+            <a:r>
+              <a:rPr lang="en-US" dirty="0" smtClean="0"/>
+              <a:t>animation/easing/time </a:t>
+            </a:r>
+            <a:r>
+              <a:rPr lang="en-US" dirty="0"/>
+              <a:t>options, force/physics, geography and projections, spherical maps/math, and that is just the first 25% of it: </a:t>
+            </a:r>
+          </a:p>
+          <a:p>
+            <a:endParaRPr lang="en-US" dirty="0"/>
+          </a:p>
+        </p:txBody>
+      </p:sp>
+    </p:spTree>
+    <p:extLst>
+      <p:ext uri="{BB962C8B-B14F-4D97-AF65-F5344CB8AC3E}">
+        <p14:creationId xmlns:p14="http://schemas.microsoft.com/office/powerpoint/2010/main" val="1065099257"/>
+      </p:ext>
+    </p:extLst>
+  </p:cSld>
+  <p:clrMapOvr>
+    <a:masterClrMapping/>
+  </p:clrMapOvr>
+</p:sld>
+</file>
+
+<file path=ppt/slides/slide43.xml><?xml version="1.0" encoding="utf-8"?>
+<p:sld xmlns:a="http://schemas.openxmlformats.org/drawingml/2006/main" xmlns:r="http://schemas.openxmlformats.org/officeDocument/2006/relationships" xmlns:p="http://schemas.openxmlformats.org/presentationml/2006/main">
+  <p:cSld>
+    <p:spTree>
+      <p:nvGrpSpPr>
+        <p:cNvPr id="1" name=""/>
+        <p:cNvGrpSpPr/>
+        <p:nvPr/>
+      </p:nvGrpSpPr>
+      <p:grpSpPr>
+        <a:xfrm>
+          <a:off x="0" y="0"/>
+          <a:ext cx="0" cy="0"/>
+          <a:chOff x="0" y="0"/>
+          <a:chExt cx="0" cy="0"/>
+        </a:xfrm>
+      </p:grpSpPr>
+      <p:sp>
+        <p:nvSpPr>
+          <p:cNvPr id="2" name="Title 1"/>
+          <p:cNvSpPr>
+            <a:spLocks noGrp="1"/>
+          </p:cNvSpPr>
+          <p:nvPr>
+            <p:ph type="ctrTitle"/>
+          </p:nvPr>
+        </p:nvSpPr>
+        <p:spPr/>
+        <p:txBody>
+          <a:bodyPr/>
+          <a:lstStyle/>
+          <a:p>
+            <a:r>
+              <a:rPr lang="en-US" dirty="0" smtClean="0"/>
+              <a:t>Canvas and D3</a:t>
+            </a:r>
+            <a:endParaRPr lang="en-US" dirty="0"/>
+          </a:p>
+        </p:txBody>
+      </p:sp>
+      <p:sp>
+        <p:nvSpPr>
+          <p:cNvPr id="3" name="Subtitle 2"/>
+          <p:cNvSpPr>
+            <a:spLocks noGrp="1"/>
+          </p:cNvSpPr>
+          <p:nvPr>
+            <p:ph type="subTitle" idx="1"/>
+          </p:nvPr>
+        </p:nvSpPr>
+        <p:spPr>
+          <a:xfrm>
+            <a:off x="1524000" y="3602038"/>
+            <a:ext cx="9144000" cy="1975802"/>
+          </a:xfrm>
+        </p:spPr>
+        <p:txBody>
+          <a:bodyPr>
+            <a:normAutofit/>
+          </a:bodyPr>
+          <a:lstStyle/>
+          <a:p>
+            <a:r>
+              <a:rPr lang="en-US" sz="4000" dirty="0"/>
+              <a:t>http://</a:t>
+            </a:r>
+            <a:r>
+              <a:rPr lang="en-US" sz="4000" dirty="0" smtClean="0"/>
+              <a:t>bit.ly/2xRh9Ci</a:t>
+            </a:r>
+          </a:p>
+          <a:p>
+            <a:r>
+              <a:rPr lang="en-US" dirty="0" smtClean="0"/>
+              <a:t>Important: Canvas is a native web technology, similar to SVG. You can google the comparisons, but it is a good option if you need serious performance over visual quality.</a:t>
+            </a:r>
+            <a:endParaRPr lang="en-US" dirty="0"/>
+          </a:p>
+        </p:txBody>
+      </p:sp>
+    </p:spTree>
+    <p:extLst>
+      <p:ext uri="{BB962C8B-B14F-4D97-AF65-F5344CB8AC3E}">
+        <p14:creationId xmlns:p14="http://schemas.microsoft.com/office/powerpoint/2010/main" val="963137399"/>
+      </p:ext>
+    </p:extLst>
+  </p:cSld>
+  <p:clrMapOvr>
+    <a:masterClrMapping/>
+  </p:clrMapOvr>
+</p:sld>
+</file>
+
+<file path=ppt/slides/slide44.xml><?xml version="1.0" encoding="utf-8"?>
+<p:sld xmlns:a="http://schemas.openxmlformats.org/drawingml/2006/main" xmlns:r="http://schemas.openxmlformats.org/officeDocument/2006/relationships" xmlns:p="http://schemas.openxmlformats.org/presentationml/2006/main">
+  <p:cSld>
+    <p:spTree>
+      <p:nvGrpSpPr>
+        <p:cNvPr id="1" name=""/>
+        <p:cNvGrpSpPr/>
+        <p:nvPr/>
+      </p:nvGrpSpPr>
+      <p:grpSpPr>
+        <a:xfrm>
+          <a:off x="0" y="0"/>
+          <a:ext cx="0" cy="0"/>
+          <a:chOff x="0" y="0"/>
+          <a:chExt cx="0" cy="0"/>
+        </a:xfrm>
+      </p:grpSpPr>
+      <p:sp>
+        <p:nvSpPr>
+          <p:cNvPr id="2" name="Title 1"/>
+          <p:cNvSpPr>
+            <a:spLocks noGrp="1"/>
+          </p:cNvSpPr>
+          <p:nvPr>
+            <p:ph type="title"/>
+          </p:nvPr>
+        </p:nvSpPr>
+        <p:spPr>
+          <a:xfrm>
+            <a:off x="838200" y="1695162"/>
+            <a:ext cx="10515600" cy="1325563"/>
+          </a:xfrm>
+        </p:spPr>
+        <p:txBody>
+          <a:bodyPr>
+            <a:noAutofit/>
+          </a:bodyPr>
+          <a:lstStyle/>
+          <a:p>
+            <a:pPr algn="ctr"/>
+            <a:r>
+              <a:rPr lang="en-US" sz="6000" dirty="0" smtClean="0"/>
+              <a:t>Data Processing in JS</a:t>
+            </a:r>
+            <a:endParaRPr lang="en-US" sz="6000" dirty="0"/>
+          </a:p>
+        </p:txBody>
+      </p:sp>
+      <p:sp>
+        <p:nvSpPr>
+          <p:cNvPr id="3" name="Content Placeholder 2"/>
+          <p:cNvSpPr>
+            <a:spLocks noGrp="1"/>
+          </p:cNvSpPr>
+          <p:nvPr>
+            <p:ph idx="1"/>
+          </p:nvPr>
+        </p:nvSpPr>
+        <p:spPr>
+          <a:xfrm>
+            <a:off x="838200" y="3155662"/>
+            <a:ext cx="10515600" cy="1424651"/>
+          </a:xfrm>
+        </p:spPr>
+        <p:txBody>
+          <a:bodyPr>
+            <a:normAutofit/>
+          </a:bodyPr>
+          <a:lstStyle/>
+          <a:p>
+            <a:pPr marL="0" indent="0" algn="ctr">
+              <a:buNone/>
+            </a:pPr>
+            <a:r>
+              <a:rPr lang="en-US" sz="4000" dirty="0"/>
+              <a:t>http://</a:t>
+            </a:r>
+            <a:r>
+              <a:rPr lang="en-US" sz="4000" dirty="0" smtClean="0"/>
+              <a:t>learnjsdata.com/index.html</a:t>
+            </a:r>
+          </a:p>
+          <a:p>
+            <a:pPr marL="0" indent="0" algn="ctr">
+              <a:buNone/>
+            </a:pPr>
+            <a:r>
+              <a:rPr lang="en-US" sz="2400" dirty="0" smtClean="0"/>
+              <a:t>Note: optional resource. This is very nice to have handy.</a:t>
+            </a:r>
+            <a:endParaRPr lang="en-US" sz="2400" dirty="0"/>
+          </a:p>
+        </p:txBody>
+      </p:sp>
+    </p:spTree>
+    <p:extLst>
+      <p:ext uri="{BB962C8B-B14F-4D97-AF65-F5344CB8AC3E}">
+        <p14:creationId xmlns:p14="http://schemas.microsoft.com/office/powerpoint/2010/main" val="3904340049"/>
+      </p:ext>
+    </p:extLst>
+  </p:cSld>
+  <p:clrMapOvr>
+    <a:masterClrMapping/>
+  </p:clrMapOvr>
+</p:sld>
+</file>
+
+<file path=ppt/slides/slide5.xml><?xml version="1.0" encoding="utf-8"?>
+<p:sld xmlns:a="http://schemas.openxmlformats.org/drawingml/2006/main" xmlns:r="http://schemas.openxmlformats.org/officeDocument/2006/relationships" xmlns:p="http://schemas.openxmlformats.org/presentationml/2006/main">
+  <p:cSld>
+    <p:spTree>
+      <p:nvGrpSpPr>
+        <p:cNvPr id="1" name=""/>
+        <p:cNvGrpSpPr/>
+        <p:nvPr/>
+      </p:nvGrpSpPr>
+      <p:grpSpPr>
+        <a:xfrm>
+          <a:off x="0" y="0"/>
+          <a:ext cx="0" cy="0"/>
+          <a:chOff x="0" y="0"/>
+          <a:chExt cx="0" cy="0"/>
+        </a:xfrm>
+      </p:grpSpPr>
+      <p:sp>
+        <p:nvSpPr>
+          <p:cNvPr id="2" name="Title 1"/>
+          <p:cNvSpPr>
+            <a:spLocks noGrp="1"/>
+          </p:cNvSpPr>
+          <p:nvPr>
+            <p:ph type="title"/>
+          </p:nvPr>
+        </p:nvSpPr>
+        <p:spPr/>
+        <p:txBody>
+          <a:bodyPr/>
+          <a:lstStyle/>
+          <a:p>
+            <a:r>
+              <a:rPr lang="en-US" dirty="0" smtClean="0"/>
+              <a:t>Task #4:</a:t>
+            </a:r>
+            <a:endParaRPr lang="en-US" dirty="0"/>
+          </a:p>
+        </p:txBody>
+      </p:sp>
+      <p:sp>
+        <p:nvSpPr>
+          <p:cNvPr id="3" name="Content Placeholder 2"/>
+          <p:cNvSpPr>
+            <a:spLocks noGrp="1"/>
+          </p:cNvSpPr>
+          <p:nvPr>
+            <p:ph idx="1"/>
+          </p:nvPr>
+        </p:nvSpPr>
+        <p:spPr/>
+        <p:txBody>
+          <a:bodyPr/>
+          <a:lstStyle/>
+          <a:p>
+            <a:r>
+              <a:rPr lang="en-US" dirty="0" smtClean="0"/>
+              <a:t>Open ‘barchart.html’ in </a:t>
+            </a:r>
+            <a:r>
+              <a:rPr lang="en-US" b="1" dirty="0" smtClean="0"/>
+              <a:t>CHROME</a:t>
+            </a:r>
+          </a:p>
+          <a:p>
+            <a:r>
+              <a:rPr lang="en-US" dirty="0" smtClean="0"/>
+              <a:t>Open the inspector to read the error message</a:t>
+            </a:r>
+          </a:p>
+        </p:txBody>
+      </p:sp>
+    </p:spTree>
+    <p:extLst>
+      <p:ext uri="{BB962C8B-B14F-4D97-AF65-F5344CB8AC3E}">
+        <p14:creationId xmlns:p14="http://schemas.microsoft.com/office/powerpoint/2010/main" val="1104887521"/>
+      </p:ext>
+    </p:extLst>
+  </p:cSld>
+  <p:clrMapOvr>
+    <a:masterClrMapping/>
+  </p:clrMapOvr>
+</p:sld>
+</file>
+
+<file path=ppt/slides/slide6.xml><?xml version="1.0" encoding="utf-8"?>
+<p:sld xmlns:a="http://schemas.openxmlformats.org/drawingml/2006/main" xmlns:r="http://schemas.openxmlformats.org/officeDocument/2006/relationships" xmlns:p="http://schemas.openxmlformats.org/presentationml/2006/main">
+  <p:cSld>
+    <p:spTree>
+      <p:nvGrpSpPr>
+        <p:cNvPr id="1" name=""/>
+        <p:cNvGrpSpPr/>
+        <p:nvPr/>
+      </p:nvGrpSpPr>
+      <p:grpSpPr>
+        <a:xfrm>
+          <a:off x="0" y="0"/>
+          <a:ext cx="0" cy="0"/>
+          <a:chOff x="0" y="0"/>
+          <a:chExt cx="0" cy="0"/>
+        </a:xfrm>
+      </p:grpSpPr>
+      <p:sp>
+        <p:nvSpPr>
+          <p:cNvPr id="2" name="Title 1"/>
+          <p:cNvSpPr>
+            <a:spLocks noGrp="1"/>
+          </p:cNvSpPr>
+          <p:nvPr>
+            <p:ph type="title"/>
+          </p:nvPr>
+        </p:nvSpPr>
+        <p:spPr/>
+        <p:txBody>
+          <a:bodyPr/>
+          <a:lstStyle/>
+          <a:p>
+            <a:r>
+              <a:rPr lang="en-US" dirty="0" smtClean="0"/>
+              <a:t>Task #5:</a:t>
+            </a:r>
+            <a:endParaRPr lang="en-US" dirty="0"/>
+          </a:p>
+        </p:txBody>
+      </p:sp>
+      <p:sp>
+        <p:nvSpPr>
+          <p:cNvPr id="3" name="Content Placeholder 2"/>
+          <p:cNvSpPr>
+            <a:spLocks noGrp="1"/>
+          </p:cNvSpPr>
+          <p:nvPr>
+            <p:ph idx="1"/>
+          </p:nvPr>
+        </p:nvSpPr>
+        <p:spPr>
+          <a:xfrm>
+            <a:off x="838200" y="1482571"/>
+            <a:ext cx="10515600" cy="5007006"/>
+          </a:xfrm>
+        </p:spPr>
+        <p:txBody>
+          <a:bodyPr>
+            <a:normAutofit/>
+          </a:bodyPr>
+          <a:lstStyle/>
+          <a:p>
+            <a:r>
+              <a:rPr lang="en-US" dirty="0" smtClean="0"/>
+              <a:t>Node.js:</a:t>
+            </a:r>
+          </a:p>
+          <a:p>
+            <a:pPr marL="914400" lvl="1" indent="-457200">
+              <a:buFont typeface="+mj-lt"/>
+              <a:buAutoNum type="arabicPeriod"/>
+            </a:pPr>
+            <a:r>
+              <a:rPr lang="en-US" dirty="0" smtClean="0"/>
+              <a:t>From command line: </a:t>
+            </a:r>
+            <a:r>
+              <a:rPr lang="en-US" dirty="0" err="1" smtClean="0"/>
+              <a:t>npm</a:t>
+            </a:r>
+            <a:r>
+              <a:rPr lang="en-US" dirty="0" smtClean="0"/>
+              <a:t> install http-server –g</a:t>
+            </a:r>
+          </a:p>
+          <a:p>
+            <a:pPr marL="914400" lvl="1" indent="-457200">
+              <a:buFont typeface="+mj-lt"/>
+              <a:buAutoNum type="arabicPeriod"/>
+            </a:pPr>
+            <a:r>
+              <a:rPr lang="en-US" dirty="0" smtClean="0"/>
+              <a:t>Run process.bat</a:t>
+            </a:r>
+          </a:p>
+          <a:p>
+            <a:pPr lvl="1"/>
+            <a:r>
+              <a:rPr lang="en-US" sz="2000" dirty="0"/>
+              <a:t>Resource: https://</a:t>
+            </a:r>
+            <a:r>
+              <a:rPr lang="en-US" sz="2000" dirty="0" smtClean="0"/>
+              <a:t>github.com/indexzero/http-server</a:t>
+            </a:r>
+          </a:p>
+          <a:p>
+            <a:pPr lvl="1"/>
+            <a:endParaRPr lang="en-US" dirty="0"/>
+          </a:p>
+          <a:p>
+            <a:r>
+              <a:rPr lang="en-US" dirty="0" smtClean="0"/>
+              <a:t>Python</a:t>
+            </a:r>
+          </a:p>
+          <a:p>
+            <a:pPr marL="914400" lvl="1" indent="-457200">
+              <a:buFont typeface="+mj-lt"/>
+              <a:buAutoNum type="arabicPeriod"/>
+            </a:pPr>
+            <a:r>
+              <a:rPr lang="en-US" dirty="0" smtClean="0"/>
+              <a:t>Navigate to </a:t>
+            </a:r>
+            <a:r>
+              <a:rPr lang="en-US" dirty="0" err="1" smtClean="0"/>
+              <a:t>dir</a:t>
+            </a:r>
+            <a:endParaRPr lang="en-US" dirty="0" smtClean="0"/>
+          </a:p>
+          <a:p>
+            <a:pPr marL="914400" lvl="1" indent="-457200">
+              <a:buFont typeface="+mj-lt"/>
+              <a:buAutoNum type="arabicPeriod"/>
+            </a:pPr>
+            <a:r>
+              <a:rPr lang="en-US" dirty="0" smtClean="0"/>
+              <a:t>Run:</a:t>
+            </a:r>
+          </a:p>
+          <a:p>
+            <a:pPr lvl="2"/>
+            <a:r>
+              <a:rPr lang="en-US" b="1" dirty="0" smtClean="0"/>
+              <a:t>Python 3x: </a:t>
+            </a:r>
+            <a:r>
+              <a:rPr lang="en-US" dirty="0" smtClean="0"/>
+              <a:t>python -m </a:t>
+            </a:r>
+            <a:r>
+              <a:rPr lang="en-US" dirty="0" err="1" smtClean="0"/>
+              <a:t>http.server</a:t>
+            </a:r>
+            <a:endParaRPr lang="en-US" dirty="0" smtClean="0"/>
+          </a:p>
+          <a:p>
+            <a:pPr lvl="2"/>
+            <a:r>
+              <a:rPr lang="en-US" b="1" dirty="0" smtClean="0"/>
+              <a:t>Python 2x: </a:t>
+            </a:r>
+            <a:r>
+              <a:rPr lang="en-US" dirty="0"/>
+              <a:t>python -m </a:t>
+            </a:r>
+            <a:r>
+              <a:rPr lang="en-US" dirty="0" err="1" smtClean="0"/>
+              <a:t>SimpleHTTPServer</a:t>
+            </a:r>
+            <a:endParaRPr lang="en-US" dirty="0" smtClean="0"/>
+          </a:p>
+          <a:p>
+            <a:pPr lvl="1"/>
+            <a:r>
+              <a:rPr lang="en-US" sz="2000" dirty="0"/>
+              <a:t>Resource: https://</a:t>
+            </a:r>
+            <a:r>
+              <a:rPr lang="en-US" sz="2000" dirty="0" smtClean="0"/>
+              <a:t>developer.mozilla.org/en-US/docs/Learn/Common_questions/set_up_a_local_testing_server</a:t>
+            </a:r>
+            <a:endParaRPr lang="en-US" sz="2000" dirty="0"/>
+          </a:p>
+        </p:txBody>
+      </p:sp>
+    </p:spTree>
+    <p:extLst>
+      <p:ext uri="{BB962C8B-B14F-4D97-AF65-F5344CB8AC3E}">
+        <p14:creationId xmlns:p14="http://schemas.microsoft.com/office/powerpoint/2010/main" val="3460858936"/>
+      </p:ext>
+    </p:extLst>
+  </p:cSld>
+  <p:clrMapOvr>
+    <a:masterClrMapping/>
+  </p:clrMapOvr>
+</p:sld>
+</file>
+
+<file path=ppt/slides/slide7.xml><?xml version="1.0" encoding="utf-8"?>
+<p:sld xmlns:a="http://schemas.openxmlformats.org/drawingml/2006/main" xmlns:r="http://schemas.openxmlformats.org/officeDocument/2006/relationships" xmlns:p="http://schemas.openxmlformats.org/presentationml/2006/main">
+  <p:cSld>
+    <p:spTree>
+      <p:nvGrpSpPr>
+        <p:cNvPr id="1" name=""/>
+        <p:cNvGrpSpPr/>
+        <p:nvPr/>
+      </p:nvGrpSpPr>
+      <p:grpSpPr>
+        <a:xfrm>
+          <a:off x="0" y="0"/>
+          <a:ext cx="0" cy="0"/>
+          <a:chOff x="0" y="0"/>
+          <a:chExt cx="0" cy="0"/>
+        </a:xfrm>
+      </p:grpSpPr>
+      <p:sp>
+        <p:nvSpPr>
+          <p:cNvPr id="2" name="Title 1"/>
+          <p:cNvSpPr>
+            <a:spLocks noGrp="1"/>
+          </p:cNvSpPr>
+          <p:nvPr>
+            <p:ph type="title"/>
+          </p:nvPr>
+        </p:nvSpPr>
+        <p:spPr/>
+        <p:txBody>
+          <a:bodyPr/>
+          <a:lstStyle/>
+          <a:p>
+            <a:r>
+              <a:rPr lang="en-US" dirty="0" smtClean="0"/>
+              <a:t>Task #6:</a:t>
+            </a:r>
+            <a:endParaRPr lang="en-US" dirty="0"/>
+          </a:p>
+        </p:txBody>
+      </p:sp>
+      <p:sp>
+        <p:nvSpPr>
+          <p:cNvPr id="3" name="Content Placeholder 2"/>
+          <p:cNvSpPr>
+            <a:spLocks noGrp="1"/>
+          </p:cNvSpPr>
+          <p:nvPr>
+            <p:ph idx="1"/>
+          </p:nvPr>
+        </p:nvSpPr>
+        <p:spPr/>
+        <p:txBody>
+          <a:bodyPr/>
+          <a:lstStyle/>
+          <a:p>
+            <a:r>
+              <a:rPr lang="en-US" dirty="0"/>
+              <a:t>Rename </a:t>
+            </a:r>
+            <a:r>
+              <a:rPr lang="en-US" i="1" dirty="0"/>
+              <a:t>barchart</a:t>
+            </a:r>
+            <a:r>
+              <a:rPr lang="en-US" dirty="0"/>
+              <a:t>.html to </a:t>
+            </a:r>
+            <a:r>
+              <a:rPr lang="en-US" i="1" dirty="0"/>
+              <a:t>index</a:t>
+            </a:r>
+            <a:r>
+              <a:rPr lang="en-US" dirty="0"/>
+              <a:t>.html</a:t>
+            </a:r>
+          </a:p>
+          <a:p>
+            <a:endParaRPr lang="en-US" dirty="0" smtClean="0"/>
+          </a:p>
+          <a:p>
+            <a:r>
+              <a:rPr lang="en-US" dirty="0"/>
+              <a:t>Navigate to </a:t>
+            </a:r>
+            <a:r>
+              <a:rPr lang="en-US" b="1" dirty="0"/>
+              <a:t>http://</a:t>
+            </a:r>
+            <a:r>
+              <a:rPr lang="en-US" b="1" dirty="0" smtClean="0"/>
+              <a:t>localhost:[port]/ </a:t>
+            </a:r>
+            <a:r>
+              <a:rPr lang="en-US" dirty="0"/>
+              <a:t>in your </a:t>
+            </a:r>
+            <a:r>
+              <a:rPr lang="en-US" b="1" dirty="0"/>
+              <a:t>browser</a:t>
+            </a:r>
+          </a:p>
+          <a:p>
+            <a:r>
+              <a:rPr lang="en-US" dirty="0"/>
+              <a:t>Open the </a:t>
+            </a:r>
+            <a:r>
+              <a:rPr lang="en-US" dirty="0" smtClean="0"/>
+              <a:t>“index.html</a:t>
+            </a:r>
+            <a:r>
+              <a:rPr lang="en-US" dirty="0"/>
+              <a:t>” file in your </a:t>
+            </a:r>
+            <a:r>
+              <a:rPr lang="en-US" b="1" dirty="0"/>
+              <a:t>text </a:t>
+            </a:r>
+            <a:r>
+              <a:rPr lang="en-US" b="1" dirty="0" smtClean="0"/>
+              <a:t>editor</a:t>
+            </a:r>
+          </a:p>
+          <a:p>
+            <a:endParaRPr lang="en-US" b="1" dirty="0" smtClean="0"/>
+          </a:p>
+          <a:p>
+            <a:r>
+              <a:rPr lang="en-US" dirty="0" smtClean="0"/>
+              <a:t>Observe differences between the two:</a:t>
+            </a:r>
+          </a:p>
+          <a:p>
+            <a:pPr lvl="1"/>
+            <a:r>
+              <a:rPr lang="en-US" dirty="0" smtClean="0"/>
+              <a:t>Data importing is different, odd JavaScript happens in barchart.html</a:t>
+            </a:r>
+          </a:p>
+          <a:p>
+            <a:pPr lvl="1"/>
+            <a:r>
+              <a:rPr lang="en-US" dirty="0" smtClean="0"/>
+              <a:t>A callback is used in barchart.html (this makes it </a:t>
+            </a:r>
+            <a:r>
+              <a:rPr lang="en-US" i="1" dirty="0" err="1" smtClean="0"/>
+              <a:t>async</a:t>
+            </a:r>
+            <a:r>
+              <a:rPr lang="en-US" dirty="0" smtClean="0"/>
+              <a:t>!)</a:t>
+            </a:r>
+          </a:p>
+          <a:p>
+            <a:pPr lvl="1"/>
+            <a:endParaRPr lang="en-US" dirty="0"/>
+          </a:p>
+        </p:txBody>
+      </p:sp>
+    </p:spTree>
+    <p:extLst>
+      <p:ext uri="{BB962C8B-B14F-4D97-AF65-F5344CB8AC3E}">
+        <p14:creationId xmlns:p14="http://schemas.microsoft.com/office/powerpoint/2010/main" val="2944833186"/>
+      </p:ext>
+    </p:extLst>
+  </p:cSld>
+  <p:clrMapOvr>
+    <a:masterClrMapping/>
+  </p:clrMapOvr>
+</p:sld>
+</file>
+
+<file path=ppt/slides/slide8.xml><?xml version="1.0" encoding="utf-8"?>
+<p:sld xmlns:a="http://schemas.openxmlformats.org/drawingml/2006/main" xmlns:r="http://schemas.openxmlformats.org/officeDocument/2006/relationships" xmlns:p="http://schemas.openxmlformats.org/presentationml/2006/main">
+  <p:cSld>
+    <p:spTree>
+      <p:nvGrpSpPr>
+        <p:cNvPr id="1" name=""/>
+        <p:cNvGrpSpPr/>
+        <p:nvPr/>
+      </p:nvGrpSpPr>
+      <p:grpSpPr>
+        <a:xfrm>
+          <a:off x="0" y="0"/>
+          <a:ext cx="0" cy="0"/>
+          <a:chOff x="0" y="0"/>
+          <a:chExt cx="0" cy="0"/>
+        </a:xfrm>
+      </p:grpSpPr>
+      <p:sp>
+        <p:nvSpPr>
+          <p:cNvPr id="2" name="Title 1"/>
+          <p:cNvSpPr>
+            <a:spLocks noGrp="1"/>
+          </p:cNvSpPr>
+          <p:nvPr>
+            <p:ph type="title"/>
+          </p:nvPr>
+        </p:nvSpPr>
+        <p:spPr/>
+        <p:txBody>
+          <a:bodyPr/>
+          <a:lstStyle/>
+          <a:p>
+            <a:r>
+              <a:rPr lang="en-US" dirty="0" smtClean="0"/>
+              <a:t>Questions?</a:t>
+            </a:r>
+            <a:endParaRPr lang="en-US" dirty="0"/>
+          </a:p>
+        </p:txBody>
+      </p:sp>
+      <p:sp>
+        <p:nvSpPr>
+          <p:cNvPr id="3" name="Content Placeholder 2"/>
+          <p:cNvSpPr>
+            <a:spLocks noGrp="1"/>
+          </p:cNvSpPr>
+          <p:nvPr>
+            <p:ph idx="1"/>
+          </p:nvPr>
+        </p:nvSpPr>
+        <p:spPr>
+          <a:xfrm>
+            <a:off x="838200" y="1473693"/>
+            <a:ext cx="10515600" cy="4703270"/>
+          </a:xfrm>
+        </p:spPr>
+        <p:txBody>
+          <a:bodyPr>
+            <a:normAutofit/>
+          </a:bodyPr>
+          <a:lstStyle/>
+          <a:p>
+            <a:r>
+              <a:rPr lang="en-US" dirty="0" smtClean="0"/>
+              <a:t>Commonly asked JS:</a:t>
+            </a:r>
+          </a:p>
+          <a:p>
+            <a:pPr lvl="1"/>
+            <a:r>
+              <a:rPr lang="en-US" dirty="0" smtClean="0"/>
+              <a:t>What is the ‘development’ environment for JavaScript?</a:t>
+            </a:r>
+          </a:p>
+          <a:p>
+            <a:pPr lvl="1"/>
+            <a:r>
+              <a:rPr lang="en-US" dirty="0" smtClean="0"/>
+              <a:t>Is JavaScript compiled?</a:t>
+            </a:r>
+          </a:p>
+          <a:p>
+            <a:pPr lvl="1"/>
+            <a:r>
+              <a:rPr lang="en-US" dirty="0" smtClean="0"/>
+              <a:t>What is a </a:t>
+            </a:r>
+            <a:r>
+              <a:rPr lang="en-US" i="1" dirty="0" smtClean="0"/>
+              <a:t>library</a:t>
+            </a:r>
+            <a:r>
+              <a:rPr lang="en-US" dirty="0" smtClean="0"/>
+              <a:t> versus a </a:t>
+            </a:r>
+            <a:r>
+              <a:rPr lang="en-US" i="1" dirty="0" smtClean="0"/>
+              <a:t>framework</a:t>
+            </a:r>
+            <a:r>
+              <a:rPr lang="en-US" dirty="0" smtClean="0"/>
+              <a:t>? </a:t>
+            </a:r>
+          </a:p>
+          <a:p>
+            <a:pPr lvl="1"/>
+            <a:r>
+              <a:rPr lang="en-US" dirty="0" smtClean="0"/>
+              <a:t>What is an ‘API’? What is the ‘web API’?</a:t>
+            </a:r>
+          </a:p>
+          <a:p>
+            <a:pPr lvl="1"/>
+            <a:r>
+              <a:rPr lang="en-US" dirty="0" smtClean="0"/>
+              <a:t>Why is this all so complicated?</a:t>
+            </a:r>
+          </a:p>
+          <a:p>
+            <a:pPr lvl="1"/>
+            <a:r>
+              <a:rPr lang="en-US" dirty="0"/>
+              <a:t>What is ‘loosely typed’?</a:t>
+            </a:r>
+          </a:p>
+          <a:p>
+            <a:pPr lvl="1"/>
+            <a:endParaRPr lang="en-US" dirty="0" smtClean="0"/>
+          </a:p>
+          <a:p>
+            <a:r>
+              <a:rPr lang="en-US" dirty="0" smtClean="0"/>
+              <a:t>Commonly asked D3:</a:t>
+            </a:r>
+          </a:p>
+          <a:p>
+            <a:pPr lvl="1"/>
+            <a:r>
+              <a:rPr lang="en-US" dirty="0" smtClean="0"/>
+              <a:t>Why would I ever use [sync]/[</a:t>
+            </a:r>
+            <a:r>
+              <a:rPr lang="en-US" dirty="0" err="1" smtClean="0"/>
+              <a:t>async</a:t>
+            </a:r>
+            <a:r>
+              <a:rPr lang="en-US" dirty="0" smtClean="0"/>
+              <a:t>]? </a:t>
+            </a:r>
+            <a:r>
+              <a:rPr lang="en-US" i="1" dirty="0" smtClean="0"/>
+              <a:t>X</a:t>
+            </a:r>
+            <a:r>
+              <a:rPr lang="en-US" dirty="0" smtClean="0"/>
+              <a:t> is obviously better.</a:t>
+            </a:r>
+          </a:p>
+          <a:p>
+            <a:pPr lvl="1"/>
+            <a:r>
+              <a:rPr lang="en-US" dirty="0" smtClean="0"/>
+              <a:t>Why is D3 so hard?</a:t>
+            </a:r>
+            <a:endParaRPr lang="en-US" dirty="0"/>
+          </a:p>
+        </p:txBody>
+      </p:sp>
+    </p:spTree>
+    <p:extLst>
+      <p:ext uri="{BB962C8B-B14F-4D97-AF65-F5344CB8AC3E}">
+        <p14:creationId xmlns:p14="http://schemas.microsoft.com/office/powerpoint/2010/main" val="3477493395"/>
+      </p:ext>
+    </p:extLst>
+  </p:cSld>
+  <p:clrMapOvr>
+    <a:masterClrMapping/>
+  </p:clrMapOvr>
+</p:sld>
+</file>
+
+<file path=ppt/slides/slide9.xml><?xml version="1.0" encoding="utf-8"?>
+<p:sld xmlns:a="http://schemas.openxmlformats.org/drawingml/2006/main" xmlns:r="http://schemas.openxmlformats.org/officeDocument/2006/relationships" xmlns:p="http://schemas.openxmlformats.org/presentationml/2006/main">
+  <p:cSld>
+    <p:spTree>
+      <p:nvGrpSpPr>
+        <p:cNvPr id="1" name=""/>
+        <p:cNvGrpSpPr/>
+        <p:nvPr/>
+      </p:nvGrpSpPr>
+      <p:grpSpPr>
+        <a:xfrm>
+          <a:off x="0" y="0"/>
+          <a:ext cx="0" cy="0"/>
+          <a:chOff x="0" y="0"/>
+          <a:chExt cx="0" cy="0"/>
+        </a:xfrm>
+      </p:grpSpPr>
+      <p:sp>
+        <p:nvSpPr>
+          <p:cNvPr id="2" name="Title 1"/>
+          <p:cNvSpPr>
+            <a:spLocks noGrp="1"/>
+          </p:cNvSpPr>
+          <p:nvPr>
+            <p:ph type="ctrTitle"/>
+          </p:nvPr>
+        </p:nvSpPr>
+        <p:spPr/>
+        <p:txBody>
+          <a:bodyPr/>
+          <a:lstStyle/>
+          <a:p>
+            <a:r>
+              <a:rPr lang="en-US" sz="4400" i="1" dirty="0" smtClean="0"/>
+              <a:t>Now:</a:t>
+            </a:r>
+            <a:r>
+              <a:rPr lang="en-US" dirty="0" smtClean="0"/>
+              <a:t/>
+            </a:r>
+            <a:br>
+              <a:rPr lang="en-US" dirty="0" smtClean="0"/>
+            </a:br>
+            <a:r>
+              <a:rPr lang="en-US" dirty="0" smtClean="0"/>
+              <a:t>Introduction </a:t>
+            </a:r>
+            <a:r>
+              <a:rPr lang="en-US" dirty="0" smtClean="0"/>
+              <a:t>to D3.js</a:t>
+            </a:r>
+            <a:endParaRPr lang="en-US" dirty="0"/>
+          </a:p>
+        </p:txBody>
+      </p:sp>
+      <p:sp>
+        <p:nvSpPr>
+          <p:cNvPr id="3" name="Subtitle 2"/>
+          <p:cNvSpPr>
+            <a:spLocks noGrp="1"/>
+          </p:cNvSpPr>
+          <p:nvPr>
+            <p:ph type="subTitle" idx="1"/>
+          </p:nvPr>
+        </p:nvSpPr>
+        <p:spPr/>
+        <p:txBody>
+          <a:bodyPr/>
+          <a:lstStyle/>
+          <a:p>
+            <a:r>
+              <a:rPr lang="en-US" dirty="0" smtClean="0"/>
+              <a:t>Hands-on learning and plenty of resources.</a:t>
+            </a:r>
+            <a:endParaRPr lang="en-US" dirty="0"/>
+          </a:p>
+        </p:txBody>
+      </p:sp>
+    </p:spTree>
+    <p:extLst>
+      <p:ext uri="{BB962C8B-B14F-4D97-AF65-F5344CB8AC3E}">
+        <p14:creationId xmlns:p14="http://schemas.microsoft.com/office/powerpoint/2010/main" val="682157294"/>
+      </p:ext>
+    </p:extLst>
+  </p:cSld>
+  <p:clrMapOvr>
+    <a:masterClrMapping/>
+  </p:clrMapOvr>
+  <p:timing>
+    <p:tnLst>
+      <p:par>
+        <p:cTn id="1" dur="indefinite" restart="never" nodeType="tmRoot"/>
+      </p:par>
+    </p:tnLst>
   </p:timing>
 </p:sld>
 </file>

--- a/Introduction to D3.pptx
+++ b/Introduction to D3.pptx
@@ -5,53 +5,71 @@
     <p:sldMasterId id="2147483660" r:id="rId1"/>
   </p:sldMasterIdLst>
   <p:notesMasterIdLst>
-    <p:notesMasterId r:id="rId46"/>
+    <p:notesMasterId r:id="rId64"/>
   </p:notesMasterIdLst>
   <p:sldIdLst>
-    <p:sldId id="304" r:id="rId2"/>
-    <p:sldId id="300" r:id="rId3"/>
-    <p:sldId id="280" r:id="rId4"/>
-    <p:sldId id="305" r:id="rId5"/>
-    <p:sldId id="306" r:id="rId6"/>
-    <p:sldId id="307" r:id="rId7"/>
-    <p:sldId id="308" r:id="rId8"/>
-    <p:sldId id="309" r:id="rId9"/>
-    <p:sldId id="256" r:id="rId10"/>
-    <p:sldId id="263" r:id="rId11"/>
-    <p:sldId id="286" r:id="rId12"/>
-    <p:sldId id="287" r:id="rId13"/>
-    <p:sldId id="298" r:id="rId14"/>
-    <p:sldId id="288" r:id="rId15"/>
-    <p:sldId id="294" r:id="rId16"/>
-    <p:sldId id="293" r:id="rId17"/>
-    <p:sldId id="295" r:id="rId18"/>
-    <p:sldId id="296" r:id="rId19"/>
-    <p:sldId id="297" r:id="rId20"/>
-    <p:sldId id="301" r:id="rId21"/>
-    <p:sldId id="299" r:id="rId22"/>
-    <p:sldId id="273" r:id="rId23"/>
-    <p:sldId id="279" r:id="rId24"/>
-    <p:sldId id="290" r:id="rId25"/>
-    <p:sldId id="284" r:id="rId26"/>
-    <p:sldId id="302" r:id="rId27"/>
-    <p:sldId id="281" r:id="rId28"/>
-    <p:sldId id="275" r:id="rId29"/>
-    <p:sldId id="282" r:id="rId30"/>
-    <p:sldId id="276" r:id="rId31"/>
-    <p:sldId id="277" r:id="rId32"/>
-    <p:sldId id="283" r:id="rId33"/>
-    <p:sldId id="291" r:id="rId34"/>
-    <p:sldId id="278" r:id="rId35"/>
-    <p:sldId id="292" r:id="rId36"/>
-    <p:sldId id="270" r:id="rId37"/>
-    <p:sldId id="261" r:id="rId38"/>
-    <p:sldId id="268" r:id="rId39"/>
-    <p:sldId id="266" r:id="rId40"/>
-    <p:sldId id="264" r:id="rId41"/>
-    <p:sldId id="262" r:id="rId42"/>
-    <p:sldId id="269" r:id="rId43"/>
-    <p:sldId id="267" r:id="rId44"/>
-    <p:sldId id="259" r:id="rId45"/>
+    <p:sldId id="311" r:id="rId2"/>
+    <p:sldId id="304" r:id="rId3"/>
+    <p:sldId id="312" r:id="rId4"/>
+    <p:sldId id="317" r:id="rId5"/>
+    <p:sldId id="310" r:id="rId6"/>
+    <p:sldId id="314" r:id="rId7"/>
+    <p:sldId id="316" r:id="rId8"/>
+    <p:sldId id="313" r:id="rId9"/>
+    <p:sldId id="318" r:id="rId10"/>
+    <p:sldId id="300" r:id="rId11"/>
+    <p:sldId id="315" r:id="rId12"/>
+    <p:sldId id="319" r:id="rId13"/>
+    <p:sldId id="280" r:id="rId14"/>
+    <p:sldId id="322" r:id="rId15"/>
+    <p:sldId id="305" r:id="rId16"/>
+    <p:sldId id="306" r:id="rId17"/>
+    <p:sldId id="307" r:id="rId18"/>
+    <p:sldId id="323" r:id="rId19"/>
+    <p:sldId id="308" r:id="rId20"/>
+    <p:sldId id="320" r:id="rId21"/>
+    <p:sldId id="325" r:id="rId22"/>
+    <p:sldId id="321" r:id="rId23"/>
+    <p:sldId id="324" r:id="rId24"/>
+    <p:sldId id="326" r:id="rId25"/>
+    <p:sldId id="327" r:id="rId26"/>
+    <p:sldId id="309" r:id="rId27"/>
+    <p:sldId id="256" r:id="rId28"/>
+    <p:sldId id="263" r:id="rId29"/>
+    <p:sldId id="286" r:id="rId30"/>
+    <p:sldId id="287" r:id="rId31"/>
+    <p:sldId id="298" r:id="rId32"/>
+    <p:sldId id="288" r:id="rId33"/>
+    <p:sldId id="294" r:id="rId34"/>
+    <p:sldId id="293" r:id="rId35"/>
+    <p:sldId id="295" r:id="rId36"/>
+    <p:sldId id="296" r:id="rId37"/>
+    <p:sldId id="297" r:id="rId38"/>
+    <p:sldId id="301" r:id="rId39"/>
+    <p:sldId id="299" r:id="rId40"/>
+    <p:sldId id="273" r:id="rId41"/>
+    <p:sldId id="279" r:id="rId42"/>
+    <p:sldId id="290" r:id="rId43"/>
+    <p:sldId id="284" r:id="rId44"/>
+    <p:sldId id="302" r:id="rId45"/>
+    <p:sldId id="281" r:id="rId46"/>
+    <p:sldId id="275" r:id="rId47"/>
+    <p:sldId id="282" r:id="rId48"/>
+    <p:sldId id="276" r:id="rId49"/>
+    <p:sldId id="277" r:id="rId50"/>
+    <p:sldId id="283" r:id="rId51"/>
+    <p:sldId id="291" r:id="rId52"/>
+    <p:sldId id="278" r:id="rId53"/>
+    <p:sldId id="292" r:id="rId54"/>
+    <p:sldId id="270" r:id="rId55"/>
+    <p:sldId id="261" r:id="rId56"/>
+    <p:sldId id="268" r:id="rId57"/>
+    <p:sldId id="266" r:id="rId58"/>
+    <p:sldId id="264" r:id="rId59"/>
+    <p:sldId id="262" r:id="rId60"/>
+    <p:sldId id="269" r:id="rId61"/>
+    <p:sldId id="267" r:id="rId62"/>
+    <p:sldId id="259" r:id="rId63"/>
   </p:sldIdLst>
   <p:sldSz cx="12192000" cy="6858000"/>
   <p:notesSz cx="6858000" cy="9144000"/>
@@ -240,7 +258,7 @@
           <a:p>
             <a:fld id="{5C7B60CB-4555-4E4C-8A61-26D94E33D181}" type="datetimeFigureOut">
               <a:rPr lang="en-US" smtClean="0"/>
-              <a:t>4/2/2018</a:t>
+              <a:t>4/3/2018</a:t>
             </a:fld>
             <a:endParaRPr lang="en-US"/>
           </a:p>
@@ -586,7 +604,7 @@
     </p:spTree>
     <p:extLst>
       <p:ext uri="{BB962C8B-B14F-4D97-AF65-F5344CB8AC3E}">
-        <p14:creationId xmlns:p14="http://schemas.microsoft.com/office/powerpoint/2010/main" val="2498962345"/>
+        <p14:creationId xmlns:p14="http://schemas.microsoft.com/office/powerpoint/2010/main" val="4109775625"/>
       </p:ext>
     </p:extLst>
   </p:cSld>
@@ -665,7 +683,7 @@
           <a:p>
             <a:fld id="{2EB312AA-E5B3-483C-89A7-82722FB34C35}" type="slidenum">
               <a:rPr lang="en-US" smtClean="0"/>
-              <a:t>15</a:t>
+              <a:t>29</a:t>
             </a:fld>
             <a:endParaRPr lang="en-US"/>
           </a:p>
@@ -674,7 +692,7 @@
     </p:spTree>
     <p:extLst>
       <p:ext uri="{BB962C8B-B14F-4D97-AF65-F5344CB8AC3E}">
-        <p14:creationId xmlns:p14="http://schemas.microsoft.com/office/powerpoint/2010/main" val="240515055"/>
+        <p14:creationId xmlns:p14="http://schemas.microsoft.com/office/powerpoint/2010/main" val="4276457174"/>
       </p:ext>
     </p:extLst>
   </p:cSld>
@@ -730,7 +748,7 @@
           <a:p>
             <a:r>
               <a:rPr lang="en-US" dirty="0" smtClean="0"/>
-              <a:t>1</a:t>
+              <a:t>3</a:t>
             </a:r>
             <a:endParaRPr lang="en-US" dirty="0"/>
           </a:p>
@@ -753,7 +771,7 @@
           <a:p>
             <a:fld id="{2EB312AA-E5B3-483C-89A7-82722FB34C35}" type="slidenum">
               <a:rPr lang="en-US" smtClean="0"/>
-              <a:t>16</a:t>
+              <a:t>30</a:t>
             </a:fld>
             <a:endParaRPr lang="en-US"/>
           </a:p>
@@ -762,7 +780,7 @@
     </p:spTree>
     <p:extLst>
       <p:ext uri="{BB962C8B-B14F-4D97-AF65-F5344CB8AC3E}">
-        <p14:creationId xmlns:p14="http://schemas.microsoft.com/office/powerpoint/2010/main" val="412213293"/>
+        <p14:creationId xmlns:p14="http://schemas.microsoft.com/office/powerpoint/2010/main" val="4078528796"/>
       </p:ext>
     </p:extLst>
   </p:cSld>
@@ -818,7 +836,7 @@
           <a:p>
             <a:r>
               <a:rPr lang="en-US" dirty="0" smtClean="0"/>
-              <a:t>1</a:t>
+              <a:t>1 “Is box-cake even good though?”</a:t>
             </a:r>
             <a:endParaRPr lang="en-US" dirty="0"/>
           </a:p>
@@ -841,7 +859,7 @@
           <a:p>
             <a:fld id="{2EB312AA-E5B3-483C-89A7-82722FB34C35}" type="slidenum">
               <a:rPr lang="en-US" smtClean="0"/>
-              <a:t>17</a:t>
+              <a:t>31</a:t>
             </a:fld>
             <a:endParaRPr lang="en-US"/>
           </a:p>
@@ -850,7 +868,7 @@
     </p:spTree>
     <p:extLst>
       <p:ext uri="{BB962C8B-B14F-4D97-AF65-F5344CB8AC3E}">
-        <p14:creationId xmlns:p14="http://schemas.microsoft.com/office/powerpoint/2010/main" val="3516605409"/>
+        <p14:creationId xmlns:p14="http://schemas.microsoft.com/office/powerpoint/2010/main" val="672867334"/>
       </p:ext>
     </p:extLst>
   </p:cSld>
@@ -929,7 +947,7 @@
           <a:p>
             <a:fld id="{2EB312AA-E5B3-483C-89A7-82722FB34C35}" type="slidenum">
               <a:rPr lang="en-US" smtClean="0"/>
-              <a:t>18</a:t>
+              <a:t>32</a:t>
             </a:fld>
             <a:endParaRPr lang="en-US"/>
           </a:p>
@@ -938,7 +956,7 @@
     </p:spTree>
     <p:extLst>
       <p:ext uri="{BB962C8B-B14F-4D97-AF65-F5344CB8AC3E}">
-        <p14:creationId xmlns:p14="http://schemas.microsoft.com/office/powerpoint/2010/main" val="1677941701"/>
+        <p14:creationId xmlns:p14="http://schemas.microsoft.com/office/powerpoint/2010/main" val="1327419287"/>
       </p:ext>
     </p:extLst>
   </p:cSld>
@@ -1017,7 +1035,7 @@
           <a:p>
             <a:fld id="{2EB312AA-E5B3-483C-89A7-82722FB34C35}" type="slidenum">
               <a:rPr lang="en-US" smtClean="0"/>
-              <a:t>19</a:t>
+              <a:t>33</a:t>
             </a:fld>
             <a:endParaRPr lang="en-US"/>
           </a:p>
@@ -1026,7 +1044,7 @@
     </p:spTree>
     <p:extLst>
       <p:ext uri="{BB962C8B-B14F-4D97-AF65-F5344CB8AC3E}">
-        <p14:creationId xmlns:p14="http://schemas.microsoft.com/office/powerpoint/2010/main" val="4142733308"/>
+        <p14:creationId xmlns:p14="http://schemas.microsoft.com/office/powerpoint/2010/main" val="240515055"/>
       </p:ext>
     </p:extLst>
   </p:cSld>
@@ -1082,7 +1100,7 @@
           <a:p>
             <a:r>
               <a:rPr lang="en-US" dirty="0" smtClean="0"/>
-              <a:t>2</a:t>
+              <a:t>1</a:t>
             </a:r>
             <a:endParaRPr lang="en-US" dirty="0"/>
           </a:p>
@@ -1105,7 +1123,7 @@
           <a:p>
             <a:fld id="{2EB312AA-E5B3-483C-89A7-82722FB34C35}" type="slidenum">
               <a:rPr lang="en-US" smtClean="0"/>
-              <a:t>20</a:t>
+              <a:t>34</a:t>
             </a:fld>
             <a:endParaRPr lang="en-US"/>
           </a:p>
@@ -1114,7 +1132,7 @@
     </p:spTree>
     <p:extLst>
       <p:ext uri="{BB962C8B-B14F-4D97-AF65-F5344CB8AC3E}">
-        <p14:creationId xmlns:p14="http://schemas.microsoft.com/office/powerpoint/2010/main" val="799926135"/>
+        <p14:creationId xmlns:p14="http://schemas.microsoft.com/office/powerpoint/2010/main" val="412213293"/>
       </p:ext>
     </p:extLst>
   </p:cSld>
@@ -1170,15 +1188,7 @@
           <a:p>
             <a:r>
               <a:rPr lang="en-US" dirty="0" smtClean="0"/>
-              <a:t>1 “Learn by doing” IDEAL: 15:00</a:t>
-            </a:r>
-            <a:r>
-              <a:rPr lang="en-US" smtClean="0"/>
-              <a:t>, latest </a:t>
-            </a:r>
-            <a:r>
-              <a:rPr lang="en-US" dirty="0" smtClean="0"/>
-              <a:t>TARGET = 22:00</a:t>
+              <a:t>1</a:t>
             </a:r>
             <a:endParaRPr lang="en-US" dirty="0"/>
           </a:p>
@@ -1201,7 +1211,7 @@
           <a:p>
             <a:fld id="{2EB312AA-E5B3-483C-89A7-82722FB34C35}" type="slidenum">
               <a:rPr lang="en-US" smtClean="0"/>
-              <a:t>21</a:t>
+              <a:t>35</a:t>
             </a:fld>
             <a:endParaRPr lang="en-US"/>
           </a:p>
@@ -1210,7 +1220,7 @@
     </p:spTree>
     <p:extLst>
       <p:ext uri="{BB962C8B-B14F-4D97-AF65-F5344CB8AC3E}">
-        <p14:creationId xmlns:p14="http://schemas.microsoft.com/office/powerpoint/2010/main" val="2152084081"/>
+        <p14:creationId xmlns:p14="http://schemas.microsoft.com/office/powerpoint/2010/main" val="3516605409"/>
       </p:ext>
     </p:extLst>
   </p:cSld>
@@ -1266,7 +1276,7 @@
           <a:p>
             <a:r>
               <a:rPr lang="en-US" dirty="0" smtClean="0"/>
-              <a:t>8</a:t>
+              <a:t>1</a:t>
             </a:r>
             <a:endParaRPr lang="en-US" dirty="0"/>
           </a:p>
@@ -1289,7 +1299,7 @@
           <a:p>
             <a:fld id="{2EB312AA-E5B3-483C-89A7-82722FB34C35}" type="slidenum">
               <a:rPr lang="en-US" smtClean="0"/>
-              <a:t>22</a:t>
+              <a:t>36</a:t>
             </a:fld>
             <a:endParaRPr lang="en-US"/>
           </a:p>
@@ -1298,7 +1308,7 @@
     </p:spTree>
     <p:extLst>
       <p:ext uri="{BB962C8B-B14F-4D97-AF65-F5344CB8AC3E}">
-        <p14:creationId xmlns:p14="http://schemas.microsoft.com/office/powerpoint/2010/main" val="1587138040"/>
+        <p14:creationId xmlns:p14="http://schemas.microsoft.com/office/powerpoint/2010/main" val="1677941701"/>
       </p:ext>
     </p:extLst>
   </p:cSld>
@@ -1354,7 +1364,7 @@
           <a:p>
             <a:r>
               <a:rPr lang="en-US" dirty="0" smtClean="0"/>
-              <a:t>4</a:t>
+              <a:t>1</a:t>
             </a:r>
             <a:endParaRPr lang="en-US" dirty="0"/>
           </a:p>
@@ -1377,7 +1387,7 @@
           <a:p>
             <a:fld id="{2EB312AA-E5B3-483C-89A7-82722FB34C35}" type="slidenum">
               <a:rPr lang="en-US" smtClean="0"/>
-              <a:t>23</a:t>
+              <a:t>37</a:t>
             </a:fld>
             <a:endParaRPr lang="en-US"/>
           </a:p>
@@ -1386,7 +1396,7 @@
     </p:spTree>
     <p:extLst>
       <p:ext uri="{BB962C8B-B14F-4D97-AF65-F5344CB8AC3E}">
-        <p14:creationId xmlns:p14="http://schemas.microsoft.com/office/powerpoint/2010/main" val="779674851"/>
+        <p14:creationId xmlns:p14="http://schemas.microsoft.com/office/powerpoint/2010/main" val="4142733308"/>
       </p:ext>
     </p:extLst>
   </p:cSld>
@@ -1442,7 +1452,7 @@
           <a:p>
             <a:r>
               <a:rPr lang="en-US" dirty="0" smtClean="0"/>
-              <a:t>6</a:t>
+              <a:t>2</a:t>
             </a:r>
             <a:endParaRPr lang="en-US" dirty="0"/>
           </a:p>
@@ -1465,7 +1475,7 @@
           <a:p>
             <a:fld id="{2EB312AA-E5B3-483C-89A7-82722FB34C35}" type="slidenum">
               <a:rPr lang="en-US" smtClean="0"/>
-              <a:t>24</a:t>
+              <a:t>38</a:t>
             </a:fld>
             <a:endParaRPr lang="en-US"/>
           </a:p>
@@ -1474,7 +1484,7 @@
     </p:spTree>
     <p:extLst>
       <p:ext uri="{BB962C8B-B14F-4D97-AF65-F5344CB8AC3E}">
-        <p14:creationId xmlns:p14="http://schemas.microsoft.com/office/powerpoint/2010/main" val="3636580439"/>
+        <p14:creationId xmlns:p14="http://schemas.microsoft.com/office/powerpoint/2010/main" val="799926135"/>
       </p:ext>
     </p:extLst>
   </p:cSld>
@@ -1530,7 +1540,7 @@
           <a:p>
             <a:r>
               <a:rPr lang="en-US" dirty="0" smtClean="0"/>
-              <a:t>2</a:t>
+              <a:t>3</a:t>
             </a:r>
             <a:endParaRPr lang="en-US" dirty="0"/>
           </a:p>
@@ -1562,7 +1572,7 @@
     </p:spTree>
     <p:extLst>
       <p:ext uri="{BB962C8B-B14F-4D97-AF65-F5344CB8AC3E}">
-        <p14:creationId xmlns:p14="http://schemas.microsoft.com/office/powerpoint/2010/main" val="812197993"/>
+        <p14:creationId xmlns:p14="http://schemas.microsoft.com/office/powerpoint/2010/main" val="2498962345"/>
       </p:ext>
     </p:extLst>
   </p:cSld>
@@ -1618,7 +1628,15 @@
           <a:p>
             <a:r>
               <a:rPr lang="en-US" dirty="0" smtClean="0"/>
-              <a:t>3</a:t>
+              <a:t>1 “Learn by doing” IDEAL: 15:00</a:t>
+            </a:r>
+            <a:r>
+              <a:rPr lang="en-US" smtClean="0"/>
+              <a:t>, latest </a:t>
+            </a:r>
+            <a:r>
+              <a:rPr lang="en-US" dirty="0" smtClean="0"/>
+              <a:t>TARGET = 22:00</a:t>
             </a:r>
             <a:endParaRPr lang="en-US" dirty="0"/>
           </a:p>
@@ -1641,7 +1659,7 @@
           <a:p>
             <a:fld id="{2EB312AA-E5B3-483C-89A7-82722FB34C35}" type="slidenum">
               <a:rPr lang="en-US" smtClean="0"/>
-              <a:t>25</a:t>
+              <a:t>39</a:t>
             </a:fld>
             <a:endParaRPr lang="en-US"/>
           </a:p>
@@ -1650,7 +1668,7 @@
     </p:spTree>
     <p:extLst>
       <p:ext uri="{BB962C8B-B14F-4D97-AF65-F5344CB8AC3E}">
-        <p14:creationId xmlns:p14="http://schemas.microsoft.com/office/powerpoint/2010/main" val="2884234769"/>
+        <p14:creationId xmlns:p14="http://schemas.microsoft.com/office/powerpoint/2010/main" val="2152084081"/>
       </p:ext>
     </p:extLst>
   </p:cSld>
@@ -1706,7 +1724,7 @@
           <a:p>
             <a:r>
               <a:rPr lang="en-US" dirty="0" smtClean="0"/>
-              <a:t>3</a:t>
+              <a:t>8</a:t>
             </a:r>
             <a:endParaRPr lang="en-US" dirty="0"/>
           </a:p>
@@ -1729,7 +1747,7 @@
           <a:p>
             <a:fld id="{2EB312AA-E5B3-483C-89A7-82722FB34C35}" type="slidenum">
               <a:rPr lang="en-US" smtClean="0"/>
-              <a:t>26</a:t>
+              <a:t>40</a:t>
             </a:fld>
             <a:endParaRPr lang="en-US"/>
           </a:p>
@@ -1738,7 +1756,7 @@
     </p:spTree>
     <p:extLst>
       <p:ext uri="{BB962C8B-B14F-4D97-AF65-F5344CB8AC3E}">
-        <p14:creationId xmlns:p14="http://schemas.microsoft.com/office/powerpoint/2010/main" val="1088438535"/>
+        <p14:creationId xmlns:p14="http://schemas.microsoft.com/office/powerpoint/2010/main" val="1587138040"/>
       </p:ext>
     </p:extLst>
   </p:cSld>
@@ -1794,11 +1812,7 @@
           <a:p>
             <a:r>
               <a:rPr lang="en-US" dirty="0" smtClean="0"/>
-              <a:t>1 – TARGET = 54:00</a:t>
-            </a:r>
-            <a:r>
-              <a:rPr lang="en-US" baseline="0" dirty="0" smtClean="0"/>
-              <a:t>, else -1 min each slide</a:t>
+              <a:t>4</a:t>
             </a:r>
             <a:endParaRPr lang="en-US" dirty="0"/>
           </a:p>
@@ -1821,7 +1835,7 @@
           <a:p>
             <a:fld id="{2EB312AA-E5B3-483C-89A7-82722FB34C35}" type="slidenum">
               <a:rPr lang="en-US" smtClean="0"/>
-              <a:t>27</a:t>
+              <a:t>41</a:t>
             </a:fld>
             <a:endParaRPr lang="en-US"/>
           </a:p>
@@ -1830,7 +1844,7 @@
     </p:spTree>
     <p:extLst>
       <p:ext uri="{BB962C8B-B14F-4D97-AF65-F5344CB8AC3E}">
-        <p14:creationId xmlns:p14="http://schemas.microsoft.com/office/powerpoint/2010/main" val="753214205"/>
+        <p14:creationId xmlns:p14="http://schemas.microsoft.com/office/powerpoint/2010/main" val="779674851"/>
       </p:ext>
     </p:extLst>
   </p:cSld>
@@ -1909,7 +1923,7 @@
           <a:p>
             <a:fld id="{2EB312AA-E5B3-483C-89A7-82722FB34C35}" type="slidenum">
               <a:rPr lang="en-US" smtClean="0"/>
-              <a:t>28</a:t>
+              <a:t>42</a:t>
             </a:fld>
             <a:endParaRPr lang="en-US"/>
           </a:p>
@@ -1918,7 +1932,7 @@
     </p:spTree>
     <p:extLst>
       <p:ext uri="{BB962C8B-B14F-4D97-AF65-F5344CB8AC3E}">
-        <p14:creationId xmlns:p14="http://schemas.microsoft.com/office/powerpoint/2010/main" val="3831408609"/>
+        <p14:creationId xmlns:p14="http://schemas.microsoft.com/office/powerpoint/2010/main" val="3636580439"/>
       </p:ext>
     </p:extLst>
   </p:cSld>
@@ -1974,7 +1988,7 @@
           <a:p>
             <a:r>
               <a:rPr lang="en-US" dirty="0" smtClean="0"/>
-              <a:t>6</a:t>
+              <a:t>3</a:t>
             </a:r>
             <a:endParaRPr lang="en-US" dirty="0"/>
           </a:p>
@@ -1997,7 +2011,7 @@
           <a:p>
             <a:fld id="{2EB312AA-E5B3-483C-89A7-82722FB34C35}" type="slidenum">
               <a:rPr lang="en-US" smtClean="0"/>
-              <a:t>29</a:t>
+              <a:t>43</a:t>
             </a:fld>
             <a:endParaRPr lang="en-US"/>
           </a:p>
@@ -2006,7 +2020,7 @@
     </p:spTree>
     <p:extLst>
       <p:ext uri="{BB962C8B-B14F-4D97-AF65-F5344CB8AC3E}">
-        <p14:creationId xmlns:p14="http://schemas.microsoft.com/office/powerpoint/2010/main" val="609683936"/>
+        <p14:creationId xmlns:p14="http://schemas.microsoft.com/office/powerpoint/2010/main" val="2884234769"/>
       </p:ext>
     </p:extLst>
   </p:cSld>
@@ -2062,7 +2076,7 @@
           <a:p>
             <a:r>
               <a:rPr lang="en-US" dirty="0" smtClean="0"/>
-              <a:t>6</a:t>
+              <a:t>3</a:t>
             </a:r>
             <a:endParaRPr lang="en-US" dirty="0"/>
           </a:p>
@@ -2085,7 +2099,7 @@
           <a:p>
             <a:fld id="{2EB312AA-E5B3-483C-89A7-82722FB34C35}" type="slidenum">
               <a:rPr lang="en-US" smtClean="0"/>
-              <a:t>30</a:t>
+              <a:t>44</a:t>
             </a:fld>
             <a:endParaRPr lang="en-US"/>
           </a:p>
@@ -2094,7 +2108,7 @@
     </p:spTree>
     <p:extLst>
       <p:ext uri="{BB962C8B-B14F-4D97-AF65-F5344CB8AC3E}">
-        <p14:creationId xmlns:p14="http://schemas.microsoft.com/office/powerpoint/2010/main" val="363341927"/>
+        <p14:creationId xmlns:p14="http://schemas.microsoft.com/office/powerpoint/2010/main" val="1088438535"/>
       </p:ext>
     </p:extLst>
   </p:cSld>
@@ -2150,7 +2164,11 @@
           <a:p>
             <a:r>
               <a:rPr lang="en-US" dirty="0" smtClean="0"/>
-              <a:t>6</a:t>
+              <a:t>1 – TARGET = 54:00</a:t>
+            </a:r>
+            <a:r>
+              <a:rPr lang="en-US" baseline="0" dirty="0" smtClean="0"/>
+              <a:t>, else -1 min each slide</a:t>
             </a:r>
             <a:endParaRPr lang="en-US" dirty="0"/>
           </a:p>
@@ -2173,7 +2191,7 @@
           <a:p>
             <a:fld id="{2EB312AA-E5B3-483C-89A7-82722FB34C35}" type="slidenum">
               <a:rPr lang="en-US" smtClean="0"/>
-              <a:t>31</a:t>
+              <a:t>45</a:t>
             </a:fld>
             <a:endParaRPr lang="en-US"/>
           </a:p>
@@ -2182,7 +2200,7 @@
     </p:spTree>
     <p:extLst>
       <p:ext uri="{BB962C8B-B14F-4D97-AF65-F5344CB8AC3E}">
-        <p14:creationId xmlns:p14="http://schemas.microsoft.com/office/powerpoint/2010/main" val="3662436706"/>
+        <p14:creationId xmlns:p14="http://schemas.microsoft.com/office/powerpoint/2010/main" val="753214205"/>
       </p:ext>
     </p:extLst>
   </p:cSld>
@@ -2261,7 +2279,7 @@
           <a:p>
             <a:fld id="{2EB312AA-E5B3-483C-89A7-82722FB34C35}" type="slidenum">
               <a:rPr lang="en-US" smtClean="0"/>
-              <a:t>32</a:t>
+              <a:t>46</a:t>
             </a:fld>
             <a:endParaRPr lang="en-US"/>
           </a:p>
@@ -2270,7 +2288,183 @@
     </p:spTree>
     <p:extLst>
       <p:ext uri="{BB962C8B-B14F-4D97-AF65-F5344CB8AC3E}">
-        <p14:creationId xmlns:p14="http://schemas.microsoft.com/office/powerpoint/2010/main" val="2942324603"/>
+        <p14:creationId xmlns:p14="http://schemas.microsoft.com/office/powerpoint/2010/main" val="3831408609"/>
+      </p:ext>
+    </p:extLst>
+  </p:cSld>
+  <p:clrMapOvr>
+    <a:masterClrMapping/>
+  </p:clrMapOvr>
+</p:notes>
+</file>
+
+<file path=ppt/notesSlides/notesSlide28.xml><?xml version="1.0" encoding="utf-8"?>
+<p:notes xmlns:a="http://schemas.openxmlformats.org/drawingml/2006/main" xmlns:r="http://schemas.openxmlformats.org/officeDocument/2006/relationships" xmlns:p="http://schemas.openxmlformats.org/presentationml/2006/main">
+  <p:cSld>
+    <p:spTree>
+      <p:nvGrpSpPr>
+        <p:cNvPr id="1" name=""/>
+        <p:cNvGrpSpPr/>
+        <p:nvPr/>
+      </p:nvGrpSpPr>
+      <p:grpSpPr>
+        <a:xfrm>
+          <a:off x="0" y="0"/>
+          <a:ext cx="0" cy="0"/>
+          <a:chOff x="0" y="0"/>
+          <a:chExt cx="0" cy="0"/>
+        </a:xfrm>
+      </p:grpSpPr>
+      <p:sp>
+        <p:nvSpPr>
+          <p:cNvPr id="2" name="Slide Image Placeholder 1"/>
+          <p:cNvSpPr>
+            <a:spLocks noGrp="1" noRot="1" noChangeAspect="1"/>
+          </p:cNvSpPr>
+          <p:nvPr>
+            <p:ph type="sldImg"/>
+          </p:nvPr>
+        </p:nvSpPr>
+        <p:spPr/>
+      </p:sp>
+      <p:sp>
+        <p:nvSpPr>
+          <p:cNvPr id="3" name="Notes Placeholder 2"/>
+          <p:cNvSpPr>
+            <a:spLocks noGrp="1"/>
+          </p:cNvSpPr>
+          <p:nvPr>
+            <p:ph type="body" idx="1"/>
+          </p:nvPr>
+        </p:nvSpPr>
+        <p:spPr/>
+        <p:txBody>
+          <a:bodyPr/>
+          <a:lstStyle/>
+          <a:p>
+            <a:r>
+              <a:rPr lang="en-US" dirty="0" smtClean="0"/>
+              <a:t>6</a:t>
+            </a:r>
+            <a:endParaRPr lang="en-US" dirty="0"/>
+          </a:p>
+        </p:txBody>
+      </p:sp>
+      <p:sp>
+        <p:nvSpPr>
+          <p:cNvPr id="4" name="Slide Number Placeholder 3"/>
+          <p:cNvSpPr>
+            <a:spLocks noGrp="1"/>
+          </p:cNvSpPr>
+          <p:nvPr>
+            <p:ph type="sldNum" sz="quarter" idx="10"/>
+          </p:nvPr>
+        </p:nvSpPr>
+        <p:spPr/>
+        <p:txBody>
+          <a:bodyPr/>
+          <a:lstStyle/>
+          <a:p>
+            <a:fld id="{2EB312AA-E5B3-483C-89A7-82722FB34C35}" type="slidenum">
+              <a:rPr lang="en-US" smtClean="0"/>
+              <a:t>47</a:t>
+            </a:fld>
+            <a:endParaRPr lang="en-US"/>
+          </a:p>
+        </p:txBody>
+      </p:sp>
+    </p:spTree>
+    <p:extLst>
+      <p:ext uri="{BB962C8B-B14F-4D97-AF65-F5344CB8AC3E}">
+        <p14:creationId xmlns:p14="http://schemas.microsoft.com/office/powerpoint/2010/main" val="609683936"/>
+      </p:ext>
+    </p:extLst>
+  </p:cSld>
+  <p:clrMapOvr>
+    <a:masterClrMapping/>
+  </p:clrMapOvr>
+</p:notes>
+</file>
+
+<file path=ppt/notesSlides/notesSlide29.xml><?xml version="1.0" encoding="utf-8"?>
+<p:notes xmlns:a="http://schemas.openxmlformats.org/drawingml/2006/main" xmlns:r="http://schemas.openxmlformats.org/officeDocument/2006/relationships" xmlns:p="http://schemas.openxmlformats.org/presentationml/2006/main">
+  <p:cSld>
+    <p:spTree>
+      <p:nvGrpSpPr>
+        <p:cNvPr id="1" name=""/>
+        <p:cNvGrpSpPr/>
+        <p:nvPr/>
+      </p:nvGrpSpPr>
+      <p:grpSpPr>
+        <a:xfrm>
+          <a:off x="0" y="0"/>
+          <a:ext cx="0" cy="0"/>
+          <a:chOff x="0" y="0"/>
+          <a:chExt cx="0" cy="0"/>
+        </a:xfrm>
+      </p:grpSpPr>
+      <p:sp>
+        <p:nvSpPr>
+          <p:cNvPr id="2" name="Slide Image Placeholder 1"/>
+          <p:cNvSpPr>
+            <a:spLocks noGrp="1" noRot="1" noChangeAspect="1"/>
+          </p:cNvSpPr>
+          <p:nvPr>
+            <p:ph type="sldImg"/>
+          </p:nvPr>
+        </p:nvSpPr>
+        <p:spPr/>
+      </p:sp>
+      <p:sp>
+        <p:nvSpPr>
+          <p:cNvPr id="3" name="Notes Placeholder 2"/>
+          <p:cNvSpPr>
+            <a:spLocks noGrp="1"/>
+          </p:cNvSpPr>
+          <p:nvPr>
+            <p:ph type="body" idx="1"/>
+          </p:nvPr>
+        </p:nvSpPr>
+        <p:spPr/>
+        <p:txBody>
+          <a:bodyPr/>
+          <a:lstStyle/>
+          <a:p>
+            <a:r>
+              <a:rPr lang="en-US" dirty="0" smtClean="0"/>
+              <a:t>6</a:t>
+            </a:r>
+            <a:endParaRPr lang="en-US" dirty="0"/>
+          </a:p>
+        </p:txBody>
+      </p:sp>
+      <p:sp>
+        <p:nvSpPr>
+          <p:cNvPr id="4" name="Slide Number Placeholder 3"/>
+          <p:cNvSpPr>
+            <a:spLocks noGrp="1"/>
+          </p:cNvSpPr>
+          <p:nvPr>
+            <p:ph type="sldNum" sz="quarter" idx="10"/>
+          </p:nvPr>
+        </p:nvSpPr>
+        <p:spPr/>
+        <p:txBody>
+          <a:bodyPr/>
+          <a:lstStyle/>
+          <a:p>
+            <a:fld id="{2EB312AA-E5B3-483C-89A7-82722FB34C35}" type="slidenum">
+              <a:rPr lang="en-US" smtClean="0"/>
+              <a:t>48</a:t>
+            </a:fld>
+            <a:endParaRPr lang="en-US"/>
+          </a:p>
+        </p:txBody>
+      </p:sp>
+    </p:spTree>
+    <p:extLst>
+      <p:ext uri="{BB962C8B-B14F-4D97-AF65-F5344CB8AC3E}">
+        <p14:creationId xmlns:p14="http://schemas.microsoft.com/office/powerpoint/2010/main" val="363341927"/>
       </p:ext>
     </p:extLst>
   </p:cSld>
@@ -2326,7 +2520,7 @@
           <a:p>
             <a:r>
               <a:rPr lang="en-US" dirty="0" smtClean="0"/>
-              <a:t>8, 6 &amp; 2</a:t>
+              <a:t>3</a:t>
             </a:r>
             <a:endParaRPr lang="en-US" dirty="0"/>
           </a:p>
@@ -2358,7 +2552,183 @@
     </p:spTree>
     <p:extLst>
       <p:ext uri="{BB962C8B-B14F-4D97-AF65-F5344CB8AC3E}">
-        <p14:creationId xmlns:p14="http://schemas.microsoft.com/office/powerpoint/2010/main" val="2281340076"/>
+        <p14:creationId xmlns:p14="http://schemas.microsoft.com/office/powerpoint/2010/main" val="2074873403"/>
+      </p:ext>
+    </p:extLst>
+  </p:cSld>
+  <p:clrMapOvr>
+    <a:masterClrMapping/>
+  </p:clrMapOvr>
+</p:notes>
+</file>
+
+<file path=ppt/notesSlides/notesSlide30.xml><?xml version="1.0" encoding="utf-8"?>
+<p:notes xmlns:a="http://schemas.openxmlformats.org/drawingml/2006/main" xmlns:r="http://schemas.openxmlformats.org/officeDocument/2006/relationships" xmlns:p="http://schemas.openxmlformats.org/presentationml/2006/main">
+  <p:cSld>
+    <p:spTree>
+      <p:nvGrpSpPr>
+        <p:cNvPr id="1" name=""/>
+        <p:cNvGrpSpPr/>
+        <p:nvPr/>
+      </p:nvGrpSpPr>
+      <p:grpSpPr>
+        <a:xfrm>
+          <a:off x="0" y="0"/>
+          <a:ext cx="0" cy="0"/>
+          <a:chOff x="0" y="0"/>
+          <a:chExt cx="0" cy="0"/>
+        </a:xfrm>
+      </p:grpSpPr>
+      <p:sp>
+        <p:nvSpPr>
+          <p:cNvPr id="2" name="Slide Image Placeholder 1"/>
+          <p:cNvSpPr>
+            <a:spLocks noGrp="1" noRot="1" noChangeAspect="1"/>
+          </p:cNvSpPr>
+          <p:nvPr>
+            <p:ph type="sldImg"/>
+          </p:nvPr>
+        </p:nvSpPr>
+        <p:spPr/>
+      </p:sp>
+      <p:sp>
+        <p:nvSpPr>
+          <p:cNvPr id="3" name="Notes Placeholder 2"/>
+          <p:cNvSpPr>
+            <a:spLocks noGrp="1"/>
+          </p:cNvSpPr>
+          <p:nvPr>
+            <p:ph type="body" idx="1"/>
+          </p:nvPr>
+        </p:nvSpPr>
+        <p:spPr/>
+        <p:txBody>
+          <a:bodyPr/>
+          <a:lstStyle/>
+          <a:p>
+            <a:r>
+              <a:rPr lang="en-US" dirty="0" smtClean="0"/>
+              <a:t>6</a:t>
+            </a:r>
+            <a:endParaRPr lang="en-US" dirty="0"/>
+          </a:p>
+        </p:txBody>
+      </p:sp>
+      <p:sp>
+        <p:nvSpPr>
+          <p:cNvPr id="4" name="Slide Number Placeholder 3"/>
+          <p:cNvSpPr>
+            <a:spLocks noGrp="1"/>
+          </p:cNvSpPr>
+          <p:nvPr>
+            <p:ph type="sldNum" sz="quarter" idx="10"/>
+          </p:nvPr>
+        </p:nvSpPr>
+        <p:spPr/>
+        <p:txBody>
+          <a:bodyPr/>
+          <a:lstStyle/>
+          <a:p>
+            <a:fld id="{2EB312AA-E5B3-483C-89A7-82722FB34C35}" type="slidenum">
+              <a:rPr lang="en-US" smtClean="0"/>
+              <a:t>49</a:t>
+            </a:fld>
+            <a:endParaRPr lang="en-US"/>
+          </a:p>
+        </p:txBody>
+      </p:sp>
+    </p:spTree>
+    <p:extLst>
+      <p:ext uri="{BB962C8B-B14F-4D97-AF65-F5344CB8AC3E}">
+        <p14:creationId xmlns:p14="http://schemas.microsoft.com/office/powerpoint/2010/main" val="3662436706"/>
+      </p:ext>
+    </p:extLst>
+  </p:cSld>
+  <p:clrMapOvr>
+    <a:masterClrMapping/>
+  </p:clrMapOvr>
+</p:notes>
+</file>
+
+<file path=ppt/notesSlides/notesSlide31.xml><?xml version="1.0" encoding="utf-8"?>
+<p:notes xmlns:a="http://schemas.openxmlformats.org/drawingml/2006/main" xmlns:r="http://schemas.openxmlformats.org/officeDocument/2006/relationships" xmlns:p="http://schemas.openxmlformats.org/presentationml/2006/main">
+  <p:cSld>
+    <p:spTree>
+      <p:nvGrpSpPr>
+        <p:cNvPr id="1" name=""/>
+        <p:cNvGrpSpPr/>
+        <p:nvPr/>
+      </p:nvGrpSpPr>
+      <p:grpSpPr>
+        <a:xfrm>
+          <a:off x="0" y="0"/>
+          <a:ext cx="0" cy="0"/>
+          <a:chOff x="0" y="0"/>
+          <a:chExt cx="0" cy="0"/>
+        </a:xfrm>
+      </p:grpSpPr>
+      <p:sp>
+        <p:nvSpPr>
+          <p:cNvPr id="2" name="Slide Image Placeholder 1"/>
+          <p:cNvSpPr>
+            <a:spLocks noGrp="1" noRot="1" noChangeAspect="1"/>
+          </p:cNvSpPr>
+          <p:nvPr>
+            <p:ph type="sldImg"/>
+          </p:nvPr>
+        </p:nvSpPr>
+        <p:spPr/>
+      </p:sp>
+      <p:sp>
+        <p:nvSpPr>
+          <p:cNvPr id="3" name="Notes Placeholder 2"/>
+          <p:cNvSpPr>
+            <a:spLocks noGrp="1"/>
+          </p:cNvSpPr>
+          <p:nvPr>
+            <p:ph type="body" idx="1"/>
+          </p:nvPr>
+        </p:nvSpPr>
+        <p:spPr/>
+        <p:txBody>
+          <a:bodyPr/>
+          <a:lstStyle/>
+          <a:p>
+            <a:r>
+              <a:rPr lang="en-US" dirty="0" smtClean="0"/>
+              <a:t>6</a:t>
+            </a:r>
+            <a:endParaRPr lang="en-US" dirty="0"/>
+          </a:p>
+        </p:txBody>
+      </p:sp>
+      <p:sp>
+        <p:nvSpPr>
+          <p:cNvPr id="4" name="Slide Number Placeholder 3"/>
+          <p:cNvSpPr>
+            <a:spLocks noGrp="1"/>
+          </p:cNvSpPr>
+          <p:nvPr>
+            <p:ph type="sldNum" sz="quarter" idx="10"/>
+          </p:nvPr>
+        </p:nvSpPr>
+        <p:spPr/>
+        <p:txBody>
+          <a:bodyPr/>
+          <a:lstStyle/>
+          <a:p>
+            <a:fld id="{2EB312AA-E5B3-483C-89A7-82722FB34C35}" type="slidenum">
+              <a:rPr lang="en-US" smtClean="0"/>
+              <a:t>50</a:t>
+            </a:fld>
+            <a:endParaRPr lang="en-US"/>
+          </a:p>
+        </p:txBody>
+      </p:sp>
+    </p:spTree>
+    <p:extLst>
+      <p:ext uri="{BB962C8B-B14F-4D97-AF65-F5344CB8AC3E}">
+        <p14:creationId xmlns:p14="http://schemas.microsoft.com/office/powerpoint/2010/main" val="2942324603"/>
       </p:ext>
     </p:extLst>
   </p:cSld>
@@ -2414,7 +2784,11 @@
           <a:p>
             <a:r>
               <a:rPr lang="en-US" dirty="0" smtClean="0"/>
-              <a:t>3</a:t>
+              <a:t>You’re only going to get the JavaScript you need to start working in D3, you won’t get even</a:t>
+            </a:r>
+            <a:r>
+              <a:rPr lang="en-US" baseline="0" dirty="0" smtClean="0"/>
+              <a:t> close to a working grasp of the language at it’s full capacity</a:t>
             </a:r>
             <a:endParaRPr lang="en-US" dirty="0"/>
           </a:p>
@@ -2437,7 +2811,7 @@
           <a:p>
             <a:fld id="{2EB312AA-E5B3-483C-89A7-82722FB34C35}" type="slidenum">
               <a:rPr lang="en-US" smtClean="0"/>
-              <a:t>9</a:t>
+              <a:t>8</a:t>
             </a:fld>
             <a:endParaRPr lang="en-US"/>
           </a:p>
@@ -2446,7 +2820,7 @@
     </p:spTree>
     <p:extLst>
       <p:ext uri="{BB962C8B-B14F-4D97-AF65-F5344CB8AC3E}">
-        <p14:creationId xmlns:p14="http://schemas.microsoft.com/office/powerpoint/2010/main" val="1521913146"/>
+        <p14:creationId xmlns:p14="http://schemas.microsoft.com/office/powerpoint/2010/main" val="432310434"/>
       </p:ext>
     </p:extLst>
   </p:cSld>
@@ -2502,7 +2876,7 @@
           <a:p>
             <a:r>
               <a:rPr lang="en-US" dirty="0" smtClean="0"/>
-              <a:t>3</a:t>
+              <a:t>2</a:t>
             </a:r>
             <a:endParaRPr lang="en-US" dirty="0"/>
           </a:p>
@@ -2534,7 +2908,7 @@
     </p:spTree>
     <p:extLst>
       <p:ext uri="{BB962C8B-B14F-4D97-AF65-F5344CB8AC3E}">
-        <p14:creationId xmlns:p14="http://schemas.microsoft.com/office/powerpoint/2010/main" val="1533596412"/>
+        <p14:creationId xmlns:p14="http://schemas.microsoft.com/office/powerpoint/2010/main" val="812197993"/>
       </p:ext>
     </p:extLst>
   </p:cSld>
@@ -2590,7 +2964,7 @@
           <a:p>
             <a:r>
               <a:rPr lang="en-US" dirty="0" smtClean="0"/>
-              <a:t>1</a:t>
+              <a:t>8, 6 &amp; 2</a:t>
             </a:r>
             <a:endParaRPr lang="en-US" dirty="0"/>
           </a:p>
@@ -2613,7 +2987,7 @@
           <a:p>
             <a:fld id="{2EB312AA-E5B3-483C-89A7-82722FB34C35}" type="slidenum">
               <a:rPr lang="en-US" smtClean="0"/>
-              <a:t>11</a:t>
+              <a:t>13</a:t>
             </a:fld>
             <a:endParaRPr lang="en-US"/>
           </a:p>
@@ -2622,7 +2996,7 @@
     </p:spTree>
     <p:extLst>
       <p:ext uri="{BB962C8B-B14F-4D97-AF65-F5344CB8AC3E}">
-        <p14:creationId xmlns:p14="http://schemas.microsoft.com/office/powerpoint/2010/main" val="4276457174"/>
+        <p14:creationId xmlns:p14="http://schemas.microsoft.com/office/powerpoint/2010/main" val="2281340076"/>
       </p:ext>
     </p:extLst>
   </p:cSld>
@@ -2678,7 +3052,22 @@
           <a:p>
             <a:r>
               <a:rPr lang="en-US" dirty="0" smtClean="0"/>
-              <a:t>3</a:t>
+              <a:t>Explain generic functions, a thing in </a:t>
+            </a:r>
+            <a:r>
+              <a:rPr lang="en-US" dirty="0" err="1" smtClean="0"/>
+              <a:t>javascript</a:t>
+            </a:r>
+            <a:endParaRPr lang="en-US" dirty="0" smtClean="0"/>
+          </a:p>
+          <a:p>
+            <a:r>
+              <a:rPr lang="en-US" dirty="0" smtClean="0"/>
+              <a:t>Console.log(this) and d and </a:t>
+            </a:r>
+            <a:r>
+              <a:rPr lang="en-US" dirty="0" err="1" smtClean="0"/>
+              <a:t>i</a:t>
             </a:r>
             <a:endParaRPr lang="en-US" dirty="0"/>
           </a:p>
@@ -2701,7 +3090,7 @@
           <a:p>
             <a:fld id="{2EB312AA-E5B3-483C-89A7-82722FB34C35}" type="slidenum">
               <a:rPr lang="en-US" smtClean="0"/>
-              <a:t>12</a:t>
+              <a:t>20</a:t>
             </a:fld>
             <a:endParaRPr lang="en-US"/>
           </a:p>
@@ -2710,7 +3099,7 @@
     </p:spTree>
     <p:extLst>
       <p:ext uri="{BB962C8B-B14F-4D97-AF65-F5344CB8AC3E}">
-        <p14:creationId xmlns:p14="http://schemas.microsoft.com/office/powerpoint/2010/main" val="4078528796"/>
+        <p14:creationId xmlns:p14="http://schemas.microsoft.com/office/powerpoint/2010/main" val="1162571478"/>
       </p:ext>
     </p:extLst>
   </p:cSld>
@@ -2766,15 +3155,7 @@
           <a:p>
             <a:r>
               <a:rPr lang="en-US" dirty="0" smtClean="0"/>
-              <a:t>1 “Is </a:t>
-            </a:r>
-            <a:r>
-              <a:rPr lang="en-US" dirty="0" smtClean="0"/>
-              <a:t>box-cake </a:t>
-            </a:r>
-            <a:r>
-              <a:rPr lang="en-US" dirty="0" smtClean="0"/>
-              <a:t>even good though?”</a:t>
+              <a:t>3</a:t>
             </a:r>
             <a:endParaRPr lang="en-US" dirty="0"/>
           </a:p>
@@ -2797,7 +3178,7 @@
           <a:p>
             <a:fld id="{2EB312AA-E5B3-483C-89A7-82722FB34C35}" type="slidenum">
               <a:rPr lang="en-US" smtClean="0"/>
-              <a:t>13</a:t>
+              <a:t>27</a:t>
             </a:fld>
             <a:endParaRPr lang="en-US"/>
           </a:p>
@@ -2806,7 +3187,7 @@
     </p:spTree>
     <p:extLst>
       <p:ext uri="{BB962C8B-B14F-4D97-AF65-F5344CB8AC3E}">
-        <p14:creationId xmlns:p14="http://schemas.microsoft.com/office/powerpoint/2010/main" val="672867334"/>
+        <p14:creationId xmlns:p14="http://schemas.microsoft.com/office/powerpoint/2010/main" val="1521913146"/>
       </p:ext>
     </p:extLst>
   </p:cSld>
@@ -2862,7 +3243,7 @@
           <a:p>
             <a:r>
               <a:rPr lang="en-US" dirty="0" smtClean="0"/>
-              <a:t>1</a:t>
+              <a:t>3</a:t>
             </a:r>
             <a:endParaRPr lang="en-US" dirty="0"/>
           </a:p>
@@ -2885,7 +3266,7 @@
           <a:p>
             <a:fld id="{2EB312AA-E5B3-483C-89A7-82722FB34C35}" type="slidenum">
               <a:rPr lang="en-US" smtClean="0"/>
-              <a:t>14</a:t>
+              <a:t>28</a:t>
             </a:fld>
             <a:endParaRPr lang="en-US"/>
           </a:p>
@@ -2894,7 +3275,7 @@
     </p:spTree>
     <p:extLst>
       <p:ext uri="{BB962C8B-B14F-4D97-AF65-F5344CB8AC3E}">
-        <p14:creationId xmlns:p14="http://schemas.microsoft.com/office/powerpoint/2010/main" val="1327419287"/>
+        <p14:creationId xmlns:p14="http://schemas.microsoft.com/office/powerpoint/2010/main" val="1533596412"/>
       </p:ext>
     </p:extLst>
   </p:cSld>
@@ -3043,7 +3424,7 @@
           <a:p>
             <a:fld id="{C336076D-836C-44D8-B1E0-272F963C7580}" type="datetimeFigureOut">
               <a:rPr lang="en-US" smtClean="0"/>
-              <a:t>4/2/2018</a:t>
+              <a:t>4/3/2018</a:t>
             </a:fld>
             <a:endParaRPr lang="en-US"/>
           </a:p>
@@ -3221,7 +3602,7 @@
           <a:p>
             <a:fld id="{C336076D-836C-44D8-B1E0-272F963C7580}" type="datetimeFigureOut">
               <a:rPr lang="en-US" smtClean="0"/>
-              <a:t>4/2/2018</a:t>
+              <a:t>4/3/2018</a:t>
             </a:fld>
             <a:endParaRPr lang="en-US"/>
           </a:p>
@@ -3409,7 +3790,7 @@
           <a:p>
             <a:fld id="{C336076D-836C-44D8-B1E0-272F963C7580}" type="datetimeFigureOut">
               <a:rPr lang="en-US" smtClean="0"/>
-              <a:t>4/2/2018</a:t>
+              <a:t>4/3/2018</a:t>
             </a:fld>
             <a:endParaRPr lang="en-US"/>
           </a:p>
@@ -3587,7 +3968,7 @@
           <a:p>
             <a:fld id="{C336076D-836C-44D8-B1E0-272F963C7580}" type="datetimeFigureOut">
               <a:rPr lang="en-US" smtClean="0"/>
-              <a:t>4/2/2018</a:t>
+              <a:t>4/3/2018</a:t>
             </a:fld>
             <a:endParaRPr lang="en-US"/>
           </a:p>
@@ -3841,7 +4222,7 @@
           <a:p>
             <a:fld id="{C336076D-836C-44D8-B1E0-272F963C7580}" type="datetimeFigureOut">
               <a:rPr lang="en-US" smtClean="0"/>
-              <a:t>4/2/2018</a:t>
+              <a:t>4/3/2018</a:t>
             </a:fld>
             <a:endParaRPr lang="en-US"/>
           </a:p>
@@ -4081,7 +4462,7 @@
           <a:p>
             <a:fld id="{C336076D-836C-44D8-B1E0-272F963C7580}" type="datetimeFigureOut">
               <a:rPr lang="en-US" smtClean="0"/>
-              <a:t>4/2/2018</a:t>
+              <a:t>4/3/2018</a:t>
             </a:fld>
             <a:endParaRPr lang="en-US"/>
           </a:p>
@@ -4456,7 +4837,7 @@
           <a:p>
             <a:fld id="{C336076D-836C-44D8-B1E0-272F963C7580}" type="datetimeFigureOut">
               <a:rPr lang="en-US" smtClean="0"/>
-              <a:t>4/2/2018</a:t>
+              <a:t>4/3/2018</a:t>
             </a:fld>
             <a:endParaRPr lang="en-US"/>
           </a:p>
@@ -4582,7 +4963,7 @@
           <a:p>
             <a:fld id="{C336076D-836C-44D8-B1E0-272F963C7580}" type="datetimeFigureOut">
               <a:rPr lang="en-US" smtClean="0"/>
-              <a:t>4/2/2018</a:t>
+              <a:t>4/3/2018</a:t>
             </a:fld>
             <a:endParaRPr lang="en-US"/>
           </a:p>
@@ -4685,7 +5066,7 @@
           <a:p>
             <a:fld id="{C336076D-836C-44D8-B1E0-272F963C7580}" type="datetimeFigureOut">
               <a:rPr lang="en-US" smtClean="0"/>
-              <a:t>4/2/2018</a:t>
+              <a:t>4/3/2018</a:t>
             </a:fld>
             <a:endParaRPr lang="en-US"/>
           </a:p>
@@ -4970,7 +5351,7 @@
           <a:p>
             <a:fld id="{C336076D-836C-44D8-B1E0-272F963C7580}" type="datetimeFigureOut">
               <a:rPr lang="en-US" smtClean="0"/>
-              <a:t>4/2/2018</a:t>
+              <a:t>4/3/2018</a:t>
             </a:fld>
             <a:endParaRPr lang="en-US"/>
           </a:p>
@@ -5235,7 +5616,7 @@
           <a:p>
             <a:fld id="{C336076D-836C-44D8-B1E0-272F963C7580}" type="datetimeFigureOut">
               <a:rPr lang="en-US" smtClean="0"/>
-              <a:t>4/2/2018</a:t>
+              <a:t>4/3/2018</a:t>
             </a:fld>
             <a:endParaRPr lang="en-US"/>
           </a:p>
@@ -5451,7 +5832,7 @@
           <a:p>
             <a:fld id="{C336076D-836C-44D8-B1E0-272F963C7580}" type="datetimeFigureOut">
               <a:rPr lang="en-US" smtClean="0"/>
-              <a:t>4/2/2018</a:t>
+              <a:t>4/3/2018</a:t>
             </a:fld>
             <a:endParaRPr lang="en-US"/>
           </a:p>
@@ -5873,7 +6254,7 @@
           <a:p>
             <a:r>
               <a:rPr lang="en-US" sz="4400" i="1" dirty="0" smtClean="0"/>
-              <a:t>Optional:</a:t>
+              <a:t>Welcome to:</a:t>
             </a:r>
             <a:r>
               <a:rPr lang="en-US" dirty="0" smtClean="0"/>
@@ -5883,8 +6264,12 @@
               <a:rPr lang="en-US" dirty="0" smtClean="0"/>
             </a:br>
             <a:r>
-              <a:rPr lang="en-US" dirty="0" smtClean="0"/>
-              <a:t>Pre-Requisite JS:</a:t>
+              <a:rPr lang="en-US" dirty="0"/>
+              <a:t> </a:t>
+            </a:r>
+            <a:r>
+              <a:rPr lang="en-US" dirty="0" smtClean="0"/>
+              <a:t>Visualization with D3</a:t>
             </a:r>
             <a:endParaRPr lang="en-US" dirty="0"/>
           </a:p>
@@ -5907,15 +6292,7 @@
           <a:p>
             <a:r>
               <a:rPr lang="en-US" dirty="0" smtClean="0"/>
-              <a:t>Before we start into d3, let’s examine some </a:t>
-            </a:r>
-            <a:r>
-              <a:rPr lang="en-US" dirty="0" smtClean="0"/>
-              <a:t>J</a:t>
-            </a:r>
-            <a:r>
-              <a:rPr lang="en-US" dirty="0" smtClean="0"/>
-              <a:t>avaScript.</a:t>
+              <a:t>Frank Elavsky, Data Visualization Specialist, NUIT</a:t>
             </a:r>
             <a:endParaRPr lang="en-US" dirty="0"/>
           </a:p>
@@ -5924,7 +6301,7 @@
     </p:spTree>
     <p:extLst>
       <p:ext uri="{BB962C8B-B14F-4D97-AF65-F5344CB8AC3E}">
-        <p14:creationId xmlns:p14="http://schemas.microsoft.com/office/powerpoint/2010/main" val="3773204428"/>
+        <p14:creationId xmlns:p14="http://schemas.microsoft.com/office/powerpoint/2010/main" val="3678734632"/>
       </p:ext>
     </p:extLst>
   </p:cSld>
@@ -5960,7 +6337,7 @@
       </p:grpSpPr>
       <p:sp>
         <p:nvSpPr>
-          <p:cNvPr id="2" name="Title 1"/>
+          <p:cNvPr id="4" name="Title 3"/>
           <p:cNvSpPr>
             <a:spLocks noGrp="1"/>
           </p:cNvSpPr>
@@ -5968,30 +6345,22 @@
             <p:ph type="ctrTitle"/>
           </p:nvPr>
         </p:nvSpPr>
-        <p:spPr>
-          <a:xfrm>
-            <a:off x="1524000" y="1064027"/>
-            <a:ext cx="9144000" cy="1207337"/>
-          </a:xfrm>
-        </p:spPr>
-        <p:txBody>
-          <a:bodyPr>
-            <a:normAutofit/>
-          </a:bodyPr>
-          <a:lstStyle/>
-          <a:p>
-            <a:pPr algn="l"/>
-            <a:r>
-              <a:rPr lang="en-US" dirty="0" smtClean="0"/>
-              <a:t>What is D3 capable of?</a:t>
-            </a:r>
-            <a:endParaRPr lang="en-US" dirty="0"/>
-          </a:p>
-        </p:txBody>
-      </p:sp>
-      <p:sp>
-        <p:nvSpPr>
-          <p:cNvPr id="3" name="Subtitle 2"/>
+        <p:spPr/>
+        <p:txBody>
+          <a:bodyPr/>
+          <a:lstStyle/>
+          <a:p>
+            <a:r>
+              <a:rPr lang="en-US" dirty="0" smtClean="0"/>
+              <a:t>This Repo:</a:t>
+            </a:r>
+            <a:endParaRPr lang="en-US" dirty="0"/>
+          </a:p>
+        </p:txBody>
+      </p:sp>
+      <p:sp>
+        <p:nvSpPr>
+          <p:cNvPr id="5" name="Subtitle 4"/>
           <p:cNvSpPr>
             <a:spLocks noGrp="1"/>
           </p:cNvSpPr>
@@ -5999,93 +6368,22 @@
             <p:ph type="subTitle" idx="1"/>
           </p:nvPr>
         </p:nvSpPr>
-        <p:spPr>
-          <a:xfrm>
-            <a:off x="1524000" y="2271364"/>
-            <a:ext cx="9144000" cy="4048320"/>
-          </a:xfrm>
-        </p:spPr>
-        <p:txBody>
-          <a:bodyPr/>
-          <a:lstStyle/>
-          <a:p>
-            <a:pPr algn="l"/>
+        <p:spPr/>
+        <p:txBody>
+          <a:bodyPr/>
+          <a:lstStyle/>
+          <a:p>
             <a:r>
               <a:rPr lang="en-US" dirty="0"/>
-              <a:t>https://</a:t>
-            </a:r>
-            <a:r>
-              <a:rPr lang="en-US" dirty="0" smtClean="0"/>
-              <a:t>ligo.northwestern.edu/media/mass-plot/index.html</a:t>
-            </a:r>
-          </a:p>
-          <a:p>
-            <a:pPr algn="l"/>
-            <a:endParaRPr lang="en-US" dirty="0" smtClean="0"/>
-          </a:p>
-          <a:p>
-            <a:pPr algn="l"/>
-            <a:r>
-              <a:rPr lang="en-US" dirty="0" smtClean="0"/>
-              <a:t>http</a:t>
-            </a:r>
-            <a:r>
-              <a:rPr lang="en-US" dirty="0"/>
-              <a:t>://www.r2d3.us/visual-intro-to-machine-learning-part-1</a:t>
-            </a:r>
-            <a:r>
-              <a:rPr lang="en-US" dirty="0" smtClean="0"/>
-              <a:t>/</a:t>
-            </a:r>
-          </a:p>
-          <a:p>
-            <a:pPr algn="l"/>
-            <a:r>
-              <a:rPr lang="en-US" dirty="0"/>
-              <a:t>http://</a:t>
-            </a:r>
-            <a:r>
-              <a:rPr lang="en-US" dirty="0" smtClean="0"/>
-              <a:t>bit.ly/2wJEeIy</a:t>
-            </a:r>
-          </a:p>
-          <a:p>
-            <a:pPr algn="l"/>
-            <a:r>
-              <a:rPr lang="en-US" dirty="0" smtClean="0"/>
-              <a:t>http://nbremer.github.io/urbanization/</a:t>
-            </a:r>
-          </a:p>
-          <a:p>
-            <a:pPr algn="l"/>
-            <a:r>
-              <a:rPr lang="en-US" dirty="0" smtClean="0"/>
-              <a:t>https</a:t>
-            </a:r>
-            <a:r>
-              <a:rPr lang="en-US" dirty="0"/>
-              <a:t>://</a:t>
-            </a:r>
-            <a:r>
-              <a:rPr lang="en-US" dirty="0" smtClean="0"/>
-              <a:t>www.nytimes.com/interactive/2014/upshot/buy-rent-calculator.htmlhttps</a:t>
-            </a:r>
-            <a:r>
-              <a:rPr lang="en-US" dirty="0"/>
-              <a:t>://bost.ocks.org/mike/algorithms/</a:t>
-            </a:r>
-            <a:endParaRPr lang="en-US" dirty="0" smtClean="0"/>
-          </a:p>
-          <a:p>
-            <a:pPr algn="l"/>
-            <a:endParaRPr lang="en-US" dirty="0"/>
+              <a:t>https://github.com/nuitrcs/Intro_to_d3_workshop</a:t>
+            </a:r>
           </a:p>
         </p:txBody>
       </p:sp>
     </p:spTree>
     <p:extLst>
       <p:ext uri="{BB962C8B-B14F-4D97-AF65-F5344CB8AC3E}">
-        <p14:creationId xmlns:p14="http://schemas.microsoft.com/office/powerpoint/2010/main" val="990942484"/>
+        <p14:creationId xmlns:p14="http://schemas.microsoft.com/office/powerpoint/2010/main" val="309578843"/>
       </p:ext>
     </p:extLst>
   </p:cSld>
@@ -6129,6 +6427,2202 @@
             <p:ph type="title"/>
           </p:nvPr>
         </p:nvSpPr>
+        <p:spPr>
+          <a:xfrm>
+            <a:off x="838200" y="1838819"/>
+            <a:ext cx="10515600" cy="1325563"/>
+          </a:xfrm>
+        </p:spPr>
+        <p:txBody>
+          <a:bodyPr/>
+          <a:lstStyle/>
+          <a:p>
+            <a:r>
+              <a:rPr lang="en-US" dirty="0" smtClean="0"/>
+              <a:t>Before I say anything, write </a:t>
+            </a:r>
+            <a:r>
+              <a:rPr lang="en-US" i="1" dirty="0" smtClean="0"/>
+              <a:t>this</a:t>
+            </a:r>
+            <a:r>
+              <a:rPr lang="en-US" dirty="0" smtClean="0"/>
+              <a:t> down:</a:t>
+            </a:r>
+            <a:endParaRPr lang="en-US" dirty="0"/>
+          </a:p>
+        </p:txBody>
+      </p:sp>
+      <p:sp>
+        <p:nvSpPr>
+          <p:cNvPr id="3" name="Content Placeholder 2"/>
+          <p:cNvSpPr>
+            <a:spLocks noGrp="1"/>
+          </p:cNvSpPr>
+          <p:nvPr>
+            <p:ph idx="1"/>
+          </p:nvPr>
+        </p:nvSpPr>
+        <p:spPr>
+          <a:xfrm>
+            <a:off x="838200" y="3299319"/>
+            <a:ext cx="10515600" cy="1743198"/>
+          </a:xfrm>
+        </p:spPr>
+        <p:txBody>
+          <a:bodyPr>
+            <a:noAutofit/>
+          </a:bodyPr>
+          <a:lstStyle/>
+          <a:p>
+            <a:pPr marL="0" indent="0" algn="ctr">
+              <a:buNone/>
+            </a:pPr>
+            <a:r>
+              <a:rPr lang="en-US" sz="10800" dirty="0" smtClean="0"/>
+              <a:t>console.log(</a:t>
+            </a:r>
+            <a:r>
+              <a:rPr lang="en-US" sz="10800" i="1" dirty="0" smtClean="0"/>
+              <a:t>this</a:t>
+            </a:r>
+            <a:r>
+              <a:rPr lang="en-US" sz="10800" dirty="0" smtClean="0"/>
+              <a:t>)</a:t>
+            </a:r>
+            <a:endParaRPr lang="en-US" sz="10800" dirty="0"/>
+          </a:p>
+        </p:txBody>
+      </p:sp>
+    </p:spTree>
+    <p:extLst>
+      <p:ext uri="{BB962C8B-B14F-4D97-AF65-F5344CB8AC3E}">
+        <p14:creationId xmlns:p14="http://schemas.microsoft.com/office/powerpoint/2010/main" val="3487193495"/>
+      </p:ext>
+    </p:extLst>
+  </p:cSld>
+  <p:clrMapOvr>
+    <a:masterClrMapping/>
+  </p:clrMapOvr>
+</p:sld>
+</file>
+
+<file path=ppt/slides/slide12.xml><?xml version="1.0" encoding="utf-8"?>
+<p:sld xmlns:a="http://schemas.openxmlformats.org/drawingml/2006/main" xmlns:r="http://schemas.openxmlformats.org/officeDocument/2006/relationships" xmlns:p="http://schemas.openxmlformats.org/presentationml/2006/main">
+  <p:cSld>
+    <p:spTree>
+      <p:nvGrpSpPr>
+        <p:cNvPr id="1" name=""/>
+        <p:cNvGrpSpPr/>
+        <p:nvPr/>
+      </p:nvGrpSpPr>
+      <p:grpSpPr>
+        <a:xfrm>
+          <a:off x="0" y="0"/>
+          <a:ext cx="0" cy="0"/>
+          <a:chOff x="0" y="0"/>
+          <a:chExt cx="0" cy="0"/>
+        </a:xfrm>
+      </p:grpSpPr>
+      <p:sp>
+        <p:nvSpPr>
+          <p:cNvPr id="2" name="Title 1"/>
+          <p:cNvSpPr>
+            <a:spLocks noGrp="1"/>
+          </p:cNvSpPr>
+          <p:nvPr>
+            <p:ph type="ctrTitle"/>
+          </p:nvPr>
+        </p:nvSpPr>
+        <p:spPr/>
+        <p:txBody>
+          <a:bodyPr>
+            <a:normAutofit/>
+          </a:bodyPr>
+          <a:lstStyle/>
+          <a:p>
+            <a:r>
+              <a:rPr lang="en-US" sz="8900" dirty="0" smtClean="0"/>
+              <a:t>console.log(</a:t>
+            </a:r>
+            <a:r>
+              <a:rPr lang="en-US" sz="8900" i="1" dirty="0" smtClean="0"/>
+              <a:t>this</a:t>
+            </a:r>
+            <a:r>
+              <a:rPr lang="en-US" sz="8900" dirty="0" smtClean="0"/>
+              <a:t>) </a:t>
+            </a:r>
+            <a:r>
+              <a:rPr lang="en-US" dirty="0" smtClean="0"/>
+              <a:t/>
+            </a:r>
+            <a:br>
+              <a:rPr lang="en-US" dirty="0" smtClean="0"/>
+            </a:br>
+            <a:r>
+              <a:rPr lang="en-US" sz="4800" dirty="0" smtClean="0"/>
+              <a:t>is your most powerful weapon</a:t>
+            </a:r>
+            <a:endParaRPr lang="en-US" sz="4800" dirty="0"/>
+          </a:p>
+        </p:txBody>
+      </p:sp>
+      <p:sp>
+        <p:nvSpPr>
+          <p:cNvPr id="3" name="Content Placeholder 2"/>
+          <p:cNvSpPr>
+            <a:spLocks noGrp="1"/>
+          </p:cNvSpPr>
+          <p:nvPr>
+            <p:ph type="subTitle" idx="1"/>
+          </p:nvPr>
+        </p:nvSpPr>
+        <p:spPr>
+          <a:xfrm>
+            <a:off x="1524000" y="3602037"/>
+            <a:ext cx="9144000" cy="1848851"/>
+          </a:xfrm>
+        </p:spPr>
+        <p:txBody>
+          <a:bodyPr>
+            <a:normAutofit/>
+          </a:bodyPr>
+          <a:lstStyle/>
+          <a:p>
+            <a:r>
+              <a:rPr lang="en-US" sz="2800" dirty="0" smtClean="0"/>
+              <a:t>Use it. All the time. </a:t>
+            </a:r>
+          </a:p>
+          <a:p>
+            <a:r>
+              <a:rPr lang="en-US" sz="2800" dirty="0" smtClean="0"/>
+              <a:t>It is your 6</a:t>
+            </a:r>
+            <a:r>
+              <a:rPr lang="en-US" sz="2800" baseline="30000" dirty="0" smtClean="0"/>
+              <a:t>th</a:t>
+            </a:r>
+            <a:r>
+              <a:rPr lang="en-US" sz="2800" dirty="0" smtClean="0"/>
+              <a:t> sense in frontend development: it lets you ‘see’ where you are in your code and the DOM. It is your eyes into your scope, your selections, and your </a:t>
+            </a:r>
+            <a:r>
+              <a:rPr lang="en-US" sz="2800" i="1" dirty="0" smtClean="0"/>
+              <a:t>life.</a:t>
+            </a:r>
+            <a:endParaRPr lang="en-US" sz="2800" dirty="0"/>
+          </a:p>
+        </p:txBody>
+      </p:sp>
+    </p:spTree>
+    <p:extLst>
+      <p:ext uri="{BB962C8B-B14F-4D97-AF65-F5344CB8AC3E}">
+        <p14:creationId xmlns:p14="http://schemas.microsoft.com/office/powerpoint/2010/main" val="3050613112"/>
+      </p:ext>
+    </p:extLst>
+  </p:cSld>
+  <p:clrMapOvr>
+    <a:masterClrMapping/>
+  </p:clrMapOvr>
+</p:sld>
+</file>
+
+<file path=ppt/slides/slide13.xml><?xml version="1.0" encoding="utf-8"?>
+<p:sld xmlns:a="http://schemas.openxmlformats.org/drawingml/2006/main" xmlns:r="http://schemas.openxmlformats.org/officeDocument/2006/relationships" xmlns:p="http://schemas.openxmlformats.org/presentationml/2006/main">
+  <p:cSld>
+    <p:spTree>
+      <p:nvGrpSpPr>
+        <p:cNvPr id="1" name=""/>
+        <p:cNvGrpSpPr/>
+        <p:nvPr/>
+      </p:nvGrpSpPr>
+      <p:grpSpPr>
+        <a:xfrm>
+          <a:off x="0" y="0"/>
+          <a:ext cx="0" cy="0"/>
+          <a:chOff x="0" y="0"/>
+          <a:chExt cx="0" cy="0"/>
+        </a:xfrm>
+      </p:grpSpPr>
+      <p:sp>
+        <p:nvSpPr>
+          <p:cNvPr id="2" name="Title 1"/>
+          <p:cNvSpPr>
+            <a:spLocks noGrp="1"/>
+          </p:cNvSpPr>
+          <p:nvPr>
+            <p:ph type="title"/>
+          </p:nvPr>
+        </p:nvSpPr>
+        <p:spPr/>
+        <p:txBody>
+          <a:bodyPr/>
+          <a:lstStyle/>
+          <a:p>
+            <a:r>
+              <a:rPr lang="en-US" dirty="0" smtClean="0"/>
+              <a:t>Getting Started:</a:t>
+            </a:r>
+            <a:endParaRPr lang="en-US" dirty="0"/>
+          </a:p>
+        </p:txBody>
+      </p:sp>
+      <p:sp>
+        <p:nvSpPr>
+          <p:cNvPr id="3" name="Content Placeholder 2"/>
+          <p:cNvSpPr>
+            <a:spLocks noGrp="1"/>
+          </p:cNvSpPr>
+          <p:nvPr>
+            <p:ph idx="1"/>
+          </p:nvPr>
+        </p:nvSpPr>
+        <p:spPr/>
+        <p:txBody>
+          <a:bodyPr/>
+          <a:lstStyle/>
+          <a:p>
+            <a:r>
+              <a:rPr lang="en-US" dirty="0" smtClean="0"/>
+              <a:t>Task #1</a:t>
+            </a:r>
+            <a:r>
+              <a:rPr lang="en-US" dirty="0" smtClean="0"/>
+              <a:t>: Get your tools</a:t>
+            </a:r>
+            <a:endParaRPr lang="en-US" dirty="0" smtClean="0"/>
+          </a:p>
+          <a:p>
+            <a:r>
+              <a:rPr lang="en-US" dirty="0" smtClean="0"/>
+              <a:t>Get </a:t>
+            </a:r>
+            <a:r>
+              <a:rPr lang="en-US" dirty="0"/>
+              <a:t>a text editor: </a:t>
+            </a:r>
+            <a:r>
+              <a:rPr lang="en-US" b="1" dirty="0"/>
+              <a:t>Sublime</a:t>
+            </a:r>
+            <a:r>
+              <a:rPr lang="en-US" dirty="0"/>
+              <a:t>, Atom, Notepad++, or </a:t>
+            </a:r>
+            <a:r>
+              <a:rPr lang="en-US" dirty="0" smtClean="0"/>
+              <a:t>Brackets</a:t>
+            </a:r>
+          </a:p>
+          <a:p>
+            <a:r>
+              <a:rPr lang="en-US" dirty="0" smtClean="0"/>
+              <a:t>Make sure you have either </a:t>
+            </a:r>
+            <a:r>
+              <a:rPr lang="en-US" b="1" dirty="0" smtClean="0"/>
+              <a:t>Chrome </a:t>
+            </a:r>
+            <a:r>
+              <a:rPr lang="en-US" dirty="0" smtClean="0"/>
+              <a:t>or Firefox</a:t>
+            </a:r>
+          </a:p>
+          <a:p>
+            <a:endParaRPr lang="en-US" dirty="0" smtClean="0"/>
+          </a:p>
+          <a:p>
+            <a:r>
+              <a:rPr lang="en-US" dirty="0" smtClean="0"/>
+              <a:t>Task #2</a:t>
+            </a:r>
+            <a:r>
+              <a:rPr lang="en-US" dirty="0" smtClean="0"/>
+              <a:t>: Open your stuff</a:t>
+            </a:r>
+            <a:endParaRPr lang="en-US" dirty="0"/>
+          </a:p>
+          <a:p>
+            <a:r>
+              <a:rPr lang="en-US" dirty="0" smtClean="0"/>
+              <a:t>Open the “barchart_ready.html” file in your </a:t>
+            </a:r>
+            <a:r>
+              <a:rPr lang="en-US" b="1" dirty="0" smtClean="0"/>
+              <a:t>browser</a:t>
+            </a:r>
+          </a:p>
+          <a:p>
+            <a:r>
+              <a:rPr lang="en-US" dirty="0" smtClean="0"/>
+              <a:t>Open the “barchart_ready.html” file in your </a:t>
+            </a:r>
+            <a:r>
+              <a:rPr lang="en-US" b="1" dirty="0" smtClean="0"/>
+              <a:t>text editor</a:t>
+            </a:r>
+          </a:p>
+          <a:p>
+            <a:endParaRPr lang="en-US" dirty="0"/>
+          </a:p>
+        </p:txBody>
+      </p:sp>
+    </p:spTree>
+    <p:extLst>
+      <p:ext uri="{BB962C8B-B14F-4D97-AF65-F5344CB8AC3E}">
+        <p14:creationId xmlns:p14="http://schemas.microsoft.com/office/powerpoint/2010/main" val="2894837639"/>
+      </p:ext>
+    </p:extLst>
+  </p:cSld>
+  <p:clrMapOvr>
+    <a:masterClrMapping/>
+  </p:clrMapOvr>
+  <p:timing>
+    <p:tnLst>
+      <p:par>
+        <p:cTn id="1" dur="indefinite" restart="never" nodeType="tmRoot"/>
+      </p:par>
+    </p:tnLst>
+  </p:timing>
+</p:sld>
+</file>
+
+<file path=ppt/slides/slide14.xml><?xml version="1.0" encoding="utf-8"?>
+<p:sld xmlns:a="http://schemas.openxmlformats.org/drawingml/2006/main" xmlns:r="http://schemas.openxmlformats.org/officeDocument/2006/relationships" xmlns:p="http://schemas.openxmlformats.org/presentationml/2006/main">
+  <p:cSld>
+    <p:spTree>
+      <p:nvGrpSpPr>
+        <p:cNvPr id="1" name=""/>
+        <p:cNvGrpSpPr/>
+        <p:nvPr/>
+      </p:nvGrpSpPr>
+      <p:grpSpPr>
+        <a:xfrm>
+          <a:off x="0" y="0"/>
+          <a:ext cx="0" cy="0"/>
+          <a:chOff x="0" y="0"/>
+          <a:chExt cx="0" cy="0"/>
+        </a:xfrm>
+      </p:grpSpPr>
+      <p:sp>
+        <p:nvSpPr>
+          <p:cNvPr id="2" name="Title 1"/>
+          <p:cNvSpPr>
+            <a:spLocks noGrp="1"/>
+          </p:cNvSpPr>
+          <p:nvPr>
+            <p:ph type="title"/>
+          </p:nvPr>
+        </p:nvSpPr>
+        <p:spPr/>
+        <p:txBody>
+          <a:bodyPr/>
+          <a:lstStyle/>
+          <a:p>
+            <a:r>
+              <a:rPr lang="en-US" dirty="0" smtClean="0"/>
+              <a:t>A note about this dev environment</a:t>
+            </a:r>
+            <a:endParaRPr lang="en-US" dirty="0"/>
+          </a:p>
+        </p:txBody>
+      </p:sp>
+      <p:sp>
+        <p:nvSpPr>
+          <p:cNvPr id="3" name="Content Placeholder 2"/>
+          <p:cNvSpPr>
+            <a:spLocks noGrp="1"/>
+          </p:cNvSpPr>
+          <p:nvPr>
+            <p:ph idx="1"/>
+          </p:nvPr>
+        </p:nvSpPr>
+        <p:spPr/>
+        <p:txBody>
+          <a:bodyPr/>
+          <a:lstStyle/>
+          <a:p>
+            <a:r>
+              <a:rPr lang="en-US" dirty="0" smtClean="0"/>
+              <a:t>I will not be teaching: IDEs, task-runners, </a:t>
+            </a:r>
+            <a:r>
+              <a:rPr lang="en-US" dirty="0" err="1" smtClean="0"/>
+              <a:t>linting</a:t>
+            </a:r>
+            <a:r>
+              <a:rPr lang="en-US" dirty="0" smtClean="0"/>
+              <a:t>, sass, frameworks, or anything that you might want to consider in a full production environment</a:t>
+            </a:r>
+          </a:p>
+          <a:p>
+            <a:endParaRPr lang="en-US" dirty="0"/>
+          </a:p>
+          <a:p>
+            <a:r>
+              <a:rPr lang="en-US" dirty="0" smtClean="0"/>
+              <a:t>Why? Because those are beyond even the intro ‘10’ hour tutorials for JS. These are not within the scope of what we are learning – which is how to create things in D3.</a:t>
+            </a:r>
+            <a:endParaRPr lang="en-US" dirty="0"/>
+          </a:p>
+        </p:txBody>
+      </p:sp>
+    </p:spTree>
+    <p:extLst>
+      <p:ext uri="{BB962C8B-B14F-4D97-AF65-F5344CB8AC3E}">
+        <p14:creationId xmlns:p14="http://schemas.microsoft.com/office/powerpoint/2010/main" val="614333431"/>
+      </p:ext>
+    </p:extLst>
+  </p:cSld>
+  <p:clrMapOvr>
+    <a:masterClrMapping/>
+  </p:clrMapOvr>
+</p:sld>
+</file>
+
+<file path=ppt/slides/slide15.xml><?xml version="1.0" encoding="utf-8"?>
+<p:sld xmlns:a="http://schemas.openxmlformats.org/drawingml/2006/main" xmlns:r="http://schemas.openxmlformats.org/officeDocument/2006/relationships" xmlns:p="http://schemas.openxmlformats.org/presentationml/2006/main">
+  <p:cSld>
+    <p:spTree>
+      <p:nvGrpSpPr>
+        <p:cNvPr id="1" name=""/>
+        <p:cNvGrpSpPr/>
+        <p:nvPr/>
+      </p:nvGrpSpPr>
+      <p:grpSpPr>
+        <a:xfrm>
+          <a:off x="0" y="0"/>
+          <a:ext cx="0" cy="0"/>
+          <a:chOff x="0" y="0"/>
+          <a:chExt cx="0" cy="0"/>
+        </a:xfrm>
+      </p:grpSpPr>
+      <p:sp>
+        <p:nvSpPr>
+          <p:cNvPr id="2" name="Title 1"/>
+          <p:cNvSpPr>
+            <a:spLocks noGrp="1"/>
+          </p:cNvSpPr>
+          <p:nvPr>
+            <p:ph type="title"/>
+          </p:nvPr>
+        </p:nvSpPr>
+        <p:spPr/>
+        <p:txBody>
+          <a:bodyPr/>
+          <a:lstStyle/>
+          <a:p>
+            <a:r>
+              <a:rPr lang="en-US" dirty="0" smtClean="0"/>
+              <a:t>Task #3</a:t>
+            </a:r>
+            <a:r>
+              <a:rPr lang="en-US" dirty="0" smtClean="0"/>
+              <a:t>: Some </a:t>
+            </a:r>
+            <a:r>
+              <a:rPr lang="en-US" i="1" dirty="0" smtClean="0"/>
+              <a:t>library-level</a:t>
+            </a:r>
+            <a:r>
+              <a:rPr lang="en-US" dirty="0" smtClean="0"/>
+              <a:t> JavaScript</a:t>
+            </a:r>
+            <a:endParaRPr lang="en-US" dirty="0"/>
+          </a:p>
+        </p:txBody>
+      </p:sp>
+      <p:sp>
+        <p:nvSpPr>
+          <p:cNvPr id="3" name="Content Placeholder 2"/>
+          <p:cNvSpPr>
+            <a:spLocks noGrp="1"/>
+          </p:cNvSpPr>
+          <p:nvPr>
+            <p:ph idx="1"/>
+          </p:nvPr>
+        </p:nvSpPr>
+        <p:spPr/>
+        <p:txBody>
+          <a:bodyPr/>
+          <a:lstStyle/>
+          <a:p>
+            <a:r>
+              <a:rPr lang="en-US" dirty="0" smtClean="0"/>
+              <a:t>Open ‘controller.js’ in your text editor, let’s walk through this</a:t>
+            </a:r>
+          </a:p>
+        </p:txBody>
+      </p:sp>
+    </p:spTree>
+    <p:extLst>
+      <p:ext uri="{BB962C8B-B14F-4D97-AF65-F5344CB8AC3E}">
+        <p14:creationId xmlns:p14="http://schemas.microsoft.com/office/powerpoint/2010/main" val="772925614"/>
+      </p:ext>
+    </p:extLst>
+  </p:cSld>
+  <p:clrMapOvr>
+    <a:masterClrMapping/>
+  </p:clrMapOvr>
+</p:sld>
+</file>
+
+<file path=ppt/slides/slide16.xml><?xml version="1.0" encoding="utf-8"?>
+<p:sld xmlns:a="http://schemas.openxmlformats.org/drawingml/2006/main" xmlns:r="http://schemas.openxmlformats.org/officeDocument/2006/relationships" xmlns:p="http://schemas.openxmlformats.org/presentationml/2006/main">
+  <p:cSld>
+    <p:spTree>
+      <p:nvGrpSpPr>
+        <p:cNvPr id="1" name=""/>
+        <p:cNvGrpSpPr/>
+        <p:nvPr/>
+      </p:nvGrpSpPr>
+      <p:grpSpPr>
+        <a:xfrm>
+          <a:off x="0" y="0"/>
+          <a:ext cx="0" cy="0"/>
+          <a:chOff x="0" y="0"/>
+          <a:chExt cx="0" cy="0"/>
+        </a:xfrm>
+      </p:grpSpPr>
+      <p:sp>
+        <p:nvSpPr>
+          <p:cNvPr id="2" name="Title 1"/>
+          <p:cNvSpPr>
+            <a:spLocks noGrp="1"/>
+          </p:cNvSpPr>
+          <p:nvPr>
+            <p:ph type="title"/>
+          </p:nvPr>
+        </p:nvSpPr>
+        <p:spPr/>
+        <p:txBody>
+          <a:bodyPr/>
+          <a:lstStyle/>
+          <a:p>
+            <a:r>
+              <a:rPr lang="en-US" dirty="0" smtClean="0"/>
+              <a:t>Task #4</a:t>
+            </a:r>
+            <a:r>
+              <a:rPr lang="en-US" dirty="0" smtClean="0"/>
+              <a:t>: Understanding AJAX failures</a:t>
+            </a:r>
+            <a:endParaRPr lang="en-US" dirty="0"/>
+          </a:p>
+        </p:txBody>
+      </p:sp>
+      <p:sp>
+        <p:nvSpPr>
+          <p:cNvPr id="3" name="Content Placeholder 2"/>
+          <p:cNvSpPr>
+            <a:spLocks noGrp="1"/>
+          </p:cNvSpPr>
+          <p:nvPr>
+            <p:ph idx="1"/>
+          </p:nvPr>
+        </p:nvSpPr>
+        <p:spPr/>
+        <p:txBody>
+          <a:bodyPr/>
+          <a:lstStyle/>
+          <a:p>
+            <a:r>
+              <a:rPr lang="en-US" dirty="0" smtClean="0"/>
+              <a:t>Open ‘barchart.html’ in </a:t>
+            </a:r>
+            <a:r>
+              <a:rPr lang="en-US" b="1" dirty="0" smtClean="0"/>
+              <a:t>CHROME</a:t>
+            </a:r>
+          </a:p>
+          <a:p>
+            <a:r>
+              <a:rPr lang="en-US" dirty="0" smtClean="0"/>
+              <a:t>Open the inspector to read the error message</a:t>
+            </a:r>
+          </a:p>
+        </p:txBody>
+      </p:sp>
+    </p:spTree>
+    <p:extLst>
+      <p:ext uri="{BB962C8B-B14F-4D97-AF65-F5344CB8AC3E}">
+        <p14:creationId xmlns:p14="http://schemas.microsoft.com/office/powerpoint/2010/main" val="1104887521"/>
+      </p:ext>
+    </p:extLst>
+  </p:cSld>
+  <p:clrMapOvr>
+    <a:masterClrMapping/>
+  </p:clrMapOvr>
+</p:sld>
+</file>
+
+<file path=ppt/slides/slide17.xml><?xml version="1.0" encoding="utf-8"?>
+<p:sld xmlns:a="http://schemas.openxmlformats.org/drawingml/2006/main" xmlns:r="http://schemas.openxmlformats.org/officeDocument/2006/relationships" xmlns:p="http://schemas.openxmlformats.org/presentationml/2006/main">
+  <p:cSld>
+    <p:spTree>
+      <p:nvGrpSpPr>
+        <p:cNvPr id="1" name=""/>
+        <p:cNvGrpSpPr/>
+        <p:nvPr/>
+      </p:nvGrpSpPr>
+      <p:grpSpPr>
+        <a:xfrm>
+          <a:off x="0" y="0"/>
+          <a:ext cx="0" cy="0"/>
+          <a:chOff x="0" y="0"/>
+          <a:chExt cx="0" cy="0"/>
+        </a:xfrm>
+      </p:grpSpPr>
+      <p:sp>
+        <p:nvSpPr>
+          <p:cNvPr id="2" name="Title 1"/>
+          <p:cNvSpPr>
+            <a:spLocks noGrp="1"/>
+          </p:cNvSpPr>
+          <p:nvPr>
+            <p:ph type="title"/>
+          </p:nvPr>
+        </p:nvSpPr>
+        <p:spPr/>
+        <p:txBody>
+          <a:bodyPr/>
+          <a:lstStyle/>
+          <a:p>
+            <a:r>
+              <a:rPr lang="en-US" dirty="0" smtClean="0"/>
+              <a:t>Task #5</a:t>
+            </a:r>
+            <a:r>
+              <a:rPr lang="en-US" dirty="0" smtClean="0"/>
+              <a:t>: Setting up a local server</a:t>
+            </a:r>
+            <a:endParaRPr lang="en-US" dirty="0"/>
+          </a:p>
+        </p:txBody>
+      </p:sp>
+      <p:sp>
+        <p:nvSpPr>
+          <p:cNvPr id="3" name="Content Placeholder 2"/>
+          <p:cNvSpPr>
+            <a:spLocks noGrp="1"/>
+          </p:cNvSpPr>
+          <p:nvPr>
+            <p:ph idx="1"/>
+          </p:nvPr>
+        </p:nvSpPr>
+        <p:spPr>
+          <a:xfrm>
+            <a:off x="838200" y="1482571"/>
+            <a:ext cx="10515600" cy="5007006"/>
+          </a:xfrm>
+        </p:spPr>
+        <p:txBody>
+          <a:bodyPr>
+            <a:normAutofit/>
+          </a:bodyPr>
+          <a:lstStyle/>
+          <a:p>
+            <a:r>
+              <a:rPr lang="en-US" dirty="0" smtClean="0"/>
+              <a:t>Node.js:</a:t>
+            </a:r>
+          </a:p>
+          <a:p>
+            <a:pPr marL="914400" lvl="1" indent="-457200">
+              <a:buFont typeface="+mj-lt"/>
+              <a:buAutoNum type="arabicPeriod"/>
+            </a:pPr>
+            <a:r>
+              <a:rPr lang="en-US" dirty="0" smtClean="0"/>
+              <a:t>From command line: </a:t>
+            </a:r>
+            <a:r>
+              <a:rPr lang="en-US" dirty="0" err="1" smtClean="0"/>
+              <a:t>npm</a:t>
+            </a:r>
+            <a:r>
+              <a:rPr lang="en-US" dirty="0" smtClean="0"/>
+              <a:t> install http-server –g</a:t>
+            </a:r>
+          </a:p>
+          <a:p>
+            <a:pPr marL="914400" lvl="1" indent="-457200">
+              <a:buFont typeface="+mj-lt"/>
+              <a:buAutoNum type="arabicPeriod"/>
+            </a:pPr>
+            <a:r>
+              <a:rPr lang="en-US" dirty="0" smtClean="0"/>
+              <a:t>Run process.bat</a:t>
+            </a:r>
+          </a:p>
+          <a:p>
+            <a:pPr lvl="1"/>
+            <a:r>
+              <a:rPr lang="en-US" sz="2000" dirty="0"/>
+              <a:t>Resource: https://</a:t>
+            </a:r>
+            <a:r>
+              <a:rPr lang="en-US" sz="2000" dirty="0" smtClean="0"/>
+              <a:t>github.com/indexzero/http-server</a:t>
+            </a:r>
+          </a:p>
+          <a:p>
+            <a:pPr lvl="1"/>
+            <a:endParaRPr lang="en-US" dirty="0"/>
+          </a:p>
+          <a:p>
+            <a:r>
+              <a:rPr lang="en-US" dirty="0" smtClean="0"/>
+              <a:t>Python</a:t>
+            </a:r>
+          </a:p>
+          <a:p>
+            <a:pPr marL="914400" lvl="1" indent="-457200">
+              <a:buFont typeface="+mj-lt"/>
+              <a:buAutoNum type="arabicPeriod"/>
+            </a:pPr>
+            <a:r>
+              <a:rPr lang="en-US" dirty="0" smtClean="0"/>
+              <a:t>Navigate to </a:t>
+            </a:r>
+            <a:r>
+              <a:rPr lang="en-US" dirty="0" err="1" smtClean="0"/>
+              <a:t>dir</a:t>
+            </a:r>
+            <a:endParaRPr lang="en-US" dirty="0" smtClean="0"/>
+          </a:p>
+          <a:p>
+            <a:pPr marL="914400" lvl="1" indent="-457200">
+              <a:buFont typeface="+mj-lt"/>
+              <a:buAutoNum type="arabicPeriod"/>
+            </a:pPr>
+            <a:r>
+              <a:rPr lang="en-US" dirty="0" smtClean="0"/>
+              <a:t>Run:</a:t>
+            </a:r>
+          </a:p>
+          <a:p>
+            <a:pPr lvl="2"/>
+            <a:r>
+              <a:rPr lang="en-US" b="1" dirty="0" smtClean="0"/>
+              <a:t>Python 3x: </a:t>
+            </a:r>
+            <a:r>
+              <a:rPr lang="en-US" dirty="0" smtClean="0"/>
+              <a:t>python -m </a:t>
+            </a:r>
+            <a:r>
+              <a:rPr lang="en-US" dirty="0" err="1" smtClean="0"/>
+              <a:t>http.server</a:t>
+            </a:r>
+            <a:endParaRPr lang="en-US" dirty="0" smtClean="0"/>
+          </a:p>
+          <a:p>
+            <a:pPr lvl="2"/>
+            <a:r>
+              <a:rPr lang="en-US" b="1" dirty="0" smtClean="0"/>
+              <a:t>Python 2x: </a:t>
+            </a:r>
+            <a:r>
+              <a:rPr lang="en-US" dirty="0"/>
+              <a:t>python -m </a:t>
+            </a:r>
+            <a:r>
+              <a:rPr lang="en-US" dirty="0" err="1" smtClean="0"/>
+              <a:t>SimpleHTTPServer</a:t>
+            </a:r>
+            <a:endParaRPr lang="en-US" dirty="0" smtClean="0"/>
+          </a:p>
+          <a:p>
+            <a:pPr lvl="1"/>
+            <a:r>
+              <a:rPr lang="en-US" sz="2000" dirty="0"/>
+              <a:t>Resource: https://</a:t>
+            </a:r>
+            <a:r>
+              <a:rPr lang="en-US" sz="2000" dirty="0" smtClean="0"/>
+              <a:t>developer.mozilla.org/en-US/docs/Learn/Common_questions/set_up_a_local_testing_server</a:t>
+            </a:r>
+            <a:endParaRPr lang="en-US" sz="2000" dirty="0"/>
+          </a:p>
+        </p:txBody>
+      </p:sp>
+    </p:spTree>
+    <p:extLst>
+      <p:ext uri="{BB962C8B-B14F-4D97-AF65-F5344CB8AC3E}">
+        <p14:creationId xmlns:p14="http://schemas.microsoft.com/office/powerpoint/2010/main" val="3460858936"/>
+      </p:ext>
+    </p:extLst>
+  </p:cSld>
+  <p:clrMapOvr>
+    <a:masterClrMapping/>
+  </p:clrMapOvr>
+</p:sld>
+</file>
+
+<file path=ppt/slides/slide18.xml><?xml version="1.0" encoding="utf-8"?>
+<p:sld xmlns:a="http://schemas.openxmlformats.org/drawingml/2006/main" xmlns:r="http://schemas.openxmlformats.org/officeDocument/2006/relationships" xmlns:p="http://schemas.openxmlformats.org/presentationml/2006/main">
+  <p:cSld>
+    <p:spTree>
+      <p:nvGrpSpPr>
+        <p:cNvPr id="1" name=""/>
+        <p:cNvGrpSpPr/>
+        <p:nvPr/>
+      </p:nvGrpSpPr>
+      <p:grpSpPr>
+        <a:xfrm>
+          <a:off x="0" y="0"/>
+          <a:ext cx="0" cy="0"/>
+          <a:chOff x="0" y="0"/>
+          <a:chExt cx="0" cy="0"/>
+        </a:xfrm>
+      </p:grpSpPr>
+      <p:sp>
+        <p:nvSpPr>
+          <p:cNvPr id="4" name="Title 3"/>
+          <p:cNvSpPr>
+            <a:spLocks noGrp="1"/>
+          </p:cNvSpPr>
+          <p:nvPr>
+            <p:ph type="ctrTitle"/>
+          </p:nvPr>
+        </p:nvSpPr>
+        <p:spPr/>
+        <p:txBody>
+          <a:bodyPr/>
+          <a:lstStyle/>
+          <a:p>
+            <a:r>
+              <a:rPr lang="en-US" dirty="0" smtClean="0"/>
+              <a:t>Port note:</a:t>
+            </a:r>
+            <a:endParaRPr lang="en-US" dirty="0"/>
+          </a:p>
+        </p:txBody>
+      </p:sp>
+      <p:sp>
+        <p:nvSpPr>
+          <p:cNvPr id="5" name="Subtitle 4"/>
+          <p:cNvSpPr>
+            <a:spLocks noGrp="1"/>
+          </p:cNvSpPr>
+          <p:nvPr>
+            <p:ph type="subTitle" idx="1"/>
+          </p:nvPr>
+        </p:nvSpPr>
+        <p:spPr/>
+        <p:txBody>
+          <a:bodyPr>
+            <a:normAutofit lnSpcReduction="10000"/>
+          </a:bodyPr>
+          <a:lstStyle/>
+          <a:p>
+            <a:r>
+              <a:rPr lang="en-US" dirty="0" smtClean="0"/>
+              <a:t>You may need to specify a unique port number, if we all share an internal IP</a:t>
+            </a:r>
+          </a:p>
+          <a:p>
+            <a:r>
+              <a:rPr lang="en-US" b="1" dirty="0"/>
+              <a:t>Node</a:t>
+            </a:r>
+            <a:r>
+              <a:rPr lang="en-US" dirty="0"/>
+              <a:t>: call http-server -p </a:t>
+            </a:r>
+            <a:r>
+              <a:rPr lang="en-US" dirty="0" smtClean="0"/>
+              <a:t>9876 </a:t>
+            </a:r>
+            <a:r>
+              <a:rPr lang="en-US" dirty="0"/>
+              <a:t>-</a:t>
+            </a:r>
+            <a:r>
+              <a:rPr lang="en-US" dirty="0" smtClean="0"/>
+              <a:t>c-1</a:t>
+            </a:r>
+          </a:p>
+          <a:p>
+            <a:r>
+              <a:rPr lang="en-US" b="1" dirty="0" smtClean="0"/>
+              <a:t>Python</a:t>
+            </a:r>
+            <a:r>
+              <a:rPr lang="en-US" dirty="0"/>
+              <a:t>: python -m </a:t>
+            </a:r>
+            <a:r>
+              <a:rPr lang="en-US" dirty="0" err="1"/>
+              <a:t>http.server</a:t>
+            </a:r>
+            <a:r>
+              <a:rPr lang="en-US" dirty="0"/>
+              <a:t> </a:t>
+            </a:r>
+            <a:r>
+              <a:rPr lang="en-US" dirty="0" smtClean="0"/>
+              <a:t>9876</a:t>
+            </a:r>
+            <a:endParaRPr lang="en-US" dirty="0"/>
+          </a:p>
+        </p:txBody>
+      </p:sp>
+    </p:spTree>
+    <p:extLst>
+      <p:ext uri="{BB962C8B-B14F-4D97-AF65-F5344CB8AC3E}">
+        <p14:creationId xmlns:p14="http://schemas.microsoft.com/office/powerpoint/2010/main" val="3625401051"/>
+      </p:ext>
+    </p:extLst>
+  </p:cSld>
+  <p:clrMapOvr>
+    <a:masterClrMapping/>
+  </p:clrMapOvr>
+</p:sld>
+</file>
+
+<file path=ppt/slides/slide19.xml><?xml version="1.0" encoding="utf-8"?>
+<p:sld xmlns:a="http://schemas.openxmlformats.org/drawingml/2006/main" xmlns:r="http://schemas.openxmlformats.org/officeDocument/2006/relationships" xmlns:p="http://schemas.openxmlformats.org/presentationml/2006/main">
+  <p:cSld>
+    <p:spTree>
+      <p:nvGrpSpPr>
+        <p:cNvPr id="1" name=""/>
+        <p:cNvGrpSpPr/>
+        <p:nvPr/>
+      </p:nvGrpSpPr>
+      <p:grpSpPr>
+        <a:xfrm>
+          <a:off x="0" y="0"/>
+          <a:ext cx="0" cy="0"/>
+          <a:chOff x="0" y="0"/>
+          <a:chExt cx="0" cy="0"/>
+        </a:xfrm>
+      </p:grpSpPr>
+      <p:sp>
+        <p:nvSpPr>
+          <p:cNvPr id="2" name="Title 1"/>
+          <p:cNvSpPr>
+            <a:spLocks noGrp="1"/>
+          </p:cNvSpPr>
+          <p:nvPr>
+            <p:ph type="title"/>
+          </p:nvPr>
+        </p:nvSpPr>
+        <p:spPr/>
+        <p:txBody>
+          <a:bodyPr/>
+          <a:lstStyle/>
+          <a:p>
+            <a:r>
+              <a:rPr lang="en-US" dirty="0" smtClean="0"/>
+              <a:t>Task #</a:t>
+            </a:r>
+            <a:r>
+              <a:rPr lang="en-US" dirty="0" smtClean="0"/>
+              <a:t>6: Loading </a:t>
+            </a:r>
+            <a:r>
+              <a:rPr lang="en-US" dirty="0" err="1" smtClean="0"/>
+              <a:t>Async</a:t>
+            </a:r>
+            <a:endParaRPr lang="en-US" dirty="0"/>
+          </a:p>
+        </p:txBody>
+      </p:sp>
+      <p:sp>
+        <p:nvSpPr>
+          <p:cNvPr id="3" name="Content Placeholder 2"/>
+          <p:cNvSpPr>
+            <a:spLocks noGrp="1"/>
+          </p:cNvSpPr>
+          <p:nvPr>
+            <p:ph idx="1"/>
+          </p:nvPr>
+        </p:nvSpPr>
+        <p:spPr/>
+        <p:txBody>
+          <a:bodyPr/>
+          <a:lstStyle/>
+          <a:p>
+            <a:r>
+              <a:rPr lang="en-US" dirty="0"/>
+              <a:t>Rename </a:t>
+            </a:r>
+            <a:r>
+              <a:rPr lang="en-US" i="1" dirty="0"/>
+              <a:t>barchart</a:t>
+            </a:r>
+            <a:r>
+              <a:rPr lang="en-US" dirty="0"/>
+              <a:t>.html to </a:t>
+            </a:r>
+            <a:r>
+              <a:rPr lang="en-US" i="1" dirty="0"/>
+              <a:t>index</a:t>
+            </a:r>
+            <a:r>
+              <a:rPr lang="en-US" dirty="0"/>
+              <a:t>.html</a:t>
+            </a:r>
+          </a:p>
+          <a:p>
+            <a:endParaRPr lang="en-US" dirty="0" smtClean="0"/>
+          </a:p>
+          <a:p>
+            <a:r>
+              <a:rPr lang="en-US" dirty="0"/>
+              <a:t>Navigate to </a:t>
+            </a:r>
+            <a:r>
+              <a:rPr lang="en-US" b="1" dirty="0"/>
+              <a:t>http://</a:t>
+            </a:r>
+            <a:r>
+              <a:rPr lang="en-US" b="1" dirty="0" smtClean="0"/>
+              <a:t>localhost:[port]/ </a:t>
+            </a:r>
+            <a:r>
+              <a:rPr lang="en-US" dirty="0"/>
+              <a:t>in your </a:t>
+            </a:r>
+            <a:r>
+              <a:rPr lang="en-US" b="1" dirty="0"/>
+              <a:t>browser</a:t>
+            </a:r>
+          </a:p>
+          <a:p>
+            <a:r>
+              <a:rPr lang="en-US" dirty="0"/>
+              <a:t>Open the </a:t>
+            </a:r>
+            <a:r>
+              <a:rPr lang="en-US" dirty="0" smtClean="0"/>
+              <a:t>“index.html</a:t>
+            </a:r>
+            <a:r>
+              <a:rPr lang="en-US" dirty="0"/>
+              <a:t>” file in your </a:t>
+            </a:r>
+            <a:r>
+              <a:rPr lang="en-US" b="1" dirty="0"/>
+              <a:t>text </a:t>
+            </a:r>
+            <a:r>
+              <a:rPr lang="en-US" b="1" dirty="0" smtClean="0"/>
+              <a:t>editor</a:t>
+            </a:r>
+          </a:p>
+          <a:p>
+            <a:endParaRPr lang="en-US" b="1" dirty="0" smtClean="0"/>
+          </a:p>
+          <a:p>
+            <a:r>
+              <a:rPr lang="en-US" dirty="0" smtClean="0"/>
+              <a:t>Observe differences between the two:</a:t>
+            </a:r>
+          </a:p>
+          <a:p>
+            <a:pPr lvl="1"/>
+            <a:r>
+              <a:rPr lang="en-US" dirty="0" smtClean="0"/>
+              <a:t>Data importing is different, odd JavaScript happens in barchart.html</a:t>
+            </a:r>
+          </a:p>
+          <a:p>
+            <a:pPr lvl="1"/>
+            <a:r>
+              <a:rPr lang="en-US" dirty="0" smtClean="0"/>
+              <a:t>A callback is used in barchart.html (this makes it </a:t>
+            </a:r>
+            <a:r>
+              <a:rPr lang="en-US" i="1" dirty="0" err="1" smtClean="0"/>
+              <a:t>async</a:t>
+            </a:r>
+            <a:r>
+              <a:rPr lang="en-US" dirty="0" smtClean="0"/>
+              <a:t>!)</a:t>
+            </a:r>
+          </a:p>
+          <a:p>
+            <a:pPr lvl="1"/>
+            <a:endParaRPr lang="en-US" dirty="0"/>
+          </a:p>
+        </p:txBody>
+      </p:sp>
+    </p:spTree>
+    <p:extLst>
+      <p:ext uri="{BB962C8B-B14F-4D97-AF65-F5344CB8AC3E}">
+        <p14:creationId xmlns:p14="http://schemas.microsoft.com/office/powerpoint/2010/main" val="2944833186"/>
+      </p:ext>
+    </p:extLst>
+  </p:cSld>
+  <p:clrMapOvr>
+    <a:masterClrMapping/>
+  </p:clrMapOvr>
+</p:sld>
+</file>
+
+<file path=ppt/slides/slide2.xml><?xml version="1.0" encoding="utf-8"?>
+<p:sld xmlns:a="http://schemas.openxmlformats.org/drawingml/2006/main" xmlns:r="http://schemas.openxmlformats.org/officeDocument/2006/relationships" xmlns:p="http://schemas.openxmlformats.org/presentationml/2006/main">
+  <p:cSld>
+    <p:spTree>
+      <p:nvGrpSpPr>
+        <p:cNvPr id="1" name=""/>
+        <p:cNvGrpSpPr/>
+        <p:nvPr/>
+      </p:nvGrpSpPr>
+      <p:grpSpPr>
+        <a:xfrm>
+          <a:off x="0" y="0"/>
+          <a:ext cx="0" cy="0"/>
+          <a:chOff x="0" y="0"/>
+          <a:chExt cx="0" cy="0"/>
+        </a:xfrm>
+      </p:grpSpPr>
+      <p:sp>
+        <p:nvSpPr>
+          <p:cNvPr id="2" name="Title 1"/>
+          <p:cNvSpPr>
+            <a:spLocks noGrp="1"/>
+          </p:cNvSpPr>
+          <p:nvPr>
+            <p:ph type="ctrTitle"/>
+          </p:nvPr>
+        </p:nvSpPr>
+        <p:spPr/>
+        <p:txBody>
+          <a:bodyPr/>
+          <a:lstStyle/>
+          <a:p>
+            <a:r>
+              <a:rPr lang="en-US" sz="4400" i="1" dirty="0" smtClean="0"/>
+              <a:t>Optional:</a:t>
+            </a:r>
+            <a:r>
+              <a:rPr lang="en-US" dirty="0" smtClean="0"/>
+              <a:t/>
+            </a:r>
+            <a:br>
+              <a:rPr lang="en-US" dirty="0" smtClean="0"/>
+            </a:br>
+            <a:r>
+              <a:rPr lang="en-US" dirty="0" smtClean="0"/>
+              <a:t>Pre-Requisite JS:</a:t>
+            </a:r>
+            <a:endParaRPr lang="en-US" dirty="0"/>
+          </a:p>
+        </p:txBody>
+      </p:sp>
+      <p:sp>
+        <p:nvSpPr>
+          <p:cNvPr id="3" name="Subtitle 2"/>
+          <p:cNvSpPr>
+            <a:spLocks noGrp="1"/>
+          </p:cNvSpPr>
+          <p:nvPr>
+            <p:ph type="subTitle" idx="1"/>
+          </p:nvPr>
+        </p:nvSpPr>
+        <p:spPr/>
+        <p:txBody>
+          <a:bodyPr/>
+          <a:lstStyle/>
+          <a:p>
+            <a:r>
+              <a:rPr lang="en-US" dirty="0" smtClean="0"/>
+              <a:t>Before we start into d3, let’s examine some JavaScript.</a:t>
+            </a:r>
+            <a:endParaRPr lang="en-US" dirty="0"/>
+          </a:p>
+        </p:txBody>
+      </p:sp>
+    </p:spTree>
+    <p:extLst>
+      <p:ext uri="{BB962C8B-B14F-4D97-AF65-F5344CB8AC3E}">
+        <p14:creationId xmlns:p14="http://schemas.microsoft.com/office/powerpoint/2010/main" val="3773204428"/>
+      </p:ext>
+    </p:extLst>
+  </p:cSld>
+  <p:clrMapOvr>
+    <a:masterClrMapping/>
+  </p:clrMapOvr>
+  <p:timing>
+    <p:tnLst>
+      <p:par>
+        <p:cTn id="1" dur="indefinite" restart="never" nodeType="tmRoot"/>
+      </p:par>
+    </p:tnLst>
+  </p:timing>
+</p:sld>
+</file>
+
+<file path=ppt/slides/slide20.xml><?xml version="1.0" encoding="utf-8"?>
+<p:sld xmlns:a="http://schemas.openxmlformats.org/drawingml/2006/main" xmlns:r="http://schemas.openxmlformats.org/officeDocument/2006/relationships" xmlns:p="http://schemas.openxmlformats.org/presentationml/2006/main">
+  <p:cSld>
+    <p:spTree>
+      <p:nvGrpSpPr>
+        <p:cNvPr id="1" name=""/>
+        <p:cNvGrpSpPr/>
+        <p:nvPr/>
+      </p:nvGrpSpPr>
+      <p:grpSpPr>
+        <a:xfrm>
+          <a:off x="0" y="0"/>
+          <a:ext cx="0" cy="0"/>
+          <a:chOff x="0" y="0"/>
+          <a:chExt cx="0" cy="0"/>
+        </a:xfrm>
+      </p:grpSpPr>
+      <p:sp>
+        <p:nvSpPr>
+          <p:cNvPr id="2" name="Title 1"/>
+          <p:cNvSpPr>
+            <a:spLocks noGrp="1"/>
+          </p:cNvSpPr>
+          <p:nvPr>
+            <p:ph type="title"/>
+          </p:nvPr>
+        </p:nvSpPr>
+        <p:spPr/>
+        <p:txBody>
+          <a:bodyPr/>
+          <a:lstStyle/>
+          <a:p>
+            <a:r>
+              <a:rPr lang="en-US" dirty="0" smtClean="0"/>
+              <a:t>Task #7: Click Events – the easy way</a:t>
+            </a:r>
+            <a:endParaRPr lang="en-US" dirty="0"/>
+          </a:p>
+        </p:txBody>
+      </p:sp>
+      <p:pic>
+        <p:nvPicPr>
+          <p:cNvPr id="4" name="Picture 3"/>
+          <p:cNvPicPr>
+            <a:picLocks noChangeAspect="1"/>
+          </p:cNvPicPr>
+          <p:nvPr/>
+        </p:nvPicPr>
+        <p:blipFill>
+          <a:blip r:embed="rId3"/>
+          <a:stretch>
+            <a:fillRect/>
+          </a:stretch>
+        </p:blipFill>
+        <p:spPr>
+          <a:xfrm>
+            <a:off x="2581275" y="2393365"/>
+            <a:ext cx="7029450" cy="2000250"/>
+          </a:xfrm>
+          <a:prstGeom prst="rect">
+            <a:avLst/>
+          </a:prstGeom>
+        </p:spPr>
+      </p:pic>
+    </p:spTree>
+    <p:extLst>
+      <p:ext uri="{BB962C8B-B14F-4D97-AF65-F5344CB8AC3E}">
+        <p14:creationId xmlns:p14="http://schemas.microsoft.com/office/powerpoint/2010/main" val="3751101392"/>
+      </p:ext>
+    </p:extLst>
+  </p:cSld>
+  <p:clrMapOvr>
+    <a:masterClrMapping/>
+  </p:clrMapOvr>
+</p:sld>
+</file>
+
+<file path=ppt/slides/slide21.xml><?xml version="1.0" encoding="utf-8"?>
+<p:sld xmlns:a="http://schemas.openxmlformats.org/drawingml/2006/main" xmlns:r="http://schemas.openxmlformats.org/officeDocument/2006/relationships" xmlns:p="http://schemas.openxmlformats.org/presentationml/2006/main">
+  <p:cSld>
+    <p:spTree>
+      <p:nvGrpSpPr>
+        <p:cNvPr id="1" name=""/>
+        <p:cNvGrpSpPr/>
+        <p:nvPr/>
+      </p:nvGrpSpPr>
+      <p:grpSpPr>
+        <a:xfrm>
+          <a:off x="0" y="0"/>
+          <a:ext cx="0" cy="0"/>
+          <a:chOff x="0" y="0"/>
+          <a:chExt cx="0" cy="0"/>
+        </a:xfrm>
+      </p:grpSpPr>
+      <p:sp>
+        <p:nvSpPr>
+          <p:cNvPr id="2" name="Title 1"/>
+          <p:cNvSpPr>
+            <a:spLocks noGrp="1"/>
+          </p:cNvSpPr>
+          <p:nvPr>
+            <p:ph type="title"/>
+          </p:nvPr>
+        </p:nvSpPr>
+        <p:spPr/>
+        <p:txBody>
+          <a:bodyPr/>
+          <a:lstStyle/>
+          <a:p>
+            <a:r>
+              <a:rPr lang="en-US" dirty="0" smtClean="0"/>
+              <a:t>Task #8: Add a new </a:t>
+            </a:r>
+            <a:r>
+              <a:rPr lang="en-US" dirty="0" err="1" smtClean="0"/>
+              <a:t>javascript</a:t>
+            </a:r>
+            <a:r>
+              <a:rPr lang="en-US" dirty="0" smtClean="0"/>
+              <a:t> file</a:t>
+            </a:r>
+            <a:endParaRPr lang="en-US" dirty="0"/>
+          </a:p>
+        </p:txBody>
+      </p:sp>
+      <p:pic>
+        <p:nvPicPr>
+          <p:cNvPr id="4" name="Picture 3"/>
+          <p:cNvPicPr>
+            <a:picLocks noChangeAspect="1"/>
+          </p:cNvPicPr>
+          <p:nvPr/>
+        </p:nvPicPr>
+        <p:blipFill>
+          <a:blip r:embed="rId2"/>
+          <a:stretch>
+            <a:fillRect/>
+          </a:stretch>
+        </p:blipFill>
+        <p:spPr>
+          <a:xfrm>
+            <a:off x="2476500" y="2926162"/>
+            <a:ext cx="7239000" cy="1343025"/>
+          </a:xfrm>
+          <a:prstGeom prst="rect">
+            <a:avLst/>
+          </a:prstGeom>
+        </p:spPr>
+      </p:pic>
+    </p:spTree>
+    <p:extLst>
+      <p:ext uri="{BB962C8B-B14F-4D97-AF65-F5344CB8AC3E}">
+        <p14:creationId xmlns:p14="http://schemas.microsoft.com/office/powerpoint/2010/main" val="2444034269"/>
+      </p:ext>
+    </p:extLst>
+  </p:cSld>
+  <p:clrMapOvr>
+    <a:masterClrMapping/>
+  </p:clrMapOvr>
+</p:sld>
+</file>
+
+<file path=ppt/slides/slide22.xml><?xml version="1.0" encoding="utf-8"?>
+<p:sld xmlns:a="http://schemas.openxmlformats.org/drawingml/2006/main" xmlns:r="http://schemas.openxmlformats.org/officeDocument/2006/relationships" xmlns:p="http://schemas.openxmlformats.org/presentationml/2006/main">
+  <p:cSld>
+    <p:spTree>
+      <p:nvGrpSpPr>
+        <p:cNvPr id="1" name=""/>
+        <p:cNvGrpSpPr/>
+        <p:nvPr/>
+      </p:nvGrpSpPr>
+      <p:grpSpPr>
+        <a:xfrm>
+          <a:off x="0" y="0"/>
+          <a:ext cx="0" cy="0"/>
+          <a:chOff x="0" y="0"/>
+          <a:chExt cx="0" cy="0"/>
+        </a:xfrm>
+      </p:grpSpPr>
+      <p:sp>
+        <p:nvSpPr>
+          <p:cNvPr id="2" name="Title 1"/>
+          <p:cNvSpPr>
+            <a:spLocks noGrp="1"/>
+          </p:cNvSpPr>
+          <p:nvPr>
+            <p:ph type="title"/>
+          </p:nvPr>
+        </p:nvSpPr>
+        <p:spPr/>
+        <p:txBody>
+          <a:bodyPr/>
+          <a:lstStyle/>
+          <a:p>
+            <a:r>
+              <a:rPr lang="en-US" dirty="0" smtClean="0"/>
+              <a:t>Task #9: Selecting</a:t>
+            </a:r>
+            <a:endParaRPr lang="en-US" dirty="0"/>
+          </a:p>
+        </p:txBody>
+      </p:sp>
+      <p:pic>
+        <p:nvPicPr>
+          <p:cNvPr id="4" name="Picture 3"/>
+          <p:cNvPicPr>
+            <a:picLocks noChangeAspect="1"/>
+          </p:cNvPicPr>
+          <p:nvPr/>
+        </p:nvPicPr>
+        <p:blipFill>
+          <a:blip r:embed="rId2"/>
+          <a:stretch>
+            <a:fillRect/>
+          </a:stretch>
+        </p:blipFill>
+        <p:spPr>
+          <a:xfrm>
+            <a:off x="161925" y="2247900"/>
+            <a:ext cx="11868150" cy="2362200"/>
+          </a:xfrm>
+          <a:prstGeom prst="rect">
+            <a:avLst/>
+          </a:prstGeom>
+        </p:spPr>
+      </p:pic>
+    </p:spTree>
+    <p:extLst>
+      <p:ext uri="{BB962C8B-B14F-4D97-AF65-F5344CB8AC3E}">
+        <p14:creationId xmlns:p14="http://schemas.microsoft.com/office/powerpoint/2010/main" val="3382231004"/>
+      </p:ext>
+    </p:extLst>
+  </p:cSld>
+  <p:clrMapOvr>
+    <a:masterClrMapping/>
+  </p:clrMapOvr>
+</p:sld>
+</file>
+
+<file path=ppt/slides/slide23.xml><?xml version="1.0" encoding="utf-8"?>
+<p:sld xmlns:a="http://schemas.openxmlformats.org/drawingml/2006/main" xmlns:r="http://schemas.openxmlformats.org/officeDocument/2006/relationships" xmlns:p="http://schemas.openxmlformats.org/presentationml/2006/main">
+  <p:cSld>
+    <p:spTree>
+      <p:nvGrpSpPr>
+        <p:cNvPr id="1" name=""/>
+        <p:cNvGrpSpPr/>
+        <p:nvPr/>
+      </p:nvGrpSpPr>
+      <p:grpSpPr>
+        <a:xfrm>
+          <a:off x="0" y="0"/>
+          <a:ext cx="0" cy="0"/>
+          <a:chOff x="0" y="0"/>
+          <a:chExt cx="0" cy="0"/>
+        </a:xfrm>
+      </p:grpSpPr>
+      <p:sp>
+        <p:nvSpPr>
+          <p:cNvPr id="2" name="Title 1"/>
+          <p:cNvSpPr>
+            <a:spLocks noGrp="1"/>
+          </p:cNvSpPr>
+          <p:nvPr>
+            <p:ph type="title"/>
+          </p:nvPr>
+        </p:nvSpPr>
+        <p:spPr/>
+        <p:txBody>
+          <a:bodyPr/>
+          <a:lstStyle/>
+          <a:p>
+            <a:r>
+              <a:rPr lang="en-US" dirty="0" smtClean="0"/>
+              <a:t>Task #10: Looping over a selection</a:t>
+            </a:r>
+            <a:endParaRPr lang="en-US" dirty="0"/>
+          </a:p>
+        </p:txBody>
+      </p:sp>
+      <p:pic>
+        <p:nvPicPr>
+          <p:cNvPr id="4" name="Picture 3"/>
+          <p:cNvPicPr>
+            <a:picLocks noChangeAspect="1"/>
+          </p:cNvPicPr>
+          <p:nvPr/>
+        </p:nvPicPr>
+        <p:blipFill>
+          <a:blip r:embed="rId2"/>
+          <a:stretch>
+            <a:fillRect/>
+          </a:stretch>
+        </p:blipFill>
+        <p:spPr>
+          <a:xfrm>
+            <a:off x="461962" y="1690688"/>
+            <a:ext cx="11268075" cy="4772025"/>
+          </a:xfrm>
+          <a:prstGeom prst="rect">
+            <a:avLst/>
+          </a:prstGeom>
+        </p:spPr>
+      </p:pic>
+    </p:spTree>
+    <p:extLst>
+      <p:ext uri="{BB962C8B-B14F-4D97-AF65-F5344CB8AC3E}">
+        <p14:creationId xmlns:p14="http://schemas.microsoft.com/office/powerpoint/2010/main" val="2137564945"/>
+      </p:ext>
+    </p:extLst>
+  </p:cSld>
+  <p:clrMapOvr>
+    <a:masterClrMapping/>
+  </p:clrMapOvr>
+</p:sld>
+</file>
+
+<file path=ppt/slides/slide24.xml><?xml version="1.0" encoding="utf-8"?>
+<p:sld xmlns:a="http://schemas.openxmlformats.org/drawingml/2006/main" xmlns:r="http://schemas.openxmlformats.org/officeDocument/2006/relationships" xmlns:p="http://schemas.openxmlformats.org/presentationml/2006/main">
+  <p:cSld>
+    <p:spTree>
+      <p:nvGrpSpPr>
+        <p:cNvPr id="1" name=""/>
+        <p:cNvGrpSpPr/>
+        <p:nvPr/>
+      </p:nvGrpSpPr>
+      <p:grpSpPr>
+        <a:xfrm>
+          <a:off x="0" y="0"/>
+          <a:ext cx="0" cy="0"/>
+          <a:chOff x="0" y="0"/>
+          <a:chExt cx="0" cy="0"/>
+        </a:xfrm>
+      </p:grpSpPr>
+      <p:sp>
+        <p:nvSpPr>
+          <p:cNvPr id="2" name="Title 1"/>
+          <p:cNvSpPr>
+            <a:spLocks noGrp="1"/>
+          </p:cNvSpPr>
+          <p:nvPr>
+            <p:ph type="title"/>
+          </p:nvPr>
+        </p:nvSpPr>
+        <p:spPr/>
+        <p:txBody>
+          <a:bodyPr/>
+          <a:lstStyle/>
+          <a:p>
+            <a:r>
+              <a:rPr lang="en-US" dirty="0" smtClean="0"/>
+              <a:t>Task #11: Click events – the hard way</a:t>
+            </a:r>
+            <a:endParaRPr lang="en-US" dirty="0"/>
+          </a:p>
+        </p:txBody>
+      </p:sp>
+      <p:pic>
+        <p:nvPicPr>
+          <p:cNvPr id="4" name="Picture 3"/>
+          <p:cNvPicPr>
+            <a:picLocks noChangeAspect="1"/>
+          </p:cNvPicPr>
+          <p:nvPr/>
+        </p:nvPicPr>
+        <p:blipFill>
+          <a:blip r:embed="rId2"/>
+          <a:stretch>
+            <a:fillRect/>
+          </a:stretch>
+        </p:blipFill>
+        <p:spPr>
+          <a:xfrm>
+            <a:off x="1191457" y="1284532"/>
+            <a:ext cx="9809085" cy="5425230"/>
+          </a:xfrm>
+          <a:prstGeom prst="rect">
+            <a:avLst/>
+          </a:prstGeom>
+        </p:spPr>
+      </p:pic>
+    </p:spTree>
+    <p:extLst>
+      <p:ext uri="{BB962C8B-B14F-4D97-AF65-F5344CB8AC3E}">
+        <p14:creationId xmlns:p14="http://schemas.microsoft.com/office/powerpoint/2010/main" val="3474562161"/>
+      </p:ext>
+    </p:extLst>
+  </p:cSld>
+  <p:clrMapOvr>
+    <a:masterClrMapping/>
+  </p:clrMapOvr>
+</p:sld>
+</file>
+
+<file path=ppt/slides/slide25.xml><?xml version="1.0" encoding="utf-8"?>
+<p:sld xmlns:a="http://schemas.openxmlformats.org/drawingml/2006/main" xmlns:r="http://schemas.openxmlformats.org/officeDocument/2006/relationships" xmlns:p="http://schemas.openxmlformats.org/presentationml/2006/main">
+  <p:cSld>
+    <p:spTree>
+      <p:nvGrpSpPr>
+        <p:cNvPr id="1" name=""/>
+        <p:cNvGrpSpPr/>
+        <p:nvPr/>
+      </p:nvGrpSpPr>
+      <p:grpSpPr>
+        <a:xfrm>
+          <a:off x="0" y="0"/>
+          <a:ext cx="0" cy="0"/>
+          <a:chOff x="0" y="0"/>
+          <a:chExt cx="0" cy="0"/>
+        </a:xfrm>
+      </p:grpSpPr>
+      <p:sp>
+        <p:nvSpPr>
+          <p:cNvPr id="2" name="Title 1"/>
+          <p:cNvSpPr>
+            <a:spLocks noGrp="1"/>
+          </p:cNvSpPr>
+          <p:nvPr>
+            <p:ph type="title"/>
+          </p:nvPr>
+        </p:nvSpPr>
+        <p:spPr/>
+        <p:txBody>
+          <a:bodyPr/>
+          <a:lstStyle/>
+          <a:p>
+            <a:r>
+              <a:rPr lang="en-US" dirty="0" smtClean="0"/>
+              <a:t>Task #12: Binding in a callback</a:t>
+            </a:r>
+            <a:endParaRPr lang="en-US" dirty="0"/>
+          </a:p>
+        </p:txBody>
+      </p:sp>
+      <p:sp>
+        <p:nvSpPr>
+          <p:cNvPr id="3" name="Content Placeholder 2"/>
+          <p:cNvSpPr>
+            <a:spLocks noGrp="1"/>
+          </p:cNvSpPr>
+          <p:nvPr>
+            <p:ph idx="1"/>
+          </p:nvPr>
+        </p:nvSpPr>
+        <p:spPr/>
+        <p:txBody>
+          <a:bodyPr/>
+          <a:lstStyle/>
+          <a:p>
+            <a:r>
+              <a:rPr lang="en-US" dirty="0" smtClean="0"/>
+              <a:t>(navigate to ‘async_controller.js’)</a:t>
+            </a:r>
+            <a:endParaRPr lang="en-US" dirty="0"/>
+          </a:p>
+        </p:txBody>
+      </p:sp>
+      <p:pic>
+        <p:nvPicPr>
+          <p:cNvPr id="4" name="Picture 3"/>
+          <p:cNvPicPr>
+            <a:picLocks noChangeAspect="1"/>
+          </p:cNvPicPr>
+          <p:nvPr/>
+        </p:nvPicPr>
+        <p:blipFill>
+          <a:blip r:embed="rId2"/>
+          <a:stretch>
+            <a:fillRect/>
+          </a:stretch>
+        </p:blipFill>
+        <p:spPr>
+          <a:xfrm>
+            <a:off x="261937" y="2496013"/>
+            <a:ext cx="11668125" cy="3943350"/>
+          </a:xfrm>
+          <a:prstGeom prst="rect">
+            <a:avLst/>
+          </a:prstGeom>
+        </p:spPr>
+      </p:pic>
+    </p:spTree>
+    <p:extLst>
+      <p:ext uri="{BB962C8B-B14F-4D97-AF65-F5344CB8AC3E}">
+        <p14:creationId xmlns:p14="http://schemas.microsoft.com/office/powerpoint/2010/main" val="133004773"/>
+      </p:ext>
+    </p:extLst>
+  </p:cSld>
+  <p:clrMapOvr>
+    <a:masterClrMapping/>
+  </p:clrMapOvr>
+</p:sld>
+</file>
+
+<file path=ppt/slides/slide26.xml><?xml version="1.0" encoding="utf-8"?>
+<p:sld xmlns:a="http://schemas.openxmlformats.org/drawingml/2006/main" xmlns:r="http://schemas.openxmlformats.org/officeDocument/2006/relationships" xmlns:p="http://schemas.openxmlformats.org/presentationml/2006/main">
+  <p:cSld>
+    <p:spTree>
+      <p:nvGrpSpPr>
+        <p:cNvPr id="1" name=""/>
+        <p:cNvGrpSpPr/>
+        <p:nvPr/>
+      </p:nvGrpSpPr>
+      <p:grpSpPr>
+        <a:xfrm>
+          <a:off x="0" y="0"/>
+          <a:ext cx="0" cy="0"/>
+          <a:chOff x="0" y="0"/>
+          <a:chExt cx="0" cy="0"/>
+        </a:xfrm>
+      </p:grpSpPr>
+      <p:sp>
+        <p:nvSpPr>
+          <p:cNvPr id="2" name="Title 1"/>
+          <p:cNvSpPr>
+            <a:spLocks noGrp="1"/>
+          </p:cNvSpPr>
+          <p:nvPr>
+            <p:ph type="title"/>
+          </p:nvPr>
+        </p:nvSpPr>
+        <p:spPr/>
+        <p:txBody>
+          <a:bodyPr/>
+          <a:lstStyle/>
+          <a:p>
+            <a:r>
+              <a:rPr lang="en-US" dirty="0" smtClean="0"/>
+              <a:t>Questions?</a:t>
+            </a:r>
+            <a:endParaRPr lang="en-US" dirty="0"/>
+          </a:p>
+        </p:txBody>
+      </p:sp>
+      <p:sp>
+        <p:nvSpPr>
+          <p:cNvPr id="3" name="Content Placeholder 2"/>
+          <p:cNvSpPr>
+            <a:spLocks noGrp="1"/>
+          </p:cNvSpPr>
+          <p:nvPr>
+            <p:ph idx="1"/>
+          </p:nvPr>
+        </p:nvSpPr>
+        <p:spPr>
+          <a:xfrm>
+            <a:off x="838200" y="1473693"/>
+            <a:ext cx="10515600" cy="4703270"/>
+          </a:xfrm>
+        </p:spPr>
+        <p:txBody>
+          <a:bodyPr>
+            <a:normAutofit/>
+          </a:bodyPr>
+          <a:lstStyle/>
+          <a:p>
+            <a:r>
+              <a:rPr lang="en-US" dirty="0" smtClean="0"/>
+              <a:t>Commonly asked JS:</a:t>
+            </a:r>
+          </a:p>
+          <a:p>
+            <a:pPr lvl="1"/>
+            <a:r>
+              <a:rPr lang="en-US" dirty="0" smtClean="0"/>
+              <a:t>What is </a:t>
+            </a:r>
+            <a:r>
+              <a:rPr lang="en-US" i="1" dirty="0" smtClean="0"/>
+              <a:t>the</a:t>
+            </a:r>
+            <a:r>
+              <a:rPr lang="en-US" dirty="0" smtClean="0"/>
+              <a:t> ‘development’ environment for JavaScript?</a:t>
+            </a:r>
+          </a:p>
+          <a:p>
+            <a:pPr lvl="1"/>
+            <a:r>
+              <a:rPr lang="en-US" dirty="0" smtClean="0"/>
+              <a:t>Is JavaScript compiled?</a:t>
+            </a:r>
+          </a:p>
+          <a:p>
+            <a:pPr lvl="1"/>
+            <a:r>
+              <a:rPr lang="en-US" dirty="0" smtClean="0"/>
+              <a:t>What is a </a:t>
+            </a:r>
+            <a:r>
+              <a:rPr lang="en-US" i="1" dirty="0" smtClean="0"/>
+              <a:t>library</a:t>
+            </a:r>
+            <a:r>
+              <a:rPr lang="en-US" dirty="0" smtClean="0"/>
+              <a:t> versus a </a:t>
+            </a:r>
+            <a:r>
+              <a:rPr lang="en-US" i="1" dirty="0" smtClean="0"/>
+              <a:t>framework</a:t>
+            </a:r>
+            <a:r>
+              <a:rPr lang="en-US" dirty="0" smtClean="0"/>
+              <a:t>? </a:t>
+            </a:r>
+          </a:p>
+          <a:p>
+            <a:pPr lvl="1"/>
+            <a:r>
+              <a:rPr lang="en-US" dirty="0" smtClean="0"/>
+              <a:t>What is an ‘API’? What is the ‘web API’?</a:t>
+            </a:r>
+          </a:p>
+          <a:p>
+            <a:pPr lvl="1"/>
+            <a:r>
+              <a:rPr lang="en-US" dirty="0" smtClean="0"/>
+              <a:t>Why is this all so complicated?</a:t>
+            </a:r>
+          </a:p>
+          <a:p>
+            <a:pPr lvl="1"/>
+            <a:r>
+              <a:rPr lang="en-US" dirty="0"/>
+              <a:t>What is ‘loosely typed’?</a:t>
+            </a:r>
+          </a:p>
+          <a:p>
+            <a:pPr lvl="1"/>
+            <a:endParaRPr lang="en-US" dirty="0" smtClean="0"/>
+          </a:p>
+          <a:p>
+            <a:r>
+              <a:rPr lang="en-US" dirty="0" smtClean="0"/>
+              <a:t>Commonly asked D3:</a:t>
+            </a:r>
+          </a:p>
+          <a:p>
+            <a:pPr lvl="1"/>
+            <a:r>
+              <a:rPr lang="en-US" dirty="0" smtClean="0"/>
+              <a:t>Why would I ever use [sync]/[</a:t>
+            </a:r>
+            <a:r>
+              <a:rPr lang="en-US" dirty="0" err="1" smtClean="0"/>
+              <a:t>async</a:t>
+            </a:r>
+            <a:r>
+              <a:rPr lang="en-US" dirty="0" smtClean="0"/>
+              <a:t>]? </a:t>
+            </a:r>
+            <a:r>
+              <a:rPr lang="en-US" i="1" dirty="0" smtClean="0"/>
+              <a:t>X</a:t>
+            </a:r>
+            <a:r>
+              <a:rPr lang="en-US" dirty="0" smtClean="0"/>
+              <a:t> is obviously better.</a:t>
+            </a:r>
+          </a:p>
+          <a:p>
+            <a:pPr lvl="1"/>
+            <a:r>
+              <a:rPr lang="en-US" dirty="0" smtClean="0"/>
+              <a:t>Why is D3 so hard?</a:t>
+            </a:r>
+            <a:endParaRPr lang="en-US" dirty="0"/>
+          </a:p>
+        </p:txBody>
+      </p:sp>
+    </p:spTree>
+    <p:extLst>
+      <p:ext uri="{BB962C8B-B14F-4D97-AF65-F5344CB8AC3E}">
+        <p14:creationId xmlns:p14="http://schemas.microsoft.com/office/powerpoint/2010/main" val="3477493395"/>
+      </p:ext>
+    </p:extLst>
+  </p:cSld>
+  <p:clrMapOvr>
+    <a:masterClrMapping/>
+  </p:clrMapOvr>
+</p:sld>
+</file>
+
+<file path=ppt/slides/slide27.xml><?xml version="1.0" encoding="utf-8"?>
+<p:sld xmlns:a="http://schemas.openxmlformats.org/drawingml/2006/main" xmlns:r="http://schemas.openxmlformats.org/officeDocument/2006/relationships" xmlns:p="http://schemas.openxmlformats.org/presentationml/2006/main">
+  <p:cSld>
+    <p:spTree>
+      <p:nvGrpSpPr>
+        <p:cNvPr id="1" name=""/>
+        <p:cNvGrpSpPr/>
+        <p:nvPr/>
+      </p:nvGrpSpPr>
+      <p:grpSpPr>
+        <a:xfrm>
+          <a:off x="0" y="0"/>
+          <a:ext cx="0" cy="0"/>
+          <a:chOff x="0" y="0"/>
+          <a:chExt cx="0" cy="0"/>
+        </a:xfrm>
+      </p:grpSpPr>
+      <p:sp>
+        <p:nvSpPr>
+          <p:cNvPr id="2" name="Title 1"/>
+          <p:cNvSpPr>
+            <a:spLocks noGrp="1"/>
+          </p:cNvSpPr>
+          <p:nvPr>
+            <p:ph type="ctrTitle"/>
+          </p:nvPr>
+        </p:nvSpPr>
+        <p:spPr/>
+        <p:txBody>
+          <a:bodyPr/>
+          <a:lstStyle/>
+          <a:p>
+            <a:r>
+              <a:rPr lang="en-US" sz="4400" i="1" dirty="0" smtClean="0"/>
+              <a:t>Now:</a:t>
+            </a:r>
+            <a:r>
+              <a:rPr lang="en-US" dirty="0" smtClean="0"/>
+              <a:t/>
+            </a:r>
+            <a:br>
+              <a:rPr lang="en-US" dirty="0" smtClean="0"/>
+            </a:br>
+            <a:r>
+              <a:rPr lang="en-US" dirty="0" smtClean="0"/>
+              <a:t>Introduction to D3.js</a:t>
+            </a:r>
+            <a:endParaRPr lang="en-US" dirty="0"/>
+          </a:p>
+        </p:txBody>
+      </p:sp>
+      <p:sp>
+        <p:nvSpPr>
+          <p:cNvPr id="3" name="Subtitle 2"/>
+          <p:cNvSpPr>
+            <a:spLocks noGrp="1"/>
+          </p:cNvSpPr>
+          <p:nvPr>
+            <p:ph type="subTitle" idx="1"/>
+          </p:nvPr>
+        </p:nvSpPr>
+        <p:spPr/>
+        <p:txBody>
+          <a:bodyPr/>
+          <a:lstStyle/>
+          <a:p>
+            <a:r>
+              <a:rPr lang="en-US" dirty="0" smtClean="0"/>
+              <a:t>Hands-on learning and plenty of resources.</a:t>
+            </a:r>
+            <a:endParaRPr lang="en-US" dirty="0"/>
+          </a:p>
+        </p:txBody>
+      </p:sp>
+    </p:spTree>
+    <p:extLst>
+      <p:ext uri="{BB962C8B-B14F-4D97-AF65-F5344CB8AC3E}">
+        <p14:creationId xmlns:p14="http://schemas.microsoft.com/office/powerpoint/2010/main" val="682157294"/>
+      </p:ext>
+    </p:extLst>
+  </p:cSld>
+  <p:clrMapOvr>
+    <a:masterClrMapping/>
+  </p:clrMapOvr>
+  <p:timing>
+    <p:tnLst>
+      <p:par>
+        <p:cTn id="1" dur="indefinite" restart="never" nodeType="tmRoot"/>
+      </p:par>
+    </p:tnLst>
+  </p:timing>
+</p:sld>
+</file>
+
+<file path=ppt/slides/slide28.xml><?xml version="1.0" encoding="utf-8"?>
+<p:sld xmlns:a="http://schemas.openxmlformats.org/drawingml/2006/main" xmlns:r="http://schemas.openxmlformats.org/officeDocument/2006/relationships" xmlns:p="http://schemas.openxmlformats.org/presentationml/2006/main">
+  <p:cSld>
+    <p:spTree>
+      <p:nvGrpSpPr>
+        <p:cNvPr id="1" name=""/>
+        <p:cNvGrpSpPr/>
+        <p:nvPr/>
+      </p:nvGrpSpPr>
+      <p:grpSpPr>
+        <a:xfrm>
+          <a:off x="0" y="0"/>
+          <a:ext cx="0" cy="0"/>
+          <a:chOff x="0" y="0"/>
+          <a:chExt cx="0" cy="0"/>
+        </a:xfrm>
+      </p:grpSpPr>
+      <p:sp>
+        <p:nvSpPr>
+          <p:cNvPr id="2" name="Title 1"/>
+          <p:cNvSpPr>
+            <a:spLocks noGrp="1"/>
+          </p:cNvSpPr>
+          <p:nvPr>
+            <p:ph type="ctrTitle"/>
+          </p:nvPr>
+        </p:nvSpPr>
+        <p:spPr>
+          <a:xfrm>
+            <a:off x="1524000" y="1064027"/>
+            <a:ext cx="9144000" cy="1207337"/>
+          </a:xfrm>
+        </p:spPr>
+        <p:txBody>
+          <a:bodyPr>
+            <a:normAutofit/>
+          </a:bodyPr>
+          <a:lstStyle/>
+          <a:p>
+            <a:pPr algn="l"/>
+            <a:r>
+              <a:rPr lang="en-US" dirty="0" smtClean="0"/>
+              <a:t>What is D3 capable of?</a:t>
+            </a:r>
+            <a:endParaRPr lang="en-US" dirty="0"/>
+          </a:p>
+        </p:txBody>
+      </p:sp>
+      <p:sp>
+        <p:nvSpPr>
+          <p:cNvPr id="3" name="Subtitle 2"/>
+          <p:cNvSpPr>
+            <a:spLocks noGrp="1"/>
+          </p:cNvSpPr>
+          <p:nvPr>
+            <p:ph type="subTitle" idx="1"/>
+          </p:nvPr>
+        </p:nvSpPr>
+        <p:spPr>
+          <a:xfrm>
+            <a:off x="1524000" y="2271364"/>
+            <a:ext cx="9144000" cy="4048320"/>
+          </a:xfrm>
+        </p:spPr>
+        <p:txBody>
+          <a:bodyPr/>
+          <a:lstStyle/>
+          <a:p>
+            <a:pPr algn="l"/>
+            <a:r>
+              <a:rPr lang="en-US" dirty="0"/>
+              <a:t>https://</a:t>
+            </a:r>
+            <a:r>
+              <a:rPr lang="en-US" dirty="0" smtClean="0"/>
+              <a:t>ligo.northwestern.edu/media/mass-plot/index.html</a:t>
+            </a:r>
+          </a:p>
+          <a:p>
+            <a:pPr algn="l"/>
+            <a:endParaRPr lang="en-US" dirty="0" smtClean="0"/>
+          </a:p>
+          <a:p>
+            <a:pPr algn="l"/>
+            <a:r>
+              <a:rPr lang="en-US" dirty="0" smtClean="0"/>
+              <a:t>http</a:t>
+            </a:r>
+            <a:r>
+              <a:rPr lang="en-US" dirty="0"/>
+              <a:t>://www.r2d3.us/visual-intro-to-machine-learning-part-1</a:t>
+            </a:r>
+            <a:r>
+              <a:rPr lang="en-US" dirty="0" smtClean="0"/>
+              <a:t>/</a:t>
+            </a:r>
+          </a:p>
+          <a:p>
+            <a:pPr algn="l"/>
+            <a:r>
+              <a:rPr lang="en-US" dirty="0"/>
+              <a:t>http://</a:t>
+            </a:r>
+            <a:r>
+              <a:rPr lang="en-US" dirty="0" smtClean="0"/>
+              <a:t>bit.ly/2wJEeIy</a:t>
+            </a:r>
+          </a:p>
+          <a:p>
+            <a:pPr algn="l"/>
+            <a:r>
+              <a:rPr lang="en-US" dirty="0" smtClean="0"/>
+              <a:t>http://nbremer.github.io/urbanization/</a:t>
+            </a:r>
+          </a:p>
+          <a:p>
+            <a:pPr algn="l"/>
+            <a:r>
+              <a:rPr lang="en-US" dirty="0" smtClean="0"/>
+              <a:t>https</a:t>
+            </a:r>
+            <a:r>
+              <a:rPr lang="en-US" dirty="0"/>
+              <a:t>://</a:t>
+            </a:r>
+            <a:r>
+              <a:rPr lang="en-US" dirty="0" smtClean="0"/>
+              <a:t>www.nytimes.com/interactive/2014/upshot/buy-rent-calculator.htmlhttps</a:t>
+            </a:r>
+            <a:r>
+              <a:rPr lang="en-US" dirty="0"/>
+              <a:t>://bost.ocks.org/mike/algorithms/</a:t>
+            </a:r>
+            <a:endParaRPr lang="en-US" dirty="0" smtClean="0"/>
+          </a:p>
+          <a:p>
+            <a:pPr algn="l"/>
+            <a:endParaRPr lang="en-US" dirty="0"/>
+          </a:p>
+        </p:txBody>
+      </p:sp>
+    </p:spTree>
+    <p:extLst>
+      <p:ext uri="{BB962C8B-B14F-4D97-AF65-F5344CB8AC3E}">
+        <p14:creationId xmlns:p14="http://schemas.microsoft.com/office/powerpoint/2010/main" val="990942484"/>
+      </p:ext>
+    </p:extLst>
+  </p:cSld>
+  <p:clrMapOvr>
+    <a:masterClrMapping/>
+  </p:clrMapOvr>
+  <p:timing>
+    <p:tnLst>
+      <p:par>
+        <p:cTn id="1" dur="indefinite" restart="never" nodeType="tmRoot"/>
+      </p:par>
+    </p:tnLst>
+  </p:timing>
+</p:sld>
+</file>
+
+<file path=ppt/slides/slide29.xml><?xml version="1.0" encoding="utf-8"?>
+<p:sld xmlns:a="http://schemas.openxmlformats.org/drawingml/2006/main" xmlns:r="http://schemas.openxmlformats.org/officeDocument/2006/relationships" xmlns:p="http://schemas.openxmlformats.org/presentationml/2006/main">
+  <p:cSld>
+    <p:spTree>
+      <p:nvGrpSpPr>
+        <p:cNvPr id="1" name=""/>
+        <p:cNvGrpSpPr/>
+        <p:nvPr/>
+      </p:nvGrpSpPr>
+      <p:grpSpPr>
+        <a:xfrm>
+          <a:off x="0" y="0"/>
+          <a:ext cx="0" cy="0"/>
+          <a:chOff x="0" y="0"/>
+          <a:chExt cx="0" cy="0"/>
+        </a:xfrm>
+      </p:grpSpPr>
+      <p:sp>
+        <p:nvSpPr>
+          <p:cNvPr id="2" name="Title 1"/>
+          <p:cNvSpPr>
+            <a:spLocks noGrp="1"/>
+          </p:cNvSpPr>
+          <p:nvPr>
+            <p:ph type="title"/>
+          </p:nvPr>
+        </p:nvSpPr>
         <p:spPr/>
         <p:txBody>
           <a:bodyPr/>
@@ -6170,11 +8664,7 @@
             </a:r>
             <a:r>
               <a:rPr lang="en-US" dirty="0" smtClean="0"/>
-              <a:t>something like </a:t>
-            </a:r>
-            <a:r>
-              <a:rPr lang="en-US" dirty="0" smtClean="0"/>
-              <a:t>d3.call(</a:t>
+              <a:t>something like d3.call(</a:t>
             </a:r>
             <a:r>
               <a:rPr lang="en-US" dirty="0" err="1" smtClean="0"/>
@@ -6192,7 +8682,6 @@
               <a:rPr lang="en-US" dirty="0" smtClean="0"/>
               <a:t>)?</a:t>
             </a:r>
-            <a:endParaRPr lang="en-US" dirty="0" smtClean="0"/>
           </a:p>
           <a:p>
             <a:pPr marL="0" indent="0">
@@ -6302,7 +8791,86 @@
 </p:sld>
 </file>
 
-<file path=ppt/slides/slide12.xml><?xml version="1.0" encoding="utf-8"?>
+<file path=ppt/slides/slide3.xml><?xml version="1.0" encoding="utf-8"?>
+<p:sld xmlns:a="http://schemas.openxmlformats.org/drawingml/2006/main" xmlns:r="http://schemas.openxmlformats.org/officeDocument/2006/relationships" xmlns:p="http://schemas.openxmlformats.org/presentationml/2006/main">
+  <p:cSld>
+    <p:spTree>
+      <p:nvGrpSpPr>
+        <p:cNvPr id="1" name=""/>
+        <p:cNvGrpSpPr/>
+        <p:nvPr/>
+      </p:nvGrpSpPr>
+      <p:grpSpPr>
+        <a:xfrm>
+          <a:off x="0" y="0"/>
+          <a:ext cx="0" cy="0"/>
+          <a:chOff x="0" y="0"/>
+          <a:chExt cx="0" cy="0"/>
+        </a:xfrm>
+      </p:grpSpPr>
+      <p:sp>
+        <p:nvSpPr>
+          <p:cNvPr id="2" name="Title 1"/>
+          <p:cNvSpPr>
+            <a:spLocks noGrp="1"/>
+          </p:cNvSpPr>
+          <p:nvPr>
+            <p:ph type="ctrTitle"/>
+          </p:nvPr>
+        </p:nvSpPr>
+        <p:spPr/>
+        <p:txBody>
+          <a:bodyPr/>
+          <a:lstStyle/>
+          <a:p>
+            <a:r>
+              <a:rPr lang="en-US" sz="4400" i="1" dirty="0" smtClean="0"/>
+              <a:t>Soul-Crusher</a:t>
+            </a:r>
+            <a:endParaRPr lang="en-US" dirty="0"/>
+          </a:p>
+        </p:txBody>
+      </p:sp>
+      <p:sp>
+        <p:nvSpPr>
+          <p:cNvPr id="3" name="Subtitle 2"/>
+          <p:cNvSpPr>
+            <a:spLocks noGrp="1"/>
+          </p:cNvSpPr>
+          <p:nvPr>
+            <p:ph type="subTitle" idx="1"/>
+          </p:nvPr>
+        </p:nvSpPr>
+        <p:spPr/>
+        <p:txBody>
+          <a:bodyPr/>
+          <a:lstStyle/>
+          <a:p>
+            <a:endParaRPr lang="en-US" dirty="0"/>
+          </a:p>
+        </p:txBody>
+      </p:sp>
+    </p:spTree>
+    <p:extLst>
+      <p:ext uri="{BB962C8B-B14F-4D97-AF65-F5344CB8AC3E}">
+        <p14:creationId xmlns:p14="http://schemas.microsoft.com/office/powerpoint/2010/main" val="3446984344"/>
+      </p:ext>
+    </p:extLst>
+  </p:cSld>
+  <p:clrMapOvr>
+    <a:masterClrMapping/>
+  </p:clrMapOvr>
+  <p:timing>
+    <p:tnLst>
+      <p:par>
+        <p:cTn id="1" dur="indefinite" restart="never" nodeType="tmRoot"/>
+      </p:par>
+    </p:tnLst>
+  </p:timing>
+</p:sld>
+</file>
+
+<file path=ppt/slides/slide30.xml><?xml version="1.0" encoding="utf-8"?>
 <p:sld xmlns:a="http://schemas.openxmlformats.org/drawingml/2006/main" xmlns:r="http://schemas.openxmlformats.org/officeDocument/2006/relationships" xmlns:p="http://schemas.openxmlformats.org/presentationml/2006/main">
   <p:cSld>
     <p:spTree>
@@ -6420,7 +8988,7 @@
 </p:sld>
 </file>
 
-<file path=ppt/slides/slide13.xml><?xml version="1.0" encoding="utf-8"?>
+<file path=ppt/slides/slide31.xml><?xml version="1.0" encoding="utf-8"?>
 <p:sld xmlns:a="http://schemas.openxmlformats.org/drawingml/2006/main" xmlns:r="http://schemas.openxmlformats.org/officeDocument/2006/relationships" xmlns:p="http://schemas.openxmlformats.org/presentationml/2006/main">
   <p:cSld>
     <p:spTree>
@@ -6503,7 +9071,7 @@
 </p:sld>
 </file>
 
-<file path=ppt/slides/slide14.xml><?xml version="1.0" encoding="utf-8"?>
+<file path=ppt/slides/slide32.xml><?xml version="1.0" encoding="utf-8"?>
 <p:sld xmlns:a="http://schemas.openxmlformats.org/drawingml/2006/main" xmlns:r="http://schemas.openxmlformats.org/officeDocument/2006/relationships" xmlns:p="http://schemas.openxmlformats.org/presentationml/2006/main">
   <p:cSld>
     <p:spTree>
@@ -6680,7 +9248,7 @@
 </p:sld>
 </file>
 
-<file path=ppt/slides/slide15.xml><?xml version="1.0" encoding="utf-8"?>
+<file path=ppt/slides/slide33.xml><?xml version="1.0" encoding="utf-8"?>
 <p:sld xmlns:a="http://schemas.openxmlformats.org/drawingml/2006/main" xmlns:r="http://schemas.openxmlformats.org/officeDocument/2006/relationships" xmlns:p="http://schemas.openxmlformats.org/presentationml/2006/main">
   <p:cSld>
     <p:spTree>
@@ -6868,7 +9436,7 @@
 </p:sld>
 </file>
 
-<file path=ppt/slides/slide16.xml><?xml version="1.0" encoding="utf-8"?>
+<file path=ppt/slides/slide34.xml><?xml version="1.0" encoding="utf-8"?>
 <p:sld xmlns:a="http://schemas.openxmlformats.org/drawingml/2006/main" xmlns:r="http://schemas.openxmlformats.org/officeDocument/2006/relationships" xmlns:p="http://schemas.openxmlformats.org/presentationml/2006/main">
   <p:cSld>
     <p:spTree>
@@ -7050,7 +9618,7 @@
 </p:sld>
 </file>
 
-<file path=ppt/slides/slide17.xml><?xml version="1.0" encoding="utf-8"?>
+<file path=ppt/slides/slide35.xml><?xml version="1.0" encoding="utf-8"?>
 <p:sld xmlns:a="http://schemas.openxmlformats.org/drawingml/2006/main" xmlns:r="http://schemas.openxmlformats.org/officeDocument/2006/relationships" xmlns:p="http://schemas.openxmlformats.org/presentationml/2006/main">
   <p:cSld>
     <p:spTree>
@@ -7225,7 +9793,7 @@
 </p:sld>
 </file>
 
-<file path=ppt/slides/slide18.xml><?xml version="1.0" encoding="utf-8"?>
+<file path=ppt/slides/slide36.xml><?xml version="1.0" encoding="utf-8"?>
 <p:sld xmlns:a="http://schemas.openxmlformats.org/drawingml/2006/main" xmlns:r="http://schemas.openxmlformats.org/officeDocument/2006/relationships" xmlns:p="http://schemas.openxmlformats.org/presentationml/2006/main">
   <p:cSld>
     <p:spTree>
@@ -7407,7 +9975,7 @@
 </p:sld>
 </file>
 
-<file path=ppt/slides/slide19.xml><?xml version="1.0" encoding="utf-8"?>
+<file path=ppt/slides/slide37.xml><?xml version="1.0" encoding="utf-8"?>
 <p:sld xmlns:a="http://schemas.openxmlformats.org/drawingml/2006/main" xmlns:r="http://schemas.openxmlformats.org/officeDocument/2006/relationships" xmlns:p="http://schemas.openxmlformats.org/presentationml/2006/main">
   <p:cSld>
     <p:spTree>
@@ -7521,7 +10089,7 @@
 </p:sld>
 </file>
 
-<file path=ppt/slides/slide2.xml><?xml version="1.0" encoding="utf-8"?>
+<file path=ppt/slides/slide38.xml><?xml version="1.0" encoding="utf-8"?>
 <p:sld xmlns:a="http://schemas.openxmlformats.org/drawingml/2006/main" xmlns:r="http://schemas.openxmlformats.org/officeDocument/2006/relationships" xmlns:p="http://schemas.openxmlformats.org/presentationml/2006/main">
   <p:cSld>
     <p:spTree>
@@ -7540,88 +10108,6 @@
       </p:grpSpPr>
       <p:sp>
         <p:nvSpPr>
-          <p:cNvPr id="4" name="Title 3"/>
-          <p:cNvSpPr>
-            <a:spLocks noGrp="1"/>
-          </p:cNvSpPr>
-          <p:nvPr>
-            <p:ph type="ctrTitle"/>
-          </p:nvPr>
-        </p:nvSpPr>
-        <p:spPr/>
-        <p:txBody>
-          <a:bodyPr/>
-          <a:lstStyle/>
-          <a:p>
-            <a:r>
-              <a:rPr lang="en-US" dirty="0" smtClean="0"/>
-              <a:t>This Repo:</a:t>
-            </a:r>
-            <a:endParaRPr lang="en-US" dirty="0"/>
-          </a:p>
-        </p:txBody>
-      </p:sp>
-      <p:sp>
-        <p:nvSpPr>
-          <p:cNvPr id="5" name="Subtitle 4"/>
-          <p:cNvSpPr>
-            <a:spLocks noGrp="1"/>
-          </p:cNvSpPr>
-          <p:nvPr>
-            <p:ph type="subTitle" idx="1"/>
-          </p:nvPr>
-        </p:nvSpPr>
-        <p:spPr/>
-        <p:txBody>
-          <a:bodyPr/>
-          <a:lstStyle/>
-          <a:p>
-            <a:r>
-              <a:rPr lang="en-US" dirty="0"/>
-              <a:t>https://github.com/nuitrcs/Intro_to_d3_workshop</a:t>
-            </a:r>
-          </a:p>
-        </p:txBody>
-      </p:sp>
-    </p:spTree>
-    <p:extLst>
-      <p:ext uri="{BB962C8B-B14F-4D97-AF65-F5344CB8AC3E}">
-        <p14:creationId xmlns:p14="http://schemas.microsoft.com/office/powerpoint/2010/main" val="309578843"/>
-      </p:ext>
-    </p:extLst>
-  </p:cSld>
-  <p:clrMapOvr>
-    <a:masterClrMapping/>
-  </p:clrMapOvr>
-  <p:timing>
-    <p:tnLst>
-      <p:par>
-        <p:cTn id="1" dur="indefinite" restart="never" nodeType="tmRoot"/>
-      </p:par>
-    </p:tnLst>
-  </p:timing>
-</p:sld>
-</file>
-
-<file path=ppt/slides/slide20.xml><?xml version="1.0" encoding="utf-8"?>
-<p:sld xmlns:a="http://schemas.openxmlformats.org/drawingml/2006/main" xmlns:r="http://schemas.openxmlformats.org/officeDocument/2006/relationships" xmlns:p="http://schemas.openxmlformats.org/presentationml/2006/main">
-  <p:cSld>
-    <p:spTree>
-      <p:nvGrpSpPr>
-        <p:cNvPr id="1" name=""/>
-        <p:cNvGrpSpPr/>
-        <p:nvPr/>
-      </p:nvGrpSpPr>
-      <p:grpSpPr>
-        <a:xfrm>
-          <a:off x="0" y="0"/>
-          <a:ext cx="0" cy="0"/>
-          <a:chOff x="0" y="0"/>
-          <a:chExt cx="0" cy="0"/>
-        </a:xfrm>
-      </p:grpSpPr>
-      <p:sp>
-        <p:nvSpPr>
           <p:cNvPr id="2" name="Title 1"/>
           <p:cNvSpPr>
             <a:spLocks noGrp="1"/>
@@ -7722,7 +10208,7 @@
 </p:sld>
 </file>
 
-<file path=ppt/slides/slide21.xml><?xml version="1.0" encoding="utf-8"?>
+<file path=ppt/slides/slide39.xml><?xml version="1.0" encoding="utf-8"?>
 <p:sld xmlns:a="http://schemas.openxmlformats.org/drawingml/2006/main" xmlns:r="http://schemas.openxmlformats.org/officeDocument/2006/relationships" xmlns:p="http://schemas.openxmlformats.org/presentationml/2006/main">
   <p:cSld>
     <p:spTree>
@@ -7811,7 +10297,7 @@
 </p:sld>
 </file>
 
-<file path=ppt/slides/slide22.xml><?xml version="1.0" encoding="utf-8"?>
+<file path=ppt/slides/slide4.xml><?xml version="1.0" encoding="utf-8"?>
 <p:sld xmlns:a="http://schemas.openxmlformats.org/drawingml/2006/main" xmlns:r="http://schemas.openxmlformats.org/officeDocument/2006/relationships" xmlns:p="http://schemas.openxmlformats.org/presentationml/2006/main">
   <p:cSld>
     <p:spTree>
@@ -7845,11 +10331,7 @@
           <a:p>
             <a:r>
               <a:rPr lang="en-US" dirty="0" smtClean="0"/>
-              <a:t>Task 1: </a:t>
-            </a:r>
-            <a:r>
-              <a:rPr lang="en-US" dirty="0" smtClean="0"/>
-              <a:t>Build your environment</a:t>
+              <a:t>Good News/Bad News</a:t>
             </a:r>
             <a:endParaRPr lang="en-US" dirty="0"/>
           </a:p>
@@ -7872,40 +10354,141 @@
           <a:p>
             <a:r>
               <a:rPr lang="en-US" dirty="0" smtClean="0"/>
+              <a:t>What I am about to tell you will be great if you are a ‘</a:t>
+            </a:r>
+            <a:r>
+              <a:rPr lang="en-US" b="1" dirty="0" smtClean="0"/>
+              <a:t>Mastery</a:t>
+            </a:r>
+            <a:r>
+              <a:rPr lang="en-US" dirty="0" smtClean="0"/>
+              <a:t>’ individual</a:t>
+            </a:r>
+          </a:p>
+          <a:p>
+            <a:r>
+              <a:rPr lang="en-US" dirty="0" smtClean="0"/>
+              <a:t>What I am about to tell you will be difficult if you are an ‘</a:t>
+            </a:r>
+            <a:r>
+              <a:rPr lang="en-US" b="1" dirty="0" smtClean="0"/>
+              <a:t>Achievement</a:t>
+            </a:r>
+            <a:r>
+              <a:rPr lang="en-US" dirty="0" smtClean="0"/>
+              <a:t>’ individual</a:t>
+            </a:r>
+          </a:p>
+          <a:p>
+            <a:endParaRPr lang="en-US" dirty="0"/>
+          </a:p>
+          <a:p>
+            <a:r>
+              <a:rPr lang="en-US" dirty="0" smtClean="0"/>
+              <a:t>Everyone is </a:t>
+            </a:r>
+            <a:r>
+              <a:rPr lang="en-US" i="1" dirty="0" smtClean="0"/>
+              <a:t>different</a:t>
+            </a:r>
+            <a:r>
+              <a:rPr lang="en-US" dirty="0" smtClean="0"/>
+              <a:t>! But it is good to know the frustrating stuff up front.</a:t>
+            </a:r>
+            <a:endParaRPr lang="en-US" dirty="0"/>
+          </a:p>
+        </p:txBody>
+      </p:sp>
+    </p:spTree>
+    <p:extLst>
+      <p:ext uri="{BB962C8B-B14F-4D97-AF65-F5344CB8AC3E}">
+        <p14:creationId xmlns:p14="http://schemas.microsoft.com/office/powerpoint/2010/main" val="4157781517"/>
+      </p:ext>
+    </p:extLst>
+  </p:cSld>
+  <p:clrMapOvr>
+    <a:masterClrMapping/>
+  </p:clrMapOvr>
+</p:sld>
+</file>
+
+<file path=ppt/slides/slide40.xml><?xml version="1.0" encoding="utf-8"?>
+<p:sld xmlns:a="http://schemas.openxmlformats.org/drawingml/2006/main" xmlns:r="http://schemas.openxmlformats.org/officeDocument/2006/relationships" xmlns:p="http://schemas.openxmlformats.org/presentationml/2006/main">
+  <p:cSld>
+    <p:spTree>
+      <p:nvGrpSpPr>
+        <p:cNvPr id="1" name=""/>
+        <p:cNvGrpSpPr/>
+        <p:nvPr/>
+      </p:nvGrpSpPr>
+      <p:grpSpPr>
+        <a:xfrm>
+          <a:off x="0" y="0"/>
+          <a:ext cx="0" cy="0"/>
+          <a:chOff x="0" y="0"/>
+          <a:chExt cx="0" cy="0"/>
+        </a:xfrm>
+      </p:grpSpPr>
+      <p:sp>
+        <p:nvSpPr>
+          <p:cNvPr id="2" name="Title 1"/>
+          <p:cNvSpPr>
+            <a:spLocks noGrp="1"/>
+          </p:cNvSpPr>
+          <p:nvPr>
+            <p:ph type="title"/>
+          </p:nvPr>
+        </p:nvSpPr>
+        <p:spPr/>
+        <p:txBody>
+          <a:bodyPr/>
+          <a:lstStyle/>
+          <a:p>
+            <a:r>
+              <a:rPr lang="en-US" dirty="0" smtClean="0"/>
+              <a:t>Task 1: Build your environment</a:t>
+            </a:r>
+            <a:endParaRPr lang="en-US" dirty="0"/>
+          </a:p>
+        </p:txBody>
+      </p:sp>
+      <p:sp>
+        <p:nvSpPr>
+          <p:cNvPr id="3" name="Content Placeholder 2"/>
+          <p:cNvSpPr>
+            <a:spLocks noGrp="1"/>
+          </p:cNvSpPr>
+          <p:nvPr>
+            <p:ph idx="1"/>
+          </p:nvPr>
+        </p:nvSpPr>
+        <p:spPr/>
+        <p:txBody>
+          <a:bodyPr/>
+          <a:lstStyle/>
+          <a:p>
+            <a:r>
+              <a:rPr lang="en-US" dirty="0" smtClean="0"/>
               <a:t>Create a folder somewhere with these inside:</a:t>
             </a:r>
           </a:p>
           <a:p>
             <a:r>
               <a:rPr lang="en-US" dirty="0" smtClean="0"/>
-              <a:t>Build </a:t>
-            </a:r>
-            <a:r>
-              <a:rPr lang="en-US" dirty="0" smtClean="0"/>
-              <a:t>index.html file with d3 source link (local or web)</a:t>
-            </a:r>
-          </a:p>
-          <a:p>
-            <a:r>
-              <a:rPr lang="en-US" dirty="0" smtClean="0"/>
-              <a:t>Create empty “index.css” </a:t>
-            </a:r>
-            <a:r>
-              <a:rPr lang="en-US" dirty="0" smtClean="0"/>
-              <a:t>file, link it in your html</a:t>
-            </a:r>
-            <a:endParaRPr lang="en-US" dirty="0" smtClean="0"/>
-          </a:p>
-          <a:p>
-            <a:r>
-              <a:rPr lang="en-US" dirty="0" smtClean="0"/>
-              <a:t>Create empty “controller.js” </a:t>
-            </a:r>
-            <a:r>
-              <a:rPr lang="en-US" dirty="0" smtClean="0"/>
-              <a:t>file, link it in your html</a:t>
-            </a:r>
-            <a:endParaRPr lang="en-US" dirty="0" smtClean="0"/>
+              <a:t>Build index.html file with d3 source link (local or web)</a:t>
+            </a:r>
+          </a:p>
+          <a:p>
+            <a:r>
+              <a:rPr lang="en-US" dirty="0" smtClean="0"/>
+              <a:t>Create empty “index.css” file, link it in your html</a:t>
+            </a:r>
+          </a:p>
+          <a:p>
+            <a:r>
+              <a:rPr lang="en-US" dirty="0" smtClean="0"/>
+              <a:t>Create empty “controller.js” file, link it in your html</a:t>
+            </a:r>
           </a:p>
           <a:p>
             <a:pPr marL="0" indent="0">
@@ -7959,7 +10542,7 @@
 </p:sld>
 </file>
 
-<file path=ppt/slides/slide23.xml><?xml version="1.0" encoding="utf-8"?>
+<file path=ppt/slides/slide41.xml><?xml version="1.0" encoding="utf-8"?>
 <p:sld xmlns:a="http://schemas.openxmlformats.org/drawingml/2006/main" xmlns:r="http://schemas.openxmlformats.org/officeDocument/2006/relationships" xmlns:p="http://schemas.openxmlformats.org/presentationml/2006/main">
   <p:cSld>
     <p:spTree>
@@ -7993,11 +10576,7 @@
           <a:p>
             <a:r>
               <a:rPr lang="en-US" dirty="0" smtClean="0"/>
-              <a:t>Task 2: </a:t>
-            </a:r>
-            <a:r>
-              <a:rPr lang="en-US" dirty="0" smtClean="0"/>
-              <a:t>Look at our data, literally</a:t>
+              <a:t>Task 2: Look at our data, literally</a:t>
             </a:r>
             <a:endParaRPr lang="en-US" dirty="0"/>
           </a:p>
@@ -8102,7 +10681,7 @@
 </p:sld>
 </file>
 
-<file path=ppt/slides/slide24.xml><?xml version="1.0" encoding="utf-8"?>
+<file path=ppt/slides/slide42.xml><?xml version="1.0" encoding="utf-8"?>
 <p:sld xmlns:a="http://schemas.openxmlformats.org/drawingml/2006/main" xmlns:r="http://schemas.openxmlformats.org/officeDocument/2006/relationships" xmlns:p="http://schemas.openxmlformats.org/presentationml/2006/main">
   <p:cSld>
     <p:spTree>
@@ -8136,11 +10715,7 @@
           <a:p>
             <a:r>
               <a:rPr lang="en-US" dirty="0" smtClean="0"/>
-              <a:t>Task 3: </a:t>
-            </a:r>
-            <a:r>
-              <a:rPr lang="en-US" dirty="0" smtClean="0"/>
-              <a:t>Look at the data, in-browser</a:t>
+              <a:t>Task 3: Look at the data, in-browser</a:t>
             </a:r>
             <a:endParaRPr lang="en-US" dirty="0"/>
           </a:p>
@@ -8329,7 +10904,7 @@
 </p:sld>
 </file>
 
-<file path=ppt/slides/slide25.xml><?xml version="1.0" encoding="utf-8"?>
+<file path=ppt/slides/slide43.xml><?xml version="1.0" encoding="utf-8"?>
 <p:sld xmlns:a="http://schemas.openxmlformats.org/drawingml/2006/main" xmlns:r="http://schemas.openxmlformats.org/officeDocument/2006/relationships" xmlns:p="http://schemas.openxmlformats.org/presentationml/2006/main">
   <p:cSld>
     <p:spTree>
@@ -8425,7 +11000,7 @@
 </p:sld>
 </file>
 
-<file path=ppt/slides/slide26.xml><?xml version="1.0" encoding="utf-8"?>
+<file path=ppt/slides/slide44.xml><?xml version="1.0" encoding="utf-8"?>
 <p:sld xmlns:a="http://schemas.openxmlformats.org/drawingml/2006/main" xmlns:r="http://schemas.openxmlformats.org/officeDocument/2006/relationships" xmlns:p="http://schemas.openxmlformats.org/presentationml/2006/main">
   <p:cSld>
     <p:spTree>
@@ -8502,7 +11077,7 @@
 </p:sld>
 </file>
 
-<file path=ppt/slides/slide27.xml><?xml version="1.0" encoding="utf-8"?>
+<file path=ppt/slides/slide45.xml><?xml version="1.0" encoding="utf-8"?>
 <p:sld xmlns:a="http://schemas.openxmlformats.org/drawingml/2006/main" xmlns:r="http://schemas.openxmlformats.org/officeDocument/2006/relationships" xmlns:p="http://schemas.openxmlformats.org/presentationml/2006/main">
   <p:cSld>
     <p:spTree>
@@ -8578,7 +11153,7 @@
 </p:sld>
 </file>
 
-<file path=ppt/slides/slide28.xml><?xml version="1.0" encoding="utf-8"?>
+<file path=ppt/slides/slide46.xml><?xml version="1.0" encoding="utf-8"?>
 <p:sld xmlns:a="http://schemas.openxmlformats.org/drawingml/2006/main" xmlns:r="http://schemas.openxmlformats.org/officeDocument/2006/relationships" xmlns:p="http://schemas.openxmlformats.org/presentationml/2006/main">
   <p:cSld>
     <p:spTree>
@@ -8799,7 +11374,7 @@
 </p:sld>
 </file>
 
-<file path=ppt/slides/slide29.xml><?xml version="1.0" encoding="utf-8"?>
+<file path=ppt/slides/slide47.xml><?xml version="1.0" encoding="utf-8"?>
 <p:sld xmlns:a="http://schemas.openxmlformats.org/drawingml/2006/main" xmlns:r="http://schemas.openxmlformats.org/officeDocument/2006/relationships" xmlns:p="http://schemas.openxmlformats.org/presentationml/2006/main">
   <p:cSld>
     <p:spTree>
@@ -8938,7 +11513,7 @@
 </p:sld>
 </file>
 
-<file path=ppt/slides/slide3.xml><?xml version="1.0" encoding="utf-8"?>
+<file path=ppt/slides/slide48.xml><?xml version="1.0" encoding="utf-8"?>
 <p:sld xmlns:a="http://schemas.openxmlformats.org/drawingml/2006/main" xmlns:r="http://schemas.openxmlformats.org/officeDocument/2006/relationships" xmlns:p="http://schemas.openxmlformats.org/presentationml/2006/main">
   <p:cSld>
     <p:spTree>
@@ -8972,7 +11547,7 @@
           <a:p>
             <a:r>
               <a:rPr lang="en-US" dirty="0" smtClean="0"/>
-              <a:t>Getting Started:</a:t>
+              <a:t>1c. How to inspect</a:t>
             </a:r>
             <a:endParaRPr lang="en-US" dirty="0"/>
           </a:p>
@@ -8995,109 +11570,63 @@
           <a:p>
             <a:r>
               <a:rPr lang="en-US" dirty="0" smtClean="0"/>
-              <a:t>Task #1</a:t>
-            </a:r>
-            <a:r>
-              <a:rPr lang="en-US" dirty="0" smtClean="0"/>
-              <a:t>:</a:t>
-            </a:r>
-          </a:p>
-          <a:p>
-            <a:r>
-              <a:rPr lang="en-US" dirty="0" smtClean="0"/>
-              <a:t>Get </a:t>
-            </a:r>
-            <a:r>
-              <a:rPr lang="en-US" dirty="0"/>
-              <a:t>a text editor: </a:t>
-            </a:r>
-            <a:r>
-              <a:rPr lang="en-US" b="1" dirty="0"/>
-              <a:t>Sublime</a:t>
-            </a:r>
-            <a:r>
-              <a:rPr lang="en-US" dirty="0"/>
-              <a:t>, Atom, Notepad++, or </a:t>
-            </a:r>
-            <a:r>
-              <a:rPr lang="en-US" dirty="0" smtClean="0"/>
-              <a:t>Brackets</a:t>
-            </a:r>
-          </a:p>
-          <a:p>
-            <a:r>
-              <a:rPr lang="en-US" dirty="0" smtClean="0"/>
-              <a:t>Make sure you have either </a:t>
-            </a:r>
-            <a:r>
-              <a:rPr lang="en-US" b="1" dirty="0" smtClean="0"/>
-              <a:t>Chrome </a:t>
-            </a:r>
-            <a:r>
-              <a:rPr lang="en-US" dirty="0" smtClean="0"/>
-              <a:t>or Firefox</a:t>
+              <a:t>Show __data__ property of the element</a:t>
+            </a:r>
+          </a:p>
+          <a:p>
+            <a:r>
+              <a:rPr lang="en-US" dirty="0" smtClean="0"/>
+              <a:t>Show console.log(this)</a:t>
+            </a:r>
+          </a:p>
+          <a:p>
+            <a:pPr lvl="1"/>
+            <a:r>
+              <a:rPr lang="en-US" dirty="0" smtClean="0"/>
+              <a:t>(</a:t>
+            </a:r>
+            <a:r>
+              <a:rPr lang="en-US" dirty="0" err="1" smtClean="0"/>
+              <a:t>i</a:t>
+            </a:r>
+            <a:r>
+              <a:rPr lang="en-US" dirty="0" smtClean="0"/>
+              <a:t>)</a:t>
+            </a:r>
+          </a:p>
+          <a:p>
+            <a:pPr lvl="1"/>
+            <a:r>
+              <a:rPr lang="en-US" dirty="0" smtClean="0"/>
+              <a:t>(d)</a:t>
+            </a:r>
+          </a:p>
+          <a:p>
+            <a:pPr lvl="1"/>
+            <a:r>
+              <a:rPr lang="en-US" dirty="0" smtClean="0"/>
+              <a:t>d3.select(this)</a:t>
             </a:r>
           </a:p>
           <a:p>
             <a:endParaRPr lang="en-US" dirty="0" smtClean="0"/>
-          </a:p>
-          <a:p>
-            <a:r>
-              <a:rPr lang="en-US" dirty="0" smtClean="0"/>
-              <a:t>Task #2</a:t>
-            </a:r>
-            <a:r>
-              <a:rPr lang="en-US" dirty="0" smtClean="0"/>
-              <a:t>:</a:t>
-            </a:r>
-            <a:endParaRPr lang="en-US" dirty="0"/>
-          </a:p>
-          <a:p>
-            <a:r>
-              <a:rPr lang="en-US" dirty="0" smtClean="0"/>
-              <a:t>Open the “barchart_ready.html” file in your </a:t>
-            </a:r>
-            <a:r>
-              <a:rPr lang="en-US" b="1" dirty="0" smtClean="0"/>
-              <a:t>browser</a:t>
-            </a:r>
-          </a:p>
-          <a:p>
-            <a:r>
-              <a:rPr lang="en-US" dirty="0" smtClean="0"/>
-              <a:t>Open the “barchart_ready.html” file in your </a:t>
-            </a:r>
-            <a:r>
-              <a:rPr lang="en-US" b="1" dirty="0" smtClean="0"/>
-              <a:t>text editor</a:t>
-            </a:r>
-          </a:p>
-          <a:p>
-            <a:endParaRPr lang="en-US" dirty="0"/>
           </a:p>
         </p:txBody>
       </p:sp>
     </p:spTree>
     <p:extLst>
       <p:ext uri="{BB962C8B-B14F-4D97-AF65-F5344CB8AC3E}">
-        <p14:creationId xmlns:p14="http://schemas.microsoft.com/office/powerpoint/2010/main" val="2894837639"/>
+        <p14:creationId xmlns:p14="http://schemas.microsoft.com/office/powerpoint/2010/main" val="3300785810"/>
       </p:ext>
     </p:extLst>
   </p:cSld>
   <p:clrMapOvr>
     <a:masterClrMapping/>
   </p:clrMapOvr>
-  <p:timing>
-    <p:tnLst>
-      <p:par>
-        <p:cTn id="1" dur="indefinite" restart="never" nodeType="tmRoot"/>
-      </p:par>
-    </p:tnLst>
-  </p:timing>
 </p:sld>
 </file>
 
-<file path=ppt/slides/slide30.xml><?xml version="1.0" encoding="utf-8"?>
+<file path=ppt/slides/slide49.xml><?xml version="1.0" encoding="utf-8"?>
 <p:sld xmlns:a="http://schemas.openxmlformats.org/drawingml/2006/main" xmlns:r="http://schemas.openxmlformats.org/officeDocument/2006/relationships" xmlns:p="http://schemas.openxmlformats.org/presentationml/2006/main">
   <p:cSld>
     <p:spTree>
@@ -9131,119 +11660,6 @@
           <a:p>
             <a:r>
               <a:rPr lang="en-US" dirty="0" smtClean="0"/>
-              <a:t>1c. How to inspect</a:t>
-            </a:r>
-            <a:endParaRPr lang="en-US" dirty="0"/>
-          </a:p>
-        </p:txBody>
-      </p:sp>
-      <p:sp>
-        <p:nvSpPr>
-          <p:cNvPr id="3" name="Content Placeholder 2"/>
-          <p:cNvSpPr>
-            <a:spLocks noGrp="1"/>
-          </p:cNvSpPr>
-          <p:nvPr>
-            <p:ph idx="1"/>
-          </p:nvPr>
-        </p:nvSpPr>
-        <p:spPr/>
-        <p:txBody>
-          <a:bodyPr/>
-          <a:lstStyle/>
-          <a:p>
-            <a:r>
-              <a:rPr lang="en-US" dirty="0" smtClean="0"/>
-              <a:t>Show __data__ property of the element</a:t>
-            </a:r>
-          </a:p>
-          <a:p>
-            <a:r>
-              <a:rPr lang="en-US" dirty="0" smtClean="0"/>
-              <a:t>Show console.log(this)</a:t>
-            </a:r>
-          </a:p>
-          <a:p>
-            <a:pPr lvl="1"/>
-            <a:r>
-              <a:rPr lang="en-US" dirty="0" smtClean="0"/>
-              <a:t>(</a:t>
-            </a:r>
-            <a:r>
-              <a:rPr lang="en-US" dirty="0" err="1" smtClean="0"/>
-              <a:t>i</a:t>
-            </a:r>
-            <a:r>
-              <a:rPr lang="en-US" dirty="0" smtClean="0"/>
-              <a:t>)</a:t>
-            </a:r>
-          </a:p>
-          <a:p>
-            <a:pPr lvl="1"/>
-            <a:r>
-              <a:rPr lang="en-US" dirty="0" smtClean="0"/>
-              <a:t>(d)</a:t>
-            </a:r>
-          </a:p>
-          <a:p>
-            <a:pPr lvl="1"/>
-            <a:r>
-              <a:rPr lang="en-US" dirty="0" smtClean="0"/>
-              <a:t>d3.select(this)</a:t>
-            </a:r>
-          </a:p>
-          <a:p>
-            <a:endParaRPr lang="en-US" dirty="0" smtClean="0"/>
-          </a:p>
-        </p:txBody>
-      </p:sp>
-    </p:spTree>
-    <p:extLst>
-      <p:ext uri="{BB962C8B-B14F-4D97-AF65-F5344CB8AC3E}">
-        <p14:creationId xmlns:p14="http://schemas.microsoft.com/office/powerpoint/2010/main" val="3300785810"/>
-      </p:ext>
-    </p:extLst>
-  </p:cSld>
-  <p:clrMapOvr>
-    <a:masterClrMapping/>
-  </p:clrMapOvr>
-</p:sld>
-</file>
-
-<file path=ppt/slides/slide31.xml><?xml version="1.0" encoding="utf-8"?>
-<p:sld xmlns:a="http://schemas.openxmlformats.org/drawingml/2006/main" xmlns:r="http://schemas.openxmlformats.org/officeDocument/2006/relationships" xmlns:p="http://schemas.openxmlformats.org/presentationml/2006/main">
-  <p:cSld>
-    <p:spTree>
-      <p:nvGrpSpPr>
-        <p:cNvPr id="1" name=""/>
-        <p:cNvGrpSpPr/>
-        <p:nvPr/>
-      </p:nvGrpSpPr>
-      <p:grpSpPr>
-        <a:xfrm>
-          <a:off x="0" y="0"/>
-          <a:ext cx="0" cy="0"/>
-          <a:chOff x="0" y="0"/>
-          <a:chExt cx="0" cy="0"/>
-        </a:xfrm>
-      </p:grpSpPr>
-      <p:sp>
-        <p:nvSpPr>
-          <p:cNvPr id="2" name="Title 1"/>
-          <p:cNvSpPr>
-            <a:spLocks noGrp="1"/>
-          </p:cNvSpPr>
-          <p:nvPr>
-            <p:ph type="title"/>
-          </p:nvPr>
-        </p:nvSpPr>
-        <p:spPr/>
-        <p:txBody>
-          <a:bodyPr/>
-          <a:lstStyle/>
-          <a:p>
-            <a:r>
-              <a:rPr lang="en-US" dirty="0" smtClean="0"/>
               <a:t>2. Build a scale that makes sense</a:t>
             </a:r>
             <a:endParaRPr lang="en-US" dirty="0"/>
@@ -9319,1679 +11735,6 @@
     <p:extLst>
       <p:ext uri="{BB962C8B-B14F-4D97-AF65-F5344CB8AC3E}">
         <p14:creationId xmlns:p14="http://schemas.microsoft.com/office/powerpoint/2010/main" val="1165932269"/>
-      </p:ext>
-    </p:extLst>
-  </p:cSld>
-  <p:clrMapOvr>
-    <a:masterClrMapping/>
-  </p:clrMapOvr>
-</p:sld>
-</file>
-
-<file path=ppt/slides/slide32.xml><?xml version="1.0" encoding="utf-8"?>
-<p:sld xmlns:a="http://schemas.openxmlformats.org/drawingml/2006/main" xmlns:r="http://schemas.openxmlformats.org/officeDocument/2006/relationships" xmlns:p="http://schemas.openxmlformats.org/presentationml/2006/main">
-  <p:cSld>
-    <p:spTree>
-      <p:nvGrpSpPr>
-        <p:cNvPr id="1" name=""/>
-        <p:cNvGrpSpPr/>
-        <p:nvPr/>
-      </p:nvGrpSpPr>
-      <p:grpSpPr>
-        <a:xfrm>
-          <a:off x="0" y="0"/>
-          <a:ext cx="0" cy="0"/>
-          <a:chOff x="0" y="0"/>
-          <a:chExt cx="0" cy="0"/>
-        </a:xfrm>
-      </p:grpSpPr>
-      <p:sp>
-        <p:nvSpPr>
-          <p:cNvPr id="2" name="Title 1"/>
-          <p:cNvSpPr>
-            <a:spLocks noGrp="1"/>
-          </p:cNvSpPr>
-          <p:nvPr>
-            <p:ph type="title"/>
-          </p:nvPr>
-        </p:nvSpPr>
-        <p:spPr/>
-        <p:txBody>
-          <a:bodyPr/>
-          <a:lstStyle/>
-          <a:p>
-            <a:r>
-              <a:rPr lang="en-US" dirty="0" smtClean="0"/>
-              <a:t>3. Add the axes and some styling</a:t>
-            </a:r>
-            <a:endParaRPr lang="en-US" dirty="0"/>
-          </a:p>
-        </p:txBody>
-      </p:sp>
-      <p:sp>
-        <p:nvSpPr>
-          <p:cNvPr id="3" name="Content Placeholder 2"/>
-          <p:cNvSpPr>
-            <a:spLocks noGrp="1"/>
-          </p:cNvSpPr>
-          <p:nvPr>
-            <p:ph idx="1"/>
-          </p:nvPr>
-        </p:nvSpPr>
-        <p:spPr/>
-        <p:txBody>
-          <a:bodyPr/>
-          <a:lstStyle/>
-          <a:p>
-            <a:r>
-              <a:rPr lang="en-US" dirty="0" smtClean="0"/>
-              <a:t>Append g with an </a:t>
-            </a:r>
-            <a:r>
-              <a:rPr lang="en-US" dirty="0" err="1" smtClean="0"/>
-              <a:t>axisBottom</a:t>
-            </a:r>
-            <a:r>
-              <a:rPr lang="en-US" dirty="0" smtClean="0"/>
-              <a:t> on x, translate for height (to put on bottom – otherwise it is a downward axis on the top)</a:t>
-            </a:r>
-          </a:p>
-          <a:p>
-            <a:endParaRPr lang="en-US" dirty="0" smtClean="0"/>
-          </a:p>
-          <a:p>
-            <a:r>
-              <a:rPr lang="en-US" dirty="0" smtClean="0"/>
-              <a:t>Append g with an axis for y, add 10 ticks with %</a:t>
-            </a:r>
-          </a:p>
-          <a:p>
-            <a:endParaRPr lang="en-US" dirty="0" smtClean="0"/>
-          </a:p>
-          <a:p>
-            <a:r>
-              <a:rPr lang="en-US" dirty="0" smtClean="0"/>
-              <a:t>Open our empty index.css </a:t>
-            </a:r>
-          </a:p>
-          <a:p>
-            <a:pPr lvl="1"/>
-            <a:r>
-              <a:rPr lang="en-US" dirty="0" smtClean="0"/>
-              <a:t>Add fill color for .bar class and .</a:t>
-            </a:r>
-            <a:r>
-              <a:rPr lang="en-US" dirty="0" err="1" smtClean="0"/>
-              <a:t>bar:hover</a:t>
-            </a:r>
-            <a:endParaRPr lang="en-US" dirty="0" smtClean="0"/>
-          </a:p>
-          <a:p>
-            <a:pPr lvl="1"/>
-            <a:r>
-              <a:rPr lang="en-US" dirty="0" smtClean="0"/>
-              <a:t>Remove axis--x path</a:t>
-            </a:r>
-          </a:p>
-          <a:p>
-            <a:endParaRPr lang="en-US" dirty="0"/>
-          </a:p>
-        </p:txBody>
-      </p:sp>
-    </p:spTree>
-    <p:extLst>
-      <p:ext uri="{BB962C8B-B14F-4D97-AF65-F5344CB8AC3E}">
-        <p14:creationId xmlns:p14="http://schemas.microsoft.com/office/powerpoint/2010/main" val="4110432089"/>
-      </p:ext>
-    </p:extLst>
-  </p:cSld>
-  <p:clrMapOvr>
-    <a:masterClrMapping/>
-  </p:clrMapOvr>
-</p:sld>
-</file>
-
-<file path=ppt/slides/slide33.xml><?xml version="1.0" encoding="utf-8"?>
-<p:sld xmlns:a="http://schemas.openxmlformats.org/drawingml/2006/main" xmlns:r="http://schemas.openxmlformats.org/officeDocument/2006/relationships" xmlns:p="http://schemas.openxmlformats.org/presentationml/2006/main">
-  <p:cSld>
-    <p:spTree>
-      <p:nvGrpSpPr>
-        <p:cNvPr id="1" name=""/>
-        <p:cNvGrpSpPr/>
-        <p:nvPr/>
-      </p:nvGrpSpPr>
-      <p:grpSpPr>
-        <a:xfrm>
-          <a:off x="0" y="0"/>
-          <a:ext cx="0" cy="0"/>
-          <a:chOff x="0" y="0"/>
-          <a:chExt cx="0" cy="0"/>
-        </a:xfrm>
-      </p:grpSpPr>
-      <p:sp>
-        <p:nvSpPr>
-          <p:cNvPr id="4" name="Title 3"/>
-          <p:cNvSpPr>
-            <a:spLocks noGrp="1"/>
-          </p:cNvSpPr>
-          <p:nvPr>
-            <p:ph type="ctrTitle"/>
-          </p:nvPr>
-        </p:nvSpPr>
-        <p:spPr/>
-        <p:txBody>
-          <a:bodyPr/>
-          <a:lstStyle/>
-          <a:p>
-            <a:r>
-              <a:rPr lang="en-US" dirty="0" smtClean="0"/>
-              <a:t>Resources</a:t>
-            </a:r>
-            <a:endParaRPr lang="en-US" dirty="0"/>
-          </a:p>
-        </p:txBody>
-      </p:sp>
-      <p:sp>
-        <p:nvSpPr>
-          <p:cNvPr id="5" name="Subtitle 4"/>
-          <p:cNvSpPr>
-            <a:spLocks noGrp="1"/>
-          </p:cNvSpPr>
-          <p:nvPr>
-            <p:ph type="subTitle" idx="1"/>
-          </p:nvPr>
-        </p:nvSpPr>
-        <p:spPr/>
-        <p:txBody>
-          <a:bodyPr/>
-          <a:lstStyle/>
-          <a:p>
-            <a:r>
-              <a:rPr lang="en-US" dirty="0" smtClean="0"/>
-              <a:t>Things you should explore when looking further</a:t>
-            </a:r>
-            <a:endParaRPr lang="en-US" dirty="0"/>
-          </a:p>
-        </p:txBody>
-      </p:sp>
-    </p:spTree>
-    <p:extLst>
-      <p:ext uri="{BB962C8B-B14F-4D97-AF65-F5344CB8AC3E}">
-        <p14:creationId xmlns:p14="http://schemas.microsoft.com/office/powerpoint/2010/main" val="2724028488"/>
-      </p:ext>
-    </p:extLst>
-  </p:cSld>
-  <p:clrMapOvr>
-    <a:masterClrMapping/>
-  </p:clrMapOvr>
-</p:sld>
-</file>
-
-<file path=ppt/slides/slide34.xml><?xml version="1.0" encoding="utf-8"?>
-<p:sld xmlns:a="http://schemas.openxmlformats.org/drawingml/2006/main" xmlns:r="http://schemas.openxmlformats.org/officeDocument/2006/relationships" xmlns:p="http://schemas.openxmlformats.org/presentationml/2006/main">
-  <p:cSld>
-    <p:spTree>
-      <p:nvGrpSpPr>
-        <p:cNvPr id="1" name=""/>
-        <p:cNvGrpSpPr/>
-        <p:nvPr/>
-      </p:nvGrpSpPr>
-      <p:grpSpPr>
-        <a:xfrm>
-          <a:off x="0" y="0"/>
-          <a:ext cx="0" cy="0"/>
-          <a:chOff x="0" y="0"/>
-          <a:chExt cx="0" cy="0"/>
-        </a:xfrm>
-      </p:grpSpPr>
-      <p:sp>
-        <p:nvSpPr>
-          <p:cNvPr id="2" name="Title 1"/>
-          <p:cNvSpPr>
-            <a:spLocks noGrp="1"/>
-          </p:cNvSpPr>
-          <p:nvPr>
-            <p:ph type="ctrTitle"/>
-          </p:nvPr>
-        </p:nvSpPr>
-        <p:spPr/>
-        <p:txBody>
-          <a:bodyPr/>
-          <a:lstStyle/>
-          <a:p>
-            <a:r>
-              <a:rPr lang="en-US" dirty="0" smtClean="0"/>
-              <a:t>Read </a:t>
-            </a:r>
-            <a:r>
-              <a:rPr lang="en-US" dirty="0" smtClean="0"/>
-              <a:t>the API </a:t>
-            </a:r>
-            <a:r>
-              <a:rPr lang="en-US" dirty="0" smtClean="0"/>
-              <a:t>docs!</a:t>
-            </a:r>
-            <a:endParaRPr lang="en-US" dirty="0"/>
-          </a:p>
-        </p:txBody>
-      </p:sp>
-      <p:sp>
-        <p:nvSpPr>
-          <p:cNvPr id="3" name="Content Placeholder 2"/>
-          <p:cNvSpPr>
-            <a:spLocks noGrp="1"/>
-          </p:cNvSpPr>
-          <p:nvPr>
-            <p:ph type="subTitle" idx="1"/>
-          </p:nvPr>
-        </p:nvSpPr>
-        <p:spPr/>
-        <p:txBody>
-          <a:bodyPr/>
-          <a:lstStyle/>
-          <a:p>
-            <a:r>
-              <a:rPr lang="en-US" b="1" dirty="0" smtClean="0"/>
-              <a:t>D3: </a:t>
-            </a:r>
-            <a:r>
-              <a:rPr lang="en-US" dirty="0" smtClean="0"/>
-              <a:t>https</a:t>
-            </a:r>
-            <a:r>
-              <a:rPr lang="en-US" dirty="0"/>
-              <a:t>://</a:t>
-            </a:r>
-            <a:r>
-              <a:rPr lang="en-US" dirty="0" smtClean="0"/>
-              <a:t>github.com/d3/d3/wiki</a:t>
-            </a:r>
-          </a:p>
-          <a:p>
-            <a:r>
-              <a:rPr lang="en-US" b="1" dirty="0"/>
-              <a:t>Web: </a:t>
-            </a:r>
-            <a:r>
-              <a:rPr lang="en-US" dirty="0"/>
-              <a:t>https://developer.mozilla.org/en-US/</a:t>
-            </a:r>
-          </a:p>
-        </p:txBody>
-      </p:sp>
-    </p:spTree>
-    <p:extLst>
-      <p:ext uri="{BB962C8B-B14F-4D97-AF65-F5344CB8AC3E}">
-        <p14:creationId xmlns:p14="http://schemas.microsoft.com/office/powerpoint/2010/main" val="2779721294"/>
-      </p:ext>
-    </p:extLst>
-  </p:cSld>
-  <p:clrMapOvr>
-    <a:masterClrMapping/>
-  </p:clrMapOvr>
-</p:sld>
-</file>
-
-<file path=ppt/slides/slide35.xml><?xml version="1.0" encoding="utf-8"?>
-<p:sld xmlns:a="http://schemas.openxmlformats.org/drawingml/2006/main" xmlns:r="http://schemas.openxmlformats.org/officeDocument/2006/relationships" xmlns:p="http://schemas.openxmlformats.org/presentationml/2006/main">
-  <p:cSld>
-    <p:spTree>
-      <p:nvGrpSpPr>
-        <p:cNvPr id="1" name=""/>
-        <p:cNvGrpSpPr/>
-        <p:nvPr/>
-      </p:nvGrpSpPr>
-      <p:grpSpPr>
-        <a:xfrm>
-          <a:off x="0" y="0"/>
-          <a:ext cx="0" cy="0"/>
-          <a:chOff x="0" y="0"/>
-          <a:chExt cx="0" cy="0"/>
-        </a:xfrm>
-      </p:grpSpPr>
-      <p:sp>
-        <p:nvSpPr>
-          <p:cNvPr id="4" name="Title 3"/>
-          <p:cNvSpPr>
-            <a:spLocks noGrp="1"/>
-          </p:cNvSpPr>
-          <p:nvPr>
-            <p:ph type="ctrTitle"/>
-          </p:nvPr>
-        </p:nvSpPr>
-        <p:spPr/>
-        <p:txBody>
-          <a:bodyPr/>
-          <a:lstStyle/>
-          <a:p>
-            <a:r>
-              <a:rPr lang="en-US" dirty="0" smtClean="0"/>
-              <a:t>Top 3 resources:</a:t>
-            </a:r>
-            <a:endParaRPr lang="en-US" dirty="0"/>
-          </a:p>
-        </p:txBody>
-      </p:sp>
-      <p:sp>
-        <p:nvSpPr>
-          <p:cNvPr id="5" name="Subtitle 4"/>
-          <p:cNvSpPr>
-            <a:spLocks noGrp="1"/>
-          </p:cNvSpPr>
-          <p:nvPr>
-            <p:ph type="subTitle" idx="1"/>
-          </p:nvPr>
-        </p:nvSpPr>
-        <p:spPr/>
-        <p:txBody>
-          <a:bodyPr/>
-          <a:lstStyle/>
-          <a:p>
-            <a:r>
-              <a:rPr lang="en-US" dirty="0" smtClean="0"/>
-              <a:t>The d3 API documentation</a:t>
-            </a:r>
-          </a:p>
-          <a:p>
-            <a:r>
-              <a:rPr lang="en-US" dirty="0" smtClean="0"/>
-              <a:t>MDN web standards documentation</a:t>
-            </a:r>
-          </a:p>
-          <a:p>
-            <a:r>
-              <a:rPr lang="en-US" dirty="0"/>
-              <a:t>Googling </a:t>
-            </a:r>
-            <a:r>
-              <a:rPr lang="en-US" dirty="0" smtClean="0"/>
-              <a:t>things you want to make </a:t>
-            </a:r>
-            <a:r>
-              <a:rPr lang="en-US" dirty="0"/>
-              <a:t>(“d3 scatterplot </a:t>
-            </a:r>
-            <a:r>
-              <a:rPr lang="en-US" dirty="0" err="1"/>
-              <a:t>bl.ocks</a:t>
-            </a:r>
-            <a:r>
-              <a:rPr lang="en-US" dirty="0"/>
-              <a:t>”)</a:t>
-            </a:r>
-          </a:p>
-          <a:p>
-            <a:endParaRPr lang="en-US" dirty="0"/>
-          </a:p>
-        </p:txBody>
-      </p:sp>
-    </p:spTree>
-    <p:extLst>
-      <p:ext uri="{BB962C8B-B14F-4D97-AF65-F5344CB8AC3E}">
-        <p14:creationId xmlns:p14="http://schemas.microsoft.com/office/powerpoint/2010/main" val="3084310567"/>
-      </p:ext>
-    </p:extLst>
-  </p:cSld>
-  <p:clrMapOvr>
-    <a:masterClrMapping/>
-  </p:clrMapOvr>
-</p:sld>
-</file>
-
-<file path=ppt/slides/slide36.xml><?xml version="1.0" encoding="utf-8"?>
-<p:sld xmlns:a="http://schemas.openxmlformats.org/drawingml/2006/main" xmlns:r="http://schemas.openxmlformats.org/officeDocument/2006/relationships" xmlns:p="http://schemas.openxmlformats.org/presentationml/2006/main">
-  <p:cSld>
-    <p:spTree>
-      <p:nvGrpSpPr>
-        <p:cNvPr id="1" name=""/>
-        <p:cNvGrpSpPr/>
-        <p:nvPr/>
-      </p:nvGrpSpPr>
-      <p:grpSpPr>
-        <a:xfrm>
-          <a:off x="0" y="0"/>
-          <a:ext cx="0" cy="0"/>
-          <a:chOff x="0" y="0"/>
-          <a:chExt cx="0" cy="0"/>
-        </a:xfrm>
-      </p:grpSpPr>
-      <p:sp>
-        <p:nvSpPr>
-          <p:cNvPr id="2" name="Title 1"/>
-          <p:cNvSpPr>
-            <a:spLocks noGrp="1"/>
-          </p:cNvSpPr>
-          <p:nvPr>
-            <p:ph type="ctrTitle"/>
-          </p:nvPr>
-        </p:nvSpPr>
-        <p:spPr>
-          <a:xfrm>
-            <a:off x="1524000" y="174567"/>
-            <a:ext cx="9144000" cy="982894"/>
-          </a:xfrm>
-        </p:spPr>
-        <p:txBody>
-          <a:bodyPr/>
-          <a:lstStyle/>
-          <a:p>
-            <a:r>
-              <a:rPr lang="en-US" dirty="0" smtClean="0"/>
-              <a:t>Listing the Basics:</a:t>
-            </a:r>
-            <a:endParaRPr lang="en-US" dirty="0"/>
-          </a:p>
-        </p:txBody>
-      </p:sp>
-      <p:sp>
-        <p:nvSpPr>
-          <p:cNvPr id="3" name="Subtitle 2"/>
-          <p:cNvSpPr>
-            <a:spLocks noGrp="1"/>
-          </p:cNvSpPr>
-          <p:nvPr>
-            <p:ph type="subTitle" idx="1"/>
-          </p:nvPr>
-        </p:nvSpPr>
-        <p:spPr>
-          <a:xfrm>
-            <a:off x="2219498" y="1263535"/>
-            <a:ext cx="7753004" cy="5412394"/>
-          </a:xfrm>
-        </p:spPr>
-        <p:txBody>
-          <a:bodyPr>
-            <a:normAutofit/>
-          </a:bodyPr>
-          <a:lstStyle/>
-          <a:p>
-            <a:pPr algn="l"/>
-            <a:r>
-              <a:rPr lang="en-US" sz="2800" b="1" dirty="0" smtClean="0"/>
-              <a:t>Know what these are, you will use them often:</a:t>
-            </a:r>
-          </a:p>
-          <a:p>
-            <a:pPr marL="342900" indent="-342900" algn="l">
-              <a:buFont typeface="Arial" panose="020B0604020202020204" pitchFamily="34" charset="0"/>
-              <a:buChar char="•"/>
-            </a:pPr>
-            <a:r>
-              <a:rPr lang="en-US" dirty="0" smtClean="0"/>
-              <a:t>Selections (select, </a:t>
-            </a:r>
-            <a:r>
-              <a:rPr lang="en-US" dirty="0" err="1" smtClean="0"/>
-              <a:t>selectAll</a:t>
-            </a:r>
-            <a:r>
-              <a:rPr lang="en-US" dirty="0" smtClean="0"/>
-              <a:t> and how they work)</a:t>
-            </a:r>
-          </a:p>
-          <a:p>
-            <a:pPr marL="342900" indent="-342900" algn="l">
-              <a:buFont typeface="Arial" panose="020B0604020202020204" pitchFamily="34" charset="0"/>
-              <a:buChar char="•"/>
-            </a:pPr>
-            <a:r>
-              <a:rPr lang="en-US" dirty="0" smtClean="0"/>
-              <a:t>SVG types (circle, </a:t>
-            </a:r>
-            <a:r>
-              <a:rPr lang="en-US" dirty="0" err="1" smtClean="0"/>
-              <a:t>rect</a:t>
-            </a:r>
-            <a:r>
-              <a:rPr lang="en-US" dirty="0" smtClean="0"/>
-              <a:t>, text, path)</a:t>
-            </a:r>
-          </a:p>
-          <a:p>
-            <a:pPr marL="342900" indent="-342900" algn="l">
-              <a:buFont typeface="Arial" panose="020B0604020202020204" pitchFamily="34" charset="0"/>
-              <a:buChar char="•"/>
-            </a:pPr>
-            <a:r>
-              <a:rPr lang="en-US" dirty="0" smtClean="0"/>
-              <a:t>Data Enter/Append</a:t>
-            </a:r>
-          </a:p>
-          <a:p>
-            <a:pPr marL="342900" indent="-342900" algn="l">
-              <a:buFont typeface="Arial" panose="020B0604020202020204" pitchFamily="34" charset="0"/>
-              <a:buChar char="•"/>
-            </a:pPr>
-            <a:r>
-              <a:rPr lang="en-US" dirty="0" smtClean="0"/>
-              <a:t>Data Exit/Remove</a:t>
-            </a:r>
-          </a:p>
-          <a:p>
-            <a:pPr marL="342900" indent="-342900" algn="l">
-              <a:buFont typeface="Arial" panose="020B0604020202020204" pitchFamily="34" charset="0"/>
-              <a:buChar char="•"/>
-            </a:pPr>
-            <a:r>
-              <a:rPr lang="en-US" dirty="0" smtClean="0"/>
-              <a:t>Chaining</a:t>
-            </a:r>
-          </a:p>
-          <a:p>
-            <a:pPr marL="342900" indent="-342900" algn="l">
-              <a:buFont typeface="Arial" panose="020B0604020202020204" pitchFamily="34" charset="0"/>
-              <a:buChar char="•"/>
-            </a:pPr>
-            <a:r>
-              <a:rPr lang="en-US" dirty="0" err="1" smtClean="0"/>
-              <a:t>Attributes+Transitions</a:t>
-            </a:r>
-            <a:endParaRPr lang="en-US" dirty="0" smtClean="0"/>
-          </a:p>
-          <a:p>
-            <a:pPr marL="342900" indent="-342900" algn="l">
-              <a:buFont typeface="Arial" panose="020B0604020202020204" pitchFamily="34" charset="0"/>
-              <a:buChar char="•"/>
-            </a:pPr>
-            <a:r>
-              <a:rPr lang="en-US" dirty="0" smtClean="0"/>
-              <a:t>Arrays: Min/Max/Range, Keys, Merge, Nest</a:t>
-            </a:r>
-          </a:p>
-          <a:p>
-            <a:pPr marL="342900" indent="-342900" algn="l">
-              <a:buFont typeface="Arial" panose="020B0604020202020204" pitchFamily="34" charset="0"/>
-              <a:buChar char="•"/>
-            </a:pPr>
-            <a:r>
-              <a:rPr lang="en-US" dirty="0" smtClean="0"/>
-              <a:t>Scales</a:t>
-            </a:r>
-          </a:p>
-          <a:p>
-            <a:pPr marL="342900" indent="-342900" algn="l">
-              <a:buFont typeface="Arial" panose="020B0604020202020204" pitchFamily="34" charset="0"/>
-              <a:buChar char="•"/>
-            </a:pPr>
-            <a:r>
-              <a:rPr lang="en-US" dirty="0" smtClean="0"/>
-              <a:t>Color</a:t>
-            </a:r>
-          </a:p>
-          <a:p>
-            <a:pPr marL="342900" indent="-342900" algn="l">
-              <a:buFont typeface="Arial" panose="020B0604020202020204" pitchFamily="34" charset="0"/>
-              <a:buChar char="•"/>
-            </a:pPr>
-            <a:r>
-              <a:rPr lang="en-US" dirty="0" smtClean="0"/>
-              <a:t>Axes</a:t>
-            </a:r>
-            <a:endParaRPr lang="en-US" dirty="0"/>
-          </a:p>
-        </p:txBody>
-      </p:sp>
-    </p:spTree>
-    <p:extLst>
-      <p:ext uri="{BB962C8B-B14F-4D97-AF65-F5344CB8AC3E}">
-        <p14:creationId xmlns:p14="http://schemas.microsoft.com/office/powerpoint/2010/main" val="1452815126"/>
-      </p:ext>
-    </p:extLst>
-  </p:cSld>
-  <p:clrMapOvr>
-    <a:masterClrMapping/>
-  </p:clrMapOvr>
-</p:sld>
-</file>
-
-<file path=ppt/slides/slide37.xml><?xml version="1.0" encoding="utf-8"?>
-<p:sld xmlns:a="http://schemas.openxmlformats.org/drawingml/2006/main" xmlns:r="http://schemas.openxmlformats.org/officeDocument/2006/relationships" xmlns:p="http://schemas.openxmlformats.org/presentationml/2006/main">
-  <p:cSld>
-    <p:spTree>
-      <p:nvGrpSpPr>
-        <p:cNvPr id="1" name=""/>
-        <p:cNvGrpSpPr/>
-        <p:nvPr/>
-      </p:nvGrpSpPr>
-      <p:grpSpPr>
-        <a:xfrm>
-          <a:off x="0" y="0"/>
-          <a:ext cx="0" cy="0"/>
-          <a:chOff x="0" y="0"/>
-          <a:chExt cx="0" cy="0"/>
-        </a:xfrm>
-      </p:grpSpPr>
-      <p:sp>
-        <p:nvSpPr>
-          <p:cNvPr id="2" name="Title 1"/>
-          <p:cNvSpPr>
-            <a:spLocks noGrp="1"/>
-          </p:cNvSpPr>
-          <p:nvPr>
-            <p:ph type="ctrTitle"/>
-          </p:nvPr>
-        </p:nvSpPr>
-        <p:spPr/>
-        <p:txBody>
-          <a:bodyPr/>
-          <a:lstStyle/>
-          <a:p>
-            <a:r>
-              <a:rPr lang="en-US" dirty="0" smtClean="0"/>
-              <a:t>Design Basics for Charts</a:t>
-            </a:r>
-            <a:endParaRPr lang="en-US" dirty="0"/>
-          </a:p>
-        </p:txBody>
-      </p:sp>
-      <p:sp>
-        <p:nvSpPr>
-          <p:cNvPr id="3" name="Subtitle 2"/>
-          <p:cNvSpPr>
-            <a:spLocks noGrp="1"/>
-          </p:cNvSpPr>
-          <p:nvPr>
-            <p:ph type="subTitle" idx="1"/>
-          </p:nvPr>
-        </p:nvSpPr>
-        <p:spPr/>
-        <p:txBody>
-          <a:bodyPr/>
-          <a:lstStyle/>
-          <a:p>
-            <a:r>
-              <a:rPr lang="en-US" sz="4000" dirty="0"/>
-              <a:t>http://</a:t>
-            </a:r>
-            <a:r>
-              <a:rPr lang="en-US" sz="4000" dirty="0" smtClean="0"/>
-              <a:t>bit.ly/1RfYZxm</a:t>
-            </a:r>
-          </a:p>
-          <a:p>
-            <a:r>
-              <a:rPr lang="en-US" dirty="0" smtClean="0"/>
-              <a:t>Worth mentioning: There are additional </a:t>
-            </a:r>
-            <a:r>
-              <a:rPr lang="en-US" dirty="0" err="1" smtClean="0"/>
-              <a:t>slidedecks</a:t>
-            </a:r>
-            <a:r>
-              <a:rPr lang="en-US" dirty="0" smtClean="0"/>
-              <a:t> by the above authors on Maps, Pie Charts, and even Data Tables</a:t>
-            </a:r>
-            <a:endParaRPr lang="en-US" dirty="0"/>
-          </a:p>
-        </p:txBody>
-      </p:sp>
-    </p:spTree>
-    <p:extLst>
-      <p:ext uri="{BB962C8B-B14F-4D97-AF65-F5344CB8AC3E}">
-        <p14:creationId xmlns:p14="http://schemas.microsoft.com/office/powerpoint/2010/main" val="4186733631"/>
-      </p:ext>
-    </p:extLst>
-  </p:cSld>
-  <p:clrMapOvr>
-    <a:masterClrMapping/>
-  </p:clrMapOvr>
-</p:sld>
-</file>
-
-<file path=ppt/slides/slide38.xml><?xml version="1.0" encoding="utf-8"?>
-<p:sld xmlns:a="http://schemas.openxmlformats.org/drawingml/2006/main" xmlns:r="http://schemas.openxmlformats.org/officeDocument/2006/relationships" xmlns:p="http://schemas.openxmlformats.org/presentationml/2006/main">
-  <p:cSld>
-    <p:spTree>
-      <p:nvGrpSpPr>
-        <p:cNvPr id="1" name=""/>
-        <p:cNvGrpSpPr/>
-        <p:nvPr/>
-      </p:nvGrpSpPr>
-      <p:grpSpPr>
-        <a:xfrm>
-          <a:off x="0" y="0"/>
-          <a:ext cx="0" cy="0"/>
-          <a:chOff x="0" y="0"/>
-          <a:chExt cx="0" cy="0"/>
-        </a:xfrm>
-      </p:grpSpPr>
-      <p:sp>
-        <p:nvSpPr>
-          <p:cNvPr id="2" name="Title 1"/>
-          <p:cNvSpPr>
-            <a:spLocks noGrp="1"/>
-          </p:cNvSpPr>
-          <p:nvPr>
-            <p:ph type="ctrTitle"/>
-          </p:nvPr>
-        </p:nvSpPr>
-        <p:spPr>
-          <a:xfrm>
-            <a:off x="987829" y="108066"/>
-            <a:ext cx="10216342" cy="1273838"/>
-          </a:xfrm>
-        </p:spPr>
-        <p:txBody>
-          <a:bodyPr/>
-          <a:lstStyle/>
-          <a:p>
-            <a:r>
-              <a:rPr lang="en-US" dirty="0" smtClean="0"/>
-              <a:t>Advanced d3 Abilities</a:t>
-            </a:r>
-            <a:endParaRPr lang="en-US" dirty="0"/>
-          </a:p>
-        </p:txBody>
-      </p:sp>
-      <p:sp>
-        <p:nvSpPr>
-          <p:cNvPr id="3" name="Subtitle 2"/>
-          <p:cNvSpPr>
-            <a:spLocks noGrp="1"/>
-          </p:cNvSpPr>
-          <p:nvPr>
-            <p:ph type="subTitle" idx="1"/>
-          </p:nvPr>
-        </p:nvSpPr>
-        <p:spPr>
-          <a:xfrm>
-            <a:off x="201337" y="1975104"/>
-            <a:ext cx="6317673" cy="4160559"/>
-          </a:xfrm>
-        </p:spPr>
-        <p:txBody>
-          <a:bodyPr>
-            <a:normAutofit/>
-          </a:bodyPr>
-          <a:lstStyle/>
-          <a:p>
-            <a:pPr algn="l"/>
-            <a:r>
-              <a:rPr lang="en-US" b="1" dirty="0"/>
-              <a:t>Curve Interpolations: </a:t>
-            </a:r>
-            <a:r>
-              <a:rPr lang="en-US" dirty="0"/>
-              <a:t>http://</a:t>
-            </a:r>
-            <a:r>
-              <a:rPr lang="en-US" dirty="0" smtClean="0"/>
-              <a:t>bit.ly/2xR9VxX</a:t>
-            </a:r>
-            <a:endParaRPr lang="en-US" dirty="0"/>
-          </a:p>
-          <a:p>
-            <a:pPr algn="l"/>
-            <a:r>
-              <a:rPr lang="en-US" b="1" dirty="0" err="1" smtClean="0"/>
-              <a:t>Voronoi</a:t>
-            </a:r>
-            <a:r>
-              <a:rPr lang="en-US" b="1" dirty="0" smtClean="0"/>
-              <a:t>: </a:t>
-            </a:r>
-            <a:r>
-              <a:rPr lang="en-US" dirty="0"/>
-              <a:t>http://</a:t>
-            </a:r>
-            <a:r>
-              <a:rPr lang="en-US" dirty="0" smtClean="0"/>
-              <a:t>bit.ly/2gK35mi </a:t>
-            </a:r>
-          </a:p>
-          <a:p>
-            <a:pPr algn="l"/>
-            <a:r>
-              <a:rPr lang="en-US" dirty="0"/>
-              <a:t>	https://</a:t>
-            </a:r>
-            <a:r>
-              <a:rPr lang="en-US" dirty="0" smtClean="0"/>
-              <a:t>bl.ocks.org/mbostock/4060366</a:t>
-            </a:r>
-          </a:p>
-          <a:p>
-            <a:pPr algn="l"/>
-            <a:r>
-              <a:rPr lang="en-US" b="1" dirty="0" smtClean="0"/>
-              <a:t>Zooming: </a:t>
-            </a:r>
-            <a:r>
-              <a:rPr lang="en-US" dirty="0"/>
-              <a:t>http://</a:t>
-            </a:r>
-            <a:r>
-              <a:rPr lang="en-US" dirty="0" smtClean="0"/>
-              <a:t>bit.ly/2f6WYsg</a:t>
-            </a:r>
-          </a:p>
-          <a:p>
-            <a:pPr algn="l"/>
-            <a:r>
-              <a:rPr lang="en-US" b="1" dirty="0" smtClean="0"/>
-              <a:t>Brushing/Zooming: </a:t>
-            </a:r>
-            <a:r>
-              <a:rPr lang="en-US" dirty="0"/>
-              <a:t>http://bit.ly/2lTjfef</a:t>
-            </a:r>
-            <a:endParaRPr lang="en-US" dirty="0" smtClean="0"/>
-          </a:p>
-          <a:p>
-            <a:pPr algn="l"/>
-            <a:r>
-              <a:rPr lang="en-US" b="1" dirty="0" smtClean="0"/>
-              <a:t>Stacking:</a:t>
-            </a:r>
-            <a:r>
-              <a:rPr lang="en-US" dirty="0"/>
-              <a:t> http://</a:t>
-            </a:r>
-            <a:r>
-              <a:rPr lang="en-US" dirty="0" smtClean="0"/>
-              <a:t>bl.ocks.org/mbostock/582915</a:t>
-            </a:r>
-          </a:p>
-          <a:p>
-            <a:pPr algn="l"/>
-            <a:r>
-              <a:rPr lang="en-US" b="1" dirty="0" smtClean="0"/>
-              <a:t>Collision Constraint: </a:t>
-            </a:r>
-            <a:r>
-              <a:rPr lang="en-US" dirty="0"/>
-              <a:t>http://</a:t>
-            </a:r>
-            <a:r>
-              <a:rPr lang="en-US" dirty="0" smtClean="0"/>
-              <a:t>bit.ly/2vOPk05</a:t>
-            </a:r>
-          </a:p>
-          <a:p>
-            <a:pPr algn="l"/>
-            <a:r>
-              <a:rPr lang="en-US" b="1" dirty="0" smtClean="0"/>
-              <a:t>Dragging: </a:t>
-            </a:r>
-            <a:r>
-              <a:rPr lang="en-US" dirty="0"/>
-              <a:t>http://</a:t>
-            </a:r>
-            <a:r>
-              <a:rPr lang="en-US" dirty="0" smtClean="0"/>
-              <a:t>bit.ly/2j6x5gH</a:t>
-            </a:r>
-          </a:p>
-          <a:p>
-            <a:pPr algn="l"/>
-            <a:r>
-              <a:rPr lang="en-US" b="1" dirty="0" smtClean="0"/>
-              <a:t>“Each”: </a:t>
-            </a:r>
-            <a:r>
-              <a:rPr lang="en-US" dirty="0"/>
-              <a:t>https://</a:t>
-            </a:r>
-            <a:r>
-              <a:rPr lang="en-US" dirty="0" smtClean="0"/>
-              <a:t>bl.ocks.org/mbostock/9490313</a:t>
-            </a:r>
-          </a:p>
-          <a:p>
-            <a:pPr algn="l"/>
-            <a:endParaRPr lang="en-US" dirty="0"/>
-          </a:p>
-        </p:txBody>
-      </p:sp>
-      <p:sp>
-        <p:nvSpPr>
-          <p:cNvPr id="4" name="Rectangle 3"/>
-          <p:cNvSpPr/>
-          <p:nvPr/>
-        </p:nvSpPr>
-        <p:spPr>
-          <a:xfrm>
-            <a:off x="6519010" y="3085888"/>
-            <a:ext cx="6096000" cy="1938992"/>
-          </a:xfrm>
-          <a:prstGeom prst="rect">
-            <a:avLst/>
-          </a:prstGeom>
-        </p:spPr>
-        <p:txBody>
-          <a:bodyPr>
-            <a:spAutoFit/>
-          </a:bodyPr>
-          <a:lstStyle/>
-          <a:p>
-            <a:r>
-              <a:rPr lang="en-US" sz="2400" b="1" dirty="0"/>
-              <a:t>Dispatching</a:t>
-            </a:r>
-            <a:r>
-              <a:rPr lang="en-US" sz="2400" dirty="0"/>
-              <a:t> (super advanced): https://</a:t>
-            </a:r>
-            <a:r>
-              <a:rPr lang="en-US" sz="2400" dirty="0" smtClean="0"/>
-              <a:t>bl.ocks.org/mbostock/5872848</a:t>
-            </a:r>
-          </a:p>
-          <a:p>
-            <a:endParaRPr lang="en-US" sz="2400" dirty="0"/>
-          </a:p>
-          <a:p>
-            <a:r>
-              <a:rPr lang="en-US" sz="2400" b="1" dirty="0"/>
-              <a:t>Modules/Plugins</a:t>
-            </a:r>
-            <a:r>
-              <a:rPr lang="en-US" sz="2400" dirty="0"/>
-              <a:t> (</a:t>
-            </a:r>
-            <a:r>
-              <a:rPr lang="en-US" sz="2400" i="1" dirty="0"/>
-              <a:t>most</a:t>
-            </a:r>
-            <a:r>
-              <a:rPr lang="en-US" sz="2400" dirty="0"/>
-              <a:t> advanced):</a:t>
-            </a:r>
-          </a:p>
-          <a:p>
-            <a:r>
-              <a:rPr lang="en-US" sz="2400" dirty="0"/>
-              <a:t>https://bost.ocks.org/mike/d3-plugin/</a:t>
-            </a:r>
-          </a:p>
-        </p:txBody>
-      </p:sp>
-    </p:spTree>
-    <p:extLst>
-      <p:ext uri="{BB962C8B-B14F-4D97-AF65-F5344CB8AC3E}">
-        <p14:creationId xmlns:p14="http://schemas.microsoft.com/office/powerpoint/2010/main" val="3499195240"/>
-      </p:ext>
-    </p:extLst>
-  </p:cSld>
-  <p:clrMapOvr>
-    <a:masterClrMapping/>
-  </p:clrMapOvr>
-</p:sld>
-</file>
-
-<file path=ppt/slides/slide39.xml><?xml version="1.0" encoding="utf-8"?>
-<p:sld xmlns:a="http://schemas.openxmlformats.org/drawingml/2006/main" xmlns:r="http://schemas.openxmlformats.org/officeDocument/2006/relationships" xmlns:p="http://schemas.openxmlformats.org/presentationml/2006/main">
-  <p:cSld>
-    <p:spTree>
-      <p:nvGrpSpPr>
-        <p:cNvPr id="1" name=""/>
-        <p:cNvGrpSpPr/>
-        <p:nvPr/>
-      </p:nvGrpSpPr>
-      <p:grpSpPr>
-        <a:xfrm>
-          <a:off x="0" y="0"/>
-          <a:ext cx="0" cy="0"/>
-          <a:chOff x="0" y="0"/>
-          <a:chExt cx="0" cy="0"/>
-        </a:xfrm>
-      </p:grpSpPr>
-      <p:sp>
-        <p:nvSpPr>
-          <p:cNvPr id="2" name="Title 1"/>
-          <p:cNvSpPr>
-            <a:spLocks noGrp="1"/>
-          </p:cNvSpPr>
-          <p:nvPr>
-            <p:ph type="ctrTitle"/>
-          </p:nvPr>
-        </p:nvSpPr>
-        <p:spPr/>
-        <p:txBody>
-          <a:bodyPr/>
-          <a:lstStyle/>
-          <a:p>
-            <a:r>
-              <a:rPr lang="en-US" dirty="0" smtClean="0"/>
-              <a:t>SVG Documentation</a:t>
-            </a:r>
-            <a:endParaRPr lang="en-US" dirty="0"/>
-          </a:p>
-        </p:txBody>
-      </p:sp>
-      <p:sp>
-        <p:nvSpPr>
-          <p:cNvPr id="3" name="Subtitle 2"/>
-          <p:cNvSpPr>
-            <a:spLocks noGrp="1"/>
-          </p:cNvSpPr>
-          <p:nvPr>
-            <p:ph type="subTitle" idx="1"/>
-          </p:nvPr>
-        </p:nvSpPr>
-        <p:spPr/>
-        <p:txBody>
-          <a:bodyPr/>
-          <a:lstStyle/>
-          <a:p>
-            <a:r>
-              <a:rPr lang="en-US" sz="4000" dirty="0"/>
-              <a:t>https://</a:t>
-            </a:r>
-            <a:r>
-              <a:rPr lang="en-US" sz="4000" dirty="0" smtClean="0"/>
-              <a:t>mzl.la/1nP24aN</a:t>
-            </a:r>
-          </a:p>
-          <a:p>
-            <a:r>
-              <a:rPr lang="en-US" dirty="0" smtClean="0"/>
-              <a:t>Check it: this is good to be familiar with, as is all of MDN</a:t>
-            </a:r>
-            <a:endParaRPr lang="en-US" dirty="0"/>
-          </a:p>
-        </p:txBody>
-      </p:sp>
-    </p:spTree>
-    <p:extLst>
-      <p:ext uri="{BB962C8B-B14F-4D97-AF65-F5344CB8AC3E}">
-        <p14:creationId xmlns:p14="http://schemas.microsoft.com/office/powerpoint/2010/main" val="3991108098"/>
-      </p:ext>
-    </p:extLst>
-  </p:cSld>
-  <p:clrMapOvr>
-    <a:masterClrMapping/>
-  </p:clrMapOvr>
-</p:sld>
-</file>
-
-<file path=ppt/slides/slide4.xml><?xml version="1.0" encoding="utf-8"?>
-<p:sld xmlns:a="http://schemas.openxmlformats.org/drawingml/2006/main" xmlns:r="http://schemas.openxmlformats.org/officeDocument/2006/relationships" xmlns:p="http://schemas.openxmlformats.org/presentationml/2006/main">
-  <p:cSld>
-    <p:spTree>
-      <p:nvGrpSpPr>
-        <p:cNvPr id="1" name=""/>
-        <p:cNvGrpSpPr/>
-        <p:nvPr/>
-      </p:nvGrpSpPr>
-      <p:grpSpPr>
-        <a:xfrm>
-          <a:off x="0" y="0"/>
-          <a:ext cx="0" cy="0"/>
-          <a:chOff x="0" y="0"/>
-          <a:chExt cx="0" cy="0"/>
-        </a:xfrm>
-      </p:grpSpPr>
-      <p:sp>
-        <p:nvSpPr>
-          <p:cNvPr id="2" name="Title 1"/>
-          <p:cNvSpPr>
-            <a:spLocks noGrp="1"/>
-          </p:cNvSpPr>
-          <p:nvPr>
-            <p:ph type="title"/>
-          </p:nvPr>
-        </p:nvSpPr>
-        <p:spPr/>
-        <p:txBody>
-          <a:bodyPr/>
-          <a:lstStyle/>
-          <a:p>
-            <a:r>
-              <a:rPr lang="en-US" dirty="0" smtClean="0"/>
-              <a:t>Task #3:</a:t>
-            </a:r>
-            <a:endParaRPr lang="en-US" dirty="0"/>
-          </a:p>
-        </p:txBody>
-      </p:sp>
-      <p:sp>
-        <p:nvSpPr>
-          <p:cNvPr id="3" name="Content Placeholder 2"/>
-          <p:cNvSpPr>
-            <a:spLocks noGrp="1"/>
-          </p:cNvSpPr>
-          <p:nvPr>
-            <p:ph idx="1"/>
-          </p:nvPr>
-        </p:nvSpPr>
-        <p:spPr/>
-        <p:txBody>
-          <a:bodyPr/>
-          <a:lstStyle/>
-          <a:p>
-            <a:r>
-              <a:rPr lang="en-US" dirty="0" smtClean="0"/>
-              <a:t>Open ‘controller.js’ in your text editor, let’s walk through this</a:t>
-            </a:r>
-          </a:p>
-        </p:txBody>
-      </p:sp>
-    </p:spTree>
-    <p:extLst>
-      <p:ext uri="{BB962C8B-B14F-4D97-AF65-F5344CB8AC3E}">
-        <p14:creationId xmlns:p14="http://schemas.microsoft.com/office/powerpoint/2010/main" val="772925614"/>
-      </p:ext>
-    </p:extLst>
-  </p:cSld>
-  <p:clrMapOvr>
-    <a:masterClrMapping/>
-  </p:clrMapOvr>
-</p:sld>
-</file>
-
-<file path=ppt/slides/slide40.xml><?xml version="1.0" encoding="utf-8"?>
-<p:sld xmlns:a="http://schemas.openxmlformats.org/drawingml/2006/main" xmlns:r="http://schemas.openxmlformats.org/officeDocument/2006/relationships" xmlns:p="http://schemas.openxmlformats.org/presentationml/2006/main">
-  <p:cSld>
-    <p:spTree>
-      <p:nvGrpSpPr>
-        <p:cNvPr id="1" name=""/>
-        <p:cNvGrpSpPr/>
-        <p:nvPr/>
-      </p:nvGrpSpPr>
-      <p:grpSpPr>
-        <a:xfrm>
-          <a:off x="0" y="0"/>
-          <a:ext cx="0" cy="0"/>
-          <a:chOff x="0" y="0"/>
-          <a:chExt cx="0" cy="0"/>
-        </a:xfrm>
-      </p:grpSpPr>
-      <p:sp>
-        <p:nvSpPr>
-          <p:cNvPr id="2" name="Title 1"/>
-          <p:cNvSpPr>
-            <a:spLocks noGrp="1"/>
-          </p:cNvSpPr>
-          <p:nvPr>
-            <p:ph type="ctrTitle"/>
-          </p:nvPr>
-        </p:nvSpPr>
-        <p:spPr/>
-        <p:txBody>
-          <a:bodyPr/>
-          <a:lstStyle/>
-          <a:p>
-            <a:r>
-              <a:rPr lang="en-US" dirty="0" smtClean="0"/>
-              <a:t>SVG Level 2</a:t>
-            </a:r>
-            <a:endParaRPr lang="en-US" dirty="0"/>
-          </a:p>
-        </p:txBody>
-      </p:sp>
-      <p:sp>
-        <p:nvSpPr>
-          <p:cNvPr id="3" name="Subtitle 2"/>
-          <p:cNvSpPr>
-            <a:spLocks noGrp="1"/>
-          </p:cNvSpPr>
-          <p:nvPr>
-            <p:ph type="subTitle" idx="1"/>
-          </p:nvPr>
-        </p:nvSpPr>
-        <p:spPr/>
-        <p:txBody>
-          <a:bodyPr/>
-          <a:lstStyle/>
-          <a:p>
-            <a:r>
-              <a:rPr lang="en-US" sz="4000" dirty="0"/>
-              <a:t>http://</a:t>
-            </a:r>
-            <a:r>
-              <a:rPr lang="en-US" sz="4000" dirty="0" smtClean="0"/>
-              <a:t>bit.ly/2xdgJsI</a:t>
-            </a:r>
-          </a:p>
-          <a:p>
-            <a:r>
-              <a:rPr lang="en-US" dirty="0" smtClean="0"/>
-              <a:t>Plug: </a:t>
-            </a:r>
-            <a:r>
-              <a:rPr lang="en-US" dirty="0" err="1" smtClean="0"/>
-              <a:t>VisualCinnamon</a:t>
-            </a:r>
-            <a:r>
-              <a:rPr lang="en-US" dirty="0" smtClean="0"/>
-              <a:t> is extraordinary. Their work on SVG in particular is the best I have found to date.</a:t>
-            </a:r>
-            <a:endParaRPr lang="en-US" dirty="0"/>
-          </a:p>
-        </p:txBody>
-      </p:sp>
-    </p:spTree>
-    <p:extLst>
-      <p:ext uri="{BB962C8B-B14F-4D97-AF65-F5344CB8AC3E}">
-        <p14:creationId xmlns:p14="http://schemas.microsoft.com/office/powerpoint/2010/main" val="3830241924"/>
-      </p:ext>
-    </p:extLst>
-  </p:cSld>
-  <p:clrMapOvr>
-    <a:masterClrMapping/>
-  </p:clrMapOvr>
-</p:sld>
-</file>
-
-<file path=ppt/slides/slide41.xml><?xml version="1.0" encoding="utf-8"?>
-<p:sld xmlns:a="http://schemas.openxmlformats.org/drawingml/2006/main" xmlns:r="http://schemas.openxmlformats.org/officeDocument/2006/relationships" xmlns:p="http://schemas.openxmlformats.org/presentationml/2006/main">
-  <p:cSld>
-    <p:spTree>
-      <p:nvGrpSpPr>
-        <p:cNvPr id="1" name=""/>
-        <p:cNvGrpSpPr/>
-        <p:nvPr/>
-      </p:nvGrpSpPr>
-      <p:grpSpPr>
-        <a:xfrm>
-          <a:off x="0" y="0"/>
-          <a:ext cx="0" cy="0"/>
-          <a:chOff x="0" y="0"/>
-          <a:chExt cx="0" cy="0"/>
-        </a:xfrm>
-      </p:grpSpPr>
-      <p:sp>
-        <p:nvSpPr>
-          <p:cNvPr id="2" name="Title 1"/>
-          <p:cNvSpPr>
-            <a:spLocks noGrp="1"/>
-          </p:cNvSpPr>
-          <p:nvPr>
-            <p:ph type="ctrTitle"/>
-          </p:nvPr>
-        </p:nvSpPr>
-        <p:spPr/>
-        <p:txBody>
-          <a:bodyPr/>
-          <a:lstStyle/>
-          <a:p>
-            <a:r>
-              <a:rPr lang="en-US" dirty="0" smtClean="0"/>
-              <a:t>Maps in D3</a:t>
-            </a:r>
-            <a:endParaRPr lang="en-US" dirty="0"/>
-          </a:p>
-        </p:txBody>
-      </p:sp>
-      <p:sp>
-        <p:nvSpPr>
-          <p:cNvPr id="3" name="Subtitle 2"/>
-          <p:cNvSpPr>
-            <a:spLocks noGrp="1"/>
-          </p:cNvSpPr>
-          <p:nvPr>
-            <p:ph type="subTitle" idx="1"/>
-          </p:nvPr>
-        </p:nvSpPr>
-        <p:spPr>
-          <a:xfrm>
-            <a:off x="1524000" y="3602037"/>
-            <a:ext cx="9144000" cy="2083868"/>
-          </a:xfrm>
-        </p:spPr>
-        <p:txBody>
-          <a:bodyPr>
-            <a:normAutofit lnSpcReduction="10000"/>
-          </a:bodyPr>
-          <a:lstStyle/>
-          <a:p>
-            <a:r>
-              <a:rPr lang="en-US" sz="4000" dirty="0"/>
-              <a:t>http://bit.ly/2f7o4Q5</a:t>
-            </a:r>
-            <a:endParaRPr lang="en-US" sz="6000" dirty="0" smtClean="0"/>
-          </a:p>
-          <a:p>
-            <a:r>
-              <a:rPr lang="en-US" sz="4000" dirty="0" smtClean="0"/>
-              <a:t>http</a:t>
-            </a:r>
-            <a:r>
-              <a:rPr lang="en-US" sz="4000" dirty="0"/>
-              <a:t>://</a:t>
-            </a:r>
-            <a:r>
-              <a:rPr lang="en-US" sz="4000" dirty="0" smtClean="0"/>
-              <a:t>oreil.ly/1UnNtFe</a:t>
-            </a:r>
-          </a:p>
-          <a:p>
-            <a:r>
-              <a:rPr lang="en-US" dirty="0" smtClean="0"/>
-              <a:t>Warning: This is advanced level!</a:t>
-            </a:r>
-          </a:p>
-          <a:p>
-            <a:r>
-              <a:rPr lang="en-US" sz="2000" dirty="0" smtClean="0"/>
-              <a:t>Also: The d3 library contains geo maps of many kinds already.</a:t>
-            </a:r>
-            <a:endParaRPr lang="en-US" sz="2000" dirty="0"/>
-          </a:p>
-        </p:txBody>
-      </p:sp>
-    </p:spTree>
-    <p:extLst>
-      <p:ext uri="{BB962C8B-B14F-4D97-AF65-F5344CB8AC3E}">
-        <p14:creationId xmlns:p14="http://schemas.microsoft.com/office/powerpoint/2010/main" val="1384479126"/>
-      </p:ext>
-    </p:extLst>
-  </p:cSld>
-  <p:clrMapOvr>
-    <a:masterClrMapping/>
-  </p:clrMapOvr>
-</p:sld>
-</file>
-
-<file path=ppt/slides/slide42.xml><?xml version="1.0" encoding="utf-8"?>
-<p:sld xmlns:a="http://schemas.openxmlformats.org/drawingml/2006/main" xmlns:r="http://schemas.openxmlformats.org/officeDocument/2006/relationships" xmlns:p="http://schemas.openxmlformats.org/presentationml/2006/main">
-  <p:cSld>
-    <p:spTree>
-      <p:nvGrpSpPr>
-        <p:cNvPr id="1" name=""/>
-        <p:cNvGrpSpPr/>
-        <p:nvPr/>
-      </p:nvGrpSpPr>
-      <p:grpSpPr>
-        <a:xfrm>
-          <a:off x="0" y="0"/>
-          <a:ext cx="0" cy="0"/>
-          <a:chOff x="0" y="0"/>
-          <a:chExt cx="0" cy="0"/>
-        </a:xfrm>
-      </p:grpSpPr>
-      <p:sp>
-        <p:nvSpPr>
-          <p:cNvPr id="2" name="Title 1"/>
-          <p:cNvSpPr>
-            <a:spLocks noGrp="1"/>
-          </p:cNvSpPr>
-          <p:nvPr>
-            <p:ph type="ctrTitle"/>
-          </p:nvPr>
-        </p:nvSpPr>
-        <p:spPr/>
-        <p:txBody>
-          <a:bodyPr/>
-          <a:lstStyle/>
-          <a:p>
-            <a:r>
-              <a:rPr lang="en-US" dirty="0" smtClean="0"/>
-              <a:t>D3’s Extensive Library:</a:t>
-            </a:r>
-            <a:endParaRPr lang="en-US" dirty="0"/>
-          </a:p>
-        </p:txBody>
-      </p:sp>
-      <p:sp>
-        <p:nvSpPr>
-          <p:cNvPr id="3" name="Subtitle 2"/>
-          <p:cNvSpPr>
-            <a:spLocks noGrp="1"/>
-          </p:cNvSpPr>
-          <p:nvPr>
-            <p:ph type="subTitle" idx="1"/>
-          </p:nvPr>
-        </p:nvSpPr>
-        <p:spPr>
-          <a:xfrm>
-            <a:off x="713509" y="3509963"/>
-            <a:ext cx="10764982" cy="3056457"/>
-          </a:xfrm>
-        </p:spPr>
-        <p:txBody>
-          <a:bodyPr>
-            <a:normAutofit/>
-          </a:bodyPr>
-          <a:lstStyle/>
-          <a:p>
-            <a:pPr algn="l"/>
-            <a:r>
-              <a:rPr lang="en-US" sz="4000" dirty="0"/>
-              <a:t>https://github.com/d3/d3/blob/master/API.md</a:t>
-            </a:r>
-          </a:p>
-          <a:p>
-            <a:pPr algn="l"/>
-            <a:endParaRPr lang="en-US" dirty="0" smtClean="0"/>
-          </a:p>
-          <a:p>
-            <a:pPr algn="l"/>
-            <a:r>
-              <a:rPr lang="en-US" dirty="0" smtClean="0"/>
-              <a:t>Statistics</a:t>
-            </a:r>
-            <a:r>
-              <a:rPr lang="en-US" dirty="0"/>
-              <a:t>, histograms (4 kinds), ES6’s Map/Set, Nesting, Data Ingestion (CSV, TSV, </a:t>
-            </a:r>
-            <a:r>
-              <a:rPr lang="en-US" dirty="0" err="1"/>
-              <a:t>etc</a:t>
-            </a:r>
-            <a:r>
-              <a:rPr lang="en-US" dirty="0"/>
-              <a:t>), many </a:t>
-            </a:r>
-            <a:r>
-              <a:rPr lang="en-US" dirty="0" smtClean="0"/>
-              <a:t>animation/easing/time </a:t>
-            </a:r>
-            <a:r>
-              <a:rPr lang="en-US" dirty="0"/>
-              <a:t>options, force/physics, geography and projections, spherical maps/math, and that is just the first 25% of it: </a:t>
-            </a:r>
-          </a:p>
-          <a:p>
-            <a:endParaRPr lang="en-US" dirty="0"/>
-          </a:p>
-        </p:txBody>
-      </p:sp>
-    </p:spTree>
-    <p:extLst>
-      <p:ext uri="{BB962C8B-B14F-4D97-AF65-F5344CB8AC3E}">
-        <p14:creationId xmlns:p14="http://schemas.microsoft.com/office/powerpoint/2010/main" val="1065099257"/>
-      </p:ext>
-    </p:extLst>
-  </p:cSld>
-  <p:clrMapOvr>
-    <a:masterClrMapping/>
-  </p:clrMapOvr>
-</p:sld>
-</file>
-
-<file path=ppt/slides/slide43.xml><?xml version="1.0" encoding="utf-8"?>
-<p:sld xmlns:a="http://schemas.openxmlformats.org/drawingml/2006/main" xmlns:r="http://schemas.openxmlformats.org/officeDocument/2006/relationships" xmlns:p="http://schemas.openxmlformats.org/presentationml/2006/main">
-  <p:cSld>
-    <p:spTree>
-      <p:nvGrpSpPr>
-        <p:cNvPr id="1" name=""/>
-        <p:cNvGrpSpPr/>
-        <p:nvPr/>
-      </p:nvGrpSpPr>
-      <p:grpSpPr>
-        <a:xfrm>
-          <a:off x="0" y="0"/>
-          <a:ext cx="0" cy="0"/>
-          <a:chOff x="0" y="0"/>
-          <a:chExt cx="0" cy="0"/>
-        </a:xfrm>
-      </p:grpSpPr>
-      <p:sp>
-        <p:nvSpPr>
-          <p:cNvPr id="2" name="Title 1"/>
-          <p:cNvSpPr>
-            <a:spLocks noGrp="1"/>
-          </p:cNvSpPr>
-          <p:nvPr>
-            <p:ph type="ctrTitle"/>
-          </p:nvPr>
-        </p:nvSpPr>
-        <p:spPr/>
-        <p:txBody>
-          <a:bodyPr/>
-          <a:lstStyle/>
-          <a:p>
-            <a:r>
-              <a:rPr lang="en-US" dirty="0" smtClean="0"/>
-              <a:t>Canvas and D3</a:t>
-            </a:r>
-            <a:endParaRPr lang="en-US" dirty="0"/>
-          </a:p>
-        </p:txBody>
-      </p:sp>
-      <p:sp>
-        <p:nvSpPr>
-          <p:cNvPr id="3" name="Subtitle 2"/>
-          <p:cNvSpPr>
-            <a:spLocks noGrp="1"/>
-          </p:cNvSpPr>
-          <p:nvPr>
-            <p:ph type="subTitle" idx="1"/>
-          </p:nvPr>
-        </p:nvSpPr>
-        <p:spPr>
-          <a:xfrm>
-            <a:off x="1524000" y="3602038"/>
-            <a:ext cx="9144000" cy="1975802"/>
-          </a:xfrm>
-        </p:spPr>
-        <p:txBody>
-          <a:bodyPr>
-            <a:normAutofit/>
-          </a:bodyPr>
-          <a:lstStyle/>
-          <a:p>
-            <a:r>
-              <a:rPr lang="en-US" sz="4000" dirty="0"/>
-              <a:t>http://</a:t>
-            </a:r>
-            <a:r>
-              <a:rPr lang="en-US" sz="4000" dirty="0" smtClean="0"/>
-              <a:t>bit.ly/2xRh9Ci</a:t>
-            </a:r>
-          </a:p>
-          <a:p>
-            <a:r>
-              <a:rPr lang="en-US" dirty="0" smtClean="0"/>
-              <a:t>Important: Canvas is a native web technology, similar to SVG. You can google the comparisons, but it is a good option if you need serious performance over visual quality.</a:t>
-            </a:r>
-            <a:endParaRPr lang="en-US" dirty="0"/>
-          </a:p>
-        </p:txBody>
-      </p:sp>
-    </p:spTree>
-    <p:extLst>
-      <p:ext uri="{BB962C8B-B14F-4D97-AF65-F5344CB8AC3E}">
-        <p14:creationId xmlns:p14="http://schemas.microsoft.com/office/powerpoint/2010/main" val="963137399"/>
-      </p:ext>
-    </p:extLst>
-  </p:cSld>
-  <p:clrMapOvr>
-    <a:masterClrMapping/>
-  </p:clrMapOvr>
-</p:sld>
-</file>
-
-<file path=ppt/slides/slide44.xml><?xml version="1.0" encoding="utf-8"?>
-<p:sld xmlns:a="http://schemas.openxmlformats.org/drawingml/2006/main" xmlns:r="http://schemas.openxmlformats.org/officeDocument/2006/relationships" xmlns:p="http://schemas.openxmlformats.org/presentationml/2006/main">
-  <p:cSld>
-    <p:spTree>
-      <p:nvGrpSpPr>
-        <p:cNvPr id="1" name=""/>
-        <p:cNvGrpSpPr/>
-        <p:nvPr/>
-      </p:nvGrpSpPr>
-      <p:grpSpPr>
-        <a:xfrm>
-          <a:off x="0" y="0"/>
-          <a:ext cx="0" cy="0"/>
-          <a:chOff x="0" y="0"/>
-          <a:chExt cx="0" cy="0"/>
-        </a:xfrm>
-      </p:grpSpPr>
-      <p:sp>
-        <p:nvSpPr>
-          <p:cNvPr id="2" name="Title 1"/>
-          <p:cNvSpPr>
-            <a:spLocks noGrp="1"/>
-          </p:cNvSpPr>
-          <p:nvPr>
-            <p:ph type="title"/>
-          </p:nvPr>
-        </p:nvSpPr>
-        <p:spPr>
-          <a:xfrm>
-            <a:off x="838200" y="1695162"/>
-            <a:ext cx="10515600" cy="1325563"/>
-          </a:xfrm>
-        </p:spPr>
-        <p:txBody>
-          <a:bodyPr>
-            <a:noAutofit/>
-          </a:bodyPr>
-          <a:lstStyle/>
-          <a:p>
-            <a:pPr algn="ctr"/>
-            <a:r>
-              <a:rPr lang="en-US" sz="6000" dirty="0" smtClean="0"/>
-              <a:t>Data Processing in JS</a:t>
-            </a:r>
-            <a:endParaRPr lang="en-US" sz="6000" dirty="0"/>
-          </a:p>
-        </p:txBody>
-      </p:sp>
-      <p:sp>
-        <p:nvSpPr>
-          <p:cNvPr id="3" name="Content Placeholder 2"/>
-          <p:cNvSpPr>
-            <a:spLocks noGrp="1"/>
-          </p:cNvSpPr>
-          <p:nvPr>
-            <p:ph idx="1"/>
-          </p:nvPr>
-        </p:nvSpPr>
-        <p:spPr>
-          <a:xfrm>
-            <a:off x="838200" y="3155662"/>
-            <a:ext cx="10515600" cy="1424651"/>
-          </a:xfrm>
-        </p:spPr>
-        <p:txBody>
-          <a:bodyPr>
-            <a:normAutofit/>
-          </a:bodyPr>
-          <a:lstStyle/>
-          <a:p>
-            <a:pPr marL="0" indent="0" algn="ctr">
-              <a:buNone/>
-            </a:pPr>
-            <a:r>
-              <a:rPr lang="en-US" sz="4000" dirty="0"/>
-              <a:t>http://</a:t>
-            </a:r>
-            <a:r>
-              <a:rPr lang="en-US" sz="4000" dirty="0" smtClean="0"/>
-              <a:t>learnjsdata.com/index.html</a:t>
-            </a:r>
-          </a:p>
-          <a:p>
-            <a:pPr marL="0" indent="0" algn="ctr">
-              <a:buNone/>
-            </a:pPr>
-            <a:r>
-              <a:rPr lang="en-US" sz="2400" dirty="0" smtClean="0"/>
-              <a:t>Note: optional resource. This is very nice to have handy.</a:t>
-            </a:r>
-            <a:endParaRPr lang="en-US" sz="2400" dirty="0"/>
-          </a:p>
-        </p:txBody>
-      </p:sp>
-    </p:spTree>
-    <p:extLst>
-      <p:ext uri="{BB962C8B-B14F-4D97-AF65-F5344CB8AC3E}">
-        <p14:creationId xmlns:p14="http://schemas.microsoft.com/office/powerpoint/2010/main" val="3904340049"/>
       </p:ext>
     </p:extLst>
   </p:cSld>
@@ -11020,63 +11763,1351 @@
       </p:grpSpPr>
       <p:sp>
         <p:nvSpPr>
-          <p:cNvPr id="2" name="Title 1"/>
-          <p:cNvSpPr>
-            <a:spLocks noGrp="1"/>
-          </p:cNvSpPr>
-          <p:nvPr>
-            <p:ph type="title"/>
-          </p:nvPr>
-        </p:nvSpPr>
-        <p:spPr/>
-        <p:txBody>
-          <a:bodyPr/>
-          <a:lstStyle/>
-          <a:p>
-            <a:r>
-              <a:rPr lang="en-US" dirty="0" smtClean="0"/>
-              <a:t>Task #4:</a:t>
-            </a:r>
-            <a:endParaRPr lang="en-US" dirty="0"/>
-          </a:p>
-        </p:txBody>
-      </p:sp>
-      <p:sp>
-        <p:nvSpPr>
-          <p:cNvPr id="3" name="Content Placeholder 2"/>
-          <p:cNvSpPr>
-            <a:spLocks noGrp="1"/>
-          </p:cNvSpPr>
-          <p:nvPr>
-            <p:ph idx="1"/>
-          </p:nvPr>
-        </p:nvSpPr>
-        <p:spPr/>
-        <p:txBody>
-          <a:bodyPr/>
-          <a:lstStyle/>
-          <a:p>
-            <a:r>
-              <a:rPr lang="en-US" dirty="0" smtClean="0"/>
-              <a:t>Open ‘barchart.html’ in </a:t>
-            </a:r>
-            <a:r>
-              <a:rPr lang="en-US" b="1" dirty="0" smtClean="0"/>
-              <a:t>CHROME</a:t>
-            </a:r>
-          </a:p>
-          <a:p>
-            <a:r>
-              <a:rPr lang="en-US" dirty="0" smtClean="0"/>
-              <a:t>Open the inspector to read the error message</a:t>
-            </a:r>
-          </a:p>
-        </p:txBody>
-      </p:sp>
+          <p:cNvPr id="5" name="Rectangle 4"/>
+          <p:cNvSpPr/>
+          <p:nvPr/>
+        </p:nvSpPr>
+        <p:spPr>
+          <a:xfrm>
+            <a:off x="3515557" y="2201662"/>
+            <a:ext cx="5166804" cy="2450237"/>
+          </a:xfrm>
+          <a:prstGeom prst="rect">
+            <a:avLst/>
+          </a:prstGeom>
+          <a:solidFill>
+            <a:schemeClr val="tx1"/>
+          </a:solidFill>
+          <a:ln>
+            <a:noFill/>
+          </a:ln>
+        </p:spPr>
+        <p:style>
+          <a:lnRef idx="2">
+            <a:schemeClr val="accent1">
+              <a:shade val="50000"/>
+            </a:schemeClr>
+          </a:lnRef>
+          <a:fillRef idx="1">
+            <a:schemeClr val="accent1"/>
+          </a:fillRef>
+          <a:effectRef idx="0">
+            <a:schemeClr val="accent1"/>
+          </a:effectRef>
+          <a:fontRef idx="minor">
+            <a:schemeClr val="lt1"/>
+          </a:fontRef>
+        </p:style>
+        <p:txBody>
+          <a:bodyPr rtlCol="0" anchor="ctr"/>
+          <a:lstStyle/>
+          <a:p>
+            <a:pPr algn="ctr"/>
+            <a:endParaRPr lang="en-US"/>
+          </a:p>
+        </p:txBody>
+      </p:sp>
+      <p:pic>
+        <p:nvPicPr>
+          <p:cNvPr id="4" name="Picture 3"/>
+          <p:cNvPicPr>
+            <a:picLocks noChangeAspect="1"/>
+          </p:cNvPicPr>
+          <p:nvPr/>
+        </p:nvPicPr>
+        <p:blipFill>
+          <a:blip r:embed="rId2"/>
+          <a:stretch>
+            <a:fillRect/>
+          </a:stretch>
+        </p:blipFill>
+        <p:spPr>
+          <a:xfrm>
+            <a:off x="4667250" y="3209925"/>
+            <a:ext cx="2857500" cy="438150"/>
+          </a:xfrm>
+          <a:prstGeom prst="rect">
+            <a:avLst/>
+          </a:prstGeom>
+        </p:spPr>
+      </p:pic>
     </p:spTree>
     <p:extLst>
       <p:ext uri="{BB962C8B-B14F-4D97-AF65-F5344CB8AC3E}">
-        <p14:creationId xmlns:p14="http://schemas.microsoft.com/office/powerpoint/2010/main" val="1104887521"/>
+        <p14:creationId xmlns:p14="http://schemas.microsoft.com/office/powerpoint/2010/main" val="3911527201"/>
+      </p:ext>
+    </p:extLst>
+  </p:cSld>
+  <p:clrMapOvr>
+    <a:masterClrMapping/>
+  </p:clrMapOvr>
+</p:sld>
+</file>
+
+<file path=ppt/slides/slide50.xml><?xml version="1.0" encoding="utf-8"?>
+<p:sld xmlns:a="http://schemas.openxmlformats.org/drawingml/2006/main" xmlns:r="http://schemas.openxmlformats.org/officeDocument/2006/relationships" xmlns:p="http://schemas.openxmlformats.org/presentationml/2006/main">
+  <p:cSld>
+    <p:spTree>
+      <p:nvGrpSpPr>
+        <p:cNvPr id="1" name=""/>
+        <p:cNvGrpSpPr/>
+        <p:nvPr/>
+      </p:nvGrpSpPr>
+      <p:grpSpPr>
+        <a:xfrm>
+          <a:off x="0" y="0"/>
+          <a:ext cx="0" cy="0"/>
+          <a:chOff x="0" y="0"/>
+          <a:chExt cx="0" cy="0"/>
+        </a:xfrm>
+      </p:grpSpPr>
+      <p:sp>
+        <p:nvSpPr>
+          <p:cNvPr id="2" name="Title 1"/>
+          <p:cNvSpPr>
+            <a:spLocks noGrp="1"/>
+          </p:cNvSpPr>
+          <p:nvPr>
+            <p:ph type="title"/>
+          </p:nvPr>
+        </p:nvSpPr>
+        <p:spPr/>
+        <p:txBody>
+          <a:bodyPr/>
+          <a:lstStyle/>
+          <a:p>
+            <a:r>
+              <a:rPr lang="en-US" dirty="0" smtClean="0"/>
+              <a:t>3. Add the axes and some styling</a:t>
+            </a:r>
+            <a:endParaRPr lang="en-US" dirty="0"/>
+          </a:p>
+        </p:txBody>
+      </p:sp>
+      <p:sp>
+        <p:nvSpPr>
+          <p:cNvPr id="3" name="Content Placeholder 2"/>
+          <p:cNvSpPr>
+            <a:spLocks noGrp="1"/>
+          </p:cNvSpPr>
+          <p:nvPr>
+            <p:ph idx="1"/>
+          </p:nvPr>
+        </p:nvSpPr>
+        <p:spPr/>
+        <p:txBody>
+          <a:bodyPr/>
+          <a:lstStyle/>
+          <a:p>
+            <a:r>
+              <a:rPr lang="en-US" dirty="0" smtClean="0"/>
+              <a:t>Append g with an </a:t>
+            </a:r>
+            <a:r>
+              <a:rPr lang="en-US" dirty="0" err="1" smtClean="0"/>
+              <a:t>axisBottom</a:t>
+            </a:r>
+            <a:r>
+              <a:rPr lang="en-US" dirty="0" smtClean="0"/>
+              <a:t> on x, translate for height (to put on bottom – otherwise it is a downward axis on the top)</a:t>
+            </a:r>
+          </a:p>
+          <a:p>
+            <a:endParaRPr lang="en-US" dirty="0" smtClean="0"/>
+          </a:p>
+          <a:p>
+            <a:r>
+              <a:rPr lang="en-US" dirty="0" smtClean="0"/>
+              <a:t>Append g with an axis for y, add 10 ticks with %</a:t>
+            </a:r>
+          </a:p>
+          <a:p>
+            <a:endParaRPr lang="en-US" dirty="0" smtClean="0"/>
+          </a:p>
+          <a:p>
+            <a:r>
+              <a:rPr lang="en-US" dirty="0" smtClean="0"/>
+              <a:t>Open our empty index.css </a:t>
+            </a:r>
+          </a:p>
+          <a:p>
+            <a:pPr lvl="1"/>
+            <a:r>
+              <a:rPr lang="en-US" dirty="0" smtClean="0"/>
+              <a:t>Add fill color for .bar class and .</a:t>
+            </a:r>
+            <a:r>
+              <a:rPr lang="en-US" dirty="0" err="1" smtClean="0"/>
+              <a:t>bar:hover</a:t>
+            </a:r>
+            <a:endParaRPr lang="en-US" dirty="0" smtClean="0"/>
+          </a:p>
+          <a:p>
+            <a:pPr lvl="1"/>
+            <a:r>
+              <a:rPr lang="en-US" dirty="0" smtClean="0"/>
+              <a:t>Remove axis--x path</a:t>
+            </a:r>
+          </a:p>
+          <a:p>
+            <a:endParaRPr lang="en-US" dirty="0"/>
+          </a:p>
+        </p:txBody>
+      </p:sp>
+    </p:spTree>
+    <p:extLst>
+      <p:ext uri="{BB962C8B-B14F-4D97-AF65-F5344CB8AC3E}">
+        <p14:creationId xmlns:p14="http://schemas.microsoft.com/office/powerpoint/2010/main" val="4110432089"/>
+      </p:ext>
+    </p:extLst>
+  </p:cSld>
+  <p:clrMapOvr>
+    <a:masterClrMapping/>
+  </p:clrMapOvr>
+</p:sld>
+</file>
+
+<file path=ppt/slides/slide51.xml><?xml version="1.0" encoding="utf-8"?>
+<p:sld xmlns:a="http://schemas.openxmlformats.org/drawingml/2006/main" xmlns:r="http://schemas.openxmlformats.org/officeDocument/2006/relationships" xmlns:p="http://schemas.openxmlformats.org/presentationml/2006/main">
+  <p:cSld>
+    <p:spTree>
+      <p:nvGrpSpPr>
+        <p:cNvPr id="1" name=""/>
+        <p:cNvGrpSpPr/>
+        <p:nvPr/>
+      </p:nvGrpSpPr>
+      <p:grpSpPr>
+        <a:xfrm>
+          <a:off x="0" y="0"/>
+          <a:ext cx="0" cy="0"/>
+          <a:chOff x="0" y="0"/>
+          <a:chExt cx="0" cy="0"/>
+        </a:xfrm>
+      </p:grpSpPr>
+      <p:sp>
+        <p:nvSpPr>
+          <p:cNvPr id="4" name="Title 3"/>
+          <p:cNvSpPr>
+            <a:spLocks noGrp="1"/>
+          </p:cNvSpPr>
+          <p:nvPr>
+            <p:ph type="ctrTitle"/>
+          </p:nvPr>
+        </p:nvSpPr>
+        <p:spPr/>
+        <p:txBody>
+          <a:bodyPr/>
+          <a:lstStyle/>
+          <a:p>
+            <a:r>
+              <a:rPr lang="en-US" dirty="0" smtClean="0"/>
+              <a:t>Resources</a:t>
+            </a:r>
+            <a:endParaRPr lang="en-US" dirty="0"/>
+          </a:p>
+        </p:txBody>
+      </p:sp>
+      <p:sp>
+        <p:nvSpPr>
+          <p:cNvPr id="5" name="Subtitle 4"/>
+          <p:cNvSpPr>
+            <a:spLocks noGrp="1"/>
+          </p:cNvSpPr>
+          <p:nvPr>
+            <p:ph type="subTitle" idx="1"/>
+          </p:nvPr>
+        </p:nvSpPr>
+        <p:spPr/>
+        <p:txBody>
+          <a:bodyPr/>
+          <a:lstStyle/>
+          <a:p>
+            <a:r>
+              <a:rPr lang="en-US" dirty="0" smtClean="0"/>
+              <a:t>Things you should explore when looking further</a:t>
+            </a:r>
+            <a:endParaRPr lang="en-US" dirty="0"/>
+          </a:p>
+        </p:txBody>
+      </p:sp>
+    </p:spTree>
+    <p:extLst>
+      <p:ext uri="{BB962C8B-B14F-4D97-AF65-F5344CB8AC3E}">
+        <p14:creationId xmlns:p14="http://schemas.microsoft.com/office/powerpoint/2010/main" val="2724028488"/>
+      </p:ext>
+    </p:extLst>
+  </p:cSld>
+  <p:clrMapOvr>
+    <a:masterClrMapping/>
+  </p:clrMapOvr>
+</p:sld>
+</file>
+
+<file path=ppt/slides/slide52.xml><?xml version="1.0" encoding="utf-8"?>
+<p:sld xmlns:a="http://schemas.openxmlformats.org/drawingml/2006/main" xmlns:r="http://schemas.openxmlformats.org/officeDocument/2006/relationships" xmlns:p="http://schemas.openxmlformats.org/presentationml/2006/main">
+  <p:cSld>
+    <p:spTree>
+      <p:nvGrpSpPr>
+        <p:cNvPr id="1" name=""/>
+        <p:cNvGrpSpPr/>
+        <p:nvPr/>
+      </p:nvGrpSpPr>
+      <p:grpSpPr>
+        <a:xfrm>
+          <a:off x="0" y="0"/>
+          <a:ext cx="0" cy="0"/>
+          <a:chOff x="0" y="0"/>
+          <a:chExt cx="0" cy="0"/>
+        </a:xfrm>
+      </p:grpSpPr>
+      <p:sp>
+        <p:nvSpPr>
+          <p:cNvPr id="2" name="Title 1"/>
+          <p:cNvSpPr>
+            <a:spLocks noGrp="1"/>
+          </p:cNvSpPr>
+          <p:nvPr>
+            <p:ph type="ctrTitle"/>
+          </p:nvPr>
+        </p:nvSpPr>
+        <p:spPr/>
+        <p:txBody>
+          <a:bodyPr/>
+          <a:lstStyle/>
+          <a:p>
+            <a:r>
+              <a:rPr lang="en-US" dirty="0" smtClean="0"/>
+              <a:t>Read the API docs!</a:t>
+            </a:r>
+            <a:endParaRPr lang="en-US" dirty="0"/>
+          </a:p>
+        </p:txBody>
+      </p:sp>
+      <p:sp>
+        <p:nvSpPr>
+          <p:cNvPr id="3" name="Content Placeholder 2"/>
+          <p:cNvSpPr>
+            <a:spLocks noGrp="1"/>
+          </p:cNvSpPr>
+          <p:nvPr>
+            <p:ph type="subTitle" idx="1"/>
+          </p:nvPr>
+        </p:nvSpPr>
+        <p:spPr/>
+        <p:txBody>
+          <a:bodyPr/>
+          <a:lstStyle/>
+          <a:p>
+            <a:r>
+              <a:rPr lang="en-US" b="1" dirty="0" smtClean="0"/>
+              <a:t>D3: </a:t>
+            </a:r>
+            <a:r>
+              <a:rPr lang="en-US" dirty="0" smtClean="0"/>
+              <a:t>https</a:t>
+            </a:r>
+            <a:r>
+              <a:rPr lang="en-US" dirty="0"/>
+              <a:t>://</a:t>
+            </a:r>
+            <a:r>
+              <a:rPr lang="en-US" dirty="0" smtClean="0"/>
+              <a:t>github.com/d3/d3/wiki</a:t>
+            </a:r>
+          </a:p>
+          <a:p>
+            <a:r>
+              <a:rPr lang="en-US" b="1" dirty="0"/>
+              <a:t>Web: </a:t>
+            </a:r>
+            <a:r>
+              <a:rPr lang="en-US" dirty="0"/>
+              <a:t>https://developer.mozilla.org/en-US/</a:t>
+            </a:r>
+          </a:p>
+        </p:txBody>
+      </p:sp>
+    </p:spTree>
+    <p:extLst>
+      <p:ext uri="{BB962C8B-B14F-4D97-AF65-F5344CB8AC3E}">
+        <p14:creationId xmlns:p14="http://schemas.microsoft.com/office/powerpoint/2010/main" val="2779721294"/>
+      </p:ext>
+    </p:extLst>
+  </p:cSld>
+  <p:clrMapOvr>
+    <a:masterClrMapping/>
+  </p:clrMapOvr>
+</p:sld>
+</file>
+
+<file path=ppt/slides/slide53.xml><?xml version="1.0" encoding="utf-8"?>
+<p:sld xmlns:a="http://schemas.openxmlformats.org/drawingml/2006/main" xmlns:r="http://schemas.openxmlformats.org/officeDocument/2006/relationships" xmlns:p="http://schemas.openxmlformats.org/presentationml/2006/main">
+  <p:cSld>
+    <p:spTree>
+      <p:nvGrpSpPr>
+        <p:cNvPr id="1" name=""/>
+        <p:cNvGrpSpPr/>
+        <p:nvPr/>
+      </p:nvGrpSpPr>
+      <p:grpSpPr>
+        <a:xfrm>
+          <a:off x="0" y="0"/>
+          <a:ext cx="0" cy="0"/>
+          <a:chOff x="0" y="0"/>
+          <a:chExt cx="0" cy="0"/>
+        </a:xfrm>
+      </p:grpSpPr>
+      <p:sp>
+        <p:nvSpPr>
+          <p:cNvPr id="4" name="Title 3"/>
+          <p:cNvSpPr>
+            <a:spLocks noGrp="1"/>
+          </p:cNvSpPr>
+          <p:nvPr>
+            <p:ph type="ctrTitle"/>
+          </p:nvPr>
+        </p:nvSpPr>
+        <p:spPr/>
+        <p:txBody>
+          <a:bodyPr/>
+          <a:lstStyle/>
+          <a:p>
+            <a:r>
+              <a:rPr lang="en-US" dirty="0" smtClean="0"/>
+              <a:t>Top 3 resources:</a:t>
+            </a:r>
+            <a:endParaRPr lang="en-US" dirty="0"/>
+          </a:p>
+        </p:txBody>
+      </p:sp>
+      <p:sp>
+        <p:nvSpPr>
+          <p:cNvPr id="5" name="Subtitle 4"/>
+          <p:cNvSpPr>
+            <a:spLocks noGrp="1"/>
+          </p:cNvSpPr>
+          <p:nvPr>
+            <p:ph type="subTitle" idx="1"/>
+          </p:nvPr>
+        </p:nvSpPr>
+        <p:spPr/>
+        <p:txBody>
+          <a:bodyPr/>
+          <a:lstStyle/>
+          <a:p>
+            <a:r>
+              <a:rPr lang="en-US" dirty="0" smtClean="0"/>
+              <a:t>The d3 API documentation</a:t>
+            </a:r>
+          </a:p>
+          <a:p>
+            <a:r>
+              <a:rPr lang="en-US" dirty="0" smtClean="0"/>
+              <a:t>MDN web standards documentation</a:t>
+            </a:r>
+          </a:p>
+          <a:p>
+            <a:r>
+              <a:rPr lang="en-US" dirty="0"/>
+              <a:t>Googling </a:t>
+            </a:r>
+            <a:r>
+              <a:rPr lang="en-US" dirty="0" smtClean="0"/>
+              <a:t>things you want to make </a:t>
+            </a:r>
+            <a:r>
+              <a:rPr lang="en-US" dirty="0"/>
+              <a:t>(“d3 scatterplot </a:t>
+            </a:r>
+            <a:r>
+              <a:rPr lang="en-US" dirty="0" err="1"/>
+              <a:t>bl.ocks</a:t>
+            </a:r>
+            <a:r>
+              <a:rPr lang="en-US" dirty="0"/>
+              <a:t>”)</a:t>
+            </a:r>
+          </a:p>
+          <a:p>
+            <a:endParaRPr lang="en-US" dirty="0"/>
+          </a:p>
+        </p:txBody>
+      </p:sp>
+    </p:spTree>
+    <p:extLst>
+      <p:ext uri="{BB962C8B-B14F-4D97-AF65-F5344CB8AC3E}">
+        <p14:creationId xmlns:p14="http://schemas.microsoft.com/office/powerpoint/2010/main" val="3084310567"/>
+      </p:ext>
+    </p:extLst>
+  </p:cSld>
+  <p:clrMapOvr>
+    <a:masterClrMapping/>
+  </p:clrMapOvr>
+</p:sld>
+</file>
+
+<file path=ppt/slides/slide54.xml><?xml version="1.0" encoding="utf-8"?>
+<p:sld xmlns:a="http://schemas.openxmlformats.org/drawingml/2006/main" xmlns:r="http://schemas.openxmlformats.org/officeDocument/2006/relationships" xmlns:p="http://schemas.openxmlformats.org/presentationml/2006/main">
+  <p:cSld>
+    <p:spTree>
+      <p:nvGrpSpPr>
+        <p:cNvPr id="1" name=""/>
+        <p:cNvGrpSpPr/>
+        <p:nvPr/>
+      </p:nvGrpSpPr>
+      <p:grpSpPr>
+        <a:xfrm>
+          <a:off x="0" y="0"/>
+          <a:ext cx="0" cy="0"/>
+          <a:chOff x="0" y="0"/>
+          <a:chExt cx="0" cy="0"/>
+        </a:xfrm>
+      </p:grpSpPr>
+      <p:sp>
+        <p:nvSpPr>
+          <p:cNvPr id="2" name="Title 1"/>
+          <p:cNvSpPr>
+            <a:spLocks noGrp="1"/>
+          </p:cNvSpPr>
+          <p:nvPr>
+            <p:ph type="ctrTitle"/>
+          </p:nvPr>
+        </p:nvSpPr>
+        <p:spPr>
+          <a:xfrm>
+            <a:off x="1524000" y="174567"/>
+            <a:ext cx="9144000" cy="982894"/>
+          </a:xfrm>
+        </p:spPr>
+        <p:txBody>
+          <a:bodyPr/>
+          <a:lstStyle/>
+          <a:p>
+            <a:r>
+              <a:rPr lang="en-US" dirty="0" smtClean="0"/>
+              <a:t>Listing the Basics:</a:t>
+            </a:r>
+            <a:endParaRPr lang="en-US" dirty="0"/>
+          </a:p>
+        </p:txBody>
+      </p:sp>
+      <p:sp>
+        <p:nvSpPr>
+          <p:cNvPr id="3" name="Subtitle 2"/>
+          <p:cNvSpPr>
+            <a:spLocks noGrp="1"/>
+          </p:cNvSpPr>
+          <p:nvPr>
+            <p:ph type="subTitle" idx="1"/>
+          </p:nvPr>
+        </p:nvSpPr>
+        <p:spPr>
+          <a:xfrm>
+            <a:off x="2219498" y="1263535"/>
+            <a:ext cx="7753004" cy="5412394"/>
+          </a:xfrm>
+        </p:spPr>
+        <p:txBody>
+          <a:bodyPr>
+            <a:normAutofit/>
+          </a:bodyPr>
+          <a:lstStyle/>
+          <a:p>
+            <a:pPr algn="l"/>
+            <a:r>
+              <a:rPr lang="en-US" sz="2800" b="1" dirty="0" smtClean="0"/>
+              <a:t>Know what these are, you will use them often:</a:t>
+            </a:r>
+          </a:p>
+          <a:p>
+            <a:pPr marL="342900" indent="-342900" algn="l">
+              <a:buFont typeface="Arial" panose="020B0604020202020204" pitchFamily="34" charset="0"/>
+              <a:buChar char="•"/>
+            </a:pPr>
+            <a:r>
+              <a:rPr lang="en-US" dirty="0" smtClean="0"/>
+              <a:t>Selections (select, </a:t>
+            </a:r>
+            <a:r>
+              <a:rPr lang="en-US" dirty="0" err="1" smtClean="0"/>
+              <a:t>selectAll</a:t>
+            </a:r>
+            <a:r>
+              <a:rPr lang="en-US" dirty="0" smtClean="0"/>
+              <a:t> and how they work)</a:t>
+            </a:r>
+          </a:p>
+          <a:p>
+            <a:pPr marL="342900" indent="-342900" algn="l">
+              <a:buFont typeface="Arial" panose="020B0604020202020204" pitchFamily="34" charset="0"/>
+              <a:buChar char="•"/>
+            </a:pPr>
+            <a:r>
+              <a:rPr lang="en-US" dirty="0" smtClean="0"/>
+              <a:t>SVG types (circle, </a:t>
+            </a:r>
+            <a:r>
+              <a:rPr lang="en-US" dirty="0" err="1" smtClean="0"/>
+              <a:t>rect</a:t>
+            </a:r>
+            <a:r>
+              <a:rPr lang="en-US" dirty="0" smtClean="0"/>
+              <a:t>, text, path)</a:t>
+            </a:r>
+          </a:p>
+          <a:p>
+            <a:pPr marL="342900" indent="-342900" algn="l">
+              <a:buFont typeface="Arial" panose="020B0604020202020204" pitchFamily="34" charset="0"/>
+              <a:buChar char="•"/>
+            </a:pPr>
+            <a:r>
+              <a:rPr lang="en-US" dirty="0" smtClean="0"/>
+              <a:t>Data Enter/Append</a:t>
+            </a:r>
+          </a:p>
+          <a:p>
+            <a:pPr marL="342900" indent="-342900" algn="l">
+              <a:buFont typeface="Arial" panose="020B0604020202020204" pitchFamily="34" charset="0"/>
+              <a:buChar char="•"/>
+            </a:pPr>
+            <a:r>
+              <a:rPr lang="en-US" dirty="0" smtClean="0"/>
+              <a:t>Data Exit/Remove</a:t>
+            </a:r>
+          </a:p>
+          <a:p>
+            <a:pPr marL="342900" indent="-342900" algn="l">
+              <a:buFont typeface="Arial" panose="020B0604020202020204" pitchFamily="34" charset="0"/>
+              <a:buChar char="•"/>
+            </a:pPr>
+            <a:r>
+              <a:rPr lang="en-US" dirty="0" smtClean="0"/>
+              <a:t>Chaining</a:t>
+            </a:r>
+          </a:p>
+          <a:p>
+            <a:pPr marL="342900" indent="-342900" algn="l">
+              <a:buFont typeface="Arial" panose="020B0604020202020204" pitchFamily="34" charset="0"/>
+              <a:buChar char="•"/>
+            </a:pPr>
+            <a:r>
+              <a:rPr lang="en-US" dirty="0" err="1" smtClean="0"/>
+              <a:t>Attributes+Transitions</a:t>
+            </a:r>
+            <a:endParaRPr lang="en-US" dirty="0" smtClean="0"/>
+          </a:p>
+          <a:p>
+            <a:pPr marL="342900" indent="-342900" algn="l">
+              <a:buFont typeface="Arial" panose="020B0604020202020204" pitchFamily="34" charset="0"/>
+              <a:buChar char="•"/>
+            </a:pPr>
+            <a:r>
+              <a:rPr lang="en-US" dirty="0" smtClean="0"/>
+              <a:t>Arrays: Min/Max/Range, Keys, Merge, Nest</a:t>
+            </a:r>
+          </a:p>
+          <a:p>
+            <a:pPr marL="342900" indent="-342900" algn="l">
+              <a:buFont typeface="Arial" panose="020B0604020202020204" pitchFamily="34" charset="0"/>
+              <a:buChar char="•"/>
+            </a:pPr>
+            <a:r>
+              <a:rPr lang="en-US" dirty="0" smtClean="0"/>
+              <a:t>Scales</a:t>
+            </a:r>
+          </a:p>
+          <a:p>
+            <a:pPr marL="342900" indent="-342900" algn="l">
+              <a:buFont typeface="Arial" panose="020B0604020202020204" pitchFamily="34" charset="0"/>
+              <a:buChar char="•"/>
+            </a:pPr>
+            <a:r>
+              <a:rPr lang="en-US" dirty="0" smtClean="0"/>
+              <a:t>Color</a:t>
+            </a:r>
+          </a:p>
+          <a:p>
+            <a:pPr marL="342900" indent="-342900" algn="l">
+              <a:buFont typeface="Arial" panose="020B0604020202020204" pitchFamily="34" charset="0"/>
+              <a:buChar char="•"/>
+            </a:pPr>
+            <a:r>
+              <a:rPr lang="en-US" dirty="0" smtClean="0"/>
+              <a:t>Axes</a:t>
+            </a:r>
+            <a:endParaRPr lang="en-US" dirty="0"/>
+          </a:p>
+        </p:txBody>
+      </p:sp>
+    </p:spTree>
+    <p:extLst>
+      <p:ext uri="{BB962C8B-B14F-4D97-AF65-F5344CB8AC3E}">
+        <p14:creationId xmlns:p14="http://schemas.microsoft.com/office/powerpoint/2010/main" val="1452815126"/>
+      </p:ext>
+    </p:extLst>
+  </p:cSld>
+  <p:clrMapOvr>
+    <a:masterClrMapping/>
+  </p:clrMapOvr>
+</p:sld>
+</file>
+
+<file path=ppt/slides/slide55.xml><?xml version="1.0" encoding="utf-8"?>
+<p:sld xmlns:a="http://schemas.openxmlformats.org/drawingml/2006/main" xmlns:r="http://schemas.openxmlformats.org/officeDocument/2006/relationships" xmlns:p="http://schemas.openxmlformats.org/presentationml/2006/main">
+  <p:cSld>
+    <p:spTree>
+      <p:nvGrpSpPr>
+        <p:cNvPr id="1" name=""/>
+        <p:cNvGrpSpPr/>
+        <p:nvPr/>
+      </p:nvGrpSpPr>
+      <p:grpSpPr>
+        <a:xfrm>
+          <a:off x="0" y="0"/>
+          <a:ext cx="0" cy="0"/>
+          <a:chOff x="0" y="0"/>
+          <a:chExt cx="0" cy="0"/>
+        </a:xfrm>
+      </p:grpSpPr>
+      <p:sp>
+        <p:nvSpPr>
+          <p:cNvPr id="2" name="Title 1"/>
+          <p:cNvSpPr>
+            <a:spLocks noGrp="1"/>
+          </p:cNvSpPr>
+          <p:nvPr>
+            <p:ph type="ctrTitle"/>
+          </p:nvPr>
+        </p:nvSpPr>
+        <p:spPr/>
+        <p:txBody>
+          <a:bodyPr/>
+          <a:lstStyle/>
+          <a:p>
+            <a:r>
+              <a:rPr lang="en-US" dirty="0" smtClean="0"/>
+              <a:t>Design Basics for Charts</a:t>
+            </a:r>
+            <a:endParaRPr lang="en-US" dirty="0"/>
+          </a:p>
+        </p:txBody>
+      </p:sp>
+      <p:sp>
+        <p:nvSpPr>
+          <p:cNvPr id="3" name="Subtitle 2"/>
+          <p:cNvSpPr>
+            <a:spLocks noGrp="1"/>
+          </p:cNvSpPr>
+          <p:nvPr>
+            <p:ph type="subTitle" idx="1"/>
+          </p:nvPr>
+        </p:nvSpPr>
+        <p:spPr/>
+        <p:txBody>
+          <a:bodyPr/>
+          <a:lstStyle/>
+          <a:p>
+            <a:r>
+              <a:rPr lang="en-US" sz="4000" dirty="0"/>
+              <a:t>http://</a:t>
+            </a:r>
+            <a:r>
+              <a:rPr lang="en-US" sz="4000" dirty="0" smtClean="0"/>
+              <a:t>bit.ly/1RfYZxm</a:t>
+            </a:r>
+          </a:p>
+          <a:p>
+            <a:r>
+              <a:rPr lang="en-US" dirty="0" smtClean="0"/>
+              <a:t>Worth mentioning: There are additional </a:t>
+            </a:r>
+            <a:r>
+              <a:rPr lang="en-US" dirty="0" err="1" smtClean="0"/>
+              <a:t>slidedecks</a:t>
+            </a:r>
+            <a:r>
+              <a:rPr lang="en-US" dirty="0" smtClean="0"/>
+              <a:t> by the above authors on Maps, Pie Charts, and even Data Tables</a:t>
+            </a:r>
+            <a:endParaRPr lang="en-US" dirty="0"/>
+          </a:p>
+        </p:txBody>
+      </p:sp>
+    </p:spTree>
+    <p:extLst>
+      <p:ext uri="{BB962C8B-B14F-4D97-AF65-F5344CB8AC3E}">
+        <p14:creationId xmlns:p14="http://schemas.microsoft.com/office/powerpoint/2010/main" val="4186733631"/>
+      </p:ext>
+    </p:extLst>
+  </p:cSld>
+  <p:clrMapOvr>
+    <a:masterClrMapping/>
+  </p:clrMapOvr>
+</p:sld>
+</file>
+
+<file path=ppt/slides/slide56.xml><?xml version="1.0" encoding="utf-8"?>
+<p:sld xmlns:a="http://schemas.openxmlformats.org/drawingml/2006/main" xmlns:r="http://schemas.openxmlformats.org/officeDocument/2006/relationships" xmlns:p="http://schemas.openxmlformats.org/presentationml/2006/main">
+  <p:cSld>
+    <p:spTree>
+      <p:nvGrpSpPr>
+        <p:cNvPr id="1" name=""/>
+        <p:cNvGrpSpPr/>
+        <p:nvPr/>
+      </p:nvGrpSpPr>
+      <p:grpSpPr>
+        <a:xfrm>
+          <a:off x="0" y="0"/>
+          <a:ext cx="0" cy="0"/>
+          <a:chOff x="0" y="0"/>
+          <a:chExt cx="0" cy="0"/>
+        </a:xfrm>
+      </p:grpSpPr>
+      <p:sp>
+        <p:nvSpPr>
+          <p:cNvPr id="2" name="Title 1"/>
+          <p:cNvSpPr>
+            <a:spLocks noGrp="1"/>
+          </p:cNvSpPr>
+          <p:nvPr>
+            <p:ph type="ctrTitle"/>
+          </p:nvPr>
+        </p:nvSpPr>
+        <p:spPr>
+          <a:xfrm>
+            <a:off x="987829" y="108066"/>
+            <a:ext cx="10216342" cy="1273838"/>
+          </a:xfrm>
+        </p:spPr>
+        <p:txBody>
+          <a:bodyPr/>
+          <a:lstStyle/>
+          <a:p>
+            <a:r>
+              <a:rPr lang="en-US" dirty="0" smtClean="0"/>
+              <a:t>Advanced d3 Abilities</a:t>
+            </a:r>
+            <a:endParaRPr lang="en-US" dirty="0"/>
+          </a:p>
+        </p:txBody>
+      </p:sp>
+      <p:sp>
+        <p:nvSpPr>
+          <p:cNvPr id="3" name="Subtitle 2"/>
+          <p:cNvSpPr>
+            <a:spLocks noGrp="1"/>
+          </p:cNvSpPr>
+          <p:nvPr>
+            <p:ph type="subTitle" idx="1"/>
+          </p:nvPr>
+        </p:nvSpPr>
+        <p:spPr>
+          <a:xfrm>
+            <a:off x="201337" y="1975104"/>
+            <a:ext cx="6317673" cy="4160559"/>
+          </a:xfrm>
+        </p:spPr>
+        <p:txBody>
+          <a:bodyPr>
+            <a:normAutofit/>
+          </a:bodyPr>
+          <a:lstStyle/>
+          <a:p>
+            <a:pPr algn="l"/>
+            <a:r>
+              <a:rPr lang="en-US" b="1" dirty="0"/>
+              <a:t>Curve Interpolations: </a:t>
+            </a:r>
+            <a:r>
+              <a:rPr lang="en-US" dirty="0"/>
+              <a:t>http://</a:t>
+            </a:r>
+            <a:r>
+              <a:rPr lang="en-US" dirty="0" smtClean="0"/>
+              <a:t>bit.ly/2xR9VxX</a:t>
+            </a:r>
+            <a:endParaRPr lang="en-US" dirty="0"/>
+          </a:p>
+          <a:p>
+            <a:pPr algn="l"/>
+            <a:r>
+              <a:rPr lang="en-US" b="1" dirty="0" err="1" smtClean="0"/>
+              <a:t>Voronoi</a:t>
+            </a:r>
+            <a:r>
+              <a:rPr lang="en-US" b="1" dirty="0" smtClean="0"/>
+              <a:t>: </a:t>
+            </a:r>
+            <a:r>
+              <a:rPr lang="en-US" dirty="0"/>
+              <a:t>http://</a:t>
+            </a:r>
+            <a:r>
+              <a:rPr lang="en-US" dirty="0" smtClean="0"/>
+              <a:t>bit.ly/2gK35mi </a:t>
+            </a:r>
+          </a:p>
+          <a:p>
+            <a:pPr algn="l"/>
+            <a:r>
+              <a:rPr lang="en-US" dirty="0"/>
+              <a:t>	https://</a:t>
+            </a:r>
+            <a:r>
+              <a:rPr lang="en-US" dirty="0" smtClean="0"/>
+              <a:t>bl.ocks.org/mbostock/4060366</a:t>
+            </a:r>
+          </a:p>
+          <a:p>
+            <a:pPr algn="l"/>
+            <a:r>
+              <a:rPr lang="en-US" b="1" dirty="0" smtClean="0"/>
+              <a:t>Zooming: </a:t>
+            </a:r>
+            <a:r>
+              <a:rPr lang="en-US" dirty="0"/>
+              <a:t>http://</a:t>
+            </a:r>
+            <a:r>
+              <a:rPr lang="en-US" dirty="0" smtClean="0"/>
+              <a:t>bit.ly/2f6WYsg</a:t>
+            </a:r>
+          </a:p>
+          <a:p>
+            <a:pPr algn="l"/>
+            <a:r>
+              <a:rPr lang="en-US" b="1" dirty="0" smtClean="0"/>
+              <a:t>Brushing/Zooming: </a:t>
+            </a:r>
+            <a:r>
+              <a:rPr lang="en-US" dirty="0"/>
+              <a:t>http://bit.ly/2lTjfef</a:t>
+            </a:r>
+            <a:endParaRPr lang="en-US" dirty="0" smtClean="0"/>
+          </a:p>
+          <a:p>
+            <a:pPr algn="l"/>
+            <a:r>
+              <a:rPr lang="en-US" b="1" dirty="0" smtClean="0"/>
+              <a:t>Stacking:</a:t>
+            </a:r>
+            <a:r>
+              <a:rPr lang="en-US" dirty="0"/>
+              <a:t> http://</a:t>
+            </a:r>
+            <a:r>
+              <a:rPr lang="en-US" dirty="0" smtClean="0"/>
+              <a:t>bl.ocks.org/mbostock/582915</a:t>
+            </a:r>
+          </a:p>
+          <a:p>
+            <a:pPr algn="l"/>
+            <a:r>
+              <a:rPr lang="en-US" b="1" dirty="0" smtClean="0"/>
+              <a:t>Collision Constraint: </a:t>
+            </a:r>
+            <a:r>
+              <a:rPr lang="en-US" dirty="0"/>
+              <a:t>http://</a:t>
+            </a:r>
+            <a:r>
+              <a:rPr lang="en-US" dirty="0" smtClean="0"/>
+              <a:t>bit.ly/2vOPk05</a:t>
+            </a:r>
+          </a:p>
+          <a:p>
+            <a:pPr algn="l"/>
+            <a:r>
+              <a:rPr lang="en-US" b="1" dirty="0" smtClean="0"/>
+              <a:t>Dragging: </a:t>
+            </a:r>
+            <a:r>
+              <a:rPr lang="en-US" dirty="0"/>
+              <a:t>http://</a:t>
+            </a:r>
+            <a:r>
+              <a:rPr lang="en-US" dirty="0" smtClean="0"/>
+              <a:t>bit.ly/2j6x5gH</a:t>
+            </a:r>
+          </a:p>
+          <a:p>
+            <a:pPr algn="l"/>
+            <a:r>
+              <a:rPr lang="en-US" b="1" dirty="0" smtClean="0"/>
+              <a:t>“Each”: </a:t>
+            </a:r>
+            <a:r>
+              <a:rPr lang="en-US" dirty="0"/>
+              <a:t>https://</a:t>
+            </a:r>
+            <a:r>
+              <a:rPr lang="en-US" dirty="0" smtClean="0"/>
+              <a:t>bl.ocks.org/mbostock/9490313</a:t>
+            </a:r>
+          </a:p>
+          <a:p>
+            <a:pPr algn="l"/>
+            <a:endParaRPr lang="en-US" dirty="0"/>
+          </a:p>
+        </p:txBody>
+      </p:sp>
+      <p:sp>
+        <p:nvSpPr>
+          <p:cNvPr id="4" name="Rectangle 3"/>
+          <p:cNvSpPr/>
+          <p:nvPr/>
+        </p:nvSpPr>
+        <p:spPr>
+          <a:xfrm>
+            <a:off x="6519010" y="3085888"/>
+            <a:ext cx="6096000" cy="1938992"/>
+          </a:xfrm>
+          <a:prstGeom prst="rect">
+            <a:avLst/>
+          </a:prstGeom>
+        </p:spPr>
+        <p:txBody>
+          <a:bodyPr>
+            <a:spAutoFit/>
+          </a:bodyPr>
+          <a:lstStyle/>
+          <a:p>
+            <a:r>
+              <a:rPr lang="en-US" sz="2400" b="1" dirty="0"/>
+              <a:t>Dispatching</a:t>
+            </a:r>
+            <a:r>
+              <a:rPr lang="en-US" sz="2400" dirty="0"/>
+              <a:t> (super advanced): https://</a:t>
+            </a:r>
+            <a:r>
+              <a:rPr lang="en-US" sz="2400" dirty="0" smtClean="0"/>
+              <a:t>bl.ocks.org/mbostock/5872848</a:t>
+            </a:r>
+          </a:p>
+          <a:p>
+            <a:endParaRPr lang="en-US" sz="2400" dirty="0"/>
+          </a:p>
+          <a:p>
+            <a:r>
+              <a:rPr lang="en-US" sz="2400" b="1" dirty="0"/>
+              <a:t>Modules/Plugins</a:t>
+            </a:r>
+            <a:r>
+              <a:rPr lang="en-US" sz="2400" dirty="0"/>
+              <a:t> (</a:t>
+            </a:r>
+            <a:r>
+              <a:rPr lang="en-US" sz="2400" i="1" dirty="0"/>
+              <a:t>most</a:t>
+            </a:r>
+            <a:r>
+              <a:rPr lang="en-US" sz="2400" dirty="0"/>
+              <a:t> advanced):</a:t>
+            </a:r>
+          </a:p>
+          <a:p>
+            <a:r>
+              <a:rPr lang="en-US" sz="2400" dirty="0"/>
+              <a:t>https://bost.ocks.org/mike/d3-plugin/</a:t>
+            </a:r>
+          </a:p>
+        </p:txBody>
+      </p:sp>
+    </p:spTree>
+    <p:extLst>
+      <p:ext uri="{BB962C8B-B14F-4D97-AF65-F5344CB8AC3E}">
+        <p14:creationId xmlns:p14="http://schemas.microsoft.com/office/powerpoint/2010/main" val="3499195240"/>
+      </p:ext>
+    </p:extLst>
+  </p:cSld>
+  <p:clrMapOvr>
+    <a:masterClrMapping/>
+  </p:clrMapOvr>
+</p:sld>
+</file>
+
+<file path=ppt/slides/slide57.xml><?xml version="1.0" encoding="utf-8"?>
+<p:sld xmlns:a="http://schemas.openxmlformats.org/drawingml/2006/main" xmlns:r="http://schemas.openxmlformats.org/officeDocument/2006/relationships" xmlns:p="http://schemas.openxmlformats.org/presentationml/2006/main">
+  <p:cSld>
+    <p:spTree>
+      <p:nvGrpSpPr>
+        <p:cNvPr id="1" name=""/>
+        <p:cNvGrpSpPr/>
+        <p:nvPr/>
+      </p:nvGrpSpPr>
+      <p:grpSpPr>
+        <a:xfrm>
+          <a:off x="0" y="0"/>
+          <a:ext cx="0" cy="0"/>
+          <a:chOff x="0" y="0"/>
+          <a:chExt cx="0" cy="0"/>
+        </a:xfrm>
+      </p:grpSpPr>
+      <p:sp>
+        <p:nvSpPr>
+          <p:cNvPr id="2" name="Title 1"/>
+          <p:cNvSpPr>
+            <a:spLocks noGrp="1"/>
+          </p:cNvSpPr>
+          <p:nvPr>
+            <p:ph type="ctrTitle"/>
+          </p:nvPr>
+        </p:nvSpPr>
+        <p:spPr/>
+        <p:txBody>
+          <a:bodyPr/>
+          <a:lstStyle/>
+          <a:p>
+            <a:r>
+              <a:rPr lang="en-US" dirty="0" smtClean="0"/>
+              <a:t>SVG Documentation</a:t>
+            </a:r>
+            <a:endParaRPr lang="en-US" dirty="0"/>
+          </a:p>
+        </p:txBody>
+      </p:sp>
+      <p:sp>
+        <p:nvSpPr>
+          <p:cNvPr id="3" name="Subtitle 2"/>
+          <p:cNvSpPr>
+            <a:spLocks noGrp="1"/>
+          </p:cNvSpPr>
+          <p:nvPr>
+            <p:ph type="subTitle" idx="1"/>
+          </p:nvPr>
+        </p:nvSpPr>
+        <p:spPr/>
+        <p:txBody>
+          <a:bodyPr/>
+          <a:lstStyle/>
+          <a:p>
+            <a:r>
+              <a:rPr lang="en-US" sz="4000" dirty="0"/>
+              <a:t>https://</a:t>
+            </a:r>
+            <a:r>
+              <a:rPr lang="en-US" sz="4000" dirty="0" smtClean="0"/>
+              <a:t>mzl.la/1nP24aN</a:t>
+            </a:r>
+          </a:p>
+          <a:p>
+            <a:r>
+              <a:rPr lang="en-US" dirty="0" smtClean="0"/>
+              <a:t>Check it: this is good to be familiar with, as is all of MDN</a:t>
+            </a:r>
+            <a:endParaRPr lang="en-US" dirty="0"/>
+          </a:p>
+        </p:txBody>
+      </p:sp>
+    </p:spTree>
+    <p:extLst>
+      <p:ext uri="{BB962C8B-B14F-4D97-AF65-F5344CB8AC3E}">
+        <p14:creationId xmlns:p14="http://schemas.microsoft.com/office/powerpoint/2010/main" val="3991108098"/>
+      </p:ext>
+    </p:extLst>
+  </p:cSld>
+  <p:clrMapOvr>
+    <a:masterClrMapping/>
+  </p:clrMapOvr>
+</p:sld>
+</file>
+
+<file path=ppt/slides/slide58.xml><?xml version="1.0" encoding="utf-8"?>
+<p:sld xmlns:a="http://schemas.openxmlformats.org/drawingml/2006/main" xmlns:r="http://schemas.openxmlformats.org/officeDocument/2006/relationships" xmlns:p="http://schemas.openxmlformats.org/presentationml/2006/main">
+  <p:cSld>
+    <p:spTree>
+      <p:nvGrpSpPr>
+        <p:cNvPr id="1" name=""/>
+        <p:cNvGrpSpPr/>
+        <p:nvPr/>
+      </p:nvGrpSpPr>
+      <p:grpSpPr>
+        <a:xfrm>
+          <a:off x="0" y="0"/>
+          <a:ext cx="0" cy="0"/>
+          <a:chOff x="0" y="0"/>
+          <a:chExt cx="0" cy="0"/>
+        </a:xfrm>
+      </p:grpSpPr>
+      <p:sp>
+        <p:nvSpPr>
+          <p:cNvPr id="2" name="Title 1"/>
+          <p:cNvSpPr>
+            <a:spLocks noGrp="1"/>
+          </p:cNvSpPr>
+          <p:nvPr>
+            <p:ph type="ctrTitle"/>
+          </p:nvPr>
+        </p:nvSpPr>
+        <p:spPr/>
+        <p:txBody>
+          <a:bodyPr/>
+          <a:lstStyle/>
+          <a:p>
+            <a:r>
+              <a:rPr lang="en-US" dirty="0" smtClean="0"/>
+              <a:t>SVG Level 2</a:t>
+            </a:r>
+            <a:endParaRPr lang="en-US" dirty="0"/>
+          </a:p>
+        </p:txBody>
+      </p:sp>
+      <p:sp>
+        <p:nvSpPr>
+          <p:cNvPr id="3" name="Subtitle 2"/>
+          <p:cNvSpPr>
+            <a:spLocks noGrp="1"/>
+          </p:cNvSpPr>
+          <p:nvPr>
+            <p:ph type="subTitle" idx="1"/>
+          </p:nvPr>
+        </p:nvSpPr>
+        <p:spPr/>
+        <p:txBody>
+          <a:bodyPr/>
+          <a:lstStyle/>
+          <a:p>
+            <a:r>
+              <a:rPr lang="en-US" sz="4000" dirty="0"/>
+              <a:t>http://</a:t>
+            </a:r>
+            <a:r>
+              <a:rPr lang="en-US" sz="4000" dirty="0" smtClean="0"/>
+              <a:t>bit.ly/2xdgJsI</a:t>
+            </a:r>
+          </a:p>
+          <a:p>
+            <a:r>
+              <a:rPr lang="en-US" dirty="0" smtClean="0"/>
+              <a:t>Plug: </a:t>
+            </a:r>
+            <a:r>
+              <a:rPr lang="en-US" dirty="0" err="1" smtClean="0"/>
+              <a:t>VisualCinnamon</a:t>
+            </a:r>
+            <a:r>
+              <a:rPr lang="en-US" dirty="0" smtClean="0"/>
+              <a:t> is extraordinary. Their work on SVG in particular is the best I have found to date.</a:t>
+            </a:r>
+            <a:endParaRPr lang="en-US" dirty="0"/>
+          </a:p>
+        </p:txBody>
+      </p:sp>
+    </p:spTree>
+    <p:extLst>
+      <p:ext uri="{BB962C8B-B14F-4D97-AF65-F5344CB8AC3E}">
+        <p14:creationId xmlns:p14="http://schemas.microsoft.com/office/powerpoint/2010/main" val="3830241924"/>
+      </p:ext>
+    </p:extLst>
+  </p:cSld>
+  <p:clrMapOvr>
+    <a:masterClrMapping/>
+  </p:clrMapOvr>
+</p:sld>
+</file>
+
+<file path=ppt/slides/slide59.xml><?xml version="1.0" encoding="utf-8"?>
+<p:sld xmlns:a="http://schemas.openxmlformats.org/drawingml/2006/main" xmlns:r="http://schemas.openxmlformats.org/officeDocument/2006/relationships" xmlns:p="http://schemas.openxmlformats.org/presentationml/2006/main">
+  <p:cSld>
+    <p:spTree>
+      <p:nvGrpSpPr>
+        <p:cNvPr id="1" name=""/>
+        <p:cNvGrpSpPr/>
+        <p:nvPr/>
+      </p:nvGrpSpPr>
+      <p:grpSpPr>
+        <a:xfrm>
+          <a:off x="0" y="0"/>
+          <a:ext cx="0" cy="0"/>
+          <a:chOff x="0" y="0"/>
+          <a:chExt cx="0" cy="0"/>
+        </a:xfrm>
+      </p:grpSpPr>
+      <p:sp>
+        <p:nvSpPr>
+          <p:cNvPr id="2" name="Title 1"/>
+          <p:cNvSpPr>
+            <a:spLocks noGrp="1"/>
+          </p:cNvSpPr>
+          <p:nvPr>
+            <p:ph type="ctrTitle"/>
+          </p:nvPr>
+        </p:nvSpPr>
+        <p:spPr/>
+        <p:txBody>
+          <a:bodyPr/>
+          <a:lstStyle/>
+          <a:p>
+            <a:r>
+              <a:rPr lang="en-US" dirty="0" smtClean="0"/>
+              <a:t>Maps in D3</a:t>
+            </a:r>
+            <a:endParaRPr lang="en-US" dirty="0"/>
+          </a:p>
+        </p:txBody>
+      </p:sp>
+      <p:sp>
+        <p:nvSpPr>
+          <p:cNvPr id="3" name="Subtitle 2"/>
+          <p:cNvSpPr>
+            <a:spLocks noGrp="1"/>
+          </p:cNvSpPr>
+          <p:nvPr>
+            <p:ph type="subTitle" idx="1"/>
+          </p:nvPr>
+        </p:nvSpPr>
+        <p:spPr>
+          <a:xfrm>
+            <a:off x="1524000" y="3602037"/>
+            <a:ext cx="9144000" cy="2083868"/>
+          </a:xfrm>
+        </p:spPr>
+        <p:txBody>
+          <a:bodyPr>
+            <a:normAutofit lnSpcReduction="10000"/>
+          </a:bodyPr>
+          <a:lstStyle/>
+          <a:p>
+            <a:r>
+              <a:rPr lang="en-US" sz="4000" dirty="0"/>
+              <a:t>http://bit.ly/2f7o4Q5</a:t>
+            </a:r>
+            <a:endParaRPr lang="en-US" sz="6000" dirty="0" smtClean="0"/>
+          </a:p>
+          <a:p>
+            <a:r>
+              <a:rPr lang="en-US" sz="4000" dirty="0" smtClean="0"/>
+              <a:t>http</a:t>
+            </a:r>
+            <a:r>
+              <a:rPr lang="en-US" sz="4000" dirty="0"/>
+              <a:t>://</a:t>
+            </a:r>
+            <a:r>
+              <a:rPr lang="en-US" sz="4000" dirty="0" smtClean="0"/>
+              <a:t>oreil.ly/1UnNtFe</a:t>
+            </a:r>
+          </a:p>
+          <a:p>
+            <a:r>
+              <a:rPr lang="en-US" dirty="0" smtClean="0"/>
+              <a:t>Warning: This is advanced level!</a:t>
+            </a:r>
+          </a:p>
+          <a:p>
+            <a:r>
+              <a:rPr lang="en-US" sz="2000" dirty="0" smtClean="0"/>
+              <a:t>Also: The d3 library contains geo maps of many kinds already.</a:t>
+            </a:r>
+            <a:endParaRPr lang="en-US" sz="2000" dirty="0"/>
+          </a:p>
+        </p:txBody>
+      </p:sp>
+    </p:spTree>
+    <p:extLst>
+      <p:ext uri="{BB962C8B-B14F-4D97-AF65-F5344CB8AC3E}">
+        <p14:creationId xmlns:p14="http://schemas.microsoft.com/office/powerpoint/2010/main" val="1384479126"/>
       </p:ext>
     </p:extLst>
   </p:cSld>
@@ -11120,26 +13151,135 @@
           <a:p>
             <a:r>
               <a:rPr lang="en-US" dirty="0" smtClean="0"/>
-              <a:t>Task #5:</a:t>
-            </a:r>
-            <a:endParaRPr lang="en-US" dirty="0"/>
-          </a:p>
-        </p:txBody>
-      </p:sp>
-      <p:sp>
-        <p:nvSpPr>
-          <p:cNvPr id="3" name="Content Placeholder 2"/>
-          <p:cNvSpPr>
-            <a:spLocks noGrp="1"/>
-          </p:cNvSpPr>
-          <p:nvPr>
-            <p:ph idx="1"/>
-          </p:nvPr>
-        </p:nvSpPr>
+              <a:t>477 hours </a:t>
+            </a:r>
+            <a:r>
+              <a:rPr lang="en-US" i="1" dirty="0" smtClean="0"/>
+              <a:t>minimum</a:t>
+            </a:r>
+            <a:r>
+              <a:rPr lang="en-US" dirty="0" smtClean="0"/>
+              <a:t>, pre D3</a:t>
+            </a:r>
+            <a:endParaRPr lang="en-US" dirty="0"/>
+          </a:p>
+        </p:txBody>
+      </p:sp>
+      <p:pic>
+        <p:nvPicPr>
+          <p:cNvPr id="4" name="Picture 3"/>
+          <p:cNvPicPr>
+            <a:picLocks noChangeAspect="1"/>
+          </p:cNvPicPr>
+          <p:nvPr/>
+        </p:nvPicPr>
+        <p:blipFill>
+          <a:blip r:embed="rId2"/>
+          <a:stretch>
+            <a:fillRect/>
+          </a:stretch>
+        </p:blipFill>
         <p:spPr>
           <a:xfrm>
-            <a:off x="838200" y="1482571"/>
-            <a:ext cx="10515600" cy="5007006"/>
+            <a:off x="838200" y="1843457"/>
+            <a:ext cx="4552950" cy="4467225"/>
+          </a:xfrm>
+          <a:prstGeom prst="rect">
+            <a:avLst/>
+          </a:prstGeom>
+        </p:spPr>
+      </p:pic>
+      <p:pic>
+        <p:nvPicPr>
+          <p:cNvPr id="6" name="Picture 5"/>
+          <p:cNvPicPr>
+            <a:picLocks noChangeAspect="1"/>
+          </p:cNvPicPr>
+          <p:nvPr/>
+        </p:nvPicPr>
+        <p:blipFill>
+          <a:blip r:embed="rId3"/>
+          <a:stretch>
+            <a:fillRect/>
+          </a:stretch>
+        </p:blipFill>
+        <p:spPr>
+          <a:xfrm>
+            <a:off x="6314797" y="2233982"/>
+            <a:ext cx="4533900" cy="4076700"/>
+          </a:xfrm>
+          <a:prstGeom prst="rect">
+            <a:avLst/>
+          </a:prstGeom>
+        </p:spPr>
+      </p:pic>
+    </p:spTree>
+    <p:extLst>
+      <p:ext uri="{BB962C8B-B14F-4D97-AF65-F5344CB8AC3E}">
+        <p14:creationId xmlns:p14="http://schemas.microsoft.com/office/powerpoint/2010/main" val="2498834670"/>
+      </p:ext>
+    </p:extLst>
+  </p:cSld>
+  <p:clrMapOvr>
+    <a:masterClrMapping/>
+  </p:clrMapOvr>
+</p:sld>
+</file>
+
+<file path=ppt/slides/slide60.xml><?xml version="1.0" encoding="utf-8"?>
+<p:sld xmlns:a="http://schemas.openxmlformats.org/drawingml/2006/main" xmlns:r="http://schemas.openxmlformats.org/officeDocument/2006/relationships" xmlns:p="http://schemas.openxmlformats.org/presentationml/2006/main">
+  <p:cSld>
+    <p:spTree>
+      <p:nvGrpSpPr>
+        <p:cNvPr id="1" name=""/>
+        <p:cNvGrpSpPr/>
+        <p:nvPr/>
+      </p:nvGrpSpPr>
+      <p:grpSpPr>
+        <a:xfrm>
+          <a:off x="0" y="0"/>
+          <a:ext cx="0" cy="0"/>
+          <a:chOff x="0" y="0"/>
+          <a:chExt cx="0" cy="0"/>
+        </a:xfrm>
+      </p:grpSpPr>
+      <p:sp>
+        <p:nvSpPr>
+          <p:cNvPr id="2" name="Title 1"/>
+          <p:cNvSpPr>
+            <a:spLocks noGrp="1"/>
+          </p:cNvSpPr>
+          <p:nvPr>
+            <p:ph type="ctrTitle"/>
+          </p:nvPr>
+        </p:nvSpPr>
+        <p:spPr/>
+        <p:txBody>
+          <a:bodyPr/>
+          <a:lstStyle/>
+          <a:p>
+            <a:r>
+              <a:rPr lang="en-US" dirty="0" smtClean="0"/>
+              <a:t>D3’s Extensive Library:</a:t>
+            </a:r>
+            <a:endParaRPr lang="en-US" dirty="0"/>
+          </a:p>
+        </p:txBody>
+      </p:sp>
+      <p:sp>
+        <p:nvSpPr>
+          <p:cNvPr id="3" name="Subtitle 2"/>
+          <p:cNvSpPr>
+            <a:spLocks noGrp="1"/>
+          </p:cNvSpPr>
+          <p:nvPr>
+            <p:ph type="subTitle" idx="1"/>
+          </p:nvPr>
+        </p:nvSpPr>
+        <p:spPr>
+          <a:xfrm>
+            <a:off x="713509" y="3509963"/>
+            <a:ext cx="10764982" cy="3056457"/>
           </a:xfrm>
         </p:spPr>
         <p:txBody>
@@ -11148,135 +13288,252 @@
           </a:bodyPr>
           <a:lstStyle/>
           <a:p>
-            <a:r>
-              <a:rPr lang="en-US" dirty="0" smtClean="0"/>
-              <a:t>Node.js:</a:t>
-            </a:r>
-          </a:p>
-          <a:p>
-            <a:pPr marL="914400" lvl="1" indent="-457200">
-              <a:buFont typeface="+mj-lt"/>
-              <a:buAutoNum type="arabicPeriod"/>
-            </a:pPr>
-            <a:r>
-              <a:rPr lang="en-US" dirty="0" smtClean="0"/>
-              <a:t>From command line: </a:t>
-            </a:r>
-            <a:r>
-              <a:rPr lang="en-US" dirty="0" err="1" smtClean="0"/>
-              <a:t>npm</a:t>
-            </a:r>
-            <a:r>
-              <a:rPr lang="en-US" dirty="0" smtClean="0"/>
-              <a:t> install http-server –g</a:t>
-            </a:r>
-          </a:p>
-          <a:p>
-            <a:pPr marL="914400" lvl="1" indent="-457200">
-              <a:buFont typeface="+mj-lt"/>
-              <a:buAutoNum type="arabicPeriod"/>
-            </a:pPr>
-            <a:r>
-              <a:rPr lang="en-US" dirty="0" smtClean="0"/>
-              <a:t>Run process.bat</a:t>
-            </a:r>
-          </a:p>
-          <a:p>
-            <a:pPr lvl="1"/>
-            <a:r>
-              <a:rPr lang="en-US" sz="2000" dirty="0"/>
-              <a:t>Resource: https://</a:t>
-            </a:r>
-            <a:r>
-              <a:rPr lang="en-US" sz="2000" dirty="0" smtClean="0"/>
-              <a:t>github.com/indexzero/http-server</a:t>
-            </a:r>
-          </a:p>
-          <a:p>
-            <a:pPr lvl="1"/>
-            <a:endParaRPr lang="en-US" dirty="0"/>
-          </a:p>
-          <a:p>
-            <a:r>
-              <a:rPr lang="en-US" dirty="0" smtClean="0"/>
-              <a:t>Python</a:t>
-            </a:r>
-          </a:p>
-          <a:p>
-            <a:pPr marL="914400" lvl="1" indent="-457200">
-              <a:buFont typeface="+mj-lt"/>
-              <a:buAutoNum type="arabicPeriod"/>
-            </a:pPr>
-            <a:r>
-              <a:rPr lang="en-US" dirty="0" smtClean="0"/>
-              <a:t>Navigate to </a:t>
-            </a:r>
-            <a:r>
-              <a:rPr lang="en-US" dirty="0" err="1" smtClean="0"/>
-              <a:t>dir</a:t>
-            </a:r>
+            <a:pPr algn="l"/>
+            <a:r>
+              <a:rPr lang="en-US" sz="4000" dirty="0"/>
+              <a:t>https://github.com/d3/d3/blob/master/API.md</a:t>
+            </a:r>
+          </a:p>
+          <a:p>
+            <a:pPr algn="l"/>
             <a:endParaRPr lang="en-US" dirty="0" smtClean="0"/>
           </a:p>
           <a:p>
-            <a:pPr marL="914400" lvl="1" indent="-457200">
-              <a:buFont typeface="+mj-lt"/>
-              <a:buAutoNum type="arabicPeriod"/>
-            </a:pPr>
-            <a:r>
-              <a:rPr lang="en-US" dirty="0" smtClean="0"/>
-              <a:t>Run:</a:t>
-            </a:r>
-          </a:p>
-          <a:p>
-            <a:pPr lvl="2"/>
-            <a:r>
-              <a:rPr lang="en-US" b="1" dirty="0" smtClean="0"/>
-              <a:t>Python 3x: </a:t>
-            </a:r>
-            <a:r>
-              <a:rPr lang="en-US" dirty="0" smtClean="0"/>
-              <a:t>python -m </a:t>
-            </a:r>
-            <a:r>
-              <a:rPr lang="en-US" dirty="0" err="1" smtClean="0"/>
-              <a:t>http.server</a:t>
-            </a:r>
-            <a:endParaRPr lang="en-US" dirty="0" smtClean="0"/>
-          </a:p>
-          <a:p>
-            <a:pPr lvl="2"/>
-            <a:r>
-              <a:rPr lang="en-US" b="1" dirty="0" smtClean="0"/>
-              <a:t>Python 2x: </a:t>
+            <a:pPr algn="l"/>
+            <a:r>
+              <a:rPr lang="en-US" dirty="0" smtClean="0"/>
+              <a:t>Statistics</a:t>
             </a:r>
             <a:r>
               <a:rPr lang="en-US" dirty="0"/>
-              <a:t>python -m </a:t>
-            </a:r>
-            <a:r>
-              <a:rPr lang="en-US" dirty="0" err="1" smtClean="0"/>
-              <a:t>SimpleHTTPServer</a:t>
-            </a:r>
-            <a:endParaRPr lang="en-US" dirty="0" smtClean="0"/>
-          </a:p>
-          <a:p>
-            <a:pPr lvl="1"/>
-            <a:r>
-              <a:rPr lang="en-US" sz="2000" dirty="0"/>
-              <a:t>Resource: https://</a:t>
-            </a:r>
-            <a:r>
-              <a:rPr lang="en-US" sz="2000" dirty="0" smtClean="0"/>
-              <a:t>developer.mozilla.org/en-US/docs/Learn/Common_questions/set_up_a_local_testing_server</a:t>
-            </a:r>
-            <a:endParaRPr lang="en-US" sz="2000" dirty="0"/>
+              <a:t>, histograms (4 kinds), ES6’s Map/Set, Nesting, Data Ingestion (CSV, TSV, </a:t>
+            </a:r>
+            <a:r>
+              <a:rPr lang="en-US" dirty="0" err="1"/>
+              <a:t>etc</a:t>
+            </a:r>
+            <a:r>
+              <a:rPr lang="en-US" dirty="0"/>
+              <a:t>), many </a:t>
+            </a:r>
+            <a:r>
+              <a:rPr lang="en-US" dirty="0" smtClean="0"/>
+              <a:t>animation/easing/time </a:t>
+            </a:r>
+            <a:r>
+              <a:rPr lang="en-US" dirty="0"/>
+              <a:t>options, force/physics, geography and projections, spherical maps/math, and that is just the first 25% of it: </a:t>
+            </a:r>
+          </a:p>
+          <a:p>
+            <a:endParaRPr lang="en-US" dirty="0"/>
           </a:p>
         </p:txBody>
       </p:sp>
     </p:spTree>
     <p:extLst>
       <p:ext uri="{BB962C8B-B14F-4D97-AF65-F5344CB8AC3E}">
-        <p14:creationId xmlns:p14="http://schemas.microsoft.com/office/powerpoint/2010/main" val="3460858936"/>
+        <p14:creationId xmlns:p14="http://schemas.microsoft.com/office/powerpoint/2010/main" val="1065099257"/>
+      </p:ext>
+    </p:extLst>
+  </p:cSld>
+  <p:clrMapOvr>
+    <a:masterClrMapping/>
+  </p:clrMapOvr>
+</p:sld>
+</file>
+
+<file path=ppt/slides/slide61.xml><?xml version="1.0" encoding="utf-8"?>
+<p:sld xmlns:a="http://schemas.openxmlformats.org/drawingml/2006/main" xmlns:r="http://schemas.openxmlformats.org/officeDocument/2006/relationships" xmlns:p="http://schemas.openxmlformats.org/presentationml/2006/main">
+  <p:cSld>
+    <p:spTree>
+      <p:nvGrpSpPr>
+        <p:cNvPr id="1" name=""/>
+        <p:cNvGrpSpPr/>
+        <p:nvPr/>
+      </p:nvGrpSpPr>
+      <p:grpSpPr>
+        <a:xfrm>
+          <a:off x="0" y="0"/>
+          <a:ext cx="0" cy="0"/>
+          <a:chOff x="0" y="0"/>
+          <a:chExt cx="0" cy="0"/>
+        </a:xfrm>
+      </p:grpSpPr>
+      <p:sp>
+        <p:nvSpPr>
+          <p:cNvPr id="2" name="Title 1"/>
+          <p:cNvSpPr>
+            <a:spLocks noGrp="1"/>
+          </p:cNvSpPr>
+          <p:nvPr>
+            <p:ph type="ctrTitle"/>
+          </p:nvPr>
+        </p:nvSpPr>
+        <p:spPr/>
+        <p:txBody>
+          <a:bodyPr/>
+          <a:lstStyle/>
+          <a:p>
+            <a:r>
+              <a:rPr lang="en-US" dirty="0" smtClean="0"/>
+              <a:t>Canvas and D3</a:t>
+            </a:r>
+            <a:endParaRPr lang="en-US" dirty="0"/>
+          </a:p>
+        </p:txBody>
+      </p:sp>
+      <p:sp>
+        <p:nvSpPr>
+          <p:cNvPr id="3" name="Subtitle 2"/>
+          <p:cNvSpPr>
+            <a:spLocks noGrp="1"/>
+          </p:cNvSpPr>
+          <p:nvPr>
+            <p:ph type="subTitle" idx="1"/>
+          </p:nvPr>
+        </p:nvSpPr>
+        <p:spPr>
+          <a:xfrm>
+            <a:off x="1524000" y="3602038"/>
+            <a:ext cx="9144000" cy="1975802"/>
+          </a:xfrm>
+        </p:spPr>
+        <p:txBody>
+          <a:bodyPr>
+            <a:normAutofit/>
+          </a:bodyPr>
+          <a:lstStyle/>
+          <a:p>
+            <a:r>
+              <a:rPr lang="en-US" sz="4000" dirty="0"/>
+              <a:t>http://</a:t>
+            </a:r>
+            <a:r>
+              <a:rPr lang="en-US" sz="4000" dirty="0" smtClean="0"/>
+              <a:t>bit.ly/2xRh9Ci</a:t>
+            </a:r>
+          </a:p>
+          <a:p>
+            <a:r>
+              <a:rPr lang="en-US" dirty="0" smtClean="0"/>
+              <a:t>Important: Canvas is a native web technology, similar to SVG. You can google the comparisons, but it is a good option if you need serious performance over visual quality.</a:t>
+            </a:r>
+            <a:endParaRPr lang="en-US" dirty="0"/>
+          </a:p>
+        </p:txBody>
+      </p:sp>
+    </p:spTree>
+    <p:extLst>
+      <p:ext uri="{BB962C8B-B14F-4D97-AF65-F5344CB8AC3E}">
+        <p14:creationId xmlns:p14="http://schemas.microsoft.com/office/powerpoint/2010/main" val="963137399"/>
+      </p:ext>
+    </p:extLst>
+  </p:cSld>
+  <p:clrMapOvr>
+    <a:masterClrMapping/>
+  </p:clrMapOvr>
+</p:sld>
+</file>
+
+<file path=ppt/slides/slide62.xml><?xml version="1.0" encoding="utf-8"?>
+<p:sld xmlns:a="http://schemas.openxmlformats.org/drawingml/2006/main" xmlns:r="http://schemas.openxmlformats.org/officeDocument/2006/relationships" xmlns:p="http://schemas.openxmlformats.org/presentationml/2006/main">
+  <p:cSld>
+    <p:spTree>
+      <p:nvGrpSpPr>
+        <p:cNvPr id="1" name=""/>
+        <p:cNvGrpSpPr/>
+        <p:nvPr/>
+      </p:nvGrpSpPr>
+      <p:grpSpPr>
+        <a:xfrm>
+          <a:off x="0" y="0"/>
+          <a:ext cx="0" cy="0"/>
+          <a:chOff x="0" y="0"/>
+          <a:chExt cx="0" cy="0"/>
+        </a:xfrm>
+      </p:grpSpPr>
+      <p:sp>
+        <p:nvSpPr>
+          <p:cNvPr id="2" name="Title 1"/>
+          <p:cNvSpPr>
+            <a:spLocks noGrp="1"/>
+          </p:cNvSpPr>
+          <p:nvPr>
+            <p:ph type="title"/>
+          </p:nvPr>
+        </p:nvSpPr>
+        <p:spPr>
+          <a:xfrm>
+            <a:off x="838200" y="1695162"/>
+            <a:ext cx="10515600" cy="1325563"/>
+          </a:xfrm>
+        </p:spPr>
+        <p:txBody>
+          <a:bodyPr>
+            <a:noAutofit/>
+          </a:bodyPr>
+          <a:lstStyle/>
+          <a:p>
+            <a:pPr algn="ctr"/>
+            <a:r>
+              <a:rPr lang="en-US" sz="6000" dirty="0" smtClean="0"/>
+              <a:t>Data Processing in JS</a:t>
+            </a:r>
+            <a:endParaRPr lang="en-US" sz="6000" dirty="0"/>
+          </a:p>
+        </p:txBody>
+      </p:sp>
+      <p:sp>
+        <p:nvSpPr>
+          <p:cNvPr id="3" name="Content Placeholder 2"/>
+          <p:cNvSpPr>
+            <a:spLocks noGrp="1"/>
+          </p:cNvSpPr>
+          <p:nvPr>
+            <p:ph idx="1"/>
+          </p:nvPr>
+        </p:nvSpPr>
+        <p:spPr>
+          <a:xfrm>
+            <a:off x="838200" y="3155662"/>
+            <a:ext cx="10515600" cy="1424651"/>
+          </a:xfrm>
+        </p:spPr>
+        <p:txBody>
+          <a:bodyPr>
+            <a:normAutofit/>
+          </a:bodyPr>
+          <a:lstStyle/>
+          <a:p>
+            <a:pPr marL="0" indent="0" algn="ctr">
+              <a:buNone/>
+            </a:pPr>
+            <a:r>
+              <a:rPr lang="en-US" sz="4000" dirty="0"/>
+              <a:t>http://</a:t>
+            </a:r>
+            <a:r>
+              <a:rPr lang="en-US" sz="4000" dirty="0" smtClean="0"/>
+              <a:t>learnjsdata.com/index.html</a:t>
+            </a:r>
+          </a:p>
+          <a:p>
+            <a:pPr marL="0" indent="0" algn="ctr">
+              <a:buNone/>
+            </a:pPr>
+            <a:r>
+              <a:rPr lang="en-US" sz="2400" dirty="0" smtClean="0"/>
+              <a:t>Note: optional resource. This is very nice to have handy.</a:t>
+            </a:r>
+            <a:endParaRPr lang="en-US" sz="2400" dirty="0"/>
+          </a:p>
+        </p:txBody>
+      </p:sp>
+    </p:spTree>
+    <p:extLst>
+      <p:ext uri="{BB962C8B-B14F-4D97-AF65-F5344CB8AC3E}">
+        <p14:creationId xmlns:p14="http://schemas.microsoft.com/office/powerpoint/2010/main" val="3904340049"/>
       </p:ext>
     </p:extLst>
   </p:cSld>
@@ -11310,17 +13567,17 @@
             <a:spLocks noGrp="1"/>
           </p:cNvSpPr>
           <p:nvPr>
-            <p:ph type="title"/>
-          </p:nvPr>
-        </p:nvSpPr>
-        <p:spPr/>
-        <p:txBody>
-          <a:bodyPr/>
-          <a:lstStyle/>
-          <a:p>
-            <a:r>
-              <a:rPr lang="en-US" dirty="0" smtClean="0"/>
-              <a:t>Task #6:</a:t>
+            <p:ph type="ctrTitle"/>
+          </p:nvPr>
+        </p:nvSpPr>
+        <p:spPr/>
+        <p:txBody>
+          <a:bodyPr/>
+          <a:lstStyle/>
+          <a:p>
+            <a:r>
+              <a:rPr lang="en-US" dirty="0" smtClean="0"/>
+              <a:t>learnwebdev.com:</a:t>
             </a:r>
             <a:endParaRPr lang="en-US" dirty="0"/>
           </a:p>
@@ -11333,123 +13590,30 @@
             <a:spLocks noGrp="1"/>
           </p:cNvSpPr>
           <p:nvPr>
-            <p:ph idx="1"/>
-          </p:nvPr>
-        </p:nvSpPr>
-        <p:spPr/>
-        <p:txBody>
-          <a:bodyPr/>
-          <a:lstStyle/>
-          <a:p>
-            <a:r>
-              <a:rPr lang="en-US" dirty="0"/>
-              <a:t>Rename </a:t>
-            </a:r>
-            <a:r>
-              <a:rPr lang="en-US" i="1" dirty="0"/>
-              <a:t>barchart</a:t>
-            </a:r>
-            <a:r>
-              <a:rPr lang="en-US" dirty="0"/>
-              <a:t>.html to </a:t>
-            </a:r>
-            <a:r>
-              <a:rPr lang="en-US" i="1" dirty="0"/>
-              <a:t>index</a:t>
-            </a:r>
-            <a:r>
-              <a:rPr lang="en-US" dirty="0"/>
-              <a:t>.html</a:t>
-            </a:r>
-          </a:p>
-          <a:p>
-            <a:endParaRPr lang="en-US" dirty="0" smtClean="0"/>
-          </a:p>
-          <a:p>
-            <a:r>
-              <a:rPr lang="en-US" dirty="0"/>
-              <a:t>Navigate to </a:t>
-            </a:r>
-            <a:r>
-              <a:rPr lang="en-US" b="1" dirty="0"/>
-              <a:t>http://</a:t>
-            </a:r>
-            <a:r>
-              <a:rPr lang="en-US" b="1" dirty="0" smtClean="0"/>
-              <a:t>localhost:[port]/ </a:t>
-            </a:r>
-            <a:r>
-              <a:rPr lang="en-US" dirty="0"/>
-              <a:t>in your </a:t>
-            </a:r>
-            <a:r>
-              <a:rPr lang="en-US" b="1" dirty="0"/>
-              <a:t>browser</a:t>
-            </a:r>
-          </a:p>
-          <a:p>
-            <a:r>
-              <a:rPr lang="en-US" dirty="0"/>
-              <a:t>Open the </a:t>
-            </a:r>
-            <a:r>
-              <a:rPr lang="en-US" dirty="0" smtClean="0"/>
-              <a:t>“index.html</a:t>
-            </a:r>
-            <a:r>
-              <a:rPr lang="en-US" dirty="0"/>
-              <a:t>” file in your </a:t>
-            </a:r>
-            <a:r>
-              <a:rPr lang="en-US" b="1" dirty="0"/>
-              <a:t>text </a:t>
-            </a:r>
-            <a:r>
-              <a:rPr lang="en-US" b="1" dirty="0" smtClean="0"/>
-              <a:t>editor</a:t>
-            </a:r>
-          </a:p>
-          <a:p>
-            <a:endParaRPr lang="en-US" b="1" dirty="0" smtClean="0"/>
-          </a:p>
-          <a:p>
-            <a:r>
-              <a:rPr lang="en-US" dirty="0" smtClean="0"/>
-              <a:t>Observe differences between the two:</a:t>
-            </a:r>
-          </a:p>
-          <a:p>
-            <a:pPr lvl="1"/>
-            <a:r>
-              <a:rPr lang="en-US" dirty="0" smtClean="0"/>
-              <a:t>Data importing is different, odd JavaScript happens in barchart.html</a:t>
-            </a:r>
-          </a:p>
-          <a:p>
-            <a:pPr lvl="1"/>
-            <a:r>
-              <a:rPr lang="en-US" dirty="0" smtClean="0"/>
-              <a:t>A callback is used in barchart.html (this makes it </a:t>
-            </a:r>
-            <a:r>
-              <a:rPr lang="en-US" i="1" dirty="0" err="1" smtClean="0"/>
-              <a:t>async</a:t>
-            </a:r>
-            <a:r>
-              <a:rPr lang="en-US" dirty="0" smtClean="0"/>
-              <a:t>!)</a:t>
-            </a:r>
-          </a:p>
-          <a:p>
-            <a:pPr lvl="1"/>
-            <a:endParaRPr lang="en-US" dirty="0"/>
+            <p:ph type="subTitle" idx="1"/>
+          </p:nvPr>
+        </p:nvSpPr>
+        <p:spPr/>
+        <p:txBody>
+          <a:bodyPr/>
+          <a:lstStyle/>
+          <a:p>
+            <a:r>
+              <a:rPr lang="en-US" dirty="0" smtClean="0"/>
+              <a:t>11.5 hours for JavaScript </a:t>
+            </a:r>
+            <a:r>
+              <a:rPr lang="en-US" i="1" dirty="0" smtClean="0"/>
+              <a:t>alone</a:t>
+            </a:r>
+            <a:endParaRPr lang="en-US" i="1" dirty="0"/>
           </a:p>
         </p:txBody>
       </p:sp>
     </p:spTree>
     <p:extLst>
       <p:ext uri="{BB962C8B-B14F-4D97-AF65-F5344CB8AC3E}">
-        <p14:creationId xmlns:p14="http://schemas.microsoft.com/office/powerpoint/2010/main" val="2944833186"/>
+        <p14:creationId xmlns:p14="http://schemas.microsoft.com/office/powerpoint/2010/main" val="3508121346"/>
       </p:ext>
     </p:extLst>
   </p:cSld>
@@ -11486,151 +13650,53 @@
             <p:ph type="title"/>
           </p:nvPr>
         </p:nvSpPr>
-        <p:spPr/>
-        <p:txBody>
-          <a:bodyPr/>
-          <a:lstStyle/>
-          <a:p>
-            <a:r>
-              <a:rPr lang="en-US" dirty="0" smtClean="0"/>
-              <a:t>Questions?</a:t>
-            </a:r>
-            <a:endParaRPr lang="en-US" dirty="0"/>
-          </a:p>
-        </p:txBody>
-      </p:sp>
-      <p:sp>
-        <p:nvSpPr>
-          <p:cNvPr id="3" name="Content Placeholder 2"/>
-          <p:cNvSpPr>
-            <a:spLocks noGrp="1"/>
-          </p:cNvSpPr>
-          <p:nvPr>
-            <p:ph idx="1"/>
-          </p:nvPr>
-        </p:nvSpPr>
         <p:spPr>
           <a:xfrm>
-            <a:off x="838200" y="1473693"/>
-            <a:ext cx="10515600" cy="4703270"/>
+            <a:off x="838200" y="1892084"/>
+            <a:ext cx="10515600" cy="1325563"/>
           </a:xfrm>
         </p:spPr>
         <p:txBody>
-          <a:bodyPr>
-            <a:normAutofit/>
-          </a:bodyPr>
-          <a:lstStyle/>
-          <a:p>
-            <a:r>
-              <a:rPr lang="en-US" dirty="0" smtClean="0"/>
-              <a:t>Commonly asked JS:</a:t>
-            </a:r>
-          </a:p>
-          <a:p>
-            <a:pPr lvl="1"/>
-            <a:r>
-              <a:rPr lang="en-US" dirty="0" smtClean="0"/>
-              <a:t>What is the ‘development’ environment for JavaScript?</a:t>
-            </a:r>
-          </a:p>
-          <a:p>
-            <a:pPr lvl="1"/>
-            <a:r>
-              <a:rPr lang="en-US" dirty="0" smtClean="0"/>
-              <a:t>Is JavaScript compiled?</a:t>
-            </a:r>
-          </a:p>
-          <a:p>
-            <a:pPr lvl="1"/>
-            <a:r>
-              <a:rPr lang="en-US" dirty="0" smtClean="0"/>
-              <a:t>What is a </a:t>
-            </a:r>
-            <a:r>
-              <a:rPr lang="en-US" i="1" dirty="0" smtClean="0"/>
-              <a:t>library</a:t>
-            </a:r>
-            <a:r>
-              <a:rPr lang="en-US" dirty="0" smtClean="0"/>
-              <a:t> versus a </a:t>
-            </a:r>
-            <a:r>
-              <a:rPr lang="en-US" i="1" dirty="0" smtClean="0"/>
-              <a:t>framework</a:t>
-            </a:r>
-            <a:r>
-              <a:rPr lang="en-US" dirty="0" smtClean="0"/>
-              <a:t>? </a:t>
-            </a:r>
-          </a:p>
-          <a:p>
-            <a:pPr lvl="1"/>
-            <a:r>
-              <a:rPr lang="en-US" dirty="0" smtClean="0"/>
-              <a:t>What is an ‘API’? What is the ‘web API’?</a:t>
-            </a:r>
-          </a:p>
-          <a:p>
-            <a:pPr lvl="1"/>
-            <a:r>
-              <a:rPr lang="en-US" dirty="0" smtClean="0"/>
-              <a:t>Why is this all so complicated?</a:t>
-            </a:r>
-          </a:p>
-          <a:p>
-            <a:pPr lvl="1"/>
-            <a:r>
-              <a:rPr lang="en-US" dirty="0"/>
-              <a:t>What is ‘loosely typed’?</a:t>
-            </a:r>
-          </a:p>
-          <a:p>
-            <a:pPr lvl="1"/>
-            <a:endParaRPr lang="en-US" dirty="0" smtClean="0"/>
-          </a:p>
-          <a:p>
-            <a:r>
-              <a:rPr lang="en-US" dirty="0" smtClean="0"/>
-              <a:t>Commonly asked D3:</a:t>
-            </a:r>
-          </a:p>
-          <a:p>
-            <a:pPr lvl="1"/>
-            <a:r>
-              <a:rPr lang="en-US" dirty="0" smtClean="0"/>
-              <a:t>Why would I ever use [sync]/[</a:t>
-            </a:r>
-            <a:r>
-              <a:rPr lang="en-US" dirty="0" err="1" smtClean="0"/>
-              <a:t>async</a:t>
-            </a:r>
-            <a:r>
-              <a:rPr lang="en-US" dirty="0" smtClean="0"/>
-              <a:t>]? </a:t>
-            </a:r>
-            <a:r>
-              <a:rPr lang="en-US" i="1" dirty="0" smtClean="0"/>
-              <a:t>X</a:t>
-            </a:r>
-            <a:r>
-              <a:rPr lang="en-US" dirty="0" smtClean="0"/>
-              <a:t> is obviously better.</a:t>
-            </a:r>
-          </a:p>
-          <a:p>
-            <a:pPr lvl="1"/>
-            <a:r>
-              <a:rPr lang="en-US" dirty="0" smtClean="0"/>
-              <a:t>Why is D3 so hard?</a:t>
-            </a:r>
-            <a:endParaRPr lang="en-US" dirty="0"/>
-          </a:p>
-        </p:txBody>
-      </p:sp>
+          <a:bodyPr/>
+          <a:lstStyle/>
+          <a:p>
+            <a:pPr algn="ctr"/>
+            <a:r>
+              <a:rPr lang="en-US" dirty="0" smtClean="0"/>
+              <a:t>~10 hours reduced to 2</a:t>
+            </a:r>
+            <a:endParaRPr lang="en-US" dirty="0"/>
+          </a:p>
+        </p:txBody>
+      </p:sp>
+      <p:pic>
+        <p:nvPicPr>
+          <p:cNvPr id="4" name="Picture 3"/>
+          <p:cNvPicPr>
+            <a:picLocks noChangeAspect="1"/>
+          </p:cNvPicPr>
+          <p:nvPr/>
+        </p:nvPicPr>
+        <p:blipFill>
+          <a:blip r:embed="rId3"/>
+          <a:stretch>
+            <a:fillRect/>
+          </a:stretch>
+        </p:blipFill>
+        <p:spPr>
+          <a:xfrm>
+            <a:off x="3867150" y="3473896"/>
+            <a:ext cx="4457700" cy="638175"/>
+          </a:xfrm>
+          <a:prstGeom prst="rect">
+            <a:avLst/>
+          </a:prstGeom>
+        </p:spPr>
+      </p:pic>
     </p:spTree>
     <p:extLst>
       <p:ext uri="{BB962C8B-B14F-4D97-AF65-F5344CB8AC3E}">
-        <p14:creationId xmlns:p14="http://schemas.microsoft.com/office/powerpoint/2010/main" val="3477493395"/>
+        <p14:creationId xmlns:p14="http://schemas.microsoft.com/office/powerpoint/2010/main" val="973313131"/>
       </p:ext>
     </p:extLst>
   </p:cSld>
@@ -11657,84 +13723,62 @@
           <a:chExt cx="0" cy="0"/>
         </a:xfrm>
       </p:grpSpPr>
-      <p:sp>
-        <p:nvSpPr>
-          <p:cNvPr id="2" name="Title 1"/>
-          <p:cNvSpPr>
-            <a:spLocks noGrp="1"/>
-          </p:cNvSpPr>
-          <p:nvPr>
-            <p:ph type="ctrTitle"/>
-          </p:nvPr>
-        </p:nvSpPr>
-        <p:spPr/>
-        <p:txBody>
-          <a:bodyPr/>
-          <a:lstStyle/>
-          <a:p>
-            <a:r>
-              <a:rPr lang="en-US" sz="4400" i="1" dirty="0" smtClean="0"/>
-              <a:t>Now:</a:t>
-            </a:r>
-            <a:r>
-              <a:rPr lang="en-US" dirty="0" smtClean="0"/>
-              <a:t/>
-            </a:r>
-            <a:br>
-              <a:rPr lang="en-US" dirty="0" smtClean="0"/>
-            </a:br>
-            <a:r>
-              <a:rPr lang="en-US" dirty="0" smtClean="0"/>
-              <a:t>Introduction </a:t>
-            </a:r>
-            <a:r>
-              <a:rPr lang="en-US" dirty="0" smtClean="0"/>
-              <a:t>to D3.js</a:t>
-            </a:r>
-            <a:endParaRPr lang="en-US" dirty="0"/>
-          </a:p>
-        </p:txBody>
-      </p:sp>
-      <p:sp>
-        <p:nvSpPr>
-          <p:cNvPr id="3" name="Subtitle 2"/>
-          <p:cNvSpPr>
-            <a:spLocks noGrp="1"/>
-          </p:cNvSpPr>
-          <p:nvPr>
-            <p:ph type="subTitle" idx="1"/>
-          </p:nvPr>
-        </p:nvSpPr>
-        <p:spPr/>
-        <p:txBody>
-          <a:bodyPr/>
-          <a:lstStyle/>
-          <a:p>
-            <a:r>
-              <a:rPr lang="en-US" dirty="0" smtClean="0"/>
-              <a:t>Hands-on learning and plenty of resources.</a:t>
-            </a:r>
-            <a:endParaRPr lang="en-US" dirty="0"/>
-          </a:p>
-        </p:txBody>
-      </p:sp>
+      <p:pic>
+        <p:nvPicPr>
+          <p:cNvPr id="4" name="Picture 3"/>
+          <p:cNvPicPr>
+            <a:picLocks noChangeAspect="1"/>
+          </p:cNvPicPr>
+          <p:nvPr/>
+        </p:nvPicPr>
+        <p:blipFill rotWithShape="1">
+          <a:blip r:embed="rId2"/>
+          <a:srcRect b="18015"/>
+          <a:stretch/>
+        </p:blipFill>
+        <p:spPr>
+          <a:xfrm>
+            <a:off x="6553016" y="68986"/>
+            <a:ext cx="4838700" cy="6684515"/>
+          </a:xfrm>
+          <a:prstGeom prst="rect">
+            <a:avLst/>
+          </a:prstGeom>
+        </p:spPr>
+      </p:pic>
+      <p:pic>
+        <p:nvPicPr>
+          <p:cNvPr id="5" name="Picture 4"/>
+          <p:cNvPicPr>
+            <a:picLocks noChangeAspect="1"/>
+          </p:cNvPicPr>
+          <p:nvPr/>
+        </p:nvPicPr>
+        <p:blipFill rotWithShape="1">
+          <a:blip r:embed="rId2"/>
+          <a:srcRect t="81549"/>
+          <a:stretch/>
+        </p:blipFill>
+        <p:spPr>
+          <a:xfrm>
+            <a:off x="392101" y="2465864"/>
+            <a:ext cx="6081385" cy="1890757"/>
+          </a:xfrm>
+          <a:prstGeom prst="rect">
+            <a:avLst/>
+          </a:prstGeom>
+        </p:spPr>
+      </p:pic>
     </p:spTree>
     <p:extLst>
       <p:ext uri="{BB962C8B-B14F-4D97-AF65-F5344CB8AC3E}">
-        <p14:creationId xmlns:p14="http://schemas.microsoft.com/office/powerpoint/2010/main" val="682157294"/>
+        <p14:creationId xmlns:p14="http://schemas.microsoft.com/office/powerpoint/2010/main" val="804082853"/>
       </p:ext>
     </p:extLst>
   </p:cSld>
   <p:clrMapOvr>
     <a:masterClrMapping/>
   </p:clrMapOvr>
-  <p:timing>
-    <p:tnLst>
-      <p:par>
-        <p:cTn id="1" dur="indefinite" restart="never" nodeType="tmRoot"/>
-      </p:par>
-    </p:tnLst>
-  </p:timing>
 </p:sld>
 </file>
 

--- a/Introduction to D3.pptx
+++ b/Introduction to D3.pptx
@@ -5,7 +5,7 @@
     <p:sldMasterId id="2147483660" r:id="rId1"/>
   </p:sldMasterIdLst>
   <p:notesMasterIdLst>
-    <p:notesMasterId r:id="rId64"/>
+    <p:notesMasterId r:id="rId65"/>
   </p:notesMasterIdLst>
   <p:sldIdLst>
     <p:sldId id="311" r:id="rId2"/>
@@ -58,18 +58,19 @@
     <p:sldId id="276" r:id="rId49"/>
     <p:sldId id="277" r:id="rId50"/>
     <p:sldId id="283" r:id="rId51"/>
-    <p:sldId id="291" r:id="rId52"/>
-    <p:sldId id="278" r:id="rId53"/>
-    <p:sldId id="292" r:id="rId54"/>
-    <p:sldId id="270" r:id="rId55"/>
-    <p:sldId id="261" r:id="rId56"/>
-    <p:sldId id="268" r:id="rId57"/>
-    <p:sldId id="266" r:id="rId58"/>
-    <p:sldId id="264" r:id="rId59"/>
-    <p:sldId id="262" r:id="rId60"/>
-    <p:sldId id="269" r:id="rId61"/>
-    <p:sldId id="267" r:id="rId62"/>
-    <p:sldId id="259" r:id="rId63"/>
+    <p:sldId id="328" r:id="rId52"/>
+    <p:sldId id="291" r:id="rId53"/>
+    <p:sldId id="278" r:id="rId54"/>
+    <p:sldId id="292" r:id="rId55"/>
+    <p:sldId id="270" r:id="rId56"/>
+    <p:sldId id="261" r:id="rId57"/>
+    <p:sldId id="268" r:id="rId58"/>
+    <p:sldId id="266" r:id="rId59"/>
+    <p:sldId id="264" r:id="rId60"/>
+    <p:sldId id="262" r:id="rId61"/>
+    <p:sldId id="269" r:id="rId62"/>
+    <p:sldId id="267" r:id="rId63"/>
+    <p:sldId id="259" r:id="rId64"/>
   </p:sldIdLst>
   <p:sldSz cx="12192000" cy="6858000"/>
   <p:notesSz cx="6858000" cy="9144000"/>
@@ -6504,6 +6505,13 @@
   <p:clrMapOvr>
     <a:masterClrMapping/>
   </p:clrMapOvr>
+  <p:timing>
+    <p:tnLst>
+      <p:par>
+        <p:cTn id="1" dur="indefinite" restart="never" nodeType="tmRoot"/>
+      </p:par>
+    </p:tnLst>
+  </p:timing>
 </p:sld>
 </file>
 
@@ -6626,6 +6634,13 @@
   <p:clrMapOvr>
     <a:masterClrMapping/>
   </p:clrMapOvr>
+  <p:timing>
+    <p:tnLst>
+      <p:par>
+        <p:cTn id="1" dur="indefinite" restart="never" nodeType="tmRoot"/>
+      </p:par>
+    </p:tnLst>
+  </p:timing>
 </p:sld>
 </file>
 
@@ -6686,13 +6701,8 @@
           <a:p>
             <a:r>
               <a:rPr lang="en-US" dirty="0" smtClean="0"/>
-              <a:t>Task #1</a:t>
-            </a:r>
-            <a:r>
-              <a:rPr lang="en-US" dirty="0" smtClean="0"/>
-              <a:t>: Get your tools</a:t>
-            </a:r>
-            <a:endParaRPr lang="en-US" dirty="0" smtClean="0"/>
+              <a:t>Task #1: Get your tools</a:t>
+            </a:r>
           </a:p>
           <a:p>
             <a:r>
@@ -6736,11 +6746,7 @@
           <a:p>
             <a:r>
               <a:rPr lang="en-US" dirty="0" smtClean="0"/>
-              <a:t>Task #2</a:t>
-            </a:r>
-            <a:r>
-              <a:rPr lang="en-US" dirty="0" smtClean="0"/>
-              <a:t>: Open your stuff</a:t>
+              <a:t>Task #2: Open your stuff</a:t>
             </a:r>
             <a:endParaRPr lang="en-US" dirty="0"/>
           </a:p>
@@ -6879,6 +6885,13 @@
   <p:clrMapOvr>
     <a:masterClrMapping/>
   </p:clrMapOvr>
+  <p:timing>
+    <p:tnLst>
+      <p:par>
+        <p:cTn id="1" dur="indefinite" restart="never" nodeType="tmRoot"/>
+      </p:par>
+    </p:tnLst>
+  </p:timing>
 </p:sld>
 </file>
 
@@ -6916,11 +6929,7 @@
           <a:p>
             <a:r>
               <a:rPr lang="en-US" dirty="0" smtClean="0"/>
-              <a:t>Task #3</a:t>
-            </a:r>
-            <a:r>
-              <a:rPr lang="en-US" dirty="0" smtClean="0"/>
-              <a:t>: Some </a:t>
+              <a:t>Task #3: Some </a:t>
             </a:r>
             <a:r>
               <a:rPr lang="en-US" i="1" dirty="0" smtClean="0"/>
@@ -6966,6 +6975,13 @@
   <p:clrMapOvr>
     <a:masterClrMapping/>
   </p:clrMapOvr>
+  <p:timing>
+    <p:tnLst>
+      <p:par>
+        <p:cTn id="1" dur="indefinite" restart="never" nodeType="tmRoot"/>
+      </p:par>
+    </p:tnLst>
+  </p:timing>
 </p:sld>
 </file>
 
@@ -7003,11 +7019,7 @@
           <a:p>
             <a:r>
               <a:rPr lang="en-US" dirty="0" smtClean="0"/>
-              <a:t>Task #4</a:t>
-            </a:r>
-            <a:r>
-              <a:rPr lang="en-US" dirty="0" smtClean="0"/>
-              <a:t>: Understanding AJAX failures</a:t>
+              <a:t>Task #4: Understanding AJAX failures</a:t>
             </a:r>
             <a:endParaRPr lang="en-US" dirty="0"/>
           </a:p>
@@ -7055,6 +7067,13 @@
   <p:clrMapOvr>
     <a:masterClrMapping/>
   </p:clrMapOvr>
+  <p:timing>
+    <p:tnLst>
+      <p:par>
+        <p:cTn id="1" dur="indefinite" restart="never" nodeType="tmRoot"/>
+      </p:par>
+    </p:tnLst>
+  </p:timing>
 </p:sld>
 </file>
 
@@ -7092,11 +7111,7 @@
           <a:p>
             <a:r>
               <a:rPr lang="en-US" dirty="0" smtClean="0"/>
-              <a:t>Task #5</a:t>
-            </a:r>
-            <a:r>
-              <a:rPr lang="en-US" dirty="0" smtClean="0"/>
-              <a:t>: Setting up a local server</a:t>
+              <a:t>Task #5: Setting up a local server</a:t>
             </a:r>
             <a:endParaRPr lang="en-US" dirty="0"/>
           </a:p>
@@ -7259,6 +7274,13 @@
   <p:clrMapOvr>
     <a:masterClrMapping/>
   </p:clrMapOvr>
+  <p:timing>
+    <p:tnLst>
+      <p:par>
+        <p:cTn id="1" dur="indefinite" restart="never" nodeType="tmRoot"/>
+      </p:par>
+    </p:tnLst>
+  </p:timing>
 </p:sld>
 </file>
 
@@ -7381,6 +7403,13 @@
   <p:clrMapOvr>
     <a:masterClrMapping/>
   </p:clrMapOvr>
+  <p:timing>
+    <p:tnLst>
+      <p:par>
+        <p:cTn id="1" dur="indefinite" restart="never" nodeType="tmRoot"/>
+      </p:par>
+    </p:tnLst>
+  </p:timing>
 </p:sld>
 </file>
 
@@ -7418,11 +7447,7 @@
           <a:p>
             <a:r>
               <a:rPr lang="en-US" dirty="0" smtClean="0"/>
-              <a:t>Task #</a:t>
-            </a:r>
-            <a:r>
-              <a:rPr lang="en-US" dirty="0" smtClean="0"/>
-              <a:t>6: Loading </a:t>
+              <a:t>Task #6: Loading </a:t>
             </a:r>
             <a:r>
               <a:rPr lang="en-US" dirty="0" err="1" smtClean="0"/>
@@ -7562,6 +7587,13 @@
   <p:clrMapOvr>
     <a:masterClrMapping/>
   </p:clrMapOvr>
+  <p:timing>
+    <p:tnLst>
+      <p:par>
+        <p:cTn id="1" dur="indefinite" restart="never" nodeType="tmRoot"/>
+      </p:par>
+    </p:tnLst>
+  </p:timing>
 </p:sld>
 </file>
 
@@ -7733,6 +7765,13 @@
   <p:clrMapOvr>
     <a:masterClrMapping/>
   </p:clrMapOvr>
+  <p:timing>
+    <p:tnLst>
+      <p:par>
+        <p:cTn id="1" dur="indefinite" restart="never" nodeType="tmRoot"/>
+      </p:par>
+    </p:tnLst>
+  </p:timing>
 </p:sld>
 </file>
 
@@ -7818,6 +7857,13 @@
   <p:clrMapOvr>
     <a:masterClrMapping/>
   </p:clrMapOvr>
+  <p:timing>
+    <p:tnLst>
+      <p:par>
+        <p:cTn id="1" dur="indefinite" restart="never" nodeType="tmRoot"/>
+      </p:par>
+    </p:tnLst>
+  </p:timing>
 </p:sld>
 </file>
 
@@ -7895,6 +7941,13 @@
   <p:clrMapOvr>
     <a:masterClrMapping/>
   </p:clrMapOvr>
+  <p:timing>
+    <p:tnLst>
+      <p:par>
+        <p:cTn id="1" dur="indefinite" restart="never" nodeType="tmRoot"/>
+      </p:par>
+    </p:tnLst>
+  </p:timing>
 </p:sld>
 </file>
 
@@ -7972,6 +8025,13 @@
   <p:clrMapOvr>
     <a:masterClrMapping/>
   </p:clrMapOvr>
+  <p:timing>
+    <p:tnLst>
+      <p:par>
+        <p:cTn id="1" dur="indefinite" restart="never" nodeType="tmRoot"/>
+      </p:par>
+    </p:tnLst>
+  </p:timing>
 </p:sld>
 </file>
 
@@ -8049,6 +8109,13 @@
   <p:clrMapOvr>
     <a:masterClrMapping/>
   </p:clrMapOvr>
+  <p:timing>
+    <p:tnLst>
+      <p:par>
+        <p:cTn id="1" dur="indefinite" restart="never" nodeType="tmRoot"/>
+      </p:par>
+    </p:tnLst>
+  </p:timing>
 </p:sld>
 </file>
 
@@ -8149,6 +8216,13 @@
   <p:clrMapOvr>
     <a:masterClrMapping/>
   </p:clrMapOvr>
+  <p:timing>
+    <p:tnLst>
+      <p:par>
+        <p:cTn id="1" dur="indefinite" restart="never" nodeType="tmRoot"/>
+      </p:par>
+    </p:tnLst>
+  </p:timing>
 </p:sld>
 </file>
 
@@ -8338,6 +8412,13 @@
   <p:clrMapOvr>
     <a:masterClrMapping/>
   </p:clrMapOvr>
+  <p:timing>
+    <p:tnLst>
+      <p:par>
+        <p:cTn id="1" dur="indefinite" restart="never" nodeType="tmRoot"/>
+      </p:par>
+    </p:tnLst>
+  </p:timing>
 </p:sld>
 </file>
 
@@ -10205,6 +10286,13 @@
   <p:clrMapOvr>
     <a:masterClrMapping/>
   </p:clrMapOvr>
+  <p:timing>
+    <p:tnLst>
+      <p:par>
+        <p:cTn id="1" dur="indefinite" restart="never" nodeType="tmRoot"/>
+      </p:par>
+    </p:tnLst>
+  </p:timing>
 </p:sld>
 </file>
 
@@ -10409,6 +10497,13 @@
   <p:clrMapOvr>
     <a:masterClrMapping/>
   </p:clrMapOvr>
+  <p:timing>
+    <p:tnLst>
+      <p:par>
+        <p:cTn id="1" dur="indefinite" restart="never" nodeType="tmRoot"/>
+      </p:par>
+    </p:tnLst>
+  </p:timing>
 </p:sld>
 </file>
 
@@ -10739,13 +10834,13 @@
         </p:spPr>
         <p:txBody>
           <a:bodyPr>
-            <a:normAutofit fontScale="92500" lnSpcReduction="20000"/>
+            <a:normAutofit fontScale="85000" lnSpcReduction="20000"/>
           </a:bodyPr>
           <a:lstStyle/>
           <a:p>
             <a:r>
               <a:rPr lang="en-US" dirty="0" smtClean="0"/>
-              <a:t>Import data.js into your html</a:t>
+              <a:t>Import data.js into your html, copy this to your dev folder</a:t>
             </a:r>
             <a:endParaRPr lang="en-US" dirty="0"/>
           </a:p>
@@ -11841,6 +11936,13 @@
   <p:clrMapOvr>
     <a:masterClrMapping/>
   </p:clrMapOvr>
+  <p:timing>
+    <p:tnLst>
+      <p:par>
+        <p:cTn id="1" dur="indefinite" restart="never" nodeType="tmRoot"/>
+      </p:par>
+    </p:tnLst>
+  </p:timing>
 </p:sld>
 </file>
 
@@ -11986,45 +12088,57 @@
       </p:grpSpPr>
       <p:sp>
         <p:nvSpPr>
-          <p:cNvPr id="4" name="Title 3"/>
-          <p:cNvSpPr>
-            <a:spLocks noGrp="1"/>
-          </p:cNvSpPr>
-          <p:nvPr>
-            <p:ph type="ctrTitle"/>
-          </p:nvPr>
-        </p:nvSpPr>
-        <p:spPr/>
-        <p:txBody>
-          <a:bodyPr/>
-          <a:lstStyle/>
-          <a:p>
-            <a:r>
-              <a:rPr lang="en-US" dirty="0" smtClean="0"/>
-              <a:t>Resources</a:t>
-            </a:r>
-            <a:endParaRPr lang="en-US" dirty="0"/>
-          </a:p>
-        </p:txBody>
-      </p:sp>
-      <p:sp>
-        <p:nvSpPr>
-          <p:cNvPr id="5" name="Subtitle 4"/>
-          <p:cNvSpPr>
-            <a:spLocks noGrp="1"/>
-          </p:cNvSpPr>
-          <p:nvPr>
-            <p:ph type="subTitle" idx="1"/>
-          </p:nvPr>
-        </p:nvSpPr>
-        <p:spPr/>
-        <p:txBody>
-          <a:bodyPr/>
-          <a:lstStyle/>
-          <a:p>
-            <a:r>
-              <a:rPr lang="en-US" dirty="0" smtClean="0"/>
-              <a:t>Things you should explore when looking further</a:t>
+          <p:cNvPr id="2" name="Title 1"/>
+          <p:cNvSpPr>
+            <a:spLocks noGrp="1"/>
+          </p:cNvSpPr>
+          <p:nvPr>
+            <p:ph type="title"/>
+          </p:nvPr>
+        </p:nvSpPr>
+        <p:spPr/>
+        <p:txBody>
+          <a:bodyPr/>
+          <a:lstStyle/>
+          <a:p>
+            <a:r>
+              <a:rPr lang="en-US" dirty="0" smtClean="0"/>
+              <a:t>Done? Great. One last exercise:</a:t>
+            </a:r>
+            <a:endParaRPr lang="en-US" dirty="0"/>
+          </a:p>
+        </p:txBody>
+      </p:sp>
+      <p:sp>
+        <p:nvSpPr>
+          <p:cNvPr id="3" name="Content Placeholder 2"/>
+          <p:cNvSpPr>
+            <a:spLocks noGrp="1"/>
+          </p:cNvSpPr>
+          <p:nvPr>
+            <p:ph idx="1"/>
+          </p:nvPr>
+        </p:nvSpPr>
+        <p:spPr/>
+        <p:txBody>
+          <a:bodyPr/>
+          <a:lstStyle/>
+          <a:p>
+            <a:r>
+              <a:rPr lang="en-US" dirty="0" smtClean="0"/>
+              <a:t>Recreate your code, but make it </a:t>
+            </a:r>
+            <a:r>
+              <a:rPr lang="en-US" dirty="0" smtClean="0"/>
+              <a:t>asynchronous</a:t>
+            </a:r>
+            <a:r>
+              <a:rPr lang="en-US" dirty="0" smtClean="0"/>
+              <a:t> and load once you click the </a:t>
+            </a:r>
+            <a:r>
+              <a:rPr lang="en-US" smtClean="0"/>
+              <a:t>‘body’ element</a:t>
             </a:r>
             <a:endParaRPr lang="en-US" dirty="0"/>
           </a:p>
@@ -12033,7 +12147,7 @@
     </p:spTree>
     <p:extLst>
       <p:ext uri="{BB962C8B-B14F-4D97-AF65-F5344CB8AC3E}">
-        <p14:creationId xmlns:p14="http://schemas.microsoft.com/office/powerpoint/2010/main" val="2724028488"/>
+        <p14:creationId xmlns:p14="http://schemas.microsoft.com/office/powerpoint/2010/main" val="310732629"/>
       </p:ext>
     </p:extLst>
   </p:cSld>
@@ -12062,7 +12176,7 @@
       </p:grpSpPr>
       <p:sp>
         <p:nvSpPr>
-          <p:cNvPr id="2" name="Title 1"/>
+          <p:cNvPr id="4" name="Title 3"/>
           <p:cNvSpPr>
             <a:spLocks noGrp="1"/>
           </p:cNvSpPr>
@@ -12077,15 +12191,15 @@
           <a:p>
             <a:r>
               <a:rPr lang="en-US" dirty="0" smtClean="0"/>
-              <a:t>Read the API docs!</a:t>
-            </a:r>
-            <a:endParaRPr lang="en-US" dirty="0"/>
-          </a:p>
-        </p:txBody>
-      </p:sp>
-      <p:sp>
-        <p:nvSpPr>
-          <p:cNvPr id="3" name="Content Placeholder 2"/>
+              <a:t>Resources</a:t>
+            </a:r>
+            <a:endParaRPr lang="en-US" dirty="0"/>
+          </a:p>
+        </p:txBody>
+      </p:sp>
+      <p:sp>
+        <p:nvSpPr>
+          <p:cNvPr id="5" name="Subtitle 4"/>
           <p:cNvSpPr>
             <a:spLocks noGrp="1"/>
           </p:cNvSpPr>
@@ -12099,38 +12213,17 @@
           <a:lstStyle/>
           <a:p>
             <a:r>
-              <a:rPr lang="en-US" b="1" dirty="0" smtClean="0"/>
-              <a:t>D3: </a:t>
-            </a:r>
-            <a:r>
-              <a:rPr lang="en-US" dirty="0" smtClean="0"/>
-              <a:t>https</a:t>
-            </a:r>
-            <a:r>
-              <a:rPr lang="en-US" dirty="0"/>
-              <a:t>://</a:t>
-            </a:r>
-            <a:r>
-              <a:rPr lang="en-US" dirty="0" smtClean="0"/>
-              <a:t>github.com/d3/d3/wiki</a:t>
-            </a:r>
-          </a:p>
-          <a:p>
-            <a:r>
-              <a:rPr lang="en-US" b="1" dirty="0"/>
-              <a:t>Web: </a:t>
-            </a:r>
-            <a:r>
-              <a:rPr lang="en-US" dirty="0"/>
-              <a:t>https://developer.mozilla.org/en-US/</a:t>
-            </a:r>
+              <a:rPr lang="en-US" dirty="0" smtClean="0"/>
+              <a:t>Things you should explore when looking further</a:t>
+            </a:r>
+            <a:endParaRPr lang="en-US" dirty="0"/>
           </a:p>
         </p:txBody>
       </p:sp>
     </p:spTree>
     <p:extLst>
       <p:ext uri="{BB962C8B-B14F-4D97-AF65-F5344CB8AC3E}">
-        <p14:creationId xmlns:p14="http://schemas.microsoft.com/office/powerpoint/2010/main" val="2779721294"/>
+        <p14:creationId xmlns:p14="http://schemas.microsoft.com/office/powerpoint/2010/main" val="2724028488"/>
       </p:ext>
     </p:extLst>
   </p:cSld>
@@ -12159,7 +12252,7 @@
       </p:grpSpPr>
       <p:sp>
         <p:nvSpPr>
-          <p:cNvPr id="4" name="Title 3"/>
+          <p:cNvPr id="2" name="Title 1"/>
           <p:cNvSpPr>
             <a:spLocks noGrp="1"/>
           </p:cNvSpPr>
@@ -12174,15 +12267,15 @@
           <a:p>
             <a:r>
               <a:rPr lang="en-US" dirty="0" smtClean="0"/>
-              <a:t>Top 3 resources:</a:t>
-            </a:r>
-            <a:endParaRPr lang="en-US" dirty="0"/>
-          </a:p>
-        </p:txBody>
-      </p:sp>
-      <p:sp>
-        <p:nvSpPr>
-          <p:cNvPr id="5" name="Subtitle 4"/>
+              <a:t>Read the API docs!</a:t>
+            </a:r>
+            <a:endParaRPr lang="en-US" dirty="0"/>
+          </a:p>
+        </p:txBody>
+      </p:sp>
+      <p:sp>
+        <p:nvSpPr>
+          <p:cNvPr id="3" name="Content Placeholder 2"/>
           <p:cNvSpPr>
             <a:spLocks noGrp="1"/>
           </p:cNvSpPr>
@@ -12196,47 +12289,38 @@
           <a:lstStyle/>
           <a:p>
             <a:r>
-              <a:rPr lang="en-US" dirty="0" smtClean="0"/>
-              <a:t>The d3 API documentation</a:t>
-            </a:r>
-          </a:p>
-          <a:p>
-            <a:r>
-              <a:rPr lang="en-US" dirty="0" smtClean="0"/>
-              <a:t>MDN web standards documentation</a:t>
-            </a:r>
-          </a:p>
-          <a:p>
+              <a:rPr lang="en-US" b="1" dirty="0" smtClean="0"/>
+              <a:t>D3: </a:t>
+            </a:r>
+            <a:r>
+              <a:rPr lang="en-US" dirty="0" smtClean="0"/>
+              <a:t>https</a:t>
+            </a:r>
             <a:r>
               <a:rPr lang="en-US" dirty="0"/>
-              <a:t>Googling </a:t>
-            </a:r>
-            <a:r>
-              <a:rPr lang="en-US" dirty="0" smtClean="0"/>
-              <a:t>things you want to make </a:t>
+              <a:t>://</a:t>
+            </a:r>
+            <a:r>
+              <a:rPr lang="en-US" dirty="0" smtClean="0"/>
+              <a:t>github.com/d3/d3/wiki</a:t>
+            </a:r>
+          </a:p>
+          <a:p>
+            <a:r>
+              <a:rPr lang="en-US" b="1" dirty="0"/>
+              <a:t>Web: </a:t>
             </a:r>
             <a:r>
               <a:rPr lang="en-US" dirty="0"/>
-              <a:t>(“d3 scatterplot </a:t>
-            </a:r>
-            <a:r>
-              <a:rPr lang="en-US" dirty="0" err="1"/>
-              <a:t>bl.ocks</a:t>
-            </a:r>
-            <a:r>
-              <a:rPr lang="en-US" dirty="0"/>
-              <a:t>”)</a:t>
-            </a:r>
-          </a:p>
-          <a:p>
-            <a:endParaRPr lang="en-US" dirty="0"/>
+              <a:t>https://developer.mozilla.org/en-US/</a:t>
+            </a:r>
           </a:p>
         </p:txBody>
       </p:sp>
     </p:spTree>
     <p:extLst>
       <p:ext uri="{BB962C8B-B14F-4D97-AF65-F5344CB8AC3E}">
-        <p14:creationId xmlns:p14="http://schemas.microsoft.com/office/powerpoint/2010/main" val="3084310567"/>
+        <p14:creationId xmlns:p14="http://schemas.microsoft.com/office/powerpoint/2010/main" val="2779721294"/>
       </p:ext>
     </p:extLst>
   </p:cSld>
@@ -12265,7 +12349,7 @@
       </p:grpSpPr>
       <p:sp>
         <p:nvSpPr>
-          <p:cNvPr id="2" name="Title 1"/>
+          <p:cNvPr id="4" name="Title 3"/>
           <p:cNvSpPr>
             <a:spLocks noGrp="1"/>
           </p:cNvSpPr>
@@ -12273,27 +12357,22 @@
             <p:ph type="ctrTitle"/>
           </p:nvPr>
         </p:nvSpPr>
-        <p:spPr>
-          <a:xfrm>
-            <a:off x="1524000" y="174567"/>
-            <a:ext cx="9144000" cy="982894"/>
-          </a:xfrm>
-        </p:spPr>
-        <p:txBody>
-          <a:bodyPr/>
-          <a:lstStyle/>
-          <a:p>
-            <a:r>
-              <a:rPr lang="en-US" dirty="0" smtClean="0"/>
-              <a:t>Listing the Basics:</a:t>
-            </a:r>
-            <a:endParaRPr lang="en-US" dirty="0"/>
-          </a:p>
-        </p:txBody>
-      </p:sp>
-      <p:sp>
-        <p:nvSpPr>
-          <p:cNvPr id="3" name="Subtitle 2"/>
+        <p:spPr/>
+        <p:txBody>
+          <a:bodyPr/>
+          <a:lstStyle/>
+          <a:p>
+            <a:r>
+              <a:rPr lang="en-US" dirty="0" smtClean="0"/>
+              <a:t>Top 3 resources:</a:t>
+            </a:r>
+            <a:endParaRPr lang="en-US" dirty="0"/>
+          </a:p>
+        </p:txBody>
+      </p:sp>
+      <p:sp>
+        <p:nvSpPr>
+          <p:cNvPr id="5" name="Subtitle 4"/>
           <p:cNvSpPr>
             <a:spLocks noGrp="1"/>
           </p:cNvSpPr>
@@ -12301,140 +12380,45 @@
             <p:ph type="subTitle" idx="1"/>
           </p:nvPr>
         </p:nvSpPr>
-        <p:spPr>
-          <a:xfrm>
-            <a:off x="2219498" y="1263535"/>
-            <a:ext cx="7753004" cy="5412394"/>
-          </a:xfrm>
-        </p:spPr>
-        <p:txBody>
-          <a:bodyPr>
-            <a:normAutofit/>
-          </a:bodyPr>
-          <a:lstStyle/>
-          <a:p>
-            <a:pPr algn="l"/>
-            <a:r>
-              <a:rPr lang="en-US" sz="2800" b="1" dirty="0" smtClean="0"/>
-              <a:t>Know what these are, you will use them often:</a:t>
-            </a:r>
-          </a:p>
-          <a:p>
-            <a:pPr marL="342900" indent="-342900" algn="l">
-              <a:buFont typeface="Arial" panose="020B0604020202020204" pitchFamily="34" charset="0"/>
-              <a:buChar char="•"/>
-            </a:pPr>
-            <a:r>
-              <a:rPr lang="en-US" dirty="0" smtClean="0"/>
-              <a:t>Selections (select, </a:t>
-            </a:r>
-            <a:r>
-              <a:rPr lang="en-US" dirty="0" err="1" smtClean="0"/>
-              <a:t>selectAll</a:t>
-            </a:r>
-            <a:r>
-              <a:rPr lang="en-US" dirty="0" smtClean="0"/>
-              <a:t> and how they work)</a:t>
-            </a:r>
-          </a:p>
-          <a:p>
-            <a:pPr marL="342900" indent="-342900" algn="l">
-              <a:buFont typeface="Arial" panose="020B0604020202020204" pitchFamily="34" charset="0"/>
-              <a:buChar char="•"/>
-            </a:pPr>
-            <a:r>
-              <a:rPr lang="en-US" dirty="0" smtClean="0"/>
-              <a:t>SVG types (circle, </a:t>
-            </a:r>
-            <a:r>
-              <a:rPr lang="en-US" dirty="0" err="1" smtClean="0"/>
-              <a:t>rect</a:t>
-            </a:r>
-            <a:r>
-              <a:rPr lang="en-US" dirty="0" smtClean="0"/>
-              <a:t>, text, path)</a:t>
-            </a:r>
-          </a:p>
-          <a:p>
-            <a:pPr marL="342900" indent="-342900" algn="l">
-              <a:buFont typeface="Arial" panose="020B0604020202020204" pitchFamily="34" charset="0"/>
-              <a:buChar char="•"/>
-            </a:pPr>
-            <a:r>
-              <a:rPr lang="en-US" dirty="0" smtClean="0"/>
-              <a:t>Data Enter/Append</a:t>
-            </a:r>
-          </a:p>
-          <a:p>
-            <a:pPr marL="342900" indent="-342900" algn="l">
-              <a:buFont typeface="Arial" panose="020B0604020202020204" pitchFamily="34" charset="0"/>
-              <a:buChar char="•"/>
-            </a:pPr>
-            <a:r>
-              <a:rPr lang="en-US" dirty="0" smtClean="0"/>
-              <a:t>Data Exit/Remove</a:t>
-            </a:r>
-          </a:p>
-          <a:p>
-            <a:pPr marL="342900" indent="-342900" algn="l">
-              <a:buFont typeface="Arial" panose="020B0604020202020204" pitchFamily="34" charset="0"/>
-              <a:buChar char="•"/>
-            </a:pPr>
-            <a:r>
-              <a:rPr lang="en-US" dirty="0" smtClean="0"/>
-              <a:t>Chaining</a:t>
-            </a:r>
-          </a:p>
-          <a:p>
-            <a:pPr marL="342900" indent="-342900" algn="l">
-              <a:buFont typeface="Arial" panose="020B0604020202020204" pitchFamily="34" charset="0"/>
-              <a:buChar char="•"/>
-            </a:pPr>
-            <a:r>
-              <a:rPr lang="en-US" dirty="0" err="1" smtClean="0"/>
-              <a:t>Attributes+Transitions</a:t>
-            </a:r>
-            <a:endParaRPr lang="en-US" dirty="0" smtClean="0"/>
-          </a:p>
-          <a:p>
-            <a:pPr marL="342900" indent="-342900" algn="l">
-              <a:buFont typeface="Arial" panose="020B0604020202020204" pitchFamily="34" charset="0"/>
-              <a:buChar char="•"/>
-            </a:pPr>
-            <a:r>
-              <a:rPr lang="en-US" dirty="0" smtClean="0"/>
-              <a:t>Arrays: Min/Max/Range, Keys, Merge, Nest</a:t>
-            </a:r>
-          </a:p>
-          <a:p>
-            <a:pPr marL="342900" indent="-342900" algn="l">
-              <a:buFont typeface="Arial" panose="020B0604020202020204" pitchFamily="34" charset="0"/>
-              <a:buChar char="•"/>
-            </a:pPr>
-            <a:r>
-              <a:rPr lang="en-US" dirty="0" smtClean="0"/>
-              <a:t>Scales</a:t>
-            </a:r>
-          </a:p>
-          <a:p>
-            <a:pPr marL="342900" indent="-342900" algn="l">
-              <a:buFont typeface="Arial" panose="020B0604020202020204" pitchFamily="34" charset="0"/>
-              <a:buChar char="•"/>
-            </a:pPr>
-            <a:r>
-              <a:rPr lang="en-US" dirty="0" smtClean="0"/>
-              <a:t>Color</a:t>
-            </a:r>
-          </a:p>
-          <a:p>
-            <a:pPr marL="342900" indent="-342900" algn="l">
-              <a:buFont typeface="Arial" panose="020B0604020202020204" pitchFamily="34" charset="0"/>
-              <a:buChar char="•"/>
-            </a:pPr>
-            <a:r>
-              <a:rPr lang="en-US" dirty="0" smtClean="0"/>
-              <a:t>Axes</a:t>
-            </a:r>
+        <p:spPr/>
+        <p:txBody>
+          <a:bodyPr/>
+          <a:lstStyle/>
+          <a:p>
+            <a:r>
+              <a:rPr lang="en-US" dirty="0" smtClean="0"/>
+              <a:t>The d3 API documentation</a:t>
+            </a:r>
+          </a:p>
+          <a:p>
+            <a:r>
+              <a:rPr lang="en-US" dirty="0" smtClean="0"/>
+              <a:t>MDN web standards documentation</a:t>
+            </a:r>
+          </a:p>
+          <a:p>
+            <a:r>
+              <a:rPr lang="en-US" dirty="0"/>
+              <a:t>Googling </a:t>
+            </a:r>
+            <a:r>
+              <a:rPr lang="en-US" dirty="0" smtClean="0"/>
+              <a:t>things you want to make </a:t>
+            </a:r>
+            <a:r>
+              <a:rPr lang="en-US" dirty="0"/>
+              <a:t>(“d3 scatterplot </a:t>
+            </a:r>
+            <a:r>
+              <a:rPr lang="en-US" dirty="0" err="1"/>
+              <a:t>bl.ocks</a:t>
+            </a:r>
+            <a:r>
+              <a:rPr lang="en-US" dirty="0"/>
+              <a:t>”)</a:t>
+            </a:r>
+          </a:p>
+          <a:p>
             <a:endParaRPr lang="en-US" dirty="0"/>
           </a:p>
         </p:txBody>
@@ -12442,7 +12426,7 @@
     </p:spTree>
     <p:extLst>
       <p:ext uri="{BB962C8B-B14F-4D97-AF65-F5344CB8AC3E}">
-        <p14:creationId xmlns:p14="http://schemas.microsoft.com/office/powerpoint/2010/main" val="1452815126"/>
+        <p14:creationId xmlns:p14="http://schemas.microsoft.com/office/powerpoint/2010/main" val="3084310567"/>
       </p:ext>
     </p:extLst>
   </p:cSld>
@@ -12479,14 +12463,19 @@
             <p:ph type="ctrTitle"/>
           </p:nvPr>
         </p:nvSpPr>
-        <p:spPr/>
-        <p:txBody>
-          <a:bodyPr/>
-          <a:lstStyle/>
-          <a:p>
-            <a:r>
-              <a:rPr lang="en-US" dirty="0" smtClean="0"/>
-              <a:t>Design Basics for Charts</a:t>
+        <p:spPr>
+          <a:xfrm>
+            <a:off x="1524000" y="174567"/>
+            <a:ext cx="9144000" cy="982894"/>
+          </a:xfrm>
+        </p:spPr>
+        <p:txBody>
+          <a:bodyPr/>
+          <a:lstStyle/>
+          <a:p>
+            <a:r>
+              <a:rPr lang="en-US" dirty="0" smtClean="0"/>
+              <a:t>Listing the Basics:</a:t>
             </a:r>
             <a:endParaRPr lang="en-US" dirty="0"/>
           </a:p>
@@ -12502,32 +12491,139 @@
             <p:ph type="subTitle" idx="1"/>
           </p:nvPr>
         </p:nvSpPr>
-        <p:spPr/>
-        <p:txBody>
-          <a:bodyPr/>
-          <a:lstStyle/>
-          <a:p>
-            <a:r>
-              <a:rPr lang="en-US" sz="4000" dirty="0"/>
-              <a:t>http://</a:t>
-            </a:r>
-            <a:r>
-              <a:rPr lang="en-US" sz="4000" dirty="0" smtClean="0"/>
-              <a:t>bit.ly/1RfYZxm</a:t>
-            </a:r>
-          </a:p>
-          <a:p>
-            <a:r>
-              <a:rPr lang="en-US" dirty="0" smtClean="0"/>
-              <a:t>Worth mentioning: There are additional </a:t>
+        <p:spPr>
+          <a:xfrm>
+            <a:off x="2219498" y="1263535"/>
+            <a:ext cx="7753004" cy="5412394"/>
+          </a:xfrm>
+        </p:spPr>
+        <p:txBody>
+          <a:bodyPr>
+            <a:normAutofit/>
+          </a:bodyPr>
+          <a:lstStyle/>
+          <a:p>
+            <a:pPr algn="l"/>
+            <a:r>
+              <a:rPr lang="en-US" sz="2800" b="1" dirty="0" smtClean="0"/>
+              <a:t>Know what these are, you will use them often:</a:t>
+            </a:r>
+          </a:p>
+          <a:p>
+            <a:pPr marL="342900" indent="-342900" algn="l">
+              <a:buFont typeface="Arial" panose="020B0604020202020204" pitchFamily="34" charset="0"/>
+              <a:buChar char="•"/>
+            </a:pPr>
+            <a:r>
+              <a:rPr lang="en-US" dirty="0" smtClean="0"/>
+              <a:t>Selections (select, </a:t>
             </a:r>
             <a:r>
               <a:rPr lang="en-US" dirty="0" err="1" smtClean="0"/>
-              <a:t>slidedecks</a:t>
-            </a:r>
-            <a:r>
-              <a:rPr lang="en-US" dirty="0" smtClean="0"/>
-              <a:t> by the above authors on Maps, Pie Charts, and even Data Tables</a:t>
+              <a:t>selectAll</a:t>
+            </a:r>
+            <a:r>
+              <a:rPr lang="en-US" dirty="0" smtClean="0"/>
+              <a:t> and how they work)</a:t>
+            </a:r>
+          </a:p>
+          <a:p>
+            <a:pPr marL="342900" indent="-342900" algn="l">
+              <a:buFont typeface="Arial" panose="020B0604020202020204" pitchFamily="34" charset="0"/>
+              <a:buChar char="•"/>
+            </a:pPr>
+            <a:r>
+              <a:rPr lang="en-US" dirty="0" smtClean="0"/>
+              <a:t>SVG types (circle, </a:t>
+            </a:r>
+            <a:r>
+              <a:rPr lang="en-US" dirty="0" err="1" smtClean="0"/>
+              <a:t>rect</a:t>
+            </a:r>
+            <a:r>
+              <a:rPr lang="en-US" dirty="0" smtClean="0"/>
+              <a:t>, text, path)</a:t>
+            </a:r>
+          </a:p>
+          <a:p>
+            <a:pPr marL="342900" indent="-342900" algn="l">
+              <a:buFont typeface="Arial" panose="020B0604020202020204" pitchFamily="34" charset="0"/>
+              <a:buChar char="•"/>
+            </a:pPr>
+            <a:r>
+              <a:rPr lang="en-US" dirty="0" smtClean="0"/>
+              <a:t>Data Enter/Append</a:t>
+            </a:r>
+          </a:p>
+          <a:p>
+            <a:pPr marL="342900" indent="-342900" algn="l">
+              <a:buFont typeface="Arial" panose="020B0604020202020204" pitchFamily="34" charset="0"/>
+              <a:buChar char="•"/>
+            </a:pPr>
+            <a:r>
+              <a:rPr lang="en-US" dirty="0" smtClean="0"/>
+              <a:t>Data Exit/Remove</a:t>
+            </a:r>
+          </a:p>
+          <a:p>
+            <a:pPr marL="342900" indent="-342900" algn="l">
+              <a:buFont typeface="Arial" panose="020B0604020202020204" pitchFamily="34" charset="0"/>
+              <a:buChar char="•"/>
+            </a:pPr>
+            <a:r>
+              <a:rPr lang="en-US" dirty="0" smtClean="0"/>
+              <a:t>Chaining</a:t>
+            </a:r>
+          </a:p>
+          <a:p>
+            <a:pPr marL="342900" indent="-342900" algn="l">
+              <a:buFont typeface="Arial" panose="020B0604020202020204" pitchFamily="34" charset="0"/>
+              <a:buChar char="•"/>
+            </a:pPr>
+            <a:r>
+              <a:rPr lang="en-US" dirty="0" err="1" smtClean="0"/>
+              <a:t>Attributes+Transitions</a:t>
+            </a:r>
+            <a:endParaRPr lang="en-US" dirty="0" smtClean="0"/>
+          </a:p>
+          <a:p>
+            <a:pPr marL="342900" indent="-342900" algn="l">
+              <a:buFont typeface="Arial" panose="020B0604020202020204" pitchFamily="34" charset="0"/>
+              <a:buChar char="•"/>
+            </a:pPr>
+            <a:r>
+              <a:rPr lang="en-US" dirty="0" smtClean="0"/>
+              <a:t>Arrays: Min/Max/Range, Keys, Merge, Nest</a:t>
+            </a:r>
+          </a:p>
+          <a:p>
+            <a:pPr marL="342900" indent="-342900" algn="l">
+              <a:buFont typeface="Arial" panose="020B0604020202020204" pitchFamily="34" charset="0"/>
+              <a:buChar char="•"/>
+            </a:pPr>
+            <a:r>
+              <a:rPr lang="en-US" dirty="0" smtClean="0"/>
+              <a:t>Scales</a:t>
+            </a:r>
+          </a:p>
+          <a:p>
+            <a:pPr marL="342900" indent="-342900" algn="l">
+              <a:buFont typeface="Arial" panose="020B0604020202020204" pitchFamily="34" charset="0"/>
+              <a:buChar char="•"/>
+            </a:pPr>
+            <a:r>
+              <a:rPr lang="en-US" dirty="0" smtClean="0"/>
+              <a:t>Color</a:t>
+            </a:r>
+          </a:p>
+          <a:p>
+            <a:pPr marL="342900" indent="-342900" algn="l">
+              <a:buFont typeface="Arial" panose="020B0604020202020204" pitchFamily="34" charset="0"/>
+              <a:buChar char="•"/>
+            </a:pPr>
+            <a:r>
+              <a:rPr lang="en-US" dirty="0" smtClean="0"/>
+              <a:t>Axes</a:t>
             </a:r>
             <a:endParaRPr lang="en-US" dirty="0"/>
           </a:p>
@@ -12536,7 +12632,7 @@
     </p:spTree>
     <p:extLst>
       <p:ext uri="{BB962C8B-B14F-4D97-AF65-F5344CB8AC3E}">
-        <p14:creationId xmlns:p14="http://schemas.microsoft.com/office/powerpoint/2010/main" val="4186733631"/>
+        <p14:creationId xmlns:p14="http://schemas.microsoft.com/office/powerpoint/2010/main" val="1452815126"/>
       </p:ext>
     </p:extLst>
   </p:cSld>
@@ -12573,19 +12669,14 @@
             <p:ph type="ctrTitle"/>
           </p:nvPr>
         </p:nvSpPr>
-        <p:spPr>
-          <a:xfrm>
-            <a:off x="987829" y="108066"/>
-            <a:ext cx="10216342" cy="1273838"/>
-          </a:xfrm>
-        </p:spPr>
-        <p:txBody>
-          <a:bodyPr/>
-          <a:lstStyle/>
-          <a:p>
-            <a:r>
-              <a:rPr lang="en-US" dirty="0" smtClean="0"/>
-              <a:t>Advanced d3 Abilities</a:t>
+        <p:spPr/>
+        <p:txBody>
+          <a:bodyPr/>
+          <a:lstStyle/>
+          <a:p>
+            <a:r>
+              <a:rPr lang="en-US" dirty="0" smtClean="0"/>
+              <a:t>Design Basics for Charts</a:t>
             </a:r>
             <a:endParaRPr lang="en-US" dirty="0"/>
           </a:p>
@@ -12601,223 +12692,41 @@
             <p:ph type="subTitle" idx="1"/>
           </p:nvPr>
         </p:nvSpPr>
-        <p:spPr>
-          <a:xfrm>
-            <a:off x="201337" y="1975104"/>
-            <a:ext cx="6317673" cy="4160559"/>
-          </a:xfrm>
-        </p:spPr>
-        <p:txBody>
-          <a:bodyPr>
-            <a:normAutofit/>
-          </a:bodyPr>
-          <a:lstStyle/>
-          <a:p>
-            <a:pPr algn="l"/>
-            <a:r>
-              <a:rPr lang="en-US" b="1" dirty="0"/>
-              <a:t>Curve Interpolations: </a:t>
-            </a:r>
-            <a:r>
-              <a:rPr lang="en-US" dirty="0"/>
+        <p:spPr/>
+        <p:txBody>
+          <a:bodyPr/>
+          <a:lstStyle/>
+          <a:p>
+            <a:r>
+              <a:rPr lang="en-US" sz="4000" dirty="0"/>
               <a:t>http://</a:t>
             </a:r>
             <a:r>
-              <a:rPr lang="en-US" dirty="0" smtClean="0"/>
-              <a:t>bit.ly/2xR9VxX</a:t>
-            </a:r>
-            <a:endParaRPr lang="en-US" dirty="0"/>
-          </a:p>
-          <a:p>
-            <a:pPr algn="l"/>
-            <a:r>
-              <a:rPr lang="en-US" b="1" dirty="0" err="1" smtClean="0"/>
-              <a:t>Voronoi</a:t>
-            </a:r>
-            <a:r>
-              <a:rPr lang="en-US" b="1" dirty="0" smtClean="0"/>
-              <a:t>: </a:t>
-            </a:r>
-            <a:r>
-              <a:rPr lang="en-US" dirty="0"/>
-              <a:t>http://</a:t>
-            </a:r>
-            <a:r>
-              <a:rPr lang="en-US" dirty="0" smtClean="0"/>
-              <a:t>bit.ly/2gK35mi </a:t>
-            </a:r>
-          </a:p>
-          <a:p>
-            <a:pPr algn="l"/>
-            <a:r>
-              <a:rPr lang="en-US" dirty="0"/>
-              <a:t>	https://</a:t>
-            </a:r>
-            <a:r>
-              <a:rPr lang="en-US" dirty="0" smtClean="0"/>
-              <a:t>bl.ocks.org/mbostock/4060366</a:t>
-            </a:r>
-          </a:p>
-          <a:p>
-            <a:pPr algn="l"/>
-            <a:r>
-              <a:rPr lang="en-US" b="1" dirty="0" smtClean="0"/>
-              <a:t>Zooming: </a:t>
-            </a:r>
-            <a:r>
-              <a:rPr lang="en-US" dirty="0"/>
-              <a:t>http://</a:t>
-            </a:r>
-            <a:r>
-              <a:rPr lang="en-US" dirty="0" smtClean="0"/>
-              <a:t>bit.ly/2f6WYsg</a:t>
-            </a:r>
-          </a:p>
-          <a:p>
-            <a:pPr algn="l"/>
-            <a:r>
-              <a:rPr lang="en-US" b="1" dirty="0" smtClean="0"/>
-              <a:t>Brushing/Zooming: </a:t>
-            </a:r>
-            <a:r>
-              <a:rPr lang="en-US" dirty="0"/>
-              <a:t>http://bit.ly/2lTjfef</a:t>
-            </a:r>
-            <a:endParaRPr lang="en-US" dirty="0" smtClean="0"/>
-          </a:p>
-          <a:p>
-            <a:pPr algn="l"/>
-            <a:r>
-              <a:rPr lang="en-US" b="1" dirty="0" smtClean="0"/>
-              <a:t>Stacking:</a:t>
-            </a:r>
-            <a:r>
-              <a:rPr lang="en-US" dirty="0"/>
-              <a:t> http://</a:t>
-            </a:r>
-            <a:r>
-              <a:rPr lang="en-US" dirty="0" smtClean="0"/>
-              <a:t>bl.ocks.org/mbostock/582915</a:t>
-            </a:r>
-          </a:p>
-          <a:p>
-            <a:pPr algn="l"/>
-            <a:r>
-              <a:rPr lang="en-US" b="1" dirty="0" smtClean="0"/>
-              <a:t>Collision Constraint: </a:t>
-            </a:r>
-            <a:r>
-              <a:rPr lang="en-US" dirty="0"/>
-              <a:t>http://</a:t>
-            </a:r>
-            <a:r>
-              <a:rPr lang="en-US" dirty="0" smtClean="0"/>
-              <a:t>bit.ly/2vOPk05</a:t>
-            </a:r>
-          </a:p>
-          <a:p>
-            <a:pPr algn="l"/>
-            <a:r>
-              <a:rPr lang="en-US" b="1" dirty="0" smtClean="0"/>
-              <a:t>Dragging: </a:t>
-            </a:r>
-            <a:r>
-              <a:rPr lang="en-US" dirty="0"/>
-              <a:t>http://</a:t>
-            </a:r>
-            <a:r>
-              <a:rPr lang="en-US" dirty="0" smtClean="0"/>
-              <a:t>bit.ly/2j6x5gH</a:t>
-            </a:r>
-          </a:p>
-          <a:p>
-            <a:pPr algn="l"/>
-            <a:r>
-              <a:rPr lang="en-US" b="1" dirty="0" smtClean="0"/>
-              <a:t>“Each”: </a:t>
-            </a:r>
-            <a:r>
-              <a:rPr lang="en-US" dirty="0"/>
-              <a:t>https://</a:t>
-            </a:r>
-            <a:r>
-              <a:rPr lang="en-US" dirty="0" smtClean="0"/>
-              <a:t>bl.ocks.org/mbostock/9490313</a:t>
-            </a:r>
-          </a:p>
-          <a:p>
-            <a:pPr algn="l"/>
-            <a:endParaRPr lang="en-US" dirty="0"/>
-          </a:p>
-        </p:txBody>
-      </p:sp>
-      <p:sp>
-        <p:nvSpPr>
-          <p:cNvPr id="4" name="Rectangle 3"/>
-          <p:cNvSpPr/>
-          <p:nvPr/>
-        </p:nvSpPr>
-        <p:spPr>
-          <a:xfrm>
-            <a:off x="6519010" y="3085888"/>
-            <a:ext cx="6096000" cy="1938992"/>
-          </a:xfrm>
-          <a:prstGeom prst="rect">
-            <a:avLst/>
-          </a:prstGeom>
-        </p:spPr>
-        <p:txBody>
-          <a:bodyPr>
-            <a:spAutoFit/>
-          </a:bodyPr>
-          <a:lstStyle/>
-          <a:p>
-            <a:r>
-              <a:rPr lang="en-US" sz="2400" b="1" dirty="0"/>
-              <a:t>Dispatching</a:t>
-            </a:r>
-            <a:r>
-              <a:rPr lang="en-US" sz="2400" dirty="0"/>
-              <a:t> (super advanced): https://</a:t>
-            </a:r>
-            <a:r>
-              <a:rPr lang="en-US" sz="2400" dirty="0" smtClean="0"/>
-              <a:t>bl.ocks.org/mbostock/5872848</a:t>
-            </a:r>
-          </a:p>
-          <a:p>
-            <a:endParaRPr lang="en-US" sz="2400" dirty="0"/>
-          </a:p>
-          <a:p>
-            <a:r>
-              <a:rPr lang="en-US" sz="2400" b="1" dirty="0"/>
-              <a:t>Modules/Plugins</a:t>
-            </a:r>
-            <a:r>
-              <a:rPr lang="en-US" sz="2400" dirty="0"/>
-              <a:t> (</a:t>
-            </a:r>
-            <a:r>
-              <a:rPr lang="en-US" sz="2400" i="1" dirty="0"/>
-              <a:t>most</a:t>
-            </a:r>
-            <a:r>
-              <a:rPr lang="en-US" sz="2400" dirty="0"/>
-              <a:t> advanced):</a:t>
-            </a:r>
-          </a:p>
-          <a:p>
-            <a:r>
-              <a:rPr lang="en-US" sz="2400" dirty="0"/>
-              <a:t>https://bost.ocks.org/mike/d3-plugin/</a:t>
-            </a:r>
+              <a:rPr lang="en-US" sz="4000" dirty="0" smtClean="0"/>
+              <a:t>bit.ly/1RfYZxm</a:t>
+            </a:r>
+          </a:p>
+          <a:p>
+            <a:r>
+              <a:rPr lang="en-US" dirty="0" smtClean="0"/>
+              <a:t>Worth mentioning: There are additional </a:t>
+            </a:r>
+            <a:r>
+              <a:rPr lang="en-US" dirty="0" err="1" smtClean="0"/>
+              <a:t>slidedecks</a:t>
+            </a:r>
+            <a:r>
+              <a:rPr lang="en-US" dirty="0" smtClean="0"/>
+              <a:t> by the above authors on Maps, Pie Charts, and even Data Tables</a:t>
+            </a:r>
+            <a:endParaRPr lang="en-US" dirty="0"/>
           </a:p>
         </p:txBody>
       </p:sp>
     </p:spTree>
     <p:extLst>
       <p:ext uri="{BB962C8B-B14F-4D97-AF65-F5344CB8AC3E}">
-        <p14:creationId xmlns:p14="http://schemas.microsoft.com/office/powerpoint/2010/main" val="3499195240"/>
+        <p14:creationId xmlns:p14="http://schemas.microsoft.com/office/powerpoint/2010/main" val="4186733631"/>
       </p:ext>
     </p:extLst>
   </p:cSld>
@@ -12854,14 +12763,19 @@
             <p:ph type="ctrTitle"/>
           </p:nvPr>
         </p:nvSpPr>
-        <p:spPr/>
-        <p:txBody>
-          <a:bodyPr/>
-          <a:lstStyle/>
-          <a:p>
-            <a:r>
-              <a:rPr lang="en-US" dirty="0" smtClean="0"/>
-              <a:t>SVG Documentation</a:t>
+        <p:spPr>
+          <a:xfrm>
+            <a:off x="987829" y="108066"/>
+            <a:ext cx="10216342" cy="1273838"/>
+          </a:xfrm>
+        </p:spPr>
+        <p:txBody>
+          <a:bodyPr/>
+          <a:lstStyle/>
+          <a:p>
+            <a:r>
+              <a:rPr lang="en-US" dirty="0" smtClean="0"/>
+              <a:t>Advanced d3 Abilities</a:t>
             </a:r>
             <a:endParaRPr lang="en-US" dirty="0"/>
           </a:p>
@@ -12877,33 +12791,223 @@
             <p:ph type="subTitle" idx="1"/>
           </p:nvPr>
         </p:nvSpPr>
-        <p:spPr/>
-        <p:txBody>
-          <a:bodyPr/>
-          <a:lstStyle/>
-          <a:p>
-            <a:r>
-              <a:rPr lang="en-US" sz="4000" dirty="0"/>
+        <p:spPr>
+          <a:xfrm>
+            <a:off x="201337" y="1975104"/>
+            <a:ext cx="6317673" cy="4160559"/>
+          </a:xfrm>
+        </p:spPr>
+        <p:txBody>
+          <a:bodyPr>
+            <a:normAutofit/>
+          </a:bodyPr>
+          <a:lstStyle/>
+          <a:p>
+            <a:pPr algn="l"/>
+            <a:r>
+              <a:rPr lang="en-US" b="1" dirty="0"/>
+              <a:t>Curve Interpolations: </a:t>
+            </a:r>
+            <a:r>
+              <a:rPr lang="en-US" dirty="0"/>
+              <a:t>http://</a:t>
+            </a:r>
+            <a:r>
+              <a:rPr lang="en-US" dirty="0" smtClean="0"/>
+              <a:t>bit.ly/2xR9VxX</a:t>
+            </a:r>
+            <a:endParaRPr lang="en-US" dirty="0"/>
+          </a:p>
+          <a:p>
+            <a:pPr algn="l"/>
+            <a:r>
+              <a:rPr lang="en-US" b="1" dirty="0" err="1" smtClean="0"/>
+              <a:t>Voronoi</a:t>
+            </a:r>
+            <a:r>
+              <a:rPr lang="en-US" b="1" dirty="0" smtClean="0"/>
+              <a:t>: </a:t>
+            </a:r>
+            <a:r>
+              <a:rPr lang="en-US" dirty="0"/>
+              <a:t>http://</a:t>
+            </a:r>
+            <a:r>
+              <a:rPr lang="en-US" dirty="0" smtClean="0"/>
+              <a:t>bit.ly/2gK35mi </a:t>
+            </a:r>
+          </a:p>
+          <a:p>
+            <a:pPr algn="l"/>
+            <a:r>
+              <a:rPr lang="en-US" dirty="0"/>
+              <a:t>	https://</a:t>
+            </a:r>
+            <a:r>
+              <a:rPr lang="en-US" dirty="0" smtClean="0"/>
+              <a:t>bl.ocks.org/mbostock/4060366</a:t>
+            </a:r>
+          </a:p>
+          <a:p>
+            <a:pPr algn="l"/>
+            <a:r>
+              <a:rPr lang="en-US" b="1" dirty="0" smtClean="0"/>
+              <a:t>Zooming: </a:t>
+            </a:r>
+            <a:r>
+              <a:rPr lang="en-US" dirty="0"/>
+              <a:t>http://</a:t>
+            </a:r>
+            <a:r>
+              <a:rPr lang="en-US" dirty="0" smtClean="0"/>
+              <a:t>bit.ly/2f6WYsg</a:t>
+            </a:r>
+          </a:p>
+          <a:p>
+            <a:pPr algn="l"/>
+            <a:r>
+              <a:rPr lang="en-US" b="1" dirty="0" smtClean="0"/>
+              <a:t>Brushing/Zooming: </a:t>
+            </a:r>
+            <a:r>
+              <a:rPr lang="en-US" dirty="0"/>
+              <a:t>http://bit.ly/2lTjfef</a:t>
+            </a:r>
+            <a:endParaRPr lang="en-US" dirty="0" smtClean="0"/>
+          </a:p>
+          <a:p>
+            <a:pPr algn="l"/>
+            <a:r>
+              <a:rPr lang="en-US" b="1" dirty="0" smtClean="0"/>
+              <a:t>Stacking:</a:t>
+            </a:r>
+            <a:r>
+              <a:rPr lang="en-US" dirty="0"/>
+              <a:t> http://</a:t>
+            </a:r>
+            <a:r>
+              <a:rPr lang="en-US" dirty="0" smtClean="0"/>
+              <a:t>bl.ocks.org/mbostock/582915</a:t>
+            </a:r>
+          </a:p>
+          <a:p>
+            <a:pPr algn="l"/>
+            <a:r>
+              <a:rPr lang="en-US" b="1" dirty="0" smtClean="0"/>
+              <a:t>Collision Constraint: </a:t>
+            </a:r>
+            <a:r>
+              <a:rPr lang="en-US" dirty="0"/>
+              <a:t>http://</a:t>
+            </a:r>
+            <a:r>
+              <a:rPr lang="en-US" dirty="0" smtClean="0"/>
+              <a:t>bit.ly/2vOPk05</a:t>
+            </a:r>
+          </a:p>
+          <a:p>
+            <a:pPr algn="l"/>
+            <a:r>
+              <a:rPr lang="en-US" b="1" dirty="0" smtClean="0"/>
+              <a:t>Dragging: </a:t>
+            </a:r>
+            <a:r>
+              <a:rPr lang="en-US" dirty="0"/>
+              <a:t>http://</a:t>
+            </a:r>
+            <a:r>
+              <a:rPr lang="en-US" dirty="0" smtClean="0"/>
+              <a:t>bit.ly/2j6x5gH</a:t>
+            </a:r>
+          </a:p>
+          <a:p>
+            <a:pPr algn="l"/>
+            <a:r>
+              <a:rPr lang="en-US" b="1" dirty="0" smtClean="0"/>
+              <a:t>“Each”: </a:t>
+            </a:r>
+            <a:r>
+              <a:rPr lang="en-US" dirty="0"/>
               <a:t>https://</a:t>
             </a:r>
             <a:r>
-              <a:rPr lang="en-US" sz="4000" dirty="0" smtClean="0"/>
-              <a:t>mzl.la/1nP24aN</a:t>
-            </a:r>
-          </a:p>
-          <a:p>
-            <a:r>
-              <a:rPr lang="en-US" dirty="0" smtClean="0"/>
-              <a:t>Check it: this is good to be familiar with, as is all of MDN</a:t>
-            </a:r>
-            <a:endParaRPr lang="en-US" dirty="0"/>
+              <a:rPr lang="en-US" dirty="0" smtClean="0"/>
+              <a:t>bl.ocks.org/mbostock/9490313</a:t>
+            </a:r>
+          </a:p>
+          <a:p>
+            <a:pPr algn="l"/>
+            <a:endParaRPr lang="en-US" dirty="0"/>
+          </a:p>
+        </p:txBody>
+      </p:sp>
+      <p:sp>
+        <p:nvSpPr>
+          <p:cNvPr id="4" name="Rectangle 3"/>
+          <p:cNvSpPr/>
+          <p:nvPr/>
+        </p:nvSpPr>
+        <p:spPr>
+          <a:xfrm>
+            <a:off x="6519010" y="3085888"/>
+            <a:ext cx="6096000" cy="1938992"/>
+          </a:xfrm>
+          <a:prstGeom prst="rect">
+            <a:avLst/>
+          </a:prstGeom>
+        </p:spPr>
+        <p:txBody>
+          <a:bodyPr>
+            <a:spAutoFit/>
+          </a:bodyPr>
+          <a:lstStyle/>
+          <a:p>
+            <a:r>
+              <a:rPr lang="en-US" sz="2400" b="1" dirty="0"/>
+              <a:t>Dispatching</a:t>
+            </a:r>
+            <a:r>
+              <a:rPr lang="en-US" sz="2400" dirty="0"/>
+              <a:t> (super advanced): https://</a:t>
+            </a:r>
+            <a:r>
+              <a:rPr lang="en-US" sz="2400" dirty="0" smtClean="0"/>
+              <a:t>bl.ocks.org/mbostock/5872848</a:t>
+            </a:r>
+          </a:p>
+          <a:p>
+            <a:endParaRPr lang="en-US" sz="2400" dirty="0"/>
+          </a:p>
+          <a:p>
+            <a:r>
+              <a:rPr lang="en-US" sz="2400" b="1" dirty="0"/>
+              <a:t>Modules/Plugins</a:t>
+            </a:r>
+            <a:r>
+              <a:rPr lang="en-US" sz="2400" dirty="0"/>
+              <a:t> (</a:t>
+            </a:r>
+            <a:r>
+              <a:rPr lang="en-US" sz="2400" i="1" dirty="0"/>
+              <a:t>most</a:t>
+            </a:r>
+            <a:r>
+              <a:rPr lang="en-US" sz="2400" dirty="0"/>
+              <a:t> advanced):</a:t>
+            </a:r>
+          </a:p>
+          <a:p>
+            <a:r>
+              <a:rPr lang="en-US" sz="2400" dirty="0"/>
+              <a:t>https://bost.ocks.org/mike/d3-plugin/</a:t>
+            </a:r>
           </a:p>
         </p:txBody>
       </p:sp>
     </p:spTree>
     <p:extLst>
       <p:ext uri="{BB962C8B-B14F-4D97-AF65-F5344CB8AC3E}">
-        <p14:creationId xmlns:p14="http://schemas.microsoft.com/office/powerpoint/2010/main" val="3991108098"/>
+        <p14:creationId xmlns:p14="http://schemas.microsoft.com/office/powerpoint/2010/main" val="3499195240"/>
       </p:ext>
     </p:extLst>
   </p:cSld>
@@ -12947,7 +13051,7 @@
           <a:p>
             <a:r>
               <a:rPr lang="en-US" dirty="0" smtClean="0"/>
-              <a:t>SVG Level 2</a:t>
+              <a:t>SVG Documentation</a:t>
             </a:r>
             <a:endParaRPr lang="en-US" dirty="0"/>
           </a:p>
@@ -12970,25 +13074,17 @@
           <a:p>
             <a:r>
               <a:rPr lang="en-US" sz="4000" dirty="0"/>
-              <a:t>http://</a:t>
+              <a:t>https://</a:t>
             </a:r>
             <a:r>
               <a:rPr lang="en-US" sz="4000" dirty="0" smtClean="0"/>
-              <a:t>bit.ly/2xdgJsI</a:t>
-            </a:r>
-          </a:p>
-          <a:p>
-            <a:r>
-              <a:rPr lang="en-US" dirty="0" smtClean="0"/>
-              <a:t>Plug: </a:t>
-            </a:r>
-            <a:r>
-              <a:rPr lang="en-US" dirty="0" err="1" smtClean="0"/>
-              <a:t>VisualCinnamon</a:t>
-            </a:r>
-            <a:r>
-              <a:rPr lang="en-US" dirty="0" smtClean="0"/>
-              <a:t> is extraordinary. Their work on SVG in particular is the best I have found to date.</a:t>
+              <a:t>mzl.la/1nP24aN</a:t>
+            </a:r>
+          </a:p>
+          <a:p>
+            <a:r>
+              <a:rPr lang="en-US" dirty="0" smtClean="0"/>
+              <a:t>Check it: this is good to be familiar with, as is all of MDN</a:t>
             </a:r>
             <a:endParaRPr lang="en-US" dirty="0"/>
           </a:p>
@@ -12997,7 +13093,7 @@
     </p:spTree>
     <p:extLst>
       <p:ext uri="{BB962C8B-B14F-4D97-AF65-F5344CB8AC3E}">
-        <p14:creationId xmlns:p14="http://schemas.microsoft.com/office/powerpoint/2010/main" val="3830241924"/>
+        <p14:creationId xmlns:p14="http://schemas.microsoft.com/office/powerpoint/2010/main" val="3991108098"/>
       </p:ext>
     </p:extLst>
   </p:cSld>
@@ -13041,7 +13137,7 @@
           <a:p>
             <a:r>
               <a:rPr lang="en-US" dirty="0" smtClean="0"/>
-              <a:t>Maps in D3</a:t>
+              <a:t>SVG Level 2</a:t>
             </a:r>
             <a:endParaRPr lang="en-US" dirty="0"/>
           </a:p>
@@ -13057,57 +13153,41 @@
             <p:ph type="subTitle" idx="1"/>
           </p:nvPr>
         </p:nvSpPr>
-        <p:spPr>
-          <a:xfrm>
-            <a:off x="1524000" y="3602037"/>
-            <a:ext cx="9144000" cy="2083868"/>
-          </a:xfrm>
-        </p:spPr>
-        <p:txBody>
-          <a:bodyPr>
-            <a:normAutofit lnSpcReduction="10000"/>
-          </a:bodyPr>
+        <p:spPr/>
+        <p:txBody>
+          <a:bodyPr/>
           <a:lstStyle/>
           <a:p>
             <a:r>
               <a:rPr lang="en-US" sz="4000" dirty="0"/>
-              <a:t>http://bit.ly/2f7o4Q5</a:t>
-            </a:r>
-            <a:endParaRPr lang="en-US" sz="6000" dirty="0" smtClean="0"/>
-          </a:p>
-          <a:p>
+              <a:t>http://</a:t>
+            </a:r>
             <a:r>
               <a:rPr lang="en-US" sz="4000" dirty="0" smtClean="0"/>
-              <a:t>http</a:t>
-            </a:r>
-            <a:r>
-              <a:rPr lang="en-US" sz="4000" dirty="0"/>
-              <a:t>://</a:t>
-            </a:r>
-            <a:r>
-              <a:rPr lang="en-US" sz="4000" dirty="0" smtClean="0"/>
-              <a:t>oreil.ly/1UnNtFe</a:t>
-            </a:r>
-          </a:p>
-          <a:p>
-            <a:r>
-              <a:rPr lang="en-US" dirty="0" smtClean="0"/>
-              <a:t>Warning: This is advanced level!</a:t>
-            </a:r>
-          </a:p>
-          <a:p>
-            <a:r>
-              <a:rPr lang="en-US" sz="2000" dirty="0" smtClean="0"/>
-              <a:t>Also: The d3 library contains geo maps of many kinds already.</a:t>
-            </a:r>
-            <a:endParaRPr lang="en-US" sz="2000" dirty="0"/>
+              <a:t>bit.ly/2xdgJsI</a:t>
+            </a:r>
+          </a:p>
+          <a:p>
+            <a:r>
+              <a:rPr lang="en-US" dirty="0" smtClean="0"/>
+              <a:t>Plug: </a:t>
+            </a:r>
+            <a:r>
+              <a:rPr lang="en-US" dirty="0" err="1" smtClean="0"/>
+              <a:t>VisualCinnamon</a:t>
+            </a:r>
+            <a:r>
+              <a:rPr lang="en-US" dirty="0" smtClean="0"/>
+              <a:t> is extraordinary. Their work on SVG in particular is the best I have found to date.</a:t>
+            </a:r>
+            <a:endParaRPr lang="en-US" dirty="0"/>
           </a:p>
         </p:txBody>
       </p:sp>
     </p:spTree>
     <p:extLst>
       <p:ext uri="{BB962C8B-B14F-4D97-AF65-F5344CB8AC3E}">
-        <p14:creationId xmlns:p14="http://schemas.microsoft.com/office/powerpoint/2010/main" val="1384479126"/>
+        <p14:creationId xmlns:p14="http://schemas.microsoft.com/office/powerpoint/2010/main" val="3830241924"/>
       </p:ext>
     </p:extLst>
   </p:cSld>
@@ -13223,6 +13303,13 @@
   <p:clrMapOvr>
     <a:masterClrMapping/>
   </p:clrMapOvr>
+  <p:timing>
+    <p:tnLst>
+      <p:par>
+        <p:cTn id="1" dur="indefinite" restart="never" nodeType="tmRoot"/>
+      </p:par>
+    </p:tnLst>
+  </p:timing>
 </p:sld>
 </file>
 
@@ -13260,7 +13347,7 @@
           <a:p>
             <a:r>
               <a:rPr lang="en-US" dirty="0" smtClean="0"/>
-              <a:t>D3’s Extensive Library:</a:t>
+              <a:t>Maps in D3</a:t>
             </a:r>
             <a:endParaRPr lang="en-US" dirty="0"/>
           </a:p>
@@ -13278,62 +13365,55 @@
         </p:nvSpPr>
         <p:spPr>
           <a:xfrm>
-            <a:off x="713509" y="3509963"/>
-            <a:ext cx="10764982" cy="3056457"/>
+            <a:off x="1524000" y="3602037"/>
+            <a:ext cx="9144000" cy="2083868"/>
           </a:xfrm>
         </p:spPr>
         <p:txBody>
           <a:bodyPr>
-            <a:normAutofit/>
+            <a:normAutofit lnSpcReduction="10000"/>
           </a:bodyPr>
           <a:lstStyle/>
           <a:p>
-            <a:pPr algn="l"/>
             <a:r>
               <a:rPr lang="en-US" sz="4000" dirty="0"/>
-              <a:t>https://github.com/d3/d3/blob/master/API.md</a:t>
-            </a:r>
-          </a:p>
-          <a:p>
-            <a:pPr algn="l"/>
-            <a:endParaRPr lang="en-US" dirty="0" smtClean="0"/>
-          </a:p>
-          <a:p>
-            <a:pPr algn="l"/>
-            <a:r>
-              <a:rPr lang="en-US" dirty="0" smtClean="0"/>
-              <a:t>Statistics</a:t>
-            </a:r>
-            <a:r>
-              <a:rPr lang="en-US" dirty="0"/>
-              <a:t>, histograms (4 kinds), ES6’s Map/Set, Nesting, Data Ingestion (CSV, TSV, </a:t>
-            </a:r>
-            <a:r>
-              <a:rPr lang="en-US" dirty="0" err="1"/>
-              <a:t>etc</a:t>
-            </a:r>
-            <a:r>
-              <a:rPr lang="en-US" dirty="0"/>
-              <a:t>), many </a:t>
-            </a:r>
-            <a:r>
-              <a:rPr lang="en-US" dirty="0" smtClean="0"/>
-              <a:t>animation/easing/time </a:t>
-            </a:r>
-            <a:r>
-              <a:rPr lang="en-US" dirty="0"/>
-              <a:t>options, force/physics, geography and projections, spherical maps/math, and that is just the first 25% of it: </a:t>
-            </a:r>
-          </a:p>
-          <a:p>
-            <a:endParaRPr lang="en-US" dirty="0"/>
+              <a:t>http://bit.ly/2f7o4Q5</a:t>
+            </a:r>
+            <a:endParaRPr lang="en-US" sz="6000" dirty="0" smtClean="0"/>
+          </a:p>
+          <a:p>
+            <a:r>
+              <a:rPr lang="en-US" sz="4000" dirty="0" smtClean="0"/>
+              <a:t>http</a:t>
+            </a:r>
+            <a:r>
+              <a:rPr lang="en-US" sz="4000" dirty="0"/>
+              <a:t>://</a:t>
+            </a:r>
+            <a:r>
+              <a:rPr lang="en-US" sz="4000" dirty="0" smtClean="0"/>
+              <a:t>oreil.ly/1UnNtFe</a:t>
+            </a:r>
+          </a:p>
+          <a:p>
+            <a:r>
+              <a:rPr lang="en-US" dirty="0" smtClean="0"/>
+              <a:t>Warning: This is advanced level!</a:t>
+            </a:r>
+          </a:p>
+          <a:p>
+            <a:r>
+              <a:rPr lang="en-US" sz="2000" dirty="0" smtClean="0"/>
+              <a:t>Also: The d3 library contains geo maps of many kinds already.</a:t>
+            </a:r>
+            <a:endParaRPr lang="en-US" sz="2000" dirty="0"/>
           </a:p>
         </p:txBody>
       </p:sp>
     </p:spTree>
     <p:extLst>
       <p:ext uri="{BB962C8B-B14F-4D97-AF65-F5344CB8AC3E}">
-        <p14:creationId xmlns:p14="http://schemas.microsoft.com/office/powerpoint/2010/main" val="1065099257"/>
+        <p14:creationId xmlns:p14="http://schemas.microsoft.com/office/powerpoint/2010/main" val="1384479126"/>
       </p:ext>
     </p:extLst>
   </p:cSld>
@@ -13377,6 +13457,123 @@
           <a:p>
             <a:r>
               <a:rPr lang="en-US" dirty="0" smtClean="0"/>
+              <a:t>D3’s Extensive Library:</a:t>
+            </a:r>
+            <a:endParaRPr lang="en-US" dirty="0"/>
+          </a:p>
+        </p:txBody>
+      </p:sp>
+      <p:sp>
+        <p:nvSpPr>
+          <p:cNvPr id="3" name="Subtitle 2"/>
+          <p:cNvSpPr>
+            <a:spLocks noGrp="1"/>
+          </p:cNvSpPr>
+          <p:nvPr>
+            <p:ph type="subTitle" idx="1"/>
+          </p:nvPr>
+        </p:nvSpPr>
+        <p:spPr>
+          <a:xfrm>
+            <a:off x="713509" y="3509963"/>
+            <a:ext cx="10764982" cy="3056457"/>
+          </a:xfrm>
+        </p:spPr>
+        <p:txBody>
+          <a:bodyPr>
+            <a:normAutofit/>
+          </a:bodyPr>
+          <a:lstStyle/>
+          <a:p>
+            <a:pPr algn="l"/>
+            <a:r>
+              <a:rPr lang="en-US" sz="4000" dirty="0"/>
+              <a:t>https://github.com/d3/d3/blob/master/API.md</a:t>
+            </a:r>
+          </a:p>
+          <a:p>
+            <a:pPr algn="l"/>
+            <a:endParaRPr lang="en-US" dirty="0" smtClean="0"/>
+          </a:p>
+          <a:p>
+            <a:pPr algn="l"/>
+            <a:r>
+              <a:rPr lang="en-US" dirty="0" smtClean="0"/>
+              <a:t>Statistics</a:t>
+            </a:r>
+            <a:r>
+              <a:rPr lang="en-US" dirty="0"/>
+              <a:t>, histograms (4 kinds), ES6’s Map/Set, Nesting, Data Ingestion (CSV, TSV, </a:t>
+            </a:r>
+            <a:r>
+              <a:rPr lang="en-US" dirty="0" err="1"/>
+              <a:t>etc</a:t>
+            </a:r>
+            <a:r>
+              <a:rPr lang="en-US" dirty="0"/>
+              <a:t>), many </a:t>
+            </a:r>
+            <a:r>
+              <a:rPr lang="en-US" dirty="0" smtClean="0"/>
+              <a:t>animation/easing/time </a:t>
+            </a:r>
+            <a:r>
+              <a:rPr lang="en-US" dirty="0"/>
+              <a:t>options, force/physics, geography and projections, spherical maps/math, and that is just the first 25% of it: </a:t>
+            </a:r>
+          </a:p>
+          <a:p>
+            <a:endParaRPr lang="en-US" dirty="0"/>
+          </a:p>
+        </p:txBody>
+      </p:sp>
+    </p:spTree>
+    <p:extLst>
+      <p:ext uri="{BB962C8B-B14F-4D97-AF65-F5344CB8AC3E}">
+        <p14:creationId xmlns:p14="http://schemas.microsoft.com/office/powerpoint/2010/main" val="1065099257"/>
+      </p:ext>
+    </p:extLst>
+  </p:cSld>
+  <p:clrMapOvr>
+    <a:masterClrMapping/>
+  </p:clrMapOvr>
+</p:sld>
+</file>
+
+<file path=ppt/slides/slide62.xml><?xml version="1.0" encoding="utf-8"?>
+<p:sld xmlns:a="http://schemas.openxmlformats.org/drawingml/2006/main" xmlns:r="http://schemas.openxmlformats.org/officeDocument/2006/relationships" xmlns:p="http://schemas.openxmlformats.org/presentationml/2006/main">
+  <p:cSld>
+    <p:spTree>
+      <p:nvGrpSpPr>
+        <p:cNvPr id="1" name=""/>
+        <p:cNvGrpSpPr/>
+        <p:nvPr/>
+      </p:nvGrpSpPr>
+      <p:grpSpPr>
+        <a:xfrm>
+          <a:off x="0" y="0"/>
+          <a:ext cx="0" cy="0"/>
+          <a:chOff x="0" y="0"/>
+          <a:chExt cx="0" cy="0"/>
+        </a:xfrm>
+      </p:grpSpPr>
+      <p:sp>
+        <p:nvSpPr>
+          <p:cNvPr id="2" name="Title 1"/>
+          <p:cNvSpPr>
+            <a:spLocks noGrp="1"/>
+          </p:cNvSpPr>
+          <p:nvPr>
+            <p:ph type="ctrTitle"/>
+          </p:nvPr>
+        </p:nvSpPr>
+        <p:spPr/>
+        <p:txBody>
+          <a:bodyPr/>
+          <a:lstStyle/>
+          <a:p>
+            <a:r>
+              <a:rPr lang="en-US" dirty="0" smtClean="0"/>
               <a:t>Canvas and D3</a:t>
             </a:r>
             <a:endParaRPr lang="en-US" dirty="0"/>
@@ -13436,7 +13633,7 @@
 </p:sld>
 </file>
 
-<file path=ppt/slides/slide62.xml><?xml version="1.0" encoding="utf-8"?>
+<file path=ppt/slides/slide63.xml><?xml version="1.0" encoding="utf-8"?>
 <p:sld xmlns:a="http://schemas.openxmlformats.org/drawingml/2006/main" xmlns:r="http://schemas.openxmlformats.org/officeDocument/2006/relationships" xmlns:p="http://schemas.openxmlformats.org/presentationml/2006/main">
   <p:cSld>
     <p:spTree>
@@ -13620,6 +13817,13 @@
   <p:clrMapOvr>
     <a:masterClrMapping/>
   </p:clrMapOvr>
+  <p:timing>
+    <p:tnLst>
+      <p:par>
+        <p:cTn id="1" dur="indefinite" restart="never" nodeType="tmRoot"/>
+      </p:par>
+    </p:tnLst>
+  </p:timing>
 </p:sld>
 </file>
 
@@ -13703,6 +13907,13 @@
   <p:clrMapOvr>
     <a:masterClrMapping/>
   </p:clrMapOvr>
+  <p:timing>
+    <p:tnLst>
+      <p:par>
+        <p:cTn id="1" dur="indefinite" restart="never" nodeType="tmRoot"/>
+      </p:par>
+    </p:tnLst>
+  </p:timing>
 </p:sld>
 </file>
 
@@ -13779,6 +13990,13 @@
   <p:clrMapOvr>
     <a:masterClrMapping/>
   </p:clrMapOvr>
+  <p:timing>
+    <p:tnLst>
+      <p:par>
+        <p:cTn id="1" dur="indefinite" restart="never" nodeType="tmRoot"/>
+      </p:par>
+    </p:tnLst>
+  </p:timing>
 </p:sld>
 </file>
 
